--- a/docs/Solana_Blockchain_Outline_Figure.pptx
+++ b/docs/Solana_Blockchain_Outline_Figure.pptx
@@ -5,11 +5,12 @@
     <p:sldMasterId id="2147483672" r:id="rId1"/>
   </p:sldMasterIdLst>
   <p:notesMasterIdLst>
-    <p:notesMasterId r:id="rId4"/>
+    <p:notesMasterId r:id="rId5"/>
   </p:notesMasterIdLst>
   <p:sldIdLst>
     <p:sldId id="256" r:id="rId2"/>
     <p:sldId id="258" r:id="rId3"/>
+    <p:sldId id="259" r:id="rId4"/>
   </p:sldIdLst>
   <p:sldSz cx="12192000" cy="6858000"/>
   <p:notesSz cx="6858000" cy="9144000"/>
@@ -198,7 +199,7 @@
           <a:p>
             <a:fld id="{0E3AE901-84B3-3248-AD12-BEDA7F301CE3}" type="datetimeFigureOut">
               <a:rPr kumimoji="1" lang="ja-JP" altLang="en-US" smtClean="0"/>
-              <a:t>2021/12/18</a:t>
+              <a:t>2021/12/19</a:t>
             </a:fld>
             <a:endParaRPr kumimoji="1" lang="ja-JP" altLang="en-US"/>
           </a:p>
@@ -645,7 +646,7 @@
           <a:p>
             <a:fld id="{E6851339-B791-2543-A411-D5C0BF7CF832}" type="datetime1">
               <a:rPr kumimoji="1" lang="ja-JP" altLang="en-US" smtClean="0"/>
-              <a:t>2021/12/18</a:t>
+              <a:t>2021/12/19</a:t>
             </a:fld>
             <a:endParaRPr kumimoji="1" lang="ja-JP" altLang="en-US"/>
           </a:p>
@@ -866,7 +867,7 @@
           <a:p>
             <a:fld id="{A20C4B19-A868-3A49-8F38-E72DBA7F7CE3}" type="datetime1">
               <a:rPr kumimoji="1" lang="ja-JP" altLang="en-US" smtClean="0"/>
-              <a:t>2021/12/18</a:t>
+              <a:t>2021/12/19</a:t>
             </a:fld>
             <a:endParaRPr kumimoji="1" lang="ja-JP" altLang="en-US"/>
           </a:p>
@@ -1082,7 +1083,7 @@
           <a:p>
             <a:fld id="{D0090A48-633D-E844-AF07-48AC11C0415A}" type="datetime1">
               <a:rPr kumimoji="1" lang="ja-JP" altLang="en-US" smtClean="0"/>
-              <a:t>2021/12/18</a:t>
+              <a:t>2021/12/19</a:t>
             </a:fld>
             <a:endParaRPr kumimoji="1" lang="ja-JP" altLang="en-US"/>
           </a:p>
@@ -1288,7 +1289,7 @@
           <a:p>
             <a:fld id="{7E5C0873-C23F-1D43-B933-39E7CB65079A}" type="datetime1">
               <a:rPr kumimoji="1" lang="ja-JP" altLang="en-US" smtClean="0"/>
-              <a:t>2021/12/18</a:t>
+              <a:t>2021/12/19</a:t>
             </a:fld>
             <a:endParaRPr kumimoji="1" lang="ja-JP" altLang="en-US"/>
           </a:p>
@@ -1538,7 +1539,7 @@
           <a:p>
             <a:fld id="{551BEE3E-B5BC-3D4C-A34C-20B36F9869C7}" type="datetime1">
               <a:rPr kumimoji="1" lang="ja-JP" altLang="en-US" smtClean="0"/>
-              <a:t>2021/12/18</a:t>
+              <a:t>2021/12/19</a:t>
             </a:fld>
             <a:endParaRPr kumimoji="1" lang="ja-JP" altLang="en-US"/>
           </a:p>
@@ -1838,7 +1839,7 @@
           <a:p>
             <a:fld id="{5156D51A-F155-E24A-9B60-AE7D92900ACE}" type="datetime1">
               <a:rPr kumimoji="1" lang="ja-JP" altLang="en-US" smtClean="0"/>
-              <a:t>2021/12/18</a:t>
+              <a:t>2021/12/19</a:t>
             </a:fld>
             <a:endParaRPr kumimoji="1" lang="ja-JP" altLang="en-US"/>
           </a:p>
@@ -2273,7 +2274,7 @@
           <a:p>
             <a:fld id="{4EAC22FD-6838-EE46-ACA4-4E38E091F7A3}" type="datetime1">
               <a:rPr kumimoji="1" lang="ja-JP" altLang="en-US" smtClean="0"/>
-              <a:t>2021/12/18</a:t>
+              <a:t>2021/12/19</a:t>
             </a:fld>
             <a:endParaRPr kumimoji="1" lang="ja-JP" altLang="en-US"/>
           </a:p>
@@ -2395,7 +2396,7 @@
           <a:p>
             <a:fld id="{64A7ED88-7F83-7C47-9D22-0D7A856526C2}" type="datetime1">
               <a:rPr kumimoji="1" lang="ja-JP" altLang="en-US" smtClean="0"/>
-              <a:t>2021/12/18</a:t>
+              <a:t>2021/12/19</a:t>
             </a:fld>
             <a:endParaRPr kumimoji="1" lang="ja-JP" altLang="en-US"/>
           </a:p>
@@ -2494,7 +2495,7 @@
           <a:p>
             <a:fld id="{C4373173-78A3-1048-A596-5D63967B7249}" type="datetime1">
               <a:rPr kumimoji="1" lang="ja-JP" altLang="en-US" smtClean="0"/>
-              <a:t>2021/12/18</a:t>
+              <a:t>2021/12/19</a:t>
             </a:fld>
             <a:endParaRPr kumimoji="1" lang="ja-JP" altLang="en-US"/>
           </a:p>
@@ -2807,7 +2808,7 @@
           <a:p>
             <a:fld id="{0612A1EE-20E7-6749-936A-EFBEC5019122}" type="datetime1">
               <a:rPr kumimoji="1" lang="ja-JP" altLang="en-US" smtClean="0"/>
-              <a:t>2021/12/18</a:t>
+              <a:t>2021/12/19</a:t>
             </a:fld>
             <a:endParaRPr kumimoji="1" lang="ja-JP" altLang="en-US"/>
           </a:p>
@@ -3068,7 +3069,7 @@
           <a:p>
             <a:fld id="{6E6CDA51-427A-9F41-AA69-359B3BA14E04}" type="datetime1">
               <a:rPr kumimoji="1" lang="ja-JP" altLang="en-US" smtClean="0"/>
-              <a:t>2021/12/18</a:t>
+              <a:t>2021/12/19</a:t>
             </a:fld>
             <a:endParaRPr kumimoji="1" lang="ja-JP" altLang="en-US"/>
           </a:p>
@@ -3255,7 +3256,7 @@
           <a:p>
             <a:fld id="{95553651-B718-3C46-A48E-CCDE2AEA20A9}" type="datetime1">
               <a:rPr kumimoji="1" lang="ja-JP" altLang="en-US" smtClean="0"/>
-              <a:t>2021/12/18</a:t>
+              <a:t>2021/12/19</a:t>
             </a:fld>
             <a:endParaRPr kumimoji="1" lang="ja-JP" altLang="en-US"/>
           </a:p>
@@ -3958,7 +3959,7 @@
           <a:lstStyle/>
           <a:p>
             <a:r>
-              <a:rPr kumimoji="1" lang="en-US" altLang="ja-JP" sz="1200" dirty="0">
+              <a:rPr kumimoji="1" lang="en-US" altLang="ja-JP" sz="1200" b="1" dirty="0">
                 <a:solidFill>
                   <a:schemeClr val="tx1"/>
                 </a:solidFill>
@@ -4054,16 +4055,16 @@
           </a:fontRef>
         </p:style>
         <p:txBody>
-          <a:bodyPr rtlCol="0" anchor="t"/>
+          <a:bodyPr wrap="none" rtlCol="0" anchor="t"/>
           <a:lstStyle/>
           <a:p>
             <a:r>
-              <a:rPr kumimoji="1" lang="en-US" altLang="ja-JP" sz="1200" dirty="0">
+              <a:rPr kumimoji="1" lang="en-US" altLang="ja-JP" sz="1200" b="1" dirty="0">
                 <a:solidFill>
                   <a:schemeClr val="tx1"/>
                 </a:solidFill>
               </a:rPr>
-              <a:t>User Account (via Mac)</a:t>
+              <a:t>User Account (Developer)</a:t>
             </a:r>
           </a:p>
           <a:p>
@@ -4080,7 +4081,7 @@
                   <a:schemeClr val="tx1"/>
                 </a:solidFill>
               </a:rPr>
-              <a:t>Overview: for Developer</a:t>
+              <a:t>Overview: Developer via Mac</a:t>
             </a:r>
           </a:p>
           <a:p>
@@ -4129,7 +4130,7 @@
                   <a:schemeClr val="tx1"/>
                 </a:solidFill>
               </a:rPr>
-              <a:t>Assigned Program Id: System Program</a:t>
+              <a:t>Assigned Program: System Program</a:t>
             </a:r>
           </a:p>
           <a:p>
@@ -4197,7 +4198,7 @@
           <a:lstStyle/>
           <a:p>
             <a:r>
-              <a:rPr kumimoji="1" lang="en-US" altLang="ja-JP" sz="1200" dirty="0">
+              <a:rPr kumimoji="1" lang="en-US" altLang="ja-JP" sz="1200" b="1" dirty="0">
                 <a:solidFill>
                   <a:schemeClr val="tx1"/>
                 </a:solidFill>
@@ -4390,11 +4391,11 @@
           </a:fontRef>
         </p:style>
         <p:txBody>
-          <a:bodyPr rtlCol="0" anchor="t"/>
+          <a:bodyPr wrap="none" rtlCol="0" anchor="t"/>
           <a:lstStyle/>
           <a:p>
             <a:r>
-              <a:rPr kumimoji="1" lang="en-US" altLang="ja-JP" sz="1200" dirty="0">
+              <a:rPr kumimoji="1" lang="en-US" altLang="ja-JP" sz="1200" b="1" dirty="0">
                 <a:solidFill>
                   <a:schemeClr val="tx1"/>
                 </a:solidFill>
@@ -4563,16 +4564,16 @@
           </a:fontRef>
         </p:style>
         <p:txBody>
-          <a:bodyPr rtlCol="0" anchor="t"/>
+          <a:bodyPr wrap="none" rtlCol="0" anchor="t"/>
           <a:lstStyle/>
           <a:p>
             <a:r>
-              <a:rPr kumimoji="1" lang="en-US" altLang="ja-JP" sz="1200" dirty="0">
+              <a:rPr kumimoji="1" lang="en-US" altLang="ja-JP" sz="1200" b="1" dirty="0">
                 <a:solidFill>
                   <a:schemeClr val="tx1"/>
                 </a:solidFill>
               </a:rPr>
-              <a:t>User Account (via Phantom)</a:t>
+              <a:t>User Account (Consumer)</a:t>
             </a:r>
           </a:p>
           <a:p>
@@ -4589,7 +4590,7 @@
                   <a:schemeClr val="tx1"/>
                 </a:solidFill>
               </a:rPr>
-              <a:t>Overview: for Consumer</a:t>
+              <a:t>Overview: Consumer via Phantom</a:t>
             </a:r>
           </a:p>
           <a:p>
@@ -4622,7 +4623,7 @@
                   <a:schemeClr val="tx1"/>
                 </a:solidFill>
               </a:rPr>
-              <a:t>Assigned Program Id: System Program</a:t>
+              <a:t>Assigned Program: System Program</a:t>
             </a:r>
           </a:p>
           <a:p>
@@ -4690,7 +4691,7 @@
           <a:lstStyle/>
           <a:p>
             <a:r>
-              <a:rPr kumimoji="1" lang="en-US" altLang="ja-JP" sz="1200" dirty="0">
+              <a:rPr kumimoji="1" lang="en-US" altLang="ja-JP" sz="1200" b="1" dirty="0">
                 <a:solidFill>
                   <a:schemeClr val="tx1"/>
                 </a:solidFill>
@@ -5974,8 +5975,8 @@
         </p:nvSpPr>
         <p:spPr>
           <a:xfrm>
-            <a:off x="3204798" y="730385"/>
-            <a:ext cx="1039824" cy="167158"/>
+            <a:off x="3204798" y="672607"/>
+            <a:ext cx="3816000" cy="216000"/>
           </a:xfrm>
           <a:prstGeom prst="rect">
             <a:avLst/>
@@ -6016,7 +6017,7 @@
                   <a:schemeClr val="tx1"/>
                 </a:solidFill>
               </a:rPr>
-              <a:t>STEP 1, 2</a:t>
+              <a:t>STEP 1, 2 (Deploy, Re-Deploy Program)</a:t>
             </a:r>
             <a:endParaRPr kumimoji="1" lang="ja-JP" altLang="en-US" sz="1400">
               <a:solidFill>
@@ -6100,7 +6101,7 @@
         <p:spPr>
           <a:xfrm>
             <a:off x="3204798" y="4397501"/>
-            <a:ext cx="1039824" cy="167158"/>
+            <a:ext cx="3816000" cy="216000"/>
           </a:xfrm>
           <a:prstGeom prst="rect">
             <a:avLst/>
@@ -6141,7 +6142,7 @@
                   <a:schemeClr val="tx1"/>
                 </a:solidFill>
               </a:rPr>
-              <a:t>STEP 3, 4</a:t>
+              <a:t>STEP 3, 4 (Create Account, then Add/Update Data)</a:t>
             </a:r>
             <a:endParaRPr kumimoji="1" lang="ja-JP" altLang="en-US" sz="1400">
               <a:solidFill>
@@ -6155,6 +6156,2506 @@
     <p:extLst>
       <p:ext uri="{BB962C8B-B14F-4D97-AF65-F5344CB8AC3E}">
         <p14:creationId xmlns:p14="http://schemas.microsoft.com/office/powerpoint/2010/main" val="29468240"/>
+      </p:ext>
+    </p:extLst>
+  </p:cSld>
+  <p:clrMapOvr>
+    <a:masterClrMapping/>
+  </p:clrMapOvr>
+</p:sld>
+</file>
+
+<file path=ppt/slides/slide3.xml><?xml version="1.0" encoding="utf-8"?>
+<p:sld xmlns:a="http://schemas.openxmlformats.org/drawingml/2006/main" xmlns:r="http://schemas.openxmlformats.org/officeDocument/2006/relationships" xmlns:p="http://schemas.openxmlformats.org/presentationml/2006/main">
+  <p:cSld>
+    <p:spTree>
+      <p:nvGrpSpPr>
+        <p:cNvPr id="1" name=""/>
+        <p:cNvGrpSpPr/>
+        <p:nvPr/>
+      </p:nvGrpSpPr>
+      <p:grpSpPr>
+        <a:xfrm>
+          <a:off x="0" y="0"/>
+          <a:ext cx="0" cy="0"/>
+          <a:chOff x="0" y="0"/>
+          <a:chExt cx="0" cy="0"/>
+        </a:xfrm>
+      </p:grpSpPr>
+      <p:sp>
+        <p:nvSpPr>
+          <p:cNvPr id="2" name="タイトル 1">
+            <a:extLst>
+              <a:ext uri="{FF2B5EF4-FFF2-40B4-BE49-F238E27FC236}">
+                <a16:creationId xmlns:a16="http://schemas.microsoft.com/office/drawing/2014/main" id="{39B57303-5685-3645-97DA-C8872A513461}"/>
+              </a:ext>
+            </a:extLst>
+          </p:cNvPr>
+          <p:cNvSpPr>
+            <a:spLocks noGrp="1"/>
+          </p:cNvSpPr>
+          <p:nvPr>
+            <p:ph type="title"/>
+          </p:nvPr>
+        </p:nvSpPr>
+        <p:spPr/>
+        <p:txBody>
+          <a:bodyPr/>
+          <a:lstStyle/>
+          <a:p>
+            <a:r>
+              <a:rPr kumimoji="1" lang="en-US" altLang="ja-JP" dirty="0"/>
+              <a:t>Accounts – Sending Token Process (Draft Version)</a:t>
+            </a:r>
+            <a:endParaRPr kumimoji="1" lang="ja-JP" altLang="en-US"/>
+          </a:p>
+        </p:txBody>
+      </p:sp>
+      <p:sp>
+        <p:nvSpPr>
+          <p:cNvPr id="4" name="フッター プレースホルダー 3">
+            <a:extLst>
+              <a:ext uri="{FF2B5EF4-FFF2-40B4-BE49-F238E27FC236}">
+                <a16:creationId xmlns:a16="http://schemas.microsoft.com/office/drawing/2014/main" id="{8B0292AD-87DE-FC47-AC2B-4284F89A8D72}"/>
+              </a:ext>
+            </a:extLst>
+          </p:cNvPr>
+          <p:cNvSpPr>
+            <a:spLocks noGrp="1"/>
+          </p:cNvSpPr>
+          <p:nvPr>
+            <p:ph type="ftr" sz="quarter" idx="11"/>
+          </p:nvPr>
+        </p:nvSpPr>
+        <p:spPr/>
+        <p:txBody>
+          <a:bodyPr/>
+          <a:lstStyle/>
+          <a:p>
+            <a:r>
+              <a:rPr kumimoji="1" lang="en-US" altLang="ja-JP"/>
+              <a:t>256hax</a:t>
+            </a:r>
+            <a:endParaRPr kumimoji="1" lang="ja-JP" altLang="en-US"/>
+          </a:p>
+        </p:txBody>
+      </p:sp>
+      <p:sp>
+        <p:nvSpPr>
+          <p:cNvPr id="5" name="スライド番号プレースホルダー 4">
+            <a:extLst>
+              <a:ext uri="{FF2B5EF4-FFF2-40B4-BE49-F238E27FC236}">
+                <a16:creationId xmlns:a16="http://schemas.microsoft.com/office/drawing/2014/main" id="{194C469B-51DF-1545-91A9-AD7A270321EA}"/>
+              </a:ext>
+            </a:extLst>
+          </p:cNvPr>
+          <p:cNvSpPr>
+            <a:spLocks noGrp="1"/>
+          </p:cNvSpPr>
+          <p:nvPr>
+            <p:ph type="sldNum" sz="quarter" idx="12"/>
+          </p:nvPr>
+        </p:nvSpPr>
+        <p:spPr/>
+        <p:txBody>
+          <a:bodyPr/>
+          <a:lstStyle/>
+          <a:p>
+            <a:fld id="{51BE5F08-58E8-9243-A834-2B76637F595D}" type="slidenum">
+              <a:rPr kumimoji="1" lang="ja-JP" altLang="en-US" smtClean="0"/>
+              <a:t>2</a:t>
+            </a:fld>
+            <a:endParaRPr kumimoji="1" lang="ja-JP" altLang="en-US"/>
+          </a:p>
+        </p:txBody>
+      </p:sp>
+      <p:graphicFrame>
+        <p:nvGraphicFramePr>
+          <p:cNvPr id="14" name="表 46">
+            <a:extLst>
+              <a:ext uri="{FF2B5EF4-FFF2-40B4-BE49-F238E27FC236}">
+                <a16:creationId xmlns:a16="http://schemas.microsoft.com/office/drawing/2014/main" id="{399B04BF-1171-E64F-86AD-51E61ED60957}"/>
+              </a:ext>
+            </a:extLst>
+          </p:cNvPr>
+          <p:cNvGraphicFramePr>
+            <a:graphicFrameLocks noGrp="1"/>
+          </p:cNvGraphicFramePr>
+          <p:nvPr>
+            <p:extLst>
+              <p:ext uri="{D42A27DB-BD31-4B8C-83A1-F6EECF244321}">
+                <p14:modId xmlns:p14="http://schemas.microsoft.com/office/powerpoint/2010/main" val="2684927453"/>
+              </p:ext>
+            </p:extLst>
+          </p:nvPr>
+        </p:nvGraphicFramePr>
+        <p:xfrm>
+          <a:off x="359198" y="5501144"/>
+          <a:ext cx="11211913" cy="929640"/>
+        </p:xfrm>
+        <a:graphic>
+          <a:graphicData uri="http://schemas.openxmlformats.org/drawingml/2006/table">
+            <a:tbl>
+              <a:tblPr firstRow="1" bandRow="1">
+                <a:tableStyleId>{5C22544A-7EE6-4342-B048-85BDC9FD1C3A}</a:tableStyleId>
+              </a:tblPr>
+              <a:tblGrid>
+                <a:gridCol w="1661463">
+                  <a:extLst>
+                    <a:ext uri="{9D8B030D-6E8A-4147-A177-3AD203B41FA5}">
+                      <a16:colId xmlns:a16="http://schemas.microsoft.com/office/drawing/2014/main" val="2217692529"/>
+                    </a:ext>
+                  </a:extLst>
+                </a:gridCol>
+                <a:gridCol w="9550450">
+                  <a:extLst>
+                    <a:ext uri="{9D8B030D-6E8A-4147-A177-3AD203B41FA5}">
+                      <a16:colId xmlns:a16="http://schemas.microsoft.com/office/drawing/2014/main" val="2533206870"/>
+                    </a:ext>
+                  </a:extLst>
+                </a:gridCol>
+              </a:tblGrid>
+              <a:tr h="432716">
+                <a:tc>
+                  <a:txBody>
+                    <a:bodyPr/>
+                    <a:lstStyle/>
+                    <a:p>
+                      <a:pPr marL="0" marR="0" indent="0" algn="l" defTabSz="914400" rtl="0" eaLnBrk="1" fontAlgn="auto" latinLnBrk="0" hangingPunct="1">
+                        <a:lnSpc>
+                          <a:spcPct val="100000"/>
+                        </a:lnSpc>
+                        <a:spcBef>
+                          <a:spcPts val="0"/>
+                        </a:spcBef>
+                        <a:spcAft>
+                          <a:spcPts val="0"/>
+                        </a:spcAft>
+                        <a:buClrTx/>
+                        <a:buSzTx/>
+                        <a:buFontTx/>
+                        <a:buNone/>
+                        <a:tabLst/>
+                        <a:defRPr/>
+                      </a:pPr>
+                      <a:r>
+                        <a:rPr kumimoji="1" lang="en-US" altLang="ja-JP" sz="1200" b="0" dirty="0">
+                          <a:solidFill>
+                            <a:schemeClr val="tx1"/>
+                          </a:solidFill>
+                        </a:rPr>
+                        <a:t>Step with Signature(</a:t>
+                      </a:r>
+                      <a:r>
+                        <a:rPr kumimoji="1" lang="en-US" altLang="ja-JP" sz="1200" b="0" dirty="0" err="1">
+                          <a:solidFill>
+                            <a:schemeClr val="tx1"/>
+                          </a:solidFill>
+                        </a:rPr>
+                        <a:t>Devnet</a:t>
+                      </a:r>
+                      <a:r>
+                        <a:rPr kumimoji="1" lang="en-US" altLang="ja-JP" sz="1200" b="0" dirty="0">
+                          <a:solidFill>
+                            <a:schemeClr val="tx1"/>
+                          </a:solidFill>
+                        </a:rPr>
+                        <a:t>)</a:t>
+                      </a:r>
+                      <a:endParaRPr kumimoji="1" lang="ja-JP" altLang="en-US" sz="1200" b="0">
+                        <a:solidFill>
+                          <a:schemeClr val="tx1"/>
+                        </a:solidFill>
+                      </a:endParaRPr>
+                    </a:p>
+                  </a:txBody>
+                  <a:tcPr>
+                    <a:lnL w="12700" cap="flat" cmpd="sng" algn="ctr">
+                      <a:solidFill>
+                        <a:schemeClr val="bg1">
+                          <a:lumMod val="95000"/>
+                        </a:schemeClr>
+                      </a:solidFill>
+                      <a:prstDash val="solid"/>
+                      <a:round/>
+                      <a:headEnd type="none" w="med" len="med"/>
+                      <a:tailEnd type="none" w="med" len="med"/>
+                    </a:lnL>
+                    <a:lnR w="12700" cap="flat" cmpd="sng" algn="ctr">
+                      <a:solidFill>
+                        <a:schemeClr val="bg1">
+                          <a:lumMod val="95000"/>
+                        </a:schemeClr>
+                      </a:solidFill>
+                      <a:prstDash val="solid"/>
+                      <a:round/>
+                      <a:headEnd type="none" w="med" len="med"/>
+                      <a:tailEnd type="none" w="med" len="med"/>
+                    </a:lnR>
+                    <a:lnT w="12700" cap="flat" cmpd="sng" algn="ctr">
+                      <a:solidFill>
+                        <a:schemeClr val="bg1">
+                          <a:lumMod val="95000"/>
+                        </a:schemeClr>
+                      </a:solidFill>
+                      <a:prstDash val="solid"/>
+                      <a:round/>
+                      <a:headEnd type="none" w="med" len="med"/>
+                      <a:tailEnd type="none" w="med" len="med"/>
+                    </a:lnT>
+                    <a:lnB w="12700" cap="flat" cmpd="sng" algn="ctr">
+                      <a:solidFill>
+                        <a:schemeClr val="bg1">
+                          <a:lumMod val="95000"/>
+                        </a:schemeClr>
+                      </a:solidFill>
+                      <a:prstDash val="solid"/>
+                      <a:round/>
+                      <a:headEnd type="none" w="med" len="med"/>
+                      <a:tailEnd type="none" w="med" len="med"/>
+                    </a:lnB>
+                    <a:noFill/>
+                  </a:tcPr>
+                </a:tc>
+                <a:tc>
+                  <a:txBody>
+                    <a:bodyPr/>
+                    <a:lstStyle/>
+                    <a:p>
+                      <a:pPr marL="0" indent="0">
+                        <a:buNone/>
+                      </a:pPr>
+                      <a:r>
+                        <a:rPr kumimoji="1" lang="en-US" altLang="ja-JP" sz="1100" b="0" dirty="0">
+                          <a:solidFill>
+                            <a:schemeClr val="tx1"/>
+                          </a:solidFill>
+                        </a:rPr>
+                        <a:t>1. Create Token: </a:t>
+                      </a:r>
+                      <a:r>
+                        <a:rPr kumimoji="1" lang="en-US" altLang="ja-JP" sz="1100" b="0" dirty="0">
+                          <a:solidFill>
+                            <a:schemeClr val="tx1"/>
+                          </a:solidFill>
+                          <a:hlinkClick r:id="rId2"/>
+                        </a:rPr>
+                        <a:t>2c67zVpfkUdJP2ZziC1nBmGsEPC3NoK6fisxDJKpZCuZERajyycchWunkSspjvdcxMnMSzxjvfoo7dKkNeDKbs6p</a:t>
+                      </a:r>
+                      <a:endParaRPr kumimoji="1" lang="en-US" altLang="ja-JP" sz="1100" b="0" dirty="0">
+                        <a:solidFill>
+                          <a:schemeClr val="tx1"/>
+                        </a:solidFill>
+                      </a:endParaRPr>
+                    </a:p>
+                    <a:p>
+                      <a:pPr marL="0" indent="0">
+                        <a:buNone/>
+                      </a:pPr>
+                      <a:r>
+                        <a:rPr kumimoji="1" lang="en-US" altLang="ja-JP" sz="1100" b="0" dirty="0">
+                          <a:solidFill>
+                            <a:schemeClr val="tx1"/>
+                          </a:solidFill>
+                        </a:rPr>
+                        <a:t>2. Create Token Account and Association): </a:t>
+                      </a:r>
+                      <a:r>
+                        <a:rPr kumimoji="1" lang="en-US" altLang="ja-JP" sz="1100" b="0" dirty="0">
+                          <a:solidFill>
+                            <a:schemeClr val="tx1"/>
+                          </a:solidFill>
+                          <a:hlinkClick r:id="rId3"/>
+                        </a:rPr>
+                        <a:t>28pZaLUia6BDcPARLcyDsVZhc3ADVsS9kxNeMxmKwEij1UhraYc4xV6cF85m4sJye1KofW9BjynVXGj83SF4uvQA</a:t>
+                      </a:r>
+                      <a:endParaRPr kumimoji="1" lang="en-US" altLang="ja-JP" sz="1100" b="0" dirty="0">
+                        <a:solidFill>
+                          <a:schemeClr val="tx1"/>
+                        </a:solidFill>
+                      </a:endParaRPr>
+                    </a:p>
+                    <a:p>
+                      <a:pPr marL="0" indent="0">
+                        <a:buNone/>
+                      </a:pPr>
+                      <a:r>
+                        <a:rPr kumimoji="1" lang="en-US" altLang="ja-JP" sz="1100" b="0" dirty="0">
+                          <a:solidFill>
+                            <a:schemeClr val="tx1"/>
+                          </a:solidFill>
+                        </a:rPr>
+                        <a:t>3. Mint 100 Tokens: </a:t>
+                      </a:r>
+                      <a:r>
+                        <a:rPr kumimoji="1" lang="en-US" altLang="ja-JP" sz="1100" b="0" dirty="0">
+                          <a:solidFill>
+                            <a:schemeClr val="tx1"/>
+                          </a:solidFill>
+                          <a:hlinkClick r:id="rId4"/>
+                        </a:rPr>
+                        <a:t>5U8bH6paBugh96HjTy1haUbCZijpVUK4MoPXqdCVZGNjP2kz5WQk3aGr4By5VPEtSfagpVZ91rTeWpj4tsNQRBs2</a:t>
+                      </a:r>
+                      <a:endParaRPr kumimoji="1" lang="en-US" altLang="ja-JP" sz="1100" b="0" dirty="0">
+                        <a:solidFill>
+                          <a:schemeClr val="tx1"/>
+                        </a:solidFill>
+                      </a:endParaRPr>
+                    </a:p>
+                    <a:p>
+                      <a:pPr marL="0" indent="0">
+                        <a:buNone/>
+                      </a:pPr>
+                      <a:r>
+                        <a:rPr kumimoji="1" lang="en-US" altLang="ja-JP" sz="1100" b="0" dirty="0">
+                          <a:solidFill>
+                            <a:schemeClr val="tx1"/>
+                          </a:solidFill>
+                        </a:rPr>
+                        <a:t>(Send 10 Tokens from Developer to Consumer: omit)</a:t>
+                      </a:r>
+                    </a:p>
+                    <a:p>
+                      <a:pPr marL="0" indent="0">
+                        <a:buNone/>
+                      </a:pPr>
+                      <a:r>
+                        <a:rPr kumimoji="1" lang="en-US" altLang="ja-JP" sz="1100" b="0" dirty="0">
+                          <a:solidFill>
+                            <a:schemeClr val="tx1"/>
+                          </a:solidFill>
+                        </a:rPr>
+                        <a:t>4. Send 1 Token from Consumer to Consumer: </a:t>
+                      </a:r>
+                      <a:r>
+                        <a:rPr kumimoji="1" lang="en-US" altLang="ja-JP" sz="1100" b="0" dirty="0">
+                          <a:solidFill>
+                            <a:schemeClr val="tx1"/>
+                          </a:solidFill>
+                          <a:hlinkClick r:id="rId5"/>
+                        </a:rPr>
+                        <a:t>3RQ52gXVRkphwJFJehcLawDyi2isZ4A6JkKonW8QnA9N28pUkAqZ8Yevi8R656drk8JzAXvWCDToiBQxMrkCsVif</a:t>
+                      </a:r>
+                      <a:endParaRPr kumimoji="1" lang="en-US" altLang="ja-JP" sz="1100" b="0" dirty="0">
+                        <a:solidFill>
+                          <a:schemeClr val="tx1"/>
+                        </a:solidFill>
+                      </a:endParaRPr>
+                    </a:p>
+                  </a:txBody>
+                  <a:tcPr>
+                    <a:lnL w="12700" cap="flat" cmpd="sng" algn="ctr">
+                      <a:solidFill>
+                        <a:schemeClr val="bg1">
+                          <a:lumMod val="95000"/>
+                        </a:schemeClr>
+                      </a:solidFill>
+                      <a:prstDash val="solid"/>
+                      <a:round/>
+                      <a:headEnd type="none" w="med" len="med"/>
+                      <a:tailEnd type="none" w="med" len="med"/>
+                    </a:lnL>
+                    <a:lnR w="12700" cap="flat" cmpd="sng" algn="ctr">
+                      <a:solidFill>
+                        <a:schemeClr val="bg1">
+                          <a:lumMod val="95000"/>
+                        </a:schemeClr>
+                      </a:solidFill>
+                      <a:prstDash val="solid"/>
+                      <a:round/>
+                      <a:headEnd type="none" w="med" len="med"/>
+                      <a:tailEnd type="none" w="med" len="med"/>
+                    </a:lnR>
+                    <a:lnT w="12700" cap="flat" cmpd="sng" algn="ctr">
+                      <a:solidFill>
+                        <a:schemeClr val="bg1">
+                          <a:lumMod val="95000"/>
+                        </a:schemeClr>
+                      </a:solidFill>
+                      <a:prstDash val="solid"/>
+                      <a:round/>
+                      <a:headEnd type="none" w="med" len="med"/>
+                      <a:tailEnd type="none" w="med" len="med"/>
+                    </a:lnT>
+                    <a:lnB w="12700" cap="flat" cmpd="sng" algn="ctr">
+                      <a:solidFill>
+                        <a:schemeClr val="bg1">
+                          <a:lumMod val="95000"/>
+                        </a:schemeClr>
+                      </a:solidFill>
+                      <a:prstDash val="solid"/>
+                      <a:round/>
+                      <a:headEnd type="none" w="med" len="med"/>
+                      <a:tailEnd type="none" w="med" len="med"/>
+                    </a:lnB>
+                    <a:noFill/>
+                  </a:tcPr>
+                </a:tc>
+                <a:extLst>
+                  <a:ext uri="{0D108BD9-81ED-4DB2-BD59-A6C34878D82A}">
+                    <a16:rowId xmlns:a16="http://schemas.microsoft.com/office/drawing/2014/main" val="1689043150"/>
+                  </a:ext>
+                </a:extLst>
+              </a:tr>
+            </a:tbl>
+          </a:graphicData>
+        </a:graphic>
+      </p:graphicFrame>
+      <p:sp>
+        <p:nvSpPr>
+          <p:cNvPr id="15" name="角丸四角形 14">
+            <a:extLst>
+              <a:ext uri="{FF2B5EF4-FFF2-40B4-BE49-F238E27FC236}">
+                <a16:creationId xmlns:a16="http://schemas.microsoft.com/office/drawing/2014/main" id="{F77D0405-A855-0B4A-943F-E6D92F458F5E}"/>
+              </a:ext>
+            </a:extLst>
+          </p:cNvPr>
+          <p:cNvSpPr/>
+          <p:nvPr/>
+        </p:nvSpPr>
+        <p:spPr>
+          <a:xfrm>
+            <a:off x="359198" y="1832557"/>
+            <a:ext cx="3312419" cy="1013547"/>
+          </a:xfrm>
+          <a:prstGeom prst="roundRect">
+            <a:avLst>
+              <a:gd name="adj" fmla="val 50000"/>
+            </a:avLst>
+          </a:prstGeom>
+          <a:noFill/>
+          <a:ln>
+            <a:solidFill>
+              <a:schemeClr val="tx1"/>
+            </a:solidFill>
+          </a:ln>
+        </p:spPr>
+        <p:style>
+          <a:lnRef idx="2">
+            <a:schemeClr val="accent1">
+              <a:shade val="50000"/>
+            </a:schemeClr>
+          </a:lnRef>
+          <a:fillRef idx="1">
+            <a:schemeClr val="accent1"/>
+          </a:fillRef>
+          <a:effectRef idx="0">
+            <a:schemeClr val="accent1"/>
+          </a:effectRef>
+          <a:fontRef idx="minor">
+            <a:schemeClr val="lt1"/>
+          </a:fontRef>
+        </p:style>
+        <p:txBody>
+          <a:bodyPr rtlCol="0" anchor="ctr"/>
+          <a:lstStyle/>
+          <a:p>
+            <a:r>
+              <a:rPr kumimoji="1" lang="en-US" altLang="ja-JP" sz="1200" b="1" dirty="0">
+                <a:solidFill>
+                  <a:schemeClr val="tx1"/>
+                </a:solidFill>
+              </a:rPr>
+              <a:t>Token</a:t>
+            </a:r>
+          </a:p>
+          <a:p>
+            <a:r>
+              <a:rPr kumimoji="1" lang="en-US" altLang="ja-JP" sz="1200" dirty="0">
+                <a:solidFill>
+                  <a:schemeClr val="tx1"/>
+                </a:solidFill>
+              </a:rPr>
+              <a:t>Address: </a:t>
+            </a:r>
+            <a:r>
+              <a:rPr kumimoji="1" lang="en-US" altLang="ja-JP" sz="1200" dirty="0">
+                <a:solidFill>
+                  <a:schemeClr val="tx1"/>
+                </a:solidFill>
+                <a:hlinkClick r:id="rId6"/>
+              </a:rPr>
+              <a:t>6cWx...pteX</a:t>
+            </a:r>
+            <a:endParaRPr kumimoji="1" lang="en-US" altLang="ja-JP" sz="1200" dirty="0">
+              <a:solidFill>
+                <a:schemeClr val="tx1"/>
+              </a:solidFill>
+            </a:endParaRPr>
+          </a:p>
+          <a:p>
+            <a:r>
+              <a:rPr kumimoji="1" lang="en-US" altLang="ja-JP" sz="1200" dirty="0">
+                <a:solidFill>
+                  <a:schemeClr val="tx1"/>
+                </a:solidFill>
+              </a:rPr>
+              <a:t>Supply: 100.000000000</a:t>
+            </a:r>
+          </a:p>
+          <a:p>
+            <a:r>
+              <a:rPr kumimoji="1" lang="en-US" altLang="ja-JP" sz="1200" dirty="0">
+                <a:solidFill>
+                  <a:schemeClr val="accent2"/>
+                </a:solidFill>
+              </a:rPr>
+              <a:t>Mint Authority: </a:t>
+            </a:r>
+            <a:r>
+              <a:rPr kumimoji="1" lang="en-US" altLang="ja-JP" sz="1200" dirty="0" err="1">
+                <a:solidFill>
+                  <a:schemeClr val="accent2"/>
+                </a:solidFill>
+              </a:rPr>
+              <a:t>HXtB</a:t>
+            </a:r>
+            <a:r>
+              <a:rPr kumimoji="1" lang="en-US" altLang="ja-JP" sz="1200" dirty="0">
+                <a:solidFill>
+                  <a:schemeClr val="accent2"/>
+                </a:solidFill>
+              </a:rPr>
+              <a:t>...</a:t>
+            </a:r>
+            <a:r>
+              <a:rPr kumimoji="1" lang="en-US" altLang="ja-JP" sz="1200" dirty="0" err="1">
+                <a:solidFill>
+                  <a:schemeClr val="accent2"/>
+                </a:solidFill>
+              </a:rPr>
+              <a:t>setg</a:t>
+            </a:r>
+            <a:endParaRPr kumimoji="1" lang="en-US" altLang="ja-JP" sz="1200" dirty="0">
+              <a:solidFill>
+                <a:schemeClr val="accent2"/>
+              </a:solidFill>
+            </a:endParaRPr>
+          </a:p>
+          <a:p>
+            <a:r>
+              <a:rPr kumimoji="1" lang="en-US" altLang="ja-JP" sz="1200" dirty="0">
+                <a:solidFill>
+                  <a:schemeClr val="accent2"/>
+                </a:solidFill>
+              </a:rPr>
+              <a:t>Owner: TokenkegQ...Q5DA</a:t>
+            </a:r>
+          </a:p>
+        </p:txBody>
+      </p:sp>
+      <p:sp>
+        <p:nvSpPr>
+          <p:cNvPr id="6" name="正方形/長方形 5">
+            <a:extLst>
+              <a:ext uri="{FF2B5EF4-FFF2-40B4-BE49-F238E27FC236}">
+                <a16:creationId xmlns:a16="http://schemas.microsoft.com/office/drawing/2014/main" id="{603D3353-8C08-0442-AA3D-CE30172DAFFA}"/>
+              </a:ext>
+            </a:extLst>
+          </p:cNvPr>
+          <p:cNvSpPr/>
+          <p:nvPr/>
+        </p:nvSpPr>
+        <p:spPr>
+          <a:xfrm>
+            <a:off x="359199" y="3009297"/>
+            <a:ext cx="3229026" cy="1016925"/>
+          </a:xfrm>
+          <a:prstGeom prst="rect">
+            <a:avLst/>
+          </a:prstGeom>
+          <a:noFill/>
+          <a:ln>
+            <a:solidFill>
+              <a:schemeClr val="tx1"/>
+            </a:solidFill>
+          </a:ln>
+        </p:spPr>
+        <p:style>
+          <a:lnRef idx="2">
+            <a:schemeClr val="accent1">
+              <a:shade val="50000"/>
+            </a:schemeClr>
+          </a:lnRef>
+          <a:fillRef idx="1">
+            <a:schemeClr val="accent1"/>
+          </a:fillRef>
+          <a:effectRef idx="0">
+            <a:schemeClr val="accent1"/>
+          </a:effectRef>
+          <a:fontRef idx="minor">
+            <a:schemeClr val="lt1"/>
+          </a:fontRef>
+        </p:style>
+        <p:txBody>
+          <a:bodyPr rtlCol="0" anchor="t"/>
+          <a:lstStyle/>
+          <a:p>
+            <a:r>
+              <a:rPr kumimoji="1" lang="en-US" altLang="ja-JP" sz="1200" b="1" dirty="0">
+                <a:solidFill>
+                  <a:schemeClr val="tx1"/>
+                </a:solidFill>
+              </a:rPr>
+              <a:t>User Account (Consumer)</a:t>
+            </a:r>
+          </a:p>
+          <a:p>
+            <a:endParaRPr kumimoji="1" lang="en-US" altLang="ja-JP" sz="1200" dirty="0">
+              <a:solidFill>
+                <a:schemeClr val="tx1"/>
+              </a:solidFill>
+            </a:endParaRPr>
+          </a:p>
+          <a:p>
+            <a:r>
+              <a:rPr kumimoji="1" lang="en-US" altLang="ja-JP" sz="1200" dirty="0">
+                <a:solidFill>
+                  <a:schemeClr val="tx1"/>
+                </a:solidFill>
+              </a:rPr>
+              <a:t>Overview: Consumer via Phantom</a:t>
+            </a:r>
+          </a:p>
+          <a:p>
+            <a:r>
+              <a:rPr kumimoji="1" lang="en-US" altLang="ja-JP" sz="1200" dirty="0">
+                <a:solidFill>
+                  <a:schemeClr val="tx1"/>
+                </a:solidFill>
+              </a:rPr>
+              <a:t>Address: 2SN6...</a:t>
+            </a:r>
+            <a:r>
+              <a:rPr kumimoji="1" lang="en-US" altLang="ja-JP" sz="1200" dirty="0" err="1">
+                <a:solidFill>
+                  <a:schemeClr val="tx1"/>
+                </a:solidFill>
+              </a:rPr>
+              <a:t>HRwn</a:t>
+            </a:r>
+            <a:endParaRPr kumimoji="1" lang="en-US" altLang="ja-JP" sz="1200" dirty="0">
+              <a:solidFill>
+                <a:schemeClr val="tx1"/>
+              </a:solidFill>
+            </a:endParaRPr>
+          </a:p>
+        </p:txBody>
+      </p:sp>
+      <p:sp>
+        <p:nvSpPr>
+          <p:cNvPr id="7" name="正方形/長方形 6">
+            <a:extLst>
+              <a:ext uri="{FF2B5EF4-FFF2-40B4-BE49-F238E27FC236}">
+                <a16:creationId xmlns:a16="http://schemas.microsoft.com/office/drawing/2014/main" id="{75C50FE2-8534-324A-8BA7-96E663860363}"/>
+              </a:ext>
+            </a:extLst>
+          </p:cNvPr>
+          <p:cNvSpPr/>
+          <p:nvPr/>
+        </p:nvSpPr>
+        <p:spPr>
+          <a:xfrm>
+            <a:off x="359199" y="4187242"/>
+            <a:ext cx="3229026" cy="1016925"/>
+          </a:xfrm>
+          <a:prstGeom prst="rect">
+            <a:avLst/>
+          </a:prstGeom>
+          <a:noFill/>
+          <a:ln>
+            <a:solidFill>
+              <a:schemeClr val="tx1"/>
+            </a:solidFill>
+          </a:ln>
+        </p:spPr>
+        <p:style>
+          <a:lnRef idx="2">
+            <a:schemeClr val="accent1">
+              <a:shade val="50000"/>
+            </a:schemeClr>
+          </a:lnRef>
+          <a:fillRef idx="1">
+            <a:schemeClr val="accent1"/>
+          </a:fillRef>
+          <a:effectRef idx="0">
+            <a:schemeClr val="accent1"/>
+          </a:effectRef>
+          <a:fontRef idx="minor">
+            <a:schemeClr val="lt1"/>
+          </a:fontRef>
+        </p:style>
+        <p:txBody>
+          <a:bodyPr rtlCol="0" anchor="t"/>
+          <a:lstStyle/>
+          <a:p>
+            <a:r>
+              <a:rPr kumimoji="1" lang="en-US" altLang="ja-JP" sz="1200" b="1" dirty="0">
+                <a:solidFill>
+                  <a:schemeClr val="tx1"/>
+                </a:solidFill>
+              </a:rPr>
+              <a:t>User Token Account (Consumer)</a:t>
+            </a:r>
+          </a:p>
+          <a:p>
+            <a:endParaRPr kumimoji="1" lang="en-US" altLang="ja-JP" sz="1200" dirty="0">
+              <a:solidFill>
+                <a:schemeClr val="tx1"/>
+              </a:solidFill>
+            </a:endParaRPr>
+          </a:p>
+          <a:p>
+            <a:r>
+              <a:rPr kumimoji="1" lang="en-US" altLang="ja-JP" sz="1200" dirty="0">
+                <a:solidFill>
+                  <a:schemeClr val="tx1"/>
+                </a:solidFill>
+              </a:rPr>
+              <a:t>Address: 772U...8ZkK</a:t>
+            </a:r>
+          </a:p>
+          <a:p>
+            <a:r>
+              <a:rPr kumimoji="1" lang="en-US" altLang="ja-JP" sz="1200" dirty="0">
+                <a:solidFill>
+                  <a:schemeClr val="accent2"/>
+                </a:solidFill>
+              </a:rPr>
+              <a:t>Mint: 6cWx...</a:t>
+            </a:r>
+            <a:r>
+              <a:rPr kumimoji="1" lang="en-US" altLang="ja-JP" sz="1200" dirty="0" err="1">
+                <a:solidFill>
+                  <a:schemeClr val="accent2"/>
+                </a:solidFill>
+              </a:rPr>
+              <a:t>pteX</a:t>
+            </a:r>
+            <a:endParaRPr kumimoji="1" lang="en-US" altLang="ja-JP" sz="1200" dirty="0">
+              <a:solidFill>
+                <a:schemeClr val="accent2"/>
+              </a:solidFill>
+            </a:endParaRPr>
+          </a:p>
+          <a:p>
+            <a:r>
+              <a:rPr kumimoji="1" lang="en-US" altLang="ja-JP" sz="1200" dirty="0">
+                <a:solidFill>
+                  <a:schemeClr val="accent2"/>
+                </a:solidFill>
+              </a:rPr>
+              <a:t>Owner: 2SN6...</a:t>
+            </a:r>
+            <a:r>
+              <a:rPr kumimoji="1" lang="en-US" altLang="ja-JP" sz="1200" dirty="0" err="1">
+                <a:solidFill>
+                  <a:schemeClr val="accent2"/>
+                </a:solidFill>
+              </a:rPr>
+              <a:t>HRwn</a:t>
+            </a:r>
+            <a:endParaRPr kumimoji="1" lang="en-US" altLang="ja-JP" sz="1200" dirty="0">
+              <a:solidFill>
+                <a:schemeClr val="accent2"/>
+              </a:solidFill>
+            </a:endParaRPr>
+          </a:p>
+        </p:txBody>
+      </p:sp>
+      <p:sp>
+        <p:nvSpPr>
+          <p:cNvPr id="10" name="正方形/長方形 9">
+            <a:extLst>
+              <a:ext uri="{FF2B5EF4-FFF2-40B4-BE49-F238E27FC236}">
+                <a16:creationId xmlns:a16="http://schemas.microsoft.com/office/drawing/2014/main" id="{A1741F00-BE24-C042-89C6-ACC768333EC2}"/>
+              </a:ext>
+            </a:extLst>
+          </p:cNvPr>
+          <p:cNvSpPr/>
+          <p:nvPr/>
+        </p:nvSpPr>
+        <p:spPr>
+          <a:xfrm>
+            <a:off x="4350642" y="655817"/>
+            <a:ext cx="3229026" cy="1016925"/>
+          </a:xfrm>
+          <a:prstGeom prst="rect">
+            <a:avLst/>
+          </a:prstGeom>
+          <a:noFill/>
+          <a:ln>
+            <a:solidFill>
+              <a:schemeClr val="tx1"/>
+            </a:solidFill>
+          </a:ln>
+        </p:spPr>
+        <p:style>
+          <a:lnRef idx="2">
+            <a:schemeClr val="accent1">
+              <a:shade val="50000"/>
+            </a:schemeClr>
+          </a:lnRef>
+          <a:fillRef idx="1">
+            <a:schemeClr val="accent1"/>
+          </a:fillRef>
+          <a:effectRef idx="0">
+            <a:schemeClr val="accent1"/>
+          </a:effectRef>
+          <a:fontRef idx="minor">
+            <a:schemeClr val="lt1"/>
+          </a:fontRef>
+        </p:style>
+        <p:txBody>
+          <a:bodyPr rtlCol="0" anchor="t"/>
+          <a:lstStyle/>
+          <a:p>
+            <a:r>
+              <a:rPr kumimoji="1" lang="en-US" altLang="ja-JP" sz="1200" b="1" dirty="0">
+                <a:solidFill>
+                  <a:schemeClr val="tx1"/>
+                </a:solidFill>
+              </a:rPr>
+              <a:t>User Account (Developer)</a:t>
+            </a:r>
+          </a:p>
+          <a:p>
+            <a:endParaRPr kumimoji="1" lang="en-US" altLang="ja-JP" sz="1200" dirty="0">
+              <a:solidFill>
+                <a:schemeClr val="tx1"/>
+              </a:solidFill>
+            </a:endParaRPr>
+          </a:p>
+          <a:p>
+            <a:r>
+              <a:rPr kumimoji="1" lang="en-US" altLang="ja-JP" sz="1200" dirty="0">
+                <a:solidFill>
+                  <a:schemeClr val="tx1"/>
+                </a:solidFill>
+              </a:rPr>
+              <a:t>Overview: Developer via Mac</a:t>
+            </a:r>
+          </a:p>
+          <a:p>
+            <a:r>
+              <a:rPr kumimoji="1" lang="en-US" altLang="ja-JP" sz="1200" dirty="0">
+                <a:solidFill>
+                  <a:schemeClr val="tx1"/>
+                </a:solidFill>
+              </a:rPr>
+              <a:t>Address: </a:t>
+            </a:r>
+            <a:r>
+              <a:rPr kumimoji="1" lang="en-US" altLang="ja-JP" sz="1200" dirty="0" err="1">
+                <a:solidFill>
+                  <a:schemeClr val="tx1"/>
+                </a:solidFill>
+              </a:rPr>
+              <a:t>HXtB</a:t>
+            </a:r>
+            <a:r>
+              <a:rPr kumimoji="1" lang="en-US" altLang="ja-JP" sz="1200" dirty="0">
+                <a:solidFill>
+                  <a:schemeClr val="tx1"/>
+                </a:solidFill>
+              </a:rPr>
+              <a:t>...</a:t>
+            </a:r>
+            <a:r>
+              <a:rPr kumimoji="1" lang="en-US" altLang="ja-JP" sz="1200" dirty="0" err="1">
+                <a:solidFill>
+                  <a:schemeClr val="tx1"/>
+                </a:solidFill>
+              </a:rPr>
+              <a:t>setg</a:t>
+            </a:r>
+            <a:endParaRPr kumimoji="1" lang="en-US" altLang="ja-JP" sz="1200" dirty="0">
+              <a:solidFill>
+                <a:schemeClr val="tx1"/>
+              </a:solidFill>
+            </a:endParaRPr>
+          </a:p>
+        </p:txBody>
+      </p:sp>
+      <p:sp>
+        <p:nvSpPr>
+          <p:cNvPr id="12" name="正方形/長方形 11">
+            <a:extLst>
+              <a:ext uri="{FF2B5EF4-FFF2-40B4-BE49-F238E27FC236}">
+                <a16:creationId xmlns:a16="http://schemas.microsoft.com/office/drawing/2014/main" id="{8C8B0FA4-BE36-7442-9943-915FF4789DAE}"/>
+              </a:ext>
+            </a:extLst>
+          </p:cNvPr>
+          <p:cNvSpPr/>
+          <p:nvPr/>
+        </p:nvSpPr>
+        <p:spPr>
+          <a:xfrm>
+            <a:off x="4350642" y="1832558"/>
+            <a:ext cx="3229026" cy="1016925"/>
+          </a:xfrm>
+          <a:prstGeom prst="rect">
+            <a:avLst/>
+          </a:prstGeom>
+          <a:noFill/>
+          <a:ln>
+            <a:solidFill>
+              <a:schemeClr val="tx1"/>
+            </a:solidFill>
+          </a:ln>
+        </p:spPr>
+        <p:style>
+          <a:lnRef idx="2">
+            <a:schemeClr val="accent1">
+              <a:shade val="50000"/>
+            </a:schemeClr>
+          </a:lnRef>
+          <a:fillRef idx="1">
+            <a:schemeClr val="accent1"/>
+          </a:fillRef>
+          <a:effectRef idx="0">
+            <a:schemeClr val="accent1"/>
+          </a:effectRef>
+          <a:fontRef idx="minor">
+            <a:schemeClr val="lt1"/>
+          </a:fontRef>
+        </p:style>
+        <p:txBody>
+          <a:bodyPr rtlCol="0" anchor="t"/>
+          <a:lstStyle/>
+          <a:p>
+            <a:r>
+              <a:rPr kumimoji="1" lang="en-US" altLang="ja-JP" sz="1200" b="1" dirty="0">
+                <a:solidFill>
+                  <a:schemeClr val="tx1"/>
+                </a:solidFill>
+              </a:rPr>
+              <a:t>User Token Account (Developer)</a:t>
+            </a:r>
+          </a:p>
+          <a:p>
+            <a:endParaRPr kumimoji="1" lang="en-US" altLang="ja-JP" sz="1200" dirty="0">
+              <a:solidFill>
+                <a:schemeClr val="tx1"/>
+              </a:solidFill>
+            </a:endParaRPr>
+          </a:p>
+          <a:p>
+            <a:r>
+              <a:rPr kumimoji="1" lang="en-US" altLang="ja-JP" sz="1200" dirty="0">
+                <a:solidFill>
+                  <a:schemeClr val="tx1"/>
+                </a:solidFill>
+              </a:rPr>
+              <a:t>Address: </a:t>
+            </a:r>
+            <a:r>
+              <a:rPr kumimoji="1" lang="en-US" altLang="ja-JP" sz="1200" dirty="0">
+                <a:solidFill>
+                  <a:schemeClr val="tx1"/>
+                </a:solidFill>
+                <a:hlinkClick r:id="rId7"/>
+              </a:rPr>
+              <a:t>FHx9...1Cm7</a:t>
+            </a:r>
+            <a:endParaRPr kumimoji="1" lang="en-US" altLang="ja-JP" sz="1200" dirty="0">
+              <a:solidFill>
+                <a:schemeClr val="tx1"/>
+              </a:solidFill>
+            </a:endParaRPr>
+          </a:p>
+          <a:p>
+            <a:r>
+              <a:rPr kumimoji="1" lang="en-US" altLang="ja-JP" sz="1200" dirty="0">
+                <a:solidFill>
+                  <a:schemeClr val="tx1"/>
+                </a:solidFill>
+              </a:rPr>
+              <a:t>Mint: 6cWx...</a:t>
+            </a:r>
+            <a:r>
+              <a:rPr kumimoji="1" lang="en-US" altLang="ja-JP" sz="1200" dirty="0" err="1">
+                <a:solidFill>
+                  <a:schemeClr val="tx1"/>
+                </a:solidFill>
+              </a:rPr>
+              <a:t>pteX</a:t>
+            </a:r>
+            <a:endParaRPr kumimoji="1" lang="en-US" altLang="ja-JP" sz="1200" dirty="0">
+              <a:solidFill>
+                <a:schemeClr val="tx1"/>
+              </a:solidFill>
+            </a:endParaRPr>
+          </a:p>
+          <a:p>
+            <a:r>
+              <a:rPr kumimoji="1" lang="en-US" altLang="ja-JP" sz="1200" dirty="0">
+                <a:solidFill>
+                  <a:schemeClr val="accent2"/>
+                </a:solidFill>
+              </a:rPr>
+              <a:t>Owner: </a:t>
+            </a:r>
+            <a:r>
+              <a:rPr kumimoji="1" lang="en-US" altLang="ja-JP" sz="1200" dirty="0" err="1">
+                <a:solidFill>
+                  <a:schemeClr val="accent2"/>
+                </a:solidFill>
+              </a:rPr>
+              <a:t>HXtB</a:t>
+            </a:r>
+            <a:r>
+              <a:rPr kumimoji="1" lang="en-US" altLang="ja-JP" sz="1200" dirty="0">
+                <a:solidFill>
+                  <a:schemeClr val="accent2"/>
+                </a:solidFill>
+              </a:rPr>
+              <a:t>...</a:t>
+            </a:r>
+            <a:r>
+              <a:rPr kumimoji="1" lang="en-US" altLang="ja-JP" sz="1200" dirty="0" err="1">
+                <a:solidFill>
+                  <a:schemeClr val="accent2"/>
+                </a:solidFill>
+              </a:rPr>
+              <a:t>setg</a:t>
+            </a:r>
+            <a:endParaRPr kumimoji="1" lang="en-US" altLang="ja-JP" sz="1200" dirty="0">
+              <a:solidFill>
+                <a:schemeClr val="accent2"/>
+              </a:solidFill>
+            </a:endParaRPr>
+          </a:p>
+        </p:txBody>
+      </p:sp>
+      <p:sp>
+        <p:nvSpPr>
+          <p:cNvPr id="16" name="正方形/長方形 15">
+            <a:extLst>
+              <a:ext uri="{FF2B5EF4-FFF2-40B4-BE49-F238E27FC236}">
+                <a16:creationId xmlns:a16="http://schemas.microsoft.com/office/drawing/2014/main" id="{A36A0593-D554-0747-B028-8A60CE863709}"/>
+              </a:ext>
+            </a:extLst>
+          </p:cNvPr>
+          <p:cNvSpPr/>
+          <p:nvPr/>
+        </p:nvSpPr>
+        <p:spPr>
+          <a:xfrm>
+            <a:off x="8342085" y="3009298"/>
+            <a:ext cx="3229026" cy="1016925"/>
+          </a:xfrm>
+          <a:prstGeom prst="rect">
+            <a:avLst/>
+          </a:prstGeom>
+          <a:noFill/>
+          <a:ln>
+            <a:solidFill>
+              <a:schemeClr val="tx1"/>
+            </a:solidFill>
+          </a:ln>
+        </p:spPr>
+        <p:style>
+          <a:lnRef idx="2">
+            <a:schemeClr val="accent1">
+              <a:shade val="50000"/>
+            </a:schemeClr>
+          </a:lnRef>
+          <a:fillRef idx="1">
+            <a:schemeClr val="accent1"/>
+          </a:fillRef>
+          <a:effectRef idx="0">
+            <a:schemeClr val="accent1"/>
+          </a:effectRef>
+          <a:fontRef idx="minor">
+            <a:schemeClr val="lt1"/>
+          </a:fontRef>
+        </p:style>
+        <p:txBody>
+          <a:bodyPr rtlCol="0" anchor="t"/>
+          <a:lstStyle/>
+          <a:p>
+            <a:r>
+              <a:rPr kumimoji="1" lang="en-US" altLang="ja-JP" sz="1200" b="1" dirty="0">
+                <a:solidFill>
+                  <a:schemeClr val="tx1"/>
+                </a:solidFill>
+              </a:rPr>
+              <a:t>User Account (Consumer)</a:t>
+            </a:r>
+          </a:p>
+          <a:p>
+            <a:endParaRPr kumimoji="1" lang="en-US" altLang="ja-JP" sz="1200" dirty="0">
+              <a:solidFill>
+                <a:schemeClr val="tx1"/>
+              </a:solidFill>
+            </a:endParaRPr>
+          </a:p>
+          <a:p>
+            <a:r>
+              <a:rPr kumimoji="1" lang="en-US" altLang="ja-JP" sz="1200" dirty="0">
+                <a:solidFill>
+                  <a:schemeClr val="tx1"/>
+                </a:solidFill>
+              </a:rPr>
+              <a:t>Overview: Consumer via Phantom</a:t>
+            </a:r>
+          </a:p>
+          <a:p>
+            <a:r>
+              <a:rPr kumimoji="1" lang="en-US" altLang="ja-JP" sz="1200" dirty="0">
+                <a:solidFill>
+                  <a:schemeClr val="tx1"/>
+                </a:solidFill>
+              </a:rPr>
+              <a:t>Address: GV2U...</a:t>
+            </a:r>
+            <a:r>
+              <a:rPr kumimoji="1" lang="en-US" altLang="ja-JP" sz="1200" dirty="0" err="1">
+                <a:solidFill>
+                  <a:schemeClr val="tx1"/>
+                </a:solidFill>
+              </a:rPr>
+              <a:t>VkcJ</a:t>
+            </a:r>
+            <a:endParaRPr kumimoji="1" lang="en-US" altLang="ja-JP" sz="1200" dirty="0">
+              <a:solidFill>
+                <a:schemeClr val="tx1"/>
+              </a:solidFill>
+            </a:endParaRPr>
+          </a:p>
+        </p:txBody>
+      </p:sp>
+      <p:sp>
+        <p:nvSpPr>
+          <p:cNvPr id="17" name="正方形/長方形 16">
+            <a:extLst>
+              <a:ext uri="{FF2B5EF4-FFF2-40B4-BE49-F238E27FC236}">
+                <a16:creationId xmlns:a16="http://schemas.microsoft.com/office/drawing/2014/main" id="{B8898FD0-FF87-6648-8069-666DB4B23A2F}"/>
+              </a:ext>
+            </a:extLst>
+          </p:cNvPr>
+          <p:cNvSpPr/>
+          <p:nvPr/>
+        </p:nvSpPr>
+        <p:spPr>
+          <a:xfrm>
+            <a:off x="8342085" y="4187243"/>
+            <a:ext cx="3229026" cy="1016925"/>
+          </a:xfrm>
+          <a:prstGeom prst="rect">
+            <a:avLst/>
+          </a:prstGeom>
+          <a:noFill/>
+          <a:ln>
+            <a:solidFill>
+              <a:schemeClr val="tx1"/>
+            </a:solidFill>
+          </a:ln>
+        </p:spPr>
+        <p:style>
+          <a:lnRef idx="2">
+            <a:schemeClr val="accent1">
+              <a:shade val="50000"/>
+            </a:schemeClr>
+          </a:lnRef>
+          <a:fillRef idx="1">
+            <a:schemeClr val="accent1"/>
+          </a:fillRef>
+          <a:effectRef idx="0">
+            <a:schemeClr val="accent1"/>
+          </a:effectRef>
+          <a:fontRef idx="minor">
+            <a:schemeClr val="lt1"/>
+          </a:fontRef>
+        </p:style>
+        <p:txBody>
+          <a:bodyPr rtlCol="0" anchor="t"/>
+          <a:lstStyle/>
+          <a:p>
+            <a:r>
+              <a:rPr kumimoji="1" lang="en-US" altLang="ja-JP" sz="1200" b="1" dirty="0">
+                <a:solidFill>
+                  <a:schemeClr val="tx1"/>
+                </a:solidFill>
+              </a:rPr>
+              <a:t>User Token Account (Consumer)</a:t>
+            </a:r>
+          </a:p>
+          <a:p>
+            <a:endParaRPr kumimoji="1" lang="en-US" altLang="ja-JP" sz="1200" dirty="0">
+              <a:solidFill>
+                <a:schemeClr val="tx1"/>
+              </a:solidFill>
+            </a:endParaRPr>
+          </a:p>
+          <a:p>
+            <a:r>
+              <a:rPr kumimoji="1" lang="en-US" altLang="ja-JP" sz="1200" dirty="0">
+                <a:solidFill>
+                  <a:schemeClr val="tx1"/>
+                </a:solidFill>
+              </a:rPr>
+              <a:t>Address: 9Ej4...</a:t>
+            </a:r>
+            <a:r>
+              <a:rPr kumimoji="1" lang="en-US" altLang="ja-JP" sz="1200" dirty="0" err="1">
+                <a:solidFill>
+                  <a:schemeClr val="tx1"/>
+                </a:solidFill>
+              </a:rPr>
+              <a:t>xVoK</a:t>
+            </a:r>
+            <a:endParaRPr kumimoji="1" lang="en-US" altLang="ja-JP" sz="1200" dirty="0">
+              <a:solidFill>
+                <a:schemeClr val="tx1"/>
+              </a:solidFill>
+            </a:endParaRPr>
+          </a:p>
+          <a:p>
+            <a:r>
+              <a:rPr kumimoji="1" lang="en-US" altLang="ja-JP" sz="1200" dirty="0">
+                <a:solidFill>
+                  <a:schemeClr val="accent2"/>
+                </a:solidFill>
+              </a:rPr>
+              <a:t>Mint: 6cWx...</a:t>
+            </a:r>
+            <a:r>
+              <a:rPr kumimoji="1" lang="en-US" altLang="ja-JP" sz="1200" dirty="0" err="1">
+                <a:solidFill>
+                  <a:schemeClr val="accent2"/>
+                </a:solidFill>
+              </a:rPr>
+              <a:t>pteX</a:t>
+            </a:r>
+            <a:endParaRPr kumimoji="1" lang="en-US" altLang="ja-JP" sz="1200" dirty="0">
+              <a:solidFill>
+                <a:schemeClr val="accent2"/>
+              </a:solidFill>
+            </a:endParaRPr>
+          </a:p>
+          <a:p>
+            <a:r>
+              <a:rPr kumimoji="1" lang="en-US" altLang="ja-JP" sz="1200" dirty="0">
+                <a:solidFill>
+                  <a:schemeClr val="accent2"/>
+                </a:solidFill>
+              </a:rPr>
+              <a:t>Owner: 2SN6...</a:t>
+            </a:r>
+            <a:r>
+              <a:rPr kumimoji="1" lang="en-US" altLang="ja-JP" sz="1200" dirty="0" err="1">
+                <a:solidFill>
+                  <a:schemeClr val="accent2"/>
+                </a:solidFill>
+              </a:rPr>
+              <a:t>HRwn</a:t>
+            </a:r>
+            <a:endParaRPr kumimoji="1" lang="en-US" altLang="ja-JP" sz="1200" dirty="0">
+              <a:solidFill>
+                <a:schemeClr val="accent2"/>
+              </a:solidFill>
+            </a:endParaRPr>
+          </a:p>
+        </p:txBody>
+      </p:sp>
+      <p:sp>
+        <p:nvSpPr>
+          <p:cNvPr id="18" name="正方形/長方形 17">
+            <a:extLst>
+              <a:ext uri="{FF2B5EF4-FFF2-40B4-BE49-F238E27FC236}">
+                <a16:creationId xmlns:a16="http://schemas.microsoft.com/office/drawing/2014/main" id="{0988D44D-5BC7-A941-99E8-4985A039DCE1}"/>
+              </a:ext>
+            </a:extLst>
+          </p:cNvPr>
+          <p:cNvSpPr/>
+          <p:nvPr/>
+        </p:nvSpPr>
+        <p:spPr>
+          <a:xfrm>
+            <a:off x="4350642" y="3045319"/>
+            <a:ext cx="3229026" cy="2158847"/>
+          </a:xfrm>
+          <a:prstGeom prst="rect">
+            <a:avLst/>
+          </a:prstGeom>
+          <a:noFill/>
+          <a:ln>
+            <a:solidFill>
+              <a:schemeClr val="tx1"/>
+            </a:solidFill>
+          </a:ln>
+        </p:spPr>
+        <p:style>
+          <a:lnRef idx="2">
+            <a:schemeClr val="accent1">
+              <a:shade val="50000"/>
+            </a:schemeClr>
+          </a:lnRef>
+          <a:fillRef idx="1">
+            <a:schemeClr val="accent1"/>
+          </a:fillRef>
+          <a:effectRef idx="0">
+            <a:schemeClr val="accent1"/>
+          </a:effectRef>
+          <a:fontRef idx="minor">
+            <a:schemeClr val="lt1"/>
+          </a:fontRef>
+        </p:style>
+        <p:txBody>
+          <a:bodyPr wrap="none" rtlCol="0" anchor="t"/>
+          <a:lstStyle/>
+          <a:p>
+            <a:r>
+              <a:rPr kumimoji="1" lang="en-US" altLang="ja-JP" sz="1200" b="1" dirty="0">
+                <a:solidFill>
+                  <a:schemeClr val="tx1"/>
+                </a:solidFill>
+              </a:rPr>
+              <a:t>Token Program Account</a:t>
+            </a:r>
+          </a:p>
+          <a:p>
+            <a:endParaRPr kumimoji="1" lang="en-US" altLang="ja-JP" sz="1200" dirty="0">
+              <a:solidFill>
+                <a:schemeClr val="tx1"/>
+              </a:solidFill>
+            </a:endParaRPr>
+          </a:p>
+          <a:p>
+            <a:r>
+              <a:rPr kumimoji="1" lang="en-US" altLang="ja-JP" sz="1200" dirty="0">
+                <a:solidFill>
+                  <a:schemeClr val="tx1"/>
+                </a:solidFill>
+              </a:rPr>
+              <a:t>Overview: Management Token? Escrow?</a:t>
+            </a:r>
+          </a:p>
+          <a:p>
+            <a:r>
+              <a:rPr kumimoji="1" lang="en-US" altLang="ja-JP" sz="1200" dirty="0">
+                <a:solidFill>
+                  <a:schemeClr val="tx1"/>
+                </a:solidFill>
+              </a:rPr>
+              <a:t>Address: </a:t>
+            </a:r>
+            <a:r>
+              <a:rPr kumimoji="1" lang="en-US" altLang="ja-JP" sz="1200" dirty="0">
+                <a:solidFill>
+                  <a:schemeClr val="tx1"/>
+                </a:solidFill>
+                <a:hlinkClick r:id="rId8"/>
+              </a:rPr>
+              <a:t>TokenkegQ...Q5DA</a:t>
+            </a:r>
+            <a:endParaRPr kumimoji="1" lang="en-US" altLang="ja-JP" sz="1200" dirty="0">
+              <a:solidFill>
+                <a:schemeClr val="tx1"/>
+              </a:solidFill>
+            </a:endParaRPr>
+          </a:p>
+          <a:p>
+            <a:r>
+              <a:rPr kumimoji="1" lang="en-US" altLang="ja-JP" sz="1200" dirty="0">
+                <a:solidFill>
+                  <a:schemeClr val="tx1"/>
+                </a:solidFill>
+              </a:rPr>
+              <a:t>Assigned Program: BPF Loader 2</a:t>
+            </a:r>
+          </a:p>
+        </p:txBody>
+      </p:sp>
+      <p:cxnSp>
+        <p:nvCxnSpPr>
+          <p:cNvPr id="21" name="直線矢印コネクタ 20">
+            <a:extLst>
+              <a:ext uri="{FF2B5EF4-FFF2-40B4-BE49-F238E27FC236}">
+                <a16:creationId xmlns:a16="http://schemas.microsoft.com/office/drawing/2014/main" id="{BC9C1A86-3EC0-7A49-B8BD-648CDE096C08}"/>
+              </a:ext>
+            </a:extLst>
+          </p:cNvPr>
+          <p:cNvCxnSpPr>
+            <a:cxnSpLocks/>
+          </p:cNvCxnSpPr>
+          <p:nvPr/>
+        </p:nvCxnSpPr>
+        <p:spPr>
+          <a:xfrm>
+            <a:off x="3588225" y="4662385"/>
+            <a:ext cx="762416" cy="0"/>
+          </a:xfrm>
+          <a:prstGeom prst="straightConnector1">
+            <a:avLst/>
+          </a:prstGeom>
+          <a:ln w="9525">
+            <a:solidFill>
+              <a:schemeClr val="tx1"/>
+            </a:solidFill>
+            <a:tailEnd type="arrow"/>
+          </a:ln>
+        </p:spPr>
+        <p:style>
+          <a:lnRef idx="1">
+            <a:schemeClr val="accent1"/>
+          </a:lnRef>
+          <a:fillRef idx="0">
+            <a:schemeClr val="accent1"/>
+          </a:fillRef>
+          <a:effectRef idx="0">
+            <a:schemeClr val="accent1"/>
+          </a:effectRef>
+          <a:fontRef idx="minor">
+            <a:schemeClr val="tx1"/>
+          </a:fontRef>
+        </p:style>
+      </p:cxnSp>
+      <p:cxnSp>
+        <p:nvCxnSpPr>
+          <p:cNvPr id="22" name="直線矢印コネクタ 21">
+            <a:extLst>
+              <a:ext uri="{FF2B5EF4-FFF2-40B4-BE49-F238E27FC236}">
+                <a16:creationId xmlns:a16="http://schemas.microsoft.com/office/drawing/2014/main" id="{6D134619-6792-8441-A112-EEF71ECA1700}"/>
+              </a:ext>
+            </a:extLst>
+          </p:cNvPr>
+          <p:cNvCxnSpPr>
+            <a:cxnSpLocks/>
+          </p:cNvCxnSpPr>
+          <p:nvPr/>
+        </p:nvCxnSpPr>
+        <p:spPr>
+          <a:xfrm>
+            <a:off x="7579668" y="4662385"/>
+            <a:ext cx="762416" cy="0"/>
+          </a:xfrm>
+          <a:prstGeom prst="straightConnector1">
+            <a:avLst/>
+          </a:prstGeom>
+          <a:ln w="9525">
+            <a:solidFill>
+              <a:schemeClr val="tx1"/>
+            </a:solidFill>
+            <a:tailEnd type="arrow"/>
+          </a:ln>
+        </p:spPr>
+        <p:style>
+          <a:lnRef idx="1">
+            <a:schemeClr val="accent1"/>
+          </a:lnRef>
+          <a:fillRef idx="0">
+            <a:schemeClr val="accent1"/>
+          </a:fillRef>
+          <a:effectRef idx="0">
+            <a:schemeClr val="accent1"/>
+          </a:effectRef>
+          <a:fontRef idx="minor">
+            <a:schemeClr val="tx1"/>
+          </a:fontRef>
+        </p:style>
+      </p:cxnSp>
+      <p:cxnSp>
+        <p:nvCxnSpPr>
+          <p:cNvPr id="25" name="直線コネクタ 24">
+            <a:extLst>
+              <a:ext uri="{FF2B5EF4-FFF2-40B4-BE49-F238E27FC236}">
+                <a16:creationId xmlns:a16="http://schemas.microsoft.com/office/drawing/2014/main" id="{82DEC4BE-05F1-B44E-80A2-D0376C3F8CEB}"/>
+              </a:ext>
+            </a:extLst>
+          </p:cNvPr>
+          <p:cNvCxnSpPr>
+            <a:cxnSpLocks/>
+            <a:stCxn id="6" idx="2"/>
+            <a:endCxn id="7" idx="0"/>
+          </p:cNvCxnSpPr>
+          <p:nvPr/>
+        </p:nvCxnSpPr>
+        <p:spPr>
+          <a:xfrm>
+            <a:off x="1973712" y="4026222"/>
+            <a:ext cx="0" cy="161020"/>
+          </a:xfrm>
+          <a:prstGeom prst="line">
+            <a:avLst/>
+          </a:prstGeom>
+          <a:ln w="9525">
+            <a:solidFill>
+              <a:schemeClr val="tx1"/>
+            </a:solidFill>
+            <a:headEnd type="oval"/>
+            <a:tailEnd type="oval"/>
+          </a:ln>
+        </p:spPr>
+        <p:style>
+          <a:lnRef idx="1">
+            <a:schemeClr val="accent1"/>
+          </a:lnRef>
+          <a:fillRef idx="0">
+            <a:schemeClr val="accent1"/>
+          </a:fillRef>
+          <a:effectRef idx="0">
+            <a:schemeClr val="accent1"/>
+          </a:effectRef>
+          <a:fontRef idx="minor">
+            <a:schemeClr val="tx1"/>
+          </a:fontRef>
+        </p:style>
+      </p:cxnSp>
+      <p:cxnSp>
+        <p:nvCxnSpPr>
+          <p:cNvPr id="26" name="直線コネクタ 25">
+            <a:extLst>
+              <a:ext uri="{FF2B5EF4-FFF2-40B4-BE49-F238E27FC236}">
+                <a16:creationId xmlns:a16="http://schemas.microsoft.com/office/drawing/2014/main" id="{C35C110C-BE26-6341-B809-9316A6BACDD5}"/>
+              </a:ext>
+            </a:extLst>
+          </p:cNvPr>
+          <p:cNvCxnSpPr>
+            <a:cxnSpLocks/>
+            <a:stCxn id="10" idx="2"/>
+            <a:endCxn id="12" idx="0"/>
+          </p:cNvCxnSpPr>
+          <p:nvPr/>
+        </p:nvCxnSpPr>
+        <p:spPr>
+          <a:xfrm>
+            <a:off x="5965155" y="1672742"/>
+            <a:ext cx="0" cy="159816"/>
+          </a:xfrm>
+          <a:prstGeom prst="line">
+            <a:avLst/>
+          </a:prstGeom>
+          <a:ln w="9525">
+            <a:solidFill>
+              <a:schemeClr val="tx1"/>
+            </a:solidFill>
+            <a:headEnd type="oval"/>
+            <a:tailEnd type="oval"/>
+          </a:ln>
+        </p:spPr>
+        <p:style>
+          <a:lnRef idx="1">
+            <a:schemeClr val="accent1"/>
+          </a:lnRef>
+          <a:fillRef idx="0">
+            <a:schemeClr val="accent1"/>
+          </a:fillRef>
+          <a:effectRef idx="0">
+            <a:schemeClr val="accent1"/>
+          </a:effectRef>
+          <a:fontRef idx="minor">
+            <a:schemeClr val="tx1"/>
+          </a:fontRef>
+        </p:style>
+      </p:cxnSp>
+      <p:cxnSp>
+        <p:nvCxnSpPr>
+          <p:cNvPr id="29" name="直線コネクタ 28">
+            <a:extLst>
+              <a:ext uri="{FF2B5EF4-FFF2-40B4-BE49-F238E27FC236}">
+                <a16:creationId xmlns:a16="http://schemas.microsoft.com/office/drawing/2014/main" id="{879E41E4-1D0A-8049-BF60-6EB2D29ECDF7}"/>
+              </a:ext>
+            </a:extLst>
+          </p:cNvPr>
+          <p:cNvCxnSpPr>
+            <a:cxnSpLocks/>
+            <a:stCxn id="16" idx="2"/>
+            <a:endCxn id="17" idx="0"/>
+          </p:cNvCxnSpPr>
+          <p:nvPr/>
+        </p:nvCxnSpPr>
+        <p:spPr>
+          <a:xfrm>
+            <a:off x="9956598" y="4026223"/>
+            <a:ext cx="0" cy="161020"/>
+          </a:xfrm>
+          <a:prstGeom prst="line">
+            <a:avLst/>
+          </a:prstGeom>
+          <a:ln w="9525">
+            <a:solidFill>
+              <a:schemeClr val="tx1"/>
+            </a:solidFill>
+            <a:headEnd type="oval"/>
+            <a:tailEnd type="oval"/>
+          </a:ln>
+        </p:spPr>
+        <p:style>
+          <a:lnRef idx="1">
+            <a:schemeClr val="accent1"/>
+          </a:lnRef>
+          <a:fillRef idx="0">
+            <a:schemeClr val="accent1"/>
+          </a:fillRef>
+          <a:effectRef idx="0">
+            <a:schemeClr val="accent1"/>
+          </a:effectRef>
+          <a:fontRef idx="minor">
+            <a:schemeClr val="tx1"/>
+          </a:fontRef>
+        </p:style>
+      </p:cxnSp>
+      <p:cxnSp>
+        <p:nvCxnSpPr>
+          <p:cNvPr id="39" name="直線コネクタ 38">
+            <a:extLst>
+              <a:ext uri="{FF2B5EF4-FFF2-40B4-BE49-F238E27FC236}">
+                <a16:creationId xmlns:a16="http://schemas.microsoft.com/office/drawing/2014/main" id="{C82EB186-1445-DA48-BF24-6C01C5C8A2E9}"/>
+              </a:ext>
+            </a:extLst>
+          </p:cNvPr>
+          <p:cNvCxnSpPr>
+            <a:cxnSpLocks/>
+            <a:stCxn id="10" idx="1"/>
+          </p:cNvCxnSpPr>
+          <p:nvPr/>
+        </p:nvCxnSpPr>
+        <p:spPr>
+          <a:xfrm flipH="1">
+            <a:off x="3431822" y="1164280"/>
+            <a:ext cx="918820" cy="734947"/>
+          </a:xfrm>
+          <a:prstGeom prst="line">
+            <a:avLst/>
+          </a:prstGeom>
+          <a:ln w="9525">
+            <a:solidFill>
+              <a:schemeClr val="tx1"/>
+            </a:solidFill>
+            <a:headEnd type="oval"/>
+            <a:tailEnd type="oval"/>
+          </a:ln>
+        </p:spPr>
+        <p:style>
+          <a:lnRef idx="1">
+            <a:schemeClr val="accent1"/>
+          </a:lnRef>
+          <a:fillRef idx="0">
+            <a:schemeClr val="accent1"/>
+          </a:fillRef>
+          <a:effectRef idx="0">
+            <a:schemeClr val="accent1"/>
+          </a:effectRef>
+          <a:fontRef idx="minor">
+            <a:schemeClr val="tx1"/>
+          </a:fontRef>
+        </p:style>
+      </p:cxnSp>
+      <p:cxnSp>
+        <p:nvCxnSpPr>
+          <p:cNvPr id="42" name="直線コネクタ 41">
+            <a:extLst>
+              <a:ext uri="{FF2B5EF4-FFF2-40B4-BE49-F238E27FC236}">
+                <a16:creationId xmlns:a16="http://schemas.microsoft.com/office/drawing/2014/main" id="{342DD550-FEAB-BC48-BA5C-7E9A87284E92}"/>
+              </a:ext>
+            </a:extLst>
+          </p:cNvPr>
+          <p:cNvCxnSpPr>
+            <a:cxnSpLocks/>
+          </p:cNvCxnSpPr>
+          <p:nvPr/>
+        </p:nvCxnSpPr>
+        <p:spPr>
+          <a:xfrm>
+            <a:off x="3504785" y="2689667"/>
+            <a:ext cx="845856" cy="355652"/>
+          </a:xfrm>
+          <a:prstGeom prst="line">
+            <a:avLst/>
+          </a:prstGeom>
+          <a:ln w="9525">
+            <a:solidFill>
+              <a:schemeClr val="tx1"/>
+            </a:solidFill>
+            <a:headEnd type="oval"/>
+            <a:tailEnd type="oval"/>
+          </a:ln>
+        </p:spPr>
+        <p:style>
+          <a:lnRef idx="1">
+            <a:schemeClr val="accent1"/>
+          </a:lnRef>
+          <a:fillRef idx="0">
+            <a:schemeClr val="accent1"/>
+          </a:fillRef>
+          <a:effectRef idx="0">
+            <a:schemeClr val="accent1"/>
+          </a:effectRef>
+          <a:fontRef idx="minor">
+            <a:schemeClr val="tx1"/>
+          </a:fontRef>
+        </p:style>
+      </p:cxnSp>
+      <p:sp>
+        <p:nvSpPr>
+          <p:cNvPr id="58" name="テキスト ボックス 57">
+            <a:extLst>
+              <a:ext uri="{FF2B5EF4-FFF2-40B4-BE49-F238E27FC236}">
+                <a16:creationId xmlns:a16="http://schemas.microsoft.com/office/drawing/2014/main" id="{84D76B64-2CB2-E04F-8B33-4D9B56C57E2E}"/>
+              </a:ext>
+            </a:extLst>
+          </p:cNvPr>
+          <p:cNvSpPr txBox="1"/>
+          <p:nvPr/>
+        </p:nvSpPr>
+        <p:spPr>
+          <a:xfrm>
+            <a:off x="3336387" y="4199019"/>
+            <a:ext cx="1266093" cy="276999"/>
+          </a:xfrm>
+          <a:prstGeom prst="rect">
+            <a:avLst/>
+          </a:prstGeom>
+          <a:noFill/>
+        </p:spPr>
+        <p:txBody>
+          <a:bodyPr wrap="none" rtlCol="0">
+            <a:noAutofit/>
+          </a:bodyPr>
+          <a:lstStyle/>
+          <a:p>
+            <a:pPr algn="ctr"/>
+            <a:r>
+              <a:rPr kumimoji="1" lang="en-US" altLang="ja-JP" sz="1200" dirty="0"/>
+              <a:t>Send?</a:t>
+            </a:r>
+          </a:p>
+          <a:p>
+            <a:pPr algn="ctr"/>
+            <a:r>
+              <a:rPr kumimoji="1" lang="en-US" altLang="ja-JP" sz="1200" dirty="0"/>
+              <a:t>1 Token</a:t>
+            </a:r>
+            <a:endParaRPr kumimoji="1" lang="ja-JP" altLang="en-US" sz="1200"/>
+          </a:p>
+        </p:txBody>
+      </p:sp>
+      <p:sp>
+        <p:nvSpPr>
+          <p:cNvPr id="59" name="テキスト ボックス 58">
+            <a:extLst>
+              <a:ext uri="{FF2B5EF4-FFF2-40B4-BE49-F238E27FC236}">
+                <a16:creationId xmlns:a16="http://schemas.microsoft.com/office/drawing/2014/main" id="{2165979C-18AE-6F45-B7C6-97EF1B118D5B}"/>
+              </a:ext>
+            </a:extLst>
+          </p:cNvPr>
+          <p:cNvSpPr txBox="1"/>
+          <p:nvPr/>
+        </p:nvSpPr>
+        <p:spPr>
+          <a:xfrm>
+            <a:off x="7327830" y="4199019"/>
+            <a:ext cx="1266093" cy="276999"/>
+          </a:xfrm>
+          <a:prstGeom prst="rect">
+            <a:avLst/>
+          </a:prstGeom>
+          <a:noFill/>
+        </p:spPr>
+        <p:txBody>
+          <a:bodyPr wrap="none" rtlCol="0">
+            <a:noAutofit/>
+          </a:bodyPr>
+          <a:lstStyle/>
+          <a:p>
+            <a:pPr algn="ctr"/>
+            <a:r>
+              <a:rPr kumimoji="1" lang="en-US" altLang="ja-JP" sz="1200" dirty="0" err="1"/>
+              <a:t>Recieve</a:t>
+            </a:r>
+            <a:r>
+              <a:rPr kumimoji="1" lang="en-US" altLang="ja-JP" sz="1200" dirty="0"/>
+              <a:t>?</a:t>
+            </a:r>
+          </a:p>
+          <a:p>
+            <a:pPr algn="ctr"/>
+            <a:r>
+              <a:rPr kumimoji="1" lang="en-US" altLang="ja-JP" sz="1200" dirty="0"/>
+              <a:t>1 Token</a:t>
+            </a:r>
+            <a:endParaRPr kumimoji="1" lang="ja-JP" altLang="en-US" sz="1200"/>
+          </a:p>
+        </p:txBody>
+      </p:sp>
+      <p:sp>
+        <p:nvSpPr>
+          <p:cNvPr id="60" name="正方形/長方形 59">
+            <a:extLst>
+              <a:ext uri="{FF2B5EF4-FFF2-40B4-BE49-F238E27FC236}">
+                <a16:creationId xmlns:a16="http://schemas.microsoft.com/office/drawing/2014/main" id="{7FE767BB-744B-EE4C-91EB-13C6F2D82122}"/>
+              </a:ext>
+            </a:extLst>
+          </p:cNvPr>
+          <p:cNvSpPr/>
+          <p:nvPr/>
+        </p:nvSpPr>
+        <p:spPr>
+          <a:xfrm>
+            <a:off x="253906" y="1750222"/>
+            <a:ext cx="3474557" cy="1178349"/>
+          </a:xfrm>
+          <a:prstGeom prst="rect">
+            <a:avLst/>
+          </a:prstGeom>
+          <a:noFill/>
+          <a:ln>
+            <a:solidFill>
+              <a:schemeClr val="bg1">
+                <a:lumMod val="75000"/>
+              </a:schemeClr>
+            </a:solidFill>
+            <a:prstDash val="dash"/>
+          </a:ln>
+        </p:spPr>
+        <p:style>
+          <a:lnRef idx="2">
+            <a:schemeClr val="accent1">
+              <a:shade val="50000"/>
+            </a:schemeClr>
+          </a:lnRef>
+          <a:fillRef idx="1">
+            <a:schemeClr val="accent1"/>
+          </a:fillRef>
+          <a:effectRef idx="0">
+            <a:schemeClr val="accent1"/>
+          </a:effectRef>
+          <a:fontRef idx="minor">
+            <a:schemeClr val="lt1"/>
+          </a:fontRef>
+        </p:style>
+        <p:txBody>
+          <a:bodyPr rtlCol="0" anchor="ctr"/>
+          <a:lstStyle/>
+          <a:p>
+            <a:pPr algn="ctr"/>
+            <a:endParaRPr kumimoji="1" lang="ja-JP" altLang="en-US" sz="1600">
+              <a:solidFill>
+                <a:schemeClr val="tx1"/>
+              </a:solidFill>
+            </a:endParaRPr>
+          </a:p>
+        </p:txBody>
+      </p:sp>
+      <p:sp>
+        <p:nvSpPr>
+          <p:cNvPr id="61" name="正方形/長方形 60">
+            <a:extLst>
+              <a:ext uri="{FF2B5EF4-FFF2-40B4-BE49-F238E27FC236}">
+                <a16:creationId xmlns:a16="http://schemas.microsoft.com/office/drawing/2014/main" id="{8A599F6F-D815-8C4D-A364-887CE5C015C6}"/>
+              </a:ext>
+            </a:extLst>
+          </p:cNvPr>
+          <p:cNvSpPr/>
+          <p:nvPr/>
+        </p:nvSpPr>
+        <p:spPr>
+          <a:xfrm>
+            <a:off x="4267202" y="1758859"/>
+            <a:ext cx="3417757" cy="1168187"/>
+          </a:xfrm>
+          <a:prstGeom prst="rect">
+            <a:avLst/>
+          </a:prstGeom>
+          <a:noFill/>
+          <a:ln>
+            <a:solidFill>
+              <a:schemeClr val="bg1">
+                <a:lumMod val="75000"/>
+              </a:schemeClr>
+            </a:solidFill>
+            <a:prstDash val="dash"/>
+          </a:ln>
+        </p:spPr>
+        <p:style>
+          <a:lnRef idx="2">
+            <a:schemeClr val="accent1">
+              <a:shade val="50000"/>
+            </a:schemeClr>
+          </a:lnRef>
+          <a:fillRef idx="1">
+            <a:schemeClr val="accent1"/>
+          </a:fillRef>
+          <a:effectRef idx="0">
+            <a:schemeClr val="accent1"/>
+          </a:effectRef>
+          <a:fontRef idx="minor">
+            <a:schemeClr val="lt1"/>
+          </a:fontRef>
+        </p:style>
+        <p:txBody>
+          <a:bodyPr rtlCol="0" anchor="ctr"/>
+          <a:lstStyle/>
+          <a:p>
+            <a:pPr algn="ctr"/>
+            <a:endParaRPr kumimoji="1" lang="ja-JP" altLang="en-US" sz="1600">
+              <a:solidFill>
+                <a:schemeClr val="tx1"/>
+              </a:solidFill>
+            </a:endParaRPr>
+          </a:p>
+        </p:txBody>
+      </p:sp>
+      <p:sp>
+        <p:nvSpPr>
+          <p:cNvPr id="62" name="正方形/長方形 61">
+            <a:extLst>
+              <a:ext uri="{FF2B5EF4-FFF2-40B4-BE49-F238E27FC236}">
+                <a16:creationId xmlns:a16="http://schemas.microsoft.com/office/drawing/2014/main" id="{8ED24FAA-A27A-4946-979C-E5925138E3FF}"/>
+              </a:ext>
+            </a:extLst>
+          </p:cNvPr>
+          <p:cNvSpPr/>
+          <p:nvPr/>
+        </p:nvSpPr>
+        <p:spPr>
+          <a:xfrm>
+            <a:off x="253906" y="2968411"/>
+            <a:ext cx="11441380" cy="2314787"/>
+          </a:xfrm>
+          <a:prstGeom prst="rect">
+            <a:avLst/>
+          </a:prstGeom>
+          <a:noFill/>
+          <a:ln>
+            <a:solidFill>
+              <a:schemeClr val="bg1">
+                <a:lumMod val="75000"/>
+              </a:schemeClr>
+            </a:solidFill>
+            <a:prstDash val="dash"/>
+          </a:ln>
+        </p:spPr>
+        <p:style>
+          <a:lnRef idx="2">
+            <a:schemeClr val="accent1">
+              <a:shade val="50000"/>
+            </a:schemeClr>
+          </a:lnRef>
+          <a:fillRef idx="1">
+            <a:schemeClr val="accent1"/>
+          </a:fillRef>
+          <a:effectRef idx="0">
+            <a:schemeClr val="accent1"/>
+          </a:effectRef>
+          <a:fontRef idx="minor">
+            <a:schemeClr val="lt1"/>
+          </a:fontRef>
+        </p:style>
+        <p:txBody>
+          <a:bodyPr rtlCol="0" anchor="ctr"/>
+          <a:lstStyle/>
+          <a:p>
+            <a:pPr algn="ctr"/>
+            <a:endParaRPr kumimoji="1" lang="ja-JP" altLang="en-US" sz="1600">
+              <a:solidFill>
+                <a:schemeClr val="tx1"/>
+              </a:solidFill>
+            </a:endParaRPr>
+          </a:p>
+        </p:txBody>
+      </p:sp>
+      <p:sp>
+        <p:nvSpPr>
+          <p:cNvPr id="63" name="正方形/長方形 62">
+            <a:extLst>
+              <a:ext uri="{FF2B5EF4-FFF2-40B4-BE49-F238E27FC236}">
+                <a16:creationId xmlns:a16="http://schemas.microsoft.com/office/drawing/2014/main" id="{A168F65D-C288-4040-A019-F84326DA3B99}"/>
+              </a:ext>
+            </a:extLst>
+          </p:cNvPr>
+          <p:cNvSpPr/>
+          <p:nvPr/>
+        </p:nvSpPr>
+        <p:spPr>
+          <a:xfrm>
+            <a:off x="253906" y="1582932"/>
+            <a:ext cx="1803199" cy="167158"/>
+          </a:xfrm>
+          <a:prstGeom prst="rect">
+            <a:avLst/>
+          </a:prstGeom>
+          <a:solidFill>
+            <a:schemeClr val="bg1">
+              <a:lumMod val="75000"/>
+            </a:schemeClr>
+          </a:solidFill>
+          <a:ln>
+            <a:noFill/>
+            <a:prstDash val="dash"/>
+          </a:ln>
+        </p:spPr>
+        <p:style>
+          <a:lnRef idx="2">
+            <a:schemeClr val="accent1">
+              <a:shade val="50000"/>
+            </a:schemeClr>
+          </a:lnRef>
+          <a:fillRef idx="1">
+            <a:schemeClr val="accent1"/>
+          </a:fillRef>
+          <a:effectRef idx="0">
+            <a:schemeClr val="accent1"/>
+          </a:effectRef>
+          <a:fontRef idx="minor">
+            <a:schemeClr val="lt1"/>
+          </a:fontRef>
+        </p:style>
+        <p:txBody>
+          <a:bodyPr wrap="none" rtlCol="0" anchor="ctr"/>
+          <a:lstStyle/>
+          <a:p>
+            <a:r>
+              <a:rPr kumimoji="1" lang="en-US" altLang="ja-JP" sz="1400" dirty="0">
+                <a:solidFill>
+                  <a:schemeClr val="tx1"/>
+                </a:solidFill>
+              </a:rPr>
+              <a:t>STEP 1 (Create Token)</a:t>
+            </a:r>
+            <a:endParaRPr kumimoji="1" lang="ja-JP" altLang="en-US" sz="1400">
+              <a:solidFill>
+                <a:schemeClr val="tx1"/>
+              </a:solidFill>
+            </a:endParaRPr>
+          </a:p>
+        </p:txBody>
+      </p:sp>
+      <p:sp>
+        <p:nvSpPr>
+          <p:cNvPr id="64" name="正方形/長方形 63">
+            <a:extLst>
+              <a:ext uri="{FF2B5EF4-FFF2-40B4-BE49-F238E27FC236}">
+                <a16:creationId xmlns:a16="http://schemas.microsoft.com/office/drawing/2014/main" id="{AC7CCEC7-6842-7342-BABC-05FB996891FE}"/>
+              </a:ext>
+            </a:extLst>
+          </p:cNvPr>
+          <p:cNvSpPr/>
+          <p:nvPr/>
+        </p:nvSpPr>
+        <p:spPr>
+          <a:xfrm>
+            <a:off x="7684959" y="1754363"/>
+            <a:ext cx="2710050" cy="461117"/>
+          </a:xfrm>
+          <a:prstGeom prst="rect">
+            <a:avLst/>
+          </a:prstGeom>
+          <a:solidFill>
+            <a:schemeClr val="bg1">
+              <a:lumMod val="75000"/>
+            </a:schemeClr>
+          </a:solidFill>
+          <a:ln>
+            <a:noFill/>
+            <a:prstDash val="dash"/>
+          </a:ln>
+        </p:spPr>
+        <p:style>
+          <a:lnRef idx="2">
+            <a:schemeClr val="accent1">
+              <a:shade val="50000"/>
+            </a:schemeClr>
+          </a:lnRef>
+          <a:fillRef idx="1">
+            <a:schemeClr val="accent1"/>
+          </a:fillRef>
+          <a:effectRef idx="0">
+            <a:schemeClr val="accent1"/>
+          </a:effectRef>
+          <a:fontRef idx="minor">
+            <a:schemeClr val="lt1"/>
+          </a:fontRef>
+        </p:style>
+        <p:txBody>
+          <a:bodyPr wrap="none" rtlCol="0" anchor="ctr"/>
+          <a:lstStyle/>
+          <a:p>
+            <a:r>
+              <a:rPr kumimoji="1" lang="en-US" altLang="ja-JP" sz="1400" dirty="0">
+                <a:solidFill>
+                  <a:schemeClr val="tx1"/>
+                </a:solidFill>
+              </a:rPr>
+              <a:t>STEP 2 (Create Token Account)</a:t>
+            </a:r>
+          </a:p>
+          <a:p>
+            <a:r>
+              <a:rPr kumimoji="1" lang="en-US" altLang="ja-JP" sz="1400" dirty="0">
+                <a:solidFill>
+                  <a:schemeClr val="tx1"/>
+                </a:solidFill>
+              </a:rPr>
+              <a:t>STEP 3 (Mint 100 Tokens)</a:t>
+            </a:r>
+            <a:endParaRPr kumimoji="1" lang="ja-JP" altLang="en-US" sz="1400">
+              <a:solidFill>
+                <a:schemeClr val="tx1"/>
+              </a:solidFill>
+            </a:endParaRPr>
+          </a:p>
+        </p:txBody>
+      </p:sp>
+      <p:sp>
+        <p:nvSpPr>
+          <p:cNvPr id="69" name="正方形/長方形 68">
+            <a:extLst>
+              <a:ext uri="{FF2B5EF4-FFF2-40B4-BE49-F238E27FC236}">
+                <a16:creationId xmlns:a16="http://schemas.microsoft.com/office/drawing/2014/main" id="{DA15588E-B43F-AA47-94C7-C4C526F4CBB7}"/>
+              </a:ext>
+            </a:extLst>
+          </p:cNvPr>
+          <p:cNvSpPr/>
+          <p:nvPr/>
+        </p:nvSpPr>
+        <p:spPr>
+          <a:xfrm>
+            <a:off x="253906" y="5280370"/>
+            <a:ext cx="1803199" cy="167158"/>
+          </a:xfrm>
+          <a:prstGeom prst="rect">
+            <a:avLst/>
+          </a:prstGeom>
+          <a:solidFill>
+            <a:schemeClr val="bg1">
+              <a:lumMod val="75000"/>
+            </a:schemeClr>
+          </a:solidFill>
+          <a:ln>
+            <a:noFill/>
+            <a:prstDash val="dash"/>
+          </a:ln>
+        </p:spPr>
+        <p:style>
+          <a:lnRef idx="2">
+            <a:schemeClr val="accent1">
+              <a:shade val="50000"/>
+            </a:schemeClr>
+          </a:lnRef>
+          <a:fillRef idx="1">
+            <a:schemeClr val="accent1"/>
+          </a:fillRef>
+          <a:effectRef idx="0">
+            <a:schemeClr val="accent1"/>
+          </a:effectRef>
+          <a:fontRef idx="minor">
+            <a:schemeClr val="lt1"/>
+          </a:fontRef>
+        </p:style>
+        <p:txBody>
+          <a:bodyPr wrap="none" rtlCol="0" anchor="ctr"/>
+          <a:lstStyle/>
+          <a:p>
+            <a:r>
+              <a:rPr kumimoji="1" lang="en-US" altLang="ja-JP" sz="1400" dirty="0">
+                <a:solidFill>
+                  <a:schemeClr val="tx1"/>
+                </a:solidFill>
+              </a:rPr>
+              <a:t>STEP 4 (Send Token)</a:t>
+            </a:r>
+            <a:endParaRPr kumimoji="1" lang="ja-JP" altLang="en-US" sz="1400">
+              <a:solidFill>
+                <a:schemeClr val="tx1"/>
+              </a:solidFill>
+            </a:endParaRPr>
+          </a:p>
+        </p:txBody>
+      </p:sp>
+      <p:grpSp>
+        <p:nvGrpSpPr>
+          <p:cNvPr id="80" name="グループ化 79">
+            <a:extLst>
+              <a:ext uri="{FF2B5EF4-FFF2-40B4-BE49-F238E27FC236}">
+                <a16:creationId xmlns:a16="http://schemas.microsoft.com/office/drawing/2014/main" id="{951946E7-AF87-C54A-B3F3-971521EC1F4B}"/>
+              </a:ext>
+            </a:extLst>
+          </p:cNvPr>
+          <p:cNvGrpSpPr/>
+          <p:nvPr/>
+        </p:nvGrpSpPr>
+        <p:grpSpPr>
+          <a:xfrm>
+            <a:off x="10526638" y="655817"/>
+            <a:ext cx="1044473" cy="832478"/>
+            <a:chOff x="10526638" y="655817"/>
+            <a:chExt cx="1044473" cy="832478"/>
+          </a:xfrm>
+        </p:grpSpPr>
+        <p:sp>
+          <p:nvSpPr>
+            <p:cNvPr id="71" name="正方形/長方形 70">
+              <a:extLst>
+                <a:ext uri="{FF2B5EF4-FFF2-40B4-BE49-F238E27FC236}">
+                  <a16:creationId xmlns:a16="http://schemas.microsoft.com/office/drawing/2014/main" id="{CA35E274-CEA3-2E4F-B312-64BD7F7CDB37}"/>
+                </a:ext>
+              </a:extLst>
+            </p:cNvPr>
+            <p:cNvSpPr/>
+            <p:nvPr/>
+          </p:nvSpPr>
+          <p:spPr>
+            <a:xfrm>
+              <a:off x="10526639" y="655818"/>
+              <a:ext cx="359660" cy="225665"/>
+            </a:xfrm>
+            <a:prstGeom prst="rect">
+              <a:avLst/>
+            </a:prstGeom>
+            <a:noFill/>
+            <a:ln>
+              <a:solidFill>
+                <a:schemeClr val="tx1"/>
+              </a:solidFill>
+            </a:ln>
+          </p:spPr>
+          <p:style>
+            <a:lnRef idx="2">
+              <a:schemeClr val="accent1">
+                <a:shade val="50000"/>
+              </a:schemeClr>
+            </a:lnRef>
+            <a:fillRef idx="1">
+              <a:schemeClr val="accent1"/>
+            </a:fillRef>
+            <a:effectRef idx="0">
+              <a:schemeClr val="accent1"/>
+            </a:effectRef>
+            <a:fontRef idx="minor">
+              <a:schemeClr val="lt1"/>
+            </a:fontRef>
+          </p:style>
+          <p:txBody>
+            <a:bodyPr rtlCol="0" anchor="ctr"/>
+            <a:lstStyle/>
+            <a:p>
+              <a:endParaRPr kumimoji="1" lang="en-US" altLang="ja-JP" sz="900" dirty="0">
+                <a:solidFill>
+                  <a:schemeClr val="tx1"/>
+                </a:solidFill>
+              </a:endParaRPr>
+            </a:p>
+          </p:txBody>
+        </p:sp>
+        <p:sp>
+          <p:nvSpPr>
+            <p:cNvPr id="72" name="角丸四角形 71">
+              <a:extLst>
+                <a:ext uri="{FF2B5EF4-FFF2-40B4-BE49-F238E27FC236}">
+                  <a16:creationId xmlns:a16="http://schemas.microsoft.com/office/drawing/2014/main" id="{F3C20E3F-1510-644C-A9E6-D13B2D52F4AD}"/>
+                </a:ext>
+              </a:extLst>
+            </p:cNvPr>
+            <p:cNvSpPr/>
+            <p:nvPr/>
+          </p:nvSpPr>
+          <p:spPr>
+            <a:xfrm>
+              <a:off x="10526638" y="961779"/>
+              <a:ext cx="359661" cy="225665"/>
+            </a:xfrm>
+            <a:prstGeom prst="roundRect">
+              <a:avLst>
+                <a:gd name="adj" fmla="val 50000"/>
+              </a:avLst>
+            </a:prstGeom>
+            <a:noFill/>
+            <a:ln>
+              <a:solidFill>
+                <a:schemeClr val="tx1"/>
+              </a:solidFill>
+            </a:ln>
+          </p:spPr>
+          <p:style>
+            <a:lnRef idx="2">
+              <a:schemeClr val="accent1">
+                <a:shade val="50000"/>
+              </a:schemeClr>
+            </a:lnRef>
+            <a:fillRef idx="1">
+              <a:schemeClr val="accent1"/>
+            </a:fillRef>
+            <a:effectRef idx="0">
+              <a:schemeClr val="accent1"/>
+            </a:effectRef>
+            <a:fontRef idx="minor">
+              <a:schemeClr val="lt1"/>
+            </a:fontRef>
+          </p:style>
+          <p:txBody>
+            <a:bodyPr rtlCol="0" anchor="ctr"/>
+            <a:lstStyle/>
+            <a:p>
+              <a:endParaRPr kumimoji="1" lang="en-US" altLang="ja-JP" sz="900" dirty="0">
+                <a:solidFill>
+                  <a:schemeClr val="tx1"/>
+                </a:solidFill>
+              </a:endParaRPr>
+            </a:p>
+          </p:txBody>
+        </p:sp>
+        <p:cxnSp>
+          <p:nvCxnSpPr>
+            <p:cNvPr id="73" name="直線コネクタ 72">
+              <a:extLst>
+                <a:ext uri="{FF2B5EF4-FFF2-40B4-BE49-F238E27FC236}">
+                  <a16:creationId xmlns:a16="http://schemas.microsoft.com/office/drawing/2014/main" id="{9336DF82-C8A0-374B-AF88-EF21C032203C}"/>
+                </a:ext>
+              </a:extLst>
+            </p:cNvPr>
+            <p:cNvCxnSpPr>
+              <a:cxnSpLocks/>
+            </p:cNvCxnSpPr>
+            <p:nvPr/>
+          </p:nvCxnSpPr>
+          <p:spPr>
+            <a:xfrm flipV="1">
+              <a:off x="10561838" y="1371124"/>
+              <a:ext cx="289259" cy="1"/>
+            </a:xfrm>
+            <a:prstGeom prst="line">
+              <a:avLst/>
+            </a:prstGeom>
+            <a:ln w="9525">
+              <a:solidFill>
+                <a:schemeClr val="tx1"/>
+              </a:solidFill>
+              <a:headEnd type="oval"/>
+              <a:tailEnd type="oval"/>
+            </a:ln>
+          </p:spPr>
+          <p:style>
+            <a:lnRef idx="1">
+              <a:schemeClr val="accent1"/>
+            </a:lnRef>
+            <a:fillRef idx="0">
+              <a:schemeClr val="accent1"/>
+            </a:fillRef>
+            <a:effectRef idx="0">
+              <a:schemeClr val="accent1"/>
+            </a:effectRef>
+            <a:fontRef idx="minor">
+              <a:schemeClr val="tx1"/>
+            </a:fontRef>
+          </p:style>
+        </p:cxnSp>
+        <p:sp>
+          <p:nvSpPr>
+            <p:cNvPr id="76" name="テキスト ボックス 75">
+              <a:extLst>
+                <a:ext uri="{FF2B5EF4-FFF2-40B4-BE49-F238E27FC236}">
+                  <a16:creationId xmlns:a16="http://schemas.microsoft.com/office/drawing/2014/main" id="{5682A2D9-1EE0-9A44-93AA-8D830B61B17A}"/>
+                </a:ext>
+              </a:extLst>
+            </p:cNvPr>
+            <p:cNvSpPr txBox="1"/>
+            <p:nvPr/>
+          </p:nvSpPr>
+          <p:spPr>
+            <a:xfrm>
+              <a:off x="10989220" y="961779"/>
+              <a:ext cx="581891" cy="225665"/>
+            </a:xfrm>
+            <a:prstGeom prst="rect">
+              <a:avLst/>
+            </a:prstGeom>
+            <a:noFill/>
+          </p:spPr>
+          <p:txBody>
+            <a:bodyPr wrap="none" rtlCol="0">
+              <a:noAutofit/>
+            </a:bodyPr>
+            <a:lstStyle/>
+            <a:p>
+              <a:r>
+                <a:rPr kumimoji="1" lang="en-US" altLang="ja-JP" sz="900" dirty="0"/>
+                <a:t>Token</a:t>
+              </a:r>
+              <a:endParaRPr kumimoji="1" lang="ja-JP" altLang="en-US" sz="900"/>
+            </a:p>
+          </p:txBody>
+        </p:sp>
+        <p:sp>
+          <p:nvSpPr>
+            <p:cNvPr id="78" name="テキスト ボックス 77">
+              <a:extLst>
+                <a:ext uri="{FF2B5EF4-FFF2-40B4-BE49-F238E27FC236}">
+                  <a16:creationId xmlns:a16="http://schemas.microsoft.com/office/drawing/2014/main" id="{28CFC158-6896-7C4E-B397-CFD1E263C4CF}"/>
+                </a:ext>
+              </a:extLst>
+            </p:cNvPr>
+            <p:cNvSpPr txBox="1"/>
+            <p:nvPr/>
+          </p:nvSpPr>
+          <p:spPr>
+            <a:xfrm>
+              <a:off x="10989220" y="655817"/>
+              <a:ext cx="581891" cy="225665"/>
+            </a:xfrm>
+            <a:prstGeom prst="rect">
+              <a:avLst/>
+            </a:prstGeom>
+            <a:noFill/>
+          </p:spPr>
+          <p:txBody>
+            <a:bodyPr wrap="none" rtlCol="0">
+              <a:noAutofit/>
+            </a:bodyPr>
+            <a:lstStyle/>
+            <a:p>
+              <a:r>
+                <a:rPr kumimoji="1" lang="en-US" altLang="ja-JP" sz="900" dirty="0"/>
+                <a:t>Account</a:t>
+              </a:r>
+              <a:endParaRPr kumimoji="1" lang="ja-JP" altLang="en-US" sz="900"/>
+            </a:p>
+          </p:txBody>
+        </p:sp>
+        <p:sp>
+          <p:nvSpPr>
+            <p:cNvPr id="79" name="テキスト ボックス 78">
+              <a:extLst>
+                <a:ext uri="{FF2B5EF4-FFF2-40B4-BE49-F238E27FC236}">
+                  <a16:creationId xmlns:a16="http://schemas.microsoft.com/office/drawing/2014/main" id="{CD8DE564-EAF6-2446-B272-8882EE619E7D}"/>
+                </a:ext>
+              </a:extLst>
+            </p:cNvPr>
+            <p:cNvSpPr txBox="1"/>
+            <p:nvPr/>
+          </p:nvSpPr>
+          <p:spPr>
+            <a:xfrm>
+              <a:off x="10989220" y="1262630"/>
+              <a:ext cx="581891" cy="225665"/>
+            </a:xfrm>
+            <a:prstGeom prst="rect">
+              <a:avLst/>
+            </a:prstGeom>
+            <a:noFill/>
+          </p:spPr>
+          <p:txBody>
+            <a:bodyPr wrap="none" rtlCol="0">
+              <a:noAutofit/>
+            </a:bodyPr>
+            <a:lstStyle/>
+            <a:p>
+              <a:r>
+                <a:rPr kumimoji="1" lang="en-US" altLang="ja-JP" sz="900" dirty="0"/>
+                <a:t>Relation</a:t>
+              </a:r>
+              <a:endParaRPr kumimoji="1" lang="ja-JP" altLang="en-US" sz="900"/>
+            </a:p>
+          </p:txBody>
+        </p:sp>
+      </p:grpSp>
+    </p:spTree>
+    <p:extLst>
+      <p:ext uri="{BB962C8B-B14F-4D97-AF65-F5344CB8AC3E}">
+        <p14:creationId xmlns:p14="http://schemas.microsoft.com/office/powerpoint/2010/main" val="3563487311"/>
       </p:ext>
     </p:extLst>
   </p:cSld>
@@ -6458,7 +8959,7 @@
           <a:solidFill>
             <a:schemeClr val="tx1"/>
           </a:solidFill>
-          <a:tailEnd type="arrow"/>
+          <a:tailEnd type="none"/>
         </a:ln>
       </a:spPr>
       <a:bodyPr/>

--- a/docs/Solana_Blockchain_Outline_Figure.pptx
+++ b/docs/Solana_Blockchain_Outline_Figure.pptx
@@ -5,12 +5,13 @@
     <p:sldMasterId id="2147483672" r:id="rId1"/>
   </p:sldMasterIdLst>
   <p:notesMasterIdLst>
-    <p:notesMasterId r:id="rId5"/>
+    <p:notesMasterId r:id="rId6"/>
   </p:notesMasterIdLst>
   <p:sldIdLst>
     <p:sldId id="256" r:id="rId2"/>
-    <p:sldId id="258" r:id="rId3"/>
-    <p:sldId id="259" r:id="rId4"/>
+    <p:sldId id="260" r:id="rId3"/>
+    <p:sldId id="258" r:id="rId4"/>
+    <p:sldId id="259" r:id="rId5"/>
   </p:sldIdLst>
   <p:sldSz cx="12192000" cy="6858000"/>
   <p:notesSz cx="6858000" cy="9144000"/>
@@ -199,7 +200,7 @@
           <a:p>
             <a:fld id="{0E3AE901-84B3-3248-AD12-BEDA7F301CE3}" type="datetimeFigureOut">
               <a:rPr kumimoji="1" lang="ja-JP" altLang="en-US" smtClean="0"/>
-              <a:t>2021/12/19</a:t>
+              <a:t>2021/12/20</a:t>
             </a:fld>
             <a:endParaRPr kumimoji="1" lang="ja-JP" altLang="en-US"/>
           </a:p>
@@ -646,7 +647,7 @@
           <a:p>
             <a:fld id="{E6851339-B791-2543-A411-D5C0BF7CF832}" type="datetime1">
               <a:rPr kumimoji="1" lang="ja-JP" altLang="en-US" smtClean="0"/>
-              <a:t>2021/12/19</a:t>
+              <a:t>2021/12/20</a:t>
             </a:fld>
             <a:endParaRPr kumimoji="1" lang="ja-JP" altLang="en-US"/>
           </a:p>
@@ -867,7 +868,7 @@
           <a:p>
             <a:fld id="{A20C4B19-A868-3A49-8F38-E72DBA7F7CE3}" type="datetime1">
               <a:rPr kumimoji="1" lang="ja-JP" altLang="en-US" smtClean="0"/>
-              <a:t>2021/12/19</a:t>
+              <a:t>2021/12/20</a:t>
             </a:fld>
             <a:endParaRPr kumimoji="1" lang="ja-JP" altLang="en-US"/>
           </a:p>
@@ -1083,7 +1084,7 @@
           <a:p>
             <a:fld id="{D0090A48-633D-E844-AF07-48AC11C0415A}" type="datetime1">
               <a:rPr kumimoji="1" lang="ja-JP" altLang="en-US" smtClean="0"/>
-              <a:t>2021/12/19</a:t>
+              <a:t>2021/12/20</a:t>
             </a:fld>
             <a:endParaRPr kumimoji="1" lang="ja-JP" altLang="en-US"/>
           </a:p>
@@ -1289,7 +1290,7 @@
           <a:p>
             <a:fld id="{7E5C0873-C23F-1D43-B933-39E7CB65079A}" type="datetime1">
               <a:rPr kumimoji="1" lang="ja-JP" altLang="en-US" smtClean="0"/>
-              <a:t>2021/12/19</a:t>
+              <a:t>2021/12/20</a:t>
             </a:fld>
             <a:endParaRPr kumimoji="1" lang="ja-JP" altLang="en-US"/>
           </a:p>
@@ -1539,7 +1540,7 @@
           <a:p>
             <a:fld id="{551BEE3E-B5BC-3D4C-A34C-20B36F9869C7}" type="datetime1">
               <a:rPr kumimoji="1" lang="ja-JP" altLang="en-US" smtClean="0"/>
-              <a:t>2021/12/19</a:t>
+              <a:t>2021/12/20</a:t>
             </a:fld>
             <a:endParaRPr kumimoji="1" lang="ja-JP" altLang="en-US"/>
           </a:p>
@@ -1839,7 +1840,7 @@
           <a:p>
             <a:fld id="{5156D51A-F155-E24A-9B60-AE7D92900ACE}" type="datetime1">
               <a:rPr kumimoji="1" lang="ja-JP" altLang="en-US" smtClean="0"/>
-              <a:t>2021/12/19</a:t>
+              <a:t>2021/12/20</a:t>
             </a:fld>
             <a:endParaRPr kumimoji="1" lang="ja-JP" altLang="en-US"/>
           </a:p>
@@ -2274,7 +2275,7 @@
           <a:p>
             <a:fld id="{4EAC22FD-6838-EE46-ACA4-4E38E091F7A3}" type="datetime1">
               <a:rPr kumimoji="1" lang="ja-JP" altLang="en-US" smtClean="0"/>
-              <a:t>2021/12/19</a:t>
+              <a:t>2021/12/20</a:t>
             </a:fld>
             <a:endParaRPr kumimoji="1" lang="ja-JP" altLang="en-US"/>
           </a:p>
@@ -2396,7 +2397,7 @@
           <a:p>
             <a:fld id="{64A7ED88-7F83-7C47-9D22-0D7A856526C2}" type="datetime1">
               <a:rPr kumimoji="1" lang="ja-JP" altLang="en-US" smtClean="0"/>
-              <a:t>2021/12/19</a:t>
+              <a:t>2021/12/20</a:t>
             </a:fld>
             <a:endParaRPr kumimoji="1" lang="ja-JP" altLang="en-US"/>
           </a:p>
@@ -2495,7 +2496,7 @@
           <a:p>
             <a:fld id="{C4373173-78A3-1048-A596-5D63967B7249}" type="datetime1">
               <a:rPr kumimoji="1" lang="ja-JP" altLang="en-US" smtClean="0"/>
-              <a:t>2021/12/19</a:t>
+              <a:t>2021/12/20</a:t>
             </a:fld>
             <a:endParaRPr kumimoji="1" lang="ja-JP" altLang="en-US"/>
           </a:p>
@@ -2808,7 +2809,7 @@
           <a:p>
             <a:fld id="{0612A1EE-20E7-6749-936A-EFBEC5019122}" type="datetime1">
               <a:rPr kumimoji="1" lang="ja-JP" altLang="en-US" smtClean="0"/>
-              <a:t>2021/12/19</a:t>
+              <a:t>2021/12/20</a:t>
             </a:fld>
             <a:endParaRPr kumimoji="1" lang="ja-JP" altLang="en-US"/>
           </a:p>
@@ -3069,7 +3070,7 @@
           <a:p>
             <a:fld id="{6E6CDA51-427A-9F41-AA69-359B3BA14E04}" type="datetime1">
               <a:rPr kumimoji="1" lang="ja-JP" altLang="en-US" smtClean="0"/>
-              <a:t>2021/12/19</a:t>
+              <a:t>2021/12/20</a:t>
             </a:fld>
             <a:endParaRPr kumimoji="1" lang="ja-JP" altLang="en-US"/>
           </a:p>
@@ -3256,7 +3257,7 @@
           <a:p>
             <a:fld id="{95553651-B718-3C46-A48E-CCDE2AEA20A9}" type="datetime1">
               <a:rPr kumimoji="1" lang="ja-JP" altLang="en-US" smtClean="0"/>
-              <a:t>2021/12/19</a:t>
+              <a:t>2021/12/20</a:t>
             </a:fld>
             <a:endParaRPr kumimoji="1" lang="ja-JP" altLang="en-US"/>
           </a:p>
@@ -3829,6 +3830,2980 @@
           <p:cNvPr id="2" name="タイトル 1">
             <a:extLst>
               <a:ext uri="{FF2B5EF4-FFF2-40B4-BE49-F238E27FC236}">
+                <a16:creationId xmlns:a16="http://schemas.microsoft.com/office/drawing/2014/main" id="{247BFE88-7019-4F43-8B30-C0AC025035D4}"/>
+              </a:ext>
+            </a:extLst>
+          </p:cNvPr>
+          <p:cNvSpPr>
+            <a:spLocks noGrp="1"/>
+          </p:cNvSpPr>
+          <p:nvPr>
+            <p:ph type="title"/>
+          </p:nvPr>
+        </p:nvSpPr>
+        <p:spPr/>
+        <p:txBody>
+          <a:bodyPr/>
+          <a:lstStyle/>
+          <a:p>
+            <a:r>
+              <a:rPr kumimoji="1" lang="en-US" altLang="ja-JP" dirty="0"/>
+              <a:t>Production System Architecture</a:t>
+            </a:r>
+            <a:r>
+              <a:rPr kumimoji="1" lang="ja-JP" altLang="en-US"/>
+              <a:t> </a:t>
+            </a:r>
+            <a:r>
+              <a:rPr kumimoji="1" lang="en-US" altLang="ja-JP" dirty="0"/>
+              <a:t>(Draft Version)</a:t>
+            </a:r>
+            <a:endParaRPr kumimoji="1" lang="ja-JP" altLang="en-US"/>
+          </a:p>
+        </p:txBody>
+      </p:sp>
+      <p:sp>
+        <p:nvSpPr>
+          <p:cNvPr id="4" name="フッター プレースホルダー 3">
+            <a:extLst>
+              <a:ext uri="{FF2B5EF4-FFF2-40B4-BE49-F238E27FC236}">
+                <a16:creationId xmlns:a16="http://schemas.microsoft.com/office/drawing/2014/main" id="{669C2170-0645-D74B-BCA9-53705C62EA2E}"/>
+              </a:ext>
+            </a:extLst>
+          </p:cNvPr>
+          <p:cNvSpPr>
+            <a:spLocks noGrp="1"/>
+          </p:cNvSpPr>
+          <p:nvPr>
+            <p:ph type="ftr" sz="quarter" idx="11"/>
+          </p:nvPr>
+        </p:nvSpPr>
+        <p:spPr>
+          <a:xfrm>
+            <a:off x="3948288" y="6356350"/>
+            <a:ext cx="4114800" cy="365125"/>
+          </a:xfrm>
+        </p:spPr>
+        <p:txBody>
+          <a:bodyPr/>
+          <a:lstStyle/>
+          <a:p>
+            <a:r>
+              <a:rPr kumimoji="1" lang="en-US" altLang="ja-JP"/>
+              <a:t>256hax</a:t>
+            </a:r>
+            <a:endParaRPr kumimoji="1" lang="ja-JP" altLang="en-US"/>
+          </a:p>
+        </p:txBody>
+      </p:sp>
+      <p:sp>
+        <p:nvSpPr>
+          <p:cNvPr id="5" name="スライド番号プレースホルダー 4">
+            <a:extLst>
+              <a:ext uri="{FF2B5EF4-FFF2-40B4-BE49-F238E27FC236}">
+                <a16:creationId xmlns:a16="http://schemas.microsoft.com/office/drawing/2014/main" id="{C519304D-DB9E-0848-9482-0874A773055B}"/>
+              </a:ext>
+            </a:extLst>
+          </p:cNvPr>
+          <p:cNvSpPr>
+            <a:spLocks noGrp="1"/>
+          </p:cNvSpPr>
+          <p:nvPr>
+            <p:ph type="sldNum" sz="quarter" idx="12"/>
+          </p:nvPr>
+        </p:nvSpPr>
+        <p:spPr/>
+        <p:txBody>
+          <a:bodyPr/>
+          <a:lstStyle/>
+          <a:p>
+            <a:fld id="{51BE5F08-58E8-9243-A834-2B76637F595D}" type="slidenum">
+              <a:rPr kumimoji="1" lang="ja-JP" altLang="en-US" smtClean="0"/>
+              <a:t>1</a:t>
+            </a:fld>
+            <a:endParaRPr kumimoji="1" lang="ja-JP" altLang="en-US"/>
+          </a:p>
+        </p:txBody>
+      </p:sp>
+      <p:grpSp>
+        <p:nvGrpSpPr>
+          <p:cNvPr id="13" name="グループ化 12">
+            <a:extLst>
+              <a:ext uri="{FF2B5EF4-FFF2-40B4-BE49-F238E27FC236}">
+                <a16:creationId xmlns:a16="http://schemas.microsoft.com/office/drawing/2014/main" id="{F773E1F5-A2CC-E742-B513-66E69DC205B9}"/>
+              </a:ext>
+            </a:extLst>
+          </p:cNvPr>
+          <p:cNvGrpSpPr/>
+          <p:nvPr/>
+        </p:nvGrpSpPr>
+        <p:grpSpPr>
+          <a:xfrm>
+            <a:off x="302728" y="2382838"/>
+            <a:ext cx="348041" cy="450054"/>
+            <a:chOff x="490159" y="2239964"/>
+            <a:chExt cx="348041" cy="450054"/>
+          </a:xfrm>
+        </p:grpSpPr>
+        <p:sp>
+          <p:nvSpPr>
+            <p:cNvPr id="11" name="円/楕円 10">
+              <a:extLst>
+                <a:ext uri="{FF2B5EF4-FFF2-40B4-BE49-F238E27FC236}">
+                  <a16:creationId xmlns:a16="http://schemas.microsoft.com/office/drawing/2014/main" id="{47D0E64E-0144-454D-9AB4-39AC6F089A9A}"/>
+                </a:ext>
+              </a:extLst>
+            </p:cNvPr>
+            <p:cNvSpPr/>
+            <p:nvPr/>
+          </p:nvSpPr>
+          <p:spPr>
+            <a:xfrm>
+              <a:off x="514161" y="2239964"/>
+              <a:ext cx="300036" cy="300036"/>
+            </a:xfrm>
+            <a:prstGeom prst="ellipse">
+              <a:avLst/>
+            </a:prstGeom>
+            <a:solidFill>
+              <a:schemeClr val="bg1">
+                <a:lumMod val="75000"/>
+              </a:schemeClr>
+            </a:solidFill>
+            <a:ln>
+              <a:noFill/>
+            </a:ln>
+          </p:spPr>
+          <p:style>
+            <a:lnRef idx="2">
+              <a:schemeClr val="accent1">
+                <a:shade val="50000"/>
+              </a:schemeClr>
+            </a:lnRef>
+            <a:fillRef idx="1">
+              <a:schemeClr val="accent1"/>
+            </a:fillRef>
+            <a:effectRef idx="0">
+              <a:schemeClr val="accent1"/>
+            </a:effectRef>
+            <a:fontRef idx="minor">
+              <a:schemeClr val="lt1"/>
+            </a:fontRef>
+          </p:style>
+          <p:txBody>
+            <a:bodyPr rtlCol="0" anchor="ctr"/>
+            <a:lstStyle/>
+            <a:p>
+              <a:pPr algn="ctr"/>
+              <a:endParaRPr kumimoji="1" lang="ja-JP" altLang="en-US" sz="1600">
+                <a:solidFill>
+                  <a:schemeClr val="tx1"/>
+                </a:solidFill>
+              </a:endParaRPr>
+            </a:p>
+          </p:txBody>
+        </p:sp>
+        <p:sp>
+          <p:nvSpPr>
+            <p:cNvPr id="12" name="三角形 11">
+              <a:extLst>
+                <a:ext uri="{FF2B5EF4-FFF2-40B4-BE49-F238E27FC236}">
+                  <a16:creationId xmlns:a16="http://schemas.microsoft.com/office/drawing/2014/main" id="{258A3296-52CE-8D4B-93F1-9E487E22C304}"/>
+                </a:ext>
+              </a:extLst>
+            </p:cNvPr>
+            <p:cNvSpPr/>
+            <p:nvPr/>
+          </p:nvSpPr>
+          <p:spPr>
+            <a:xfrm>
+              <a:off x="490159" y="2389982"/>
+              <a:ext cx="348041" cy="300036"/>
+            </a:xfrm>
+            <a:prstGeom prst="triangle">
+              <a:avLst/>
+            </a:prstGeom>
+            <a:solidFill>
+              <a:schemeClr val="bg1">
+                <a:lumMod val="75000"/>
+              </a:schemeClr>
+            </a:solidFill>
+            <a:ln>
+              <a:noFill/>
+            </a:ln>
+          </p:spPr>
+          <p:style>
+            <a:lnRef idx="2">
+              <a:schemeClr val="accent1">
+                <a:shade val="50000"/>
+              </a:schemeClr>
+            </a:lnRef>
+            <a:fillRef idx="1">
+              <a:schemeClr val="accent1"/>
+            </a:fillRef>
+            <a:effectRef idx="0">
+              <a:schemeClr val="accent1"/>
+            </a:effectRef>
+            <a:fontRef idx="minor">
+              <a:schemeClr val="lt1"/>
+            </a:fontRef>
+          </p:style>
+          <p:txBody>
+            <a:bodyPr wrap="none" rtlCol="0" anchor="ctr"/>
+            <a:lstStyle/>
+            <a:p>
+              <a:pPr algn="ctr"/>
+              <a:endParaRPr kumimoji="1" lang="en-US" altLang="ja-JP" sz="1200" dirty="0">
+                <a:solidFill>
+                  <a:schemeClr val="tx1"/>
+                </a:solidFill>
+              </a:endParaRPr>
+            </a:p>
+            <a:p>
+              <a:pPr algn="ctr"/>
+              <a:endParaRPr kumimoji="1" lang="en-US" altLang="ja-JP" sz="1200" dirty="0">
+                <a:solidFill>
+                  <a:schemeClr val="tx1"/>
+                </a:solidFill>
+              </a:endParaRPr>
+            </a:p>
+            <a:p>
+              <a:pPr algn="ctr"/>
+              <a:r>
+                <a:rPr kumimoji="1" lang="en-US" altLang="ja-JP" sz="1200" dirty="0">
+                  <a:solidFill>
+                    <a:schemeClr val="tx1"/>
+                  </a:solidFill>
+                </a:rPr>
+                <a:t>User</a:t>
+              </a:r>
+              <a:endParaRPr kumimoji="1" lang="ja-JP" altLang="en-US" sz="1200">
+                <a:solidFill>
+                  <a:schemeClr val="tx1"/>
+                </a:solidFill>
+              </a:endParaRPr>
+            </a:p>
+          </p:txBody>
+        </p:sp>
+      </p:grpSp>
+      <p:sp>
+        <p:nvSpPr>
+          <p:cNvPr id="14" name="角丸四角形 13">
+            <a:extLst>
+              <a:ext uri="{FF2B5EF4-FFF2-40B4-BE49-F238E27FC236}">
+                <a16:creationId xmlns:a16="http://schemas.microsoft.com/office/drawing/2014/main" id="{79C4A2B2-FD98-B84F-AAA2-85E37DFF32CC}"/>
+              </a:ext>
+            </a:extLst>
+          </p:cNvPr>
+          <p:cNvSpPr/>
+          <p:nvPr/>
+        </p:nvSpPr>
+        <p:spPr>
+          <a:xfrm>
+            <a:off x="736600" y="2203682"/>
+            <a:ext cx="980314" cy="867600"/>
+          </a:xfrm>
+          <a:prstGeom prst="roundRect">
+            <a:avLst/>
+          </a:prstGeom>
+          <a:noFill/>
+          <a:ln>
+            <a:solidFill>
+              <a:schemeClr val="tx1"/>
+            </a:solidFill>
+          </a:ln>
+        </p:spPr>
+        <p:style>
+          <a:lnRef idx="2">
+            <a:schemeClr val="accent1">
+              <a:shade val="50000"/>
+            </a:schemeClr>
+          </a:lnRef>
+          <a:fillRef idx="1">
+            <a:schemeClr val="accent1"/>
+          </a:fillRef>
+          <a:effectRef idx="0">
+            <a:schemeClr val="accent1"/>
+          </a:effectRef>
+          <a:fontRef idx="minor">
+            <a:schemeClr val="lt1"/>
+          </a:fontRef>
+        </p:style>
+        <p:txBody>
+          <a:bodyPr rtlCol="0" anchor="t"/>
+          <a:lstStyle/>
+          <a:p>
+            <a:r>
+              <a:rPr kumimoji="1" lang="en-US" altLang="ja-JP" sz="1200" b="1" dirty="0">
+                <a:solidFill>
+                  <a:schemeClr val="tx1"/>
+                </a:solidFill>
+              </a:rPr>
+              <a:t>Wallet</a:t>
+            </a:r>
+          </a:p>
+          <a:p>
+            <a:endParaRPr kumimoji="1" lang="en-US" altLang="ja-JP" sz="1200" b="1" dirty="0">
+              <a:solidFill>
+                <a:schemeClr val="tx1"/>
+              </a:solidFill>
+            </a:endParaRPr>
+          </a:p>
+          <a:p>
+            <a:r>
+              <a:rPr kumimoji="1" lang="en-US" altLang="ja-JP" sz="1200" dirty="0">
+                <a:solidFill>
+                  <a:schemeClr val="tx1"/>
+                </a:solidFill>
+              </a:rPr>
+              <a:t>ex) Phantom</a:t>
+            </a:r>
+            <a:endParaRPr kumimoji="1" lang="ja-JP" altLang="en-US" sz="1200">
+              <a:solidFill>
+                <a:schemeClr val="tx1"/>
+              </a:solidFill>
+            </a:endParaRPr>
+          </a:p>
+        </p:txBody>
+      </p:sp>
+      <p:grpSp>
+        <p:nvGrpSpPr>
+          <p:cNvPr id="19" name="グループ化 18">
+            <a:extLst>
+              <a:ext uri="{FF2B5EF4-FFF2-40B4-BE49-F238E27FC236}">
+                <a16:creationId xmlns:a16="http://schemas.microsoft.com/office/drawing/2014/main" id="{B0E9CD14-2FB9-2748-8B4C-508B21636FDE}"/>
+              </a:ext>
+            </a:extLst>
+          </p:cNvPr>
+          <p:cNvGrpSpPr/>
+          <p:nvPr/>
+        </p:nvGrpSpPr>
+        <p:grpSpPr>
+          <a:xfrm>
+            <a:off x="10808860" y="5769023"/>
+            <a:ext cx="348041" cy="450054"/>
+            <a:chOff x="490159" y="2239964"/>
+            <a:chExt cx="348041" cy="450054"/>
+          </a:xfrm>
+        </p:grpSpPr>
+        <p:sp>
+          <p:nvSpPr>
+            <p:cNvPr id="20" name="円/楕円 19">
+              <a:extLst>
+                <a:ext uri="{FF2B5EF4-FFF2-40B4-BE49-F238E27FC236}">
+                  <a16:creationId xmlns:a16="http://schemas.microsoft.com/office/drawing/2014/main" id="{C9DC9F2C-3947-924A-8B0E-9DF60EE6293B}"/>
+                </a:ext>
+              </a:extLst>
+            </p:cNvPr>
+            <p:cNvSpPr/>
+            <p:nvPr/>
+          </p:nvSpPr>
+          <p:spPr>
+            <a:xfrm>
+              <a:off x="514161" y="2239964"/>
+              <a:ext cx="300036" cy="300036"/>
+            </a:xfrm>
+            <a:prstGeom prst="ellipse">
+              <a:avLst/>
+            </a:prstGeom>
+            <a:solidFill>
+              <a:schemeClr val="bg1">
+                <a:lumMod val="75000"/>
+              </a:schemeClr>
+            </a:solidFill>
+            <a:ln>
+              <a:noFill/>
+            </a:ln>
+          </p:spPr>
+          <p:style>
+            <a:lnRef idx="2">
+              <a:schemeClr val="accent1">
+                <a:shade val="50000"/>
+              </a:schemeClr>
+            </a:lnRef>
+            <a:fillRef idx="1">
+              <a:schemeClr val="accent1"/>
+            </a:fillRef>
+            <a:effectRef idx="0">
+              <a:schemeClr val="accent1"/>
+            </a:effectRef>
+            <a:fontRef idx="minor">
+              <a:schemeClr val="lt1"/>
+            </a:fontRef>
+          </p:style>
+          <p:txBody>
+            <a:bodyPr rtlCol="0" anchor="ctr"/>
+            <a:lstStyle/>
+            <a:p>
+              <a:pPr algn="ctr"/>
+              <a:endParaRPr kumimoji="1" lang="ja-JP" altLang="en-US" sz="1600">
+                <a:solidFill>
+                  <a:schemeClr val="tx1"/>
+                </a:solidFill>
+              </a:endParaRPr>
+            </a:p>
+          </p:txBody>
+        </p:sp>
+        <p:sp>
+          <p:nvSpPr>
+            <p:cNvPr id="21" name="三角形 20">
+              <a:extLst>
+                <a:ext uri="{FF2B5EF4-FFF2-40B4-BE49-F238E27FC236}">
+                  <a16:creationId xmlns:a16="http://schemas.microsoft.com/office/drawing/2014/main" id="{526B37ED-45DD-064F-BB18-00AC56B4CCA2}"/>
+                </a:ext>
+              </a:extLst>
+            </p:cNvPr>
+            <p:cNvSpPr/>
+            <p:nvPr/>
+          </p:nvSpPr>
+          <p:spPr>
+            <a:xfrm>
+              <a:off x="490159" y="2389982"/>
+              <a:ext cx="348041" cy="300036"/>
+            </a:xfrm>
+            <a:prstGeom prst="triangle">
+              <a:avLst/>
+            </a:prstGeom>
+            <a:solidFill>
+              <a:schemeClr val="bg1">
+                <a:lumMod val="75000"/>
+              </a:schemeClr>
+            </a:solidFill>
+            <a:ln>
+              <a:noFill/>
+            </a:ln>
+          </p:spPr>
+          <p:style>
+            <a:lnRef idx="2">
+              <a:schemeClr val="accent1">
+                <a:shade val="50000"/>
+              </a:schemeClr>
+            </a:lnRef>
+            <a:fillRef idx="1">
+              <a:schemeClr val="accent1"/>
+            </a:fillRef>
+            <a:effectRef idx="0">
+              <a:schemeClr val="accent1"/>
+            </a:effectRef>
+            <a:fontRef idx="minor">
+              <a:schemeClr val="lt1"/>
+            </a:fontRef>
+          </p:style>
+          <p:txBody>
+            <a:bodyPr wrap="none" rtlCol="0" anchor="ctr"/>
+            <a:lstStyle/>
+            <a:p>
+              <a:pPr algn="ctr"/>
+              <a:endParaRPr kumimoji="1" lang="en-US" altLang="ja-JP" sz="1200" dirty="0">
+                <a:solidFill>
+                  <a:schemeClr val="tx1"/>
+                </a:solidFill>
+              </a:endParaRPr>
+            </a:p>
+            <a:p>
+              <a:pPr algn="ctr"/>
+              <a:endParaRPr kumimoji="1" lang="en-US" altLang="ja-JP" sz="1200" dirty="0">
+                <a:solidFill>
+                  <a:schemeClr val="tx1"/>
+                </a:solidFill>
+              </a:endParaRPr>
+            </a:p>
+            <a:p>
+              <a:pPr algn="ctr"/>
+              <a:r>
+                <a:rPr kumimoji="1" lang="en-US" altLang="ja-JP" sz="1200" dirty="0">
+                  <a:solidFill>
+                    <a:schemeClr val="tx1"/>
+                  </a:solidFill>
+                </a:rPr>
+                <a:t>Developer</a:t>
+              </a:r>
+              <a:endParaRPr kumimoji="1" lang="ja-JP" altLang="en-US" sz="1200">
+                <a:solidFill>
+                  <a:schemeClr val="tx1"/>
+                </a:solidFill>
+              </a:endParaRPr>
+            </a:p>
+          </p:txBody>
+        </p:sp>
+      </p:grpSp>
+      <p:sp>
+        <p:nvSpPr>
+          <p:cNvPr id="6" name="正方形/長方形 5">
+            <a:extLst>
+              <a:ext uri="{FF2B5EF4-FFF2-40B4-BE49-F238E27FC236}">
+                <a16:creationId xmlns:a16="http://schemas.microsoft.com/office/drawing/2014/main" id="{9B520C55-8C20-894C-A1A4-37152A9A8B87}"/>
+              </a:ext>
+            </a:extLst>
+          </p:cNvPr>
+          <p:cNvSpPr/>
+          <p:nvPr/>
+        </p:nvSpPr>
+        <p:spPr>
+          <a:xfrm>
+            <a:off x="8788758" y="2140999"/>
+            <a:ext cx="1788513" cy="933731"/>
+          </a:xfrm>
+          <a:prstGeom prst="rect">
+            <a:avLst/>
+          </a:prstGeom>
+          <a:noFill/>
+          <a:ln>
+            <a:solidFill>
+              <a:schemeClr val="tx1"/>
+            </a:solidFill>
+          </a:ln>
+        </p:spPr>
+        <p:style>
+          <a:lnRef idx="2">
+            <a:schemeClr val="accent1">
+              <a:shade val="50000"/>
+            </a:schemeClr>
+          </a:lnRef>
+          <a:fillRef idx="1">
+            <a:schemeClr val="accent1"/>
+          </a:fillRef>
+          <a:effectRef idx="0">
+            <a:schemeClr val="accent1"/>
+          </a:effectRef>
+          <a:fontRef idx="minor">
+            <a:schemeClr val="lt1"/>
+          </a:fontRef>
+        </p:style>
+        <p:txBody>
+          <a:bodyPr rtlCol="0" anchor="t"/>
+          <a:lstStyle/>
+          <a:p>
+            <a:r>
+              <a:rPr kumimoji="1" lang="en-US" altLang="ja-JP" sz="1200" b="1" dirty="0">
+                <a:solidFill>
+                  <a:schemeClr val="tx1"/>
+                </a:solidFill>
+              </a:rPr>
+              <a:t>Solana Cluster</a:t>
+            </a:r>
+          </a:p>
+          <a:p>
+            <a:r>
+              <a:rPr kumimoji="1" lang="en-US" altLang="ja-JP" sz="1200" b="1" dirty="0">
+                <a:solidFill>
+                  <a:schemeClr val="tx1"/>
+                </a:solidFill>
+              </a:rPr>
+              <a:t>(Blockchain)</a:t>
+            </a:r>
+          </a:p>
+          <a:p>
+            <a:endParaRPr kumimoji="1" lang="en-US" altLang="ja-JP" sz="1200" b="1" dirty="0">
+              <a:solidFill>
+                <a:schemeClr val="tx1"/>
+              </a:solidFill>
+            </a:endParaRPr>
+          </a:p>
+          <a:p>
+            <a:r>
+              <a:rPr kumimoji="1" lang="en-US" altLang="ja-JP" sz="1200" dirty="0">
+                <a:solidFill>
+                  <a:schemeClr val="tx1"/>
+                </a:solidFill>
+              </a:rPr>
+              <a:t>ex) Solana </a:t>
+            </a:r>
+            <a:r>
+              <a:rPr kumimoji="1" lang="en-US" altLang="ja-JP" sz="1200" dirty="0" err="1">
+                <a:solidFill>
+                  <a:schemeClr val="tx1"/>
+                </a:solidFill>
+              </a:rPr>
+              <a:t>Mainnet</a:t>
+            </a:r>
+            <a:r>
+              <a:rPr kumimoji="1" lang="en-US" altLang="ja-JP" sz="1200" dirty="0">
+                <a:solidFill>
+                  <a:schemeClr val="tx1"/>
+                </a:solidFill>
+              </a:rPr>
+              <a:t> Beta</a:t>
+            </a:r>
+            <a:endParaRPr kumimoji="1" lang="ja-JP" altLang="en-US" sz="1200">
+              <a:solidFill>
+                <a:schemeClr val="tx1"/>
+              </a:solidFill>
+            </a:endParaRPr>
+          </a:p>
+        </p:txBody>
+      </p:sp>
+      <p:sp>
+        <p:nvSpPr>
+          <p:cNvPr id="7" name="正方形/長方形 6">
+            <a:extLst>
+              <a:ext uri="{FF2B5EF4-FFF2-40B4-BE49-F238E27FC236}">
+                <a16:creationId xmlns:a16="http://schemas.microsoft.com/office/drawing/2014/main" id="{46B27697-0F8F-514F-BA7C-825CE8DF450E}"/>
+              </a:ext>
+            </a:extLst>
+          </p:cNvPr>
+          <p:cNvSpPr/>
+          <p:nvPr/>
+        </p:nvSpPr>
+        <p:spPr>
+          <a:xfrm>
+            <a:off x="8788759" y="3474796"/>
+            <a:ext cx="1788513" cy="933731"/>
+          </a:xfrm>
+          <a:prstGeom prst="rect">
+            <a:avLst/>
+          </a:prstGeom>
+          <a:noFill/>
+          <a:ln>
+            <a:solidFill>
+              <a:schemeClr val="tx1"/>
+            </a:solidFill>
+          </a:ln>
+        </p:spPr>
+        <p:style>
+          <a:lnRef idx="2">
+            <a:schemeClr val="accent1">
+              <a:shade val="50000"/>
+            </a:schemeClr>
+          </a:lnRef>
+          <a:fillRef idx="1">
+            <a:schemeClr val="accent1"/>
+          </a:fillRef>
+          <a:effectRef idx="0">
+            <a:schemeClr val="accent1"/>
+          </a:effectRef>
+          <a:fontRef idx="minor">
+            <a:schemeClr val="lt1"/>
+          </a:fontRef>
+        </p:style>
+        <p:txBody>
+          <a:bodyPr rtlCol="0" anchor="t"/>
+          <a:lstStyle/>
+          <a:p>
+            <a:r>
+              <a:rPr kumimoji="1" lang="en-US" altLang="ja-JP" sz="1200" b="1" dirty="0">
+                <a:solidFill>
+                  <a:schemeClr val="tx1"/>
+                </a:solidFill>
+              </a:rPr>
+              <a:t>IPFS Storage</a:t>
+            </a:r>
+          </a:p>
+          <a:p>
+            <a:endParaRPr kumimoji="1" lang="en-US" altLang="ja-JP" sz="1200" b="1" dirty="0">
+              <a:solidFill>
+                <a:schemeClr val="tx1"/>
+              </a:solidFill>
+            </a:endParaRPr>
+          </a:p>
+          <a:p>
+            <a:r>
+              <a:rPr kumimoji="1" lang="en-US" altLang="ja-JP" sz="1200" dirty="0">
+                <a:solidFill>
+                  <a:schemeClr val="tx1"/>
+                </a:solidFill>
+              </a:rPr>
+              <a:t>ex) </a:t>
+            </a:r>
+            <a:r>
+              <a:rPr kumimoji="1" lang="en-US" altLang="ja-JP" sz="1200" dirty="0" err="1">
+                <a:solidFill>
+                  <a:schemeClr val="tx1"/>
+                </a:solidFill>
+              </a:rPr>
+              <a:t>NFT.Storage</a:t>
+            </a:r>
+            <a:r>
+              <a:rPr kumimoji="1" lang="en-US" altLang="ja-JP" sz="1200" dirty="0">
+                <a:solidFill>
+                  <a:schemeClr val="tx1"/>
+                </a:solidFill>
+              </a:rPr>
+              <a:t>, Pinata Cloud</a:t>
+            </a:r>
+          </a:p>
+        </p:txBody>
+      </p:sp>
+      <p:sp>
+        <p:nvSpPr>
+          <p:cNvPr id="8" name="正方形/長方形 7">
+            <a:extLst>
+              <a:ext uri="{FF2B5EF4-FFF2-40B4-BE49-F238E27FC236}">
+                <a16:creationId xmlns:a16="http://schemas.microsoft.com/office/drawing/2014/main" id="{5BD0F255-547D-4243-80B1-B7CF73F35F8C}"/>
+              </a:ext>
+            </a:extLst>
+          </p:cNvPr>
+          <p:cNvSpPr/>
+          <p:nvPr/>
+        </p:nvSpPr>
+        <p:spPr>
+          <a:xfrm>
+            <a:off x="6554334" y="2143964"/>
+            <a:ext cx="1788513" cy="933731"/>
+          </a:xfrm>
+          <a:prstGeom prst="rect">
+            <a:avLst/>
+          </a:prstGeom>
+          <a:noFill/>
+          <a:ln>
+            <a:solidFill>
+              <a:schemeClr val="tx1"/>
+            </a:solidFill>
+          </a:ln>
+        </p:spPr>
+        <p:style>
+          <a:lnRef idx="2">
+            <a:schemeClr val="accent1">
+              <a:shade val="50000"/>
+            </a:schemeClr>
+          </a:lnRef>
+          <a:fillRef idx="1">
+            <a:schemeClr val="accent1"/>
+          </a:fillRef>
+          <a:effectRef idx="0">
+            <a:schemeClr val="accent1"/>
+          </a:effectRef>
+          <a:fontRef idx="minor">
+            <a:schemeClr val="lt1"/>
+          </a:fontRef>
+        </p:style>
+        <p:txBody>
+          <a:bodyPr rtlCol="0" anchor="t"/>
+          <a:lstStyle/>
+          <a:p>
+            <a:r>
+              <a:rPr kumimoji="1" lang="en-US" altLang="ja-JP" sz="1200" b="1" dirty="0">
+                <a:solidFill>
+                  <a:schemeClr val="tx1"/>
+                </a:solidFill>
+              </a:rPr>
+              <a:t>Frontend</a:t>
+            </a:r>
+          </a:p>
+          <a:p>
+            <a:endParaRPr kumimoji="1" lang="en-US" altLang="ja-JP" sz="1200" b="1" dirty="0">
+              <a:solidFill>
+                <a:schemeClr val="tx1"/>
+              </a:solidFill>
+            </a:endParaRPr>
+          </a:p>
+          <a:p>
+            <a:r>
+              <a:rPr kumimoji="1" lang="en-US" altLang="ja-JP" sz="1200" dirty="0">
+                <a:solidFill>
+                  <a:schemeClr val="tx1"/>
+                </a:solidFill>
+              </a:rPr>
+              <a:t>ex) JS (Solana/Anchor Web3), React, Vue</a:t>
+            </a:r>
+            <a:endParaRPr kumimoji="1" lang="ja-JP" altLang="en-US" sz="1200">
+              <a:solidFill>
+                <a:schemeClr val="tx1"/>
+              </a:solidFill>
+            </a:endParaRPr>
+          </a:p>
+        </p:txBody>
+      </p:sp>
+      <p:sp>
+        <p:nvSpPr>
+          <p:cNvPr id="9" name="正方形/長方形 8">
+            <a:extLst>
+              <a:ext uri="{FF2B5EF4-FFF2-40B4-BE49-F238E27FC236}">
+                <a16:creationId xmlns:a16="http://schemas.microsoft.com/office/drawing/2014/main" id="{8D882191-7DAA-C44A-B78F-C105645615CA}"/>
+              </a:ext>
+            </a:extLst>
+          </p:cNvPr>
+          <p:cNvSpPr/>
+          <p:nvPr/>
+        </p:nvSpPr>
+        <p:spPr>
+          <a:xfrm>
+            <a:off x="4314271" y="3474796"/>
+            <a:ext cx="1788513" cy="933731"/>
+          </a:xfrm>
+          <a:prstGeom prst="rect">
+            <a:avLst/>
+          </a:prstGeom>
+          <a:noFill/>
+          <a:ln>
+            <a:solidFill>
+              <a:schemeClr val="tx1"/>
+            </a:solidFill>
+          </a:ln>
+        </p:spPr>
+        <p:style>
+          <a:lnRef idx="2">
+            <a:schemeClr val="accent1">
+              <a:shade val="50000"/>
+            </a:schemeClr>
+          </a:lnRef>
+          <a:fillRef idx="1">
+            <a:schemeClr val="accent1"/>
+          </a:fillRef>
+          <a:effectRef idx="0">
+            <a:schemeClr val="accent1"/>
+          </a:effectRef>
+          <a:fontRef idx="minor">
+            <a:schemeClr val="lt1"/>
+          </a:fontRef>
+        </p:style>
+        <p:txBody>
+          <a:bodyPr rtlCol="0" anchor="t"/>
+          <a:lstStyle/>
+          <a:p>
+            <a:r>
+              <a:rPr kumimoji="1" lang="en-US" altLang="ja-JP" sz="1200" b="1" dirty="0">
+                <a:solidFill>
+                  <a:schemeClr val="tx1"/>
+                </a:solidFill>
+              </a:rPr>
+              <a:t>Backend</a:t>
+            </a:r>
+          </a:p>
+          <a:p>
+            <a:endParaRPr kumimoji="1" lang="en-US" altLang="ja-JP" sz="1200" b="1" dirty="0">
+              <a:solidFill>
+                <a:schemeClr val="tx1"/>
+              </a:solidFill>
+            </a:endParaRPr>
+          </a:p>
+          <a:p>
+            <a:r>
+              <a:rPr kumimoji="1" lang="en-US" altLang="ja-JP" sz="1200" dirty="0">
+                <a:solidFill>
+                  <a:schemeClr val="tx1"/>
+                </a:solidFill>
+              </a:rPr>
+              <a:t>ex) Ruby on Rails, PHP, Python</a:t>
+            </a:r>
+            <a:endParaRPr kumimoji="1" lang="ja-JP" altLang="en-US" sz="1200">
+              <a:solidFill>
+                <a:schemeClr val="tx1"/>
+              </a:solidFill>
+            </a:endParaRPr>
+          </a:p>
+        </p:txBody>
+      </p:sp>
+      <p:sp>
+        <p:nvSpPr>
+          <p:cNvPr id="10" name="正方形/長方形 9">
+            <a:extLst>
+              <a:ext uri="{FF2B5EF4-FFF2-40B4-BE49-F238E27FC236}">
+                <a16:creationId xmlns:a16="http://schemas.microsoft.com/office/drawing/2014/main" id="{376FC0B0-CF17-D845-B24F-AA3BB6A4F9C9}"/>
+              </a:ext>
+            </a:extLst>
+          </p:cNvPr>
+          <p:cNvSpPr/>
+          <p:nvPr/>
+        </p:nvSpPr>
+        <p:spPr>
+          <a:xfrm>
+            <a:off x="8788758" y="818310"/>
+            <a:ext cx="1788513" cy="933731"/>
+          </a:xfrm>
+          <a:prstGeom prst="rect">
+            <a:avLst/>
+          </a:prstGeom>
+          <a:noFill/>
+          <a:ln>
+            <a:solidFill>
+              <a:schemeClr val="tx1"/>
+            </a:solidFill>
+          </a:ln>
+        </p:spPr>
+        <p:style>
+          <a:lnRef idx="2">
+            <a:schemeClr val="accent1">
+              <a:shade val="50000"/>
+            </a:schemeClr>
+          </a:lnRef>
+          <a:fillRef idx="1">
+            <a:schemeClr val="accent1"/>
+          </a:fillRef>
+          <a:effectRef idx="0">
+            <a:schemeClr val="accent1"/>
+          </a:effectRef>
+          <a:fontRef idx="minor">
+            <a:schemeClr val="lt1"/>
+          </a:fontRef>
+        </p:style>
+        <p:txBody>
+          <a:bodyPr rtlCol="0" anchor="t"/>
+          <a:lstStyle/>
+          <a:p>
+            <a:r>
+              <a:rPr kumimoji="1" lang="en-US" altLang="ja-JP" sz="1200" b="1" dirty="0">
+                <a:solidFill>
+                  <a:schemeClr val="tx1"/>
+                </a:solidFill>
+              </a:rPr>
+              <a:t>Security Check</a:t>
+            </a:r>
+          </a:p>
+          <a:p>
+            <a:endParaRPr kumimoji="1" lang="en-US" altLang="ja-JP" sz="1200" b="1" dirty="0">
+              <a:solidFill>
+                <a:schemeClr val="tx1"/>
+              </a:solidFill>
+            </a:endParaRPr>
+          </a:p>
+          <a:p>
+            <a:r>
+              <a:rPr kumimoji="1" lang="en-US" altLang="ja-JP" sz="1200" dirty="0">
+                <a:solidFill>
+                  <a:schemeClr val="tx1"/>
+                </a:solidFill>
+              </a:rPr>
+              <a:t>ex) </a:t>
+            </a:r>
+            <a:r>
+              <a:rPr kumimoji="1" lang="en-US" altLang="ja-JP" sz="1200" dirty="0" err="1">
+                <a:solidFill>
+                  <a:schemeClr val="tx1"/>
+                </a:solidFill>
+              </a:rPr>
+              <a:t>Certik</a:t>
+            </a:r>
+            <a:endParaRPr kumimoji="1" lang="en-US" altLang="ja-JP" sz="1200" dirty="0">
+              <a:solidFill>
+                <a:schemeClr val="tx1"/>
+              </a:solidFill>
+            </a:endParaRPr>
+          </a:p>
+        </p:txBody>
+      </p:sp>
+      <p:sp>
+        <p:nvSpPr>
+          <p:cNvPr id="16" name="正方形/長方形 15">
+            <a:extLst>
+              <a:ext uri="{FF2B5EF4-FFF2-40B4-BE49-F238E27FC236}">
+                <a16:creationId xmlns:a16="http://schemas.microsoft.com/office/drawing/2014/main" id="{ABFD7B9B-2C35-0844-BAAB-AB107AF85A12}"/>
+              </a:ext>
+            </a:extLst>
+          </p:cNvPr>
+          <p:cNvSpPr/>
+          <p:nvPr/>
+        </p:nvSpPr>
+        <p:spPr>
+          <a:xfrm>
+            <a:off x="2077027" y="3455933"/>
+            <a:ext cx="1788513" cy="933731"/>
+          </a:xfrm>
+          <a:prstGeom prst="rect">
+            <a:avLst/>
+          </a:prstGeom>
+          <a:noFill/>
+          <a:ln>
+            <a:solidFill>
+              <a:schemeClr val="tx1"/>
+            </a:solidFill>
+          </a:ln>
+        </p:spPr>
+        <p:style>
+          <a:lnRef idx="2">
+            <a:schemeClr val="accent1">
+              <a:shade val="50000"/>
+            </a:schemeClr>
+          </a:lnRef>
+          <a:fillRef idx="1">
+            <a:schemeClr val="accent1"/>
+          </a:fillRef>
+          <a:effectRef idx="0">
+            <a:schemeClr val="accent1"/>
+          </a:effectRef>
+          <a:fontRef idx="minor">
+            <a:schemeClr val="lt1"/>
+          </a:fontRef>
+        </p:style>
+        <p:txBody>
+          <a:bodyPr rtlCol="0" anchor="t"/>
+          <a:lstStyle/>
+          <a:p>
+            <a:r>
+              <a:rPr kumimoji="1" lang="en-US" altLang="ja-JP" sz="1200" b="1" dirty="0">
+                <a:solidFill>
+                  <a:schemeClr val="tx1"/>
+                </a:solidFill>
+              </a:rPr>
+              <a:t>Market Prices/Analytics</a:t>
+            </a:r>
+          </a:p>
+          <a:p>
+            <a:endParaRPr kumimoji="1" lang="en-US" altLang="ja-JP" sz="1200" b="1" dirty="0">
+              <a:solidFill>
+                <a:schemeClr val="tx1"/>
+              </a:solidFill>
+            </a:endParaRPr>
+          </a:p>
+          <a:p>
+            <a:r>
+              <a:rPr kumimoji="1" lang="en-US" altLang="ja-JP" sz="1200" dirty="0">
+                <a:solidFill>
+                  <a:schemeClr val="tx1"/>
+                </a:solidFill>
+              </a:rPr>
+              <a:t>ex) </a:t>
+            </a:r>
+            <a:r>
+              <a:rPr kumimoji="1" lang="en-US" altLang="ja-JP" sz="1200" dirty="0" err="1">
+                <a:solidFill>
+                  <a:schemeClr val="tx1"/>
+                </a:solidFill>
+              </a:rPr>
+              <a:t>CoinMarketCap</a:t>
+            </a:r>
+            <a:r>
+              <a:rPr kumimoji="1" lang="en-US" altLang="ja-JP" sz="1200" dirty="0">
+                <a:solidFill>
+                  <a:schemeClr val="tx1"/>
+                </a:solidFill>
+              </a:rPr>
+              <a:t>, </a:t>
+            </a:r>
+            <a:r>
+              <a:rPr kumimoji="1" lang="en-US" altLang="ja-JP" sz="1200" dirty="0" err="1">
+                <a:solidFill>
+                  <a:schemeClr val="tx1"/>
+                </a:solidFill>
+              </a:rPr>
+              <a:t>CoinGecko</a:t>
+            </a:r>
+            <a:r>
+              <a:rPr kumimoji="1" lang="en-US" altLang="ja-JP" sz="1200" dirty="0">
+                <a:solidFill>
+                  <a:schemeClr val="tx1"/>
+                </a:solidFill>
+              </a:rPr>
+              <a:t>, </a:t>
+            </a:r>
+            <a:r>
+              <a:rPr kumimoji="1" lang="en-US" altLang="ja-JP" sz="1200" dirty="0" err="1">
+                <a:solidFill>
+                  <a:schemeClr val="tx1"/>
+                </a:solidFill>
+              </a:rPr>
+              <a:t>DefiLlama</a:t>
+            </a:r>
+            <a:endParaRPr kumimoji="1" lang="en-US" altLang="ja-JP" sz="1200" dirty="0">
+              <a:solidFill>
+                <a:schemeClr val="tx1"/>
+              </a:solidFill>
+            </a:endParaRPr>
+          </a:p>
+        </p:txBody>
+      </p:sp>
+      <p:sp>
+        <p:nvSpPr>
+          <p:cNvPr id="17" name="正方形/長方形 16">
+            <a:extLst>
+              <a:ext uri="{FF2B5EF4-FFF2-40B4-BE49-F238E27FC236}">
+                <a16:creationId xmlns:a16="http://schemas.microsoft.com/office/drawing/2014/main" id="{408FB114-7357-BE4E-B3E7-80E4F644A17C}"/>
+              </a:ext>
+            </a:extLst>
+          </p:cNvPr>
+          <p:cNvSpPr/>
+          <p:nvPr/>
+        </p:nvSpPr>
+        <p:spPr>
+          <a:xfrm>
+            <a:off x="4314271" y="818310"/>
+            <a:ext cx="1788513" cy="933731"/>
+          </a:xfrm>
+          <a:prstGeom prst="rect">
+            <a:avLst/>
+          </a:prstGeom>
+          <a:noFill/>
+          <a:ln>
+            <a:solidFill>
+              <a:schemeClr val="tx1"/>
+            </a:solidFill>
+          </a:ln>
+        </p:spPr>
+        <p:style>
+          <a:lnRef idx="2">
+            <a:schemeClr val="accent1">
+              <a:shade val="50000"/>
+            </a:schemeClr>
+          </a:lnRef>
+          <a:fillRef idx="1">
+            <a:schemeClr val="accent1"/>
+          </a:fillRef>
+          <a:effectRef idx="0">
+            <a:schemeClr val="accent1"/>
+          </a:effectRef>
+          <a:fontRef idx="minor">
+            <a:schemeClr val="lt1"/>
+          </a:fontRef>
+        </p:style>
+        <p:txBody>
+          <a:bodyPr rtlCol="0" anchor="t"/>
+          <a:lstStyle/>
+          <a:p>
+            <a:r>
+              <a:rPr kumimoji="1" lang="en-US" altLang="ja-JP" sz="1200" b="1" dirty="0">
+                <a:solidFill>
+                  <a:schemeClr val="tx1"/>
+                </a:solidFill>
+              </a:rPr>
+              <a:t>Web Analytics</a:t>
+            </a:r>
+          </a:p>
+          <a:p>
+            <a:endParaRPr kumimoji="1" lang="en-US" altLang="ja-JP" sz="1200" b="1" dirty="0">
+              <a:solidFill>
+                <a:schemeClr val="tx1"/>
+              </a:solidFill>
+            </a:endParaRPr>
+          </a:p>
+          <a:p>
+            <a:r>
+              <a:rPr kumimoji="1" lang="en-US" altLang="ja-JP" sz="1200" dirty="0">
+                <a:solidFill>
+                  <a:schemeClr val="tx1"/>
+                </a:solidFill>
+              </a:rPr>
+              <a:t>ex) Google Analytics</a:t>
+            </a:r>
+          </a:p>
+        </p:txBody>
+      </p:sp>
+      <p:sp>
+        <p:nvSpPr>
+          <p:cNvPr id="22" name="正方形/長方形 21">
+            <a:extLst>
+              <a:ext uri="{FF2B5EF4-FFF2-40B4-BE49-F238E27FC236}">
+                <a16:creationId xmlns:a16="http://schemas.microsoft.com/office/drawing/2014/main" id="{69E1A7FD-FDBE-6F4F-B95F-EC815E30F536}"/>
+              </a:ext>
+            </a:extLst>
+          </p:cNvPr>
+          <p:cNvSpPr/>
+          <p:nvPr/>
+        </p:nvSpPr>
+        <p:spPr>
+          <a:xfrm>
+            <a:off x="2077028" y="818310"/>
+            <a:ext cx="1788513" cy="933731"/>
+          </a:xfrm>
+          <a:prstGeom prst="rect">
+            <a:avLst/>
+          </a:prstGeom>
+          <a:noFill/>
+          <a:ln>
+            <a:solidFill>
+              <a:schemeClr val="tx1"/>
+            </a:solidFill>
+          </a:ln>
+        </p:spPr>
+        <p:style>
+          <a:lnRef idx="2">
+            <a:schemeClr val="accent1">
+              <a:shade val="50000"/>
+            </a:schemeClr>
+          </a:lnRef>
+          <a:fillRef idx="1">
+            <a:schemeClr val="accent1"/>
+          </a:fillRef>
+          <a:effectRef idx="0">
+            <a:schemeClr val="accent1"/>
+          </a:effectRef>
+          <a:fontRef idx="minor">
+            <a:schemeClr val="lt1"/>
+          </a:fontRef>
+        </p:style>
+        <p:txBody>
+          <a:bodyPr rtlCol="0" anchor="t"/>
+          <a:lstStyle/>
+          <a:p>
+            <a:r>
+              <a:rPr kumimoji="1" lang="en-US" altLang="ja-JP" sz="1200" b="1" dirty="0">
+                <a:solidFill>
+                  <a:schemeClr val="tx1"/>
+                </a:solidFill>
+              </a:rPr>
+              <a:t>UI/UX Improvement</a:t>
+            </a:r>
+          </a:p>
+          <a:p>
+            <a:endParaRPr kumimoji="1" lang="en-US" altLang="ja-JP" sz="1200" b="1" dirty="0">
+              <a:solidFill>
+                <a:schemeClr val="tx1"/>
+              </a:solidFill>
+            </a:endParaRPr>
+          </a:p>
+          <a:p>
+            <a:r>
+              <a:rPr kumimoji="1" lang="en-US" altLang="ja-JP" sz="1200" dirty="0">
+                <a:solidFill>
+                  <a:schemeClr val="tx1"/>
+                </a:solidFill>
+              </a:rPr>
+              <a:t>ex) The Graph</a:t>
+            </a:r>
+          </a:p>
+        </p:txBody>
+      </p:sp>
+      <p:sp>
+        <p:nvSpPr>
+          <p:cNvPr id="25" name="テキスト ボックス 24">
+            <a:extLst>
+              <a:ext uri="{FF2B5EF4-FFF2-40B4-BE49-F238E27FC236}">
+                <a16:creationId xmlns:a16="http://schemas.microsoft.com/office/drawing/2014/main" id="{CC53FFAA-6687-4B49-9B50-899181A0D5AA}"/>
+              </a:ext>
+            </a:extLst>
+          </p:cNvPr>
+          <p:cNvSpPr txBox="1"/>
+          <p:nvPr/>
+        </p:nvSpPr>
+        <p:spPr>
+          <a:xfrm>
+            <a:off x="9072419" y="4594863"/>
+            <a:ext cx="1762137" cy="276999"/>
+          </a:xfrm>
+          <a:prstGeom prst="rect">
+            <a:avLst/>
+          </a:prstGeom>
+          <a:noFill/>
+        </p:spPr>
+        <p:txBody>
+          <a:bodyPr wrap="square" rtlCol="0">
+            <a:spAutoFit/>
+          </a:bodyPr>
+          <a:lstStyle/>
+          <a:p>
+            <a:r>
+              <a:rPr kumimoji="1" lang="en-US" altLang="ja-JP" sz="1200" dirty="0"/>
+              <a:t>Deploy Solana Programs</a:t>
+            </a:r>
+          </a:p>
+        </p:txBody>
+      </p:sp>
+      <p:sp>
+        <p:nvSpPr>
+          <p:cNvPr id="26" name="フリーフォーム 25">
+            <a:extLst>
+              <a:ext uri="{FF2B5EF4-FFF2-40B4-BE49-F238E27FC236}">
+                <a16:creationId xmlns:a16="http://schemas.microsoft.com/office/drawing/2014/main" id="{67B216BA-D93A-AC49-8FE8-126A44195EEF}"/>
+              </a:ext>
+            </a:extLst>
+          </p:cNvPr>
+          <p:cNvSpPr/>
+          <p:nvPr/>
+        </p:nvSpPr>
+        <p:spPr>
+          <a:xfrm>
+            <a:off x="5166912" y="1744673"/>
+            <a:ext cx="1381783" cy="530577"/>
+          </a:xfrm>
+          <a:custGeom>
+            <a:avLst/>
+            <a:gdLst>
+              <a:gd name="connsiteX0" fmla="*/ 0 w 1365955"/>
+              <a:gd name="connsiteY0" fmla="*/ 0 h 530577"/>
+              <a:gd name="connsiteX1" fmla="*/ 0 w 1365955"/>
+              <a:gd name="connsiteY1" fmla="*/ 530577 h 530577"/>
+              <a:gd name="connsiteX2" fmla="*/ 1365955 w 1365955"/>
+              <a:gd name="connsiteY2" fmla="*/ 530577 h 530577"/>
+            </a:gdLst>
+            <a:ahLst/>
+            <a:cxnLst>
+              <a:cxn ang="0">
+                <a:pos x="connsiteX0" y="connsiteY0"/>
+              </a:cxn>
+              <a:cxn ang="0">
+                <a:pos x="connsiteX1" y="connsiteY1"/>
+              </a:cxn>
+              <a:cxn ang="0">
+                <a:pos x="connsiteX2" y="connsiteY2"/>
+              </a:cxn>
+            </a:cxnLst>
+            <a:rect l="l" t="t" r="r" b="b"/>
+            <a:pathLst>
+              <a:path w="1365955" h="530577">
+                <a:moveTo>
+                  <a:pt x="0" y="0"/>
+                </a:moveTo>
+                <a:lnTo>
+                  <a:pt x="0" y="530577"/>
+                </a:lnTo>
+                <a:lnTo>
+                  <a:pt x="1365955" y="530577"/>
+                </a:lnTo>
+              </a:path>
+            </a:pathLst>
+          </a:custGeom>
+          <a:noFill/>
+          <a:ln>
+            <a:solidFill>
+              <a:schemeClr val="tx1"/>
+            </a:solidFill>
+            <a:headEnd type="none" w="med" len="med"/>
+            <a:tailEnd type="arrow" w="med" len="med"/>
+          </a:ln>
+        </p:spPr>
+        <p:style>
+          <a:lnRef idx="2">
+            <a:schemeClr val="accent1">
+              <a:shade val="50000"/>
+            </a:schemeClr>
+          </a:lnRef>
+          <a:fillRef idx="1">
+            <a:schemeClr val="accent1"/>
+          </a:fillRef>
+          <a:effectRef idx="0">
+            <a:schemeClr val="accent1"/>
+          </a:effectRef>
+          <a:fontRef idx="minor">
+            <a:schemeClr val="lt1"/>
+          </a:fontRef>
+        </p:style>
+        <p:txBody>
+          <a:bodyPr rtlCol="0" anchor="ctr"/>
+          <a:lstStyle/>
+          <a:p>
+            <a:pPr algn="ctr"/>
+            <a:endParaRPr kumimoji="1" lang="ja-JP" altLang="en-US"/>
+          </a:p>
+        </p:txBody>
+      </p:sp>
+      <p:sp>
+        <p:nvSpPr>
+          <p:cNvPr id="27" name="フリーフォーム 26">
+            <a:extLst>
+              <a:ext uri="{FF2B5EF4-FFF2-40B4-BE49-F238E27FC236}">
+                <a16:creationId xmlns:a16="http://schemas.microsoft.com/office/drawing/2014/main" id="{A84E36C0-8CE8-1644-A92C-DB3203D2894C}"/>
+              </a:ext>
+            </a:extLst>
+          </p:cNvPr>
+          <p:cNvSpPr/>
+          <p:nvPr/>
+        </p:nvSpPr>
+        <p:spPr>
+          <a:xfrm>
+            <a:off x="2830113" y="1744673"/>
+            <a:ext cx="3724222" cy="696776"/>
+          </a:xfrm>
+          <a:custGeom>
+            <a:avLst/>
+            <a:gdLst>
+              <a:gd name="connsiteX0" fmla="*/ 0 w 1365955"/>
+              <a:gd name="connsiteY0" fmla="*/ 0 h 530577"/>
+              <a:gd name="connsiteX1" fmla="*/ 0 w 1365955"/>
+              <a:gd name="connsiteY1" fmla="*/ 530577 h 530577"/>
+              <a:gd name="connsiteX2" fmla="*/ 1365955 w 1365955"/>
+              <a:gd name="connsiteY2" fmla="*/ 530577 h 530577"/>
+            </a:gdLst>
+            <a:ahLst/>
+            <a:cxnLst>
+              <a:cxn ang="0">
+                <a:pos x="connsiteX0" y="connsiteY0"/>
+              </a:cxn>
+              <a:cxn ang="0">
+                <a:pos x="connsiteX1" y="connsiteY1"/>
+              </a:cxn>
+              <a:cxn ang="0">
+                <a:pos x="connsiteX2" y="connsiteY2"/>
+              </a:cxn>
+            </a:cxnLst>
+            <a:rect l="l" t="t" r="r" b="b"/>
+            <a:pathLst>
+              <a:path w="1365955" h="530577">
+                <a:moveTo>
+                  <a:pt x="0" y="0"/>
+                </a:moveTo>
+                <a:lnTo>
+                  <a:pt x="0" y="530577"/>
+                </a:lnTo>
+                <a:lnTo>
+                  <a:pt x="1365955" y="530577"/>
+                </a:lnTo>
+              </a:path>
+            </a:pathLst>
+          </a:custGeom>
+          <a:noFill/>
+          <a:ln>
+            <a:solidFill>
+              <a:schemeClr val="tx1"/>
+            </a:solidFill>
+            <a:headEnd type="arrow" w="med" len="med"/>
+            <a:tailEnd type="none" w="med" len="med"/>
+          </a:ln>
+        </p:spPr>
+        <p:style>
+          <a:lnRef idx="2">
+            <a:schemeClr val="accent1">
+              <a:shade val="50000"/>
+            </a:schemeClr>
+          </a:lnRef>
+          <a:fillRef idx="1">
+            <a:schemeClr val="accent1"/>
+          </a:fillRef>
+          <a:effectRef idx="0">
+            <a:schemeClr val="accent1"/>
+          </a:effectRef>
+          <a:fontRef idx="minor">
+            <a:schemeClr val="lt1"/>
+          </a:fontRef>
+        </p:style>
+        <p:txBody>
+          <a:bodyPr rtlCol="0" anchor="ctr"/>
+          <a:lstStyle/>
+          <a:p>
+            <a:pPr algn="ctr"/>
+            <a:endParaRPr kumimoji="1" lang="ja-JP" altLang="en-US"/>
+          </a:p>
+        </p:txBody>
+      </p:sp>
+      <p:sp>
+        <p:nvSpPr>
+          <p:cNvPr id="28" name="フリーフォーム 27">
+            <a:extLst>
+              <a:ext uri="{FF2B5EF4-FFF2-40B4-BE49-F238E27FC236}">
+                <a16:creationId xmlns:a16="http://schemas.microsoft.com/office/drawing/2014/main" id="{7B7C8492-25A3-9E4B-99AD-83C4F41AE782}"/>
+              </a:ext>
+            </a:extLst>
+          </p:cNvPr>
+          <p:cNvSpPr/>
+          <p:nvPr/>
+        </p:nvSpPr>
+        <p:spPr>
+          <a:xfrm flipV="1">
+            <a:off x="5166912" y="2944219"/>
+            <a:ext cx="1381783" cy="530577"/>
+          </a:xfrm>
+          <a:custGeom>
+            <a:avLst/>
+            <a:gdLst>
+              <a:gd name="connsiteX0" fmla="*/ 0 w 1365955"/>
+              <a:gd name="connsiteY0" fmla="*/ 0 h 530577"/>
+              <a:gd name="connsiteX1" fmla="*/ 0 w 1365955"/>
+              <a:gd name="connsiteY1" fmla="*/ 530577 h 530577"/>
+              <a:gd name="connsiteX2" fmla="*/ 1365955 w 1365955"/>
+              <a:gd name="connsiteY2" fmla="*/ 530577 h 530577"/>
+            </a:gdLst>
+            <a:ahLst/>
+            <a:cxnLst>
+              <a:cxn ang="0">
+                <a:pos x="connsiteX0" y="connsiteY0"/>
+              </a:cxn>
+              <a:cxn ang="0">
+                <a:pos x="connsiteX1" y="connsiteY1"/>
+              </a:cxn>
+              <a:cxn ang="0">
+                <a:pos x="connsiteX2" y="connsiteY2"/>
+              </a:cxn>
+            </a:cxnLst>
+            <a:rect l="l" t="t" r="r" b="b"/>
+            <a:pathLst>
+              <a:path w="1365955" h="530577">
+                <a:moveTo>
+                  <a:pt x="0" y="0"/>
+                </a:moveTo>
+                <a:lnTo>
+                  <a:pt x="0" y="530577"/>
+                </a:lnTo>
+                <a:lnTo>
+                  <a:pt x="1365955" y="530577"/>
+                </a:lnTo>
+              </a:path>
+            </a:pathLst>
+          </a:custGeom>
+          <a:noFill/>
+          <a:ln>
+            <a:solidFill>
+              <a:schemeClr val="tx1"/>
+            </a:solidFill>
+            <a:headEnd type="arrow" w="med" len="med"/>
+            <a:tailEnd type="arrow" w="med" len="med"/>
+          </a:ln>
+        </p:spPr>
+        <p:style>
+          <a:lnRef idx="2">
+            <a:schemeClr val="accent1">
+              <a:shade val="50000"/>
+            </a:schemeClr>
+          </a:lnRef>
+          <a:fillRef idx="1">
+            <a:schemeClr val="accent1"/>
+          </a:fillRef>
+          <a:effectRef idx="0">
+            <a:schemeClr val="accent1"/>
+          </a:effectRef>
+          <a:fontRef idx="minor">
+            <a:schemeClr val="lt1"/>
+          </a:fontRef>
+        </p:style>
+        <p:txBody>
+          <a:bodyPr rtlCol="0" anchor="ctr"/>
+          <a:lstStyle/>
+          <a:p>
+            <a:pPr algn="ctr"/>
+            <a:endParaRPr kumimoji="1" lang="ja-JP" altLang="en-US"/>
+          </a:p>
+        </p:txBody>
+      </p:sp>
+      <p:sp>
+        <p:nvSpPr>
+          <p:cNvPr id="29" name="フリーフォーム 28">
+            <a:extLst>
+              <a:ext uri="{FF2B5EF4-FFF2-40B4-BE49-F238E27FC236}">
+                <a16:creationId xmlns:a16="http://schemas.microsoft.com/office/drawing/2014/main" id="{942E7C27-A8FB-234F-B546-E2FD62BB3D01}"/>
+              </a:ext>
+            </a:extLst>
+          </p:cNvPr>
+          <p:cNvSpPr/>
+          <p:nvPr/>
+        </p:nvSpPr>
+        <p:spPr>
+          <a:xfrm flipV="1">
+            <a:off x="2830113" y="2762294"/>
+            <a:ext cx="3724222" cy="696776"/>
+          </a:xfrm>
+          <a:custGeom>
+            <a:avLst/>
+            <a:gdLst>
+              <a:gd name="connsiteX0" fmla="*/ 0 w 1365955"/>
+              <a:gd name="connsiteY0" fmla="*/ 0 h 530577"/>
+              <a:gd name="connsiteX1" fmla="*/ 0 w 1365955"/>
+              <a:gd name="connsiteY1" fmla="*/ 530577 h 530577"/>
+              <a:gd name="connsiteX2" fmla="*/ 1365955 w 1365955"/>
+              <a:gd name="connsiteY2" fmla="*/ 530577 h 530577"/>
+            </a:gdLst>
+            <a:ahLst/>
+            <a:cxnLst>
+              <a:cxn ang="0">
+                <a:pos x="connsiteX0" y="connsiteY0"/>
+              </a:cxn>
+              <a:cxn ang="0">
+                <a:pos x="connsiteX1" y="connsiteY1"/>
+              </a:cxn>
+              <a:cxn ang="0">
+                <a:pos x="connsiteX2" y="connsiteY2"/>
+              </a:cxn>
+            </a:cxnLst>
+            <a:rect l="l" t="t" r="r" b="b"/>
+            <a:pathLst>
+              <a:path w="1365955" h="530577">
+                <a:moveTo>
+                  <a:pt x="0" y="0"/>
+                </a:moveTo>
+                <a:lnTo>
+                  <a:pt x="0" y="530577"/>
+                </a:lnTo>
+                <a:lnTo>
+                  <a:pt x="1365955" y="530577"/>
+                </a:lnTo>
+              </a:path>
+            </a:pathLst>
+          </a:custGeom>
+          <a:noFill/>
+          <a:ln>
+            <a:solidFill>
+              <a:schemeClr val="tx1"/>
+            </a:solidFill>
+            <a:headEnd type="arrow" w="med" len="med"/>
+            <a:tailEnd type="none" w="med" len="med"/>
+          </a:ln>
+        </p:spPr>
+        <p:style>
+          <a:lnRef idx="2">
+            <a:schemeClr val="accent1">
+              <a:shade val="50000"/>
+            </a:schemeClr>
+          </a:lnRef>
+          <a:fillRef idx="1">
+            <a:schemeClr val="accent1"/>
+          </a:fillRef>
+          <a:effectRef idx="0">
+            <a:schemeClr val="accent1"/>
+          </a:effectRef>
+          <a:fontRef idx="minor">
+            <a:schemeClr val="lt1"/>
+          </a:fontRef>
+        </p:style>
+        <p:txBody>
+          <a:bodyPr rtlCol="0" anchor="ctr"/>
+          <a:lstStyle/>
+          <a:p>
+            <a:pPr algn="ctr"/>
+            <a:endParaRPr kumimoji="1" lang="ja-JP" altLang="en-US"/>
+          </a:p>
+        </p:txBody>
+      </p:sp>
+      <p:sp>
+        <p:nvSpPr>
+          <p:cNvPr id="30" name="テキスト ボックス 29">
+            <a:extLst>
+              <a:ext uri="{FF2B5EF4-FFF2-40B4-BE49-F238E27FC236}">
+                <a16:creationId xmlns:a16="http://schemas.microsoft.com/office/drawing/2014/main" id="{BF6818FA-E851-1E46-B877-3B40A1342B7F}"/>
+              </a:ext>
+            </a:extLst>
+          </p:cNvPr>
+          <p:cNvSpPr txBox="1"/>
+          <p:nvPr/>
+        </p:nvSpPr>
+        <p:spPr>
+          <a:xfrm>
+            <a:off x="5328256" y="1857629"/>
+            <a:ext cx="1059093" cy="276999"/>
+          </a:xfrm>
+          <a:prstGeom prst="rect">
+            <a:avLst/>
+          </a:prstGeom>
+          <a:noFill/>
+        </p:spPr>
+        <p:txBody>
+          <a:bodyPr wrap="square" rtlCol="0">
+            <a:spAutoFit/>
+          </a:bodyPr>
+          <a:lstStyle/>
+          <a:p>
+            <a:r>
+              <a:rPr kumimoji="1" lang="en-US" altLang="ja-JP" sz="1200" dirty="0"/>
+              <a:t>Read</a:t>
+            </a:r>
+            <a:endParaRPr kumimoji="1" lang="ja-JP" altLang="en-US" sz="1200"/>
+          </a:p>
+        </p:txBody>
+      </p:sp>
+      <p:sp>
+        <p:nvSpPr>
+          <p:cNvPr id="31" name="テキスト ボックス 30">
+            <a:extLst>
+              <a:ext uri="{FF2B5EF4-FFF2-40B4-BE49-F238E27FC236}">
+                <a16:creationId xmlns:a16="http://schemas.microsoft.com/office/drawing/2014/main" id="{9FAC6B58-3663-FB4C-969F-B2CAAB0A2260}"/>
+              </a:ext>
+            </a:extLst>
+          </p:cNvPr>
+          <p:cNvSpPr txBox="1"/>
+          <p:nvPr/>
+        </p:nvSpPr>
+        <p:spPr>
+          <a:xfrm>
+            <a:off x="5328256" y="3042963"/>
+            <a:ext cx="1059093" cy="276999"/>
+          </a:xfrm>
+          <a:prstGeom prst="rect">
+            <a:avLst/>
+          </a:prstGeom>
+          <a:noFill/>
+        </p:spPr>
+        <p:txBody>
+          <a:bodyPr wrap="square" rtlCol="0">
+            <a:spAutoFit/>
+          </a:bodyPr>
+          <a:lstStyle/>
+          <a:p>
+            <a:r>
+              <a:rPr kumimoji="1" lang="en-US" altLang="ja-JP" sz="1200" dirty="0"/>
+              <a:t>Read/Write</a:t>
+            </a:r>
+            <a:endParaRPr kumimoji="1" lang="ja-JP" altLang="en-US" sz="1200"/>
+          </a:p>
+        </p:txBody>
+      </p:sp>
+      <p:sp>
+        <p:nvSpPr>
+          <p:cNvPr id="32" name="テキスト ボックス 31">
+            <a:extLst>
+              <a:ext uri="{FF2B5EF4-FFF2-40B4-BE49-F238E27FC236}">
+                <a16:creationId xmlns:a16="http://schemas.microsoft.com/office/drawing/2014/main" id="{15AD56B4-9535-B248-AF38-235AF84CAA49}"/>
+              </a:ext>
+            </a:extLst>
+          </p:cNvPr>
+          <p:cNvSpPr txBox="1"/>
+          <p:nvPr/>
+        </p:nvSpPr>
+        <p:spPr>
+          <a:xfrm>
+            <a:off x="3032221" y="1857629"/>
+            <a:ext cx="1059093" cy="276999"/>
+          </a:xfrm>
+          <a:prstGeom prst="rect">
+            <a:avLst/>
+          </a:prstGeom>
+          <a:noFill/>
+        </p:spPr>
+        <p:txBody>
+          <a:bodyPr wrap="square" rtlCol="0">
+            <a:spAutoFit/>
+          </a:bodyPr>
+          <a:lstStyle/>
+          <a:p>
+            <a:r>
+              <a:rPr kumimoji="1" lang="en-US" altLang="ja-JP" sz="1200" dirty="0"/>
+              <a:t>Read</a:t>
+            </a:r>
+            <a:endParaRPr kumimoji="1" lang="ja-JP" altLang="en-US" sz="1200"/>
+          </a:p>
+        </p:txBody>
+      </p:sp>
+      <p:sp>
+        <p:nvSpPr>
+          <p:cNvPr id="33" name="テキスト ボックス 32">
+            <a:extLst>
+              <a:ext uri="{FF2B5EF4-FFF2-40B4-BE49-F238E27FC236}">
+                <a16:creationId xmlns:a16="http://schemas.microsoft.com/office/drawing/2014/main" id="{B39F1665-97BE-FA4A-8E2C-D8731DE867BB}"/>
+              </a:ext>
+            </a:extLst>
+          </p:cNvPr>
+          <p:cNvSpPr txBox="1"/>
+          <p:nvPr/>
+        </p:nvSpPr>
+        <p:spPr>
+          <a:xfrm>
+            <a:off x="3032221" y="3042962"/>
+            <a:ext cx="1059093" cy="276999"/>
+          </a:xfrm>
+          <a:prstGeom prst="rect">
+            <a:avLst/>
+          </a:prstGeom>
+          <a:noFill/>
+        </p:spPr>
+        <p:txBody>
+          <a:bodyPr wrap="square" rtlCol="0">
+            <a:spAutoFit/>
+          </a:bodyPr>
+          <a:lstStyle/>
+          <a:p>
+            <a:r>
+              <a:rPr kumimoji="1" lang="en-US" altLang="ja-JP" sz="1200" dirty="0"/>
+              <a:t>Read</a:t>
+            </a:r>
+            <a:endParaRPr kumimoji="1" lang="ja-JP" altLang="en-US" sz="1200"/>
+          </a:p>
+        </p:txBody>
+      </p:sp>
+      <p:cxnSp>
+        <p:nvCxnSpPr>
+          <p:cNvPr id="35" name="直線矢印コネクタ 34">
+            <a:extLst>
+              <a:ext uri="{FF2B5EF4-FFF2-40B4-BE49-F238E27FC236}">
+                <a16:creationId xmlns:a16="http://schemas.microsoft.com/office/drawing/2014/main" id="{F4320851-533F-1646-B6A9-2492603297D1}"/>
+              </a:ext>
+            </a:extLst>
+          </p:cNvPr>
+          <p:cNvCxnSpPr>
+            <a:stCxn id="8" idx="3"/>
+            <a:endCxn id="6" idx="1"/>
+          </p:cNvCxnSpPr>
+          <p:nvPr/>
+        </p:nvCxnSpPr>
+        <p:spPr>
+          <a:xfrm flipV="1">
+            <a:off x="8342847" y="2607865"/>
+            <a:ext cx="445911" cy="2965"/>
+          </a:xfrm>
+          <a:prstGeom prst="straightConnector1">
+            <a:avLst/>
+          </a:prstGeom>
+          <a:ln w="9525">
+            <a:solidFill>
+              <a:schemeClr val="tx1"/>
+            </a:solidFill>
+            <a:headEnd type="none" w="med" len="med"/>
+            <a:tailEnd type="arrow" w="med" len="med"/>
+          </a:ln>
+        </p:spPr>
+        <p:style>
+          <a:lnRef idx="1">
+            <a:schemeClr val="accent1"/>
+          </a:lnRef>
+          <a:fillRef idx="0">
+            <a:schemeClr val="accent1"/>
+          </a:fillRef>
+          <a:effectRef idx="0">
+            <a:schemeClr val="accent1"/>
+          </a:effectRef>
+          <a:fontRef idx="minor">
+            <a:schemeClr val="tx1"/>
+          </a:fontRef>
+        </p:style>
+      </p:cxnSp>
+      <p:sp>
+        <p:nvSpPr>
+          <p:cNvPr id="36" name="テキスト ボックス 35">
+            <a:extLst>
+              <a:ext uri="{FF2B5EF4-FFF2-40B4-BE49-F238E27FC236}">
+                <a16:creationId xmlns:a16="http://schemas.microsoft.com/office/drawing/2014/main" id="{A4367297-3B22-1F44-960D-858604C80859}"/>
+              </a:ext>
+            </a:extLst>
+          </p:cNvPr>
+          <p:cNvSpPr txBox="1"/>
+          <p:nvPr/>
+        </p:nvSpPr>
+        <p:spPr>
+          <a:xfrm>
+            <a:off x="8036255" y="1857629"/>
+            <a:ext cx="1059093" cy="276999"/>
+          </a:xfrm>
+          <a:prstGeom prst="rect">
+            <a:avLst/>
+          </a:prstGeom>
+          <a:noFill/>
+        </p:spPr>
+        <p:txBody>
+          <a:bodyPr wrap="square" rtlCol="0">
+            <a:spAutoFit/>
+          </a:bodyPr>
+          <a:lstStyle/>
+          <a:p>
+            <a:pPr algn="ctr"/>
+            <a:r>
+              <a:rPr kumimoji="1" lang="en-US" altLang="ja-JP" sz="1200" dirty="0"/>
+              <a:t>Write</a:t>
+            </a:r>
+            <a:endParaRPr kumimoji="1" lang="ja-JP" altLang="en-US" sz="1200"/>
+          </a:p>
+        </p:txBody>
+      </p:sp>
+      <p:cxnSp>
+        <p:nvCxnSpPr>
+          <p:cNvPr id="37" name="直線矢印コネクタ 36">
+            <a:extLst>
+              <a:ext uri="{FF2B5EF4-FFF2-40B4-BE49-F238E27FC236}">
+                <a16:creationId xmlns:a16="http://schemas.microsoft.com/office/drawing/2014/main" id="{3FC636CF-710A-9D47-BBCC-888F9865663E}"/>
+              </a:ext>
+            </a:extLst>
+          </p:cNvPr>
+          <p:cNvCxnSpPr>
+            <a:cxnSpLocks/>
+            <a:stCxn id="14" idx="3"/>
+            <a:endCxn id="8" idx="1"/>
+          </p:cNvCxnSpPr>
+          <p:nvPr/>
+        </p:nvCxnSpPr>
+        <p:spPr>
+          <a:xfrm flipV="1">
+            <a:off x="1716914" y="2610830"/>
+            <a:ext cx="4837420" cy="26652"/>
+          </a:xfrm>
+          <a:prstGeom prst="straightConnector1">
+            <a:avLst/>
+          </a:prstGeom>
+          <a:ln w="9525">
+            <a:solidFill>
+              <a:schemeClr val="tx1"/>
+            </a:solidFill>
+            <a:headEnd type="none" w="med" len="med"/>
+            <a:tailEnd type="arrow" w="med" len="med"/>
+          </a:ln>
+        </p:spPr>
+        <p:style>
+          <a:lnRef idx="1">
+            <a:schemeClr val="accent1"/>
+          </a:lnRef>
+          <a:fillRef idx="0">
+            <a:schemeClr val="accent1"/>
+          </a:fillRef>
+          <a:effectRef idx="0">
+            <a:schemeClr val="accent1"/>
+          </a:effectRef>
+          <a:fontRef idx="minor">
+            <a:schemeClr val="tx1"/>
+          </a:fontRef>
+        </p:style>
+      </p:cxnSp>
+      <p:sp>
+        <p:nvSpPr>
+          <p:cNvPr id="40" name="テキスト ボックス 39">
+            <a:extLst>
+              <a:ext uri="{FF2B5EF4-FFF2-40B4-BE49-F238E27FC236}">
+                <a16:creationId xmlns:a16="http://schemas.microsoft.com/office/drawing/2014/main" id="{41F47871-FEE0-9448-A6E0-7BBF5533F890}"/>
+              </a:ext>
+            </a:extLst>
+          </p:cNvPr>
+          <p:cNvSpPr txBox="1"/>
+          <p:nvPr/>
+        </p:nvSpPr>
+        <p:spPr>
+          <a:xfrm>
+            <a:off x="1716914" y="2218906"/>
+            <a:ext cx="1059093" cy="276999"/>
+          </a:xfrm>
+          <a:prstGeom prst="rect">
+            <a:avLst/>
+          </a:prstGeom>
+          <a:noFill/>
+        </p:spPr>
+        <p:txBody>
+          <a:bodyPr wrap="square" rtlCol="0">
+            <a:spAutoFit/>
+          </a:bodyPr>
+          <a:lstStyle/>
+          <a:p>
+            <a:r>
+              <a:rPr kumimoji="1" lang="en-US" altLang="ja-JP" sz="1200" dirty="0"/>
+              <a:t>Send/</a:t>
+            </a:r>
+            <a:r>
+              <a:rPr kumimoji="1" lang="en-US" altLang="ja-JP" sz="1200" dirty="0" err="1"/>
+              <a:t>Recieve</a:t>
+            </a:r>
+            <a:endParaRPr kumimoji="1" lang="ja-JP" altLang="en-US" sz="1200"/>
+          </a:p>
+        </p:txBody>
+      </p:sp>
+      <p:sp>
+        <p:nvSpPr>
+          <p:cNvPr id="41" name="フリーフォーム 40">
+            <a:extLst>
+              <a:ext uri="{FF2B5EF4-FFF2-40B4-BE49-F238E27FC236}">
+                <a16:creationId xmlns:a16="http://schemas.microsoft.com/office/drawing/2014/main" id="{A600AB6C-3A12-7246-9F3C-11BC8AB9B5CE}"/>
+              </a:ext>
+            </a:extLst>
+          </p:cNvPr>
+          <p:cNvSpPr/>
+          <p:nvPr/>
+        </p:nvSpPr>
+        <p:spPr>
+          <a:xfrm flipV="1">
+            <a:off x="7756152" y="1277033"/>
+            <a:ext cx="1038246" cy="851516"/>
+          </a:xfrm>
+          <a:custGeom>
+            <a:avLst/>
+            <a:gdLst>
+              <a:gd name="connsiteX0" fmla="*/ 0 w 1365955"/>
+              <a:gd name="connsiteY0" fmla="*/ 0 h 530577"/>
+              <a:gd name="connsiteX1" fmla="*/ 0 w 1365955"/>
+              <a:gd name="connsiteY1" fmla="*/ 530577 h 530577"/>
+              <a:gd name="connsiteX2" fmla="*/ 1365955 w 1365955"/>
+              <a:gd name="connsiteY2" fmla="*/ 530577 h 530577"/>
+            </a:gdLst>
+            <a:ahLst/>
+            <a:cxnLst>
+              <a:cxn ang="0">
+                <a:pos x="connsiteX0" y="connsiteY0"/>
+              </a:cxn>
+              <a:cxn ang="0">
+                <a:pos x="connsiteX1" y="connsiteY1"/>
+              </a:cxn>
+              <a:cxn ang="0">
+                <a:pos x="connsiteX2" y="connsiteY2"/>
+              </a:cxn>
+            </a:cxnLst>
+            <a:rect l="l" t="t" r="r" b="b"/>
+            <a:pathLst>
+              <a:path w="1365955" h="530577">
+                <a:moveTo>
+                  <a:pt x="0" y="0"/>
+                </a:moveTo>
+                <a:lnTo>
+                  <a:pt x="0" y="530577"/>
+                </a:lnTo>
+                <a:lnTo>
+                  <a:pt x="1365955" y="530577"/>
+                </a:lnTo>
+              </a:path>
+            </a:pathLst>
+          </a:custGeom>
+          <a:noFill/>
+          <a:ln>
+            <a:solidFill>
+              <a:schemeClr val="tx1"/>
+            </a:solidFill>
+            <a:headEnd type="arrow" w="med" len="med"/>
+            <a:tailEnd type="none" w="med" len="med"/>
+          </a:ln>
+        </p:spPr>
+        <p:style>
+          <a:lnRef idx="2">
+            <a:schemeClr val="accent1">
+              <a:shade val="50000"/>
+            </a:schemeClr>
+          </a:lnRef>
+          <a:fillRef idx="1">
+            <a:schemeClr val="accent1"/>
+          </a:fillRef>
+          <a:effectRef idx="0">
+            <a:schemeClr val="accent1"/>
+          </a:effectRef>
+          <a:fontRef idx="minor">
+            <a:schemeClr val="lt1"/>
+          </a:fontRef>
+        </p:style>
+        <p:txBody>
+          <a:bodyPr rtlCol="0" anchor="ctr"/>
+          <a:lstStyle/>
+          <a:p>
+            <a:pPr algn="ctr"/>
+            <a:endParaRPr kumimoji="1" lang="ja-JP" altLang="en-US"/>
+          </a:p>
+        </p:txBody>
+      </p:sp>
+      <p:sp>
+        <p:nvSpPr>
+          <p:cNvPr id="42" name="テキスト ボックス 41">
+            <a:extLst>
+              <a:ext uri="{FF2B5EF4-FFF2-40B4-BE49-F238E27FC236}">
+                <a16:creationId xmlns:a16="http://schemas.microsoft.com/office/drawing/2014/main" id="{79ACEB0C-4C02-884B-9F16-6B2D23734C8E}"/>
+              </a:ext>
+            </a:extLst>
+          </p:cNvPr>
+          <p:cNvSpPr txBox="1"/>
+          <p:nvPr/>
+        </p:nvSpPr>
+        <p:spPr>
+          <a:xfrm>
+            <a:off x="8036255" y="818310"/>
+            <a:ext cx="1059093" cy="276999"/>
+          </a:xfrm>
+          <a:prstGeom prst="rect">
+            <a:avLst/>
+          </a:prstGeom>
+          <a:noFill/>
+        </p:spPr>
+        <p:txBody>
+          <a:bodyPr wrap="square" rtlCol="0">
+            <a:spAutoFit/>
+          </a:bodyPr>
+          <a:lstStyle/>
+          <a:p>
+            <a:pPr algn="ctr"/>
+            <a:r>
+              <a:rPr kumimoji="1" lang="en-US" altLang="ja-JP" sz="1200" dirty="0"/>
+              <a:t>Read</a:t>
+            </a:r>
+            <a:endParaRPr kumimoji="1" lang="ja-JP" altLang="en-US" sz="1200"/>
+          </a:p>
+        </p:txBody>
+      </p:sp>
+      <p:sp>
+        <p:nvSpPr>
+          <p:cNvPr id="43" name="フリーフォーム 42">
+            <a:extLst>
+              <a:ext uri="{FF2B5EF4-FFF2-40B4-BE49-F238E27FC236}">
+                <a16:creationId xmlns:a16="http://schemas.microsoft.com/office/drawing/2014/main" id="{37CA76A8-B14A-1741-AFC7-9C7C40184A52}"/>
+              </a:ext>
+            </a:extLst>
+          </p:cNvPr>
+          <p:cNvSpPr/>
+          <p:nvPr/>
+        </p:nvSpPr>
+        <p:spPr>
+          <a:xfrm>
+            <a:off x="7756152" y="3071282"/>
+            <a:ext cx="1038246" cy="851516"/>
+          </a:xfrm>
+          <a:custGeom>
+            <a:avLst/>
+            <a:gdLst>
+              <a:gd name="connsiteX0" fmla="*/ 0 w 1365955"/>
+              <a:gd name="connsiteY0" fmla="*/ 0 h 530577"/>
+              <a:gd name="connsiteX1" fmla="*/ 0 w 1365955"/>
+              <a:gd name="connsiteY1" fmla="*/ 530577 h 530577"/>
+              <a:gd name="connsiteX2" fmla="*/ 1365955 w 1365955"/>
+              <a:gd name="connsiteY2" fmla="*/ 530577 h 530577"/>
+            </a:gdLst>
+            <a:ahLst/>
+            <a:cxnLst>
+              <a:cxn ang="0">
+                <a:pos x="connsiteX0" y="connsiteY0"/>
+              </a:cxn>
+              <a:cxn ang="0">
+                <a:pos x="connsiteX1" y="connsiteY1"/>
+              </a:cxn>
+              <a:cxn ang="0">
+                <a:pos x="connsiteX2" y="connsiteY2"/>
+              </a:cxn>
+            </a:cxnLst>
+            <a:rect l="l" t="t" r="r" b="b"/>
+            <a:pathLst>
+              <a:path w="1365955" h="530577">
+                <a:moveTo>
+                  <a:pt x="0" y="0"/>
+                </a:moveTo>
+                <a:lnTo>
+                  <a:pt x="0" y="530577"/>
+                </a:lnTo>
+                <a:lnTo>
+                  <a:pt x="1365955" y="530577"/>
+                </a:lnTo>
+              </a:path>
+            </a:pathLst>
+          </a:custGeom>
+          <a:noFill/>
+          <a:ln>
+            <a:solidFill>
+              <a:schemeClr val="tx1"/>
+            </a:solidFill>
+            <a:headEnd type="none" w="med" len="med"/>
+            <a:tailEnd type="arrow" w="med" len="med"/>
+          </a:ln>
+        </p:spPr>
+        <p:style>
+          <a:lnRef idx="2">
+            <a:schemeClr val="accent1">
+              <a:shade val="50000"/>
+            </a:schemeClr>
+          </a:lnRef>
+          <a:fillRef idx="1">
+            <a:schemeClr val="accent1"/>
+          </a:fillRef>
+          <a:effectRef idx="0">
+            <a:schemeClr val="accent1"/>
+          </a:effectRef>
+          <a:fontRef idx="minor">
+            <a:schemeClr val="lt1"/>
+          </a:fontRef>
+        </p:style>
+        <p:txBody>
+          <a:bodyPr rtlCol="0" anchor="ctr"/>
+          <a:lstStyle/>
+          <a:p>
+            <a:pPr algn="ctr"/>
+            <a:endParaRPr kumimoji="1" lang="ja-JP" altLang="en-US"/>
+          </a:p>
+        </p:txBody>
+      </p:sp>
+      <p:sp>
+        <p:nvSpPr>
+          <p:cNvPr id="44" name="テキスト ボックス 43">
+            <a:extLst>
+              <a:ext uri="{FF2B5EF4-FFF2-40B4-BE49-F238E27FC236}">
+                <a16:creationId xmlns:a16="http://schemas.microsoft.com/office/drawing/2014/main" id="{B764D03D-4F20-034D-AB9A-ADC13650B8DE}"/>
+              </a:ext>
+            </a:extLst>
+          </p:cNvPr>
+          <p:cNvSpPr txBox="1"/>
+          <p:nvPr/>
+        </p:nvSpPr>
+        <p:spPr>
+          <a:xfrm>
+            <a:off x="8036255" y="3463034"/>
+            <a:ext cx="1059093" cy="276999"/>
+          </a:xfrm>
+          <a:prstGeom prst="rect">
+            <a:avLst/>
+          </a:prstGeom>
+          <a:noFill/>
+        </p:spPr>
+        <p:txBody>
+          <a:bodyPr wrap="square" rtlCol="0">
+            <a:spAutoFit/>
+          </a:bodyPr>
+          <a:lstStyle/>
+          <a:p>
+            <a:pPr algn="ctr"/>
+            <a:r>
+              <a:rPr kumimoji="1" lang="en-US" altLang="ja-JP" sz="1200" dirty="0"/>
+              <a:t>Write</a:t>
+            </a:r>
+            <a:endParaRPr kumimoji="1" lang="ja-JP" altLang="en-US" sz="1200"/>
+          </a:p>
+        </p:txBody>
+      </p:sp>
+      <p:sp>
+        <p:nvSpPr>
+          <p:cNvPr id="56" name="フリーフォーム 55">
+            <a:extLst>
+              <a:ext uri="{FF2B5EF4-FFF2-40B4-BE49-F238E27FC236}">
+                <a16:creationId xmlns:a16="http://schemas.microsoft.com/office/drawing/2014/main" id="{B29A11F9-9C57-8C41-BC39-B8DFDCDDEF14}"/>
+              </a:ext>
+            </a:extLst>
+          </p:cNvPr>
+          <p:cNvSpPr/>
+          <p:nvPr/>
+        </p:nvSpPr>
+        <p:spPr>
+          <a:xfrm rot="10800000">
+            <a:off x="10566143" y="2352611"/>
+            <a:ext cx="908589" cy="2548935"/>
+          </a:xfrm>
+          <a:custGeom>
+            <a:avLst/>
+            <a:gdLst>
+              <a:gd name="connsiteX0" fmla="*/ 0 w 1365955"/>
+              <a:gd name="connsiteY0" fmla="*/ 0 h 530577"/>
+              <a:gd name="connsiteX1" fmla="*/ 0 w 1365955"/>
+              <a:gd name="connsiteY1" fmla="*/ 530577 h 530577"/>
+              <a:gd name="connsiteX2" fmla="*/ 1365955 w 1365955"/>
+              <a:gd name="connsiteY2" fmla="*/ 530577 h 530577"/>
+            </a:gdLst>
+            <a:ahLst/>
+            <a:cxnLst>
+              <a:cxn ang="0">
+                <a:pos x="connsiteX0" y="connsiteY0"/>
+              </a:cxn>
+              <a:cxn ang="0">
+                <a:pos x="connsiteX1" y="connsiteY1"/>
+              </a:cxn>
+              <a:cxn ang="0">
+                <a:pos x="connsiteX2" y="connsiteY2"/>
+              </a:cxn>
+            </a:cxnLst>
+            <a:rect l="l" t="t" r="r" b="b"/>
+            <a:pathLst>
+              <a:path w="1365955" h="530577">
+                <a:moveTo>
+                  <a:pt x="0" y="0"/>
+                </a:moveTo>
+                <a:lnTo>
+                  <a:pt x="0" y="530577"/>
+                </a:lnTo>
+                <a:lnTo>
+                  <a:pt x="1365955" y="530577"/>
+                </a:lnTo>
+              </a:path>
+            </a:pathLst>
+          </a:custGeom>
+          <a:noFill/>
+          <a:ln>
+            <a:solidFill>
+              <a:schemeClr val="tx1"/>
+            </a:solidFill>
+            <a:headEnd type="none" w="med" len="med"/>
+            <a:tailEnd type="arrow" w="med" len="med"/>
+          </a:ln>
+        </p:spPr>
+        <p:style>
+          <a:lnRef idx="2">
+            <a:schemeClr val="accent1">
+              <a:shade val="50000"/>
+            </a:schemeClr>
+          </a:lnRef>
+          <a:fillRef idx="1">
+            <a:schemeClr val="accent1"/>
+          </a:fillRef>
+          <a:effectRef idx="0">
+            <a:schemeClr val="accent1"/>
+          </a:effectRef>
+          <a:fontRef idx="minor">
+            <a:schemeClr val="lt1"/>
+          </a:fontRef>
+        </p:style>
+        <p:txBody>
+          <a:bodyPr rtlCol="0" anchor="ctr"/>
+          <a:lstStyle/>
+          <a:p>
+            <a:pPr algn="ctr"/>
+            <a:endParaRPr kumimoji="1" lang="ja-JP" altLang="en-US"/>
+          </a:p>
+        </p:txBody>
+      </p:sp>
+      <p:sp>
+        <p:nvSpPr>
+          <p:cNvPr id="58" name="テキスト ボックス 57">
+            <a:extLst>
+              <a:ext uri="{FF2B5EF4-FFF2-40B4-BE49-F238E27FC236}">
+                <a16:creationId xmlns:a16="http://schemas.microsoft.com/office/drawing/2014/main" id="{5FF2CD93-63E9-FA44-8FCC-823DF5BDA98C}"/>
+              </a:ext>
+            </a:extLst>
+          </p:cNvPr>
+          <p:cNvSpPr txBox="1"/>
+          <p:nvPr/>
+        </p:nvSpPr>
+        <p:spPr>
+          <a:xfrm>
+            <a:off x="10555724" y="1857629"/>
+            <a:ext cx="1059093" cy="276999"/>
+          </a:xfrm>
+          <a:prstGeom prst="rect">
+            <a:avLst/>
+          </a:prstGeom>
+          <a:noFill/>
+        </p:spPr>
+        <p:txBody>
+          <a:bodyPr wrap="square" rtlCol="0">
+            <a:spAutoFit/>
+          </a:bodyPr>
+          <a:lstStyle/>
+          <a:p>
+            <a:pPr algn="ctr"/>
+            <a:r>
+              <a:rPr kumimoji="1" lang="en-US" altLang="ja-JP" sz="1200" dirty="0"/>
+              <a:t>Mint</a:t>
+            </a:r>
+            <a:endParaRPr kumimoji="1" lang="ja-JP" altLang="en-US" sz="1200"/>
+          </a:p>
+        </p:txBody>
+      </p:sp>
+      <p:sp>
+        <p:nvSpPr>
+          <p:cNvPr id="59" name="フリーフォーム 58">
+            <a:extLst>
+              <a:ext uri="{FF2B5EF4-FFF2-40B4-BE49-F238E27FC236}">
+                <a16:creationId xmlns:a16="http://schemas.microsoft.com/office/drawing/2014/main" id="{4584A906-5BF6-9143-A827-A8A9790CA4CF}"/>
+              </a:ext>
+            </a:extLst>
+          </p:cNvPr>
+          <p:cNvSpPr/>
+          <p:nvPr/>
+        </p:nvSpPr>
+        <p:spPr>
+          <a:xfrm rot="10800000">
+            <a:off x="10577269" y="2860608"/>
+            <a:ext cx="233283" cy="2040937"/>
+          </a:xfrm>
+          <a:custGeom>
+            <a:avLst/>
+            <a:gdLst>
+              <a:gd name="connsiteX0" fmla="*/ 0 w 1365955"/>
+              <a:gd name="connsiteY0" fmla="*/ 0 h 530577"/>
+              <a:gd name="connsiteX1" fmla="*/ 0 w 1365955"/>
+              <a:gd name="connsiteY1" fmla="*/ 530577 h 530577"/>
+              <a:gd name="connsiteX2" fmla="*/ 1365955 w 1365955"/>
+              <a:gd name="connsiteY2" fmla="*/ 530577 h 530577"/>
+            </a:gdLst>
+            <a:ahLst/>
+            <a:cxnLst>
+              <a:cxn ang="0">
+                <a:pos x="connsiteX0" y="connsiteY0"/>
+              </a:cxn>
+              <a:cxn ang="0">
+                <a:pos x="connsiteX1" y="connsiteY1"/>
+              </a:cxn>
+              <a:cxn ang="0">
+                <a:pos x="connsiteX2" y="connsiteY2"/>
+              </a:cxn>
+            </a:cxnLst>
+            <a:rect l="l" t="t" r="r" b="b"/>
+            <a:pathLst>
+              <a:path w="1365955" h="530577">
+                <a:moveTo>
+                  <a:pt x="0" y="0"/>
+                </a:moveTo>
+                <a:lnTo>
+                  <a:pt x="0" y="530577"/>
+                </a:lnTo>
+                <a:lnTo>
+                  <a:pt x="1365955" y="530577"/>
+                </a:lnTo>
+              </a:path>
+            </a:pathLst>
+          </a:custGeom>
+          <a:noFill/>
+          <a:ln>
+            <a:solidFill>
+              <a:schemeClr val="tx1"/>
+            </a:solidFill>
+            <a:headEnd type="none" w="med" len="med"/>
+            <a:tailEnd type="arrow" w="med" len="med"/>
+          </a:ln>
+        </p:spPr>
+        <p:style>
+          <a:lnRef idx="2">
+            <a:schemeClr val="accent1">
+              <a:shade val="50000"/>
+            </a:schemeClr>
+          </a:lnRef>
+          <a:fillRef idx="1">
+            <a:schemeClr val="accent1"/>
+          </a:fillRef>
+          <a:effectRef idx="0">
+            <a:schemeClr val="accent1"/>
+          </a:effectRef>
+          <a:fontRef idx="minor">
+            <a:schemeClr val="lt1"/>
+          </a:fontRef>
+        </p:style>
+        <p:txBody>
+          <a:bodyPr rtlCol="0" anchor="ctr"/>
+          <a:lstStyle/>
+          <a:p>
+            <a:pPr algn="ctr"/>
+            <a:endParaRPr kumimoji="1" lang="ja-JP" altLang="en-US"/>
+          </a:p>
+        </p:txBody>
+      </p:sp>
+      <p:sp>
+        <p:nvSpPr>
+          <p:cNvPr id="60" name="フリーフォーム 59">
+            <a:extLst>
+              <a:ext uri="{FF2B5EF4-FFF2-40B4-BE49-F238E27FC236}">
+                <a16:creationId xmlns:a16="http://schemas.microsoft.com/office/drawing/2014/main" id="{D6175A75-3CC3-894B-8607-953FDDDD081A}"/>
+              </a:ext>
+            </a:extLst>
+          </p:cNvPr>
+          <p:cNvSpPr/>
+          <p:nvPr/>
+        </p:nvSpPr>
+        <p:spPr>
+          <a:xfrm>
+            <a:off x="5166911" y="4408528"/>
+            <a:ext cx="4743296" cy="930202"/>
+          </a:xfrm>
+          <a:custGeom>
+            <a:avLst/>
+            <a:gdLst>
+              <a:gd name="connsiteX0" fmla="*/ 0 w 1365955"/>
+              <a:gd name="connsiteY0" fmla="*/ 0 h 530577"/>
+              <a:gd name="connsiteX1" fmla="*/ 0 w 1365955"/>
+              <a:gd name="connsiteY1" fmla="*/ 530577 h 530577"/>
+              <a:gd name="connsiteX2" fmla="*/ 1365955 w 1365955"/>
+              <a:gd name="connsiteY2" fmla="*/ 530577 h 530577"/>
+            </a:gdLst>
+            <a:ahLst/>
+            <a:cxnLst>
+              <a:cxn ang="0">
+                <a:pos x="connsiteX0" y="connsiteY0"/>
+              </a:cxn>
+              <a:cxn ang="0">
+                <a:pos x="connsiteX1" y="connsiteY1"/>
+              </a:cxn>
+              <a:cxn ang="0">
+                <a:pos x="connsiteX2" y="connsiteY2"/>
+              </a:cxn>
+            </a:cxnLst>
+            <a:rect l="l" t="t" r="r" b="b"/>
+            <a:pathLst>
+              <a:path w="1365955" h="530577">
+                <a:moveTo>
+                  <a:pt x="0" y="0"/>
+                </a:moveTo>
+                <a:lnTo>
+                  <a:pt x="0" y="530577"/>
+                </a:lnTo>
+                <a:lnTo>
+                  <a:pt x="1365955" y="530577"/>
+                </a:lnTo>
+              </a:path>
+            </a:pathLst>
+          </a:custGeom>
+          <a:noFill/>
+          <a:ln>
+            <a:solidFill>
+              <a:schemeClr val="tx1"/>
+            </a:solidFill>
+            <a:headEnd type="arrow" w="med" len="med"/>
+            <a:tailEnd type="none" w="med" len="med"/>
+          </a:ln>
+        </p:spPr>
+        <p:style>
+          <a:lnRef idx="2">
+            <a:schemeClr val="accent1">
+              <a:shade val="50000"/>
+            </a:schemeClr>
+          </a:lnRef>
+          <a:fillRef idx="1">
+            <a:schemeClr val="accent1"/>
+          </a:fillRef>
+          <a:effectRef idx="0">
+            <a:schemeClr val="accent1"/>
+          </a:effectRef>
+          <a:fontRef idx="minor">
+            <a:schemeClr val="lt1"/>
+          </a:fontRef>
+        </p:style>
+        <p:txBody>
+          <a:bodyPr rtlCol="0" anchor="ctr"/>
+          <a:lstStyle/>
+          <a:p>
+            <a:pPr algn="ctr"/>
+            <a:endParaRPr kumimoji="1" lang="ja-JP" altLang="en-US"/>
+          </a:p>
+        </p:txBody>
+      </p:sp>
+      <p:sp>
+        <p:nvSpPr>
+          <p:cNvPr id="61" name="テキスト ボックス 60">
+            <a:extLst>
+              <a:ext uri="{FF2B5EF4-FFF2-40B4-BE49-F238E27FC236}">
+                <a16:creationId xmlns:a16="http://schemas.microsoft.com/office/drawing/2014/main" id="{7E4DE582-B9F7-B74F-9925-74992F3630D6}"/>
+              </a:ext>
+            </a:extLst>
+          </p:cNvPr>
+          <p:cNvSpPr txBox="1"/>
+          <p:nvPr/>
+        </p:nvSpPr>
+        <p:spPr>
+          <a:xfrm>
+            <a:off x="5328256" y="4757616"/>
+            <a:ext cx="2080687" cy="276999"/>
+          </a:xfrm>
+          <a:prstGeom prst="rect">
+            <a:avLst/>
+          </a:prstGeom>
+          <a:noFill/>
+        </p:spPr>
+        <p:txBody>
+          <a:bodyPr wrap="square" rtlCol="0">
+            <a:spAutoFit/>
+          </a:bodyPr>
+          <a:lstStyle/>
+          <a:p>
+            <a:r>
+              <a:rPr kumimoji="1" lang="en-US" altLang="ja-JP" sz="1200" dirty="0"/>
+              <a:t>Deploy Files</a:t>
+            </a:r>
+            <a:endParaRPr kumimoji="1" lang="ja-JP" altLang="en-US" sz="1200"/>
+          </a:p>
+        </p:txBody>
+      </p:sp>
+      <p:sp>
+        <p:nvSpPr>
+          <p:cNvPr id="63" name="角丸四角形 62">
+            <a:extLst>
+              <a:ext uri="{FF2B5EF4-FFF2-40B4-BE49-F238E27FC236}">
+                <a16:creationId xmlns:a16="http://schemas.microsoft.com/office/drawing/2014/main" id="{A6EBC820-EA0A-BB4C-B09E-57CA9958BF34}"/>
+              </a:ext>
+            </a:extLst>
+          </p:cNvPr>
+          <p:cNvSpPr/>
+          <p:nvPr/>
+        </p:nvSpPr>
+        <p:spPr>
+          <a:xfrm>
+            <a:off x="9910207" y="4901547"/>
+            <a:ext cx="980314" cy="867600"/>
+          </a:xfrm>
+          <a:prstGeom prst="roundRect">
+            <a:avLst/>
+          </a:prstGeom>
+          <a:noFill/>
+          <a:ln>
+            <a:solidFill>
+              <a:schemeClr val="tx1"/>
+            </a:solidFill>
+          </a:ln>
+        </p:spPr>
+        <p:style>
+          <a:lnRef idx="2">
+            <a:schemeClr val="accent1">
+              <a:shade val="50000"/>
+            </a:schemeClr>
+          </a:lnRef>
+          <a:fillRef idx="1">
+            <a:schemeClr val="accent1"/>
+          </a:fillRef>
+          <a:effectRef idx="0">
+            <a:schemeClr val="accent1"/>
+          </a:effectRef>
+          <a:fontRef idx="minor">
+            <a:schemeClr val="lt1"/>
+          </a:fontRef>
+        </p:style>
+        <p:txBody>
+          <a:bodyPr rtlCol="0" anchor="t"/>
+          <a:lstStyle/>
+          <a:p>
+            <a:r>
+              <a:rPr kumimoji="1" lang="en-US" altLang="ja-JP" sz="1200" b="1" dirty="0">
+                <a:solidFill>
+                  <a:schemeClr val="tx1"/>
+                </a:solidFill>
+              </a:rPr>
+              <a:t>Develop</a:t>
+            </a:r>
+          </a:p>
+          <a:p>
+            <a:r>
+              <a:rPr kumimoji="1" lang="en-US" altLang="ja-JP" sz="1200" dirty="0">
+                <a:solidFill>
+                  <a:schemeClr val="tx1"/>
+                </a:solidFill>
+              </a:rPr>
+              <a:t>ex) Solana CLI, Rust, Anchor</a:t>
+            </a:r>
+            <a:endParaRPr kumimoji="1" lang="ja-JP" altLang="en-US" sz="1200">
+              <a:solidFill>
+                <a:schemeClr val="tx1"/>
+              </a:solidFill>
+            </a:endParaRPr>
+          </a:p>
+        </p:txBody>
+      </p:sp>
+      <p:sp>
+        <p:nvSpPr>
+          <p:cNvPr id="65" name="角丸四角形 64">
+            <a:extLst>
+              <a:ext uri="{FF2B5EF4-FFF2-40B4-BE49-F238E27FC236}">
+                <a16:creationId xmlns:a16="http://schemas.microsoft.com/office/drawing/2014/main" id="{1F40A375-F1A1-FB43-AE9B-AA734FADC17E}"/>
+              </a:ext>
+            </a:extLst>
+          </p:cNvPr>
+          <p:cNvSpPr/>
+          <p:nvPr/>
+        </p:nvSpPr>
+        <p:spPr>
+          <a:xfrm>
+            <a:off x="11039576" y="4901548"/>
+            <a:ext cx="980314" cy="867475"/>
+          </a:xfrm>
+          <a:prstGeom prst="roundRect">
+            <a:avLst/>
+          </a:prstGeom>
+          <a:noFill/>
+          <a:ln>
+            <a:solidFill>
+              <a:schemeClr val="tx1"/>
+            </a:solidFill>
+          </a:ln>
+        </p:spPr>
+        <p:style>
+          <a:lnRef idx="2">
+            <a:schemeClr val="accent1">
+              <a:shade val="50000"/>
+            </a:schemeClr>
+          </a:lnRef>
+          <a:fillRef idx="1">
+            <a:schemeClr val="accent1"/>
+          </a:fillRef>
+          <a:effectRef idx="0">
+            <a:schemeClr val="accent1"/>
+          </a:effectRef>
+          <a:fontRef idx="minor">
+            <a:schemeClr val="lt1"/>
+          </a:fontRef>
+        </p:style>
+        <p:txBody>
+          <a:bodyPr rtlCol="0" anchor="t"/>
+          <a:lstStyle/>
+          <a:p>
+            <a:r>
+              <a:rPr kumimoji="1" lang="en-US" altLang="ja-JP" sz="1200" b="1" dirty="0">
+                <a:solidFill>
+                  <a:schemeClr val="tx1"/>
+                </a:solidFill>
+              </a:rPr>
+              <a:t>Wallet</a:t>
+            </a:r>
+          </a:p>
+          <a:p>
+            <a:endParaRPr kumimoji="1" lang="en-US" altLang="ja-JP" sz="1200" b="1" dirty="0">
+              <a:solidFill>
+                <a:schemeClr val="tx1"/>
+              </a:solidFill>
+            </a:endParaRPr>
+          </a:p>
+          <a:p>
+            <a:r>
+              <a:rPr kumimoji="1" lang="en-US" altLang="ja-JP" sz="1200" dirty="0">
+                <a:solidFill>
+                  <a:schemeClr val="tx1"/>
+                </a:solidFill>
+              </a:rPr>
+              <a:t>ex) Solana CLI</a:t>
+            </a:r>
+            <a:endParaRPr kumimoji="1" lang="ja-JP" altLang="en-US" sz="1200">
+              <a:solidFill>
+                <a:schemeClr val="tx1"/>
+              </a:solidFill>
+            </a:endParaRPr>
+          </a:p>
+        </p:txBody>
+      </p:sp>
+      <p:grpSp>
+        <p:nvGrpSpPr>
+          <p:cNvPr id="67" name="グループ化 66">
+            <a:extLst>
+              <a:ext uri="{FF2B5EF4-FFF2-40B4-BE49-F238E27FC236}">
+                <a16:creationId xmlns:a16="http://schemas.microsoft.com/office/drawing/2014/main" id="{2195D7D3-B4D0-0349-B900-4F7E377334B1}"/>
+              </a:ext>
+            </a:extLst>
+          </p:cNvPr>
+          <p:cNvGrpSpPr/>
+          <p:nvPr/>
+        </p:nvGrpSpPr>
+        <p:grpSpPr>
+          <a:xfrm>
+            <a:off x="302728" y="5502802"/>
+            <a:ext cx="1044473" cy="832478"/>
+            <a:chOff x="10526638" y="655817"/>
+            <a:chExt cx="1044473" cy="832478"/>
+          </a:xfrm>
+        </p:grpSpPr>
+        <p:sp>
+          <p:nvSpPr>
+            <p:cNvPr id="68" name="正方形/長方形 67">
+              <a:extLst>
+                <a:ext uri="{FF2B5EF4-FFF2-40B4-BE49-F238E27FC236}">
+                  <a16:creationId xmlns:a16="http://schemas.microsoft.com/office/drawing/2014/main" id="{FD4C105B-7D18-8B44-BC1C-EF24BF99AEA7}"/>
+                </a:ext>
+              </a:extLst>
+            </p:cNvPr>
+            <p:cNvSpPr/>
+            <p:nvPr/>
+          </p:nvSpPr>
+          <p:spPr>
+            <a:xfrm>
+              <a:off x="10526639" y="655818"/>
+              <a:ext cx="359660" cy="225665"/>
+            </a:xfrm>
+            <a:prstGeom prst="rect">
+              <a:avLst/>
+            </a:prstGeom>
+            <a:noFill/>
+            <a:ln>
+              <a:solidFill>
+                <a:schemeClr val="tx1"/>
+              </a:solidFill>
+            </a:ln>
+          </p:spPr>
+          <p:style>
+            <a:lnRef idx="2">
+              <a:schemeClr val="accent1">
+                <a:shade val="50000"/>
+              </a:schemeClr>
+            </a:lnRef>
+            <a:fillRef idx="1">
+              <a:schemeClr val="accent1"/>
+            </a:fillRef>
+            <a:effectRef idx="0">
+              <a:schemeClr val="accent1"/>
+            </a:effectRef>
+            <a:fontRef idx="minor">
+              <a:schemeClr val="lt1"/>
+            </a:fontRef>
+          </p:style>
+          <p:txBody>
+            <a:bodyPr rtlCol="0" anchor="ctr"/>
+            <a:lstStyle/>
+            <a:p>
+              <a:endParaRPr kumimoji="1" lang="en-US" altLang="ja-JP" sz="900" dirty="0">
+                <a:solidFill>
+                  <a:schemeClr val="tx1"/>
+                </a:solidFill>
+              </a:endParaRPr>
+            </a:p>
+          </p:txBody>
+        </p:sp>
+        <p:sp>
+          <p:nvSpPr>
+            <p:cNvPr id="69" name="角丸四角形 68">
+              <a:extLst>
+                <a:ext uri="{FF2B5EF4-FFF2-40B4-BE49-F238E27FC236}">
+                  <a16:creationId xmlns:a16="http://schemas.microsoft.com/office/drawing/2014/main" id="{7115418D-6FD7-F84F-B1C4-A64E62A2A20E}"/>
+                </a:ext>
+              </a:extLst>
+            </p:cNvPr>
+            <p:cNvSpPr/>
+            <p:nvPr/>
+          </p:nvSpPr>
+          <p:spPr>
+            <a:xfrm>
+              <a:off x="10526638" y="961779"/>
+              <a:ext cx="359661" cy="225665"/>
+            </a:xfrm>
+            <a:prstGeom prst="roundRect">
+              <a:avLst>
+                <a:gd name="adj" fmla="val 50000"/>
+              </a:avLst>
+            </a:prstGeom>
+            <a:noFill/>
+            <a:ln>
+              <a:solidFill>
+                <a:schemeClr val="tx1"/>
+              </a:solidFill>
+            </a:ln>
+          </p:spPr>
+          <p:style>
+            <a:lnRef idx="2">
+              <a:schemeClr val="accent1">
+                <a:shade val="50000"/>
+              </a:schemeClr>
+            </a:lnRef>
+            <a:fillRef idx="1">
+              <a:schemeClr val="accent1"/>
+            </a:fillRef>
+            <a:effectRef idx="0">
+              <a:schemeClr val="accent1"/>
+            </a:effectRef>
+            <a:fontRef idx="minor">
+              <a:schemeClr val="lt1"/>
+            </a:fontRef>
+          </p:style>
+          <p:txBody>
+            <a:bodyPr rtlCol="0" anchor="ctr"/>
+            <a:lstStyle/>
+            <a:p>
+              <a:endParaRPr kumimoji="1" lang="en-US" altLang="ja-JP" sz="900" dirty="0">
+                <a:solidFill>
+                  <a:schemeClr val="tx1"/>
+                </a:solidFill>
+              </a:endParaRPr>
+            </a:p>
+          </p:txBody>
+        </p:sp>
+        <p:cxnSp>
+          <p:nvCxnSpPr>
+            <p:cNvPr id="70" name="直線コネクタ 69">
+              <a:extLst>
+                <a:ext uri="{FF2B5EF4-FFF2-40B4-BE49-F238E27FC236}">
+                  <a16:creationId xmlns:a16="http://schemas.microsoft.com/office/drawing/2014/main" id="{8F025BBC-4384-4A47-91A1-1C01B72E54AB}"/>
+                </a:ext>
+              </a:extLst>
+            </p:cNvPr>
+            <p:cNvCxnSpPr>
+              <a:cxnSpLocks/>
+            </p:cNvCxnSpPr>
+            <p:nvPr/>
+          </p:nvCxnSpPr>
+          <p:spPr>
+            <a:xfrm flipV="1">
+              <a:off x="10561838" y="1371124"/>
+              <a:ext cx="289259" cy="1"/>
+            </a:xfrm>
+            <a:prstGeom prst="line">
+              <a:avLst/>
+            </a:prstGeom>
+            <a:ln w="9525">
+              <a:solidFill>
+                <a:schemeClr val="tx1"/>
+              </a:solidFill>
+              <a:headEnd type="none" w="med" len="med"/>
+              <a:tailEnd type="arrow" w="med" len="med"/>
+            </a:ln>
+          </p:spPr>
+          <p:style>
+            <a:lnRef idx="1">
+              <a:schemeClr val="accent1"/>
+            </a:lnRef>
+            <a:fillRef idx="0">
+              <a:schemeClr val="accent1"/>
+            </a:fillRef>
+            <a:effectRef idx="0">
+              <a:schemeClr val="accent1"/>
+            </a:effectRef>
+            <a:fontRef idx="minor">
+              <a:schemeClr val="tx1"/>
+            </a:fontRef>
+          </p:style>
+        </p:cxnSp>
+        <p:sp>
+          <p:nvSpPr>
+            <p:cNvPr id="71" name="テキスト ボックス 70">
+              <a:extLst>
+                <a:ext uri="{FF2B5EF4-FFF2-40B4-BE49-F238E27FC236}">
+                  <a16:creationId xmlns:a16="http://schemas.microsoft.com/office/drawing/2014/main" id="{B2AB3508-FD18-B34E-8373-304A48280E5B}"/>
+                </a:ext>
+              </a:extLst>
+            </p:cNvPr>
+            <p:cNvSpPr txBox="1"/>
+            <p:nvPr/>
+          </p:nvSpPr>
+          <p:spPr>
+            <a:xfrm>
+              <a:off x="10989220" y="961779"/>
+              <a:ext cx="581891" cy="225665"/>
+            </a:xfrm>
+            <a:prstGeom prst="rect">
+              <a:avLst/>
+            </a:prstGeom>
+            <a:noFill/>
+          </p:spPr>
+          <p:txBody>
+            <a:bodyPr wrap="none" rtlCol="0">
+              <a:noAutofit/>
+            </a:bodyPr>
+            <a:lstStyle/>
+            <a:p>
+              <a:r>
+                <a:rPr kumimoji="1" lang="en-US" altLang="ja-JP" sz="900" dirty="0"/>
+                <a:t>Device</a:t>
+              </a:r>
+              <a:endParaRPr kumimoji="1" lang="ja-JP" altLang="en-US" sz="900"/>
+            </a:p>
+          </p:txBody>
+        </p:sp>
+        <p:sp>
+          <p:nvSpPr>
+            <p:cNvPr id="72" name="テキスト ボックス 71">
+              <a:extLst>
+                <a:ext uri="{FF2B5EF4-FFF2-40B4-BE49-F238E27FC236}">
+                  <a16:creationId xmlns:a16="http://schemas.microsoft.com/office/drawing/2014/main" id="{2960CD50-C95A-6C48-A1B0-40EAA1529C4A}"/>
+                </a:ext>
+              </a:extLst>
+            </p:cNvPr>
+            <p:cNvSpPr txBox="1"/>
+            <p:nvPr/>
+          </p:nvSpPr>
+          <p:spPr>
+            <a:xfrm>
+              <a:off x="10989220" y="655817"/>
+              <a:ext cx="581891" cy="225665"/>
+            </a:xfrm>
+            <a:prstGeom prst="rect">
+              <a:avLst/>
+            </a:prstGeom>
+            <a:noFill/>
+          </p:spPr>
+          <p:txBody>
+            <a:bodyPr wrap="none" rtlCol="0">
+              <a:noAutofit/>
+            </a:bodyPr>
+            <a:lstStyle/>
+            <a:p>
+              <a:r>
+                <a:rPr kumimoji="1" lang="en-US" altLang="ja-JP" sz="900" dirty="0"/>
+                <a:t>System</a:t>
+              </a:r>
+              <a:endParaRPr kumimoji="1" lang="ja-JP" altLang="en-US" sz="900"/>
+            </a:p>
+          </p:txBody>
+        </p:sp>
+        <p:sp>
+          <p:nvSpPr>
+            <p:cNvPr id="73" name="テキスト ボックス 72">
+              <a:extLst>
+                <a:ext uri="{FF2B5EF4-FFF2-40B4-BE49-F238E27FC236}">
+                  <a16:creationId xmlns:a16="http://schemas.microsoft.com/office/drawing/2014/main" id="{0A926DBD-D847-C04E-84C5-B3077F04CD06}"/>
+                </a:ext>
+              </a:extLst>
+            </p:cNvPr>
+            <p:cNvSpPr txBox="1"/>
+            <p:nvPr/>
+          </p:nvSpPr>
+          <p:spPr>
+            <a:xfrm>
+              <a:off x="10989220" y="1262630"/>
+              <a:ext cx="581891" cy="225665"/>
+            </a:xfrm>
+            <a:prstGeom prst="rect">
+              <a:avLst/>
+            </a:prstGeom>
+            <a:noFill/>
+          </p:spPr>
+          <p:txBody>
+            <a:bodyPr wrap="none" rtlCol="0">
+              <a:noAutofit/>
+            </a:bodyPr>
+            <a:lstStyle/>
+            <a:p>
+              <a:r>
+                <a:rPr kumimoji="1" lang="en-US" altLang="ja-JP" sz="900" dirty="0"/>
+                <a:t>Action</a:t>
+              </a:r>
+              <a:endParaRPr kumimoji="1" lang="ja-JP" altLang="en-US" sz="900"/>
+            </a:p>
+          </p:txBody>
+        </p:sp>
+      </p:grpSp>
+    </p:spTree>
+    <p:extLst>
+      <p:ext uri="{BB962C8B-B14F-4D97-AF65-F5344CB8AC3E}">
+        <p14:creationId xmlns:p14="http://schemas.microsoft.com/office/powerpoint/2010/main" val="1791688801"/>
+      </p:ext>
+    </p:extLst>
+  </p:cSld>
+  <p:clrMapOvr>
+    <a:masterClrMapping/>
+  </p:clrMapOvr>
+</p:sld>
+</file>
+
+<file path=ppt/slides/slide3.xml><?xml version="1.0" encoding="utf-8"?>
+<p:sld xmlns:a="http://schemas.openxmlformats.org/drawingml/2006/main" xmlns:r="http://schemas.openxmlformats.org/officeDocument/2006/relationships" xmlns:p="http://schemas.openxmlformats.org/presentationml/2006/main">
+  <p:cSld>
+    <p:spTree>
+      <p:nvGrpSpPr>
+        <p:cNvPr id="1" name=""/>
+        <p:cNvGrpSpPr/>
+        <p:nvPr/>
+      </p:nvGrpSpPr>
+      <p:grpSpPr>
+        <a:xfrm>
+          <a:off x="0" y="0"/>
+          <a:ext cx="0" cy="0"/>
+          <a:chOff x="0" y="0"/>
+          <a:chExt cx="0" cy="0"/>
+        </a:xfrm>
+      </p:grpSpPr>
+      <p:sp>
+        <p:nvSpPr>
+          <p:cNvPr id="2" name="タイトル 1">
+            <a:extLst>
+              <a:ext uri="{FF2B5EF4-FFF2-40B4-BE49-F238E27FC236}">
                 <a16:creationId xmlns:a16="http://schemas.microsoft.com/office/drawing/2014/main" id="{5674C237-FC36-2245-8F79-A2954EC21E50}"/>
               </a:ext>
             </a:extLst>
@@ -3876,7 +6851,7 @@
           <a:p>
             <a:fld id="{51BE5F08-58E8-9243-A834-2B76637F595D}" type="slidenum">
               <a:rPr kumimoji="1" lang="ja-JP" altLang="en-US" smtClean="0"/>
-              <a:t>1</a:t>
+              <a:t>2</a:t>
             </a:fld>
             <a:endParaRPr kumimoji="1" lang="ja-JP" altLang="en-US"/>
           </a:p>
@@ -4249,9 +7224,9 @@
           </a:p>
           <a:p>
             <a:r>
-              <a:rPr kumimoji="1" lang="en-US" altLang="ja-JP" sz="1200" dirty="0">
-                <a:solidFill>
-                  <a:schemeClr val="accent2"/>
+              <a:rPr kumimoji="1" lang="en-US" altLang="ja-JP" sz="1200" b="1" dirty="0">
+                <a:solidFill>
+                  <a:schemeClr val="tx1"/>
                 </a:solidFill>
               </a:rPr>
               <a:t>Executable: Yes</a:t>
@@ -4461,9 +7436,9 @@
           </a:p>
           <a:p>
             <a:r>
-              <a:rPr kumimoji="1" lang="en-US" altLang="ja-JP" sz="1200" dirty="0">
-                <a:solidFill>
-                  <a:schemeClr val="accent2"/>
+              <a:rPr kumimoji="1" lang="en-US" altLang="ja-JP" sz="1200" b="1" dirty="0">
+                <a:solidFill>
+                  <a:schemeClr val="tx1"/>
                 </a:solidFill>
               </a:rPr>
               <a:t>Data (Bytes): 357501</a:t>
@@ -4741,9 +7716,9 @@
           </a:p>
           <a:p>
             <a:r>
-              <a:rPr kumimoji="1" lang="en-US" altLang="ja-JP" sz="1200" dirty="0">
-                <a:solidFill>
-                  <a:schemeClr val="accent2"/>
+              <a:rPr kumimoji="1" lang="en-US" altLang="ja-JP" sz="1200" b="1" dirty="0">
+                <a:solidFill>
+                  <a:schemeClr val="tx1"/>
                 </a:solidFill>
               </a:rPr>
               <a:t>Allocated Data Size: 16 byte(S)</a:t>
@@ -5199,7 +8174,7 @@
           <p:nvPr>
             <p:extLst>
               <p:ext uri="{D42A27DB-BD31-4B8C-83A1-F6EECF244321}">
-                <p14:modId xmlns:p14="http://schemas.microsoft.com/office/powerpoint/2010/main" val="1601524269"/>
+                <p14:modId xmlns:p14="http://schemas.microsoft.com/office/powerpoint/2010/main" val="1179300162"/>
               </p:ext>
             </p:extLst>
           </p:nvPr>
@@ -5256,7 +8231,7 @@
                       <a:r>
                         <a:rPr kumimoji="1" lang="en-US" altLang="ja-JP" sz="1200" b="0" dirty="0">
                           <a:solidFill>
-                            <a:schemeClr val="tx1"/>
+                            <a:schemeClr val="bg1"/>
                           </a:solidFill>
                         </a:rPr>
                         <a:t>Step with Signature(</a:t>
@@ -5264,7 +8239,7 @@
                       <a:r>
                         <a:rPr kumimoji="1" lang="en-US" altLang="ja-JP" sz="1200" b="0" dirty="0" err="1">
                           <a:solidFill>
-                            <a:schemeClr val="tx1"/>
+                            <a:schemeClr val="bg1"/>
                           </a:solidFill>
                         </a:rPr>
                         <a:t>Devnet</a:t>
@@ -5272,14 +8247,14 @@
                       <a:r>
                         <a:rPr kumimoji="1" lang="en-US" altLang="ja-JP" sz="1200" b="0" dirty="0">
                           <a:solidFill>
-                            <a:schemeClr val="tx1"/>
+                            <a:schemeClr val="bg1"/>
                           </a:solidFill>
                         </a:rPr>
                         <a:t>)</a:t>
                       </a:r>
                       <a:endParaRPr kumimoji="1" lang="ja-JP" altLang="en-US" sz="1200" b="0">
                         <a:solidFill>
-                          <a:schemeClr val="tx1"/>
+                          <a:schemeClr val="bg1"/>
                         </a:solidFill>
                       </a:endParaRPr>
                     </a:p>
@@ -5329,7 +8304,9 @@
                       <a:headEnd type="none" w="med" len="med"/>
                       <a:tailEnd type="none" w="med" len="med"/>
                     </a:lnB>
-                    <a:noFill/>
+                    <a:solidFill>
+                      <a:schemeClr val="tx1"/>
+                    </a:solidFill>
                   </a:tcPr>
                 </a:tc>
                 <a:tc>
@@ -5498,12 +8475,16 @@
                     <a:lstStyle/>
                     <a:p>
                       <a:r>
-                        <a:rPr kumimoji="1" lang="en-US" altLang="ja-JP" sz="1200" dirty="0"/>
+                        <a:rPr kumimoji="1" lang="en-US" altLang="ja-JP" sz="1200" dirty="0">
+                          <a:solidFill>
+                            <a:schemeClr val="bg1"/>
+                          </a:solidFill>
+                        </a:rPr>
                         <a:t>Example Programs</a:t>
                       </a:r>
                       <a:endParaRPr kumimoji="1" lang="ja-JP" altLang="en-US" sz="1200" b="0">
                         <a:solidFill>
-                          <a:schemeClr val="tx1"/>
+                          <a:schemeClr val="bg1"/>
                         </a:solidFill>
                       </a:endParaRPr>
                     </a:p>
@@ -5553,7 +8534,9 @@
                       <a:headEnd type="none" w="med" len="med"/>
                       <a:tailEnd type="none" w="med" len="med"/>
                     </a:lnB>
-                    <a:noFill/>
+                    <a:solidFill>
+                      <a:schemeClr val="tx1"/>
+                    </a:solidFill>
                   </a:tcPr>
                 </a:tc>
                 <a:tc>
@@ -5661,12 +8644,16 @@
                     <a:lstStyle/>
                     <a:p>
                       <a:r>
-                        <a:rPr kumimoji="1" lang="en-US" altLang="ja-JP" sz="1200" dirty="0"/>
+                        <a:rPr kumimoji="1" lang="en-US" altLang="ja-JP" sz="1200" dirty="0">
+                          <a:solidFill>
+                            <a:schemeClr val="bg1"/>
+                          </a:solidFill>
+                        </a:rPr>
                         <a:t>Public Key (Address)</a:t>
                       </a:r>
                       <a:endParaRPr kumimoji="1" lang="ja-JP" altLang="en-US" sz="1200" b="0">
                         <a:solidFill>
-                          <a:schemeClr val="tx1"/>
+                          <a:schemeClr val="bg1"/>
                         </a:solidFill>
                       </a:endParaRPr>
                     </a:p>
@@ -5716,7 +8703,9 @@
                       <a:headEnd type="none" w="med" len="med"/>
                       <a:tailEnd type="none" w="med" len="med"/>
                     </a:lnB>
-                    <a:noFill/>
+                    <a:solidFill>
+                      <a:schemeClr val="tx1"/>
+                    </a:solidFill>
                   </a:tcPr>
                 </a:tc>
                 <a:tc>
@@ -5975,16 +8964,14 @@
         </p:nvSpPr>
         <p:spPr>
           <a:xfrm>
-            <a:off x="3204798" y="672607"/>
-            <a:ext cx="3816000" cy="216000"/>
+            <a:off x="3204798" y="722773"/>
+            <a:ext cx="3816000" cy="180000"/>
           </a:xfrm>
           <a:prstGeom prst="rect">
             <a:avLst/>
           </a:prstGeom>
           <a:solidFill>
-            <a:schemeClr val="bg1">
-              <a:lumMod val="75000"/>
-            </a:schemeClr>
+            <a:schemeClr val="tx1"/>
           </a:solidFill>
           <a:ln>
             <a:noFill/>
@@ -6014,14 +9001,14 @@
             <a:r>
               <a:rPr kumimoji="1" lang="en-US" altLang="ja-JP" sz="1400" dirty="0">
                 <a:solidFill>
-                  <a:schemeClr val="tx1"/>
+                  <a:schemeClr val="bg1"/>
                 </a:solidFill>
               </a:rPr>
               <a:t>STEP 1, 2 (Deploy, Re-Deploy Program)</a:t>
             </a:r>
             <a:endParaRPr kumimoji="1" lang="ja-JP" altLang="en-US" sz="1400">
               <a:solidFill>
-                <a:schemeClr val="tx1"/>
+                <a:schemeClr val="bg1"/>
               </a:solidFill>
             </a:endParaRPr>
           </a:p>
@@ -6101,15 +9088,13 @@
         <p:spPr>
           <a:xfrm>
             <a:off x="3204798" y="4397501"/>
-            <a:ext cx="3816000" cy="216000"/>
+            <a:ext cx="3816000" cy="180000"/>
           </a:xfrm>
           <a:prstGeom prst="rect">
             <a:avLst/>
           </a:prstGeom>
           <a:solidFill>
-            <a:schemeClr val="bg1">
-              <a:lumMod val="75000"/>
-            </a:schemeClr>
+            <a:schemeClr val="tx1"/>
           </a:solidFill>
           <a:ln>
             <a:noFill/>
@@ -6139,14 +9124,14 @@
             <a:r>
               <a:rPr kumimoji="1" lang="en-US" altLang="ja-JP" sz="1400" dirty="0">
                 <a:solidFill>
-                  <a:schemeClr val="tx1"/>
+                  <a:schemeClr val="bg1"/>
                 </a:solidFill>
               </a:rPr>
               <a:t>STEP 3, 4 (Create Account, then Add/Update Data)</a:t>
             </a:r>
             <a:endParaRPr kumimoji="1" lang="ja-JP" altLang="en-US" sz="1400">
               <a:solidFill>
-                <a:schemeClr val="tx1"/>
+                <a:schemeClr val="bg1"/>
               </a:solidFill>
             </a:endParaRPr>
           </a:p>
@@ -6165,7 +9150,7 @@
 </p:sld>
 </file>
 
-<file path=ppt/slides/slide3.xml><?xml version="1.0" encoding="utf-8"?>
+<file path=ppt/slides/slide4.xml><?xml version="1.0" encoding="utf-8"?>
 <p:sld xmlns:a="http://schemas.openxmlformats.org/drawingml/2006/main" xmlns:r="http://schemas.openxmlformats.org/officeDocument/2006/relationships" xmlns:p="http://schemas.openxmlformats.org/presentationml/2006/main">
   <p:cSld>
     <p:spTree>
@@ -6263,7 +9248,7 @@
           <a:p>
             <a:fld id="{51BE5F08-58E8-9243-A834-2B76637F595D}" type="slidenum">
               <a:rPr kumimoji="1" lang="ja-JP" altLang="en-US" smtClean="0"/>
-              <a:t>2</a:t>
+              <a:t>3</a:t>
             </a:fld>
             <a:endParaRPr kumimoji="1" lang="ja-JP" altLang="en-US"/>
           </a:p>
@@ -6284,13 +9269,13 @@
           <p:nvPr>
             <p:extLst>
               <p:ext uri="{D42A27DB-BD31-4B8C-83A1-F6EECF244321}">
-                <p14:modId xmlns:p14="http://schemas.microsoft.com/office/powerpoint/2010/main" val="2684927453"/>
+                <p14:modId xmlns:p14="http://schemas.microsoft.com/office/powerpoint/2010/main" val="3102017220"/>
               </p:ext>
             </p:extLst>
           </p:nvPr>
         </p:nvGraphicFramePr>
         <p:xfrm>
-          <a:off x="359198" y="5501144"/>
+          <a:off x="359198" y="5523722"/>
           <a:ext cx="11211913" cy="929640"/>
         </p:xfrm>
         <a:graphic>
@@ -6341,7 +9326,7 @@
                       <a:r>
                         <a:rPr kumimoji="1" lang="en-US" altLang="ja-JP" sz="1200" b="0" dirty="0">
                           <a:solidFill>
-                            <a:schemeClr val="tx1"/>
+                            <a:schemeClr val="bg1"/>
                           </a:solidFill>
                         </a:rPr>
                         <a:t>Step with Signature(</a:t>
@@ -6349,7 +9334,7 @@
                       <a:r>
                         <a:rPr kumimoji="1" lang="en-US" altLang="ja-JP" sz="1200" b="0" dirty="0" err="1">
                           <a:solidFill>
-                            <a:schemeClr val="tx1"/>
+                            <a:schemeClr val="bg1"/>
                           </a:solidFill>
                         </a:rPr>
                         <a:t>Devnet</a:t>
@@ -6357,14 +9342,14 @@
                       <a:r>
                         <a:rPr kumimoji="1" lang="en-US" altLang="ja-JP" sz="1200" b="0" dirty="0">
                           <a:solidFill>
-                            <a:schemeClr val="tx1"/>
+                            <a:schemeClr val="bg1"/>
                           </a:solidFill>
                         </a:rPr>
                         <a:t>)</a:t>
                       </a:r>
                       <a:endParaRPr kumimoji="1" lang="ja-JP" altLang="en-US" sz="1200" b="0">
                         <a:solidFill>
-                          <a:schemeClr val="tx1"/>
+                          <a:schemeClr val="bg1"/>
                         </a:solidFill>
                       </a:endParaRPr>
                     </a:p>
@@ -6414,7 +9399,9 @@
                       <a:headEnd type="none" w="med" len="med"/>
                       <a:tailEnd type="none" w="med" len="med"/>
                     </a:lnB>
-                    <a:noFill/>
+                    <a:solidFill>
+                      <a:schemeClr val="tx1"/>
+                    </a:solidFill>
                   </a:tcPr>
                 </a:tc>
                 <a:tc>
@@ -6695,48 +9682,48 @@
           </a:p>
           <a:p>
             <a:r>
-              <a:rPr kumimoji="1" lang="en-US" altLang="ja-JP" sz="1200" dirty="0">
-                <a:solidFill>
-                  <a:schemeClr val="accent2"/>
+              <a:rPr kumimoji="1" lang="en-US" altLang="ja-JP" sz="1200" b="1" dirty="0">
+                <a:solidFill>
+                  <a:schemeClr val="tx1"/>
                 </a:solidFill>
               </a:rPr>
               <a:t>Mint Authority: </a:t>
             </a:r>
             <a:r>
-              <a:rPr kumimoji="1" lang="en-US" altLang="ja-JP" sz="1200" dirty="0" err="1">
-                <a:solidFill>
-                  <a:schemeClr val="accent2"/>
+              <a:rPr kumimoji="1" lang="en-US" altLang="ja-JP" sz="1200" b="1" dirty="0" err="1">
+                <a:solidFill>
+                  <a:schemeClr val="tx1"/>
                 </a:solidFill>
               </a:rPr>
               <a:t>HXtB</a:t>
             </a:r>
             <a:r>
-              <a:rPr kumimoji="1" lang="en-US" altLang="ja-JP" sz="1200" dirty="0">
-                <a:solidFill>
-                  <a:schemeClr val="accent2"/>
+              <a:rPr kumimoji="1" lang="en-US" altLang="ja-JP" sz="1200" b="1" dirty="0">
+                <a:solidFill>
+                  <a:schemeClr val="tx1"/>
                 </a:solidFill>
               </a:rPr>
               <a:t>...</a:t>
             </a:r>
             <a:r>
-              <a:rPr kumimoji="1" lang="en-US" altLang="ja-JP" sz="1200" dirty="0" err="1">
-                <a:solidFill>
-                  <a:schemeClr val="accent2"/>
+              <a:rPr kumimoji="1" lang="en-US" altLang="ja-JP" sz="1200" b="1" dirty="0" err="1">
+                <a:solidFill>
+                  <a:schemeClr val="tx1"/>
                 </a:solidFill>
               </a:rPr>
               <a:t>setg</a:t>
             </a:r>
-            <a:endParaRPr kumimoji="1" lang="en-US" altLang="ja-JP" sz="1200" dirty="0">
+            <a:endParaRPr kumimoji="1" lang="en-US" altLang="ja-JP" sz="1200" b="1" dirty="0">
               <a:solidFill>
-                <a:schemeClr val="accent2"/>
+                <a:schemeClr val="tx1"/>
               </a:solidFill>
             </a:endParaRPr>
           </a:p>
           <a:p>
             <a:r>
-              <a:rPr kumimoji="1" lang="en-US" altLang="ja-JP" sz="1200" dirty="0">
-                <a:solidFill>
-                  <a:schemeClr val="accent2"/>
+              <a:rPr kumimoji="1" lang="en-US" altLang="ja-JP" sz="1200" b="1" dirty="0">
+                <a:solidFill>
+                  <a:schemeClr val="tx1"/>
                 </a:solidFill>
               </a:rPr>
               <a:t>Owner: TokenkegQ...Q5DA</a:t>
@@ -6917,47 +9904,47 @@
           </a:p>
           <a:p>
             <a:r>
-              <a:rPr kumimoji="1" lang="en-US" altLang="ja-JP" sz="1200" dirty="0">
-                <a:solidFill>
-                  <a:schemeClr val="accent2"/>
+              <a:rPr kumimoji="1" lang="en-US" altLang="ja-JP" sz="1200" b="1" dirty="0">
+                <a:solidFill>
+                  <a:schemeClr val="tx1"/>
                 </a:solidFill>
               </a:rPr>
               <a:t>Mint: 6cWx...</a:t>
             </a:r>
             <a:r>
-              <a:rPr kumimoji="1" lang="en-US" altLang="ja-JP" sz="1200" dirty="0" err="1">
-                <a:solidFill>
-                  <a:schemeClr val="accent2"/>
+              <a:rPr kumimoji="1" lang="en-US" altLang="ja-JP" sz="1200" b="1" dirty="0" err="1">
+                <a:solidFill>
+                  <a:schemeClr val="tx1"/>
                 </a:solidFill>
               </a:rPr>
               <a:t>pteX</a:t>
             </a:r>
-            <a:endParaRPr kumimoji="1" lang="en-US" altLang="ja-JP" sz="1200" dirty="0">
+            <a:endParaRPr kumimoji="1" lang="en-US" altLang="ja-JP" sz="1200" b="1" dirty="0">
               <a:solidFill>
-                <a:schemeClr val="accent2"/>
+                <a:schemeClr val="tx1"/>
               </a:solidFill>
             </a:endParaRPr>
           </a:p>
           <a:p>
             <a:r>
-              <a:rPr kumimoji="1" lang="en-US" altLang="ja-JP" sz="1200" dirty="0">
-                <a:solidFill>
-                  <a:schemeClr val="accent2"/>
+              <a:rPr kumimoji="1" lang="en-US" altLang="ja-JP" sz="1200" b="1" dirty="0">
+                <a:solidFill>
+                  <a:schemeClr val="tx1"/>
                 </a:solidFill>
               </a:rPr>
               <a:t>Owner: 2SN6...</a:t>
             </a:r>
             <a:r>
-              <a:rPr kumimoji="1" lang="en-US" altLang="ja-JP" sz="1200" dirty="0" err="1">
-                <a:solidFill>
-                  <a:schemeClr val="accent2"/>
+              <a:rPr kumimoji="1" lang="en-US" altLang="ja-JP" sz="1200" b="1" dirty="0" err="1">
+                <a:solidFill>
+                  <a:schemeClr val="tx1"/>
                 </a:solidFill>
               </a:rPr>
               <a:t>HRwn</a:t>
             </a:r>
-            <a:endParaRPr kumimoji="1" lang="en-US" altLang="ja-JP" sz="1200" dirty="0">
+            <a:endParaRPr kumimoji="1" lang="en-US" altLang="ja-JP" sz="1200" b="1" dirty="0">
               <a:solidFill>
-                <a:schemeClr val="accent2"/>
+                <a:schemeClr val="tx1"/>
               </a:solidFill>
             </a:endParaRPr>
           </a:p>
@@ -7189,40 +10176,40 @@
           </a:p>
           <a:p>
             <a:r>
-              <a:rPr kumimoji="1" lang="en-US" altLang="ja-JP" sz="1200" dirty="0">
-                <a:solidFill>
-                  <a:schemeClr val="accent2"/>
+              <a:rPr kumimoji="1" lang="en-US" altLang="ja-JP" sz="1200" b="1" dirty="0">
+                <a:solidFill>
+                  <a:schemeClr val="tx1"/>
                 </a:solidFill>
               </a:rPr>
               <a:t>Owner: </a:t>
             </a:r>
             <a:r>
-              <a:rPr kumimoji="1" lang="en-US" altLang="ja-JP" sz="1200" dirty="0" err="1">
-                <a:solidFill>
-                  <a:schemeClr val="accent2"/>
+              <a:rPr kumimoji="1" lang="en-US" altLang="ja-JP" sz="1200" b="1" dirty="0" err="1">
+                <a:solidFill>
+                  <a:schemeClr val="tx1"/>
                 </a:solidFill>
               </a:rPr>
               <a:t>HXtB</a:t>
             </a:r>
             <a:r>
-              <a:rPr kumimoji="1" lang="en-US" altLang="ja-JP" sz="1200" dirty="0">
-                <a:solidFill>
-                  <a:schemeClr val="accent2"/>
+              <a:rPr kumimoji="1" lang="en-US" altLang="ja-JP" sz="1200" b="1" dirty="0">
+                <a:solidFill>
+                  <a:schemeClr val="tx1"/>
                 </a:solidFill>
               </a:rPr>
               <a:t>...</a:t>
             </a:r>
             <a:r>
-              <a:rPr kumimoji="1" lang="en-US" altLang="ja-JP" sz="1200" dirty="0" err="1">
-                <a:solidFill>
-                  <a:schemeClr val="accent2"/>
+              <a:rPr kumimoji="1" lang="en-US" altLang="ja-JP" sz="1200" b="1" dirty="0" err="1">
+                <a:solidFill>
+                  <a:schemeClr val="tx1"/>
                 </a:solidFill>
               </a:rPr>
               <a:t>setg</a:t>
             </a:r>
-            <a:endParaRPr kumimoji="1" lang="en-US" altLang="ja-JP" sz="1200" dirty="0">
+            <a:endParaRPr kumimoji="1" lang="en-US" altLang="ja-JP" sz="1200" b="1" dirty="0">
               <a:solidFill>
-                <a:schemeClr val="accent2"/>
+                <a:schemeClr val="tx1"/>
               </a:solidFill>
             </a:endParaRPr>
           </a:p>
@@ -7414,47 +10401,47 @@
           </a:p>
           <a:p>
             <a:r>
-              <a:rPr kumimoji="1" lang="en-US" altLang="ja-JP" sz="1200" dirty="0">
-                <a:solidFill>
-                  <a:schemeClr val="accent2"/>
+              <a:rPr kumimoji="1" lang="en-US" altLang="ja-JP" sz="1200" b="1" dirty="0">
+                <a:solidFill>
+                  <a:schemeClr val="tx1"/>
                 </a:solidFill>
               </a:rPr>
               <a:t>Mint: 6cWx...</a:t>
             </a:r>
             <a:r>
-              <a:rPr kumimoji="1" lang="en-US" altLang="ja-JP" sz="1200" dirty="0" err="1">
-                <a:solidFill>
-                  <a:schemeClr val="accent2"/>
+              <a:rPr kumimoji="1" lang="en-US" altLang="ja-JP" sz="1200" b="1" dirty="0" err="1">
+                <a:solidFill>
+                  <a:schemeClr val="tx1"/>
                 </a:solidFill>
               </a:rPr>
               <a:t>pteX</a:t>
             </a:r>
-            <a:endParaRPr kumimoji="1" lang="en-US" altLang="ja-JP" sz="1200" dirty="0">
+            <a:endParaRPr kumimoji="1" lang="en-US" altLang="ja-JP" sz="1200" b="1" dirty="0">
               <a:solidFill>
-                <a:schemeClr val="accent2"/>
+                <a:schemeClr val="tx1"/>
               </a:solidFill>
             </a:endParaRPr>
           </a:p>
           <a:p>
             <a:r>
-              <a:rPr kumimoji="1" lang="en-US" altLang="ja-JP" sz="1200" dirty="0">
-                <a:solidFill>
-                  <a:schemeClr val="accent2"/>
+              <a:rPr kumimoji="1" lang="en-US" altLang="ja-JP" sz="1200" b="1" dirty="0">
+                <a:solidFill>
+                  <a:schemeClr val="tx1"/>
                 </a:solidFill>
               </a:rPr>
               <a:t>Owner: 2SN6...</a:t>
             </a:r>
             <a:r>
-              <a:rPr kumimoji="1" lang="en-US" altLang="ja-JP" sz="1200" dirty="0" err="1">
-                <a:solidFill>
-                  <a:schemeClr val="accent2"/>
+              <a:rPr kumimoji="1" lang="en-US" altLang="ja-JP" sz="1200" b="1" dirty="0" err="1">
+                <a:solidFill>
+                  <a:schemeClr val="tx1"/>
                 </a:solidFill>
               </a:rPr>
               <a:t>HRwn</a:t>
             </a:r>
-            <a:endParaRPr kumimoji="1" lang="en-US" altLang="ja-JP" sz="1200" dirty="0">
+            <a:endParaRPr kumimoji="1" lang="en-US" altLang="ja-JP" sz="1200" b="1" dirty="0">
               <a:solidFill>
-                <a:schemeClr val="accent2"/>
+                <a:schemeClr val="tx1"/>
               </a:solidFill>
             </a:endParaRPr>
           </a:p>
@@ -7860,8 +10847,8 @@
         </p:nvCxnSpPr>
         <p:spPr>
           <a:xfrm>
-            <a:off x="3504785" y="2689667"/>
-            <a:ext cx="845856" cy="355652"/>
+            <a:off x="3431822" y="2754489"/>
+            <a:ext cx="918819" cy="290830"/>
           </a:xfrm>
           <a:prstGeom prst="line">
             <a:avLst/>
@@ -8172,16 +11159,14 @@
         </p:nvSpPr>
         <p:spPr>
           <a:xfrm>
-            <a:off x="253906" y="1582932"/>
-            <a:ext cx="1803199" cy="167158"/>
+            <a:off x="253906" y="1572047"/>
+            <a:ext cx="1803199" cy="180000"/>
           </a:xfrm>
           <a:prstGeom prst="rect">
             <a:avLst/>
           </a:prstGeom>
           <a:solidFill>
-            <a:schemeClr val="bg1">
-              <a:lumMod val="75000"/>
-            </a:schemeClr>
+            <a:schemeClr val="tx1"/>
           </a:solidFill>
           <a:ln>
             <a:noFill/>
@@ -8211,14 +11196,14 @@
             <a:r>
               <a:rPr kumimoji="1" lang="en-US" altLang="ja-JP" sz="1400" dirty="0">
                 <a:solidFill>
-                  <a:schemeClr val="tx1"/>
+                  <a:schemeClr val="bg1"/>
                 </a:solidFill>
               </a:rPr>
               <a:t>STEP 1 (Create Token)</a:t>
             </a:r>
             <a:endParaRPr kumimoji="1" lang="ja-JP" altLang="en-US" sz="1400">
               <a:solidFill>
-                <a:schemeClr val="tx1"/>
+                <a:schemeClr val="bg1"/>
               </a:solidFill>
             </a:endParaRPr>
           </a:p>
@@ -8245,9 +11230,7 @@
             <a:avLst/>
           </a:prstGeom>
           <a:solidFill>
-            <a:schemeClr val="bg1">
-              <a:lumMod val="75000"/>
-            </a:schemeClr>
+            <a:schemeClr val="tx1"/>
           </a:solidFill>
           <a:ln>
             <a:noFill/>
@@ -8277,7 +11260,7 @@
             <a:r>
               <a:rPr kumimoji="1" lang="en-US" altLang="ja-JP" sz="1400" dirty="0">
                 <a:solidFill>
-                  <a:schemeClr val="tx1"/>
+                  <a:schemeClr val="bg1"/>
                 </a:solidFill>
               </a:rPr>
               <a:t>STEP 2 (Create Token Account)</a:t>
@@ -8287,14 +11270,14 @@
             <a:r>
               <a:rPr kumimoji="1" lang="en-US" altLang="ja-JP" sz="1400" dirty="0">
                 <a:solidFill>
-                  <a:schemeClr val="tx1"/>
+                  <a:schemeClr val="bg1"/>
                 </a:solidFill>
               </a:rPr>
               <a:t>STEP 3 (Mint 100 Tokens)</a:t>
             </a:r>
             <a:endParaRPr kumimoji="1" lang="ja-JP" altLang="en-US" sz="1400">
               <a:solidFill>
-                <a:schemeClr val="tx1"/>
+                <a:schemeClr val="bg1"/>
               </a:solidFill>
             </a:endParaRPr>
           </a:p>
@@ -8315,15 +11298,13 @@
         <p:spPr>
           <a:xfrm>
             <a:off x="253906" y="5280370"/>
-            <a:ext cx="1803199" cy="167158"/>
+            <a:ext cx="1803199" cy="180000"/>
           </a:xfrm>
           <a:prstGeom prst="rect">
             <a:avLst/>
           </a:prstGeom>
           <a:solidFill>
-            <a:schemeClr val="bg1">
-              <a:lumMod val="75000"/>
-            </a:schemeClr>
+            <a:schemeClr val="tx1"/>
           </a:solidFill>
           <a:ln>
             <a:noFill/>
@@ -8353,14 +11334,14 @@
             <a:r>
               <a:rPr kumimoji="1" lang="en-US" altLang="ja-JP" sz="1400" dirty="0">
                 <a:solidFill>
-                  <a:schemeClr val="tx1"/>
+                  <a:schemeClr val="bg1"/>
                 </a:solidFill>
               </a:rPr>
               <a:t>STEP 4 (Send Token)</a:t>
             </a:r>
             <a:endParaRPr kumimoji="1" lang="ja-JP" altLang="en-US" sz="1400">
               <a:solidFill>
-                <a:schemeClr val="tx1"/>
+                <a:schemeClr val="bg1"/>
               </a:solidFill>
             </a:endParaRPr>
           </a:p>

--- a/docs/Solana_Blockchain_Outline_Figure.pptx
+++ b/docs/Solana_Blockchain_Outline_Figure.pptx
@@ -5,13 +5,15 @@
     <p:sldMasterId id="2147483672" r:id="rId1"/>
   </p:sldMasterIdLst>
   <p:notesMasterIdLst>
-    <p:notesMasterId r:id="rId6"/>
+    <p:notesMasterId r:id="rId8"/>
   </p:notesMasterIdLst>
   <p:sldIdLst>
     <p:sldId id="256" r:id="rId2"/>
-    <p:sldId id="260" r:id="rId3"/>
-    <p:sldId id="258" r:id="rId4"/>
-    <p:sldId id="259" r:id="rId5"/>
+    <p:sldId id="262" r:id="rId3"/>
+    <p:sldId id="263" r:id="rId4"/>
+    <p:sldId id="260" r:id="rId5"/>
+    <p:sldId id="258" r:id="rId6"/>
+    <p:sldId id="259" r:id="rId7"/>
   </p:sldIdLst>
   <p:sldSz cx="12192000" cy="6858000"/>
   <p:notesSz cx="6858000" cy="9144000"/>
@@ -200,7 +202,7 @@
           <a:p>
             <a:fld id="{0E3AE901-84B3-3248-AD12-BEDA7F301CE3}" type="datetimeFigureOut">
               <a:rPr kumimoji="1" lang="ja-JP" altLang="en-US" smtClean="0"/>
-              <a:t>2021/12/20</a:t>
+              <a:t>2021/12/26</a:t>
             </a:fld>
             <a:endParaRPr kumimoji="1" lang="ja-JP" altLang="en-US"/>
           </a:p>
@@ -499,6 +501,174 @@
 </p:notesMaster>
 </file>
 
+<file path=ppt/notesSlides/notesSlide1.xml><?xml version="1.0" encoding="utf-8"?>
+<p:notes xmlns:a="http://schemas.openxmlformats.org/drawingml/2006/main" xmlns:r="http://schemas.openxmlformats.org/officeDocument/2006/relationships" xmlns:p="http://schemas.openxmlformats.org/presentationml/2006/main">
+  <p:cSld>
+    <p:spTree>
+      <p:nvGrpSpPr>
+        <p:cNvPr id="1" name=""/>
+        <p:cNvGrpSpPr/>
+        <p:nvPr/>
+      </p:nvGrpSpPr>
+      <p:grpSpPr>
+        <a:xfrm>
+          <a:off x="0" y="0"/>
+          <a:ext cx="0" cy="0"/>
+          <a:chOff x="0" y="0"/>
+          <a:chExt cx="0" cy="0"/>
+        </a:xfrm>
+      </p:grpSpPr>
+      <p:sp>
+        <p:nvSpPr>
+          <p:cNvPr id="2" name="スライド イメージ プレースホルダー 1"/>
+          <p:cNvSpPr>
+            <a:spLocks noGrp="1" noRot="1" noChangeAspect="1"/>
+          </p:cNvSpPr>
+          <p:nvPr>
+            <p:ph type="sldImg"/>
+          </p:nvPr>
+        </p:nvSpPr>
+        <p:spPr/>
+      </p:sp>
+      <p:sp>
+        <p:nvSpPr>
+          <p:cNvPr id="3" name="ノート プレースホルダー 2"/>
+          <p:cNvSpPr>
+            <a:spLocks noGrp="1"/>
+          </p:cNvSpPr>
+          <p:nvPr>
+            <p:ph type="body" idx="1"/>
+          </p:nvPr>
+        </p:nvSpPr>
+        <p:spPr/>
+        <p:txBody>
+          <a:bodyPr/>
+          <a:lstStyle/>
+          <a:p>
+            <a:endParaRPr kumimoji="1" lang="ja-JP" altLang="en-US"/>
+          </a:p>
+        </p:txBody>
+      </p:sp>
+      <p:sp>
+        <p:nvSpPr>
+          <p:cNvPr id="4" name="スライド番号プレースホルダー 3"/>
+          <p:cNvSpPr>
+            <a:spLocks noGrp="1"/>
+          </p:cNvSpPr>
+          <p:nvPr>
+            <p:ph type="sldNum" sz="quarter" idx="5"/>
+          </p:nvPr>
+        </p:nvSpPr>
+        <p:spPr/>
+        <p:txBody>
+          <a:bodyPr/>
+          <a:lstStyle/>
+          <a:p>
+            <a:fld id="{F1E89903-B24E-AB4B-9164-3704844A834F}" type="slidenum">
+              <a:rPr kumimoji="1" lang="ja-JP" altLang="en-US" smtClean="0"/>
+              <a:t>2</a:t>
+            </a:fld>
+            <a:endParaRPr kumimoji="1" lang="ja-JP" altLang="en-US"/>
+          </a:p>
+        </p:txBody>
+      </p:sp>
+    </p:spTree>
+    <p:extLst>
+      <p:ext uri="{BB962C8B-B14F-4D97-AF65-F5344CB8AC3E}">
+        <p14:creationId xmlns:p14="http://schemas.microsoft.com/office/powerpoint/2010/main" val="3242012350"/>
+      </p:ext>
+    </p:extLst>
+  </p:cSld>
+  <p:clrMapOvr>
+    <a:masterClrMapping/>
+  </p:clrMapOvr>
+</p:notes>
+</file>
+
+<file path=ppt/notesSlides/notesSlide2.xml><?xml version="1.0" encoding="utf-8"?>
+<p:notes xmlns:a="http://schemas.openxmlformats.org/drawingml/2006/main" xmlns:r="http://schemas.openxmlformats.org/officeDocument/2006/relationships" xmlns:p="http://schemas.openxmlformats.org/presentationml/2006/main">
+  <p:cSld>
+    <p:spTree>
+      <p:nvGrpSpPr>
+        <p:cNvPr id="1" name=""/>
+        <p:cNvGrpSpPr/>
+        <p:nvPr/>
+      </p:nvGrpSpPr>
+      <p:grpSpPr>
+        <a:xfrm>
+          <a:off x="0" y="0"/>
+          <a:ext cx="0" cy="0"/>
+          <a:chOff x="0" y="0"/>
+          <a:chExt cx="0" cy="0"/>
+        </a:xfrm>
+      </p:grpSpPr>
+      <p:sp>
+        <p:nvSpPr>
+          <p:cNvPr id="2" name="スライド イメージ プレースホルダー 1"/>
+          <p:cNvSpPr>
+            <a:spLocks noGrp="1" noRot="1" noChangeAspect="1"/>
+          </p:cNvSpPr>
+          <p:nvPr>
+            <p:ph type="sldImg"/>
+          </p:nvPr>
+        </p:nvSpPr>
+        <p:spPr/>
+      </p:sp>
+      <p:sp>
+        <p:nvSpPr>
+          <p:cNvPr id="3" name="ノート プレースホルダー 2"/>
+          <p:cNvSpPr>
+            <a:spLocks noGrp="1"/>
+          </p:cNvSpPr>
+          <p:nvPr>
+            <p:ph type="body" idx="1"/>
+          </p:nvPr>
+        </p:nvSpPr>
+        <p:spPr/>
+        <p:txBody>
+          <a:bodyPr/>
+          <a:lstStyle/>
+          <a:p>
+            <a:endParaRPr kumimoji="1" lang="ja-JP" altLang="en-US"/>
+          </a:p>
+        </p:txBody>
+      </p:sp>
+      <p:sp>
+        <p:nvSpPr>
+          <p:cNvPr id="4" name="スライド番号プレースホルダー 3"/>
+          <p:cNvSpPr>
+            <a:spLocks noGrp="1"/>
+          </p:cNvSpPr>
+          <p:nvPr>
+            <p:ph type="sldNum" sz="quarter" idx="5"/>
+          </p:nvPr>
+        </p:nvSpPr>
+        <p:spPr/>
+        <p:txBody>
+          <a:bodyPr/>
+          <a:lstStyle/>
+          <a:p>
+            <a:fld id="{F1E89903-B24E-AB4B-9164-3704844A834F}" type="slidenum">
+              <a:rPr kumimoji="1" lang="ja-JP" altLang="en-US" smtClean="0"/>
+              <a:t>3</a:t>
+            </a:fld>
+            <a:endParaRPr kumimoji="1" lang="ja-JP" altLang="en-US"/>
+          </a:p>
+        </p:txBody>
+      </p:sp>
+    </p:spTree>
+    <p:extLst>
+      <p:ext uri="{BB962C8B-B14F-4D97-AF65-F5344CB8AC3E}">
+        <p14:creationId xmlns:p14="http://schemas.microsoft.com/office/powerpoint/2010/main" val="2896140604"/>
+      </p:ext>
+    </p:extLst>
+  </p:cSld>
+  <p:clrMapOvr>
+    <a:masterClrMapping/>
+  </p:clrMapOvr>
+</p:notes>
+</file>
+
 <file path=ppt/slideLayouts/slideLayout1.xml><?xml version="1.0" encoding="utf-8"?>
 <p:sldLayout xmlns:a="http://schemas.openxmlformats.org/drawingml/2006/main" xmlns:r="http://schemas.openxmlformats.org/officeDocument/2006/relationships" xmlns:p="http://schemas.openxmlformats.org/presentationml/2006/main" type="title" preserve="1">
   <p:cSld name="タイトル スライド">
@@ -645,9 +815,9 @@
             </a:lvl1pPr>
           </a:lstStyle>
           <a:p>
-            <a:fld id="{E6851339-B791-2543-A411-D5C0BF7CF832}" type="datetime1">
+            <a:fld id="{E3F90748-6578-AC42-962A-9F4B1F5FBFAD}" type="datetime1">
               <a:rPr kumimoji="1" lang="ja-JP" altLang="en-US" smtClean="0"/>
-              <a:t>2021/12/20</a:t>
+              <a:t>2021/12/26</a:t>
             </a:fld>
             <a:endParaRPr kumimoji="1" lang="ja-JP" altLang="en-US"/>
           </a:p>
@@ -866,9 +1036,9 @@
           <a:bodyPr/>
           <a:lstStyle/>
           <a:p>
-            <a:fld id="{A20C4B19-A868-3A49-8F38-E72DBA7F7CE3}" type="datetime1">
+            <a:fld id="{BE6DFB40-8C3F-A944-983D-65243E3E0DC7}" type="datetime1">
               <a:rPr kumimoji="1" lang="ja-JP" altLang="en-US" smtClean="0"/>
-              <a:t>2021/12/20</a:t>
+              <a:t>2021/12/26</a:t>
             </a:fld>
             <a:endParaRPr kumimoji="1" lang="ja-JP" altLang="en-US"/>
           </a:p>
@@ -1082,9 +1252,9 @@
           <a:bodyPr/>
           <a:lstStyle/>
           <a:p>
-            <a:fld id="{D0090A48-633D-E844-AF07-48AC11C0415A}" type="datetime1">
+            <a:fld id="{631B2AF4-14FC-314E-A304-69D6AC20AFC1}" type="datetime1">
               <a:rPr kumimoji="1" lang="ja-JP" altLang="en-US" smtClean="0"/>
-              <a:t>2021/12/20</a:t>
+              <a:t>2021/12/26</a:t>
             </a:fld>
             <a:endParaRPr kumimoji="1" lang="ja-JP" altLang="en-US"/>
           </a:p>
@@ -1288,9 +1458,9 @@
           <a:bodyPr/>
           <a:lstStyle/>
           <a:p>
-            <a:fld id="{7E5C0873-C23F-1D43-B933-39E7CB65079A}" type="datetime1">
+            <a:fld id="{73EFA7FA-4B80-324E-84D1-8F8384F1BA5D}" type="datetime1">
               <a:rPr kumimoji="1" lang="ja-JP" altLang="en-US" smtClean="0"/>
-              <a:t>2021/12/20</a:t>
+              <a:t>2021/12/26</a:t>
             </a:fld>
             <a:endParaRPr kumimoji="1" lang="ja-JP" altLang="en-US"/>
           </a:p>
@@ -1538,9 +1708,9 @@
           <a:bodyPr/>
           <a:lstStyle/>
           <a:p>
-            <a:fld id="{551BEE3E-B5BC-3D4C-A34C-20B36F9869C7}" type="datetime1">
+            <a:fld id="{D2E220AC-C2A7-024E-ACAB-4DB6052A376C}" type="datetime1">
               <a:rPr kumimoji="1" lang="ja-JP" altLang="en-US" smtClean="0"/>
-              <a:t>2021/12/20</a:t>
+              <a:t>2021/12/26</a:t>
             </a:fld>
             <a:endParaRPr kumimoji="1" lang="ja-JP" altLang="en-US"/>
           </a:p>
@@ -1838,9 +2008,9 @@
           <a:bodyPr/>
           <a:lstStyle/>
           <a:p>
-            <a:fld id="{5156D51A-F155-E24A-9B60-AE7D92900ACE}" type="datetime1">
+            <a:fld id="{CC48FC5F-5874-5040-B9D3-0BB86491154B}" type="datetime1">
               <a:rPr kumimoji="1" lang="ja-JP" altLang="en-US" smtClean="0"/>
-              <a:t>2021/12/20</a:t>
+              <a:t>2021/12/26</a:t>
             </a:fld>
             <a:endParaRPr kumimoji="1" lang="ja-JP" altLang="en-US"/>
           </a:p>
@@ -2273,9 +2443,9 @@
           <a:bodyPr/>
           <a:lstStyle/>
           <a:p>
-            <a:fld id="{4EAC22FD-6838-EE46-ACA4-4E38E091F7A3}" type="datetime1">
+            <a:fld id="{667059AF-CDDF-A545-B437-20B256967FD9}" type="datetime1">
               <a:rPr kumimoji="1" lang="ja-JP" altLang="en-US" smtClean="0"/>
-              <a:t>2021/12/20</a:t>
+              <a:t>2021/12/26</a:t>
             </a:fld>
             <a:endParaRPr kumimoji="1" lang="ja-JP" altLang="en-US"/>
           </a:p>
@@ -2395,9 +2565,9 @@
           <a:bodyPr/>
           <a:lstStyle/>
           <a:p>
-            <a:fld id="{64A7ED88-7F83-7C47-9D22-0D7A856526C2}" type="datetime1">
+            <a:fld id="{15B6534E-A8F6-864C-985B-4DB3D4538E40}" type="datetime1">
               <a:rPr kumimoji="1" lang="ja-JP" altLang="en-US" smtClean="0"/>
-              <a:t>2021/12/20</a:t>
+              <a:t>2021/12/26</a:t>
             </a:fld>
             <a:endParaRPr kumimoji="1" lang="ja-JP" altLang="en-US"/>
           </a:p>
@@ -2494,9 +2664,9 @@
           <a:bodyPr/>
           <a:lstStyle/>
           <a:p>
-            <a:fld id="{C4373173-78A3-1048-A596-5D63967B7249}" type="datetime1">
+            <a:fld id="{D63D519C-9325-DD4F-A5F6-0AFD37CE8635}" type="datetime1">
               <a:rPr kumimoji="1" lang="ja-JP" altLang="en-US" smtClean="0"/>
-              <a:t>2021/12/20</a:t>
+              <a:t>2021/12/26</a:t>
             </a:fld>
             <a:endParaRPr kumimoji="1" lang="ja-JP" altLang="en-US"/>
           </a:p>
@@ -2807,9 +2977,9 @@
           <a:bodyPr/>
           <a:lstStyle/>
           <a:p>
-            <a:fld id="{0612A1EE-20E7-6749-936A-EFBEC5019122}" type="datetime1">
+            <a:fld id="{5503B069-C866-8C47-A1B1-6AEF053A8792}" type="datetime1">
               <a:rPr kumimoji="1" lang="ja-JP" altLang="en-US" smtClean="0"/>
-              <a:t>2021/12/20</a:t>
+              <a:t>2021/12/26</a:t>
             </a:fld>
             <a:endParaRPr kumimoji="1" lang="ja-JP" altLang="en-US"/>
           </a:p>
@@ -3068,9 +3238,9 @@
           <a:bodyPr/>
           <a:lstStyle/>
           <a:p>
-            <a:fld id="{6E6CDA51-427A-9F41-AA69-359B3BA14E04}" type="datetime1">
+            <a:fld id="{C183513C-F2F4-B940-8F47-6502D3E9B9CA}" type="datetime1">
               <a:rPr kumimoji="1" lang="ja-JP" altLang="en-US" smtClean="0"/>
-              <a:t>2021/12/20</a:t>
+              <a:t>2021/12/26</a:t>
             </a:fld>
             <a:endParaRPr kumimoji="1" lang="ja-JP" altLang="en-US"/>
           </a:p>
@@ -3255,9 +3425,9 @@
             </a:lvl1pPr>
           </a:lstStyle>
           <a:p>
-            <a:fld id="{95553651-B718-3C46-A48E-CCDE2AEA20A9}" type="datetime1">
+            <a:fld id="{E55A93C3-7990-6040-9FF9-3C243F65B473}" type="datetime1">
               <a:rPr kumimoji="1" lang="ja-JP" altLang="en-US" smtClean="0"/>
-              <a:t>2021/12/20</a:t>
+              <a:t>2021/12/26</a:t>
             </a:fld>
             <a:endParaRPr kumimoji="1" lang="ja-JP" altLang="en-US"/>
           </a:p>
@@ -3709,7 +3879,7 @@
             </a:br>
             <a:r>
               <a:rPr kumimoji="1" lang="en-US" altLang="ja-JP" dirty="0"/>
-              <a:t>(Draft Version)</a:t>
+              <a:t>(Draft)</a:t>
             </a:r>
             <a:endParaRPr kumimoji="1" lang="ja-JP" altLang="en-US"/>
           </a:p>
@@ -3763,10 +3933,10 @@
           <p:nvPr/>
         </p:nvPicPr>
         <p:blipFill>
-          <a:blip r:embed="rId2">
+          <a:blip r:embed="rId2" cstate="screen">
             <a:extLst>
               <a:ext uri="{28A0092B-C50C-407E-A947-70E740481C1C}">
-                <a14:useLocalDpi xmlns:a14="http://schemas.microsoft.com/office/drawing/2010/main" val="0"/>
+                <a14:useLocalDpi xmlns:a14="http://schemas.microsoft.com/office/drawing/2010/main"/>
               </a:ext>
             </a:extLst>
           </a:blip>
@@ -3830,7 +4000,7 @@
           <p:cNvPr id="2" name="タイトル 1">
             <a:extLst>
               <a:ext uri="{FF2B5EF4-FFF2-40B4-BE49-F238E27FC236}">
-                <a16:creationId xmlns:a16="http://schemas.microsoft.com/office/drawing/2014/main" id="{247BFE88-7019-4F43-8B30-C0AC025035D4}"/>
+                <a16:creationId xmlns:a16="http://schemas.microsoft.com/office/drawing/2014/main" id="{4EEABEAF-155C-624C-B734-BF5EF1D16338}"/>
               </a:ext>
             </a:extLst>
           </p:cNvPr>
@@ -3848,15 +4018,7 @@
           <a:p>
             <a:r>
               <a:rPr kumimoji="1" lang="en-US" altLang="ja-JP" dirty="0"/>
-              <a:t>Production System Architecture</a:t>
-            </a:r>
-            <a:r>
-              <a:rPr kumimoji="1" lang="ja-JP" altLang="en-US"/>
-              <a:t> </a:t>
-            </a:r>
-            <a:r>
-              <a:rPr kumimoji="1" lang="en-US" altLang="ja-JP" dirty="0"/>
-              <a:t>(Draft Version)</a:t>
+              <a:t>Yield Farming Customer Journey Outline</a:t>
             </a:r>
             <a:endParaRPr kumimoji="1" lang="ja-JP" altLang="en-US"/>
           </a:p>
@@ -3864,10 +4026,490 @@
       </p:sp>
       <p:sp>
         <p:nvSpPr>
-          <p:cNvPr id="4" name="フッター プレースホルダー 3">
-            <a:extLst>
-              <a:ext uri="{FF2B5EF4-FFF2-40B4-BE49-F238E27FC236}">
-                <a16:creationId xmlns:a16="http://schemas.microsoft.com/office/drawing/2014/main" id="{669C2170-0645-D74B-BCA9-53705C62EA2E}"/>
+          <p:cNvPr id="5" name="スライド番号プレースホルダー 4">
+            <a:extLst>
+              <a:ext uri="{FF2B5EF4-FFF2-40B4-BE49-F238E27FC236}">
+                <a16:creationId xmlns:a16="http://schemas.microsoft.com/office/drawing/2014/main" id="{E5A8E0DE-9619-9D44-B54A-59A941A6EDFC}"/>
+              </a:ext>
+            </a:extLst>
+          </p:cNvPr>
+          <p:cNvSpPr>
+            <a:spLocks noGrp="1"/>
+          </p:cNvSpPr>
+          <p:nvPr>
+            <p:ph type="sldNum" sz="quarter" idx="12"/>
+          </p:nvPr>
+        </p:nvSpPr>
+        <p:spPr/>
+        <p:txBody>
+          <a:bodyPr/>
+          <a:lstStyle/>
+          <a:p>
+            <a:fld id="{51BE5F08-58E8-9243-A834-2B76637F595D}" type="slidenum">
+              <a:rPr kumimoji="1" lang="ja-JP" altLang="en-US" smtClean="0"/>
+              <a:t>1</a:t>
+            </a:fld>
+            <a:endParaRPr kumimoji="1" lang="ja-JP" altLang="en-US"/>
+          </a:p>
+        </p:txBody>
+      </p:sp>
+      <p:sp>
+        <p:nvSpPr>
+          <p:cNvPr id="7" name="正方形/長方形 6">
+            <a:extLst>
+              <a:ext uri="{FF2B5EF4-FFF2-40B4-BE49-F238E27FC236}">
+                <a16:creationId xmlns:a16="http://schemas.microsoft.com/office/drawing/2014/main" id="{F235C190-45C7-B74C-87FD-1548E57F2162}"/>
+              </a:ext>
+            </a:extLst>
+          </p:cNvPr>
+          <p:cNvSpPr/>
+          <p:nvPr/>
+        </p:nvSpPr>
+        <p:spPr>
+          <a:xfrm>
+            <a:off x="626185" y="962627"/>
+            <a:ext cx="1207912" cy="1049198"/>
+          </a:xfrm>
+          <a:prstGeom prst="rect">
+            <a:avLst/>
+          </a:prstGeom>
+          <a:noFill/>
+          <a:ln>
+            <a:solidFill>
+              <a:schemeClr val="tx1"/>
+            </a:solidFill>
+          </a:ln>
+        </p:spPr>
+        <p:style>
+          <a:lnRef idx="2">
+            <a:schemeClr val="accent1">
+              <a:shade val="50000"/>
+            </a:schemeClr>
+          </a:lnRef>
+          <a:fillRef idx="1">
+            <a:schemeClr val="accent1"/>
+          </a:fillRef>
+          <a:effectRef idx="0">
+            <a:schemeClr val="accent1"/>
+          </a:effectRef>
+          <a:fontRef idx="minor">
+            <a:schemeClr val="lt1"/>
+          </a:fontRef>
+        </p:style>
+        <p:txBody>
+          <a:bodyPr rtlCol="0" anchor="t"/>
+          <a:lstStyle/>
+          <a:p>
+            <a:pPr algn="ctr"/>
+            <a:r>
+              <a:rPr kumimoji="1" lang="en-US" altLang="ja-JP" sz="1400" dirty="0">
+                <a:solidFill>
+                  <a:schemeClr val="tx1"/>
+                </a:solidFill>
+              </a:rPr>
+              <a:t>Domestic</a:t>
+            </a:r>
+          </a:p>
+          <a:p>
+            <a:pPr algn="ctr"/>
+            <a:r>
+              <a:rPr kumimoji="1" lang="en-US" altLang="ja-JP" sz="1400" dirty="0">
+                <a:solidFill>
+                  <a:schemeClr val="tx1"/>
+                </a:solidFill>
+              </a:rPr>
+              <a:t>Exchange</a:t>
+            </a:r>
+            <a:endParaRPr kumimoji="1" lang="ja-JP" altLang="en-US" sz="1400">
+              <a:solidFill>
+                <a:schemeClr val="tx1"/>
+              </a:solidFill>
+            </a:endParaRPr>
+          </a:p>
+        </p:txBody>
+      </p:sp>
+      <p:sp>
+        <p:nvSpPr>
+          <p:cNvPr id="8" name="正方形/長方形 7">
+            <a:extLst>
+              <a:ext uri="{FF2B5EF4-FFF2-40B4-BE49-F238E27FC236}">
+                <a16:creationId xmlns:a16="http://schemas.microsoft.com/office/drawing/2014/main" id="{D86D7F9C-E192-9E42-B8FF-BF4BD360C787}"/>
+              </a:ext>
+            </a:extLst>
+          </p:cNvPr>
+          <p:cNvSpPr/>
+          <p:nvPr/>
+        </p:nvSpPr>
+        <p:spPr>
+          <a:xfrm>
+            <a:off x="626185" y="3101134"/>
+            <a:ext cx="1207912" cy="1049198"/>
+          </a:xfrm>
+          <a:prstGeom prst="rect">
+            <a:avLst/>
+          </a:prstGeom>
+          <a:noFill/>
+          <a:ln>
+            <a:solidFill>
+              <a:schemeClr val="tx1"/>
+            </a:solidFill>
+          </a:ln>
+        </p:spPr>
+        <p:style>
+          <a:lnRef idx="2">
+            <a:schemeClr val="accent1">
+              <a:shade val="50000"/>
+            </a:schemeClr>
+          </a:lnRef>
+          <a:fillRef idx="1">
+            <a:schemeClr val="accent1"/>
+          </a:fillRef>
+          <a:effectRef idx="0">
+            <a:schemeClr val="accent1"/>
+          </a:effectRef>
+          <a:fontRef idx="minor">
+            <a:schemeClr val="lt1"/>
+          </a:fontRef>
+        </p:style>
+        <p:txBody>
+          <a:bodyPr rtlCol="0" anchor="t"/>
+          <a:lstStyle/>
+          <a:p>
+            <a:pPr algn="ctr"/>
+            <a:r>
+              <a:rPr kumimoji="1" lang="en-US" altLang="ja-JP" sz="1400" dirty="0">
+                <a:solidFill>
+                  <a:schemeClr val="tx1"/>
+                </a:solidFill>
+              </a:rPr>
+              <a:t>Overseas</a:t>
+            </a:r>
+          </a:p>
+          <a:p>
+            <a:pPr algn="ctr"/>
+            <a:r>
+              <a:rPr kumimoji="1" lang="en-US" altLang="ja-JP" sz="1400" dirty="0">
+                <a:solidFill>
+                  <a:schemeClr val="tx1"/>
+                </a:solidFill>
+              </a:rPr>
+              <a:t>Exchange</a:t>
+            </a:r>
+            <a:endParaRPr kumimoji="1" lang="ja-JP" altLang="en-US" sz="1400">
+              <a:solidFill>
+                <a:schemeClr val="tx1"/>
+              </a:solidFill>
+            </a:endParaRPr>
+          </a:p>
+        </p:txBody>
+      </p:sp>
+      <p:sp>
+        <p:nvSpPr>
+          <p:cNvPr id="9" name="正方形/長方形 8">
+            <a:extLst>
+              <a:ext uri="{FF2B5EF4-FFF2-40B4-BE49-F238E27FC236}">
+                <a16:creationId xmlns:a16="http://schemas.microsoft.com/office/drawing/2014/main" id="{6E7E3A8A-329C-3740-AFD4-71765A738121}"/>
+              </a:ext>
+            </a:extLst>
+          </p:cNvPr>
+          <p:cNvSpPr/>
+          <p:nvPr/>
+        </p:nvSpPr>
+        <p:spPr>
+          <a:xfrm>
+            <a:off x="626185" y="5307150"/>
+            <a:ext cx="1207912" cy="1049198"/>
+          </a:xfrm>
+          <a:prstGeom prst="rect">
+            <a:avLst/>
+          </a:prstGeom>
+          <a:noFill/>
+          <a:ln>
+            <a:solidFill>
+              <a:schemeClr val="tx1"/>
+            </a:solidFill>
+          </a:ln>
+        </p:spPr>
+        <p:style>
+          <a:lnRef idx="2">
+            <a:schemeClr val="accent1">
+              <a:shade val="50000"/>
+            </a:schemeClr>
+          </a:lnRef>
+          <a:fillRef idx="1">
+            <a:schemeClr val="accent1"/>
+          </a:fillRef>
+          <a:effectRef idx="0">
+            <a:schemeClr val="accent1"/>
+          </a:effectRef>
+          <a:fontRef idx="minor">
+            <a:schemeClr val="lt1"/>
+          </a:fontRef>
+        </p:style>
+        <p:txBody>
+          <a:bodyPr rtlCol="0" anchor="t"/>
+          <a:lstStyle/>
+          <a:p>
+            <a:pPr algn="ctr"/>
+            <a:r>
+              <a:rPr kumimoji="1" lang="en-US" altLang="ja-JP" sz="1400" dirty="0">
+                <a:solidFill>
+                  <a:schemeClr val="tx1"/>
+                </a:solidFill>
+              </a:rPr>
+              <a:t>Wallet</a:t>
+            </a:r>
+          </a:p>
+        </p:txBody>
+      </p:sp>
+      <p:sp>
+        <p:nvSpPr>
+          <p:cNvPr id="10" name="正方形/長方形 9">
+            <a:extLst>
+              <a:ext uri="{FF2B5EF4-FFF2-40B4-BE49-F238E27FC236}">
+                <a16:creationId xmlns:a16="http://schemas.microsoft.com/office/drawing/2014/main" id="{FDE92ABF-C934-5842-95A2-1C7A5459905D}"/>
+              </a:ext>
+            </a:extLst>
+          </p:cNvPr>
+          <p:cNvSpPr/>
+          <p:nvPr/>
+        </p:nvSpPr>
+        <p:spPr>
+          <a:xfrm>
+            <a:off x="2519844" y="962627"/>
+            <a:ext cx="9082312" cy="5393721"/>
+          </a:xfrm>
+          <a:prstGeom prst="rect">
+            <a:avLst/>
+          </a:prstGeom>
+          <a:noFill/>
+          <a:ln>
+            <a:solidFill>
+              <a:schemeClr val="tx1"/>
+            </a:solidFill>
+          </a:ln>
+        </p:spPr>
+        <p:style>
+          <a:lnRef idx="2">
+            <a:schemeClr val="accent1">
+              <a:shade val="50000"/>
+            </a:schemeClr>
+          </a:lnRef>
+          <a:fillRef idx="1">
+            <a:schemeClr val="accent1"/>
+          </a:fillRef>
+          <a:effectRef idx="0">
+            <a:schemeClr val="accent1"/>
+          </a:effectRef>
+          <a:fontRef idx="minor">
+            <a:schemeClr val="lt1"/>
+          </a:fontRef>
+        </p:style>
+        <p:txBody>
+          <a:bodyPr rtlCol="0" anchor="t"/>
+          <a:lstStyle/>
+          <a:p>
+            <a:pPr algn="ctr"/>
+            <a:r>
+              <a:rPr kumimoji="1" lang="en-US" altLang="ja-JP" sz="1400" dirty="0" err="1">
+                <a:solidFill>
+                  <a:schemeClr val="tx1"/>
+                </a:solidFill>
+              </a:rPr>
+              <a:t>DeFi</a:t>
+            </a:r>
+            <a:endParaRPr kumimoji="1" lang="ja-JP" altLang="en-US" sz="1400">
+              <a:solidFill>
+                <a:schemeClr val="tx1"/>
+              </a:solidFill>
+            </a:endParaRPr>
+          </a:p>
+        </p:txBody>
+      </p:sp>
+      <p:cxnSp>
+        <p:nvCxnSpPr>
+          <p:cNvPr id="11" name="直線矢印コネクタ 10">
+            <a:extLst>
+              <a:ext uri="{FF2B5EF4-FFF2-40B4-BE49-F238E27FC236}">
+                <a16:creationId xmlns:a16="http://schemas.microsoft.com/office/drawing/2014/main" id="{6029B592-D4A6-C941-B6B3-C72C1547640F}"/>
+              </a:ext>
+            </a:extLst>
+          </p:cNvPr>
+          <p:cNvCxnSpPr>
+            <a:cxnSpLocks/>
+            <a:stCxn id="7" idx="2"/>
+            <a:endCxn id="8" idx="0"/>
+          </p:cNvCxnSpPr>
+          <p:nvPr/>
+        </p:nvCxnSpPr>
+        <p:spPr>
+          <a:xfrm>
+            <a:off x="1230141" y="2011825"/>
+            <a:ext cx="0" cy="1089309"/>
+          </a:xfrm>
+          <a:prstGeom prst="straightConnector1">
+            <a:avLst/>
+          </a:prstGeom>
+          <a:ln w="9525">
+            <a:solidFill>
+              <a:schemeClr val="tx1"/>
+            </a:solidFill>
+            <a:headEnd type="none" w="med" len="med"/>
+            <a:tailEnd type="arrow" w="med" len="med"/>
+          </a:ln>
+        </p:spPr>
+        <p:style>
+          <a:lnRef idx="1">
+            <a:schemeClr val="accent1"/>
+          </a:lnRef>
+          <a:fillRef idx="0">
+            <a:schemeClr val="accent1"/>
+          </a:fillRef>
+          <a:effectRef idx="0">
+            <a:schemeClr val="accent1"/>
+          </a:effectRef>
+          <a:fontRef idx="minor">
+            <a:schemeClr val="tx1"/>
+          </a:fontRef>
+        </p:style>
+      </p:cxnSp>
+      <p:cxnSp>
+        <p:nvCxnSpPr>
+          <p:cNvPr id="12" name="直線矢印コネクタ 11">
+            <a:extLst>
+              <a:ext uri="{FF2B5EF4-FFF2-40B4-BE49-F238E27FC236}">
+                <a16:creationId xmlns:a16="http://schemas.microsoft.com/office/drawing/2014/main" id="{78228DA6-EF3F-B645-AF8E-0C1B12691E0F}"/>
+              </a:ext>
+            </a:extLst>
+          </p:cNvPr>
+          <p:cNvCxnSpPr>
+            <a:cxnSpLocks/>
+            <a:stCxn id="8" idx="2"/>
+            <a:endCxn id="9" idx="0"/>
+          </p:cNvCxnSpPr>
+          <p:nvPr/>
+        </p:nvCxnSpPr>
+        <p:spPr>
+          <a:xfrm>
+            <a:off x="1230141" y="4150332"/>
+            <a:ext cx="0" cy="1156818"/>
+          </a:xfrm>
+          <a:prstGeom prst="straightConnector1">
+            <a:avLst/>
+          </a:prstGeom>
+          <a:ln w="9525">
+            <a:solidFill>
+              <a:schemeClr val="tx1"/>
+            </a:solidFill>
+            <a:headEnd type="none" w="med" len="med"/>
+            <a:tailEnd type="arrow" w="med" len="med"/>
+          </a:ln>
+        </p:spPr>
+        <p:style>
+          <a:lnRef idx="1">
+            <a:schemeClr val="accent1"/>
+          </a:lnRef>
+          <a:fillRef idx="0">
+            <a:schemeClr val="accent1"/>
+          </a:fillRef>
+          <a:effectRef idx="0">
+            <a:schemeClr val="accent1"/>
+          </a:effectRef>
+          <a:fontRef idx="minor">
+            <a:schemeClr val="tx1"/>
+          </a:fontRef>
+        </p:style>
+      </p:cxnSp>
+      <p:cxnSp>
+        <p:nvCxnSpPr>
+          <p:cNvPr id="13" name="直線矢印コネクタ 12">
+            <a:extLst>
+              <a:ext uri="{FF2B5EF4-FFF2-40B4-BE49-F238E27FC236}">
+                <a16:creationId xmlns:a16="http://schemas.microsoft.com/office/drawing/2014/main" id="{76ECFBF8-06B8-4241-9F84-836196B3B635}"/>
+              </a:ext>
+            </a:extLst>
+          </p:cNvPr>
+          <p:cNvCxnSpPr>
+            <a:cxnSpLocks/>
+            <a:stCxn id="9" idx="3"/>
+          </p:cNvCxnSpPr>
+          <p:nvPr/>
+        </p:nvCxnSpPr>
+        <p:spPr>
+          <a:xfrm>
+            <a:off x="1834097" y="5831749"/>
+            <a:ext cx="685749" cy="0"/>
+          </a:xfrm>
+          <a:prstGeom prst="straightConnector1">
+            <a:avLst/>
+          </a:prstGeom>
+          <a:ln w="9525">
+            <a:solidFill>
+              <a:schemeClr val="tx1"/>
+            </a:solidFill>
+            <a:headEnd type="none" w="med" len="med"/>
+            <a:tailEnd type="arrow" w="med" len="med"/>
+          </a:ln>
+        </p:spPr>
+        <p:style>
+          <a:lnRef idx="1">
+            <a:schemeClr val="accent1"/>
+          </a:lnRef>
+          <a:fillRef idx="0">
+            <a:schemeClr val="accent1"/>
+          </a:fillRef>
+          <a:effectRef idx="0">
+            <a:schemeClr val="accent1"/>
+          </a:effectRef>
+          <a:fontRef idx="minor">
+            <a:schemeClr val="tx1"/>
+          </a:fontRef>
+        </p:style>
+      </p:cxnSp>
+      <p:pic>
+        <p:nvPicPr>
+          <p:cNvPr id="64" name="図 63">
+            <a:extLst>
+              <a:ext uri="{FF2B5EF4-FFF2-40B4-BE49-F238E27FC236}">
+                <a16:creationId xmlns:a16="http://schemas.microsoft.com/office/drawing/2014/main" id="{8DD354D6-6878-C84F-9186-CB055F8A7F8F}"/>
+              </a:ext>
+            </a:extLst>
+          </p:cNvPr>
+          <p:cNvPicPr>
+            <a:picLocks noChangeAspect="1"/>
+          </p:cNvPicPr>
+          <p:nvPr/>
+        </p:nvPicPr>
+        <p:blipFill rotWithShape="1">
+          <a:blip r:embed="rId2" cstate="screen">
+            <a:extLst>
+              <a:ext uri="{28A0092B-C50C-407E-A947-70E740481C1C}">
+                <a14:useLocalDpi xmlns:a14="http://schemas.microsoft.com/office/drawing/2010/main"/>
+              </a:ext>
+            </a:extLst>
+          </a:blip>
+          <a:srcRect l="-5644" t="-16404" r="-5113" b="-9868"/>
+          <a:stretch/>
+        </p:blipFill>
+        <p:spPr>
+          <a:xfrm>
+            <a:off x="5638876" y="1022895"/>
+            <a:ext cx="1167897" cy="366163"/>
+          </a:xfrm>
+          <a:prstGeom prst="rect">
+            <a:avLst/>
+          </a:prstGeom>
+          <a:solidFill>
+            <a:schemeClr val="tx1"/>
+          </a:solidFill>
+        </p:spPr>
+      </p:pic>
+      <p:sp>
+        <p:nvSpPr>
+          <p:cNvPr id="67" name="フッター プレースホルダー 66">
+            <a:extLst>
+              <a:ext uri="{FF2B5EF4-FFF2-40B4-BE49-F238E27FC236}">
+                <a16:creationId xmlns:a16="http://schemas.microsoft.com/office/drawing/2014/main" id="{F8020629-7124-4748-96D7-83BD141C9F6A}"/>
               </a:ext>
             </a:extLst>
           </p:cNvPr>
@@ -3878,12 +4520,7 @@
             <p:ph type="ftr" sz="quarter" idx="11"/>
           </p:nvPr>
         </p:nvSpPr>
-        <p:spPr>
-          <a:xfrm>
-            <a:off x="3948288" y="6356350"/>
-            <a:ext cx="4114800" cy="365125"/>
-          </a:xfrm>
-        </p:spPr>
+        <p:spPr/>
         <p:txBody>
           <a:bodyPr/>
           <a:lstStyle/>
@@ -3898,10 +4535,2850 @@
       </p:sp>
       <p:sp>
         <p:nvSpPr>
+          <p:cNvPr id="83" name="正方形/長方形 82">
+            <a:extLst>
+              <a:ext uri="{FF2B5EF4-FFF2-40B4-BE49-F238E27FC236}">
+                <a16:creationId xmlns:a16="http://schemas.microsoft.com/office/drawing/2014/main" id="{B09A7532-8225-6F4D-97C3-9395D8120566}"/>
+              </a:ext>
+            </a:extLst>
+          </p:cNvPr>
+          <p:cNvSpPr/>
+          <p:nvPr/>
+        </p:nvSpPr>
+        <p:spPr>
+          <a:xfrm>
+            <a:off x="2708222" y="1569904"/>
+            <a:ext cx="1538816" cy="4153557"/>
+          </a:xfrm>
+          <a:prstGeom prst="rect">
+            <a:avLst/>
+          </a:prstGeom>
+          <a:solidFill>
+            <a:schemeClr val="bg1">
+              <a:lumMod val="95000"/>
+            </a:schemeClr>
+          </a:solidFill>
+          <a:ln>
+            <a:noFill/>
+          </a:ln>
+        </p:spPr>
+        <p:style>
+          <a:lnRef idx="2">
+            <a:schemeClr val="accent1">
+              <a:shade val="50000"/>
+            </a:schemeClr>
+          </a:lnRef>
+          <a:fillRef idx="1">
+            <a:schemeClr val="accent1"/>
+          </a:fillRef>
+          <a:effectRef idx="0">
+            <a:schemeClr val="accent1"/>
+          </a:effectRef>
+          <a:fontRef idx="minor">
+            <a:schemeClr val="lt1"/>
+          </a:fontRef>
+        </p:style>
+        <p:txBody>
+          <a:bodyPr wrap="none" rtlCol="0" anchor="t"/>
+          <a:lstStyle/>
+          <a:p>
+            <a:pPr algn="ctr"/>
+            <a:r>
+              <a:rPr kumimoji="1" lang="en-US" altLang="ja-JP" sz="1400" dirty="0">
+                <a:solidFill>
+                  <a:schemeClr val="tx1"/>
+                </a:solidFill>
+              </a:rPr>
+              <a:t>Exchange</a:t>
+            </a:r>
+          </a:p>
+        </p:txBody>
+      </p:sp>
+      <p:sp>
+        <p:nvSpPr>
+          <p:cNvPr id="69" name="正方形/長方形 68">
+            <a:extLst>
+              <a:ext uri="{FF2B5EF4-FFF2-40B4-BE49-F238E27FC236}">
+                <a16:creationId xmlns:a16="http://schemas.microsoft.com/office/drawing/2014/main" id="{9BACA51E-BB1E-F845-9A78-64493E706678}"/>
+              </a:ext>
+            </a:extLst>
+          </p:cNvPr>
+          <p:cNvSpPr/>
+          <p:nvPr/>
+        </p:nvSpPr>
+        <p:spPr>
+          <a:xfrm>
+            <a:off x="2888844" y="1916287"/>
+            <a:ext cx="1207912" cy="1714990"/>
+          </a:xfrm>
+          <a:prstGeom prst="rect">
+            <a:avLst/>
+          </a:prstGeom>
+          <a:solidFill>
+            <a:schemeClr val="bg1"/>
+          </a:solidFill>
+          <a:ln>
+            <a:solidFill>
+              <a:schemeClr val="tx1"/>
+            </a:solidFill>
+          </a:ln>
+        </p:spPr>
+        <p:style>
+          <a:lnRef idx="2">
+            <a:schemeClr val="accent1">
+              <a:shade val="50000"/>
+            </a:schemeClr>
+          </a:lnRef>
+          <a:fillRef idx="1">
+            <a:schemeClr val="accent1"/>
+          </a:fillRef>
+          <a:effectRef idx="0">
+            <a:schemeClr val="accent1"/>
+          </a:effectRef>
+          <a:fontRef idx="minor">
+            <a:schemeClr val="lt1"/>
+          </a:fontRef>
+        </p:style>
+        <p:txBody>
+          <a:bodyPr wrap="none" rtlCol="0" anchor="t"/>
+          <a:lstStyle/>
+          <a:p>
+            <a:pPr algn="ctr"/>
+            <a:r>
+              <a:rPr kumimoji="1" lang="en-US" altLang="ja-JP" sz="1400" dirty="0">
+                <a:solidFill>
+                  <a:schemeClr val="tx1"/>
+                </a:solidFill>
+              </a:rPr>
+              <a:t>Trading</a:t>
+            </a:r>
+          </a:p>
+          <a:p>
+            <a:pPr algn="ctr"/>
+            <a:r>
+              <a:rPr kumimoji="1" lang="en-US" altLang="ja-JP" sz="1050" dirty="0">
+                <a:solidFill>
+                  <a:schemeClr val="tx1"/>
+                </a:solidFill>
+              </a:rPr>
+              <a:t>(Orderbooks)</a:t>
+            </a:r>
+            <a:endParaRPr kumimoji="1" lang="ja-JP" altLang="en-US" sz="1050">
+              <a:solidFill>
+                <a:schemeClr val="tx1"/>
+              </a:solidFill>
+            </a:endParaRPr>
+          </a:p>
+        </p:txBody>
+      </p:sp>
+      <p:sp>
+        <p:nvSpPr>
+          <p:cNvPr id="71" name="正方形/長方形 70">
+            <a:extLst>
+              <a:ext uri="{FF2B5EF4-FFF2-40B4-BE49-F238E27FC236}">
+                <a16:creationId xmlns:a16="http://schemas.microsoft.com/office/drawing/2014/main" id="{621A7FC7-4644-0041-8537-287D568E6806}"/>
+              </a:ext>
+            </a:extLst>
+          </p:cNvPr>
+          <p:cNvSpPr/>
+          <p:nvPr/>
+        </p:nvSpPr>
+        <p:spPr>
+          <a:xfrm>
+            <a:off x="2888844" y="3856270"/>
+            <a:ext cx="1207912" cy="1714990"/>
+          </a:xfrm>
+          <a:prstGeom prst="rect">
+            <a:avLst/>
+          </a:prstGeom>
+          <a:solidFill>
+            <a:schemeClr val="bg1"/>
+          </a:solidFill>
+          <a:ln>
+            <a:solidFill>
+              <a:schemeClr val="tx1"/>
+            </a:solidFill>
+          </a:ln>
+        </p:spPr>
+        <p:style>
+          <a:lnRef idx="2">
+            <a:schemeClr val="accent1">
+              <a:shade val="50000"/>
+            </a:schemeClr>
+          </a:lnRef>
+          <a:fillRef idx="1">
+            <a:schemeClr val="accent1"/>
+          </a:fillRef>
+          <a:effectRef idx="0">
+            <a:schemeClr val="accent1"/>
+          </a:effectRef>
+          <a:fontRef idx="minor">
+            <a:schemeClr val="lt1"/>
+          </a:fontRef>
+        </p:style>
+        <p:txBody>
+          <a:bodyPr wrap="none" rtlCol="0" anchor="t"/>
+          <a:lstStyle/>
+          <a:p>
+            <a:pPr algn="ctr"/>
+            <a:r>
+              <a:rPr kumimoji="1" lang="en-US" altLang="ja-JP" sz="1400" dirty="0">
+                <a:solidFill>
+                  <a:schemeClr val="tx1"/>
+                </a:solidFill>
+              </a:rPr>
+              <a:t>Swap</a:t>
+            </a:r>
+          </a:p>
+          <a:p>
+            <a:pPr algn="ctr"/>
+            <a:r>
+              <a:rPr kumimoji="1" lang="en-US" altLang="ja-JP" sz="1050" dirty="0">
+                <a:solidFill>
+                  <a:schemeClr val="tx1"/>
+                </a:solidFill>
+              </a:rPr>
+              <a:t>(AMM)</a:t>
+            </a:r>
+          </a:p>
+        </p:txBody>
+      </p:sp>
+      <p:sp>
+        <p:nvSpPr>
+          <p:cNvPr id="84" name="正方形/長方形 83">
+            <a:extLst>
+              <a:ext uri="{FF2B5EF4-FFF2-40B4-BE49-F238E27FC236}">
+                <a16:creationId xmlns:a16="http://schemas.microsoft.com/office/drawing/2014/main" id="{F20DF60B-8BAA-D747-842E-E2BE44514F59}"/>
+              </a:ext>
+            </a:extLst>
+          </p:cNvPr>
+          <p:cNvSpPr/>
+          <p:nvPr/>
+        </p:nvSpPr>
+        <p:spPr>
+          <a:xfrm>
+            <a:off x="4774793" y="1569904"/>
+            <a:ext cx="1538816" cy="4153557"/>
+          </a:xfrm>
+          <a:prstGeom prst="rect">
+            <a:avLst/>
+          </a:prstGeom>
+          <a:solidFill>
+            <a:schemeClr val="bg1">
+              <a:lumMod val="95000"/>
+            </a:schemeClr>
+          </a:solidFill>
+          <a:ln>
+            <a:noFill/>
+          </a:ln>
+        </p:spPr>
+        <p:style>
+          <a:lnRef idx="2">
+            <a:schemeClr val="accent1">
+              <a:shade val="50000"/>
+            </a:schemeClr>
+          </a:lnRef>
+          <a:fillRef idx="1">
+            <a:schemeClr val="accent1"/>
+          </a:fillRef>
+          <a:effectRef idx="0">
+            <a:schemeClr val="accent1"/>
+          </a:effectRef>
+          <a:fontRef idx="minor">
+            <a:schemeClr val="lt1"/>
+          </a:fontRef>
+        </p:style>
+        <p:txBody>
+          <a:bodyPr wrap="none" rtlCol="0" anchor="t"/>
+          <a:lstStyle/>
+          <a:p>
+            <a:pPr algn="ctr"/>
+            <a:r>
+              <a:rPr kumimoji="1" lang="en-US" altLang="ja-JP" sz="1400" dirty="0">
+                <a:solidFill>
+                  <a:schemeClr val="tx1"/>
+                </a:solidFill>
+              </a:rPr>
+              <a:t>Liquidity</a:t>
+            </a:r>
+          </a:p>
+        </p:txBody>
+      </p:sp>
+      <p:sp>
+        <p:nvSpPr>
+          <p:cNvPr id="85" name="正方形/長方形 84">
+            <a:extLst>
+              <a:ext uri="{FF2B5EF4-FFF2-40B4-BE49-F238E27FC236}">
+                <a16:creationId xmlns:a16="http://schemas.microsoft.com/office/drawing/2014/main" id="{460CCDCA-9F78-B043-A2E3-9C187C59B6C6}"/>
+              </a:ext>
+            </a:extLst>
+          </p:cNvPr>
+          <p:cNvSpPr/>
+          <p:nvPr/>
+        </p:nvSpPr>
+        <p:spPr>
+          <a:xfrm>
+            <a:off x="4955415" y="1916287"/>
+            <a:ext cx="1207912" cy="3654973"/>
+          </a:xfrm>
+          <a:prstGeom prst="rect">
+            <a:avLst/>
+          </a:prstGeom>
+          <a:solidFill>
+            <a:schemeClr val="bg1"/>
+          </a:solidFill>
+          <a:ln>
+            <a:solidFill>
+              <a:schemeClr val="tx1"/>
+            </a:solidFill>
+          </a:ln>
+        </p:spPr>
+        <p:style>
+          <a:lnRef idx="2">
+            <a:schemeClr val="accent1">
+              <a:shade val="50000"/>
+            </a:schemeClr>
+          </a:lnRef>
+          <a:fillRef idx="1">
+            <a:schemeClr val="accent1"/>
+          </a:fillRef>
+          <a:effectRef idx="0">
+            <a:schemeClr val="accent1"/>
+          </a:effectRef>
+          <a:fontRef idx="minor">
+            <a:schemeClr val="lt1"/>
+          </a:fontRef>
+        </p:style>
+        <p:txBody>
+          <a:bodyPr wrap="none" rtlCol="0" anchor="t"/>
+          <a:lstStyle/>
+          <a:p>
+            <a:pPr algn="ctr"/>
+            <a:r>
+              <a:rPr kumimoji="1" lang="en-US" altLang="ja-JP" sz="1400" dirty="0">
+                <a:solidFill>
+                  <a:schemeClr val="tx1"/>
+                </a:solidFill>
+              </a:rPr>
+              <a:t>Liquidity</a:t>
+            </a:r>
+          </a:p>
+        </p:txBody>
+      </p:sp>
+      <p:sp>
+        <p:nvSpPr>
+          <p:cNvPr id="120" name="正方形/長方形 119">
+            <a:extLst>
+              <a:ext uri="{FF2B5EF4-FFF2-40B4-BE49-F238E27FC236}">
+                <a16:creationId xmlns:a16="http://schemas.microsoft.com/office/drawing/2014/main" id="{EA0F1F0C-574F-074E-BCD9-965557BC9901}"/>
+              </a:ext>
+            </a:extLst>
+          </p:cNvPr>
+          <p:cNvSpPr/>
+          <p:nvPr/>
+        </p:nvSpPr>
+        <p:spPr>
+          <a:xfrm>
+            <a:off x="6841364" y="1569904"/>
+            <a:ext cx="1538816" cy="4153557"/>
+          </a:xfrm>
+          <a:prstGeom prst="rect">
+            <a:avLst/>
+          </a:prstGeom>
+          <a:solidFill>
+            <a:schemeClr val="bg1">
+              <a:lumMod val="95000"/>
+            </a:schemeClr>
+          </a:solidFill>
+          <a:ln>
+            <a:noFill/>
+          </a:ln>
+        </p:spPr>
+        <p:style>
+          <a:lnRef idx="2">
+            <a:schemeClr val="accent1">
+              <a:shade val="50000"/>
+            </a:schemeClr>
+          </a:lnRef>
+          <a:fillRef idx="1">
+            <a:schemeClr val="accent1"/>
+          </a:fillRef>
+          <a:effectRef idx="0">
+            <a:schemeClr val="accent1"/>
+          </a:effectRef>
+          <a:fontRef idx="minor">
+            <a:schemeClr val="lt1"/>
+          </a:fontRef>
+        </p:style>
+        <p:txBody>
+          <a:bodyPr wrap="none" rtlCol="0" anchor="t"/>
+          <a:lstStyle/>
+          <a:p>
+            <a:pPr algn="ctr"/>
+            <a:r>
+              <a:rPr kumimoji="1" lang="en-US" altLang="ja-JP" sz="1400" dirty="0">
+                <a:solidFill>
+                  <a:schemeClr val="tx1"/>
+                </a:solidFill>
+              </a:rPr>
+              <a:t>Earn</a:t>
+            </a:r>
+          </a:p>
+        </p:txBody>
+      </p:sp>
+      <p:sp>
+        <p:nvSpPr>
+          <p:cNvPr id="121" name="正方形/長方形 120">
+            <a:extLst>
+              <a:ext uri="{FF2B5EF4-FFF2-40B4-BE49-F238E27FC236}">
+                <a16:creationId xmlns:a16="http://schemas.microsoft.com/office/drawing/2014/main" id="{E638C446-D483-344C-A0B8-81F22864A4DE}"/>
+              </a:ext>
+            </a:extLst>
+          </p:cNvPr>
+          <p:cNvSpPr/>
+          <p:nvPr/>
+        </p:nvSpPr>
+        <p:spPr>
+          <a:xfrm>
+            <a:off x="7021986" y="1916287"/>
+            <a:ext cx="1207912" cy="1714990"/>
+          </a:xfrm>
+          <a:prstGeom prst="rect">
+            <a:avLst/>
+          </a:prstGeom>
+          <a:solidFill>
+            <a:schemeClr val="bg1"/>
+          </a:solidFill>
+          <a:ln>
+            <a:solidFill>
+              <a:schemeClr val="tx1"/>
+            </a:solidFill>
+          </a:ln>
+        </p:spPr>
+        <p:style>
+          <a:lnRef idx="2">
+            <a:schemeClr val="accent1">
+              <a:shade val="50000"/>
+            </a:schemeClr>
+          </a:lnRef>
+          <a:fillRef idx="1">
+            <a:schemeClr val="accent1"/>
+          </a:fillRef>
+          <a:effectRef idx="0">
+            <a:schemeClr val="accent1"/>
+          </a:effectRef>
+          <a:fontRef idx="minor">
+            <a:schemeClr val="lt1"/>
+          </a:fontRef>
+        </p:style>
+        <p:txBody>
+          <a:bodyPr wrap="none" rtlCol="0" anchor="t"/>
+          <a:lstStyle/>
+          <a:p>
+            <a:pPr algn="ctr"/>
+            <a:r>
+              <a:rPr kumimoji="1" lang="en-US" altLang="ja-JP" sz="1400" dirty="0">
+                <a:solidFill>
+                  <a:schemeClr val="tx1"/>
+                </a:solidFill>
+              </a:rPr>
+              <a:t>Pools</a:t>
+            </a:r>
+          </a:p>
+        </p:txBody>
+      </p:sp>
+      <p:sp>
+        <p:nvSpPr>
+          <p:cNvPr id="122" name="正方形/長方形 121">
+            <a:extLst>
+              <a:ext uri="{FF2B5EF4-FFF2-40B4-BE49-F238E27FC236}">
+                <a16:creationId xmlns:a16="http://schemas.microsoft.com/office/drawing/2014/main" id="{900F69C9-957F-7E40-8065-EB4E6B693A8B}"/>
+              </a:ext>
+            </a:extLst>
+          </p:cNvPr>
+          <p:cNvSpPr/>
+          <p:nvPr/>
+        </p:nvSpPr>
+        <p:spPr>
+          <a:xfrm>
+            <a:off x="7021986" y="3856270"/>
+            <a:ext cx="1207912" cy="1714990"/>
+          </a:xfrm>
+          <a:prstGeom prst="rect">
+            <a:avLst/>
+          </a:prstGeom>
+          <a:solidFill>
+            <a:schemeClr val="bg1"/>
+          </a:solidFill>
+          <a:ln>
+            <a:solidFill>
+              <a:schemeClr val="tx1"/>
+            </a:solidFill>
+          </a:ln>
+        </p:spPr>
+        <p:style>
+          <a:lnRef idx="2">
+            <a:schemeClr val="accent1">
+              <a:shade val="50000"/>
+            </a:schemeClr>
+          </a:lnRef>
+          <a:fillRef idx="1">
+            <a:schemeClr val="accent1"/>
+          </a:fillRef>
+          <a:effectRef idx="0">
+            <a:schemeClr val="accent1"/>
+          </a:effectRef>
+          <a:fontRef idx="minor">
+            <a:schemeClr val="lt1"/>
+          </a:fontRef>
+        </p:style>
+        <p:txBody>
+          <a:bodyPr wrap="none" rtlCol="0" anchor="t"/>
+          <a:lstStyle/>
+          <a:p>
+            <a:pPr algn="ctr"/>
+            <a:r>
+              <a:rPr kumimoji="1" lang="en-US" altLang="ja-JP" sz="1400" dirty="0">
+                <a:solidFill>
+                  <a:schemeClr val="tx1"/>
+                </a:solidFill>
+              </a:rPr>
+              <a:t>Farms</a:t>
+            </a:r>
+          </a:p>
+        </p:txBody>
+      </p:sp>
+      <p:pic>
+        <p:nvPicPr>
+          <p:cNvPr id="123" name="図 122">
+            <a:extLst>
+              <a:ext uri="{FF2B5EF4-FFF2-40B4-BE49-F238E27FC236}">
+                <a16:creationId xmlns:a16="http://schemas.microsoft.com/office/drawing/2014/main" id="{6C51F13A-A113-C747-99F3-7330C40D3E22}"/>
+              </a:ext>
+            </a:extLst>
+          </p:cNvPr>
+          <p:cNvPicPr>
+            <a:picLocks noChangeAspect="1"/>
+          </p:cNvPicPr>
+          <p:nvPr/>
+        </p:nvPicPr>
+        <p:blipFill>
+          <a:blip r:embed="rId3" cstate="screen">
+            <a:extLst>
+              <a:ext uri="{28A0092B-C50C-407E-A947-70E740481C1C}">
+                <a14:useLocalDpi xmlns:a14="http://schemas.microsoft.com/office/drawing/2010/main"/>
+              </a:ext>
+            </a:extLst>
+          </a:blip>
+          <a:stretch>
+            <a:fillRect/>
+          </a:stretch>
+        </p:blipFill>
+        <p:spPr>
+          <a:xfrm>
+            <a:off x="7245746" y="2695780"/>
+            <a:ext cx="332085" cy="292234"/>
+          </a:xfrm>
+          <a:prstGeom prst="rect">
+            <a:avLst/>
+          </a:prstGeom>
+        </p:spPr>
+      </p:pic>
+      <p:pic>
+        <p:nvPicPr>
+          <p:cNvPr id="125" name="Picture 6">
+            <a:extLst>
+              <a:ext uri="{FF2B5EF4-FFF2-40B4-BE49-F238E27FC236}">
+                <a16:creationId xmlns:a16="http://schemas.microsoft.com/office/drawing/2014/main" id="{6AB142C0-F0BC-8C48-BFAC-72E7824C4661}"/>
+              </a:ext>
+            </a:extLst>
+          </p:cNvPr>
+          <p:cNvPicPr>
+            <a:picLocks noChangeAspect="1" noChangeArrowheads="1"/>
+          </p:cNvPicPr>
+          <p:nvPr/>
+        </p:nvPicPr>
+        <p:blipFill>
+          <a:blip r:embed="rId4" cstate="screen">
+            <a:extLst>
+              <a:ext uri="{28A0092B-C50C-407E-A947-70E740481C1C}">
+                <a14:useLocalDpi xmlns:a14="http://schemas.microsoft.com/office/drawing/2010/main"/>
+              </a:ext>
+            </a:extLst>
+          </a:blip>
+          <a:srcRect/>
+          <a:stretch>
+            <a:fillRect/>
+          </a:stretch>
+        </p:blipFill>
+        <p:spPr bwMode="auto">
+          <a:xfrm>
+            <a:off x="7602404" y="2652304"/>
+            <a:ext cx="413627" cy="413627"/>
+          </a:xfrm>
+          <a:prstGeom prst="rect">
+            <a:avLst/>
+          </a:prstGeom>
+          <a:noFill/>
+          <a:extLst>
+            <a:ext uri="{909E8E84-426E-40DD-AFC4-6F175D3DCCD1}">
+              <a14:hiddenFill xmlns:a14="http://schemas.microsoft.com/office/drawing/2010/main">
+                <a:solidFill>
+                  <a:srgbClr val="FFFFFF"/>
+                </a:solidFill>
+              </a14:hiddenFill>
+            </a:ext>
+          </a:extLst>
+        </p:spPr>
+      </p:pic>
+      <p:cxnSp>
+        <p:nvCxnSpPr>
+          <p:cNvPr id="129" name="直線矢印コネクタ 128">
+            <a:extLst>
+              <a:ext uri="{FF2B5EF4-FFF2-40B4-BE49-F238E27FC236}">
+                <a16:creationId xmlns:a16="http://schemas.microsoft.com/office/drawing/2014/main" id="{07283867-D5C2-B040-B172-C94F24B58617}"/>
+              </a:ext>
+            </a:extLst>
+          </p:cNvPr>
+          <p:cNvCxnSpPr>
+            <a:cxnSpLocks/>
+            <a:stCxn id="84" idx="3"/>
+            <a:endCxn id="120" idx="1"/>
+          </p:cNvCxnSpPr>
+          <p:nvPr/>
+        </p:nvCxnSpPr>
+        <p:spPr>
+          <a:xfrm>
+            <a:off x="6313609" y="3646683"/>
+            <a:ext cx="527755" cy="0"/>
+          </a:xfrm>
+          <a:prstGeom prst="straightConnector1">
+            <a:avLst/>
+          </a:prstGeom>
+          <a:ln w="9525">
+            <a:solidFill>
+              <a:schemeClr val="tx1"/>
+            </a:solidFill>
+            <a:headEnd type="none" w="med" len="med"/>
+            <a:tailEnd type="arrow" w="med" len="med"/>
+          </a:ln>
+        </p:spPr>
+        <p:style>
+          <a:lnRef idx="1">
+            <a:schemeClr val="accent1"/>
+          </a:lnRef>
+          <a:fillRef idx="0">
+            <a:schemeClr val="accent1"/>
+          </a:fillRef>
+          <a:effectRef idx="0">
+            <a:schemeClr val="accent1"/>
+          </a:effectRef>
+          <a:fontRef idx="minor">
+            <a:schemeClr val="tx1"/>
+          </a:fontRef>
+        </p:style>
+      </p:cxnSp>
+      <p:sp>
+        <p:nvSpPr>
+          <p:cNvPr id="130" name="テキスト ボックス 129">
+            <a:extLst>
+              <a:ext uri="{FF2B5EF4-FFF2-40B4-BE49-F238E27FC236}">
+                <a16:creationId xmlns:a16="http://schemas.microsoft.com/office/drawing/2014/main" id="{9865390E-1B2D-B44D-B8E1-C4440FAF27B2}"/>
+              </a:ext>
+            </a:extLst>
+          </p:cNvPr>
+          <p:cNvSpPr txBox="1"/>
+          <p:nvPr/>
+        </p:nvSpPr>
+        <p:spPr>
+          <a:xfrm>
+            <a:off x="6841364" y="5764556"/>
+            <a:ext cx="1538816" cy="461664"/>
+          </a:xfrm>
+          <a:prstGeom prst="rect">
+            <a:avLst/>
+          </a:prstGeom>
+          <a:noFill/>
+        </p:spPr>
+        <p:txBody>
+          <a:bodyPr wrap="square" rtlCol="0">
+            <a:noAutofit/>
+          </a:bodyPr>
+          <a:lstStyle/>
+          <a:p>
+            <a:pPr algn="ctr"/>
+            <a:r>
+              <a:rPr kumimoji="1" lang="en-US" altLang="ja-JP" sz="1200" dirty="0"/>
+              <a:t>Earn Tokens</a:t>
+            </a:r>
+            <a:endParaRPr kumimoji="1" lang="ja-JP" altLang="en-US" sz="1200"/>
+          </a:p>
+        </p:txBody>
+      </p:sp>
+      <p:pic>
+        <p:nvPicPr>
+          <p:cNvPr id="135" name="Picture 6">
+            <a:extLst>
+              <a:ext uri="{FF2B5EF4-FFF2-40B4-BE49-F238E27FC236}">
+                <a16:creationId xmlns:a16="http://schemas.microsoft.com/office/drawing/2014/main" id="{EDD33CCC-4A71-A347-A08A-B74D656A7C27}"/>
+              </a:ext>
+            </a:extLst>
+          </p:cNvPr>
+          <p:cNvPicPr>
+            <a:picLocks noChangeAspect="1" noChangeArrowheads="1"/>
+          </p:cNvPicPr>
+          <p:nvPr/>
+        </p:nvPicPr>
+        <p:blipFill>
+          <a:blip r:embed="rId4" cstate="screen">
+            <a:extLst>
+              <a:ext uri="{28A0092B-C50C-407E-A947-70E740481C1C}">
+                <a14:useLocalDpi xmlns:a14="http://schemas.microsoft.com/office/drawing/2010/main"/>
+              </a:ext>
+            </a:extLst>
+          </a:blip>
+          <a:srcRect/>
+          <a:stretch>
+            <a:fillRect/>
+          </a:stretch>
+        </p:blipFill>
+        <p:spPr bwMode="auto">
+          <a:xfrm>
+            <a:off x="7419128" y="4542851"/>
+            <a:ext cx="413627" cy="413627"/>
+          </a:xfrm>
+          <a:prstGeom prst="rect">
+            <a:avLst/>
+          </a:prstGeom>
+          <a:noFill/>
+          <a:extLst>
+            <a:ext uri="{909E8E84-426E-40DD-AFC4-6F175D3DCCD1}">
+              <a14:hiddenFill xmlns:a14="http://schemas.microsoft.com/office/drawing/2010/main">
+                <a:solidFill>
+                  <a:srgbClr val="FFFFFF"/>
+                </a:solidFill>
+              </a14:hiddenFill>
+            </a:ext>
+          </a:extLst>
+        </p:spPr>
+      </p:pic>
+      <p:sp>
+        <p:nvSpPr>
+          <p:cNvPr id="136" name="正方形/長方形 135">
+            <a:extLst>
+              <a:ext uri="{FF2B5EF4-FFF2-40B4-BE49-F238E27FC236}">
+                <a16:creationId xmlns:a16="http://schemas.microsoft.com/office/drawing/2014/main" id="{D537C217-2794-4744-81F8-20DDFBD56C3E}"/>
+              </a:ext>
+            </a:extLst>
+          </p:cNvPr>
+          <p:cNvSpPr/>
+          <p:nvPr/>
+        </p:nvSpPr>
+        <p:spPr>
+          <a:xfrm>
+            <a:off x="8907935" y="1569905"/>
+            <a:ext cx="1538816" cy="4153562"/>
+          </a:xfrm>
+          <a:prstGeom prst="rect">
+            <a:avLst/>
+          </a:prstGeom>
+          <a:solidFill>
+            <a:schemeClr val="bg1">
+              <a:lumMod val="95000"/>
+            </a:schemeClr>
+          </a:solidFill>
+          <a:ln>
+            <a:noFill/>
+          </a:ln>
+        </p:spPr>
+        <p:style>
+          <a:lnRef idx="2">
+            <a:schemeClr val="accent1">
+              <a:shade val="50000"/>
+            </a:schemeClr>
+          </a:lnRef>
+          <a:fillRef idx="1">
+            <a:schemeClr val="accent1"/>
+          </a:fillRef>
+          <a:effectRef idx="0">
+            <a:schemeClr val="accent1"/>
+          </a:effectRef>
+          <a:fontRef idx="minor">
+            <a:schemeClr val="lt1"/>
+          </a:fontRef>
+        </p:style>
+        <p:txBody>
+          <a:bodyPr wrap="none" rtlCol="0" anchor="t"/>
+          <a:lstStyle/>
+          <a:p>
+            <a:pPr algn="ctr"/>
+            <a:r>
+              <a:rPr kumimoji="1" lang="en-US" altLang="ja-JP" sz="1400" dirty="0">
+                <a:solidFill>
+                  <a:schemeClr val="tx1"/>
+                </a:solidFill>
+              </a:rPr>
+              <a:t>Specials</a:t>
+            </a:r>
+          </a:p>
+        </p:txBody>
+      </p:sp>
+      <p:sp>
+        <p:nvSpPr>
+          <p:cNvPr id="137" name="正方形/長方形 136">
+            <a:extLst>
+              <a:ext uri="{FF2B5EF4-FFF2-40B4-BE49-F238E27FC236}">
+                <a16:creationId xmlns:a16="http://schemas.microsoft.com/office/drawing/2014/main" id="{C912AA90-CD85-E448-ADCE-4EE36716544E}"/>
+              </a:ext>
+            </a:extLst>
+          </p:cNvPr>
+          <p:cNvSpPr/>
+          <p:nvPr/>
+        </p:nvSpPr>
+        <p:spPr>
+          <a:xfrm>
+            <a:off x="9088557" y="1863417"/>
+            <a:ext cx="1207912" cy="1190066"/>
+          </a:xfrm>
+          <a:prstGeom prst="rect">
+            <a:avLst/>
+          </a:prstGeom>
+          <a:solidFill>
+            <a:schemeClr val="bg1"/>
+          </a:solidFill>
+          <a:ln>
+            <a:solidFill>
+              <a:schemeClr val="tx1"/>
+            </a:solidFill>
+          </a:ln>
+        </p:spPr>
+        <p:style>
+          <a:lnRef idx="2">
+            <a:schemeClr val="accent1">
+              <a:shade val="50000"/>
+            </a:schemeClr>
+          </a:lnRef>
+          <a:fillRef idx="1">
+            <a:schemeClr val="accent1"/>
+          </a:fillRef>
+          <a:effectRef idx="0">
+            <a:schemeClr val="accent1"/>
+          </a:effectRef>
+          <a:fontRef idx="minor">
+            <a:schemeClr val="lt1"/>
+          </a:fontRef>
+        </p:style>
+        <p:txBody>
+          <a:bodyPr wrap="none" rtlCol="0" anchor="t"/>
+          <a:lstStyle/>
+          <a:p>
+            <a:pPr algn="ctr"/>
+            <a:r>
+              <a:rPr kumimoji="1" lang="en-US" altLang="ja-JP" sz="1400" dirty="0">
+                <a:solidFill>
+                  <a:schemeClr val="tx1"/>
+                </a:solidFill>
+              </a:rPr>
+              <a:t>Staking</a:t>
+            </a:r>
+          </a:p>
+        </p:txBody>
+      </p:sp>
+      <p:pic>
+        <p:nvPicPr>
+          <p:cNvPr id="3080" name="Picture 8">
+            <a:extLst>
+              <a:ext uri="{FF2B5EF4-FFF2-40B4-BE49-F238E27FC236}">
+                <a16:creationId xmlns:a16="http://schemas.microsoft.com/office/drawing/2014/main" id="{61197594-AE91-EE44-A876-55DB86C49D0B}"/>
+              </a:ext>
+            </a:extLst>
+          </p:cNvPr>
+          <p:cNvPicPr>
+            <a:picLocks noChangeAspect="1" noChangeArrowheads="1"/>
+          </p:cNvPicPr>
+          <p:nvPr/>
+        </p:nvPicPr>
+        <p:blipFill>
+          <a:blip r:embed="rId5" cstate="screen">
+            <a:extLst>
+              <a:ext uri="{28A0092B-C50C-407E-A947-70E740481C1C}">
+                <a14:useLocalDpi xmlns:a14="http://schemas.microsoft.com/office/drawing/2010/main"/>
+              </a:ext>
+            </a:extLst>
+          </a:blip>
+          <a:srcRect/>
+          <a:stretch>
+            <a:fillRect/>
+          </a:stretch>
+        </p:blipFill>
+        <p:spPr bwMode="auto">
+          <a:xfrm>
+            <a:off x="9268119" y="2138201"/>
+            <a:ext cx="844995" cy="475200"/>
+          </a:xfrm>
+          <a:prstGeom prst="rect">
+            <a:avLst/>
+          </a:prstGeom>
+          <a:noFill/>
+          <a:extLst>
+            <a:ext uri="{909E8E84-426E-40DD-AFC4-6F175D3DCCD1}">
+              <a14:hiddenFill xmlns:a14="http://schemas.microsoft.com/office/drawing/2010/main">
+                <a:solidFill>
+                  <a:srgbClr val="FFFFFF"/>
+                </a:solidFill>
+              </a14:hiddenFill>
+            </a:ext>
+          </a:extLst>
+        </p:spPr>
+      </p:pic>
+      <p:sp>
+        <p:nvSpPr>
+          <p:cNvPr id="144" name="テキスト ボックス 143">
+            <a:extLst>
+              <a:ext uri="{FF2B5EF4-FFF2-40B4-BE49-F238E27FC236}">
+                <a16:creationId xmlns:a16="http://schemas.microsoft.com/office/drawing/2014/main" id="{6B03190B-C2EC-4142-907A-09AAF754C641}"/>
+              </a:ext>
+            </a:extLst>
+          </p:cNvPr>
+          <p:cNvSpPr txBox="1"/>
+          <p:nvPr/>
+        </p:nvSpPr>
+        <p:spPr>
+          <a:xfrm>
+            <a:off x="9088557" y="2591819"/>
+            <a:ext cx="1207912" cy="461664"/>
+          </a:xfrm>
+          <a:prstGeom prst="rect">
+            <a:avLst/>
+          </a:prstGeom>
+          <a:noFill/>
+        </p:spPr>
+        <p:txBody>
+          <a:bodyPr wrap="square" rtlCol="0">
+            <a:noAutofit/>
+          </a:bodyPr>
+          <a:lstStyle/>
+          <a:p>
+            <a:pPr algn="ctr"/>
+            <a:r>
+              <a:rPr kumimoji="1" lang="en-US" altLang="ja-JP" sz="1200" dirty="0"/>
+              <a:t>Mint</a:t>
+            </a:r>
+          </a:p>
+          <a:p>
+            <a:pPr algn="ctr"/>
+            <a:r>
+              <a:rPr kumimoji="1" lang="en-US" altLang="ja-JP" sz="1200" dirty="0"/>
+              <a:t>Special NFTs</a:t>
+            </a:r>
+            <a:endParaRPr kumimoji="1" lang="ja-JP" altLang="en-US" sz="1200"/>
+          </a:p>
+        </p:txBody>
+      </p:sp>
+      <p:pic>
+        <p:nvPicPr>
+          <p:cNvPr id="145" name="Picture 6">
+            <a:extLst>
+              <a:ext uri="{FF2B5EF4-FFF2-40B4-BE49-F238E27FC236}">
+                <a16:creationId xmlns:a16="http://schemas.microsoft.com/office/drawing/2014/main" id="{1B34EAEB-B7B4-A747-8541-ED2CFACC4D9C}"/>
+              </a:ext>
+            </a:extLst>
+          </p:cNvPr>
+          <p:cNvPicPr>
+            <a:picLocks noChangeAspect="1" noChangeArrowheads="1"/>
+          </p:cNvPicPr>
+          <p:nvPr/>
+        </p:nvPicPr>
+        <p:blipFill>
+          <a:blip r:embed="rId6" cstate="screen">
+            <a:extLst>
+              <a:ext uri="{28A0092B-C50C-407E-A947-70E740481C1C}">
+                <a14:useLocalDpi xmlns:a14="http://schemas.microsoft.com/office/drawing/2010/main"/>
+              </a:ext>
+            </a:extLst>
+          </a:blip>
+          <a:srcRect/>
+          <a:stretch>
+            <a:fillRect/>
+          </a:stretch>
+        </p:blipFill>
+        <p:spPr bwMode="auto">
+          <a:xfrm>
+            <a:off x="8498544" y="1897037"/>
+            <a:ext cx="279251" cy="279251"/>
+          </a:xfrm>
+          <a:prstGeom prst="rect">
+            <a:avLst/>
+          </a:prstGeom>
+          <a:noFill/>
+          <a:extLst>
+            <a:ext uri="{909E8E84-426E-40DD-AFC4-6F175D3DCCD1}">
+              <a14:hiddenFill xmlns:a14="http://schemas.microsoft.com/office/drawing/2010/main">
+                <a:solidFill>
+                  <a:srgbClr val="FFFFFF"/>
+                </a:solidFill>
+              </a14:hiddenFill>
+            </a:ext>
+          </a:extLst>
+        </p:spPr>
+      </p:pic>
+      <p:sp>
+        <p:nvSpPr>
+          <p:cNvPr id="146" name="正方形/長方形 145">
+            <a:extLst>
+              <a:ext uri="{FF2B5EF4-FFF2-40B4-BE49-F238E27FC236}">
+                <a16:creationId xmlns:a16="http://schemas.microsoft.com/office/drawing/2014/main" id="{8463BBC1-1193-C64F-A714-112CD78FD18F}"/>
+              </a:ext>
+            </a:extLst>
+          </p:cNvPr>
+          <p:cNvSpPr/>
+          <p:nvPr/>
+        </p:nvSpPr>
+        <p:spPr>
+          <a:xfrm>
+            <a:off x="9088557" y="3129373"/>
+            <a:ext cx="1207912" cy="1190066"/>
+          </a:xfrm>
+          <a:prstGeom prst="rect">
+            <a:avLst/>
+          </a:prstGeom>
+          <a:solidFill>
+            <a:schemeClr val="bg1"/>
+          </a:solidFill>
+          <a:ln>
+            <a:solidFill>
+              <a:schemeClr val="tx1"/>
+            </a:solidFill>
+          </a:ln>
+        </p:spPr>
+        <p:style>
+          <a:lnRef idx="2">
+            <a:schemeClr val="accent1">
+              <a:shade val="50000"/>
+            </a:schemeClr>
+          </a:lnRef>
+          <a:fillRef idx="1">
+            <a:schemeClr val="accent1"/>
+          </a:fillRef>
+          <a:effectRef idx="0">
+            <a:schemeClr val="accent1"/>
+          </a:effectRef>
+          <a:fontRef idx="minor">
+            <a:schemeClr val="lt1"/>
+          </a:fontRef>
+        </p:style>
+        <p:txBody>
+          <a:bodyPr wrap="none" rtlCol="0" anchor="t"/>
+          <a:lstStyle/>
+          <a:p>
+            <a:pPr algn="ctr"/>
+            <a:r>
+              <a:rPr kumimoji="1" lang="en-US" altLang="ja-JP" sz="1400" dirty="0" err="1">
+                <a:solidFill>
+                  <a:schemeClr val="tx1"/>
+                </a:solidFill>
+              </a:rPr>
+              <a:t>AcceleRaytor</a:t>
+            </a:r>
+            <a:endParaRPr kumimoji="1" lang="en-US" altLang="ja-JP" sz="1400" dirty="0">
+              <a:solidFill>
+                <a:schemeClr val="tx1"/>
+              </a:solidFill>
+            </a:endParaRPr>
+          </a:p>
+        </p:txBody>
+      </p:sp>
+      <p:sp>
+        <p:nvSpPr>
+          <p:cNvPr id="148" name="テキスト ボックス 147">
+            <a:extLst>
+              <a:ext uri="{FF2B5EF4-FFF2-40B4-BE49-F238E27FC236}">
+                <a16:creationId xmlns:a16="http://schemas.microsoft.com/office/drawing/2014/main" id="{23FED771-103B-5940-A514-680D8FD6F013}"/>
+              </a:ext>
+            </a:extLst>
+          </p:cNvPr>
+          <p:cNvSpPr txBox="1"/>
+          <p:nvPr/>
+        </p:nvSpPr>
+        <p:spPr>
+          <a:xfrm>
+            <a:off x="9088557" y="3857775"/>
+            <a:ext cx="1207912" cy="461664"/>
+          </a:xfrm>
+          <a:prstGeom prst="rect">
+            <a:avLst/>
+          </a:prstGeom>
+          <a:noFill/>
+        </p:spPr>
+        <p:txBody>
+          <a:bodyPr wrap="square" rtlCol="0">
+            <a:noAutofit/>
+          </a:bodyPr>
+          <a:lstStyle/>
+          <a:p>
+            <a:pPr algn="ctr"/>
+            <a:r>
+              <a:rPr kumimoji="1" lang="en-US" altLang="ja-JP" sz="1200" dirty="0"/>
+              <a:t>IDO</a:t>
+            </a:r>
+            <a:endParaRPr kumimoji="1" lang="ja-JP" altLang="en-US" sz="1200"/>
+          </a:p>
+        </p:txBody>
+      </p:sp>
+      <p:pic>
+        <p:nvPicPr>
+          <p:cNvPr id="152" name="図 151">
+            <a:extLst>
+              <a:ext uri="{FF2B5EF4-FFF2-40B4-BE49-F238E27FC236}">
+                <a16:creationId xmlns:a16="http://schemas.microsoft.com/office/drawing/2014/main" id="{DA495528-6367-2F43-8173-7E8B68E67025}"/>
+              </a:ext>
+            </a:extLst>
+          </p:cNvPr>
+          <p:cNvPicPr>
+            <a:picLocks noChangeAspect="1"/>
+          </p:cNvPicPr>
+          <p:nvPr/>
+        </p:nvPicPr>
+        <p:blipFill>
+          <a:blip r:embed="rId7" cstate="screen">
+            <a:extLst>
+              <a:ext uri="{28A0092B-C50C-407E-A947-70E740481C1C}">
+                <a14:useLocalDpi xmlns:a14="http://schemas.microsoft.com/office/drawing/2010/main"/>
+              </a:ext>
+            </a:extLst>
+          </a:blip>
+          <a:stretch>
+            <a:fillRect/>
+          </a:stretch>
+        </p:blipFill>
+        <p:spPr>
+          <a:xfrm>
+            <a:off x="8529451" y="1615448"/>
+            <a:ext cx="224200" cy="197295"/>
+          </a:xfrm>
+          <a:prstGeom prst="rect">
+            <a:avLst/>
+          </a:prstGeom>
+        </p:spPr>
+      </p:pic>
+      <p:pic>
+        <p:nvPicPr>
+          <p:cNvPr id="3082" name="Picture 10">
+            <a:extLst>
+              <a:ext uri="{FF2B5EF4-FFF2-40B4-BE49-F238E27FC236}">
+                <a16:creationId xmlns:a16="http://schemas.microsoft.com/office/drawing/2014/main" id="{C08D6287-B311-4943-A601-9227BD335282}"/>
+              </a:ext>
+            </a:extLst>
+          </p:cNvPr>
+          <p:cNvPicPr>
+            <a:picLocks noChangeAspect="1" noChangeArrowheads="1"/>
+          </p:cNvPicPr>
+          <p:nvPr/>
+        </p:nvPicPr>
+        <p:blipFill>
+          <a:blip r:embed="rId8" cstate="screen">
+            <a:extLst>
+              <a:ext uri="{28A0092B-C50C-407E-A947-70E740481C1C}">
+                <a14:useLocalDpi xmlns:a14="http://schemas.microsoft.com/office/drawing/2010/main"/>
+              </a:ext>
+            </a:extLst>
+          </a:blip>
+          <a:srcRect/>
+          <a:stretch>
+            <a:fillRect/>
+          </a:stretch>
+        </p:blipFill>
+        <p:spPr bwMode="auto">
+          <a:xfrm>
+            <a:off x="9272868" y="3423161"/>
+            <a:ext cx="855666" cy="475200"/>
+          </a:xfrm>
+          <a:prstGeom prst="rect">
+            <a:avLst/>
+          </a:prstGeom>
+          <a:noFill/>
+          <a:extLst>
+            <a:ext uri="{909E8E84-426E-40DD-AFC4-6F175D3DCCD1}">
+              <a14:hiddenFill xmlns:a14="http://schemas.microsoft.com/office/drawing/2010/main">
+                <a:solidFill>
+                  <a:srgbClr val="FFFFFF"/>
+                </a:solidFill>
+              </a14:hiddenFill>
+            </a:ext>
+          </a:extLst>
+        </p:spPr>
+      </p:pic>
+      <p:sp>
+        <p:nvSpPr>
+          <p:cNvPr id="154" name="正方形/長方形 153">
+            <a:extLst>
+              <a:ext uri="{FF2B5EF4-FFF2-40B4-BE49-F238E27FC236}">
+                <a16:creationId xmlns:a16="http://schemas.microsoft.com/office/drawing/2014/main" id="{D9981F2C-92BE-2A40-A5C3-4308F71F167C}"/>
+              </a:ext>
+            </a:extLst>
+          </p:cNvPr>
+          <p:cNvSpPr/>
+          <p:nvPr/>
+        </p:nvSpPr>
+        <p:spPr>
+          <a:xfrm>
+            <a:off x="9088557" y="4395329"/>
+            <a:ext cx="1207912" cy="1190066"/>
+          </a:xfrm>
+          <a:prstGeom prst="rect">
+            <a:avLst/>
+          </a:prstGeom>
+          <a:solidFill>
+            <a:schemeClr val="bg1"/>
+          </a:solidFill>
+          <a:ln>
+            <a:solidFill>
+              <a:schemeClr val="tx1"/>
+            </a:solidFill>
+          </a:ln>
+        </p:spPr>
+        <p:style>
+          <a:lnRef idx="2">
+            <a:schemeClr val="accent1">
+              <a:shade val="50000"/>
+            </a:schemeClr>
+          </a:lnRef>
+          <a:fillRef idx="1">
+            <a:schemeClr val="accent1"/>
+          </a:fillRef>
+          <a:effectRef idx="0">
+            <a:schemeClr val="accent1"/>
+          </a:effectRef>
+          <a:fontRef idx="minor">
+            <a:schemeClr val="lt1"/>
+          </a:fontRef>
+        </p:style>
+        <p:txBody>
+          <a:bodyPr wrap="none" rtlCol="0" anchor="t"/>
+          <a:lstStyle/>
+          <a:p>
+            <a:pPr algn="ctr"/>
+            <a:r>
+              <a:rPr kumimoji="1" lang="en-US" altLang="ja-JP" sz="1400" dirty="0" err="1">
+                <a:solidFill>
+                  <a:schemeClr val="tx1"/>
+                </a:solidFill>
+              </a:rPr>
+              <a:t>DropZone</a:t>
+            </a:r>
+            <a:endParaRPr kumimoji="1" lang="en-US" altLang="ja-JP" sz="1400" dirty="0">
+              <a:solidFill>
+                <a:schemeClr val="tx1"/>
+              </a:solidFill>
+            </a:endParaRPr>
+          </a:p>
+        </p:txBody>
+      </p:sp>
+      <p:sp>
+        <p:nvSpPr>
+          <p:cNvPr id="155" name="テキスト ボックス 154">
+            <a:extLst>
+              <a:ext uri="{FF2B5EF4-FFF2-40B4-BE49-F238E27FC236}">
+                <a16:creationId xmlns:a16="http://schemas.microsoft.com/office/drawing/2014/main" id="{780C2993-127F-1D46-AB93-F20439BB520C}"/>
+              </a:ext>
+            </a:extLst>
+          </p:cNvPr>
+          <p:cNvSpPr txBox="1"/>
+          <p:nvPr/>
+        </p:nvSpPr>
+        <p:spPr>
+          <a:xfrm>
+            <a:off x="9088557" y="5123731"/>
+            <a:ext cx="1207912" cy="461664"/>
+          </a:xfrm>
+          <a:prstGeom prst="rect">
+            <a:avLst/>
+          </a:prstGeom>
+          <a:noFill/>
+        </p:spPr>
+        <p:txBody>
+          <a:bodyPr wrap="square" rtlCol="0">
+            <a:noAutofit/>
+          </a:bodyPr>
+          <a:lstStyle/>
+          <a:p>
+            <a:pPr algn="ctr"/>
+            <a:r>
+              <a:rPr kumimoji="1" lang="en-US" altLang="ja-JP" sz="1200" dirty="0"/>
+              <a:t>Lottery</a:t>
+            </a:r>
+            <a:endParaRPr kumimoji="1" lang="ja-JP" altLang="en-US" sz="1200"/>
+          </a:p>
+        </p:txBody>
+      </p:sp>
+      <p:pic>
+        <p:nvPicPr>
+          <p:cNvPr id="3084" name="Picture 12">
+            <a:extLst>
+              <a:ext uri="{FF2B5EF4-FFF2-40B4-BE49-F238E27FC236}">
+                <a16:creationId xmlns:a16="http://schemas.microsoft.com/office/drawing/2014/main" id="{098999D1-9761-8B45-B7EE-ADDB43E3E3C0}"/>
+              </a:ext>
+            </a:extLst>
+          </p:cNvPr>
+          <p:cNvPicPr>
+            <a:picLocks noChangeAspect="1" noChangeArrowheads="1"/>
+          </p:cNvPicPr>
+          <p:nvPr/>
+        </p:nvPicPr>
+        <p:blipFill>
+          <a:blip r:embed="rId9" cstate="screen">
+            <a:extLst>
+              <a:ext uri="{28A0092B-C50C-407E-A947-70E740481C1C}">
+                <a14:useLocalDpi xmlns:a14="http://schemas.microsoft.com/office/drawing/2010/main"/>
+              </a:ext>
+            </a:extLst>
+          </a:blip>
+          <a:srcRect/>
+          <a:stretch>
+            <a:fillRect/>
+          </a:stretch>
+        </p:blipFill>
+        <p:spPr bwMode="auto">
+          <a:xfrm>
+            <a:off x="9258612" y="4697056"/>
+            <a:ext cx="844030" cy="475200"/>
+          </a:xfrm>
+          <a:prstGeom prst="rect">
+            <a:avLst/>
+          </a:prstGeom>
+          <a:noFill/>
+          <a:extLst>
+            <a:ext uri="{909E8E84-426E-40DD-AFC4-6F175D3DCCD1}">
+              <a14:hiddenFill xmlns:a14="http://schemas.microsoft.com/office/drawing/2010/main">
+                <a:solidFill>
+                  <a:srgbClr val="FFFFFF"/>
+                </a:solidFill>
+              </a14:hiddenFill>
+            </a:ext>
+          </a:extLst>
+        </p:spPr>
+      </p:pic>
+      <p:pic>
+        <p:nvPicPr>
+          <p:cNvPr id="80" name="図 79">
+            <a:extLst>
+              <a:ext uri="{FF2B5EF4-FFF2-40B4-BE49-F238E27FC236}">
+                <a16:creationId xmlns:a16="http://schemas.microsoft.com/office/drawing/2014/main" id="{658E1C34-F625-8541-9F68-BEC23569244A}"/>
+              </a:ext>
+            </a:extLst>
+          </p:cNvPr>
+          <p:cNvPicPr>
+            <a:picLocks noChangeAspect="1"/>
+          </p:cNvPicPr>
+          <p:nvPr/>
+        </p:nvPicPr>
+        <p:blipFill>
+          <a:blip r:embed="rId3" cstate="screen">
+            <a:extLst>
+              <a:ext uri="{28A0092B-C50C-407E-A947-70E740481C1C}">
+                <a14:useLocalDpi xmlns:a14="http://schemas.microsoft.com/office/drawing/2010/main"/>
+              </a:ext>
+            </a:extLst>
+          </a:blip>
+          <a:stretch>
+            <a:fillRect/>
+          </a:stretch>
+        </p:blipFill>
+        <p:spPr>
+          <a:xfrm>
+            <a:off x="2996794" y="4625737"/>
+            <a:ext cx="332085" cy="292234"/>
+          </a:xfrm>
+          <a:prstGeom prst="rect">
+            <a:avLst/>
+          </a:prstGeom>
+        </p:spPr>
+      </p:pic>
+      <p:pic>
+        <p:nvPicPr>
+          <p:cNvPr id="82" name="Picture 6">
+            <a:extLst>
+              <a:ext uri="{FF2B5EF4-FFF2-40B4-BE49-F238E27FC236}">
+                <a16:creationId xmlns:a16="http://schemas.microsoft.com/office/drawing/2014/main" id="{3B853947-A823-9F40-A319-161A502C9514}"/>
+              </a:ext>
+            </a:extLst>
+          </p:cNvPr>
+          <p:cNvPicPr>
+            <a:picLocks noChangeAspect="1" noChangeArrowheads="1"/>
+          </p:cNvPicPr>
+          <p:nvPr/>
+        </p:nvPicPr>
+        <p:blipFill>
+          <a:blip r:embed="rId4" cstate="screen">
+            <a:extLst>
+              <a:ext uri="{28A0092B-C50C-407E-A947-70E740481C1C}">
+                <a14:useLocalDpi xmlns:a14="http://schemas.microsoft.com/office/drawing/2010/main"/>
+              </a:ext>
+            </a:extLst>
+          </a:blip>
+          <a:srcRect/>
+          <a:stretch>
+            <a:fillRect/>
+          </a:stretch>
+        </p:blipFill>
+        <p:spPr bwMode="auto">
+          <a:xfrm>
+            <a:off x="3597171" y="4582261"/>
+            <a:ext cx="413627" cy="413627"/>
+          </a:xfrm>
+          <a:prstGeom prst="rect">
+            <a:avLst/>
+          </a:prstGeom>
+          <a:noFill/>
+          <a:extLst>
+            <a:ext uri="{909E8E84-426E-40DD-AFC4-6F175D3DCCD1}">
+              <a14:hiddenFill xmlns:a14="http://schemas.microsoft.com/office/drawing/2010/main">
+                <a:solidFill>
+                  <a:srgbClr val="FFFFFF"/>
+                </a:solidFill>
+              </a14:hiddenFill>
+            </a:ext>
+          </a:extLst>
+        </p:spPr>
+      </p:pic>
+      <p:sp>
+        <p:nvSpPr>
+          <p:cNvPr id="95" name="テキスト ボックス 94">
+            <a:extLst>
+              <a:ext uri="{FF2B5EF4-FFF2-40B4-BE49-F238E27FC236}">
+                <a16:creationId xmlns:a16="http://schemas.microsoft.com/office/drawing/2014/main" id="{19F8632A-03BF-FF41-9C8E-740D4824D821}"/>
+              </a:ext>
+            </a:extLst>
+          </p:cNvPr>
+          <p:cNvSpPr txBox="1"/>
+          <p:nvPr/>
+        </p:nvSpPr>
+        <p:spPr>
+          <a:xfrm>
+            <a:off x="2708222" y="5764556"/>
+            <a:ext cx="1538816" cy="461665"/>
+          </a:xfrm>
+          <a:prstGeom prst="rect">
+            <a:avLst/>
+          </a:prstGeom>
+          <a:noFill/>
+        </p:spPr>
+        <p:txBody>
+          <a:bodyPr wrap="square" rtlCol="0">
+            <a:noAutofit/>
+          </a:bodyPr>
+          <a:lstStyle/>
+          <a:p>
+            <a:pPr algn="ctr"/>
+            <a:r>
+              <a:rPr kumimoji="1" lang="en-US" altLang="ja-JP" sz="1200" dirty="0"/>
+              <a:t>Exchange</a:t>
+            </a:r>
+          </a:p>
+          <a:p>
+            <a:pPr algn="ctr"/>
+            <a:r>
+              <a:rPr kumimoji="1" lang="en-US" altLang="ja-JP" sz="1200" dirty="0"/>
+              <a:t>SOL to RAY Token</a:t>
+            </a:r>
+            <a:endParaRPr kumimoji="1" lang="ja-JP" altLang="en-US" sz="1200"/>
+          </a:p>
+        </p:txBody>
+      </p:sp>
+      <p:cxnSp>
+        <p:nvCxnSpPr>
+          <p:cNvPr id="81" name="直線矢印コネクタ 80">
+            <a:extLst>
+              <a:ext uri="{FF2B5EF4-FFF2-40B4-BE49-F238E27FC236}">
+                <a16:creationId xmlns:a16="http://schemas.microsoft.com/office/drawing/2014/main" id="{3807FC1A-32C0-6E4E-9015-6F633FD60214}"/>
+              </a:ext>
+            </a:extLst>
+          </p:cNvPr>
+          <p:cNvCxnSpPr>
+            <a:cxnSpLocks/>
+          </p:cNvCxnSpPr>
+          <p:nvPr/>
+        </p:nvCxnSpPr>
+        <p:spPr>
+          <a:xfrm>
+            <a:off x="3332639" y="4775900"/>
+            <a:ext cx="264532" cy="0"/>
+          </a:xfrm>
+          <a:prstGeom prst="straightConnector1">
+            <a:avLst/>
+          </a:prstGeom>
+          <a:ln>
+            <a:solidFill>
+              <a:schemeClr val="tx1"/>
+            </a:solidFill>
+            <a:headEnd type="none" w="med" len="med"/>
+            <a:tailEnd type="arrow" w="med" len="med"/>
+          </a:ln>
+        </p:spPr>
+        <p:style>
+          <a:lnRef idx="1">
+            <a:schemeClr val="accent1"/>
+          </a:lnRef>
+          <a:fillRef idx="0">
+            <a:schemeClr val="accent1"/>
+          </a:fillRef>
+          <a:effectRef idx="0">
+            <a:schemeClr val="accent1"/>
+          </a:effectRef>
+          <a:fontRef idx="minor">
+            <a:schemeClr val="tx1"/>
+          </a:fontRef>
+        </p:style>
+      </p:cxnSp>
+      <p:pic>
+        <p:nvPicPr>
+          <p:cNvPr id="87" name="図 86">
+            <a:extLst>
+              <a:ext uri="{FF2B5EF4-FFF2-40B4-BE49-F238E27FC236}">
+                <a16:creationId xmlns:a16="http://schemas.microsoft.com/office/drawing/2014/main" id="{F1E08728-0624-1944-B41F-D163F469D529}"/>
+              </a:ext>
+            </a:extLst>
+          </p:cNvPr>
+          <p:cNvPicPr>
+            <a:picLocks noChangeAspect="1"/>
+          </p:cNvPicPr>
+          <p:nvPr/>
+        </p:nvPicPr>
+        <p:blipFill>
+          <a:blip r:embed="rId3" cstate="screen">
+            <a:extLst>
+              <a:ext uri="{28A0092B-C50C-407E-A947-70E740481C1C}">
+                <a14:useLocalDpi xmlns:a14="http://schemas.microsoft.com/office/drawing/2010/main"/>
+              </a:ext>
+            </a:extLst>
+          </a:blip>
+          <a:stretch>
+            <a:fillRect/>
+          </a:stretch>
+        </p:blipFill>
+        <p:spPr>
+          <a:xfrm>
+            <a:off x="5063365" y="3580436"/>
+            <a:ext cx="332085" cy="292234"/>
+          </a:xfrm>
+          <a:prstGeom prst="rect">
+            <a:avLst/>
+          </a:prstGeom>
+        </p:spPr>
+      </p:pic>
+      <p:pic>
+        <p:nvPicPr>
+          <p:cNvPr id="89" name="Picture 6">
+            <a:extLst>
+              <a:ext uri="{FF2B5EF4-FFF2-40B4-BE49-F238E27FC236}">
+                <a16:creationId xmlns:a16="http://schemas.microsoft.com/office/drawing/2014/main" id="{67E1965B-2355-844F-BE2D-2A4D0893CFCF}"/>
+              </a:ext>
+            </a:extLst>
+          </p:cNvPr>
+          <p:cNvPicPr>
+            <a:picLocks noChangeAspect="1" noChangeArrowheads="1"/>
+          </p:cNvPicPr>
+          <p:nvPr/>
+        </p:nvPicPr>
+        <p:blipFill>
+          <a:blip r:embed="rId4" cstate="screen">
+            <a:extLst>
+              <a:ext uri="{28A0092B-C50C-407E-A947-70E740481C1C}">
+                <a14:useLocalDpi xmlns:a14="http://schemas.microsoft.com/office/drawing/2010/main"/>
+              </a:ext>
+            </a:extLst>
+          </a:blip>
+          <a:srcRect/>
+          <a:stretch>
+            <a:fillRect/>
+          </a:stretch>
+        </p:blipFill>
+        <p:spPr bwMode="auto">
+          <a:xfrm>
+            <a:off x="5663742" y="3536960"/>
+            <a:ext cx="413627" cy="413627"/>
+          </a:xfrm>
+          <a:prstGeom prst="rect">
+            <a:avLst/>
+          </a:prstGeom>
+          <a:noFill/>
+          <a:extLst>
+            <a:ext uri="{909E8E84-426E-40DD-AFC4-6F175D3DCCD1}">
+              <a14:hiddenFill xmlns:a14="http://schemas.microsoft.com/office/drawing/2010/main">
+                <a:solidFill>
+                  <a:srgbClr val="FFFFFF"/>
+                </a:solidFill>
+              </a14:hiddenFill>
+            </a:ext>
+          </a:extLst>
+        </p:spPr>
+      </p:pic>
+      <p:sp>
+        <p:nvSpPr>
+          <p:cNvPr id="119" name="テキスト ボックス 118">
+            <a:extLst>
+              <a:ext uri="{FF2B5EF4-FFF2-40B4-BE49-F238E27FC236}">
+                <a16:creationId xmlns:a16="http://schemas.microsoft.com/office/drawing/2014/main" id="{279EA391-C865-0047-98B2-6535B5ECD3F2}"/>
+              </a:ext>
+            </a:extLst>
+          </p:cNvPr>
+          <p:cNvSpPr txBox="1"/>
+          <p:nvPr/>
+        </p:nvSpPr>
+        <p:spPr>
+          <a:xfrm>
+            <a:off x="4774793" y="5764556"/>
+            <a:ext cx="1538816" cy="461665"/>
+          </a:xfrm>
+          <a:prstGeom prst="rect">
+            <a:avLst/>
+          </a:prstGeom>
+          <a:noFill/>
+        </p:spPr>
+        <p:txBody>
+          <a:bodyPr wrap="square" rtlCol="0">
+            <a:noAutofit/>
+          </a:bodyPr>
+          <a:lstStyle/>
+          <a:p>
+            <a:pPr algn="ctr"/>
+            <a:r>
+              <a:rPr kumimoji="1" lang="en-US" altLang="ja-JP" sz="1200" dirty="0"/>
+              <a:t>Add Liquidity</a:t>
+            </a:r>
+          </a:p>
+          <a:p>
+            <a:pPr algn="ctr"/>
+            <a:r>
+              <a:rPr kumimoji="1" lang="en-US" altLang="ja-JP" sz="1200" dirty="0"/>
+              <a:t>(Get LP Token)</a:t>
+            </a:r>
+            <a:endParaRPr kumimoji="1" lang="ja-JP" altLang="en-US" sz="1200"/>
+          </a:p>
+        </p:txBody>
+      </p:sp>
+      <p:sp>
+        <p:nvSpPr>
+          <p:cNvPr id="131" name="テキスト ボックス 130">
+            <a:extLst>
+              <a:ext uri="{FF2B5EF4-FFF2-40B4-BE49-F238E27FC236}">
+                <a16:creationId xmlns:a16="http://schemas.microsoft.com/office/drawing/2014/main" id="{0C7BC168-AD3E-0F4B-B6FA-33BABB817F12}"/>
+              </a:ext>
+            </a:extLst>
+          </p:cNvPr>
+          <p:cNvSpPr txBox="1"/>
+          <p:nvPr/>
+        </p:nvSpPr>
+        <p:spPr>
+          <a:xfrm>
+            <a:off x="5364989" y="3526940"/>
+            <a:ext cx="343743" cy="369332"/>
+          </a:xfrm>
+          <a:prstGeom prst="rect">
+            <a:avLst/>
+          </a:prstGeom>
+          <a:noFill/>
+        </p:spPr>
+        <p:txBody>
+          <a:bodyPr wrap="square" rtlCol="0" anchor="ctr">
+            <a:spAutoFit/>
+          </a:bodyPr>
+          <a:lstStyle/>
+          <a:p>
+            <a:pPr algn="ctr"/>
+            <a:r>
+              <a:rPr kumimoji="1" lang="en-US" altLang="ja-JP" dirty="0"/>
+              <a:t>+</a:t>
+            </a:r>
+          </a:p>
+        </p:txBody>
+      </p:sp>
+      <p:pic>
+        <p:nvPicPr>
+          <p:cNvPr id="74" name="図 73">
+            <a:extLst>
+              <a:ext uri="{FF2B5EF4-FFF2-40B4-BE49-F238E27FC236}">
+                <a16:creationId xmlns:a16="http://schemas.microsoft.com/office/drawing/2014/main" id="{40341050-35EB-5547-B99E-CCED8340E718}"/>
+              </a:ext>
+            </a:extLst>
+          </p:cNvPr>
+          <p:cNvPicPr>
+            <a:picLocks noChangeAspect="1"/>
+          </p:cNvPicPr>
+          <p:nvPr/>
+        </p:nvPicPr>
+        <p:blipFill>
+          <a:blip r:embed="rId3" cstate="screen">
+            <a:extLst>
+              <a:ext uri="{28A0092B-C50C-407E-A947-70E740481C1C}">
+                <a14:useLocalDpi xmlns:a14="http://schemas.microsoft.com/office/drawing/2010/main"/>
+              </a:ext>
+            </a:extLst>
+          </a:blip>
+          <a:stretch>
+            <a:fillRect/>
+          </a:stretch>
+        </p:blipFill>
+        <p:spPr>
+          <a:xfrm>
+            <a:off x="2996794" y="2695780"/>
+            <a:ext cx="332085" cy="292234"/>
+          </a:xfrm>
+          <a:prstGeom prst="rect">
+            <a:avLst/>
+          </a:prstGeom>
+        </p:spPr>
+      </p:pic>
+      <p:cxnSp>
+        <p:nvCxnSpPr>
+          <p:cNvPr id="76" name="直線矢印コネクタ 75">
+            <a:extLst>
+              <a:ext uri="{FF2B5EF4-FFF2-40B4-BE49-F238E27FC236}">
+                <a16:creationId xmlns:a16="http://schemas.microsoft.com/office/drawing/2014/main" id="{808882B1-DABA-9541-ACFE-EB6930276209}"/>
+              </a:ext>
+            </a:extLst>
+          </p:cNvPr>
+          <p:cNvCxnSpPr>
+            <a:cxnSpLocks/>
+          </p:cNvCxnSpPr>
+          <p:nvPr/>
+        </p:nvCxnSpPr>
+        <p:spPr>
+          <a:xfrm>
+            <a:off x="3332639" y="2845943"/>
+            <a:ext cx="264532" cy="0"/>
+          </a:xfrm>
+          <a:prstGeom prst="straightConnector1">
+            <a:avLst/>
+          </a:prstGeom>
+          <a:ln>
+            <a:solidFill>
+              <a:schemeClr val="tx1"/>
+            </a:solidFill>
+            <a:headEnd type="none" w="med" len="med"/>
+            <a:tailEnd type="arrow" w="med" len="med"/>
+          </a:ln>
+        </p:spPr>
+        <p:style>
+          <a:lnRef idx="1">
+            <a:schemeClr val="accent1"/>
+          </a:lnRef>
+          <a:fillRef idx="0">
+            <a:schemeClr val="accent1"/>
+          </a:fillRef>
+          <a:effectRef idx="0">
+            <a:schemeClr val="accent1"/>
+          </a:effectRef>
+          <a:fontRef idx="minor">
+            <a:schemeClr val="tx1"/>
+          </a:fontRef>
+        </p:style>
+      </p:cxnSp>
+      <p:pic>
+        <p:nvPicPr>
+          <p:cNvPr id="3078" name="Picture 6">
+            <a:extLst>
+              <a:ext uri="{FF2B5EF4-FFF2-40B4-BE49-F238E27FC236}">
+                <a16:creationId xmlns:a16="http://schemas.microsoft.com/office/drawing/2014/main" id="{9E0BCE2C-9E0C-ED4C-865E-63F3724F3EFB}"/>
+              </a:ext>
+            </a:extLst>
+          </p:cNvPr>
+          <p:cNvPicPr>
+            <a:picLocks noChangeAspect="1" noChangeArrowheads="1"/>
+          </p:cNvPicPr>
+          <p:nvPr/>
+        </p:nvPicPr>
+        <p:blipFill>
+          <a:blip r:embed="rId4" cstate="screen">
+            <a:extLst>
+              <a:ext uri="{28A0092B-C50C-407E-A947-70E740481C1C}">
+                <a14:useLocalDpi xmlns:a14="http://schemas.microsoft.com/office/drawing/2010/main"/>
+              </a:ext>
+            </a:extLst>
+          </a:blip>
+          <a:srcRect/>
+          <a:stretch>
+            <a:fillRect/>
+          </a:stretch>
+        </p:blipFill>
+        <p:spPr bwMode="auto">
+          <a:xfrm>
+            <a:off x="3597171" y="2652304"/>
+            <a:ext cx="413627" cy="413627"/>
+          </a:xfrm>
+          <a:prstGeom prst="rect">
+            <a:avLst/>
+          </a:prstGeom>
+          <a:noFill/>
+          <a:extLst>
+            <a:ext uri="{909E8E84-426E-40DD-AFC4-6F175D3DCCD1}">
+              <a14:hiddenFill xmlns:a14="http://schemas.microsoft.com/office/drawing/2010/main">
+                <a:solidFill>
+                  <a:srgbClr val="FFFFFF"/>
+                </a:solidFill>
+              </a14:hiddenFill>
+            </a:ext>
+          </a:extLst>
+        </p:spPr>
+      </p:pic>
+      <p:sp>
+        <p:nvSpPr>
+          <p:cNvPr id="186" name="テキスト ボックス 185">
+            <a:extLst>
+              <a:ext uri="{FF2B5EF4-FFF2-40B4-BE49-F238E27FC236}">
+                <a16:creationId xmlns:a16="http://schemas.microsoft.com/office/drawing/2014/main" id="{C8138595-026A-A74E-AE1D-B16FE72FFCA9}"/>
+              </a:ext>
+            </a:extLst>
+          </p:cNvPr>
+          <p:cNvSpPr txBox="1"/>
+          <p:nvPr/>
+        </p:nvSpPr>
+        <p:spPr>
+          <a:xfrm>
+            <a:off x="8907935" y="5764556"/>
+            <a:ext cx="1538816" cy="461664"/>
+          </a:xfrm>
+          <a:prstGeom prst="rect">
+            <a:avLst/>
+          </a:prstGeom>
+          <a:noFill/>
+        </p:spPr>
+        <p:txBody>
+          <a:bodyPr wrap="square" rtlCol="0">
+            <a:noAutofit/>
+          </a:bodyPr>
+          <a:lstStyle/>
+          <a:p>
+            <a:pPr algn="ctr"/>
+            <a:r>
+              <a:rPr kumimoji="1" lang="en-US" altLang="ja-JP" sz="1200" dirty="0"/>
+              <a:t>Get Specials</a:t>
+            </a:r>
+            <a:endParaRPr kumimoji="1" lang="ja-JP" altLang="en-US" sz="1200"/>
+          </a:p>
+        </p:txBody>
+      </p:sp>
+      <p:pic>
+        <p:nvPicPr>
+          <p:cNvPr id="182" name="図 181">
+            <a:extLst>
+              <a:ext uri="{FF2B5EF4-FFF2-40B4-BE49-F238E27FC236}">
+                <a16:creationId xmlns:a16="http://schemas.microsoft.com/office/drawing/2014/main" id="{3A1D6739-223A-2649-AB50-8F2974829185}"/>
+              </a:ext>
+            </a:extLst>
+          </p:cNvPr>
+          <p:cNvPicPr>
+            <a:picLocks noChangeAspect="1"/>
+          </p:cNvPicPr>
+          <p:nvPr/>
+        </p:nvPicPr>
+        <p:blipFill rotWithShape="1">
+          <a:blip r:embed="rId10" cstate="screen">
+            <a:extLst>
+              <a:ext uri="{28A0092B-C50C-407E-A947-70E740481C1C}">
+                <a14:useLocalDpi xmlns:a14="http://schemas.microsoft.com/office/drawing/2010/main"/>
+              </a:ext>
+            </a:extLst>
+          </a:blip>
+          <a:srcRect l="-4042" t="-17445" r="-4042" b="-17911"/>
+          <a:stretch/>
+        </p:blipFill>
+        <p:spPr>
+          <a:xfrm>
+            <a:off x="729116" y="5686134"/>
+            <a:ext cx="1002048" cy="292234"/>
+          </a:xfrm>
+          <a:prstGeom prst="rect">
+            <a:avLst/>
+          </a:prstGeom>
+          <a:solidFill>
+            <a:srgbClr val="2C2D30"/>
+          </a:solidFill>
+        </p:spPr>
+      </p:pic>
+      <p:pic>
+        <p:nvPicPr>
+          <p:cNvPr id="184" name="図 183">
+            <a:extLst>
+              <a:ext uri="{FF2B5EF4-FFF2-40B4-BE49-F238E27FC236}">
+                <a16:creationId xmlns:a16="http://schemas.microsoft.com/office/drawing/2014/main" id="{762ED73E-C648-E441-A961-F965FB85A37B}"/>
+              </a:ext>
+            </a:extLst>
+          </p:cNvPr>
+          <p:cNvPicPr>
+            <a:picLocks noChangeAspect="1"/>
+          </p:cNvPicPr>
+          <p:nvPr/>
+        </p:nvPicPr>
+        <p:blipFill>
+          <a:blip r:embed="rId11" cstate="screen">
+            <a:extLst>
+              <a:ext uri="{28A0092B-C50C-407E-A947-70E740481C1C}">
+                <a14:useLocalDpi xmlns:a14="http://schemas.microsoft.com/office/drawing/2010/main"/>
+              </a:ext>
+            </a:extLst>
+          </a:blip>
+          <a:stretch>
+            <a:fillRect/>
+          </a:stretch>
+        </p:blipFill>
+        <p:spPr>
+          <a:xfrm>
+            <a:off x="729117" y="1485463"/>
+            <a:ext cx="1002047" cy="182190"/>
+          </a:xfrm>
+          <a:prstGeom prst="rect">
+            <a:avLst/>
+          </a:prstGeom>
+        </p:spPr>
+      </p:pic>
+      <p:pic>
+        <p:nvPicPr>
+          <p:cNvPr id="189" name="図 188">
+            <a:extLst>
+              <a:ext uri="{FF2B5EF4-FFF2-40B4-BE49-F238E27FC236}">
+                <a16:creationId xmlns:a16="http://schemas.microsoft.com/office/drawing/2014/main" id="{9E6ADBB4-F681-2641-8AF1-39092222F152}"/>
+              </a:ext>
+            </a:extLst>
+          </p:cNvPr>
+          <p:cNvPicPr>
+            <a:picLocks noChangeAspect="1"/>
+          </p:cNvPicPr>
+          <p:nvPr/>
+        </p:nvPicPr>
+        <p:blipFill>
+          <a:blip r:embed="rId12" cstate="screen">
+            <a:extLst>
+              <a:ext uri="{28A0092B-C50C-407E-A947-70E740481C1C}">
+                <a14:useLocalDpi xmlns:a14="http://schemas.microsoft.com/office/drawing/2010/main"/>
+              </a:ext>
+            </a:extLst>
+          </a:blip>
+          <a:stretch>
+            <a:fillRect/>
+          </a:stretch>
+        </p:blipFill>
+        <p:spPr>
+          <a:xfrm>
+            <a:off x="1157242" y="1691457"/>
+            <a:ext cx="145793" cy="231944"/>
+          </a:xfrm>
+          <a:prstGeom prst="rect">
+            <a:avLst/>
+          </a:prstGeom>
+        </p:spPr>
+      </p:pic>
+      <p:cxnSp>
+        <p:nvCxnSpPr>
+          <p:cNvPr id="195" name="直線矢印コネクタ 194">
+            <a:extLst>
+              <a:ext uri="{FF2B5EF4-FFF2-40B4-BE49-F238E27FC236}">
+                <a16:creationId xmlns:a16="http://schemas.microsoft.com/office/drawing/2014/main" id="{CBDD11A5-2E01-184D-BD1E-A463CF0970BD}"/>
+              </a:ext>
+            </a:extLst>
+          </p:cNvPr>
+          <p:cNvCxnSpPr>
+            <a:cxnSpLocks/>
+          </p:cNvCxnSpPr>
+          <p:nvPr/>
+        </p:nvCxnSpPr>
+        <p:spPr>
+          <a:xfrm>
+            <a:off x="8368186" y="2569613"/>
+            <a:ext cx="720371" cy="0"/>
+          </a:xfrm>
+          <a:prstGeom prst="straightConnector1">
+            <a:avLst/>
+          </a:prstGeom>
+          <a:ln w="9525">
+            <a:solidFill>
+              <a:schemeClr val="tx1"/>
+            </a:solidFill>
+            <a:headEnd type="none" w="med" len="med"/>
+            <a:tailEnd type="arrow" w="med" len="med"/>
+          </a:ln>
+        </p:spPr>
+        <p:style>
+          <a:lnRef idx="1">
+            <a:schemeClr val="accent1"/>
+          </a:lnRef>
+          <a:fillRef idx="0">
+            <a:schemeClr val="accent1"/>
+          </a:fillRef>
+          <a:effectRef idx="0">
+            <a:schemeClr val="accent1"/>
+          </a:effectRef>
+          <a:fontRef idx="minor">
+            <a:schemeClr val="tx1"/>
+          </a:fontRef>
+        </p:style>
+      </p:cxnSp>
+      <p:cxnSp>
+        <p:nvCxnSpPr>
+          <p:cNvPr id="197" name="直線矢印コネクタ 196">
+            <a:extLst>
+              <a:ext uri="{FF2B5EF4-FFF2-40B4-BE49-F238E27FC236}">
+                <a16:creationId xmlns:a16="http://schemas.microsoft.com/office/drawing/2014/main" id="{5A76DD16-E186-9446-80E0-5BB3F6A9B137}"/>
+              </a:ext>
+            </a:extLst>
+          </p:cNvPr>
+          <p:cNvCxnSpPr>
+            <a:cxnSpLocks/>
+          </p:cNvCxnSpPr>
+          <p:nvPr/>
+        </p:nvCxnSpPr>
+        <p:spPr>
+          <a:xfrm>
+            <a:off x="8368186" y="3722752"/>
+            <a:ext cx="720371" cy="0"/>
+          </a:xfrm>
+          <a:prstGeom prst="straightConnector1">
+            <a:avLst/>
+          </a:prstGeom>
+          <a:ln w="9525">
+            <a:solidFill>
+              <a:schemeClr val="tx1"/>
+            </a:solidFill>
+            <a:headEnd type="none" w="med" len="med"/>
+            <a:tailEnd type="arrow" w="med" len="med"/>
+          </a:ln>
+        </p:spPr>
+        <p:style>
+          <a:lnRef idx="1">
+            <a:schemeClr val="accent1"/>
+          </a:lnRef>
+          <a:fillRef idx="0">
+            <a:schemeClr val="accent1"/>
+          </a:fillRef>
+          <a:effectRef idx="0">
+            <a:schemeClr val="accent1"/>
+          </a:effectRef>
+          <a:fontRef idx="minor">
+            <a:schemeClr val="tx1"/>
+          </a:fontRef>
+        </p:style>
+      </p:cxnSp>
+      <p:cxnSp>
+        <p:nvCxnSpPr>
+          <p:cNvPr id="198" name="直線矢印コネクタ 197">
+            <a:extLst>
+              <a:ext uri="{FF2B5EF4-FFF2-40B4-BE49-F238E27FC236}">
+                <a16:creationId xmlns:a16="http://schemas.microsoft.com/office/drawing/2014/main" id="{1767F71C-CF7E-E240-91B1-EA42C73638C7}"/>
+              </a:ext>
+            </a:extLst>
+          </p:cNvPr>
+          <p:cNvCxnSpPr>
+            <a:cxnSpLocks/>
+          </p:cNvCxnSpPr>
+          <p:nvPr/>
+        </p:nvCxnSpPr>
+        <p:spPr>
+          <a:xfrm>
+            <a:off x="8368186" y="4995888"/>
+            <a:ext cx="720371" cy="0"/>
+          </a:xfrm>
+          <a:prstGeom prst="straightConnector1">
+            <a:avLst/>
+          </a:prstGeom>
+          <a:ln w="9525">
+            <a:solidFill>
+              <a:schemeClr val="tx1"/>
+            </a:solidFill>
+            <a:headEnd type="none" w="med" len="med"/>
+            <a:tailEnd type="arrow" w="med" len="med"/>
+          </a:ln>
+        </p:spPr>
+        <p:style>
+          <a:lnRef idx="1">
+            <a:schemeClr val="accent1"/>
+          </a:lnRef>
+          <a:fillRef idx="0">
+            <a:schemeClr val="accent1"/>
+          </a:fillRef>
+          <a:effectRef idx="0">
+            <a:schemeClr val="accent1"/>
+          </a:effectRef>
+          <a:fontRef idx="minor">
+            <a:schemeClr val="tx1"/>
+          </a:fontRef>
+        </p:style>
+      </p:cxnSp>
+      <p:cxnSp>
+        <p:nvCxnSpPr>
+          <p:cNvPr id="199" name="直線矢印コネクタ 198">
+            <a:extLst>
+              <a:ext uri="{FF2B5EF4-FFF2-40B4-BE49-F238E27FC236}">
+                <a16:creationId xmlns:a16="http://schemas.microsoft.com/office/drawing/2014/main" id="{715BAE63-5D5E-1D4C-A4D5-19E24FED3BE5}"/>
+              </a:ext>
+            </a:extLst>
+          </p:cNvPr>
+          <p:cNvCxnSpPr>
+            <a:cxnSpLocks/>
+          </p:cNvCxnSpPr>
+          <p:nvPr/>
+        </p:nvCxnSpPr>
+        <p:spPr>
+          <a:xfrm>
+            <a:off x="4247742" y="2569613"/>
+            <a:ext cx="527051" cy="0"/>
+          </a:xfrm>
+          <a:prstGeom prst="straightConnector1">
+            <a:avLst/>
+          </a:prstGeom>
+          <a:ln w="9525">
+            <a:solidFill>
+              <a:schemeClr val="tx1"/>
+            </a:solidFill>
+            <a:headEnd type="none" w="med" len="med"/>
+            <a:tailEnd type="arrow" w="med" len="med"/>
+          </a:ln>
+        </p:spPr>
+        <p:style>
+          <a:lnRef idx="1">
+            <a:schemeClr val="accent1"/>
+          </a:lnRef>
+          <a:fillRef idx="0">
+            <a:schemeClr val="accent1"/>
+          </a:fillRef>
+          <a:effectRef idx="0">
+            <a:schemeClr val="accent1"/>
+          </a:effectRef>
+          <a:fontRef idx="minor">
+            <a:schemeClr val="tx1"/>
+          </a:fontRef>
+        </p:style>
+      </p:cxnSp>
+      <p:cxnSp>
+        <p:nvCxnSpPr>
+          <p:cNvPr id="200" name="直線矢印コネクタ 199">
+            <a:extLst>
+              <a:ext uri="{FF2B5EF4-FFF2-40B4-BE49-F238E27FC236}">
+                <a16:creationId xmlns:a16="http://schemas.microsoft.com/office/drawing/2014/main" id="{082856E2-6C30-1043-A4D5-78C4C83662D2}"/>
+              </a:ext>
+            </a:extLst>
+          </p:cNvPr>
+          <p:cNvCxnSpPr>
+            <a:cxnSpLocks/>
+          </p:cNvCxnSpPr>
+          <p:nvPr/>
+        </p:nvCxnSpPr>
+        <p:spPr>
+          <a:xfrm>
+            <a:off x="4247742" y="4995888"/>
+            <a:ext cx="527051" cy="0"/>
+          </a:xfrm>
+          <a:prstGeom prst="straightConnector1">
+            <a:avLst/>
+          </a:prstGeom>
+          <a:ln w="9525">
+            <a:solidFill>
+              <a:schemeClr val="tx1"/>
+            </a:solidFill>
+            <a:headEnd type="none" w="med" len="med"/>
+            <a:tailEnd type="arrow" w="med" len="med"/>
+          </a:ln>
+        </p:spPr>
+        <p:style>
+          <a:lnRef idx="1">
+            <a:schemeClr val="accent1"/>
+          </a:lnRef>
+          <a:fillRef idx="0">
+            <a:schemeClr val="accent1"/>
+          </a:fillRef>
+          <a:effectRef idx="0">
+            <a:schemeClr val="accent1"/>
+          </a:effectRef>
+          <a:fontRef idx="minor">
+            <a:schemeClr val="tx1"/>
+          </a:fontRef>
+        </p:style>
+      </p:cxnSp>
+      <p:sp>
+        <p:nvSpPr>
+          <p:cNvPr id="203" name="テキスト ボックス 202">
+            <a:extLst>
+              <a:ext uri="{FF2B5EF4-FFF2-40B4-BE49-F238E27FC236}">
+                <a16:creationId xmlns:a16="http://schemas.microsoft.com/office/drawing/2014/main" id="{C7F7B146-662A-A948-A91C-1C904DCD34F5}"/>
+              </a:ext>
+            </a:extLst>
+          </p:cNvPr>
+          <p:cNvSpPr txBox="1"/>
+          <p:nvPr/>
+        </p:nvSpPr>
+        <p:spPr>
+          <a:xfrm>
+            <a:off x="7021936" y="3334397"/>
+            <a:ext cx="1207912" cy="296879"/>
+          </a:xfrm>
+          <a:prstGeom prst="rect">
+            <a:avLst/>
+          </a:prstGeom>
+          <a:noFill/>
+        </p:spPr>
+        <p:txBody>
+          <a:bodyPr wrap="square" rtlCol="0">
+            <a:noAutofit/>
+          </a:bodyPr>
+          <a:lstStyle/>
+          <a:p>
+            <a:pPr algn="ctr"/>
+            <a:r>
+              <a:rPr kumimoji="1" lang="en-US" altLang="ja-JP" sz="1200" dirty="0"/>
+              <a:t>Earn Tokens</a:t>
+            </a:r>
+            <a:endParaRPr kumimoji="1" lang="ja-JP" altLang="en-US" sz="1200"/>
+          </a:p>
+        </p:txBody>
+      </p:sp>
+      <p:sp>
+        <p:nvSpPr>
+          <p:cNvPr id="204" name="テキスト ボックス 203">
+            <a:extLst>
+              <a:ext uri="{FF2B5EF4-FFF2-40B4-BE49-F238E27FC236}">
+                <a16:creationId xmlns:a16="http://schemas.microsoft.com/office/drawing/2014/main" id="{8157A915-702C-FE4A-8838-E36EEF6EA2D2}"/>
+              </a:ext>
+            </a:extLst>
+          </p:cNvPr>
+          <p:cNvSpPr txBox="1"/>
+          <p:nvPr/>
+        </p:nvSpPr>
+        <p:spPr>
+          <a:xfrm>
+            <a:off x="7021936" y="5123731"/>
+            <a:ext cx="1207912" cy="440415"/>
+          </a:xfrm>
+          <a:prstGeom prst="rect">
+            <a:avLst/>
+          </a:prstGeom>
+          <a:noFill/>
+        </p:spPr>
+        <p:txBody>
+          <a:bodyPr wrap="none" rtlCol="0">
+            <a:noAutofit/>
+          </a:bodyPr>
+          <a:lstStyle/>
+          <a:p>
+            <a:pPr algn="ctr"/>
+            <a:r>
+              <a:rPr kumimoji="1" lang="en-US" altLang="ja-JP" sz="1200" dirty="0"/>
+              <a:t>Earn</a:t>
+            </a:r>
+          </a:p>
+          <a:p>
+            <a:pPr algn="ctr"/>
+            <a:r>
+              <a:rPr kumimoji="1" lang="en-US" altLang="ja-JP" sz="1200" dirty="0"/>
+              <a:t>Governance</a:t>
+            </a:r>
+            <a:r>
+              <a:rPr kumimoji="1" lang="ja-JP" altLang="en-US" sz="1200"/>
+              <a:t> </a:t>
+            </a:r>
+            <a:r>
+              <a:rPr kumimoji="1" lang="en-US" altLang="ja-JP" sz="1200" dirty="0"/>
+              <a:t>Token</a:t>
+            </a:r>
+            <a:endParaRPr kumimoji="1" lang="ja-JP" altLang="en-US" sz="1200"/>
+          </a:p>
+        </p:txBody>
+      </p:sp>
+      <p:pic>
+        <p:nvPicPr>
+          <p:cNvPr id="205" name="Picture 6">
+            <a:extLst>
+              <a:ext uri="{FF2B5EF4-FFF2-40B4-BE49-F238E27FC236}">
+                <a16:creationId xmlns:a16="http://schemas.microsoft.com/office/drawing/2014/main" id="{F2789A5E-1A68-F14F-9437-50B4C85EF675}"/>
+              </a:ext>
+            </a:extLst>
+          </p:cNvPr>
+          <p:cNvPicPr>
+            <a:picLocks noChangeAspect="1" noChangeArrowheads="1"/>
+          </p:cNvPicPr>
+          <p:nvPr/>
+        </p:nvPicPr>
+        <p:blipFill>
+          <a:blip r:embed="rId13" cstate="screen">
+            <a:extLst>
+              <a:ext uri="{28A0092B-C50C-407E-A947-70E740481C1C}">
+                <a14:useLocalDpi xmlns:a14="http://schemas.microsoft.com/office/drawing/2010/main"/>
+              </a:ext>
+            </a:extLst>
+          </a:blip>
+          <a:srcRect/>
+          <a:stretch>
+            <a:fillRect/>
+          </a:stretch>
+        </p:blipFill>
+        <p:spPr bwMode="auto">
+          <a:xfrm>
+            <a:off x="9983825" y="605326"/>
+            <a:ext cx="223732" cy="223732"/>
+          </a:xfrm>
+          <a:prstGeom prst="rect">
+            <a:avLst/>
+          </a:prstGeom>
+          <a:noFill/>
+          <a:extLst>
+            <a:ext uri="{909E8E84-426E-40DD-AFC4-6F175D3DCCD1}">
+              <a14:hiddenFill xmlns:a14="http://schemas.microsoft.com/office/drawing/2010/main">
+                <a:solidFill>
+                  <a:srgbClr val="FFFFFF"/>
+                </a:solidFill>
+              </a14:hiddenFill>
+            </a:ext>
+          </a:extLst>
+        </p:spPr>
+      </p:pic>
+      <p:sp>
+        <p:nvSpPr>
+          <p:cNvPr id="193" name="テキスト ボックス 192">
+            <a:extLst>
+              <a:ext uri="{FF2B5EF4-FFF2-40B4-BE49-F238E27FC236}">
+                <a16:creationId xmlns:a16="http://schemas.microsoft.com/office/drawing/2014/main" id="{586F80B9-F0DD-8B42-A023-5393965C18E6}"/>
+              </a:ext>
+            </a:extLst>
+          </p:cNvPr>
+          <p:cNvSpPr txBox="1"/>
+          <p:nvPr/>
+        </p:nvSpPr>
+        <p:spPr>
+          <a:xfrm>
+            <a:off x="10207557" y="595169"/>
+            <a:ext cx="1535289" cy="253916"/>
+          </a:xfrm>
+          <a:prstGeom prst="rect">
+            <a:avLst/>
+          </a:prstGeom>
+          <a:noFill/>
+        </p:spPr>
+        <p:txBody>
+          <a:bodyPr wrap="square" rtlCol="0">
+            <a:spAutoFit/>
+          </a:bodyPr>
+          <a:lstStyle/>
+          <a:p>
+            <a:r>
+              <a:rPr kumimoji="1" lang="en-US" altLang="ja-JP" sz="1050" dirty="0"/>
+              <a:t>RAY, Governance Token</a:t>
+            </a:r>
+            <a:endParaRPr kumimoji="1" lang="ja-JP" altLang="en-US" sz="1050"/>
+          </a:p>
+        </p:txBody>
+      </p:sp>
+      <p:pic>
+        <p:nvPicPr>
+          <p:cNvPr id="196" name="図 195">
+            <a:extLst>
+              <a:ext uri="{FF2B5EF4-FFF2-40B4-BE49-F238E27FC236}">
+                <a16:creationId xmlns:a16="http://schemas.microsoft.com/office/drawing/2014/main" id="{3056E2C0-D54D-C342-8F6F-DA97C0B1DAD1}"/>
+              </a:ext>
+            </a:extLst>
+          </p:cNvPr>
+          <p:cNvPicPr>
+            <a:picLocks noChangeAspect="1"/>
+          </p:cNvPicPr>
+          <p:nvPr/>
+        </p:nvPicPr>
+        <p:blipFill>
+          <a:blip r:embed="rId14" cstate="screen">
+            <a:extLst>
+              <a:ext uri="{28A0092B-C50C-407E-A947-70E740481C1C}">
+                <a14:useLocalDpi xmlns:a14="http://schemas.microsoft.com/office/drawing/2010/main"/>
+              </a:ext>
+            </a:extLst>
+          </a:blip>
+          <a:stretch>
+            <a:fillRect/>
+          </a:stretch>
+        </p:blipFill>
+        <p:spPr>
+          <a:xfrm>
+            <a:off x="785051" y="3573124"/>
+            <a:ext cx="890177" cy="296726"/>
+          </a:xfrm>
+          <a:prstGeom prst="rect">
+            <a:avLst/>
+          </a:prstGeom>
+        </p:spPr>
+      </p:pic>
+      <p:sp>
+        <p:nvSpPr>
+          <p:cNvPr id="201" name="テキスト ボックス 200">
+            <a:extLst>
+              <a:ext uri="{FF2B5EF4-FFF2-40B4-BE49-F238E27FC236}">
+                <a16:creationId xmlns:a16="http://schemas.microsoft.com/office/drawing/2014/main" id="{2F4BAA98-98DA-294B-B780-F13219007C94}"/>
+              </a:ext>
+            </a:extLst>
+          </p:cNvPr>
+          <p:cNvSpPr txBox="1"/>
+          <p:nvPr/>
+        </p:nvSpPr>
+        <p:spPr>
+          <a:xfrm>
+            <a:off x="1305792" y="2431113"/>
+            <a:ext cx="954771" cy="276999"/>
+          </a:xfrm>
+          <a:prstGeom prst="rect">
+            <a:avLst/>
+          </a:prstGeom>
+          <a:noFill/>
+        </p:spPr>
+        <p:txBody>
+          <a:bodyPr wrap="square" rtlCol="0">
+            <a:spAutoFit/>
+          </a:bodyPr>
+          <a:lstStyle/>
+          <a:p>
+            <a:r>
+              <a:rPr kumimoji="1" lang="en-US" altLang="ja-JP" sz="1200" dirty="0"/>
+              <a:t>Send ETH</a:t>
+            </a:r>
+            <a:endParaRPr kumimoji="1" lang="ja-JP" altLang="en-US" sz="1200"/>
+          </a:p>
+        </p:txBody>
+      </p:sp>
+      <p:sp>
+        <p:nvSpPr>
+          <p:cNvPr id="209" name="テキスト ボックス 208">
+            <a:extLst>
+              <a:ext uri="{FF2B5EF4-FFF2-40B4-BE49-F238E27FC236}">
+                <a16:creationId xmlns:a16="http://schemas.microsoft.com/office/drawing/2014/main" id="{A6BD4541-44F3-3E45-9C5A-B151CBEBFA64}"/>
+              </a:ext>
+            </a:extLst>
+          </p:cNvPr>
+          <p:cNvSpPr txBox="1"/>
+          <p:nvPr/>
+        </p:nvSpPr>
+        <p:spPr>
+          <a:xfrm>
+            <a:off x="1305792" y="4617481"/>
+            <a:ext cx="954771" cy="276999"/>
+          </a:xfrm>
+          <a:prstGeom prst="rect">
+            <a:avLst/>
+          </a:prstGeom>
+          <a:noFill/>
+        </p:spPr>
+        <p:txBody>
+          <a:bodyPr wrap="square" rtlCol="0">
+            <a:spAutoFit/>
+          </a:bodyPr>
+          <a:lstStyle/>
+          <a:p>
+            <a:r>
+              <a:rPr kumimoji="1" lang="en-US" altLang="ja-JP" sz="1200" dirty="0"/>
+              <a:t>Send SOL</a:t>
+            </a:r>
+            <a:endParaRPr kumimoji="1" lang="ja-JP" altLang="en-US" sz="1200"/>
+          </a:p>
+        </p:txBody>
+      </p:sp>
+      <p:grpSp>
+        <p:nvGrpSpPr>
+          <p:cNvPr id="202" name="グループ化 201">
+            <a:extLst>
+              <a:ext uri="{FF2B5EF4-FFF2-40B4-BE49-F238E27FC236}">
+                <a16:creationId xmlns:a16="http://schemas.microsoft.com/office/drawing/2014/main" id="{49148B6B-CCA0-6F49-98AF-77BC687FE056}"/>
+              </a:ext>
+            </a:extLst>
+          </p:cNvPr>
+          <p:cNvGrpSpPr/>
+          <p:nvPr/>
+        </p:nvGrpSpPr>
+        <p:grpSpPr>
+          <a:xfrm>
+            <a:off x="1005646" y="3872670"/>
+            <a:ext cx="535819" cy="222284"/>
+            <a:chOff x="-395916" y="4553616"/>
+            <a:chExt cx="939347" cy="389687"/>
+          </a:xfrm>
+        </p:grpSpPr>
+        <p:pic>
+          <p:nvPicPr>
+            <p:cNvPr id="65" name="図 64">
+              <a:extLst>
+                <a:ext uri="{FF2B5EF4-FFF2-40B4-BE49-F238E27FC236}">
+                  <a16:creationId xmlns:a16="http://schemas.microsoft.com/office/drawing/2014/main" id="{9A83B746-E119-3B4C-BEF4-B7EB6AF2040F}"/>
+                </a:ext>
+              </a:extLst>
+            </p:cNvPr>
+            <p:cNvPicPr>
+              <a:picLocks noChangeAspect="1"/>
+            </p:cNvPicPr>
+            <p:nvPr/>
+          </p:nvPicPr>
+          <p:blipFill>
+            <a:blip r:embed="rId3" cstate="screen">
+              <a:extLst>
+                <a:ext uri="{28A0092B-C50C-407E-A947-70E740481C1C}">
+                  <a14:useLocalDpi xmlns:a14="http://schemas.microsoft.com/office/drawing/2010/main"/>
+                </a:ext>
+              </a:extLst>
+            </a:blip>
+            <a:stretch>
+              <a:fillRect/>
+            </a:stretch>
+          </p:blipFill>
+          <p:spPr>
+            <a:xfrm>
+              <a:off x="211346" y="4609864"/>
+              <a:ext cx="332085" cy="292234"/>
+            </a:xfrm>
+            <a:prstGeom prst="rect">
+              <a:avLst/>
+            </a:prstGeom>
+          </p:spPr>
+        </p:pic>
+        <p:cxnSp>
+          <p:nvCxnSpPr>
+            <p:cNvPr id="75" name="直線矢印コネクタ 74">
+              <a:extLst>
+                <a:ext uri="{FF2B5EF4-FFF2-40B4-BE49-F238E27FC236}">
+                  <a16:creationId xmlns:a16="http://schemas.microsoft.com/office/drawing/2014/main" id="{27454B2C-4D65-4A4E-A0E6-C43C8C8B2A7D}"/>
+                </a:ext>
+              </a:extLst>
+            </p:cNvPr>
+            <p:cNvCxnSpPr>
+              <a:cxnSpLocks/>
+            </p:cNvCxnSpPr>
+            <p:nvPr/>
+          </p:nvCxnSpPr>
+          <p:spPr>
+            <a:xfrm>
+              <a:off x="-103388" y="4760027"/>
+              <a:ext cx="264532" cy="0"/>
+            </a:xfrm>
+            <a:prstGeom prst="straightConnector1">
+              <a:avLst/>
+            </a:prstGeom>
+            <a:ln>
+              <a:solidFill>
+                <a:schemeClr val="tx1"/>
+              </a:solidFill>
+              <a:headEnd type="none" w="med" len="med"/>
+              <a:tailEnd type="arrow" w="med" len="med"/>
+            </a:ln>
+          </p:spPr>
+          <p:style>
+            <a:lnRef idx="1">
+              <a:schemeClr val="accent1"/>
+            </a:lnRef>
+            <a:fillRef idx="0">
+              <a:schemeClr val="accent1"/>
+            </a:fillRef>
+            <a:effectRef idx="0">
+              <a:schemeClr val="accent1"/>
+            </a:effectRef>
+            <a:fontRef idx="minor">
+              <a:schemeClr val="tx1"/>
+            </a:fontRef>
+          </p:style>
+        </p:cxnSp>
+        <p:pic>
+          <p:nvPicPr>
+            <p:cNvPr id="194" name="図 193">
+              <a:extLst>
+                <a:ext uri="{FF2B5EF4-FFF2-40B4-BE49-F238E27FC236}">
+                  <a16:creationId xmlns:a16="http://schemas.microsoft.com/office/drawing/2014/main" id="{ABCFCC73-E3B1-D847-9A64-E0549735C036}"/>
+                </a:ext>
+              </a:extLst>
+            </p:cNvPr>
+            <p:cNvPicPr>
+              <a:picLocks noChangeAspect="1"/>
+            </p:cNvPicPr>
+            <p:nvPr/>
+          </p:nvPicPr>
+          <p:blipFill>
+            <a:blip r:embed="rId12" cstate="screen">
+              <a:extLst>
+                <a:ext uri="{28A0092B-C50C-407E-A947-70E740481C1C}">
+                  <a14:useLocalDpi xmlns:a14="http://schemas.microsoft.com/office/drawing/2010/main"/>
+                </a:ext>
+              </a:extLst>
+            </a:blip>
+            <a:stretch>
+              <a:fillRect/>
+            </a:stretch>
+          </p:blipFill>
+          <p:spPr>
+            <a:xfrm>
+              <a:off x="-395916" y="4553616"/>
+              <a:ext cx="244946" cy="389687"/>
+            </a:xfrm>
+            <a:prstGeom prst="rect">
+              <a:avLst/>
+            </a:prstGeom>
+          </p:spPr>
+        </p:pic>
+      </p:grpSp>
+      <p:pic>
+        <p:nvPicPr>
+          <p:cNvPr id="214" name="図 213">
+            <a:extLst>
+              <a:ext uri="{FF2B5EF4-FFF2-40B4-BE49-F238E27FC236}">
+                <a16:creationId xmlns:a16="http://schemas.microsoft.com/office/drawing/2014/main" id="{A82A57B6-8D18-334D-A555-8C124ABDBDF6}"/>
+              </a:ext>
+            </a:extLst>
+          </p:cNvPr>
+          <p:cNvPicPr>
+            <a:picLocks noChangeAspect="1"/>
+          </p:cNvPicPr>
+          <p:nvPr/>
+        </p:nvPicPr>
+        <p:blipFill>
+          <a:blip r:embed="rId7" cstate="screen">
+            <a:extLst>
+              <a:ext uri="{28A0092B-C50C-407E-A947-70E740481C1C}">
+                <a14:useLocalDpi xmlns:a14="http://schemas.microsoft.com/office/drawing/2010/main"/>
+              </a:ext>
+            </a:extLst>
+          </a:blip>
+          <a:stretch>
+            <a:fillRect/>
+          </a:stretch>
+        </p:blipFill>
+        <p:spPr>
+          <a:xfrm>
+            <a:off x="2060918" y="5348826"/>
+            <a:ext cx="224200" cy="197295"/>
+          </a:xfrm>
+          <a:prstGeom prst="rect">
+            <a:avLst/>
+          </a:prstGeom>
+        </p:spPr>
+      </p:pic>
+    </p:spTree>
+    <p:extLst>
+      <p:ext uri="{BB962C8B-B14F-4D97-AF65-F5344CB8AC3E}">
+        <p14:creationId xmlns:p14="http://schemas.microsoft.com/office/powerpoint/2010/main" val="3606300659"/>
+      </p:ext>
+    </p:extLst>
+  </p:cSld>
+  <p:clrMapOvr>
+    <a:masterClrMapping/>
+  </p:clrMapOvr>
+</p:sld>
+</file>
+
+<file path=ppt/slides/slide3.xml><?xml version="1.0" encoding="utf-8"?>
+<p:sld xmlns:a="http://schemas.openxmlformats.org/drawingml/2006/main" xmlns:r="http://schemas.openxmlformats.org/officeDocument/2006/relationships" xmlns:p="http://schemas.openxmlformats.org/presentationml/2006/main">
+  <p:cSld>
+    <p:spTree>
+      <p:nvGrpSpPr>
+        <p:cNvPr id="1" name=""/>
+        <p:cNvGrpSpPr/>
+        <p:nvPr/>
+      </p:nvGrpSpPr>
+      <p:grpSpPr>
+        <a:xfrm>
+          <a:off x="0" y="0"/>
+          <a:ext cx="0" cy="0"/>
+          <a:chOff x="0" y="0"/>
+          <a:chExt cx="0" cy="0"/>
+        </a:xfrm>
+      </p:grpSpPr>
+      <p:sp>
+        <p:nvSpPr>
+          <p:cNvPr id="63" name="正方形/長方形 62">
+            <a:extLst>
+              <a:ext uri="{FF2B5EF4-FFF2-40B4-BE49-F238E27FC236}">
+                <a16:creationId xmlns:a16="http://schemas.microsoft.com/office/drawing/2014/main" id="{6B9C222C-C515-D84E-828C-28DA7E7A578F}"/>
+              </a:ext>
+            </a:extLst>
+          </p:cNvPr>
+          <p:cNvSpPr/>
+          <p:nvPr/>
+        </p:nvSpPr>
+        <p:spPr>
+          <a:xfrm>
+            <a:off x="266433" y="1106746"/>
+            <a:ext cx="1886247" cy="4496123"/>
+          </a:xfrm>
+          <a:prstGeom prst="rect">
+            <a:avLst/>
+          </a:prstGeom>
+          <a:solidFill>
+            <a:schemeClr val="bg1">
+              <a:lumMod val="95000"/>
+            </a:schemeClr>
+          </a:solidFill>
+          <a:ln>
+            <a:noFill/>
+          </a:ln>
+        </p:spPr>
+        <p:style>
+          <a:lnRef idx="2">
+            <a:schemeClr val="accent1">
+              <a:shade val="50000"/>
+            </a:schemeClr>
+          </a:lnRef>
+          <a:fillRef idx="1">
+            <a:schemeClr val="accent1"/>
+          </a:fillRef>
+          <a:effectRef idx="0">
+            <a:schemeClr val="accent1"/>
+          </a:effectRef>
+          <a:fontRef idx="minor">
+            <a:schemeClr val="lt1"/>
+          </a:fontRef>
+        </p:style>
+        <p:txBody>
+          <a:bodyPr wrap="none" rtlCol="0" anchor="t"/>
+          <a:lstStyle/>
+          <a:p>
+            <a:pPr algn="ctr"/>
+            <a:r>
+              <a:rPr kumimoji="1" lang="en-US" altLang="ja-JP" sz="1400" dirty="0">
+                <a:solidFill>
+                  <a:schemeClr val="tx1"/>
+                </a:solidFill>
+              </a:rPr>
+              <a:t>Web3 Team</a:t>
+            </a:r>
+          </a:p>
+        </p:txBody>
+      </p:sp>
+      <p:sp>
+        <p:nvSpPr>
+          <p:cNvPr id="34" name="正方形/長方形 33">
+            <a:extLst>
+              <a:ext uri="{FF2B5EF4-FFF2-40B4-BE49-F238E27FC236}">
+                <a16:creationId xmlns:a16="http://schemas.microsoft.com/office/drawing/2014/main" id="{3F98FBF3-F682-DC42-A30E-01295992F413}"/>
+              </a:ext>
+            </a:extLst>
+          </p:cNvPr>
+          <p:cNvSpPr/>
+          <p:nvPr/>
+        </p:nvSpPr>
+        <p:spPr>
+          <a:xfrm>
+            <a:off x="3093157" y="3429000"/>
+            <a:ext cx="6095297" cy="2173869"/>
+          </a:xfrm>
+          <a:prstGeom prst="rect">
+            <a:avLst/>
+          </a:prstGeom>
+          <a:solidFill>
+            <a:schemeClr val="bg1">
+              <a:lumMod val="95000"/>
+            </a:schemeClr>
+          </a:solidFill>
+          <a:ln>
+            <a:noFill/>
+          </a:ln>
+        </p:spPr>
+        <p:style>
+          <a:lnRef idx="2">
+            <a:schemeClr val="accent1">
+              <a:shade val="50000"/>
+            </a:schemeClr>
+          </a:lnRef>
+          <a:fillRef idx="1">
+            <a:schemeClr val="accent1"/>
+          </a:fillRef>
+          <a:effectRef idx="0">
+            <a:schemeClr val="accent1"/>
+          </a:effectRef>
+          <a:fontRef idx="minor">
+            <a:schemeClr val="lt1"/>
+          </a:fontRef>
+        </p:style>
+        <p:txBody>
+          <a:bodyPr wrap="none" rtlCol="0" anchor="t"/>
+          <a:lstStyle/>
+          <a:p>
+            <a:pPr algn="ctr"/>
+            <a:r>
+              <a:rPr kumimoji="1" lang="en-US" altLang="ja-JP" sz="1400" dirty="0">
+                <a:solidFill>
+                  <a:schemeClr val="tx1"/>
+                </a:solidFill>
+              </a:rPr>
+              <a:t>AMM (</a:t>
+            </a:r>
+            <a:r>
+              <a:rPr kumimoji="1" lang="en-US" altLang="ja-JP" sz="1400" dirty="0" err="1">
+                <a:solidFill>
+                  <a:schemeClr val="tx1"/>
+                </a:solidFill>
+              </a:rPr>
+              <a:t>Raydium</a:t>
+            </a:r>
+            <a:r>
+              <a:rPr kumimoji="1" lang="en-US" altLang="ja-JP" sz="1400" dirty="0">
+                <a:solidFill>
+                  <a:schemeClr val="tx1"/>
+                </a:solidFill>
+              </a:rPr>
+              <a:t>)</a:t>
+            </a:r>
+          </a:p>
+        </p:txBody>
+      </p:sp>
+      <p:sp>
+        <p:nvSpPr>
+          <p:cNvPr id="2" name="タイトル 1">
+            <a:extLst>
+              <a:ext uri="{FF2B5EF4-FFF2-40B4-BE49-F238E27FC236}">
+                <a16:creationId xmlns:a16="http://schemas.microsoft.com/office/drawing/2014/main" id="{4D25E808-40E1-3146-817B-A2C8E62D3DEE}"/>
+              </a:ext>
+            </a:extLst>
+          </p:cNvPr>
+          <p:cNvSpPr>
+            <a:spLocks noGrp="1"/>
+          </p:cNvSpPr>
+          <p:nvPr>
+            <p:ph type="title"/>
+          </p:nvPr>
+        </p:nvSpPr>
+        <p:spPr/>
+        <p:txBody>
+          <a:bodyPr/>
+          <a:lstStyle/>
+          <a:p>
+            <a:r>
+              <a:rPr kumimoji="1" lang="en-US" altLang="ja-JP" dirty="0"/>
+              <a:t>List Token on Market - Outline Figure (Draft)</a:t>
+            </a:r>
+            <a:endParaRPr kumimoji="1" lang="ja-JP" altLang="en-US"/>
+          </a:p>
+        </p:txBody>
+      </p:sp>
+      <p:sp>
+        <p:nvSpPr>
+          <p:cNvPr id="4" name="フッター プレースホルダー 3">
+            <a:extLst>
+              <a:ext uri="{FF2B5EF4-FFF2-40B4-BE49-F238E27FC236}">
+                <a16:creationId xmlns:a16="http://schemas.microsoft.com/office/drawing/2014/main" id="{87D40248-A2B8-4A42-90A7-641A3EA89C87}"/>
+              </a:ext>
+            </a:extLst>
+          </p:cNvPr>
+          <p:cNvSpPr>
+            <a:spLocks noGrp="1"/>
+          </p:cNvSpPr>
+          <p:nvPr>
+            <p:ph type="ftr" sz="quarter" idx="11"/>
+          </p:nvPr>
+        </p:nvSpPr>
+        <p:spPr/>
+        <p:txBody>
+          <a:bodyPr/>
+          <a:lstStyle/>
+          <a:p>
+            <a:r>
+              <a:rPr kumimoji="1" lang="en-US" altLang="ja-JP" dirty="0"/>
+              <a:t>256hax</a:t>
+            </a:r>
+            <a:endParaRPr kumimoji="1" lang="ja-JP" altLang="en-US"/>
+          </a:p>
+        </p:txBody>
+      </p:sp>
+      <p:sp>
+        <p:nvSpPr>
           <p:cNvPr id="5" name="スライド番号プレースホルダー 4">
             <a:extLst>
               <a:ext uri="{FF2B5EF4-FFF2-40B4-BE49-F238E27FC236}">
-                <a16:creationId xmlns:a16="http://schemas.microsoft.com/office/drawing/2014/main" id="{C519304D-DB9E-0848-9482-0874A773055B}"/>
+                <a16:creationId xmlns:a16="http://schemas.microsoft.com/office/drawing/2014/main" id="{486F8565-CD4E-1C4E-8C62-ADBFEF642BBF}"/>
               </a:ext>
             </a:extLst>
           </p:cNvPr>
@@ -3919,7 +7396,2051 @@
           <a:p>
             <a:fld id="{51BE5F08-58E8-9243-A834-2B76637F595D}" type="slidenum">
               <a:rPr kumimoji="1" lang="ja-JP" altLang="en-US" smtClean="0"/>
-              <a:t>1</a:t>
+              <a:t>2</a:t>
+            </a:fld>
+            <a:endParaRPr kumimoji="1" lang="ja-JP" altLang="en-US"/>
+          </a:p>
+        </p:txBody>
+      </p:sp>
+      <p:sp>
+        <p:nvSpPr>
+          <p:cNvPr id="6" name="正方形/長方形 5">
+            <a:extLst>
+              <a:ext uri="{FF2B5EF4-FFF2-40B4-BE49-F238E27FC236}">
+                <a16:creationId xmlns:a16="http://schemas.microsoft.com/office/drawing/2014/main" id="{988ED6CC-4ACA-8840-AD57-7A58F2CA6D83}"/>
+              </a:ext>
+            </a:extLst>
+          </p:cNvPr>
+          <p:cNvSpPr/>
+          <p:nvPr/>
+        </p:nvSpPr>
+        <p:spPr>
+          <a:xfrm>
+            <a:off x="3093157" y="1106746"/>
+            <a:ext cx="6095296" cy="2173869"/>
+          </a:xfrm>
+          <a:prstGeom prst="rect">
+            <a:avLst/>
+          </a:prstGeom>
+          <a:solidFill>
+            <a:schemeClr val="bg1">
+              <a:lumMod val="95000"/>
+            </a:schemeClr>
+          </a:solidFill>
+          <a:ln>
+            <a:noFill/>
+          </a:ln>
+        </p:spPr>
+        <p:style>
+          <a:lnRef idx="2">
+            <a:schemeClr val="accent1">
+              <a:shade val="50000"/>
+            </a:schemeClr>
+          </a:lnRef>
+          <a:fillRef idx="1">
+            <a:schemeClr val="accent1"/>
+          </a:fillRef>
+          <a:effectRef idx="0">
+            <a:schemeClr val="accent1"/>
+          </a:effectRef>
+          <a:fontRef idx="minor">
+            <a:schemeClr val="lt1"/>
+          </a:fontRef>
+        </p:style>
+        <p:txBody>
+          <a:bodyPr wrap="none" rtlCol="0" anchor="t"/>
+          <a:lstStyle/>
+          <a:p>
+            <a:pPr algn="ctr"/>
+            <a:r>
+              <a:rPr kumimoji="1" lang="en-US" altLang="ja-JP" sz="1400" dirty="0">
+                <a:solidFill>
+                  <a:schemeClr val="tx1"/>
+                </a:solidFill>
+              </a:rPr>
+              <a:t>Orderbooks</a:t>
+            </a:r>
+          </a:p>
+        </p:txBody>
+      </p:sp>
+      <p:sp>
+        <p:nvSpPr>
+          <p:cNvPr id="7" name="正方形/長方形 6">
+            <a:extLst>
+              <a:ext uri="{FF2B5EF4-FFF2-40B4-BE49-F238E27FC236}">
+                <a16:creationId xmlns:a16="http://schemas.microsoft.com/office/drawing/2014/main" id="{C649BD3F-E2E6-1042-84E7-5B277E9E5434}"/>
+              </a:ext>
+            </a:extLst>
+          </p:cNvPr>
+          <p:cNvSpPr/>
+          <p:nvPr/>
+        </p:nvSpPr>
+        <p:spPr>
+          <a:xfrm>
+            <a:off x="7830259" y="1450505"/>
+            <a:ext cx="1207912" cy="1714990"/>
+          </a:xfrm>
+          <a:prstGeom prst="rect">
+            <a:avLst/>
+          </a:prstGeom>
+          <a:solidFill>
+            <a:schemeClr val="bg1"/>
+          </a:solidFill>
+          <a:ln>
+            <a:solidFill>
+              <a:schemeClr val="tx1"/>
+            </a:solidFill>
+          </a:ln>
+        </p:spPr>
+        <p:style>
+          <a:lnRef idx="2">
+            <a:schemeClr val="accent1">
+              <a:shade val="50000"/>
+            </a:schemeClr>
+          </a:lnRef>
+          <a:fillRef idx="1">
+            <a:schemeClr val="accent1"/>
+          </a:fillRef>
+          <a:effectRef idx="0">
+            <a:schemeClr val="accent1"/>
+          </a:effectRef>
+          <a:fontRef idx="minor">
+            <a:schemeClr val="lt1"/>
+          </a:fontRef>
+        </p:style>
+        <p:txBody>
+          <a:bodyPr wrap="none" rtlCol="0" anchor="t"/>
+          <a:lstStyle/>
+          <a:p>
+            <a:pPr algn="ctr"/>
+            <a:r>
+              <a:rPr kumimoji="1" lang="en-US" altLang="ja-JP" sz="1400" dirty="0">
+                <a:solidFill>
+                  <a:schemeClr val="tx1"/>
+                </a:solidFill>
+              </a:rPr>
+              <a:t>Trading</a:t>
+            </a:r>
+          </a:p>
+          <a:p>
+            <a:pPr algn="ctr"/>
+            <a:r>
+              <a:rPr kumimoji="1" lang="en-US" altLang="ja-JP" sz="1400" dirty="0">
+                <a:solidFill>
+                  <a:schemeClr val="tx1"/>
+                </a:solidFill>
+              </a:rPr>
+              <a:t>(</a:t>
+            </a:r>
+            <a:r>
+              <a:rPr kumimoji="1" lang="en-US" altLang="ja-JP" sz="1400" dirty="0" err="1">
+                <a:solidFill>
+                  <a:schemeClr val="tx1"/>
+                </a:solidFill>
+              </a:rPr>
+              <a:t>Dexlab</a:t>
+            </a:r>
+            <a:r>
+              <a:rPr kumimoji="1" lang="en-US" altLang="ja-JP" sz="1400" dirty="0">
+                <a:solidFill>
+                  <a:schemeClr val="tx1"/>
+                </a:solidFill>
+              </a:rPr>
+              <a:t>?)</a:t>
+            </a:r>
+          </a:p>
+        </p:txBody>
+      </p:sp>
+      <p:sp>
+        <p:nvSpPr>
+          <p:cNvPr id="8" name="正方形/長方形 7">
+            <a:extLst>
+              <a:ext uri="{FF2B5EF4-FFF2-40B4-BE49-F238E27FC236}">
+                <a16:creationId xmlns:a16="http://schemas.microsoft.com/office/drawing/2014/main" id="{939CB3C3-1B57-EA40-B5C5-B08DC46C568A}"/>
+              </a:ext>
+            </a:extLst>
+          </p:cNvPr>
+          <p:cNvSpPr/>
+          <p:nvPr/>
+        </p:nvSpPr>
+        <p:spPr>
+          <a:xfrm>
+            <a:off x="7830259" y="3756773"/>
+            <a:ext cx="1207912" cy="1714990"/>
+          </a:xfrm>
+          <a:prstGeom prst="rect">
+            <a:avLst/>
+          </a:prstGeom>
+          <a:solidFill>
+            <a:schemeClr val="bg1"/>
+          </a:solidFill>
+          <a:ln>
+            <a:solidFill>
+              <a:schemeClr val="tx1"/>
+            </a:solidFill>
+          </a:ln>
+        </p:spPr>
+        <p:style>
+          <a:lnRef idx="2">
+            <a:schemeClr val="accent1">
+              <a:shade val="50000"/>
+            </a:schemeClr>
+          </a:lnRef>
+          <a:fillRef idx="1">
+            <a:schemeClr val="accent1"/>
+          </a:fillRef>
+          <a:effectRef idx="0">
+            <a:schemeClr val="accent1"/>
+          </a:effectRef>
+          <a:fontRef idx="minor">
+            <a:schemeClr val="lt1"/>
+          </a:fontRef>
+        </p:style>
+        <p:txBody>
+          <a:bodyPr wrap="none" rtlCol="0" anchor="t"/>
+          <a:lstStyle/>
+          <a:p>
+            <a:pPr algn="ctr"/>
+            <a:r>
+              <a:rPr kumimoji="1" lang="en-US" altLang="ja-JP" sz="1400" dirty="0">
+                <a:solidFill>
+                  <a:schemeClr val="tx1"/>
+                </a:solidFill>
+              </a:rPr>
+              <a:t>Swap</a:t>
+            </a:r>
+          </a:p>
+        </p:txBody>
+      </p:sp>
+      <p:sp>
+        <p:nvSpPr>
+          <p:cNvPr id="30" name="正方形/長方形 29">
+            <a:extLst>
+              <a:ext uri="{FF2B5EF4-FFF2-40B4-BE49-F238E27FC236}">
+                <a16:creationId xmlns:a16="http://schemas.microsoft.com/office/drawing/2014/main" id="{D732FD2C-07E6-BF4C-890E-C7022175F6C2}"/>
+              </a:ext>
+            </a:extLst>
+          </p:cNvPr>
+          <p:cNvSpPr/>
+          <p:nvPr/>
+        </p:nvSpPr>
+        <p:spPr>
+          <a:xfrm>
+            <a:off x="5537026" y="1450505"/>
+            <a:ext cx="1207912" cy="1714990"/>
+          </a:xfrm>
+          <a:prstGeom prst="rect">
+            <a:avLst/>
+          </a:prstGeom>
+          <a:solidFill>
+            <a:schemeClr val="bg1"/>
+          </a:solidFill>
+          <a:ln>
+            <a:solidFill>
+              <a:schemeClr val="tx1"/>
+            </a:solidFill>
+          </a:ln>
+        </p:spPr>
+        <p:style>
+          <a:lnRef idx="2">
+            <a:schemeClr val="accent1">
+              <a:shade val="50000"/>
+            </a:schemeClr>
+          </a:lnRef>
+          <a:fillRef idx="1">
+            <a:schemeClr val="accent1"/>
+          </a:fillRef>
+          <a:effectRef idx="0">
+            <a:schemeClr val="accent1"/>
+          </a:effectRef>
+          <a:fontRef idx="minor">
+            <a:schemeClr val="lt1"/>
+          </a:fontRef>
+        </p:style>
+        <p:txBody>
+          <a:bodyPr wrap="none" rtlCol="0" anchor="t"/>
+          <a:lstStyle/>
+          <a:p>
+            <a:pPr algn="ctr"/>
+            <a:r>
+              <a:rPr kumimoji="1" lang="en-US" altLang="ja-JP" sz="1400" dirty="0">
+                <a:solidFill>
+                  <a:schemeClr val="tx1"/>
+                </a:solidFill>
+              </a:rPr>
+              <a:t>Serum Market</a:t>
+            </a:r>
+          </a:p>
+        </p:txBody>
+      </p:sp>
+      <p:pic>
+        <p:nvPicPr>
+          <p:cNvPr id="28" name="図 27">
+            <a:extLst>
+              <a:ext uri="{FF2B5EF4-FFF2-40B4-BE49-F238E27FC236}">
+                <a16:creationId xmlns:a16="http://schemas.microsoft.com/office/drawing/2014/main" id="{CFF9EF8B-49E8-A542-859D-0BF4C801F080}"/>
+              </a:ext>
+            </a:extLst>
+          </p:cNvPr>
+          <p:cNvPicPr>
+            <a:picLocks noChangeAspect="1"/>
+          </p:cNvPicPr>
+          <p:nvPr/>
+        </p:nvPicPr>
+        <p:blipFill>
+          <a:blip r:embed="rId3"/>
+          <a:stretch>
+            <a:fillRect/>
+          </a:stretch>
+        </p:blipFill>
+        <p:spPr>
+          <a:xfrm>
+            <a:off x="5912382" y="2137543"/>
+            <a:ext cx="457200" cy="457200"/>
+          </a:xfrm>
+          <a:prstGeom prst="rect">
+            <a:avLst/>
+          </a:prstGeom>
+        </p:spPr>
+      </p:pic>
+      <p:sp>
+        <p:nvSpPr>
+          <p:cNvPr id="38" name="正方形/長方形 37">
+            <a:extLst>
+              <a:ext uri="{FF2B5EF4-FFF2-40B4-BE49-F238E27FC236}">
+                <a16:creationId xmlns:a16="http://schemas.microsoft.com/office/drawing/2014/main" id="{27AA52E3-D74C-8848-92C5-7EA3DB3B5D31}"/>
+              </a:ext>
+            </a:extLst>
+          </p:cNvPr>
+          <p:cNvSpPr/>
+          <p:nvPr/>
+        </p:nvSpPr>
+        <p:spPr>
+          <a:xfrm>
+            <a:off x="5537026" y="3756773"/>
+            <a:ext cx="1207912" cy="1714990"/>
+          </a:xfrm>
+          <a:prstGeom prst="rect">
+            <a:avLst/>
+          </a:prstGeom>
+          <a:solidFill>
+            <a:schemeClr val="bg1"/>
+          </a:solidFill>
+          <a:ln>
+            <a:solidFill>
+              <a:schemeClr val="tx1"/>
+            </a:solidFill>
+          </a:ln>
+        </p:spPr>
+        <p:style>
+          <a:lnRef idx="2">
+            <a:schemeClr val="accent1">
+              <a:shade val="50000"/>
+            </a:schemeClr>
+          </a:lnRef>
+          <a:fillRef idx="1">
+            <a:schemeClr val="accent1"/>
+          </a:fillRef>
+          <a:effectRef idx="0">
+            <a:schemeClr val="accent1"/>
+          </a:effectRef>
+          <a:fontRef idx="minor">
+            <a:schemeClr val="lt1"/>
+          </a:fontRef>
+        </p:style>
+        <p:txBody>
+          <a:bodyPr wrap="none" rtlCol="0" anchor="t"/>
+          <a:lstStyle/>
+          <a:p>
+            <a:pPr algn="ctr"/>
+            <a:r>
+              <a:rPr kumimoji="1" lang="en-US" altLang="ja-JP" sz="1400" dirty="0">
+                <a:solidFill>
+                  <a:schemeClr val="tx1"/>
+                </a:solidFill>
+              </a:rPr>
+              <a:t>Pools</a:t>
+            </a:r>
+          </a:p>
+        </p:txBody>
+      </p:sp>
+      <p:pic>
+        <p:nvPicPr>
+          <p:cNvPr id="40" name="図 39">
+            <a:extLst>
+              <a:ext uri="{FF2B5EF4-FFF2-40B4-BE49-F238E27FC236}">
+                <a16:creationId xmlns:a16="http://schemas.microsoft.com/office/drawing/2014/main" id="{BEDF39D3-E9B4-9D48-9B62-FAE37B31FDE5}"/>
+              </a:ext>
+            </a:extLst>
+          </p:cNvPr>
+          <p:cNvPicPr>
+            <a:picLocks noChangeAspect="1"/>
+          </p:cNvPicPr>
+          <p:nvPr/>
+        </p:nvPicPr>
+        <p:blipFill>
+          <a:blip r:embed="rId4" cstate="screen">
+            <a:extLst>
+              <a:ext uri="{28A0092B-C50C-407E-A947-70E740481C1C}">
+                <a14:useLocalDpi xmlns:a14="http://schemas.microsoft.com/office/drawing/2010/main"/>
+              </a:ext>
+            </a:extLst>
+          </a:blip>
+          <a:stretch>
+            <a:fillRect/>
+          </a:stretch>
+        </p:blipFill>
+        <p:spPr>
+          <a:xfrm>
+            <a:off x="7996065" y="4337771"/>
+            <a:ext cx="918635" cy="625182"/>
+          </a:xfrm>
+          <a:prstGeom prst="rect">
+            <a:avLst/>
+          </a:prstGeom>
+        </p:spPr>
+      </p:pic>
+      <p:pic>
+        <p:nvPicPr>
+          <p:cNvPr id="41" name="図 40">
+            <a:extLst>
+              <a:ext uri="{FF2B5EF4-FFF2-40B4-BE49-F238E27FC236}">
+                <a16:creationId xmlns:a16="http://schemas.microsoft.com/office/drawing/2014/main" id="{B7AF5CDD-2F39-6A44-8479-F981D796704F}"/>
+              </a:ext>
+            </a:extLst>
+          </p:cNvPr>
+          <p:cNvPicPr>
+            <a:picLocks noChangeAspect="1"/>
+          </p:cNvPicPr>
+          <p:nvPr/>
+        </p:nvPicPr>
+        <p:blipFill>
+          <a:blip r:embed="rId5" cstate="screen">
+            <a:extLst>
+              <a:ext uri="{28A0092B-C50C-407E-A947-70E740481C1C}">
+                <a14:useLocalDpi xmlns:a14="http://schemas.microsoft.com/office/drawing/2010/main"/>
+              </a:ext>
+            </a:extLst>
+          </a:blip>
+          <a:stretch>
+            <a:fillRect/>
+          </a:stretch>
+        </p:blipFill>
+        <p:spPr>
+          <a:xfrm>
+            <a:off x="7978102" y="1979582"/>
+            <a:ext cx="936598" cy="703312"/>
+          </a:xfrm>
+          <a:prstGeom prst="rect">
+            <a:avLst/>
+          </a:prstGeom>
+        </p:spPr>
+      </p:pic>
+      <p:pic>
+        <p:nvPicPr>
+          <p:cNvPr id="42" name="図 41">
+            <a:extLst>
+              <a:ext uri="{FF2B5EF4-FFF2-40B4-BE49-F238E27FC236}">
+                <a16:creationId xmlns:a16="http://schemas.microsoft.com/office/drawing/2014/main" id="{B06DC53B-8031-8A4C-885E-5C70AA5DB489}"/>
+              </a:ext>
+            </a:extLst>
+          </p:cNvPr>
+          <p:cNvPicPr>
+            <a:picLocks noChangeAspect="1"/>
+          </p:cNvPicPr>
+          <p:nvPr/>
+        </p:nvPicPr>
+        <p:blipFill>
+          <a:blip r:embed="rId6" cstate="screen">
+            <a:extLst>
+              <a:ext uri="{28A0092B-C50C-407E-A947-70E740481C1C}">
+                <a14:useLocalDpi xmlns:a14="http://schemas.microsoft.com/office/drawing/2010/main"/>
+              </a:ext>
+            </a:extLst>
+          </a:blip>
+          <a:stretch>
+            <a:fillRect/>
+          </a:stretch>
+        </p:blipFill>
+        <p:spPr>
+          <a:xfrm>
+            <a:off x="5662968" y="4337771"/>
+            <a:ext cx="955093" cy="625182"/>
+          </a:xfrm>
+          <a:prstGeom prst="rect">
+            <a:avLst/>
+          </a:prstGeom>
+        </p:spPr>
+      </p:pic>
+      <p:cxnSp>
+        <p:nvCxnSpPr>
+          <p:cNvPr id="43" name="直線矢印コネクタ 42">
+            <a:extLst>
+              <a:ext uri="{FF2B5EF4-FFF2-40B4-BE49-F238E27FC236}">
+                <a16:creationId xmlns:a16="http://schemas.microsoft.com/office/drawing/2014/main" id="{C69E1753-CE71-E249-ABF8-2DF330920365}"/>
+              </a:ext>
+            </a:extLst>
+          </p:cNvPr>
+          <p:cNvCxnSpPr>
+            <a:cxnSpLocks/>
+            <a:stCxn id="30" idx="3"/>
+            <a:endCxn id="7" idx="1"/>
+          </p:cNvCxnSpPr>
+          <p:nvPr/>
+        </p:nvCxnSpPr>
+        <p:spPr>
+          <a:xfrm>
+            <a:off x="6744938" y="2308000"/>
+            <a:ext cx="1085321" cy="0"/>
+          </a:xfrm>
+          <a:prstGeom prst="straightConnector1">
+            <a:avLst/>
+          </a:prstGeom>
+          <a:ln w="9525">
+            <a:solidFill>
+              <a:schemeClr val="tx1"/>
+            </a:solidFill>
+            <a:headEnd type="none" w="med" len="med"/>
+            <a:tailEnd type="arrow" w="med" len="med"/>
+          </a:ln>
+        </p:spPr>
+        <p:style>
+          <a:lnRef idx="1">
+            <a:schemeClr val="accent1"/>
+          </a:lnRef>
+          <a:fillRef idx="0">
+            <a:schemeClr val="accent1"/>
+          </a:fillRef>
+          <a:effectRef idx="0">
+            <a:schemeClr val="accent1"/>
+          </a:effectRef>
+          <a:fontRef idx="minor">
+            <a:schemeClr val="tx1"/>
+          </a:fontRef>
+        </p:style>
+      </p:cxnSp>
+      <p:cxnSp>
+        <p:nvCxnSpPr>
+          <p:cNvPr id="46" name="直線矢印コネクタ 45">
+            <a:extLst>
+              <a:ext uri="{FF2B5EF4-FFF2-40B4-BE49-F238E27FC236}">
+                <a16:creationId xmlns:a16="http://schemas.microsoft.com/office/drawing/2014/main" id="{D0C327D2-7E43-D24C-92B6-8F23987C0238}"/>
+              </a:ext>
+            </a:extLst>
+          </p:cNvPr>
+          <p:cNvCxnSpPr>
+            <a:cxnSpLocks/>
+            <a:stCxn id="38" idx="3"/>
+            <a:endCxn id="8" idx="1"/>
+          </p:cNvCxnSpPr>
+          <p:nvPr/>
+        </p:nvCxnSpPr>
+        <p:spPr>
+          <a:xfrm>
+            <a:off x="6744938" y="4614268"/>
+            <a:ext cx="1085321" cy="0"/>
+          </a:xfrm>
+          <a:prstGeom prst="straightConnector1">
+            <a:avLst/>
+          </a:prstGeom>
+          <a:ln w="9525">
+            <a:solidFill>
+              <a:schemeClr val="tx1"/>
+            </a:solidFill>
+            <a:headEnd type="none" w="med" len="med"/>
+            <a:tailEnd type="arrow" w="med" len="med"/>
+          </a:ln>
+        </p:spPr>
+        <p:style>
+          <a:lnRef idx="1">
+            <a:schemeClr val="accent1"/>
+          </a:lnRef>
+          <a:fillRef idx="0">
+            <a:schemeClr val="accent1"/>
+          </a:fillRef>
+          <a:effectRef idx="0">
+            <a:schemeClr val="accent1"/>
+          </a:effectRef>
+          <a:fontRef idx="minor">
+            <a:schemeClr val="tx1"/>
+          </a:fontRef>
+        </p:style>
+      </p:cxnSp>
+      <p:sp>
+        <p:nvSpPr>
+          <p:cNvPr id="51" name="円/楕円 50">
+            <a:extLst>
+              <a:ext uri="{FF2B5EF4-FFF2-40B4-BE49-F238E27FC236}">
+                <a16:creationId xmlns:a16="http://schemas.microsoft.com/office/drawing/2014/main" id="{A5CDA36A-F891-DD4B-9094-5475D1C50CC0}"/>
+              </a:ext>
+            </a:extLst>
+          </p:cNvPr>
+          <p:cNvSpPr/>
+          <p:nvPr/>
+        </p:nvSpPr>
+        <p:spPr>
+          <a:xfrm>
+            <a:off x="920468" y="2116017"/>
+            <a:ext cx="478726" cy="478726"/>
+          </a:xfrm>
+          <a:prstGeom prst="ellipse">
+            <a:avLst/>
+          </a:prstGeom>
+          <a:solidFill>
+            <a:schemeClr val="bg1"/>
+          </a:solidFill>
+          <a:ln>
+            <a:solidFill>
+              <a:schemeClr val="tx1"/>
+            </a:solidFill>
+          </a:ln>
+        </p:spPr>
+        <p:style>
+          <a:lnRef idx="2">
+            <a:schemeClr val="accent1">
+              <a:shade val="50000"/>
+            </a:schemeClr>
+          </a:lnRef>
+          <a:fillRef idx="1">
+            <a:schemeClr val="accent1"/>
+          </a:fillRef>
+          <a:effectRef idx="0">
+            <a:schemeClr val="accent1"/>
+          </a:effectRef>
+          <a:fontRef idx="minor">
+            <a:schemeClr val="lt1"/>
+          </a:fontRef>
+        </p:style>
+        <p:txBody>
+          <a:bodyPr wrap="none" rtlCol="0" anchor="ctr"/>
+          <a:lstStyle/>
+          <a:p>
+            <a:pPr algn="ctr"/>
+            <a:r>
+              <a:rPr kumimoji="1" lang="en-US" altLang="ja-JP" sz="1400" dirty="0">
+                <a:solidFill>
+                  <a:schemeClr val="tx1"/>
+                </a:solidFill>
+              </a:rPr>
+              <a:t>Token</a:t>
+            </a:r>
+            <a:endParaRPr kumimoji="1" lang="ja-JP" altLang="en-US" sz="1400">
+              <a:solidFill>
+                <a:schemeClr val="tx1"/>
+              </a:solidFill>
+            </a:endParaRPr>
+          </a:p>
+        </p:txBody>
+      </p:sp>
+      <p:sp>
+        <p:nvSpPr>
+          <p:cNvPr id="52" name="テキスト ボックス 51">
+            <a:extLst>
+              <a:ext uri="{FF2B5EF4-FFF2-40B4-BE49-F238E27FC236}">
+                <a16:creationId xmlns:a16="http://schemas.microsoft.com/office/drawing/2014/main" id="{FAA6CD3A-CEEF-404C-A6EF-8926427B07E2}"/>
+              </a:ext>
+            </a:extLst>
+          </p:cNvPr>
+          <p:cNvSpPr txBox="1"/>
+          <p:nvPr/>
+        </p:nvSpPr>
+        <p:spPr>
+          <a:xfrm>
+            <a:off x="6867878" y="1952413"/>
+            <a:ext cx="835378" cy="276999"/>
+          </a:xfrm>
+          <a:prstGeom prst="rect">
+            <a:avLst/>
+          </a:prstGeom>
+          <a:noFill/>
+        </p:spPr>
+        <p:txBody>
+          <a:bodyPr wrap="square" rtlCol="0">
+            <a:spAutoFit/>
+          </a:bodyPr>
+          <a:lstStyle/>
+          <a:p>
+            <a:pPr algn="ctr"/>
+            <a:r>
+              <a:rPr kumimoji="1" lang="en-US" altLang="ja-JP" sz="1200" dirty="0"/>
+              <a:t>List?</a:t>
+            </a:r>
+            <a:endParaRPr kumimoji="1" lang="ja-JP" altLang="en-US" sz="1200"/>
+          </a:p>
+        </p:txBody>
+      </p:sp>
+      <p:sp>
+        <p:nvSpPr>
+          <p:cNvPr id="53" name="テキスト ボックス 52">
+            <a:extLst>
+              <a:ext uri="{FF2B5EF4-FFF2-40B4-BE49-F238E27FC236}">
+                <a16:creationId xmlns:a16="http://schemas.microsoft.com/office/drawing/2014/main" id="{231628CE-084D-AD4C-BAFF-89FEC9380A02}"/>
+              </a:ext>
+            </a:extLst>
+          </p:cNvPr>
+          <p:cNvSpPr txBox="1"/>
+          <p:nvPr/>
+        </p:nvSpPr>
+        <p:spPr>
+          <a:xfrm>
+            <a:off x="6867878" y="4263076"/>
+            <a:ext cx="835378" cy="276999"/>
+          </a:xfrm>
+          <a:prstGeom prst="rect">
+            <a:avLst/>
+          </a:prstGeom>
+          <a:noFill/>
+        </p:spPr>
+        <p:txBody>
+          <a:bodyPr wrap="square" rtlCol="0">
+            <a:spAutoFit/>
+          </a:bodyPr>
+          <a:lstStyle/>
+          <a:p>
+            <a:pPr algn="ctr"/>
+            <a:r>
+              <a:rPr kumimoji="1" lang="en-US" altLang="ja-JP" sz="1200" dirty="0"/>
+              <a:t>List?</a:t>
+            </a:r>
+            <a:endParaRPr kumimoji="1" lang="ja-JP" altLang="en-US" sz="1200"/>
+          </a:p>
+        </p:txBody>
+      </p:sp>
+      <p:grpSp>
+        <p:nvGrpSpPr>
+          <p:cNvPr id="56" name="グループ化 55">
+            <a:extLst>
+              <a:ext uri="{FF2B5EF4-FFF2-40B4-BE49-F238E27FC236}">
+                <a16:creationId xmlns:a16="http://schemas.microsoft.com/office/drawing/2014/main" id="{EA45D259-50EE-EF4E-95F3-B8790743D944}"/>
+              </a:ext>
+            </a:extLst>
+          </p:cNvPr>
+          <p:cNvGrpSpPr/>
+          <p:nvPr/>
+        </p:nvGrpSpPr>
+        <p:grpSpPr>
+          <a:xfrm>
+            <a:off x="985811" y="3429000"/>
+            <a:ext cx="348041" cy="450054"/>
+            <a:chOff x="490159" y="2239964"/>
+            <a:chExt cx="348041" cy="450054"/>
+          </a:xfrm>
+        </p:grpSpPr>
+        <p:sp>
+          <p:nvSpPr>
+            <p:cNvPr id="57" name="円/楕円 56">
+              <a:extLst>
+                <a:ext uri="{FF2B5EF4-FFF2-40B4-BE49-F238E27FC236}">
+                  <a16:creationId xmlns:a16="http://schemas.microsoft.com/office/drawing/2014/main" id="{C9B29549-6E11-1346-814A-DFEE5214FF0F}"/>
+                </a:ext>
+              </a:extLst>
+            </p:cNvPr>
+            <p:cNvSpPr/>
+            <p:nvPr/>
+          </p:nvSpPr>
+          <p:spPr>
+            <a:xfrm>
+              <a:off x="514161" y="2239964"/>
+              <a:ext cx="300036" cy="300036"/>
+            </a:xfrm>
+            <a:prstGeom prst="ellipse">
+              <a:avLst/>
+            </a:prstGeom>
+            <a:solidFill>
+              <a:schemeClr val="bg1">
+                <a:lumMod val="75000"/>
+              </a:schemeClr>
+            </a:solidFill>
+            <a:ln>
+              <a:noFill/>
+            </a:ln>
+          </p:spPr>
+          <p:style>
+            <a:lnRef idx="2">
+              <a:schemeClr val="accent1">
+                <a:shade val="50000"/>
+              </a:schemeClr>
+            </a:lnRef>
+            <a:fillRef idx="1">
+              <a:schemeClr val="accent1"/>
+            </a:fillRef>
+            <a:effectRef idx="0">
+              <a:schemeClr val="accent1"/>
+            </a:effectRef>
+            <a:fontRef idx="minor">
+              <a:schemeClr val="lt1"/>
+            </a:fontRef>
+          </p:style>
+          <p:txBody>
+            <a:bodyPr rtlCol="0" anchor="ctr"/>
+            <a:lstStyle/>
+            <a:p>
+              <a:pPr algn="ctr"/>
+              <a:endParaRPr kumimoji="1" lang="ja-JP" altLang="en-US" sz="1600">
+                <a:solidFill>
+                  <a:schemeClr val="tx1"/>
+                </a:solidFill>
+              </a:endParaRPr>
+            </a:p>
+          </p:txBody>
+        </p:sp>
+        <p:sp>
+          <p:nvSpPr>
+            <p:cNvPr id="58" name="三角形 57">
+              <a:extLst>
+                <a:ext uri="{FF2B5EF4-FFF2-40B4-BE49-F238E27FC236}">
+                  <a16:creationId xmlns:a16="http://schemas.microsoft.com/office/drawing/2014/main" id="{2751D31A-9E90-3C4F-B464-B27A52D5F926}"/>
+                </a:ext>
+              </a:extLst>
+            </p:cNvPr>
+            <p:cNvSpPr/>
+            <p:nvPr/>
+          </p:nvSpPr>
+          <p:spPr>
+            <a:xfrm>
+              <a:off x="490159" y="2389982"/>
+              <a:ext cx="348041" cy="300036"/>
+            </a:xfrm>
+            <a:prstGeom prst="triangle">
+              <a:avLst/>
+            </a:prstGeom>
+            <a:solidFill>
+              <a:schemeClr val="bg1">
+                <a:lumMod val="75000"/>
+              </a:schemeClr>
+            </a:solidFill>
+            <a:ln>
+              <a:noFill/>
+            </a:ln>
+          </p:spPr>
+          <p:style>
+            <a:lnRef idx="2">
+              <a:schemeClr val="accent1">
+                <a:shade val="50000"/>
+              </a:schemeClr>
+            </a:lnRef>
+            <a:fillRef idx="1">
+              <a:schemeClr val="accent1"/>
+            </a:fillRef>
+            <a:effectRef idx="0">
+              <a:schemeClr val="accent1"/>
+            </a:effectRef>
+            <a:fontRef idx="minor">
+              <a:schemeClr val="lt1"/>
+            </a:fontRef>
+          </p:style>
+          <p:txBody>
+            <a:bodyPr wrap="none" rtlCol="0" anchor="ctr"/>
+            <a:lstStyle/>
+            <a:p>
+              <a:pPr algn="ctr"/>
+              <a:endParaRPr kumimoji="1" lang="en-US" altLang="ja-JP" sz="1200" dirty="0">
+                <a:solidFill>
+                  <a:schemeClr val="tx1"/>
+                </a:solidFill>
+              </a:endParaRPr>
+            </a:p>
+            <a:p>
+              <a:pPr algn="ctr"/>
+              <a:endParaRPr kumimoji="1" lang="en-US" altLang="ja-JP" sz="1200" dirty="0">
+                <a:solidFill>
+                  <a:schemeClr val="tx1"/>
+                </a:solidFill>
+              </a:endParaRPr>
+            </a:p>
+            <a:p>
+              <a:pPr algn="ctr"/>
+              <a:endParaRPr kumimoji="1" lang="en-US" altLang="ja-JP" sz="1200" dirty="0">
+                <a:solidFill>
+                  <a:schemeClr val="tx1"/>
+                </a:solidFill>
+              </a:endParaRPr>
+            </a:p>
+            <a:p>
+              <a:pPr algn="ctr"/>
+              <a:r>
+                <a:rPr kumimoji="1" lang="en-US" altLang="ja-JP" sz="1200" dirty="0">
+                  <a:solidFill>
+                    <a:schemeClr val="tx1"/>
+                  </a:solidFill>
+                </a:rPr>
+                <a:t>Product</a:t>
+              </a:r>
+            </a:p>
+            <a:p>
+              <a:pPr algn="ctr"/>
+              <a:r>
+                <a:rPr kumimoji="1" lang="en-US" altLang="ja-JP" sz="1200" dirty="0">
+                  <a:solidFill>
+                    <a:schemeClr val="tx1"/>
+                  </a:solidFill>
+                </a:rPr>
+                <a:t>Manager</a:t>
+              </a:r>
+              <a:endParaRPr kumimoji="1" lang="ja-JP" altLang="en-US" sz="1200">
+                <a:solidFill>
+                  <a:schemeClr val="tx1"/>
+                </a:solidFill>
+              </a:endParaRPr>
+            </a:p>
+          </p:txBody>
+        </p:sp>
+      </p:grpSp>
+      <p:sp>
+        <p:nvSpPr>
+          <p:cNvPr id="60" name="正方形/長方形 59">
+            <a:extLst>
+              <a:ext uri="{FF2B5EF4-FFF2-40B4-BE49-F238E27FC236}">
+                <a16:creationId xmlns:a16="http://schemas.microsoft.com/office/drawing/2014/main" id="{C50B8AEC-DA08-D349-82BA-8C4622F529F9}"/>
+              </a:ext>
+            </a:extLst>
+          </p:cNvPr>
+          <p:cNvSpPr/>
+          <p:nvPr/>
+        </p:nvSpPr>
+        <p:spPr>
+          <a:xfrm>
+            <a:off x="3243793" y="1450505"/>
+            <a:ext cx="1207912" cy="1714990"/>
+          </a:xfrm>
+          <a:prstGeom prst="rect">
+            <a:avLst/>
+          </a:prstGeom>
+          <a:solidFill>
+            <a:schemeClr val="bg1"/>
+          </a:solidFill>
+          <a:ln>
+            <a:solidFill>
+              <a:schemeClr val="tx1"/>
+            </a:solidFill>
+          </a:ln>
+        </p:spPr>
+        <p:style>
+          <a:lnRef idx="2">
+            <a:schemeClr val="accent1">
+              <a:shade val="50000"/>
+            </a:schemeClr>
+          </a:lnRef>
+          <a:fillRef idx="1">
+            <a:schemeClr val="accent1"/>
+          </a:fillRef>
+          <a:effectRef idx="0">
+            <a:schemeClr val="accent1"/>
+          </a:effectRef>
+          <a:fontRef idx="minor">
+            <a:schemeClr val="lt1"/>
+          </a:fontRef>
+        </p:style>
+        <p:txBody>
+          <a:bodyPr wrap="none" rtlCol="0" anchor="t"/>
+          <a:lstStyle/>
+          <a:p>
+            <a:pPr algn="ctr"/>
+            <a:r>
+              <a:rPr kumimoji="1" lang="en-US" altLang="ja-JP" sz="1400" dirty="0">
+                <a:solidFill>
+                  <a:schemeClr val="tx1"/>
+                </a:solidFill>
+              </a:rPr>
+              <a:t>Market</a:t>
+            </a:r>
+          </a:p>
+          <a:p>
+            <a:pPr algn="ctr"/>
+            <a:r>
+              <a:rPr kumimoji="1" lang="en-US" altLang="ja-JP" sz="1400" dirty="0">
+                <a:solidFill>
+                  <a:schemeClr val="tx1"/>
+                </a:solidFill>
+              </a:rPr>
+              <a:t>Application</a:t>
+            </a:r>
+          </a:p>
+          <a:p>
+            <a:pPr algn="ctr"/>
+            <a:r>
+              <a:rPr kumimoji="1" lang="en-US" altLang="ja-JP" sz="1400" dirty="0">
+                <a:solidFill>
+                  <a:schemeClr val="tx1"/>
+                </a:solidFill>
+              </a:rPr>
+              <a:t>(</a:t>
+            </a:r>
+            <a:r>
+              <a:rPr kumimoji="1" lang="en-US" altLang="ja-JP" sz="1400" dirty="0" err="1">
+                <a:solidFill>
+                  <a:schemeClr val="tx1"/>
+                </a:solidFill>
+              </a:rPr>
+              <a:t>Dexlab</a:t>
+            </a:r>
+            <a:r>
+              <a:rPr kumimoji="1" lang="en-US" altLang="ja-JP" sz="1400" dirty="0">
+                <a:solidFill>
+                  <a:schemeClr val="tx1"/>
+                </a:solidFill>
+              </a:rPr>
+              <a:t>)</a:t>
+            </a:r>
+          </a:p>
+        </p:txBody>
+      </p:sp>
+      <p:cxnSp>
+        <p:nvCxnSpPr>
+          <p:cNvPr id="65" name="直線矢印コネクタ 64">
+            <a:extLst>
+              <a:ext uri="{FF2B5EF4-FFF2-40B4-BE49-F238E27FC236}">
+                <a16:creationId xmlns:a16="http://schemas.microsoft.com/office/drawing/2014/main" id="{87D56CC4-3F16-7149-915B-C7DD6371A178}"/>
+              </a:ext>
+            </a:extLst>
+          </p:cNvPr>
+          <p:cNvCxnSpPr>
+            <a:cxnSpLocks/>
+            <a:stCxn id="60" idx="3"/>
+            <a:endCxn id="30" idx="1"/>
+          </p:cNvCxnSpPr>
+          <p:nvPr/>
+        </p:nvCxnSpPr>
+        <p:spPr>
+          <a:xfrm>
+            <a:off x="4451705" y="2308000"/>
+            <a:ext cx="1085321" cy="0"/>
+          </a:xfrm>
+          <a:prstGeom prst="straightConnector1">
+            <a:avLst/>
+          </a:prstGeom>
+          <a:ln w="9525">
+            <a:solidFill>
+              <a:schemeClr val="tx1"/>
+            </a:solidFill>
+            <a:headEnd type="none" w="med" len="med"/>
+            <a:tailEnd type="arrow" w="med" len="med"/>
+          </a:ln>
+        </p:spPr>
+        <p:style>
+          <a:lnRef idx="1">
+            <a:schemeClr val="accent1"/>
+          </a:lnRef>
+          <a:fillRef idx="0">
+            <a:schemeClr val="accent1"/>
+          </a:fillRef>
+          <a:effectRef idx="0">
+            <a:schemeClr val="accent1"/>
+          </a:effectRef>
+          <a:fontRef idx="minor">
+            <a:schemeClr val="tx1"/>
+          </a:fontRef>
+        </p:style>
+      </p:cxnSp>
+      <p:sp>
+        <p:nvSpPr>
+          <p:cNvPr id="66" name="テキスト ボックス 65">
+            <a:extLst>
+              <a:ext uri="{FF2B5EF4-FFF2-40B4-BE49-F238E27FC236}">
+                <a16:creationId xmlns:a16="http://schemas.microsoft.com/office/drawing/2014/main" id="{79B3E406-E991-5842-A755-93388138736E}"/>
+              </a:ext>
+            </a:extLst>
+          </p:cNvPr>
+          <p:cNvSpPr txBox="1"/>
+          <p:nvPr/>
+        </p:nvSpPr>
+        <p:spPr>
+          <a:xfrm>
+            <a:off x="4578207" y="1952413"/>
+            <a:ext cx="835378" cy="276999"/>
+          </a:xfrm>
+          <a:prstGeom prst="rect">
+            <a:avLst/>
+          </a:prstGeom>
+          <a:noFill/>
+        </p:spPr>
+        <p:txBody>
+          <a:bodyPr wrap="square" rtlCol="0">
+            <a:spAutoFit/>
+          </a:bodyPr>
+          <a:lstStyle/>
+          <a:p>
+            <a:pPr algn="ctr"/>
+            <a:r>
+              <a:rPr kumimoji="1" lang="en-US" altLang="ja-JP" sz="1200" dirty="0"/>
+              <a:t>Submit?</a:t>
+            </a:r>
+            <a:endParaRPr kumimoji="1" lang="ja-JP" altLang="en-US" sz="1200"/>
+          </a:p>
+        </p:txBody>
+      </p:sp>
+      <p:cxnSp>
+        <p:nvCxnSpPr>
+          <p:cNvPr id="69" name="直線矢印コネクタ 68">
+            <a:extLst>
+              <a:ext uri="{FF2B5EF4-FFF2-40B4-BE49-F238E27FC236}">
+                <a16:creationId xmlns:a16="http://schemas.microsoft.com/office/drawing/2014/main" id="{66DF255D-3782-5B45-A020-90C81B4E680C}"/>
+              </a:ext>
+            </a:extLst>
+          </p:cNvPr>
+          <p:cNvCxnSpPr>
+            <a:cxnSpLocks/>
+          </p:cNvCxnSpPr>
+          <p:nvPr/>
+        </p:nvCxnSpPr>
+        <p:spPr>
+          <a:xfrm>
+            <a:off x="2158472" y="2308000"/>
+            <a:ext cx="1085321" cy="0"/>
+          </a:xfrm>
+          <a:prstGeom prst="straightConnector1">
+            <a:avLst/>
+          </a:prstGeom>
+          <a:ln w="9525">
+            <a:solidFill>
+              <a:schemeClr val="tx1"/>
+            </a:solidFill>
+            <a:headEnd type="none" w="med" len="med"/>
+            <a:tailEnd type="arrow" w="med" len="med"/>
+          </a:ln>
+        </p:spPr>
+        <p:style>
+          <a:lnRef idx="1">
+            <a:schemeClr val="accent1"/>
+          </a:lnRef>
+          <a:fillRef idx="0">
+            <a:schemeClr val="accent1"/>
+          </a:fillRef>
+          <a:effectRef idx="0">
+            <a:schemeClr val="accent1"/>
+          </a:effectRef>
+          <a:fontRef idx="minor">
+            <a:schemeClr val="tx1"/>
+          </a:fontRef>
+        </p:style>
+      </p:cxnSp>
+      <p:sp>
+        <p:nvSpPr>
+          <p:cNvPr id="70" name="テキスト ボックス 69">
+            <a:extLst>
+              <a:ext uri="{FF2B5EF4-FFF2-40B4-BE49-F238E27FC236}">
+                <a16:creationId xmlns:a16="http://schemas.microsoft.com/office/drawing/2014/main" id="{A335FB9A-5622-1445-B6BF-E15519BB045D}"/>
+              </a:ext>
+            </a:extLst>
+          </p:cNvPr>
+          <p:cNvSpPr txBox="1"/>
+          <p:nvPr/>
+        </p:nvSpPr>
+        <p:spPr>
+          <a:xfrm>
+            <a:off x="2182134" y="1952413"/>
+            <a:ext cx="835378" cy="276999"/>
+          </a:xfrm>
+          <a:prstGeom prst="rect">
+            <a:avLst/>
+          </a:prstGeom>
+          <a:noFill/>
+        </p:spPr>
+        <p:txBody>
+          <a:bodyPr wrap="square" rtlCol="0">
+            <a:spAutoFit/>
+          </a:bodyPr>
+          <a:lstStyle/>
+          <a:p>
+            <a:pPr algn="ctr"/>
+            <a:r>
+              <a:rPr kumimoji="1" lang="en-US" altLang="ja-JP" sz="1200" dirty="0"/>
+              <a:t>Submit?</a:t>
+            </a:r>
+            <a:endParaRPr kumimoji="1" lang="ja-JP" altLang="en-US" sz="1200"/>
+          </a:p>
+        </p:txBody>
+      </p:sp>
+      <p:cxnSp>
+        <p:nvCxnSpPr>
+          <p:cNvPr id="72" name="直線矢印コネクタ 71">
+            <a:extLst>
+              <a:ext uri="{FF2B5EF4-FFF2-40B4-BE49-F238E27FC236}">
+                <a16:creationId xmlns:a16="http://schemas.microsoft.com/office/drawing/2014/main" id="{74C0FC20-02CA-2E4D-AD60-E82E753DB0E3}"/>
+              </a:ext>
+            </a:extLst>
+          </p:cNvPr>
+          <p:cNvCxnSpPr>
+            <a:cxnSpLocks/>
+            <a:stCxn id="51" idx="4"/>
+          </p:cNvCxnSpPr>
+          <p:nvPr/>
+        </p:nvCxnSpPr>
+        <p:spPr>
+          <a:xfrm>
+            <a:off x="1159831" y="2594743"/>
+            <a:ext cx="0" cy="834257"/>
+          </a:xfrm>
+          <a:prstGeom prst="straightConnector1">
+            <a:avLst/>
+          </a:prstGeom>
+          <a:ln w="9525">
+            <a:solidFill>
+              <a:schemeClr val="tx1"/>
+            </a:solidFill>
+            <a:headEnd type="none" w="med" len="med"/>
+            <a:tailEnd type="arrow" w="med" len="med"/>
+          </a:ln>
+        </p:spPr>
+        <p:style>
+          <a:lnRef idx="1">
+            <a:schemeClr val="accent1"/>
+          </a:lnRef>
+          <a:fillRef idx="0">
+            <a:schemeClr val="accent1"/>
+          </a:fillRef>
+          <a:effectRef idx="0">
+            <a:schemeClr val="accent1"/>
+          </a:effectRef>
+          <a:fontRef idx="minor">
+            <a:schemeClr val="tx1"/>
+          </a:fontRef>
+        </p:style>
+      </p:cxnSp>
+      <p:sp>
+        <p:nvSpPr>
+          <p:cNvPr id="76" name="テキスト ボックス 75">
+            <a:extLst>
+              <a:ext uri="{FF2B5EF4-FFF2-40B4-BE49-F238E27FC236}">
+                <a16:creationId xmlns:a16="http://schemas.microsoft.com/office/drawing/2014/main" id="{7089237E-CEEF-8A4D-9999-714B6FDE45DC}"/>
+              </a:ext>
+            </a:extLst>
+          </p:cNvPr>
+          <p:cNvSpPr txBox="1"/>
+          <p:nvPr/>
+        </p:nvSpPr>
+        <p:spPr>
+          <a:xfrm>
+            <a:off x="1159831" y="2732656"/>
+            <a:ext cx="835378" cy="461665"/>
+          </a:xfrm>
+          <a:prstGeom prst="rect">
+            <a:avLst/>
+          </a:prstGeom>
+          <a:noFill/>
+        </p:spPr>
+        <p:txBody>
+          <a:bodyPr wrap="square" rtlCol="0">
+            <a:spAutoFit/>
+          </a:bodyPr>
+          <a:lstStyle/>
+          <a:p>
+            <a:pPr algn="ctr"/>
+            <a:r>
+              <a:rPr kumimoji="1" lang="en-US" altLang="ja-JP" sz="1200" dirty="0"/>
+              <a:t>Create</a:t>
+            </a:r>
+          </a:p>
+          <a:p>
+            <a:pPr algn="ctr"/>
+            <a:r>
+              <a:rPr kumimoji="1" lang="en-US" altLang="ja-JP" sz="1200" dirty="0"/>
+              <a:t>Token</a:t>
+            </a:r>
+            <a:endParaRPr kumimoji="1" lang="ja-JP" altLang="en-US" sz="1200"/>
+          </a:p>
+        </p:txBody>
+      </p:sp>
+      <p:cxnSp>
+        <p:nvCxnSpPr>
+          <p:cNvPr id="79" name="直線矢印コネクタ 78">
+            <a:extLst>
+              <a:ext uri="{FF2B5EF4-FFF2-40B4-BE49-F238E27FC236}">
+                <a16:creationId xmlns:a16="http://schemas.microsoft.com/office/drawing/2014/main" id="{1D530721-BD2F-524E-B9B8-B809914097D1}"/>
+              </a:ext>
+            </a:extLst>
+          </p:cNvPr>
+          <p:cNvCxnSpPr>
+            <a:cxnSpLocks/>
+            <a:endCxn id="38" idx="1"/>
+          </p:cNvCxnSpPr>
+          <p:nvPr/>
+        </p:nvCxnSpPr>
+        <p:spPr>
+          <a:xfrm>
+            <a:off x="2152680" y="4614268"/>
+            <a:ext cx="3384346" cy="0"/>
+          </a:xfrm>
+          <a:prstGeom prst="straightConnector1">
+            <a:avLst/>
+          </a:prstGeom>
+          <a:ln w="9525">
+            <a:solidFill>
+              <a:schemeClr val="tx1"/>
+            </a:solidFill>
+            <a:headEnd type="none" w="med" len="med"/>
+            <a:tailEnd type="arrow" w="med" len="med"/>
+          </a:ln>
+        </p:spPr>
+        <p:style>
+          <a:lnRef idx="1">
+            <a:schemeClr val="accent1"/>
+          </a:lnRef>
+          <a:fillRef idx="0">
+            <a:schemeClr val="accent1"/>
+          </a:fillRef>
+          <a:effectRef idx="0">
+            <a:schemeClr val="accent1"/>
+          </a:effectRef>
+          <a:fontRef idx="minor">
+            <a:schemeClr val="tx1"/>
+          </a:fontRef>
+        </p:style>
+      </p:cxnSp>
+      <p:sp>
+        <p:nvSpPr>
+          <p:cNvPr id="80" name="テキスト ボックス 79">
+            <a:extLst>
+              <a:ext uri="{FF2B5EF4-FFF2-40B4-BE49-F238E27FC236}">
+                <a16:creationId xmlns:a16="http://schemas.microsoft.com/office/drawing/2014/main" id="{340570BC-2C4D-564A-8230-9A2FC002DC3C}"/>
+              </a:ext>
+            </a:extLst>
+          </p:cNvPr>
+          <p:cNvSpPr txBox="1"/>
+          <p:nvPr/>
+        </p:nvSpPr>
+        <p:spPr>
+          <a:xfrm>
+            <a:off x="2152680" y="4263077"/>
+            <a:ext cx="940477" cy="303136"/>
+          </a:xfrm>
+          <a:prstGeom prst="rect">
+            <a:avLst/>
+          </a:prstGeom>
+          <a:noFill/>
+        </p:spPr>
+        <p:txBody>
+          <a:bodyPr wrap="none" rtlCol="0">
+            <a:noAutofit/>
+          </a:bodyPr>
+          <a:lstStyle/>
+          <a:p>
+            <a:pPr algn="ctr"/>
+            <a:r>
+              <a:rPr kumimoji="1" lang="en-US" altLang="ja-JP" sz="1200" dirty="0"/>
+              <a:t>Add to Pool?</a:t>
+            </a:r>
+            <a:endParaRPr kumimoji="1" lang="ja-JP" altLang="en-US" sz="1200"/>
+          </a:p>
+        </p:txBody>
+      </p:sp>
+      <p:sp>
+        <p:nvSpPr>
+          <p:cNvPr id="86" name="正方形/長方形 85">
+            <a:extLst>
+              <a:ext uri="{FF2B5EF4-FFF2-40B4-BE49-F238E27FC236}">
+                <a16:creationId xmlns:a16="http://schemas.microsoft.com/office/drawing/2014/main" id="{14DAC1BD-A8D9-D244-87AF-1FE4D77AAB9F}"/>
+              </a:ext>
+            </a:extLst>
+          </p:cNvPr>
+          <p:cNvSpPr/>
+          <p:nvPr/>
+        </p:nvSpPr>
+        <p:spPr>
+          <a:xfrm>
+            <a:off x="10076953" y="1106746"/>
+            <a:ext cx="1886247" cy="4496123"/>
+          </a:xfrm>
+          <a:prstGeom prst="rect">
+            <a:avLst/>
+          </a:prstGeom>
+          <a:solidFill>
+            <a:schemeClr val="bg1">
+              <a:lumMod val="95000"/>
+            </a:schemeClr>
+          </a:solidFill>
+          <a:ln>
+            <a:noFill/>
+          </a:ln>
+        </p:spPr>
+        <p:style>
+          <a:lnRef idx="2">
+            <a:schemeClr val="accent1">
+              <a:shade val="50000"/>
+            </a:schemeClr>
+          </a:lnRef>
+          <a:fillRef idx="1">
+            <a:schemeClr val="accent1"/>
+          </a:fillRef>
+          <a:effectRef idx="0">
+            <a:schemeClr val="accent1"/>
+          </a:effectRef>
+          <a:fontRef idx="minor">
+            <a:schemeClr val="lt1"/>
+          </a:fontRef>
+        </p:style>
+        <p:txBody>
+          <a:bodyPr wrap="none" rtlCol="0" anchor="t"/>
+          <a:lstStyle/>
+          <a:p>
+            <a:pPr algn="ctr"/>
+            <a:r>
+              <a:rPr kumimoji="1" lang="en-US" altLang="ja-JP" sz="1400" dirty="0">
+                <a:solidFill>
+                  <a:schemeClr val="tx1"/>
+                </a:solidFill>
+              </a:rPr>
+              <a:t>Web3 Team</a:t>
+            </a:r>
+          </a:p>
+        </p:txBody>
+      </p:sp>
+      <p:grpSp>
+        <p:nvGrpSpPr>
+          <p:cNvPr id="83" name="グループ化 82">
+            <a:extLst>
+              <a:ext uri="{FF2B5EF4-FFF2-40B4-BE49-F238E27FC236}">
+                <a16:creationId xmlns:a16="http://schemas.microsoft.com/office/drawing/2014/main" id="{FC7939F2-62A8-F64F-A5CF-79BF002C33ED}"/>
+              </a:ext>
+            </a:extLst>
+          </p:cNvPr>
+          <p:cNvGrpSpPr/>
+          <p:nvPr/>
+        </p:nvGrpSpPr>
+        <p:grpSpPr>
+          <a:xfrm>
+            <a:off x="10896777" y="4425335"/>
+            <a:ext cx="348041" cy="450054"/>
+            <a:chOff x="490159" y="2239964"/>
+            <a:chExt cx="348041" cy="450054"/>
+          </a:xfrm>
+        </p:grpSpPr>
+        <p:sp>
+          <p:nvSpPr>
+            <p:cNvPr id="84" name="円/楕円 83">
+              <a:extLst>
+                <a:ext uri="{FF2B5EF4-FFF2-40B4-BE49-F238E27FC236}">
+                  <a16:creationId xmlns:a16="http://schemas.microsoft.com/office/drawing/2014/main" id="{F11773EA-8D0B-034E-BE85-169CFFD34D2F}"/>
+                </a:ext>
+              </a:extLst>
+            </p:cNvPr>
+            <p:cNvSpPr/>
+            <p:nvPr/>
+          </p:nvSpPr>
+          <p:spPr>
+            <a:xfrm>
+              <a:off x="514161" y="2239964"/>
+              <a:ext cx="300036" cy="300036"/>
+            </a:xfrm>
+            <a:prstGeom prst="ellipse">
+              <a:avLst/>
+            </a:prstGeom>
+            <a:solidFill>
+              <a:schemeClr val="bg1">
+                <a:lumMod val="75000"/>
+              </a:schemeClr>
+            </a:solidFill>
+            <a:ln>
+              <a:noFill/>
+            </a:ln>
+          </p:spPr>
+          <p:style>
+            <a:lnRef idx="2">
+              <a:schemeClr val="accent1">
+                <a:shade val="50000"/>
+              </a:schemeClr>
+            </a:lnRef>
+            <a:fillRef idx="1">
+              <a:schemeClr val="accent1"/>
+            </a:fillRef>
+            <a:effectRef idx="0">
+              <a:schemeClr val="accent1"/>
+            </a:effectRef>
+            <a:fontRef idx="minor">
+              <a:schemeClr val="lt1"/>
+            </a:fontRef>
+          </p:style>
+          <p:txBody>
+            <a:bodyPr rtlCol="0" anchor="ctr"/>
+            <a:lstStyle/>
+            <a:p>
+              <a:pPr algn="ctr"/>
+              <a:endParaRPr kumimoji="1" lang="ja-JP" altLang="en-US" sz="1600">
+                <a:solidFill>
+                  <a:schemeClr val="tx1"/>
+                </a:solidFill>
+              </a:endParaRPr>
+            </a:p>
+          </p:txBody>
+        </p:sp>
+        <p:sp>
+          <p:nvSpPr>
+            <p:cNvPr id="85" name="三角形 84">
+              <a:extLst>
+                <a:ext uri="{FF2B5EF4-FFF2-40B4-BE49-F238E27FC236}">
+                  <a16:creationId xmlns:a16="http://schemas.microsoft.com/office/drawing/2014/main" id="{9B3EC124-4857-114A-8A62-364F80F45630}"/>
+                </a:ext>
+              </a:extLst>
+            </p:cNvPr>
+            <p:cNvSpPr/>
+            <p:nvPr/>
+          </p:nvSpPr>
+          <p:spPr>
+            <a:xfrm>
+              <a:off x="490159" y="2389982"/>
+              <a:ext cx="348041" cy="300036"/>
+            </a:xfrm>
+            <a:prstGeom prst="triangle">
+              <a:avLst/>
+            </a:prstGeom>
+            <a:solidFill>
+              <a:schemeClr val="bg1">
+                <a:lumMod val="75000"/>
+              </a:schemeClr>
+            </a:solidFill>
+            <a:ln>
+              <a:noFill/>
+            </a:ln>
+          </p:spPr>
+          <p:style>
+            <a:lnRef idx="2">
+              <a:schemeClr val="accent1">
+                <a:shade val="50000"/>
+              </a:schemeClr>
+            </a:lnRef>
+            <a:fillRef idx="1">
+              <a:schemeClr val="accent1"/>
+            </a:fillRef>
+            <a:effectRef idx="0">
+              <a:schemeClr val="accent1"/>
+            </a:effectRef>
+            <a:fontRef idx="minor">
+              <a:schemeClr val="lt1"/>
+            </a:fontRef>
+          </p:style>
+          <p:txBody>
+            <a:bodyPr wrap="none" rtlCol="0" anchor="ctr"/>
+            <a:lstStyle/>
+            <a:p>
+              <a:pPr algn="ctr"/>
+              <a:endParaRPr kumimoji="1" lang="en-US" altLang="ja-JP" sz="1200" dirty="0">
+                <a:solidFill>
+                  <a:schemeClr val="tx1"/>
+                </a:solidFill>
+              </a:endParaRPr>
+            </a:p>
+            <a:p>
+              <a:pPr algn="ctr"/>
+              <a:endParaRPr kumimoji="1" lang="en-US" altLang="ja-JP" sz="1200" dirty="0">
+                <a:solidFill>
+                  <a:schemeClr val="tx1"/>
+                </a:solidFill>
+              </a:endParaRPr>
+            </a:p>
+            <a:p>
+              <a:pPr algn="ctr"/>
+              <a:r>
+                <a:rPr kumimoji="1" lang="en-US" altLang="ja-JP" sz="1200" dirty="0">
+                  <a:solidFill>
+                    <a:schemeClr val="tx1"/>
+                  </a:solidFill>
+                </a:rPr>
+                <a:t>User</a:t>
+              </a:r>
+              <a:endParaRPr kumimoji="1" lang="ja-JP" altLang="en-US" sz="1200">
+                <a:solidFill>
+                  <a:schemeClr val="tx1"/>
+                </a:solidFill>
+              </a:endParaRPr>
+            </a:p>
+          </p:txBody>
+        </p:sp>
+      </p:grpSp>
+      <p:grpSp>
+        <p:nvGrpSpPr>
+          <p:cNvPr id="87" name="グループ化 86">
+            <a:extLst>
+              <a:ext uri="{FF2B5EF4-FFF2-40B4-BE49-F238E27FC236}">
+                <a16:creationId xmlns:a16="http://schemas.microsoft.com/office/drawing/2014/main" id="{448DD629-4989-864B-B2C9-990ECA829B5A}"/>
+              </a:ext>
+            </a:extLst>
+          </p:cNvPr>
+          <p:cNvGrpSpPr/>
+          <p:nvPr/>
+        </p:nvGrpSpPr>
+        <p:grpSpPr>
+          <a:xfrm>
+            <a:off x="10896777" y="2110849"/>
+            <a:ext cx="348041" cy="450054"/>
+            <a:chOff x="490159" y="2239964"/>
+            <a:chExt cx="348041" cy="450054"/>
+          </a:xfrm>
+        </p:grpSpPr>
+        <p:sp>
+          <p:nvSpPr>
+            <p:cNvPr id="88" name="円/楕円 87">
+              <a:extLst>
+                <a:ext uri="{FF2B5EF4-FFF2-40B4-BE49-F238E27FC236}">
+                  <a16:creationId xmlns:a16="http://schemas.microsoft.com/office/drawing/2014/main" id="{C4FCAE79-D8C7-5749-8D24-5D6E69E5972D}"/>
+                </a:ext>
+              </a:extLst>
+            </p:cNvPr>
+            <p:cNvSpPr/>
+            <p:nvPr/>
+          </p:nvSpPr>
+          <p:spPr>
+            <a:xfrm>
+              <a:off x="514161" y="2239964"/>
+              <a:ext cx="300036" cy="300036"/>
+            </a:xfrm>
+            <a:prstGeom prst="ellipse">
+              <a:avLst/>
+            </a:prstGeom>
+            <a:solidFill>
+              <a:schemeClr val="bg1">
+                <a:lumMod val="75000"/>
+              </a:schemeClr>
+            </a:solidFill>
+            <a:ln>
+              <a:noFill/>
+            </a:ln>
+          </p:spPr>
+          <p:style>
+            <a:lnRef idx="2">
+              <a:schemeClr val="accent1">
+                <a:shade val="50000"/>
+              </a:schemeClr>
+            </a:lnRef>
+            <a:fillRef idx="1">
+              <a:schemeClr val="accent1"/>
+            </a:fillRef>
+            <a:effectRef idx="0">
+              <a:schemeClr val="accent1"/>
+            </a:effectRef>
+            <a:fontRef idx="minor">
+              <a:schemeClr val="lt1"/>
+            </a:fontRef>
+          </p:style>
+          <p:txBody>
+            <a:bodyPr rtlCol="0" anchor="ctr"/>
+            <a:lstStyle/>
+            <a:p>
+              <a:pPr algn="ctr"/>
+              <a:endParaRPr kumimoji="1" lang="ja-JP" altLang="en-US" sz="1600">
+                <a:solidFill>
+                  <a:schemeClr val="tx1"/>
+                </a:solidFill>
+              </a:endParaRPr>
+            </a:p>
+          </p:txBody>
+        </p:sp>
+        <p:sp>
+          <p:nvSpPr>
+            <p:cNvPr id="89" name="三角形 88">
+              <a:extLst>
+                <a:ext uri="{FF2B5EF4-FFF2-40B4-BE49-F238E27FC236}">
+                  <a16:creationId xmlns:a16="http://schemas.microsoft.com/office/drawing/2014/main" id="{0D8547FA-BEF1-9740-AF01-FBA870FFE9EF}"/>
+                </a:ext>
+              </a:extLst>
+            </p:cNvPr>
+            <p:cNvSpPr/>
+            <p:nvPr/>
+          </p:nvSpPr>
+          <p:spPr>
+            <a:xfrm>
+              <a:off x="490159" y="2389982"/>
+              <a:ext cx="348041" cy="300036"/>
+            </a:xfrm>
+            <a:prstGeom prst="triangle">
+              <a:avLst/>
+            </a:prstGeom>
+            <a:solidFill>
+              <a:schemeClr val="bg1">
+                <a:lumMod val="75000"/>
+              </a:schemeClr>
+            </a:solidFill>
+            <a:ln>
+              <a:noFill/>
+            </a:ln>
+          </p:spPr>
+          <p:style>
+            <a:lnRef idx="2">
+              <a:schemeClr val="accent1">
+                <a:shade val="50000"/>
+              </a:schemeClr>
+            </a:lnRef>
+            <a:fillRef idx="1">
+              <a:schemeClr val="accent1"/>
+            </a:fillRef>
+            <a:effectRef idx="0">
+              <a:schemeClr val="accent1"/>
+            </a:effectRef>
+            <a:fontRef idx="minor">
+              <a:schemeClr val="lt1"/>
+            </a:fontRef>
+          </p:style>
+          <p:txBody>
+            <a:bodyPr wrap="none" rtlCol="0" anchor="ctr"/>
+            <a:lstStyle/>
+            <a:p>
+              <a:pPr algn="ctr"/>
+              <a:endParaRPr kumimoji="1" lang="en-US" altLang="ja-JP" sz="1200" dirty="0">
+                <a:solidFill>
+                  <a:schemeClr val="tx1"/>
+                </a:solidFill>
+              </a:endParaRPr>
+            </a:p>
+            <a:p>
+              <a:pPr algn="ctr"/>
+              <a:endParaRPr kumimoji="1" lang="en-US" altLang="ja-JP" sz="1200" dirty="0">
+                <a:solidFill>
+                  <a:schemeClr val="tx1"/>
+                </a:solidFill>
+              </a:endParaRPr>
+            </a:p>
+            <a:p>
+              <a:pPr algn="ctr"/>
+              <a:r>
+                <a:rPr kumimoji="1" lang="en-US" altLang="ja-JP" sz="1200" dirty="0">
+                  <a:solidFill>
+                    <a:schemeClr val="tx1"/>
+                  </a:solidFill>
+                </a:rPr>
+                <a:t>User</a:t>
+              </a:r>
+              <a:endParaRPr kumimoji="1" lang="ja-JP" altLang="en-US" sz="1200">
+                <a:solidFill>
+                  <a:schemeClr val="tx1"/>
+                </a:solidFill>
+              </a:endParaRPr>
+            </a:p>
+          </p:txBody>
+        </p:sp>
+      </p:grpSp>
+      <p:cxnSp>
+        <p:nvCxnSpPr>
+          <p:cNvPr id="90" name="直線矢印コネクタ 89">
+            <a:extLst>
+              <a:ext uri="{FF2B5EF4-FFF2-40B4-BE49-F238E27FC236}">
+                <a16:creationId xmlns:a16="http://schemas.microsoft.com/office/drawing/2014/main" id="{0FF48079-32CF-9E4A-8E02-ABF451B7E6F5}"/>
+              </a:ext>
+            </a:extLst>
+          </p:cNvPr>
+          <p:cNvCxnSpPr>
+            <a:cxnSpLocks/>
+            <a:endCxn id="7" idx="3"/>
+          </p:cNvCxnSpPr>
+          <p:nvPr/>
+        </p:nvCxnSpPr>
+        <p:spPr>
+          <a:xfrm flipH="1">
+            <a:off x="9038171" y="2308000"/>
+            <a:ext cx="1562096" cy="0"/>
+          </a:xfrm>
+          <a:prstGeom prst="straightConnector1">
+            <a:avLst/>
+          </a:prstGeom>
+          <a:ln w="9525">
+            <a:solidFill>
+              <a:schemeClr val="tx1"/>
+            </a:solidFill>
+            <a:headEnd type="none" w="med" len="med"/>
+            <a:tailEnd type="arrow" w="med" len="med"/>
+          </a:ln>
+        </p:spPr>
+        <p:style>
+          <a:lnRef idx="1">
+            <a:schemeClr val="accent1"/>
+          </a:lnRef>
+          <a:fillRef idx="0">
+            <a:schemeClr val="accent1"/>
+          </a:fillRef>
+          <a:effectRef idx="0">
+            <a:schemeClr val="accent1"/>
+          </a:effectRef>
+          <a:fontRef idx="minor">
+            <a:schemeClr val="tx1"/>
+          </a:fontRef>
+        </p:style>
+      </p:cxnSp>
+      <p:sp>
+        <p:nvSpPr>
+          <p:cNvPr id="91" name="テキスト ボックス 90">
+            <a:extLst>
+              <a:ext uri="{FF2B5EF4-FFF2-40B4-BE49-F238E27FC236}">
+                <a16:creationId xmlns:a16="http://schemas.microsoft.com/office/drawing/2014/main" id="{34046930-38CD-384D-B33B-E657EFFF319B}"/>
+              </a:ext>
+            </a:extLst>
+          </p:cNvPr>
+          <p:cNvSpPr txBox="1"/>
+          <p:nvPr/>
+        </p:nvSpPr>
+        <p:spPr>
+          <a:xfrm>
+            <a:off x="9215910" y="1952413"/>
+            <a:ext cx="835378" cy="276999"/>
+          </a:xfrm>
+          <a:prstGeom prst="rect">
+            <a:avLst/>
+          </a:prstGeom>
+          <a:noFill/>
+        </p:spPr>
+        <p:txBody>
+          <a:bodyPr wrap="square" rtlCol="0">
+            <a:spAutoFit/>
+          </a:bodyPr>
+          <a:lstStyle/>
+          <a:p>
+            <a:pPr algn="ctr"/>
+            <a:r>
+              <a:rPr kumimoji="1" lang="en-US" altLang="ja-JP" sz="1200" dirty="0"/>
+              <a:t>Trade</a:t>
+            </a:r>
+            <a:endParaRPr kumimoji="1" lang="ja-JP" altLang="en-US" sz="1200"/>
+          </a:p>
+        </p:txBody>
+      </p:sp>
+      <p:cxnSp>
+        <p:nvCxnSpPr>
+          <p:cNvPr id="94" name="直線矢印コネクタ 93">
+            <a:extLst>
+              <a:ext uri="{FF2B5EF4-FFF2-40B4-BE49-F238E27FC236}">
+                <a16:creationId xmlns:a16="http://schemas.microsoft.com/office/drawing/2014/main" id="{ABB37405-1FD5-284A-BDE7-D8F9891669A3}"/>
+              </a:ext>
+            </a:extLst>
+          </p:cNvPr>
+          <p:cNvCxnSpPr>
+            <a:cxnSpLocks/>
+          </p:cNvCxnSpPr>
+          <p:nvPr/>
+        </p:nvCxnSpPr>
+        <p:spPr>
+          <a:xfrm flipH="1">
+            <a:off x="9038171" y="4644800"/>
+            <a:ext cx="1562096" cy="0"/>
+          </a:xfrm>
+          <a:prstGeom prst="straightConnector1">
+            <a:avLst/>
+          </a:prstGeom>
+          <a:ln w="9525">
+            <a:solidFill>
+              <a:schemeClr val="tx1"/>
+            </a:solidFill>
+            <a:headEnd type="none" w="med" len="med"/>
+            <a:tailEnd type="arrow" w="med" len="med"/>
+          </a:ln>
+        </p:spPr>
+        <p:style>
+          <a:lnRef idx="1">
+            <a:schemeClr val="accent1"/>
+          </a:lnRef>
+          <a:fillRef idx="0">
+            <a:schemeClr val="accent1"/>
+          </a:fillRef>
+          <a:effectRef idx="0">
+            <a:schemeClr val="accent1"/>
+          </a:effectRef>
+          <a:fontRef idx="minor">
+            <a:schemeClr val="tx1"/>
+          </a:fontRef>
+        </p:style>
+      </p:cxnSp>
+      <p:sp>
+        <p:nvSpPr>
+          <p:cNvPr id="95" name="テキスト ボックス 94">
+            <a:extLst>
+              <a:ext uri="{FF2B5EF4-FFF2-40B4-BE49-F238E27FC236}">
+                <a16:creationId xmlns:a16="http://schemas.microsoft.com/office/drawing/2014/main" id="{C4B23B8D-03A1-4741-BB71-643357AB10E3}"/>
+              </a:ext>
+            </a:extLst>
+          </p:cNvPr>
+          <p:cNvSpPr txBox="1"/>
+          <p:nvPr/>
+        </p:nvSpPr>
+        <p:spPr>
+          <a:xfrm>
+            <a:off x="9215910" y="4289213"/>
+            <a:ext cx="835378" cy="276999"/>
+          </a:xfrm>
+          <a:prstGeom prst="rect">
+            <a:avLst/>
+          </a:prstGeom>
+          <a:noFill/>
+        </p:spPr>
+        <p:txBody>
+          <a:bodyPr wrap="square" rtlCol="0">
+            <a:spAutoFit/>
+          </a:bodyPr>
+          <a:lstStyle/>
+          <a:p>
+            <a:pPr algn="ctr"/>
+            <a:r>
+              <a:rPr kumimoji="1" lang="en-US" altLang="ja-JP" sz="1200" dirty="0"/>
+              <a:t>Exchange</a:t>
+            </a:r>
+            <a:endParaRPr kumimoji="1" lang="ja-JP" altLang="en-US" sz="1200"/>
+          </a:p>
+        </p:txBody>
+      </p:sp>
+      <p:sp>
+        <p:nvSpPr>
+          <p:cNvPr id="98" name="テキスト ボックス 97">
+            <a:extLst>
+              <a:ext uri="{FF2B5EF4-FFF2-40B4-BE49-F238E27FC236}">
+                <a16:creationId xmlns:a16="http://schemas.microsoft.com/office/drawing/2014/main" id="{EC916F33-4E6F-4441-B30D-8435B3E37271}"/>
+              </a:ext>
+            </a:extLst>
+          </p:cNvPr>
+          <p:cNvSpPr txBox="1"/>
+          <p:nvPr/>
+        </p:nvSpPr>
+        <p:spPr>
+          <a:xfrm>
+            <a:off x="266432" y="5962218"/>
+            <a:ext cx="6010189" cy="253916"/>
+          </a:xfrm>
+          <a:prstGeom prst="rect">
+            <a:avLst/>
+          </a:prstGeom>
+          <a:noFill/>
+        </p:spPr>
+        <p:txBody>
+          <a:bodyPr wrap="square" rtlCol="0">
+            <a:spAutoFit/>
+          </a:bodyPr>
+          <a:lstStyle/>
+          <a:p>
+            <a:r>
+              <a:rPr kumimoji="1" lang="en-US" altLang="ja-JP" sz="1050" dirty="0"/>
+              <a:t>Reference: </a:t>
+            </a:r>
+            <a:r>
+              <a:rPr kumimoji="1" lang="en-US" altLang="ja-JP" sz="1050" dirty="0">
+                <a:hlinkClick r:id="rId7"/>
+              </a:rPr>
+              <a:t>Create and List a Solana Token in a UI with Zero Development in 5 Minutes</a:t>
+            </a:r>
+            <a:endParaRPr kumimoji="1" lang="ja-JP" altLang="en-US" sz="1050"/>
+          </a:p>
+        </p:txBody>
+      </p:sp>
+      <p:pic>
+        <p:nvPicPr>
+          <p:cNvPr id="99" name="図 98">
+            <a:extLst>
+              <a:ext uri="{FF2B5EF4-FFF2-40B4-BE49-F238E27FC236}">
+                <a16:creationId xmlns:a16="http://schemas.microsoft.com/office/drawing/2014/main" id="{5303BB5F-1BA0-DD4F-A513-75F2368C47E2}"/>
+              </a:ext>
+            </a:extLst>
+          </p:cNvPr>
+          <p:cNvPicPr>
+            <a:picLocks noChangeAspect="1"/>
+          </p:cNvPicPr>
+          <p:nvPr/>
+        </p:nvPicPr>
+        <p:blipFill>
+          <a:blip r:embed="rId8" cstate="screen">
+            <a:extLst>
+              <a:ext uri="{28A0092B-C50C-407E-A947-70E740481C1C}">
+                <a14:useLocalDpi xmlns:a14="http://schemas.microsoft.com/office/drawing/2010/main"/>
+              </a:ext>
+            </a:extLst>
+          </a:blip>
+          <a:stretch>
+            <a:fillRect/>
+          </a:stretch>
+        </p:blipFill>
+        <p:spPr>
+          <a:xfrm>
+            <a:off x="3367251" y="2227101"/>
+            <a:ext cx="957452" cy="489173"/>
+          </a:xfrm>
+          <a:prstGeom prst="rect">
+            <a:avLst/>
+          </a:prstGeom>
+        </p:spPr>
+      </p:pic>
+    </p:spTree>
+    <p:extLst>
+      <p:ext uri="{BB962C8B-B14F-4D97-AF65-F5344CB8AC3E}">
+        <p14:creationId xmlns:p14="http://schemas.microsoft.com/office/powerpoint/2010/main" val="1115809332"/>
+      </p:ext>
+    </p:extLst>
+  </p:cSld>
+  <p:clrMapOvr>
+    <a:masterClrMapping/>
+  </p:clrMapOvr>
+</p:sld>
+</file>
+
+<file path=ppt/slides/slide4.xml><?xml version="1.0" encoding="utf-8"?>
+<p:sld xmlns:a="http://schemas.openxmlformats.org/drawingml/2006/main" xmlns:r="http://schemas.openxmlformats.org/officeDocument/2006/relationships" xmlns:p="http://schemas.openxmlformats.org/presentationml/2006/main">
+  <p:cSld>
+    <p:spTree>
+      <p:nvGrpSpPr>
+        <p:cNvPr id="1" name=""/>
+        <p:cNvGrpSpPr/>
+        <p:nvPr/>
+      </p:nvGrpSpPr>
+      <p:grpSpPr>
+        <a:xfrm>
+          <a:off x="0" y="0"/>
+          <a:ext cx="0" cy="0"/>
+          <a:chOff x="0" y="0"/>
+          <a:chExt cx="0" cy="0"/>
+        </a:xfrm>
+      </p:grpSpPr>
+      <p:sp>
+        <p:nvSpPr>
+          <p:cNvPr id="2" name="タイトル 1">
+            <a:extLst>
+              <a:ext uri="{FF2B5EF4-FFF2-40B4-BE49-F238E27FC236}">
+                <a16:creationId xmlns:a16="http://schemas.microsoft.com/office/drawing/2014/main" id="{247BFE88-7019-4F43-8B30-C0AC025035D4}"/>
+              </a:ext>
+            </a:extLst>
+          </p:cNvPr>
+          <p:cNvSpPr>
+            <a:spLocks noGrp="1"/>
+          </p:cNvSpPr>
+          <p:nvPr>
+            <p:ph type="title"/>
+          </p:nvPr>
+        </p:nvSpPr>
+        <p:spPr/>
+        <p:txBody>
+          <a:bodyPr/>
+          <a:lstStyle/>
+          <a:p>
+            <a:r>
+              <a:rPr kumimoji="1" lang="en-US" altLang="ja-JP" dirty="0"/>
+              <a:t>Production System Architecture</a:t>
+            </a:r>
+            <a:r>
+              <a:rPr kumimoji="1" lang="ja-JP" altLang="en-US"/>
+              <a:t> </a:t>
+            </a:r>
+            <a:r>
+              <a:rPr kumimoji="1" lang="en-US" altLang="ja-JP" dirty="0"/>
+              <a:t>(Draft)</a:t>
+            </a:r>
+            <a:endParaRPr kumimoji="1" lang="ja-JP" altLang="en-US"/>
+          </a:p>
+        </p:txBody>
+      </p:sp>
+      <p:sp>
+        <p:nvSpPr>
+          <p:cNvPr id="5" name="スライド番号プレースホルダー 4">
+            <a:extLst>
+              <a:ext uri="{FF2B5EF4-FFF2-40B4-BE49-F238E27FC236}">
+                <a16:creationId xmlns:a16="http://schemas.microsoft.com/office/drawing/2014/main" id="{C519304D-DB9E-0848-9482-0874A773055B}"/>
+              </a:ext>
+            </a:extLst>
+          </p:cNvPr>
+          <p:cNvSpPr>
+            <a:spLocks noGrp="1"/>
+          </p:cNvSpPr>
+          <p:nvPr>
+            <p:ph type="sldNum" sz="quarter" idx="12"/>
+          </p:nvPr>
+        </p:nvSpPr>
+        <p:spPr/>
+        <p:txBody>
+          <a:bodyPr/>
+          <a:lstStyle/>
+          <a:p>
+            <a:fld id="{51BE5F08-58E8-9243-A834-2B76637F595D}" type="slidenum">
+              <a:rPr kumimoji="1" lang="ja-JP" altLang="en-US" smtClean="0"/>
+              <a:t>3</a:t>
             </a:fld>
             <a:endParaRPr kumimoji="1" lang="ja-JP" altLang="en-US"/>
           </a:p>
@@ -4825,7 +10346,7 @@
                   <a:schemeClr val="tx1"/>
                 </a:solidFill>
               </a:rPr>
-              <a:t>Market Prices/Analytics</a:t>
+              <a:t>Market / Report</a:t>
             </a:r>
           </a:p>
           <a:p>
@@ -4842,7 +10363,7 @@
                   <a:schemeClr val="tx1"/>
                 </a:solidFill>
               </a:rPr>
-              <a:t>ex) </a:t>
+              <a:t>ex) Serum DEX, </a:t>
             </a:r>
             <a:r>
               <a:rPr kumimoji="1" lang="en-US" altLang="ja-JP" sz="1200" dirty="0" err="1">
@@ -4851,22 +10372,6 @@
                 </a:solidFill>
               </a:rPr>
               <a:t>CoinMarketCap</a:t>
-            </a:r>
-            <a:r>
-              <a:rPr kumimoji="1" lang="en-US" altLang="ja-JP" sz="1200" dirty="0">
-                <a:solidFill>
-                  <a:schemeClr val="tx1"/>
-                </a:solidFill>
-              </a:rPr>
-              <a:t>, </a:t>
-            </a:r>
-            <a:r>
-              <a:rPr kumimoji="1" lang="en-US" altLang="ja-JP" sz="1200" dirty="0" err="1">
-                <a:solidFill>
-                  <a:schemeClr val="tx1"/>
-                </a:solidFill>
-              </a:rPr>
-              <a:t>CoinGecko</a:t>
             </a:r>
             <a:r>
               <a:rPr kumimoji="1" lang="en-US" altLang="ja-JP" sz="1200" dirty="0">
@@ -6095,7 +11600,7 @@
         </p:nvSpPr>
         <p:spPr>
           <a:xfrm>
-            <a:off x="10555724" y="1857629"/>
+            <a:off x="10470640" y="1857629"/>
             <a:ext cx="1059093" cy="276999"/>
           </a:xfrm>
           <a:prstGeom prst="rect">
@@ -6221,7 +11726,7 @@
         <p:spPr>
           <a:xfrm>
             <a:off x="5166911" y="4408528"/>
-            <a:ext cx="4743296" cy="930202"/>
+            <a:ext cx="3621847" cy="930202"/>
           </a:xfrm>
           <a:custGeom>
             <a:avLst/>
@@ -6344,8 +11849,8 @@
         </p:nvSpPr>
         <p:spPr>
           <a:xfrm>
-            <a:off x="9910207" y="4901547"/>
-            <a:ext cx="980314" cy="867600"/>
+            <a:off x="8788758" y="4901547"/>
+            <a:ext cx="2101763" cy="867600"/>
           </a:xfrm>
           <a:prstGeom prst="roundRect">
             <a:avLst/>
@@ -6769,6 +12274,357 @@
           </p:txBody>
         </p:sp>
       </p:grpSp>
+      <p:sp>
+        <p:nvSpPr>
+          <p:cNvPr id="15" name="フッター プレースホルダー 14">
+            <a:extLst>
+              <a:ext uri="{FF2B5EF4-FFF2-40B4-BE49-F238E27FC236}">
+                <a16:creationId xmlns:a16="http://schemas.microsoft.com/office/drawing/2014/main" id="{955F18C5-6A8C-9A42-9EA2-544DC14FD75B}"/>
+              </a:ext>
+            </a:extLst>
+          </p:cNvPr>
+          <p:cNvSpPr>
+            <a:spLocks noGrp="1"/>
+          </p:cNvSpPr>
+          <p:nvPr>
+            <p:ph type="ftr" sz="quarter" idx="11"/>
+          </p:nvPr>
+        </p:nvSpPr>
+        <p:spPr/>
+        <p:txBody>
+          <a:bodyPr/>
+          <a:lstStyle/>
+          <a:p>
+            <a:r>
+              <a:rPr kumimoji="1" lang="en-US" altLang="ja-JP"/>
+              <a:t>256hax</a:t>
+            </a:r>
+            <a:endParaRPr kumimoji="1" lang="ja-JP" altLang="en-US"/>
+          </a:p>
+        </p:txBody>
+      </p:sp>
+      <p:pic>
+        <p:nvPicPr>
+          <p:cNvPr id="51" name="図 50">
+            <a:extLst>
+              <a:ext uri="{FF2B5EF4-FFF2-40B4-BE49-F238E27FC236}">
+                <a16:creationId xmlns:a16="http://schemas.microsoft.com/office/drawing/2014/main" id="{F5700D3D-2A5D-5145-9BA6-2683E04D4F7C}"/>
+              </a:ext>
+            </a:extLst>
+          </p:cNvPr>
+          <p:cNvPicPr>
+            <a:picLocks noChangeAspect="1"/>
+          </p:cNvPicPr>
+          <p:nvPr/>
+        </p:nvPicPr>
+        <p:blipFill>
+          <a:blip r:embed="rId3" cstate="screen">
+            <a:extLst>
+              <a:ext uri="{28A0092B-C50C-407E-A947-70E740481C1C}">
+                <a14:useLocalDpi xmlns:a14="http://schemas.microsoft.com/office/drawing/2010/main"/>
+              </a:ext>
+            </a:extLst>
+          </a:blip>
+          <a:stretch>
+            <a:fillRect/>
+          </a:stretch>
+        </p:blipFill>
+        <p:spPr>
+          <a:xfrm>
+            <a:off x="10114592" y="2229512"/>
+            <a:ext cx="332085" cy="292234"/>
+          </a:xfrm>
+          <a:prstGeom prst="rect">
+            <a:avLst/>
+          </a:prstGeom>
+        </p:spPr>
+      </p:pic>
+      <p:pic>
+        <p:nvPicPr>
+          <p:cNvPr id="52" name="図 51">
+            <a:extLst>
+              <a:ext uri="{FF2B5EF4-FFF2-40B4-BE49-F238E27FC236}">
+                <a16:creationId xmlns:a16="http://schemas.microsoft.com/office/drawing/2014/main" id="{172BE660-4E56-D94B-BC1A-D63EDE9A1563}"/>
+              </a:ext>
+            </a:extLst>
+          </p:cNvPr>
+          <p:cNvPicPr>
+            <a:picLocks noChangeAspect="1"/>
+          </p:cNvPicPr>
+          <p:nvPr/>
+        </p:nvPicPr>
+        <p:blipFill rotWithShape="1">
+          <a:blip r:embed="rId4" cstate="screen">
+            <a:extLst>
+              <a:ext uri="{28A0092B-C50C-407E-A947-70E740481C1C}">
+                <a14:useLocalDpi xmlns:a14="http://schemas.microsoft.com/office/drawing/2010/main"/>
+              </a:ext>
+            </a:extLst>
+          </a:blip>
+          <a:srcRect l="-4042" t="-17445" r="-4042" b="-17911"/>
+          <a:stretch/>
+        </p:blipFill>
+        <p:spPr>
+          <a:xfrm>
+            <a:off x="868335" y="3105631"/>
+            <a:ext cx="705646" cy="205792"/>
+          </a:xfrm>
+          <a:prstGeom prst="rect">
+            <a:avLst/>
+          </a:prstGeom>
+          <a:solidFill>
+            <a:srgbClr val="2C2D30"/>
+          </a:solidFill>
+        </p:spPr>
+      </p:pic>
+      <p:pic>
+        <p:nvPicPr>
+          <p:cNvPr id="53" name="図 52">
+            <a:extLst>
+              <a:ext uri="{FF2B5EF4-FFF2-40B4-BE49-F238E27FC236}">
+                <a16:creationId xmlns:a16="http://schemas.microsoft.com/office/drawing/2014/main" id="{5AB9FD06-9BC2-5D4F-BF91-AD4E9633DA7C}"/>
+              </a:ext>
+            </a:extLst>
+          </p:cNvPr>
+          <p:cNvPicPr>
+            <a:picLocks noChangeAspect="1"/>
+          </p:cNvPicPr>
+          <p:nvPr/>
+        </p:nvPicPr>
+        <p:blipFill>
+          <a:blip r:embed="rId5"/>
+          <a:stretch>
+            <a:fillRect/>
+          </a:stretch>
+        </p:blipFill>
+        <p:spPr>
+          <a:xfrm>
+            <a:off x="3350274" y="3857522"/>
+            <a:ext cx="457200" cy="457200"/>
+          </a:xfrm>
+          <a:prstGeom prst="rect">
+            <a:avLst/>
+          </a:prstGeom>
+        </p:spPr>
+      </p:pic>
+      <p:pic>
+        <p:nvPicPr>
+          <p:cNvPr id="1026" name="Picture 2" descr="GitHub - project-serum/anchor: ⚓ Solana Sealevel Framework">
+            <a:extLst>
+              <a:ext uri="{FF2B5EF4-FFF2-40B4-BE49-F238E27FC236}">
+                <a16:creationId xmlns:a16="http://schemas.microsoft.com/office/drawing/2014/main" id="{F444EE1F-2789-5543-A7BE-00808100A8E1}"/>
+              </a:ext>
+            </a:extLst>
+          </p:cNvPr>
+          <p:cNvPicPr>
+            <a:picLocks noChangeAspect="1" noChangeArrowheads="1"/>
+          </p:cNvPicPr>
+          <p:nvPr/>
+        </p:nvPicPr>
+        <p:blipFill>
+          <a:blip r:embed="rId6">
+            <a:extLst>
+              <a:ext uri="{28A0092B-C50C-407E-A947-70E740481C1C}">
+                <a14:useLocalDpi xmlns:a14="http://schemas.microsoft.com/office/drawing/2010/main" val="0"/>
+              </a:ext>
+            </a:extLst>
+          </a:blip>
+          <a:srcRect/>
+          <a:stretch>
+            <a:fillRect/>
+          </a:stretch>
+        </p:blipFill>
+        <p:spPr bwMode="auto">
+          <a:xfrm>
+            <a:off x="9305644" y="5392616"/>
+            <a:ext cx="335851" cy="335851"/>
+          </a:xfrm>
+          <a:prstGeom prst="rect">
+            <a:avLst/>
+          </a:prstGeom>
+          <a:noFill/>
+          <a:extLst>
+            <a:ext uri="{909E8E84-426E-40DD-AFC4-6F175D3DCCD1}">
+              <a14:hiddenFill xmlns:a14="http://schemas.microsoft.com/office/drawing/2010/main">
+                <a:solidFill>
+                  <a:srgbClr val="FFFFFF"/>
+                </a:solidFill>
+              </a14:hiddenFill>
+            </a:ext>
+          </a:extLst>
+        </p:spPr>
+      </p:pic>
+      <p:pic>
+        <p:nvPicPr>
+          <p:cNvPr id="1030" name="Picture 6" descr="Rust (プログラミング言語) - Wikipedia">
+            <a:extLst>
+              <a:ext uri="{FF2B5EF4-FFF2-40B4-BE49-F238E27FC236}">
+                <a16:creationId xmlns:a16="http://schemas.microsoft.com/office/drawing/2014/main" id="{FAD96C84-798B-3A41-B670-EA6FCF63218F}"/>
+              </a:ext>
+            </a:extLst>
+          </p:cNvPr>
+          <p:cNvPicPr>
+            <a:picLocks noChangeAspect="1" noChangeArrowheads="1"/>
+          </p:cNvPicPr>
+          <p:nvPr/>
+        </p:nvPicPr>
+        <p:blipFill>
+          <a:blip r:embed="rId7">
+            <a:extLst>
+              <a:ext uri="{28A0092B-C50C-407E-A947-70E740481C1C}">
+                <a14:useLocalDpi xmlns:a14="http://schemas.microsoft.com/office/drawing/2010/main" val="0"/>
+              </a:ext>
+            </a:extLst>
+          </a:blip>
+          <a:srcRect/>
+          <a:stretch>
+            <a:fillRect/>
+          </a:stretch>
+        </p:blipFill>
+        <p:spPr bwMode="auto">
+          <a:xfrm>
+            <a:off x="8947510" y="5392616"/>
+            <a:ext cx="335851" cy="335851"/>
+          </a:xfrm>
+          <a:prstGeom prst="rect">
+            <a:avLst/>
+          </a:prstGeom>
+          <a:noFill/>
+          <a:extLst>
+            <a:ext uri="{909E8E84-426E-40DD-AFC4-6F175D3DCCD1}">
+              <a14:hiddenFill xmlns:a14="http://schemas.microsoft.com/office/drawing/2010/main">
+                <a:solidFill>
+                  <a:srgbClr val="FFFFFF"/>
+                </a:solidFill>
+              </a14:hiddenFill>
+            </a:ext>
+          </a:extLst>
+        </p:spPr>
+      </p:pic>
+      <p:pic>
+        <p:nvPicPr>
+          <p:cNvPr id="1032" name="Picture 8" descr="React - Wikipedia">
+            <a:extLst>
+              <a:ext uri="{FF2B5EF4-FFF2-40B4-BE49-F238E27FC236}">
+                <a16:creationId xmlns:a16="http://schemas.microsoft.com/office/drawing/2014/main" id="{2BE68272-4A1A-E243-9CAC-EF51C51B9975}"/>
+              </a:ext>
+            </a:extLst>
+          </p:cNvPr>
+          <p:cNvPicPr>
+            <a:picLocks noChangeAspect="1" noChangeArrowheads="1"/>
+          </p:cNvPicPr>
+          <p:nvPr/>
+        </p:nvPicPr>
+        <p:blipFill>
+          <a:blip r:embed="rId8">
+            <a:extLst>
+              <a:ext uri="{28A0092B-C50C-407E-A947-70E740481C1C}">
+                <a14:useLocalDpi xmlns:a14="http://schemas.microsoft.com/office/drawing/2010/main" val="0"/>
+              </a:ext>
+            </a:extLst>
+          </a:blip>
+          <a:srcRect/>
+          <a:stretch>
+            <a:fillRect/>
+          </a:stretch>
+        </p:blipFill>
+        <p:spPr bwMode="auto">
+          <a:xfrm>
+            <a:off x="7818535" y="2167787"/>
+            <a:ext cx="539915" cy="381553"/>
+          </a:xfrm>
+          <a:prstGeom prst="rect">
+            <a:avLst/>
+          </a:prstGeom>
+          <a:noFill/>
+          <a:extLst>
+            <a:ext uri="{909E8E84-426E-40DD-AFC4-6F175D3DCCD1}">
+              <a14:hiddenFill xmlns:a14="http://schemas.microsoft.com/office/drawing/2010/main">
+                <a:solidFill>
+                  <a:srgbClr val="FFFFFF"/>
+                </a:solidFill>
+              </a14:hiddenFill>
+            </a:ext>
+          </a:extLst>
+        </p:spPr>
+      </p:pic>
+      <p:pic>
+        <p:nvPicPr>
+          <p:cNvPr id="1034" name="Picture 10" descr="NFT Storage Logo">
+            <a:extLst>
+              <a:ext uri="{FF2B5EF4-FFF2-40B4-BE49-F238E27FC236}">
+                <a16:creationId xmlns:a16="http://schemas.microsoft.com/office/drawing/2014/main" id="{D517E114-08B9-814B-AF71-9B87F803D7FA}"/>
+              </a:ext>
+            </a:extLst>
+          </p:cNvPr>
+          <p:cNvPicPr>
+            <a:picLocks noChangeAspect="1" noChangeArrowheads="1"/>
+          </p:cNvPicPr>
+          <p:nvPr/>
+        </p:nvPicPr>
+        <p:blipFill>
+          <a:blip r:embed="rId9">
+            <a:extLst>
+              <a:ext uri="{28A0092B-C50C-407E-A947-70E740481C1C}">
+                <a14:useLocalDpi xmlns:a14="http://schemas.microsoft.com/office/drawing/2010/main" val="0"/>
+              </a:ext>
+            </a:extLst>
+          </a:blip>
+          <a:srcRect/>
+          <a:stretch>
+            <a:fillRect/>
+          </a:stretch>
+        </p:blipFill>
+        <p:spPr bwMode="auto">
+          <a:xfrm>
+            <a:off x="9751284" y="3518264"/>
+            <a:ext cx="764500" cy="377472"/>
+          </a:xfrm>
+          <a:prstGeom prst="rect">
+            <a:avLst/>
+          </a:prstGeom>
+          <a:noFill/>
+          <a:extLst>
+            <a:ext uri="{909E8E84-426E-40DD-AFC4-6F175D3DCCD1}">
+              <a14:hiddenFill xmlns:a14="http://schemas.microsoft.com/office/drawing/2010/main">
+                <a:solidFill>
+                  <a:srgbClr val="FFFFFF"/>
+                </a:solidFill>
+              </a14:hiddenFill>
+            </a:ext>
+          </a:extLst>
+        </p:spPr>
+      </p:pic>
+      <p:pic>
+        <p:nvPicPr>
+          <p:cNvPr id="18" name="図 17">
+            <a:extLst>
+              <a:ext uri="{FF2B5EF4-FFF2-40B4-BE49-F238E27FC236}">
+                <a16:creationId xmlns:a16="http://schemas.microsoft.com/office/drawing/2014/main" id="{3DD7A546-5BEF-A14A-9A0D-43902C7984DD}"/>
+              </a:ext>
+            </a:extLst>
+          </p:cNvPr>
+          <p:cNvPicPr>
+            <a:picLocks noChangeAspect="1"/>
+          </p:cNvPicPr>
+          <p:nvPr/>
+        </p:nvPicPr>
+        <p:blipFill>
+          <a:blip r:embed="rId10"/>
+          <a:stretch>
+            <a:fillRect/>
+          </a:stretch>
+        </p:blipFill>
+        <p:spPr>
+          <a:xfrm>
+            <a:off x="9664133" y="1426610"/>
+            <a:ext cx="851651" cy="255495"/>
+          </a:xfrm>
+          <a:prstGeom prst="rect">
+            <a:avLst/>
+          </a:prstGeom>
+        </p:spPr>
+      </p:pic>
     </p:spTree>
     <p:extLst>
       <p:ext uri="{BB962C8B-B14F-4D97-AF65-F5344CB8AC3E}">
@@ -6782,7 +12638,7 @@
 </p:sld>
 </file>
 
-<file path=ppt/slides/slide3.xml><?xml version="1.0" encoding="utf-8"?>
+<file path=ppt/slides/slide5.xml><?xml version="1.0" encoding="utf-8"?>
 <p:sld xmlns:a="http://schemas.openxmlformats.org/drawingml/2006/main" xmlns:r="http://schemas.openxmlformats.org/officeDocument/2006/relationships" xmlns:p="http://schemas.openxmlformats.org/presentationml/2006/main">
   <p:cSld>
     <p:spTree>
@@ -6822,7 +12678,7 @@
           <a:p>
             <a:r>
               <a:rPr lang="en-US" altLang="ja-JP" dirty="0"/>
-              <a:t>Accounts – Execution Programs/Transactions Process (Draft Version)</a:t>
+              <a:t>Accounts – Execution Programs/Transactions Process (Draft)</a:t>
             </a:r>
             <a:endParaRPr kumimoji="1" lang="ja-JP" altLang="en-US"/>
           </a:p>
@@ -6851,37 +12707,8 @@
           <a:p>
             <a:fld id="{51BE5F08-58E8-9243-A834-2B76637F595D}" type="slidenum">
               <a:rPr kumimoji="1" lang="ja-JP" altLang="en-US" smtClean="0"/>
-              <a:t>2</a:t>
+              <a:t>4</a:t>
             </a:fld>
-            <a:endParaRPr kumimoji="1" lang="ja-JP" altLang="en-US"/>
-          </a:p>
-        </p:txBody>
-      </p:sp>
-      <p:sp>
-        <p:nvSpPr>
-          <p:cNvPr id="5" name="フッター プレースホルダー 4">
-            <a:extLst>
-              <a:ext uri="{FF2B5EF4-FFF2-40B4-BE49-F238E27FC236}">
-                <a16:creationId xmlns:a16="http://schemas.microsoft.com/office/drawing/2014/main" id="{26E0FA01-D50A-D64D-A40C-199BBA611355}"/>
-              </a:ext>
-            </a:extLst>
-          </p:cNvPr>
-          <p:cNvSpPr>
-            <a:spLocks noGrp="1"/>
-          </p:cNvSpPr>
-          <p:nvPr>
-            <p:ph type="ftr" sz="quarter" idx="11"/>
-          </p:nvPr>
-        </p:nvSpPr>
-        <p:spPr/>
-        <p:txBody>
-          <a:bodyPr/>
-          <a:lstStyle/>
-          <a:p>
-            <a:r>
-              <a:rPr kumimoji="1" lang="en-US" altLang="ja-JP" dirty="0"/>
-              <a:t>256hax</a:t>
-            </a:r>
             <a:endParaRPr kumimoji="1" lang="ja-JP" altLang="en-US"/>
           </a:p>
         </p:txBody>
@@ -9137,6 +14964,35 @@
           </a:p>
         </p:txBody>
       </p:sp>
+      <p:sp>
+        <p:nvSpPr>
+          <p:cNvPr id="3" name="フッター プレースホルダー 2">
+            <a:extLst>
+              <a:ext uri="{FF2B5EF4-FFF2-40B4-BE49-F238E27FC236}">
+                <a16:creationId xmlns:a16="http://schemas.microsoft.com/office/drawing/2014/main" id="{CF002B0F-6AE7-2549-A696-14648CCF6915}"/>
+              </a:ext>
+            </a:extLst>
+          </p:cNvPr>
+          <p:cNvSpPr>
+            <a:spLocks noGrp="1"/>
+          </p:cNvSpPr>
+          <p:nvPr>
+            <p:ph type="ftr" sz="quarter" idx="11"/>
+          </p:nvPr>
+        </p:nvSpPr>
+        <p:spPr/>
+        <p:txBody>
+          <a:bodyPr/>
+          <a:lstStyle/>
+          <a:p>
+            <a:r>
+              <a:rPr kumimoji="1" lang="en-US" altLang="ja-JP"/>
+              <a:t>256hax</a:t>
+            </a:r>
+            <a:endParaRPr kumimoji="1" lang="ja-JP" altLang="en-US"/>
+          </a:p>
+        </p:txBody>
+      </p:sp>
     </p:spTree>
     <p:extLst>
       <p:ext uri="{BB962C8B-B14F-4D97-AF65-F5344CB8AC3E}">
@@ -9150,7 +15006,7 @@
 </p:sld>
 </file>
 
-<file path=ppt/slides/slide4.xml><?xml version="1.0" encoding="utf-8"?>
+<file path=ppt/slides/slide6.xml><?xml version="1.0" encoding="utf-8"?>
 <p:sld xmlns:a="http://schemas.openxmlformats.org/drawingml/2006/main" xmlns:r="http://schemas.openxmlformats.org/officeDocument/2006/relationships" xmlns:p="http://schemas.openxmlformats.org/presentationml/2006/main">
   <p:cSld>
     <p:spTree>
@@ -9190,36 +15046,7 @@
           <a:p>
             <a:r>
               <a:rPr kumimoji="1" lang="en-US" altLang="ja-JP" dirty="0"/>
-              <a:t>Accounts – Sending Token Process (Draft Version)</a:t>
-            </a:r>
-            <a:endParaRPr kumimoji="1" lang="ja-JP" altLang="en-US"/>
-          </a:p>
-        </p:txBody>
-      </p:sp>
-      <p:sp>
-        <p:nvSpPr>
-          <p:cNvPr id="4" name="フッター プレースホルダー 3">
-            <a:extLst>
-              <a:ext uri="{FF2B5EF4-FFF2-40B4-BE49-F238E27FC236}">
-                <a16:creationId xmlns:a16="http://schemas.microsoft.com/office/drawing/2014/main" id="{8B0292AD-87DE-FC47-AC2B-4284F89A8D72}"/>
-              </a:ext>
-            </a:extLst>
-          </p:cNvPr>
-          <p:cNvSpPr>
-            <a:spLocks noGrp="1"/>
-          </p:cNvSpPr>
-          <p:nvPr>
-            <p:ph type="ftr" sz="quarter" idx="11"/>
-          </p:nvPr>
-        </p:nvSpPr>
-        <p:spPr/>
-        <p:txBody>
-          <a:bodyPr/>
-          <a:lstStyle/>
-          <a:p>
-            <a:r>
-              <a:rPr kumimoji="1" lang="en-US" altLang="ja-JP"/>
-              <a:t>256hax</a:t>
+              <a:t>Accounts – Sending Token Process (Draft)</a:t>
             </a:r>
             <a:endParaRPr kumimoji="1" lang="ja-JP" altLang="en-US"/>
           </a:p>
@@ -9248,7 +15075,7 @@
           <a:p>
             <a:fld id="{51BE5F08-58E8-9243-A834-2B76637F595D}" type="slidenum">
               <a:rPr kumimoji="1" lang="ja-JP" altLang="en-US" smtClean="0"/>
-              <a:t>3</a:t>
+              <a:t>5</a:t>
             </a:fld>
             <a:endParaRPr kumimoji="1" lang="ja-JP" altLang="en-US"/>
           </a:p>
@@ -11633,6 +17460,35 @@
           </p:txBody>
         </p:sp>
       </p:grpSp>
+      <p:sp>
+        <p:nvSpPr>
+          <p:cNvPr id="3" name="フッター プレースホルダー 2">
+            <a:extLst>
+              <a:ext uri="{FF2B5EF4-FFF2-40B4-BE49-F238E27FC236}">
+                <a16:creationId xmlns:a16="http://schemas.microsoft.com/office/drawing/2014/main" id="{E3E5A4C7-25EB-624D-985B-1C09FE38A5AC}"/>
+              </a:ext>
+            </a:extLst>
+          </p:cNvPr>
+          <p:cNvSpPr>
+            <a:spLocks noGrp="1"/>
+          </p:cNvSpPr>
+          <p:nvPr>
+            <p:ph type="ftr" sz="quarter" idx="11"/>
+          </p:nvPr>
+        </p:nvSpPr>
+        <p:spPr/>
+        <p:txBody>
+          <a:bodyPr/>
+          <a:lstStyle/>
+          <a:p>
+            <a:r>
+              <a:rPr kumimoji="1" lang="en-US" altLang="ja-JP"/>
+              <a:t>256hax</a:t>
+            </a:r>
+            <a:endParaRPr kumimoji="1" lang="ja-JP" altLang="en-US"/>
+          </a:p>
+        </p:txBody>
+      </p:sp>
     </p:spTree>
     <p:extLst>
       <p:ext uri="{BB962C8B-B14F-4D97-AF65-F5344CB8AC3E}">
@@ -11940,7 +17796,8 @@
           <a:solidFill>
             <a:schemeClr val="tx1"/>
           </a:solidFill>
-          <a:tailEnd type="none"/>
+          <a:headEnd type="none" w="med" len="med"/>
+          <a:tailEnd type="arrow" w="med" len="med"/>
         </a:ln>
       </a:spPr>
       <a:bodyPr/>

--- a/docs/Solana_Blockchain_Outline_Figure.pptx
+++ b/docs/Solana_Blockchain_Outline_Figure.pptx
@@ -5,15 +5,16 @@
     <p:sldMasterId id="2147483672" r:id="rId1"/>
   </p:sldMasterIdLst>
   <p:notesMasterIdLst>
-    <p:notesMasterId r:id="rId8"/>
+    <p:notesMasterId r:id="rId9"/>
   </p:notesMasterIdLst>
   <p:sldIdLst>
     <p:sldId id="256" r:id="rId2"/>
     <p:sldId id="262" r:id="rId3"/>
     <p:sldId id="263" r:id="rId4"/>
-    <p:sldId id="260" r:id="rId5"/>
-    <p:sldId id="258" r:id="rId6"/>
-    <p:sldId id="259" r:id="rId7"/>
+    <p:sldId id="264" r:id="rId5"/>
+    <p:sldId id="260" r:id="rId6"/>
+    <p:sldId id="258" r:id="rId7"/>
+    <p:sldId id="259" r:id="rId8"/>
   </p:sldIdLst>
   <p:sldSz cx="12192000" cy="6858000"/>
   <p:notesSz cx="6858000" cy="9144000"/>
@@ -650,7 +651,7 @@
           <a:p>
             <a:fld id="{F1E89903-B24E-AB4B-9164-3704844A834F}" type="slidenum">
               <a:rPr kumimoji="1" lang="ja-JP" altLang="en-US" smtClean="0"/>
-              <a:t>3</a:t>
+              <a:t>4</a:t>
             </a:fld>
             <a:endParaRPr kumimoji="1" lang="ja-JP" altLang="en-US"/>
           </a:p>
@@ -9385,7 +9386,7 @@
           <p:cNvPr id="2" name="タイトル 1">
             <a:extLst>
               <a:ext uri="{FF2B5EF4-FFF2-40B4-BE49-F238E27FC236}">
-                <a16:creationId xmlns:a16="http://schemas.microsoft.com/office/drawing/2014/main" id="{247BFE88-7019-4F43-8B30-C0AC025035D4}"/>
+                <a16:creationId xmlns:a16="http://schemas.microsoft.com/office/drawing/2014/main" id="{A975DB2E-3BC4-CE4A-8A1B-DD078F1FCBDD}"/>
               </a:ext>
             </a:extLst>
           </p:cNvPr>
@@ -9403,15 +9404,19 @@
           <a:p>
             <a:r>
               <a:rPr kumimoji="1" lang="en-US" altLang="ja-JP" dirty="0"/>
-              <a:t>Production System Architecture</a:t>
-            </a:r>
-            <a:r>
-              <a:rPr kumimoji="1" lang="ja-JP" altLang="en-US"/>
-              <a:t> </a:t>
-            </a:r>
-            <a:r>
-              <a:rPr kumimoji="1" lang="en-US" altLang="ja-JP" dirty="0"/>
-              <a:t>(Draft)</a:t>
+              <a:t>Quote:</a:t>
+            </a:r>
+            <a:r>
+              <a:rPr lang="en-US" altLang="ja-JP" dirty="0"/>
+              <a:t> How </a:t>
+            </a:r>
+            <a:r>
+              <a:rPr lang="en-US" altLang="ja-JP" dirty="0" err="1"/>
+              <a:t>Uniswap</a:t>
+            </a:r>
+            <a:r>
+              <a:rPr lang="en-US" altLang="ja-JP" dirty="0"/>
+              <a:t> V2 works</a:t>
             </a:r>
             <a:endParaRPr kumimoji="1" lang="ja-JP" altLang="en-US"/>
           </a:p>
@@ -9419,10 +9424,39 @@
       </p:sp>
       <p:sp>
         <p:nvSpPr>
+          <p:cNvPr id="4" name="フッター プレースホルダー 3">
+            <a:extLst>
+              <a:ext uri="{FF2B5EF4-FFF2-40B4-BE49-F238E27FC236}">
+                <a16:creationId xmlns:a16="http://schemas.microsoft.com/office/drawing/2014/main" id="{4CF94AA4-AB4E-324F-8027-9D29D920579C}"/>
+              </a:ext>
+            </a:extLst>
+          </p:cNvPr>
+          <p:cNvSpPr>
+            <a:spLocks noGrp="1"/>
+          </p:cNvSpPr>
+          <p:nvPr>
+            <p:ph type="ftr" sz="quarter" idx="11"/>
+          </p:nvPr>
+        </p:nvSpPr>
+        <p:spPr/>
+        <p:txBody>
+          <a:bodyPr/>
+          <a:lstStyle/>
+          <a:p>
+            <a:r>
+              <a:rPr kumimoji="1" lang="en-US" altLang="ja-JP"/>
+              <a:t>256hax</a:t>
+            </a:r>
+            <a:endParaRPr kumimoji="1" lang="ja-JP" altLang="en-US"/>
+          </a:p>
+        </p:txBody>
+      </p:sp>
+      <p:sp>
+        <p:nvSpPr>
           <p:cNvPr id="5" name="スライド番号プレースホルダー 4">
             <a:extLst>
               <a:ext uri="{FF2B5EF4-FFF2-40B4-BE49-F238E27FC236}">
-                <a16:creationId xmlns:a16="http://schemas.microsoft.com/office/drawing/2014/main" id="{C519304D-DB9E-0848-9482-0874A773055B}"/>
+                <a16:creationId xmlns:a16="http://schemas.microsoft.com/office/drawing/2014/main" id="{63705DBA-FF44-8F4E-990A-F906E11289AE}"/>
               </a:ext>
             </a:extLst>
           </p:cNvPr>
@@ -9441,6 +9475,450 @@
             <a:fld id="{51BE5F08-58E8-9243-A834-2B76637F595D}" type="slidenum">
               <a:rPr kumimoji="1" lang="ja-JP" altLang="en-US" smtClean="0"/>
               <a:t>3</a:t>
+            </a:fld>
+            <a:endParaRPr kumimoji="1" lang="ja-JP" altLang="en-US"/>
+          </a:p>
+        </p:txBody>
+      </p:sp>
+      <p:sp>
+        <p:nvSpPr>
+          <p:cNvPr id="6" name="テキスト ボックス 5">
+            <a:extLst>
+              <a:ext uri="{FF2B5EF4-FFF2-40B4-BE49-F238E27FC236}">
+                <a16:creationId xmlns:a16="http://schemas.microsoft.com/office/drawing/2014/main" id="{2A285182-278E-EC43-B3F1-5216926592DF}"/>
+              </a:ext>
+            </a:extLst>
+          </p:cNvPr>
+          <p:cNvSpPr txBox="1"/>
+          <p:nvPr/>
+        </p:nvSpPr>
+        <p:spPr>
+          <a:xfrm>
+            <a:off x="5576711" y="714905"/>
+            <a:ext cx="6118578" cy="1633353"/>
+          </a:xfrm>
+          <a:prstGeom prst="rect">
+            <a:avLst/>
+          </a:prstGeom>
+          <a:noFill/>
+        </p:spPr>
+        <p:txBody>
+          <a:bodyPr wrap="square" rtlCol="0">
+            <a:noAutofit/>
+          </a:bodyPr>
+          <a:lstStyle/>
+          <a:p>
+            <a:r>
+              <a:rPr lang="en-US" altLang="ja-JP" sz="1200" dirty="0"/>
+              <a:t>"Anyone can become a liquidity provider (LP) for a pool by depositing an equivalent value of each underlying token in return for pool tokens. These tokens track pro-rata LP shares of the total reserves, and can be redeemed for the underlying assets at any time."</a:t>
+            </a:r>
+          </a:p>
+        </p:txBody>
+      </p:sp>
+      <p:sp>
+        <p:nvSpPr>
+          <p:cNvPr id="9" name="テキスト ボックス 8">
+            <a:extLst>
+              <a:ext uri="{FF2B5EF4-FFF2-40B4-BE49-F238E27FC236}">
+                <a16:creationId xmlns:a16="http://schemas.microsoft.com/office/drawing/2014/main" id="{75C0EDA6-91E1-AE43-99CC-7CDDCCED986F}"/>
+              </a:ext>
+            </a:extLst>
+          </p:cNvPr>
+          <p:cNvSpPr txBox="1"/>
+          <p:nvPr/>
+        </p:nvSpPr>
+        <p:spPr>
+          <a:xfrm>
+            <a:off x="5576711" y="2428954"/>
+            <a:ext cx="6118578" cy="1913489"/>
+          </a:xfrm>
+          <a:prstGeom prst="rect">
+            <a:avLst/>
+          </a:prstGeom>
+          <a:noFill/>
+        </p:spPr>
+        <p:txBody>
+          <a:bodyPr wrap="square" rtlCol="0">
+            <a:noAutofit/>
+          </a:bodyPr>
+          <a:lstStyle/>
+          <a:p>
+            <a:r>
+              <a:rPr lang="en-US" altLang="ja-JP" sz="1200" dirty="0"/>
+              <a:t>"Pairs act as automated market makers, standing ready to accept one token for the other as long as the “constant product” formula is preserved. This formula, most simply expressed as x * y = k, states that trades must not change the product (k) of a pair’s reserve balances (x and y). Because k remains unchanged from the reference frame of a trade, it is often referred to as the invariant. This formula has the desirable property that larger trades (relative to reserves) execute at exponentially worse rates than smaller ones.</a:t>
+            </a:r>
+          </a:p>
+          <a:p>
+            <a:r>
+              <a:rPr lang="en-US" altLang="ja-JP" sz="1200" dirty="0"/>
+              <a:t>In practice, </a:t>
+            </a:r>
+            <a:r>
+              <a:rPr lang="en-US" altLang="ja-JP" sz="1200" dirty="0" err="1"/>
+              <a:t>Uniswap</a:t>
+            </a:r>
+            <a:r>
+              <a:rPr lang="en-US" altLang="ja-JP" sz="1200" dirty="0"/>
+              <a:t> applies a 0.30% fee to trades, which is added to reserves. As a result, each trade actually increases k. This functions as a payout to LPs, which is realized when they burn their pool tokens to withdraw their portion of total reserves. In the future, this fee may be reduced to 0.25%, with the remaining 0.05% withheld as a protocol-wide charge."</a:t>
+            </a:r>
+          </a:p>
+        </p:txBody>
+      </p:sp>
+      <p:pic>
+        <p:nvPicPr>
+          <p:cNvPr id="1026" name="Picture 2">
+            <a:extLst>
+              <a:ext uri="{FF2B5EF4-FFF2-40B4-BE49-F238E27FC236}">
+                <a16:creationId xmlns:a16="http://schemas.microsoft.com/office/drawing/2014/main" id="{28A2A80F-5E05-0F43-8FCD-5F39A7521706}"/>
+              </a:ext>
+            </a:extLst>
+          </p:cNvPr>
+          <p:cNvPicPr>
+            <a:picLocks noChangeAspect="1" noChangeArrowheads="1"/>
+          </p:cNvPicPr>
+          <p:nvPr/>
+        </p:nvPicPr>
+        <p:blipFill>
+          <a:blip r:embed="rId2">
+            <a:extLst>
+              <a:ext uri="{28A0092B-C50C-407E-A947-70E740481C1C}">
+                <a14:useLocalDpi xmlns:a14="http://schemas.microsoft.com/office/drawing/2010/main" val="0"/>
+              </a:ext>
+            </a:extLst>
+          </a:blip>
+          <a:srcRect/>
+          <a:stretch>
+            <a:fillRect/>
+          </a:stretch>
+        </p:blipFill>
+        <p:spPr bwMode="auto">
+          <a:xfrm>
+            <a:off x="451259" y="714905"/>
+            <a:ext cx="5064004" cy="1633353"/>
+          </a:xfrm>
+          <a:prstGeom prst="rect">
+            <a:avLst/>
+          </a:prstGeom>
+          <a:noFill/>
+          <a:ln>
+            <a:solidFill>
+              <a:schemeClr val="bg1">
+                <a:lumMod val="75000"/>
+              </a:schemeClr>
+            </a:solidFill>
+          </a:ln>
+          <a:extLst>
+            <a:ext uri="{909E8E84-426E-40DD-AFC4-6F175D3DCCD1}">
+              <a14:hiddenFill xmlns:a14="http://schemas.microsoft.com/office/drawing/2010/main">
+                <a:solidFill>
+                  <a:srgbClr val="FFFFFF"/>
+                </a:solidFill>
+              </a14:hiddenFill>
+            </a:ext>
+          </a:extLst>
+        </p:spPr>
+      </p:pic>
+      <p:pic>
+        <p:nvPicPr>
+          <p:cNvPr id="1028" name="Picture 4">
+            <a:extLst>
+              <a:ext uri="{FF2B5EF4-FFF2-40B4-BE49-F238E27FC236}">
+                <a16:creationId xmlns:a16="http://schemas.microsoft.com/office/drawing/2014/main" id="{C8D6C070-9601-F74F-A766-D67B71ABB485}"/>
+              </a:ext>
+            </a:extLst>
+          </p:cNvPr>
+          <p:cNvPicPr>
+            <a:picLocks noChangeAspect="1" noChangeArrowheads="1"/>
+          </p:cNvPicPr>
+          <p:nvPr/>
+        </p:nvPicPr>
+        <p:blipFill>
+          <a:blip r:embed="rId3">
+            <a:extLst>
+              <a:ext uri="{28A0092B-C50C-407E-A947-70E740481C1C}">
+                <a14:useLocalDpi xmlns:a14="http://schemas.microsoft.com/office/drawing/2010/main" val="0"/>
+              </a:ext>
+            </a:extLst>
+          </a:blip>
+          <a:srcRect/>
+          <a:stretch>
+            <a:fillRect/>
+          </a:stretch>
+        </p:blipFill>
+        <p:spPr bwMode="auto">
+          <a:xfrm>
+            <a:off x="451259" y="2428954"/>
+            <a:ext cx="5069009" cy="1913489"/>
+          </a:xfrm>
+          <a:prstGeom prst="rect">
+            <a:avLst/>
+          </a:prstGeom>
+          <a:noFill/>
+          <a:ln>
+            <a:solidFill>
+              <a:schemeClr val="bg1">
+                <a:lumMod val="75000"/>
+              </a:schemeClr>
+            </a:solidFill>
+          </a:ln>
+          <a:extLst>
+            <a:ext uri="{909E8E84-426E-40DD-AFC4-6F175D3DCCD1}">
+              <a14:hiddenFill xmlns:a14="http://schemas.microsoft.com/office/drawing/2010/main">
+                <a:solidFill>
+                  <a:srgbClr val="FFFFFF"/>
+                </a:solidFill>
+              </a14:hiddenFill>
+            </a:ext>
+          </a:extLst>
+        </p:spPr>
+      </p:pic>
+      <p:pic>
+        <p:nvPicPr>
+          <p:cNvPr id="1030" name="Picture 6">
+            <a:extLst>
+              <a:ext uri="{FF2B5EF4-FFF2-40B4-BE49-F238E27FC236}">
+                <a16:creationId xmlns:a16="http://schemas.microsoft.com/office/drawing/2014/main" id="{A5A832C1-0D02-FC4E-A428-5FBF09383B9D}"/>
+              </a:ext>
+            </a:extLst>
+          </p:cNvPr>
+          <p:cNvPicPr>
+            <a:picLocks noChangeAspect="1" noChangeArrowheads="1"/>
+          </p:cNvPicPr>
+          <p:nvPr/>
+        </p:nvPicPr>
+        <p:blipFill>
+          <a:blip r:embed="rId4">
+            <a:extLst>
+              <a:ext uri="{28A0092B-C50C-407E-A947-70E740481C1C}">
+                <a14:useLocalDpi xmlns:a14="http://schemas.microsoft.com/office/drawing/2010/main" val="0"/>
+              </a:ext>
+            </a:extLst>
+          </a:blip>
+          <a:srcRect/>
+          <a:stretch>
+            <a:fillRect/>
+          </a:stretch>
+        </p:blipFill>
+        <p:spPr bwMode="auto">
+          <a:xfrm>
+            <a:off x="446253" y="4423139"/>
+            <a:ext cx="5074014" cy="2010639"/>
+          </a:xfrm>
+          <a:prstGeom prst="rect">
+            <a:avLst/>
+          </a:prstGeom>
+          <a:noFill/>
+          <a:ln>
+            <a:solidFill>
+              <a:schemeClr val="bg1">
+                <a:lumMod val="75000"/>
+              </a:schemeClr>
+            </a:solidFill>
+          </a:ln>
+          <a:extLst>
+            <a:ext uri="{909E8E84-426E-40DD-AFC4-6F175D3DCCD1}">
+              <a14:hiddenFill xmlns:a14="http://schemas.microsoft.com/office/drawing/2010/main">
+                <a:solidFill>
+                  <a:srgbClr val="FFFFFF"/>
+                </a:solidFill>
+              </a14:hiddenFill>
+            </a:ext>
+          </a:extLst>
+        </p:spPr>
+      </p:pic>
+      <p:sp>
+        <p:nvSpPr>
+          <p:cNvPr id="12" name="テキスト ボックス 11">
+            <a:extLst>
+              <a:ext uri="{FF2B5EF4-FFF2-40B4-BE49-F238E27FC236}">
+                <a16:creationId xmlns:a16="http://schemas.microsoft.com/office/drawing/2014/main" id="{BC8F5FB8-241E-D44F-8EC5-A239493BCD65}"/>
+              </a:ext>
+            </a:extLst>
+          </p:cNvPr>
+          <p:cNvSpPr txBox="1"/>
+          <p:nvPr/>
+        </p:nvSpPr>
+        <p:spPr>
+          <a:xfrm>
+            <a:off x="5576711" y="4423139"/>
+            <a:ext cx="6118578" cy="2010639"/>
+          </a:xfrm>
+          <a:prstGeom prst="rect">
+            <a:avLst/>
+          </a:prstGeom>
+          <a:noFill/>
+        </p:spPr>
+        <p:txBody>
+          <a:bodyPr wrap="square" rtlCol="0">
+            <a:noAutofit/>
+          </a:bodyPr>
+          <a:lstStyle/>
+          <a:p>
+            <a:r>
+              <a:rPr lang="en-US" altLang="ja-JP" sz="1200" dirty="0"/>
+              <a:t>"Because the relative price of the two pair assets can only be changed through trading, divergences between the </a:t>
+            </a:r>
+            <a:r>
+              <a:rPr lang="en-US" altLang="ja-JP" sz="1200" dirty="0" err="1"/>
+              <a:t>Uniswap</a:t>
+            </a:r>
+            <a:r>
+              <a:rPr lang="en-US" altLang="ja-JP" sz="1200" dirty="0"/>
+              <a:t> price and external prices create arbitrage opportunities. This mechanism ensures that </a:t>
+            </a:r>
+            <a:r>
+              <a:rPr lang="en-US" altLang="ja-JP" sz="1200" dirty="0" err="1"/>
+              <a:t>Uniswap</a:t>
+            </a:r>
+            <a:r>
+              <a:rPr lang="en-US" altLang="ja-JP" sz="1200" dirty="0"/>
+              <a:t> prices always trend toward the market-clearing price."</a:t>
+            </a:r>
+          </a:p>
+        </p:txBody>
+      </p:sp>
+      <p:sp>
+        <p:nvSpPr>
+          <p:cNvPr id="8" name="テキスト ボックス 7">
+            <a:extLst>
+              <a:ext uri="{FF2B5EF4-FFF2-40B4-BE49-F238E27FC236}">
+                <a16:creationId xmlns:a16="http://schemas.microsoft.com/office/drawing/2014/main" id="{D37FAAB5-7062-4B4A-8E0D-1AF9E1FAABE8}"/>
+              </a:ext>
+            </a:extLst>
+          </p:cNvPr>
+          <p:cNvSpPr txBox="1"/>
+          <p:nvPr/>
+        </p:nvSpPr>
+        <p:spPr>
+          <a:xfrm>
+            <a:off x="5576712" y="412947"/>
+            <a:ext cx="6118578" cy="253916"/>
+          </a:xfrm>
+          <a:prstGeom prst="rect">
+            <a:avLst/>
+          </a:prstGeom>
+          <a:noFill/>
+        </p:spPr>
+        <p:txBody>
+          <a:bodyPr wrap="square" rtlCol="0">
+            <a:spAutoFit/>
+          </a:bodyPr>
+          <a:lstStyle/>
+          <a:p>
+            <a:r>
+              <a:rPr lang="en-US" altLang="ja-JP" sz="1050" dirty="0"/>
+              <a:t>Source: https://</a:t>
+            </a:r>
+            <a:r>
+              <a:rPr lang="en-US" altLang="ja-JP" sz="1050" dirty="0" err="1"/>
+              <a:t>docs.uniswap.org</a:t>
+            </a:r>
+            <a:r>
+              <a:rPr lang="en-US" altLang="ja-JP" sz="1050" dirty="0"/>
+              <a:t>/protocol/V2/concepts/protocol-overview/how-</a:t>
+            </a:r>
+            <a:r>
+              <a:rPr lang="en-US" altLang="ja-JP" sz="1050" dirty="0" err="1"/>
+              <a:t>uniswap</a:t>
+            </a:r>
+            <a:r>
+              <a:rPr lang="en-US" altLang="ja-JP" sz="1050" dirty="0"/>
+              <a:t>-works</a:t>
+            </a:r>
+          </a:p>
+        </p:txBody>
+      </p:sp>
+    </p:spTree>
+    <p:extLst>
+      <p:ext uri="{BB962C8B-B14F-4D97-AF65-F5344CB8AC3E}">
+        <p14:creationId xmlns:p14="http://schemas.microsoft.com/office/powerpoint/2010/main" val="2329877283"/>
+      </p:ext>
+    </p:extLst>
+  </p:cSld>
+  <p:clrMapOvr>
+    <a:masterClrMapping/>
+  </p:clrMapOvr>
+</p:sld>
+</file>
+
+<file path=ppt/slides/slide5.xml><?xml version="1.0" encoding="utf-8"?>
+<p:sld xmlns:a="http://schemas.openxmlformats.org/drawingml/2006/main" xmlns:r="http://schemas.openxmlformats.org/officeDocument/2006/relationships" xmlns:p="http://schemas.openxmlformats.org/presentationml/2006/main">
+  <p:cSld>
+    <p:spTree>
+      <p:nvGrpSpPr>
+        <p:cNvPr id="1" name=""/>
+        <p:cNvGrpSpPr/>
+        <p:nvPr/>
+      </p:nvGrpSpPr>
+      <p:grpSpPr>
+        <a:xfrm>
+          <a:off x="0" y="0"/>
+          <a:ext cx="0" cy="0"/>
+          <a:chOff x="0" y="0"/>
+          <a:chExt cx="0" cy="0"/>
+        </a:xfrm>
+      </p:grpSpPr>
+      <p:sp>
+        <p:nvSpPr>
+          <p:cNvPr id="2" name="タイトル 1">
+            <a:extLst>
+              <a:ext uri="{FF2B5EF4-FFF2-40B4-BE49-F238E27FC236}">
+                <a16:creationId xmlns:a16="http://schemas.microsoft.com/office/drawing/2014/main" id="{247BFE88-7019-4F43-8B30-C0AC025035D4}"/>
+              </a:ext>
+            </a:extLst>
+          </p:cNvPr>
+          <p:cNvSpPr>
+            <a:spLocks noGrp="1"/>
+          </p:cNvSpPr>
+          <p:nvPr>
+            <p:ph type="title"/>
+          </p:nvPr>
+        </p:nvSpPr>
+        <p:spPr/>
+        <p:txBody>
+          <a:bodyPr/>
+          <a:lstStyle/>
+          <a:p>
+            <a:r>
+              <a:rPr kumimoji="1" lang="en-US" altLang="ja-JP" dirty="0"/>
+              <a:t>Production System Architecture</a:t>
+            </a:r>
+            <a:r>
+              <a:rPr kumimoji="1" lang="ja-JP" altLang="en-US"/>
+              <a:t> </a:t>
+            </a:r>
+            <a:r>
+              <a:rPr kumimoji="1" lang="en-US" altLang="ja-JP" dirty="0"/>
+              <a:t>(Draft)</a:t>
+            </a:r>
+            <a:endParaRPr kumimoji="1" lang="ja-JP" altLang="en-US"/>
+          </a:p>
+        </p:txBody>
+      </p:sp>
+      <p:sp>
+        <p:nvSpPr>
+          <p:cNvPr id="5" name="スライド番号プレースホルダー 4">
+            <a:extLst>
+              <a:ext uri="{FF2B5EF4-FFF2-40B4-BE49-F238E27FC236}">
+                <a16:creationId xmlns:a16="http://schemas.microsoft.com/office/drawing/2014/main" id="{C519304D-DB9E-0848-9482-0874A773055B}"/>
+              </a:ext>
+            </a:extLst>
+          </p:cNvPr>
+          <p:cNvSpPr>
+            <a:spLocks noGrp="1"/>
+          </p:cNvSpPr>
+          <p:nvPr>
+            <p:ph type="sldNum" sz="quarter" idx="12"/>
+          </p:nvPr>
+        </p:nvSpPr>
+        <p:spPr/>
+        <p:txBody>
+          <a:bodyPr/>
+          <a:lstStyle/>
+          <a:p>
+            <a:fld id="{51BE5F08-58E8-9243-A834-2B76637F595D}" type="slidenum">
+              <a:rPr kumimoji="1" lang="ja-JP" altLang="en-US" smtClean="0"/>
+              <a:t>4</a:t>
             </a:fld>
             <a:endParaRPr kumimoji="1" lang="ja-JP" altLang="en-US"/>
           </a:p>
@@ -12638,7 +13116,7 @@
 </p:sld>
 </file>
 
-<file path=ppt/slides/slide5.xml><?xml version="1.0" encoding="utf-8"?>
+<file path=ppt/slides/slide6.xml><?xml version="1.0" encoding="utf-8"?>
 <p:sld xmlns:a="http://schemas.openxmlformats.org/drawingml/2006/main" xmlns:r="http://schemas.openxmlformats.org/officeDocument/2006/relationships" xmlns:p="http://schemas.openxmlformats.org/presentationml/2006/main">
   <p:cSld>
     <p:spTree>
@@ -12707,7 +13185,7 @@
           <a:p>
             <a:fld id="{51BE5F08-58E8-9243-A834-2B76637F595D}" type="slidenum">
               <a:rPr kumimoji="1" lang="ja-JP" altLang="en-US" smtClean="0"/>
-              <a:t>4</a:t>
+              <a:t>5</a:t>
             </a:fld>
             <a:endParaRPr kumimoji="1" lang="ja-JP" altLang="en-US"/>
           </a:p>
@@ -15006,7 +15484,7 @@
 </p:sld>
 </file>
 
-<file path=ppt/slides/slide6.xml><?xml version="1.0" encoding="utf-8"?>
+<file path=ppt/slides/slide7.xml><?xml version="1.0" encoding="utf-8"?>
 <p:sld xmlns:a="http://schemas.openxmlformats.org/drawingml/2006/main" xmlns:r="http://schemas.openxmlformats.org/officeDocument/2006/relationships" xmlns:p="http://schemas.openxmlformats.org/presentationml/2006/main">
   <p:cSld>
     <p:spTree>
@@ -15075,7 +15553,7 @@
           <a:p>
             <a:fld id="{51BE5F08-58E8-9243-A834-2B76637F595D}" type="slidenum">
               <a:rPr kumimoji="1" lang="ja-JP" altLang="en-US" smtClean="0"/>
-              <a:t>5</a:t>
+              <a:t>6</a:t>
             </a:fld>
             <a:endParaRPr kumimoji="1" lang="ja-JP" altLang="en-US"/>
           </a:p>

--- a/docs/Solana_Blockchain_Outline_Figure.pptx
+++ b/docs/Solana_Blockchain_Outline_Figure.pptx
@@ -5,16 +5,20 @@
     <p:sldMasterId id="2147483672" r:id="rId1"/>
   </p:sldMasterIdLst>
   <p:notesMasterIdLst>
-    <p:notesMasterId r:id="rId9"/>
+    <p:notesMasterId r:id="rId13"/>
   </p:notesMasterIdLst>
   <p:sldIdLst>
     <p:sldId id="256" r:id="rId2"/>
-    <p:sldId id="262" r:id="rId3"/>
-    <p:sldId id="263" r:id="rId4"/>
-    <p:sldId id="264" r:id="rId5"/>
-    <p:sldId id="260" r:id="rId6"/>
-    <p:sldId id="258" r:id="rId7"/>
-    <p:sldId id="259" r:id="rId8"/>
+    <p:sldId id="266" r:id="rId3"/>
+    <p:sldId id="262" r:id="rId4"/>
+    <p:sldId id="263" r:id="rId5"/>
+    <p:sldId id="264" r:id="rId6"/>
+    <p:sldId id="260" r:id="rId7"/>
+    <p:sldId id="267" r:id="rId8"/>
+    <p:sldId id="258" r:id="rId9"/>
+    <p:sldId id="259" r:id="rId10"/>
+    <p:sldId id="268" r:id="rId11"/>
+    <p:sldId id="265" r:id="rId12"/>
   </p:sldIdLst>
   <p:sldSz cx="12192000" cy="6858000"/>
   <p:notesSz cx="6858000" cy="9144000"/>
@@ -203,7 +207,7 @@
           <a:p>
             <a:fld id="{0E3AE901-84B3-3248-AD12-BEDA7F301CE3}" type="datetimeFigureOut">
               <a:rPr kumimoji="1" lang="ja-JP" altLang="en-US" smtClean="0"/>
-              <a:t>2021/12/26</a:t>
+              <a:t>2022/1/4</a:t>
             </a:fld>
             <a:endParaRPr kumimoji="1" lang="ja-JP" altLang="en-US"/>
           </a:p>
@@ -567,7 +571,7 @@
           <a:p>
             <a:fld id="{F1E89903-B24E-AB4B-9164-3704844A834F}" type="slidenum">
               <a:rPr kumimoji="1" lang="ja-JP" altLang="en-US" smtClean="0"/>
-              <a:t>2</a:t>
+              <a:t>3</a:t>
             </a:fld>
             <a:endParaRPr kumimoji="1" lang="ja-JP" altLang="en-US"/>
           </a:p>
@@ -651,7 +655,7 @@
           <a:p>
             <a:fld id="{F1E89903-B24E-AB4B-9164-3704844A834F}" type="slidenum">
               <a:rPr kumimoji="1" lang="ja-JP" altLang="en-US" smtClean="0"/>
-              <a:t>4</a:t>
+              <a:t>5</a:t>
             </a:fld>
             <a:endParaRPr kumimoji="1" lang="ja-JP" altLang="en-US"/>
           </a:p>
@@ -818,7 +822,7 @@
           <a:p>
             <a:fld id="{E3F90748-6578-AC42-962A-9F4B1F5FBFAD}" type="datetime1">
               <a:rPr kumimoji="1" lang="ja-JP" altLang="en-US" smtClean="0"/>
-              <a:t>2021/12/26</a:t>
+              <a:t>2022/1/4</a:t>
             </a:fld>
             <a:endParaRPr kumimoji="1" lang="ja-JP" altLang="en-US"/>
           </a:p>
@@ -1039,7 +1043,7 @@
           <a:p>
             <a:fld id="{BE6DFB40-8C3F-A944-983D-65243E3E0DC7}" type="datetime1">
               <a:rPr kumimoji="1" lang="ja-JP" altLang="en-US" smtClean="0"/>
-              <a:t>2021/12/26</a:t>
+              <a:t>2022/1/4</a:t>
             </a:fld>
             <a:endParaRPr kumimoji="1" lang="ja-JP" altLang="en-US"/>
           </a:p>
@@ -1255,7 +1259,7 @@
           <a:p>
             <a:fld id="{631B2AF4-14FC-314E-A304-69D6AC20AFC1}" type="datetime1">
               <a:rPr kumimoji="1" lang="ja-JP" altLang="en-US" smtClean="0"/>
-              <a:t>2021/12/26</a:t>
+              <a:t>2022/1/4</a:t>
             </a:fld>
             <a:endParaRPr kumimoji="1" lang="ja-JP" altLang="en-US"/>
           </a:p>
@@ -1461,7 +1465,7 @@
           <a:p>
             <a:fld id="{73EFA7FA-4B80-324E-84D1-8F8384F1BA5D}" type="datetime1">
               <a:rPr kumimoji="1" lang="ja-JP" altLang="en-US" smtClean="0"/>
-              <a:t>2021/12/26</a:t>
+              <a:t>2022/1/4</a:t>
             </a:fld>
             <a:endParaRPr kumimoji="1" lang="ja-JP" altLang="en-US"/>
           </a:p>
@@ -1527,7 +1531,7 @@
 </file>
 
 <file path=ppt/slideLayouts/slideLayout3.xml><?xml version="1.0" encoding="utf-8"?>
-<p:sldLayout xmlns:a="http://schemas.openxmlformats.org/drawingml/2006/main" xmlns:r="http://schemas.openxmlformats.org/officeDocument/2006/relationships" xmlns:p="http://schemas.openxmlformats.org/presentationml/2006/main" type="secHead" preserve="1">
+<p:sldLayout xmlns:a="http://schemas.openxmlformats.org/drawingml/2006/main" xmlns:r="http://schemas.openxmlformats.org/officeDocument/2006/relationships" xmlns:p="http://schemas.openxmlformats.org/presentationml/2006/main" preserve="1" userDrawn="1">
   <p:cSld name="セクション見出し">
     <p:spTree>
       <p:nvGrpSpPr>
@@ -1560,10 +1564,12 @@
           </a:xfrm>
         </p:spPr>
         <p:txBody>
-          <a:bodyPr anchor="b"/>
+          <a:bodyPr anchor="b">
+            <a:normAutofit/>
+          </a:bodyPr>
           <a:lstStyle>
             <a:lvl1pPr>
-              <a:defRPr sz="6000"/>
+              <a:defRPr sz="3200"/>
             </a:lvl1pPr>
           </a:lstStyle>
           <a:p>
@@ -1592,11 +1598,13 @@
           </a:xfrm>
         </p:spPr>
         <p:txBody>
-          <a:bodyPr/>
+          <a:bodyPr>
+            <a:normAutofit/>
+          </a:bodyPr>
           <a:lstStyle>
             <a:lvl1pPr marL="0" indent="0">
               <a:buNone/>
-              <a:defRPr sz="2400">
+              <a:defRPr sz="1200">
                 <a:solidFill>
                   <a:schemeClr val="tx1">
                     <a:tint val="75000"/>
@@ -1711,7 +1719,7 @@
           <a:p>
             <a:fld id="{D2E220AC-C2A7-024E-ACAB-4DB6052A376C}" type="datetime1">
               <a:rPr kumimoji="1" lang="ja-JP" altLang="en-US" smtClean="0"/>
-              <a:t>2021/12/26</a:t>
+              <a:t>2022/1/4</a:t>
             </a:fld>
             <a:endParaRPr kumimoji="1" lang="ja-JP" altLang="en-US"/>
           </a:p>
@@ -2011,7 +2019,7 @@
           <a:p>
             <a:fld id="{CC48FC5F-5874-5040-B9D3-0BB86491154B}" type="datetime1">
               <a:rPr kumimoji="1" lang="ja-JP" altLang="en-US" smtClean="0"/>
-              <a:t>2021/12/26</a:t>
+              <a:t>2022/1/4</a:t>
             </a:fld>
             <a:endParaRPr kumimoji="1" lang="ja-JP" altLang="en-US"/>
           </a:p>
@@ -2446,7 +2454,7 @@
           <a:p>
             <a:fld id="{667059AF-CDDF-A545-B437-20B256967FD9}" type="datetime1">
               <a:rPr kumimoji="1" lang="ja-JP" altLang="en-US" smtClean="0"/>
-              <a:t>2021/12/26</a:t>
+              <a:t>2022/1/4</a:t>
             </a:fld>
             <a:endParaRPr kumimoji="1" lang="ja-JP" altLang="en-US"/>
           </a:p>
@@ -2568,7 +2576,7 @@
           <a:p>
             <a:fld id="{15B6534E-A8F6-864C-985B-4DB3D4538E40}" type="datetime1">
               <a:rPr kumimoji="1" lang="ja-JP" altLang="en-US" smtClean="0"/>
-              <a:t>2021/12/26</a:t>
+              <a:t>2022/1/4</a:t>
             </a:fld>
             <a:endParaRPr kumimoji="1" lang="ja-JP" altLang="en-US"/>
           </a:p>
@@ -2667,7 +2675,7 @@
           <a:p>
             <a:fld id="{D63D519C-9325-DD4F-A5F6-0AFD37CE8635}" type="datetime1">
               <a:rPr kumimoji="1" lang="ja-JP" altLang="en-US" smtClean="0"/>
-              <a:t>2021/12/26</a:t>
+              <a:t>2022/1/4</a:t>
             </a:fld>
             <a:endParaRPr kumimoji="1" lang="ja-JP" altLang="en-US"/>
           </a:p>
@@ -2980,7 +2988,7 @@
           <a:p>
             <a:fld id="{5503B069-C866-8C47-A1B1-6AEF053A8792}" type="datetime1">
               <a:rPr kumimoji="1" lang="ja-JP" altLang="en-US" smtClean="0"/>
-              <a:t>2021/12/26</a:t>
+              <a:t>2022/1/4</a:t>
             </a:fld>
             <a:endParaRPr kumimoji="1" lang="ja-JP" altLang="en-US"/>
           </a:p>
@@ -3241,7 +3249,7 @@
           <a:p>
             <a:fld id="{C183513C-F2F4-B940-8F47-6502D3E9B9CA}" type="datetime1">
               <a:rPr kumimoji="1" lang="ja-JP" altLang="en-US" smtClean="0"/>
-              <a:t>2021/12/26</a:t>
+              <a:t>2022/1/4</a:t>
             </a:fld>
             <a:endParaRPr kumimoji="1" lang="ja-JP" altLang="en-US"/>
           </a:p>
@@ -3428,7 +3436,7 @@
           <a:p>
             <a:fld id="{E55A93C3-7990-6040-9FF9-3C243F65B473}" type="datetime1">
               <a:rPr kumimoji="1" lang="ja-JP" altLang="en-US" smtClean="0"/>
-              <a:t>2021/12/26</a:t>
+              <a:t>2022/1/4</a:t>
             </a:fld>
             <a:endParaRPr kumimoji="1" lang="ja-JP" altLang="en-US"/>
           </a:p>
@@ -3979,6 +3987,1395 @@
 </p:sld>
 </file>
 
+<file path=ppt/slides/slide10.xml><?xml version="1.0" encoding="utf-8"?>
+<p:sld xmlns:a="http://schemas.openxmlformats.org/drawingml/2006/main" xmlns:r="http://schemas.openxmlformats.org/officeDocument/2006/relationships" xmlns:p="http://schemas.openxmlformats.org/presentationml/2006/main">
+  <p:cSld>
+    <p:spTree>
+      <p:nvGrpSpPr>
+        <p:cNvPr id="1" name=""/>
+        <p:cNvGrpSpPr/>
+        <p:nvPr/>
+      </p:nvGrpSpPr>
+      <p:grpSpPr>
+        <a:xfrm>
+          <a:off x="0" y="0"/>
+          <a:ext cx="0" cy="0"/>
+          <a:chOff x="0" y="0"/>
+          <a:chExt cx="0" cy="0"/>
+        </a:xfrm>
+      </p:grpSpPr>
+      <p:sp>
+        <p:nvSpPr>
+          <p:cNvPr id="6" name="タイトル 5">
+            <a:extLst>
+              <a:ext uri="{FF2B5EF4-FFF2-40B4-BE49-F238E27FC236}">
+                <a16:creationId xmlns:a16="http://schemas.microsoft.com/office/drawing/2014/main" id="{56AA0D49-BC0A-8947-849A-944C6C23C473}"/>
+              </a:ext>
+            </a:extLst>
+          </p:cNvPr>
+          <p:cNvSpPr>
+            <a:spLocks noGrp="1"/>
+          </p:cNvSpPr>
+          <p:nvPr>
+            <p:ph type="title"/>
+          </p:nvPr>
+        </p:nvSpPr>
+        <p:spPr/>
+        <p:txBody>
+          <a:bodyPr/>
+          <a:lstStyle/>
+          <a:p>
+            <a:r>
+              <a:rPr lang="en-US" altLang="ja-JP" dirty="0"/>
+              <a:t>IDO Pool</a:t>
+            </a:r>
+            <a:endParaRPr lang="ja-JP" altLang="en-US"/>
+          </a:p>
+        </p:txBody>
+      </p:sp>
+      <p:sp>
+        <p:nvSpPr>
+          <p:cNvPr id="7" name="テキスト プレースホルダー 6">
+            <a:extLst>
+              <a:ext uri="{FF2B5EF4-FFF2-40B4-BE49-F238E27FC236}">
+                <a16:creationId xmlns:a16="http://schemas.microsoft.com/office/drawing/2014/main" id="{C06B7392-3295-0D4C-BDB5-BFCC92D9FBE9}"/>
+              </a:ext>
+            </a:extLst>
+          </p:cNvPr>
+          <p:cNvSpPr>
+            <a:spLocks noGrp="1"/>
+          </p:cNvSpPr>
+          <p:nvPr>
+            <p:ph type="body" idx="1"/>
+          </p:nvPr>
+        </p:nvSpPr>
+        <p:spPr/>
+        <p:txBody>
+          <a:bodyPr/>
+          <a:lstStyle/>
+          <a:p>
+            <a:endParaRPr lang="ja-JP" altLang="en-US"/>
+          </a:p>
+        </p:txBody>
+      </p:sp>
+      <p:sp>
+        <p:nvSpPr>
+          <p:cNvPr id="4" name="フッター プレースホルダー 3">
+            <a:extLst>
+              <a:ext uri="{FF2B5EF4-FFF2-40B4-BE49-F238E27FC236}">
+                <a16:creationId xmlns:a16="http://schemas.microsoft.com/office/drawing/2014/main" id="{03DDA0EC-0424-D44E-A2F2-30EFB2207FF1}"/>
+              </a:ext>
+            </a:extLst>
+          </p:cNvPr>
+          <p:cNvSpPr>
+            <a:spLocks noGrp="1"/>
+          </p:cNvSpPr>
+          <p:nvPr>
+            <p:ph type="ftr" sz="quarter" idx="11"/>
+          </p:nvPr>
+        </p:nvSpPr>
+        <p:spPr/>
+        <p:txBody>
+          <a:bodyPr/>
+          <a:lstStyle/>
+          <a:p>
+            <a:r>
+              <a:rPr kumimoji="1" lang="en-US" altLang="ja-JP"/>
+              <a:t>256hax</a:t>
+            </a:r>
+            <a:endParaRPr kumimoji="1" lang="ja-JP" altLang="en-US"/>
+          </a:p>
+        </p:txBody>
+      </p:sp>
+      <p:sp>
+        <p:nvSpPr>
+          <p:cNvPr id="5" name="スライド番号プレースホルダー 4">
+            <a:extLst>
+              <a:ext uri="{FF2B5EF4-FFF2-40B4-BE49-F238E27FC236}">
+                <a16:creationId xmlns:a16="http://schemas.microsoft.com/office/drawing/2014/main" id="{94CCCD99-BD8D-964F-99A9-262A5E9BBB71}"/>
+              </a:ext>
+            </a:extLst>
+          </p:cNvPr>
+          <p:cNvSpPr>
+            <a:spLocks noGrp="1"/>
+          </p:cNvSpPr>
+          <p:nvPr>
+            <p:ph type="sldNum" sz="quarter" idx="12"/>
+          </p:nvPr>
+        </p:nvSpPr>
+        <p:spPr/>
+        <p:txBody>
+          <a:bodyPr/>
+          <a:lstStyle/>
+          <a:p>
+            <a:fld id="{51BE5F08-58E8-9243-A834-2B76637F595D}" type="slidenum">
+              <a:rPr kumimoji="1" lang="ja-JP" altLang="en-US" smtClean="0"/>
+              <a:t>9</a:t>
+            </a:fld>
+            <a:endParaRPr kumimoji="1" lang="ja-JP" altLang="en-US"/>
+          </a:p>
+        </p:txBody>
+      </p:sp>
+    </p:spTree>
+    <p:extLst>
+      <p:ext uri="{BB962C8B-B14F-4D97-AF65-F5344CB8AC3E}">
+        <p14:creationId xmlns:p14="http://schemas.microsoft.com/office/powerpoint/2010/main" val="1785351712"/>
+      </p:ext>
+    </p:extLst>
+  </p:cSld>
+  <p:clrMapOvr>
+    <a:masterClrMapping/>
+  </p:clrMapOvr>
+</p:sld>
+</file>
+
+<file path=ppt/slides/slide11.xml><?xml version="1.0" encoding="utf-8"?>
+<p:sld xmlns:a="http://schemas.openxmlformats.org/drawingml/2006/main" xmlns:r="http://schemas.openxmlformats.org/officeDocument/2006/relationships" xmlns:p="http://schemas.openxmlformats.org/presentationml/2006/main">
+  <p:cSld>
+    <p:spTree>
+      <p:nvGrpSpPr>
+        <p:cNvPr id="1" name=""/>
+        <p:cNvGrpSpPr/>
+        <p:nvPr/>
+      </p:nvGrpSpPr>
+      <p:grpSpPr>
+        <a:xfrm>
+          <a:off x="0" y="0"/>
+          <a:ext cx="0" cy="0"/>
+          <a:chOff x="0" y="0"/>
+          <a:chExt cx="0" cy="0"/>
+        </a:xfrm>
+      </p:grpSpPr>
+      <p:sp>
+        <p:nvSpPr>
+          <p:cNvPr id="2" name="タイトル 1">
+            <a:extLst>
+              <a:ext uri="{FF2B5EF4-FFF2-40B4-BE49-F238E27FC236}">
+                <a16:creationId xmlns:a16="http://schemas.microsoft.com/office/drawing/2014/main" id="{14D718AF-909B-1E44-B488-AA99B5183839}"/>
+              </a:ext>
+            </a:extLst>
+          </p:cNvPr>
+          <p:cNvSpPr>
+            <a:spLocks noGrp="1"/>
+          </p:cNvSpPr>
+          <p:nvPr>
+            <p:ph type="title"/>
+          </p:nvPr>
+        </p:nvSpPr>
+        <p:spPr/>
+        <p:txBody>
+          <a:bodyPr/>
+          <a:lstStyle/>
+          <a:p>
+            <a:endParaRPr kumimoji="1" lang="ja-JP" altLang="en-US"/>
+          </a:p>
+        </p:txBody>
+      </p:sp>
+      <p:sp>
+        <p:nvSpPr>
+          <p:cNvPr id="4" name="フッター プレースホルダー 3">
+            <a:extLst>
+              <a:ext uri="{FF2B5EF4-FFF2-40B4-BE49-F238E27FC236}">
+                <a16:creationId xmlns:a16="http://schemas.microsoft.com/office/drawing/2014/main" id="{EA7575EF-74CF-AC47-8FBA-FB4C8BBBE74C}"/>
+              </a:ext>
+            </a:extLst>
+          </p:cNvPr>
+          <p:cNvSpPr>
+            <a:spLocks noGrp="1"/>
+          </p:cNvSpPr>
+          <p:nvPr>
+            <p:ph type="ftr" sz="quarter" idx="11"/>
+          </p:nvPr>
+        </p:nvSpPr>
+        <p:spPr/>
+        <p:txBody>
+          <a:bodyPr/>
+          <a:lstStyle/>
+          <a:p>
+            <a:r>
+              <a:rPr kumimoji="1" lang="en-US" altLang="ja-JP" dirty="0"/>
+              <a:t>256hax</a:t>
+            </a:r>
+            <a:endParaRPr kumimoji="1" lang="ja-JP" altLang="en-US"/>
+          </a:p>
+        </p:txBody>
+      </p:sp>
+      <p:sp>
+        <p:nvSpPr>
+          <p:cNvPr id="5" name="スライド番号プレースホルダー 4">
+            <a:extLst>
+              <a:ext uri="{FF2B5EF4-FFF2-40B4-BE49-F238E27FC236}">
+                <a16:creationId xmlns:a16="http://schemas.microsoft.com/office/drawing/2014/main" id="{AA17AD0F-69D9-5143-9AD4-A79FA5C8EF8C}"/>
+              </a:ext>
+            </a:extLst>
+          </p:cNvPr>
+          <p:cNvSpPr>
+            <a:spLocks noGrp="1"/>
+          </p:cNvSpPr>
+          <p:nvPr>
+            <p:ph type="sldNum" sz="quarter" idx="12"/>
+          </p:nvPr>
+        </p:nvSpPr>
+        <p:spPr/>
+        <p:txBody>
+          <a:bodyPr/>
+          <a:lstStyle/>
+          <a:p>
+            <a:fld id="{51BE5F08-58E8-9243-A834-2B76637F595D}" type="slidenum">
+              <a:rPr kumimoji="1" lang="ja-JP" altLang="en-US" smtClean="0"/>
+              <a:t>10</a:t>
+            </a:fld>
+            <a:endParaRPr kumimoji="1" lang="ja-JP" altLang="en-US"/>
+          </a:p>
+        </p:txBody>
+      </p:sp>
+      <p:sp>
+        <p:nvSpPr>
+          <p:cNvPr id="6" name="正方形/長方形 5">
+            <a:extLst>
+              <a:ext uri="{FF2B5EF4-FFF2-40B4-BE49-F238E27FC236}">
+                <a16:creationId xmlns:a16="http://schemas.microsoft.com/office/drawing/2014/main" id="{37F890C4-3E1D-7B46-91E8-1DAD03F6ABEE}"/>
+              </a:ext>
+            </a:extLst>
+          </p:cNvPr>
+          <p:cNvSpPr/>
+          <p:nvPr/>
+        </p:nvSpPr>
+        <p:spPr>
+          <a:xfrm>
+            <a:off x="838200" y="1796119"/>
+            <a:ext cx="1588911" cy="3739894"/>
+          </a:xfrm>
+          <a:prstGeom prst="rect">
+            <a:avLst/>
+          </a:prstGeom>
+          <a:noFill/>
+          <a:ln>
+            <a:solidFill>
+              <a:schemeClr val="tx1"/>
+            </a:solidFill>
+          </a:ln>
+        </p:spPr>
+        <p:style>
+          <a:lnRef idx="2">
+            <a:schemeClr val="accent1">
+              <a:shade val="50000"/>
+            </a:schemeClr>
+          </a:lnRef>
+          <a:fillRef idx="1">
+            <a:schemeClr val="accent1"/>
+          </a:fillRef>
+          <a:effectRef idx="0">
+            <a:schemeClr val="accent1"/>
+          </a:effectRef>
+          <a:fontRef idx="minor">
+            <a:schemeClr val="lt1"/>
+          </a:fontRef>
+        </p:style>
+        <p:txBody>
+          <a:bodyPr rtlCol="0" anchor="t"/>
+          <a:lstStyle/>
+          <a:p>
+            <a:r>
+              <a:rPr kumimoji="1" lang="en-US" altLang="ja-JP" sz="1200" b="1" dirty="0">
+                <a:solidFill>
+                  <a:schemeClr val="tx1"/>
+                </a:solidFill>
+              </a:rPr>
+              <a:t>User Account (Developer)</a:t>
+            </a:r>
+          </a:p>
+          <a:p>
+            <a:endParaRPr kumimoji="1" lang="en-US" altLang="ja-JP" sz="1200" dirty="0">
+              <a:solidFill>
+                <a:schemeClr val="tx1"/>
+              </a:solidFill>
+            </a:endParaRPr>
+          </a:p>
+        </p:txBody>
+      </p:sp>
+      <p:sp>
+        <p:nvSpPr>
+          <p:cNvPr id="7" name="正方形/長方形 6">
+            <a:extLst>
+              <a:ext uri="{FF2B5EF4-FFF2-40B4-BE49-F238E27FC236}">
+                <a16:creationId xmlns:a16="http://schemas.microsoft.com/office/drawing/2014/main" id="{54A56CC9-9ED4-E147-A978-5C5036C2A6F5}"/>
+              </a:ext>
+            </a:extLst>
+          </p:cNvPr>
+          <p:cNvSpPr/>
+          <p:nvPr/>
+        </p:nvSpPr>
+        <p:spPr>
+          <a:xfrm>
+            <a:off x="3050822" y="2304118"/>
+            <a:ext cx="1588911" cy="1260498"/>
+          </a:xfrm>
+          <a:prstGeom prst="rect">
+            <a:avLst/>
+          </a:prstGeom>
+          <a:noFill/>
+          <a:ln>
+            <a:solidFill>
+              <a:schemeClr val="tx1"/>
+            </a:solidFill>
+          </a:ln>
+        </p:spPr>
+        <p:style>
+          <a:lnRef idx="2">
+            <a:schemeClr val="accent1">
+              <a:shade val="50000"/>
+            </a:schemeClr>
+          </a:lnRef>
+          <a:fillRef idx="1">
+            <a:schemeClr val="accent1"/>
+          </a:fillRef>
+          <a:effectRef idx="0">
+            <a:schemeClr val="accent1"/>
+          </a:effectRef>
+          <a:fontRef idx="minor">
+            <a:schemeClr val="lt1"/>
+          </a:fontRef>
+        </p:style>
+        <p:txBody>
+          <a:bodyPr rtlCol="0" anchor="t"/>
+          <a:lstStyle/>
+          <a:p>
+            <a:r>
+              <a:rPr kumimoji="1" lang="en-US" altLang="ja-JP" sz="1200" b="1" dirty="0">
+                <a:solidFill>
+                  <a:schemeClr val="tx1"/>
+                </a:solidFill>
+              </a:rPr>
+              <a:t>User Token Account (Developer)</a:t>
+            </a:r>
+          </a:p>
+          <a:p>
+            <a:endParaRPr kumimoji="1" lang="en-US" altLang="ja-JP" sz="1200" dirty="0">
+              <a:solidFill>
+                <a:schemeClr val="tx1"/>
+              </a:solidFill>
+            </a:endParaRPr>
+          </a:p>
+          <a:p>
+            <a:r>
+              <a:rPr kumimoji="1" lang="en-US" altLang="ja-JP" sz="1200" dirty="0">
+                <a:solidFill>
+                  <a:schemeClr val="tx1"/>
+                </a:solidFill>
+              </a:rPr>
+              <a:t>USDC</a:t>
+            </a:r>
+          </a:p>
+          <a:p>
+            <a:endParaRPr kumimoji="1" lang="en-US" altLang="ja-JP" sz="1200" dirty="0">
+              <a:solidFill>
+                <a:schemeClr val="tx1"/>
+              </a:solidFill>
+            </a:endParaRPr>
+          </a:p>
+        </p:txBody>
+      </p:sp>
+      <p:sp>
+        <p:nvSpPr>
+          <p:cNvPr id="8" name="正方形/長方形 7">
+            <a:extLst>
+              <a:ext uri="{FF2B5EF4-FFF2-40B4-BE49-F238E27FC236}">
+                <a16:creationId xmlns:a16="http://schemas.microsoft.com/office/drawing/2014/main" id="{3A8AE5E3-7DCB-E34D-A4E2-E61A6CE992D0}"/>
+              </a:ext>
+            </a:extLst>
+          </p:cNvPr>
+          <p:cNvSpPr/>
+          <p:nvPr/>
+        </p:nvSpPr>
+        <p:spPr>
+          <a:xfrm>
+            <a:off x="3050822" y="3767522"/>
+            <a:ext cx="1588911" cy="1260498"/>
+          </a:xfrm>
+          <a:prstGeom prst="rect">
+            <a:avLst/>
+          </a:prstGeom>
+          <a:noFill/>
+          <a:ln>
+            <a:solidFill>
+              <a:schemeClr val="tx1"/>
+            </a:solidFill>
+          </a:ln>
+        </p:spPr>
+        <p:style>
+          <a:lnRef idx="2">
+            <a:schemeClr val="accent1">
+              <a:shade val="50000"/>
+            </a:schemeClr>
+          </a:lnRef>
+          <a:fillRef idx="1">
+            <a:schemeClr val="accent1"/>
+          </a:fillRef>
+          <a:effectRef idx="0">
+            <a:schemeClr val="accent1"/>
+          </a:effectRef>
+          <a:fontRef idx="minor">
+            <a:schemeClr val="lt1"/>
+          </a:fontRef>
+        </p:style>
+        <p:txBody>
+          <a:bodyPr rtlCol="0" anchor="t"/>
+          <a:lstStyle/>
+          <a:p>
+            <a:r>
+              <a:rPr kumimoji="1" lang="en-US" altLang="ja-JP" sz="1200" b="1" dirty="0">
+                <a:solidFill>
+                  <a:schemeClr val="tx1"/>
+                </a:solidFill>
+              </a:rPr>
+              <a:t>User Token Account (Developer)</a:t>
+            </a:r>
+          </a:p>
+          <a:p>
+            <a:endParaRPr kumimoji="1" lang="en-US" altLang="ja-JP" sz="1200" dirty="0">
+              <a:solidFill>
+                <a:schemeClr val="tx1"/>
+              </a:solidFill>
+            </a:endParaRPr>
+          </a:p>
+          <a:p>
+            <a:r>
+              <a:rPr kumimoji="1" lang="en-US" altLang="ja-JP" sz="1200" dirty="0">
+                <a:solidFill>
+                  <a:schemeClr val="tx1"/>
+                </a:solidFill>
+              </a:rPr>
+              <a:t>Watermelon</a:t>
+            </a:r>
+          </a:p>
+          <a:p>
+            <a:endParaRPr kumimoji="1" lang="en-US" altLang="ja-JP" sz="1200" dirty="0">
+              <a:solidFill>
+                <a:schemeClr val="tx1"/>
+              </a:solidFill>
+            </a:endParaRPr>
+          </a:p>
+        </p:txBody>
+      </p:sp>
+      <p:sp>
+        <p:nvSpPr>
+          <p:cNvPr id="9" name="正方形/長方形 8">
+            <a:extLst>
+              <a:ext uri="{FF2B5EF4-FFF2-40B4-BE49-F238E27FC236}">
+                <a16:creationId xmlns:a16="http://schemas.microsoft.com/office/drawing/2014/main" id="{A8078DBE-3B64-0C45-91A6-271B0DFA5F16}"/>
+              </a:ext>
+            </a:extLst>
+          </p:cNvPr>
+          <p:cNvSpPr/>
+          <p:nvPr/>
+        </p:nvSpPr>
+        <p:spPr>
+          <a:xfrm>
+            <a:off x="5259247" y="1796118"/>
+            <a:ext cx="1588911" cy="1730657"/>
+          </a:xfrm>
+          <a:prstGeom prst="rect">
+            <a:avLst/>
+          </a:prstGeom>
+          <a:noFill/>
+          <a:ln>
+            <a:solidFill>
+              <a:schemeClr val="tx1"/>
+            </a:solidFill>
+          </a:ln>
+        </p:spPr>
+        <p:style>
+          <a:lnRef idx="2">
+            <a:schemeClr val="accent1">
+              <a:shade val="50000"/>
+            </a:schemeClr>
+          </a:lnRef>
+          <a:fillRef idx="1">
+            <a:schemeClr val="accent1"/>
+          </a:fillRef>
+          <a:effectRef idx="0">
+            <a:schemeClr val="accent1"/>
+          </a:effectRef>
+          <a:fontRef idx="minor">
+            <a:schemeClr val="lt1"/>
+          </a:fontRef>
+        </p:style>
+        <p:txBody>
+          <a:bodyPr rtlCol="0" anchor="t"/>
+          <a:lstStyle/>
+          <a:p>
+            <a:r>
+              <a:rPr kumimoji="1" lang="en-US" altLang="ja-JP" sz="1200" b="1" dirty="0">
+                <a:solidFill>
+                  <a:schemeClr val="tx1"/>
+                </a:solidFill>
+              </a:rPr>
+              <a:t>User Token Account (Developer)</a:t>
+            </a:r>
+          </a:p>
+          <a:p>
+            <a:endParaRPr kumimoji="1" lang="en-US" altLang="ja-JP" sz="1200" dirty="0">
+              <a:solidFill>
+                <a:schemeClr val="tx1"/>
+              </a:solidFill>
+            </a:endParaRPr>
+          </a:p>
+          <a:p>
+            <a:r>
+              <a:rPr kumimoji="1" lang="en-US" altLang="ja-JP" sz="1200" dirty="0">
+                <a:solidFill>
+                  <a:schemeClr val="tx1"/>
+                </a:solidFill>
+              </a:rPr>
+              <a:t>USDC IDO Pool</a:t>
+            </a:r>
+          </a:p>
+        </p:txBody>
+      </p:sp>
+      <p:sp>
+        <p:nvSpPr>
+          <p:cNvPr id="10" name="正方形/長方形 9">
+            <a:extLst>
+              <a:ext uri="{FF2B5EF4-FFF2-40B4-BE49-F238E27FC236}">
+                <a16:creationId xmlns:a16="http://schemas.microsoft.com/office/drawing/2014/main" id="{11FD34B6-F92E-8B4A-B13F-47AEAF1DE691}"/>
+              </a:ext>
+            </a:extLst>
+          </p:cNvPr>
+          <p:cNvSpPr/>
+          <p:nvPr/>
+        </p:nvSpPr>
+        <p:spPr>
+          <a:xfrm>
+            <a:off x="5259247" y="3805363"/>
+            <a:ext cx="1588911" cy="1730657"/>
+          </a:xfrm>
+          <a:prstGeom prst="rect">
+            <a:avLst/>
+          </a:prstGeom>
+          <a:noFill/>
+          <a:ln>
+            <a:solidFill>
+              <a:schemeClr val="tx1"/>
+            </a:solidFill>
+          </a:ln>
+        </p:spPr>
+        <p:style>
+          <a:lnRef idx="2">
+            <a:schemeClr val="accent1">
+              <a:shade val="50000"/>
+            </a:schemeClr>
+          </a:lnRef>
+          <a:fillRef idx="1">
+            <a:schemeClr val="accent1"/>
+          </a:fillRef>
+          <a:effectRef idx="0">
+            <a:schemeClr val="accent1"/>
+          </a:effectRef>
+          <a:fontRef idx="minor">
+            <a:schemeClr val="lt1"/>
+          </a:fontRef>
+        </p:style>
+        <p:txBody>
+          <a:bodyPr rtlCol="0" anchor="t"/>
+          <a:lstStyle/>
+          <a:p>
+            <a:r>
+              <a:rPr kumimoji="1" lang="en-US" altLang="ja-JP" sz="1200" b="1" dirty="0">
+                <a:solidFill>
+                  <a:schemeClr val="tx1"/>
+                </a:solidFill>
+              </a:rPr>
+              <a:t>User Token Account (Developer)</a:t>
+            </a:r>
+          </a:p>
+          <a:p>
+            <a:endParaRPr kumimoji="1" lang="en-US" altLang="ja-JP" sz="1200" dirty="0">
+              <a:solidFill>
+                <a:schemeClr val="tx1"/>
+              </a:solidFill>
+            </a:endParaRPr>
+          </a:p>
+          <a:p>
+            <a:r>
+              <a:rPr kumimoji="1" lang="en-US" altLang="ja-JP" sz="1200" dirty="0">
+                <a:solidFill>
+                  <a:schemeClr val="tx1"/>
+                </a:solidFill>
+              </a:rPr>
+              <a:t>Watermelon IDO Pool</a:t>
+            </a:r>
+          </a:p>
+          <a:p>
+            <a:endParaRPr kumimoji="1" lang="en-US" altLang="ja-JP" sz="1200" dirty="0">
+              <a:solidFill>
+                <a:schemeClr val="tx1"/>
+              </a:solidFill>
+            </a:endParaRPr>
+          </a:p>
+        </p:txBody>
+      </p:sp>
+      <p:sp>
+        <p:nvSpPr>
+          <p:cNvPr id="11" name="正方形/長方形 10">
+            <a:extLst>
+              <a:ext uri="{FF2B5EF4-FFF2-40B4-BE49-F238E27FC236}">
+                <a16:creationId xmlns:a16="http://schemas.microsoft.com/office/drawing/2014/main" id="{2C4106FB-E691-E848-8805-6415D89FDFF6}"/>
+              </a:ext>
+            </a:extLst>
+          </p:cNvPr>
+          <p:cNvSpPr/>
+          <p:nvPr/>
+        </p:nvSpPr>
+        <p:spPr>
+          <a:xfrm>
+            <a:off x="7467672" y="2304118"/>
+            <a:ext cx="1588911" cy="1260498"/>
+          </a:xfrm>
+          <a:prstGeom prst="rect">
+            <a:avLst/>
+          </a:prstGeom>
+          <a:noFill/>
+          <a:ln>
+            <a:solidFill>
+              <a:schemeClr val="tx1"/>
+            </a:solidFill>
+          </a:ln>
+        </p:spPr>
+        <p:style>
+          <a:lnRef idx="2">
+            <a:schemeClr val="accent1">
+              <a:shade val="50000"/>
+            </a:schemeClr>
+          </a:lnRef>
+          <a:fillRef idx="1">
+            <a:schemeClr val="accent1"/>
+          </a:fillRef>
+          <a:effectRef idx="0">
+            <a:schemeClr val="accent1"/>
+          </a:effectRef>
+          <a:fontRef idx="minor">
+            <a:schemeClr val="lt1"/>
+          </a:fontRef>
+        </p:style>
+        <p:txBody>
+          <a:bodyPr rtlCol="0" anchor="t"/>
+          <a:lstStyle/>
+          <a:p>
+            <a:r>
+              <a:rPr kumimoji="1" lang="en-US" altLang="ja-JP" sz="1200" b="1" dirty="0">
+                <a:solidFill>
+                  <a:schemeClr val="tx1"/>
+                </a:solidFill>
+              </a:rPr>
+              <a:t>User Token Account (Consumer)</a:t>
+            </a:r>
+          </a:p>
+          <a:p>
+            <a:endParaRPr kumimoji="1" lang="en-US" altLang="ja-JP" sz="1200" dirty="0">
+              <a:solidFill>
+                <a:schemeClr val="tx1"/>
+              </a:solidFill>
+            </a:endParaRPr>
+          </a:p>
+          <a:p>
+            <a:r>
+              <a:rPr kumimoji="1" lang="en-US" altLang="ja-JP" sz="1200" dirty="0">
+                <a:solidFill>
+                  <a:schemeClr val="tx1"/>
+                </a:solidFill>
+              </a:rPr>
+              <a:t>USDC</a:t>
+            </a:r>
+          </a:p>
+          <a:p>
+            <a:endParaRPr kumimoji="1" lang="en-US" altLang="ja-JP" sz="1200" dirty="0">
+              <a:solidFill>
+                <a:schemeClr val="tx1"/>
+              </a:solidFill>
+            </a:endParaRPr>
+          </a:p>
+        </p:txBody>
+      </p:sp>
+      <p:sp>
+        <p:nvSpPr>
+          <p:cNvPr id="12" name="正方形/長方形 11">
+            <a:extLst>
+              <a:ext uri="{FF2B5EF4-FFF2-40B4-BE49-F238E27FC236}">
+                <a16:creationId xmlns:a16="http://schemas.microsoft.com/office/drawing/2014/main" id="{8E18AA63-E88C-3147-9BCA-B0EEBA7F57D8}"/>
+              </a:ext>
+            </a:extLst>
+          </p:cNvPr>
+          <p:cNvSpPr/>
+          <p:nvPr/>
+        </p:nvSpPr>
+        <p:spPr>
+          <a:xfrm>
+            <a:off x="7467672" y="3767522"/>
+            <a:ext cx="1588911" cy="1260498"/>
+          </a:xfrm>
+          <a:prstGeom prst="rect">
+            <a:avLst/>
+          </a:prstGeom>
+          <a:noFill/>
+          <a:ln>
+            <a:solidFill>
+              <a:schemeClr val="tx1"/>
+            </a:solidFill>
+          </a:ln>
+        </p:spPr>
+        <p:style>
+          <a:lnRef idx="2">
+            <a:schemeClr val="accent1">
+              <a:shade val="50000"/>
+            </a:schemeClr>
+          </a:lnRef>
+          <a:fillRef idx="1">
+            <a:schemeClr val="accent1"/>
+          </a:fillRef>
+          <a:effectRef idx="0">
+            <a:schemeClr val="accent1"/>
+          </a:effectRef>
+          <a:fontRef idx="minor">
+            <a:schemeClr val="lt1"/>
+          </a:fontRef>
+        </p:style>
+        <p:txBody>
+          <a:bodyPr rtlCol="0" anchor="t"/>
+          <a:lstStyle/>
+          <a:p>
+            <a:r>
+              <a:rPr kumimoji="1" lang="en-US" altLang="ja-JP" sz="1200" b="1" dirty="0">
+                <a:solidFill>
+                  <a:schemeClr val="tx1"/>
+                </a:solidFill>
+              </a:rPr>
+              <a:t>User Token Account (Consumer)</a:t>
+            </a:r>
+          </a:p>
+          <a:p>
+            <a:endParaRPr kumimoji="1" lang="en-US" altLang="ja-JP" sz="1200" dirty="0">
+              <a:solidFill>
+                <a:schemeClr val="tx1"/>
+              </a:solidFill>
+            </a:endParaRPr>
+          </a:p>
+          <a:p>
+            <a:r>
+              <a:rPr kumimoji="1" lang="en-US" altLang="ja-JP" sz="1200" dirty="0">
+                <a:solidFill>
+                  <a:schemeClr val="tx1"/>
+                </a:solidFill>
+              </a:rPr>
+              <a:t>Watermelon</a:t>
+            </a:r>
+          </a:p>
+          <a:p>
+            <a:endParaRPr kumimoji="1" lang="en-US" altLang="ja-JP" sz="1200" dirty="0">
+              <a:solidFill>
+                <a:schemeClr val="tx1"/>
+              </a:solidFill>
+            </a:endParaRPr>
+          </a:p>
+        </p:txBody>
+      </p:sp>
+      <p:sp>
+        <p:nvSpPr>
+          <p:cNvPr id="13" name="正方形/長方形 12">
+            <a:extLst>
+              <a:ext uri="{FF2B5EF4-FFF2-40B4-BE49-F238E27FC236}">
+                <a16:creationId xmlns:a16="http://schemas.microsoft.com/office/drawing/2014/main" id="{117535CF-0C0D-794A-9DC6-09DB628F0608}"/>
+              </a:ext>
+            </a:extLst>
+          </p:cNvPr>
+          <p:cNvSpPr/>
+          <p:nvPr/>
+        </p:nvSpPr>
+        <p:spPr>
+          <a:xfrm>
+            <a:off x="9676097" y="2304118"/>
+            <a:ext cx="1588911" cy="2723902"/>
+          </a:xfrm>
+          <a:prstGeom prst="rect">
+            <a:avLst/>
+          </a:prstGeom>
+          <a:noFill/>
+          <a:ln>
+            <a:solidFill>
+              <a:schemeClr val="tx1"/>
+            </a:solidFill>
+          </a:ln>
+        </p:spPr>
+        <p:style>
+          <a:lnRef idx="2">
+            <a:schemeClr val="accent1">
+              <a:shade val="50000"/>
+            </a:schemeClr>
+          </a:lnRef>
+          <a:fillRef idx="1">
+            <a:schemeClr val="accent1"/>
+          </a:fillRef>
+          <a:effectRef idx="0">
+            <a:schemeClr val="accent1"/>
+          </a:effectRef>
+          <a:fontRef idx="minor">
+            <a:schemeClr val="lt1"/>
+          </a:fontRef>
+        </p:style>
+        <p:txBody>
+          <a:bodyPr rtlCol="0" anchor="t"/>
+          <a:lstStyle/>
+          <a:p>
+            <a:r>
+              <a:rPr kumimoji="1" lang="en-US" altLang="ja-JP" sz="1200" b="1" dirty="0">
+                <a:solidFill>
+                  <a:schemeClr val="tx1"/>
+                </a:solidFill>
+              </a:rPr>
+              <a:t>User Account (Consumer)</a:t>
+            </a:r>
+          </a:p>
+          <a:p>
+            <a:endParaRPr kumimoji="1" lang="en-US" altLang="ja-JP" sz="1200" dirty="0">
+              <a:solidFill>
+                <a:schemeClr val="tx1"/>
+              </a:solidFill>
+            </a:endParaRPr>
+          </a:p>
+        </p:txBody>
+      </p:sp>
+      <p:cxnSp>
+        <p:nvCxnSpPr>
+          <p:cNvPr id="14" name="直線コネクタ 13">
+            <a:extLst>
+              <a:ext uri="{FF2B5EF4-FFF2-40B4-BE49-F238E27FC236}">
+                <a16:creationId xmlns:a16="http://schemas.microsoft.com/office/drawing/2014/main" id="{0B2A20F8-60A9-9549-B3A3-2002F91B8504}"/>
+              </a:ext>
+            </a:extLst>
+          </p:cNvPr>
+          <p:cNvCxnSpPr>
+            <a:cxnSpLocks/>
+            <a:endCxn id="7" idx="1"/>
+          </p:cNvCxnSpPr>
+          <p:nvPr/>
+        </p:nvCxnSpPr>
+        <p:spPr>
+          <a:xfrm>
+            <a:off x="2427111" y="2934367"/>
+            <a:ext cx="623711" cy="0"/>
+          </a:xfrm>
+          <a:prstGeom prst="line">
+            <a:avLst/>
+          </a:prstGeom>
+          <a:ln w="9525">
+            <a:solidFill>
+              <a:schemeClr val="tx1"/>
+            </a:solidFill>
+            <a:headEnd type="oval"/>
+            <a:tailEnd type="oval"/>
+          </a:ln>
+        </p:spPr>
+        <p:style>
+          <a:lnRef idx="1">
+            <a:schemeClr val="accent1"/>
+          </a:lnRef>
+          <a:fillRef idx="0">
+            <a:schemeClr val="accent1"/>
+          </a:fillRef>
+          <a:effectRef idx="0">
+            <a:schemeClr val="accent1"/>
+          </a:effectRef>
+          <a:fontRef idx="minor">
+            <a:schemeClr val="tx1"/>
+          </a:fontRef>
+        </p:style>
+      </p:cxnSp>
+      <p:cxnSp>
+        <p:nvCxnSpPr>
+          <p:cNvPr id="17" name="直線コネクタ 16">
+            <a:extLst>
+              <a:ext uri="{FF2B5EF4-FFF2-40B4-BE49-F238E27FC236}">
+                <a16:creationId xmlns:a16="http://schemas.microsoft.com/office/drawing/2014/main" id="{A205DB15-5141-1C49-B93B-92058836BA27}"/>
+              </a:ext>
+            </a:extLst>
+          </p:cNvPr>
+          <p:cNvCxnSpPr>
+            <a:cxnSpLocks/>
+            <a:endCxn id="8" idx="1"/>
+          </p:cNvCxnSpPr>
+          <p:nvPr/>
+        </p:nvCxnSpPr>
+        <p:spPr>
+          <a:xfrm>
+            <a:off x="2427111" y="4397771"/>
+            <a:ext cx="623711" cy="0"/>
+          </a:xfrm>
+          <a:prstGeom prst="line">
+            <a:avLst/>
+          </a:prstGeom>
+          <a:ln w="9525">
+            <a:solidFill>
+              <a:schemeClr val="tx1"/>
+            </a:solidFill>
+            <a:headEnd type="oval"/>
+            <a:tailEnd type="oval"/>
+          </a:ln>
+        </p:spPr>
+        <p:style>
+          <a:lnRef idx="1">
+            <a:schemeClr val="accent1"/>
+          </a:lnRef>
+          <a:fillRef idx="0">
+            <a:schemeClr val="accent1"/>
+          </a:fillRef>
+          <a:effectRef idx="0">
+            <a:schemeClr val="accent1"/>
+          </a:effectRef>
+          <a:fontRef idx="minor">
+            <a:schemeClr val="tx1"/>
+          </a:fontRef>
+        </p:style>
+      </p:cxnSp>
+      <p:cxnSp>
+        <p:nvCxnSpPr>
+          <p:cNvPr id="20" name="直線コネクタ 19">
+            <a:extLst>
+              <a:ext uri="{FF2B5EF4-FFF2-40B4-BE49-F238E27FC236}">
+                <a16:creationId xmlns:a16="http://schemas.microsoft.com/office/drawing/2014/main" id="{BC0A0DB3-4A36-774B-9044-2CF1C5BE7680}"/>
+              </a:ext>
+            </a:extLst>
+          </p:cNvPr>
+          <p:cNvCxnSpPr>
+            <a:cxnSpLocks/>
+            <a:stCxn id="11" idx="3"/>
+          </p:cNvCxnSpPr>
+          <p:nvPr/>
+        </p:nvCxnSpPr>
+        <p:spPr>
+          <a:xfrm>
+            <a:off x="9056583" y="2934367"/>
+            <a:ext cx="619514" cy="0"/>
+          </a:xfrm>
+          <a:prstGeom prst="line">
+            <a:avLst/>
+          </a:prstGeom>
+          <a:ln w="9525">
+            <a:solidFill>
+              <a:schemeClr val="tx1"/>
+            </a:solidFill>
+            <a:headEnd type="oval"/>
+            <a:tailEnd type="oval"/>
+          </a:ln>
+        </p:spPr>
+        <p:style>
+          <a:lnRef idx="1">
+            <a:schemeClr val="accent1"/>
+          </a:lnRef>
+          <a:fillRef idx="0">
+            <a:schemeClr val="accent1"/>
+          </a:fillRef>
+          <a:effectRef idx="0">
+            <a:schemeClr val="accent1"/>
+          </a:effectRef>
+          <a:fontRef idx="minor">
+            <a:schemeClr val="tx1"/>
+          </a:fontRef>
+        </p:style>
+      </p:cxnSp>
+      <p:cxnSp>
+        <p:nvCxnSpPr>
+          <p:cNvPr id="21" name="直線コネクタ 20">
+            <a:extLst>
+              <a:ext uri="{FF2B5EF4-FFF2-40B4-BE49-F238E27FC236}">
+                <a16:creationId xmlns:a16="http://schemas.microsoft.com/office/drawing/2014/main" id="{BDB9F7C7-14DB-1744-9964-34F9928EE8BC}"/>
+              </a:ext>
+            </a:extLst>
+          </p:cNvPr>
+          <p:cNvCxnSpPr>
+            <a:cxnSpLocks/>
+            <a:stCxn id="12" idx="3"/>
+          </p:cNvCxnSpPr>
+          <p:nvPr/>
+        </p:nvCxnSpPr>
+        <p:spPr>
+          <a:xfrm>
+            <a:off x="9056583" y="4397771"/>
+            <a:ext cx="619514" cy="0"/>
+          </a:xfrm>
+          <a:prstGeom prst="line">
+            <a:avLst/>
+          </a:prstGeom>
+          <a:ln w="9525">
+            <a:solidFill>
+              <a:schemeClr val="tx1"/>
+            </a:solidFill>
+            <a:headEnd type="oval"/>
+            <a:tailEnd type="oval"/>
+          </a:ln>
+        </p:spPr>
+        <p:style>
+          <a:lnRef idx="1">
+            <a:schemeClr val="accent1"/>
+          </a:lnRef>
+          <a:fillRef idx="0">
+            <a:schemeClr val="accent1"/>
+          </a:fillRef>
+          <a:effectRef idx="0">
+            <a:schemeClr val="accent1"/>
+          </a:effectRef>
+          <a:fontRef idx="minor">
+            <a:schemeClr val="tx1"/>
+          </a:fontRef>
+        </p:style>
+      </p:cxnSp>
+      <p:cxnSp>
+        <p:nvCxnSpPr>
+          <p:cNvPr id="31" name="直線コネクタ 30">
+            <a:extLst>
+              <a:ext uri="{FF2B5EF4-FFF2-40B4-BE49-F238E27FC236}">
+                <a16:creationId xmlns:a16="http://schemas.microsoft.com/office/drawing/2014/main" id="{AD76F545-B5C2-B842-B6DF-C0C2CA249A1F}"/>
+              </a:ext>
+            </a:extLst>
+          </p:cNvPr>
+          <p:cNvCxnSpPr>
+            <a:cxnSpLocks/>
+          </p:cNvCxnSpPr>
+          <p:nvPr/>
+        </p:nvCxnSpPr>
+        <p:spPr>
+          <a:xfrm>
+            <a:off x="2427111" y="5300882"/>
+            <a:ext cx="2832136" cy="0"/>
+          </a:xfrm>
+          <a:prstGeom prst="line">
+            <a:avLst/>
+          </a:prstGeom>
+          <a:ln w="9525">
+            <a:solidFill>
+              <a:schemeClr val="tx1"/>
+            </a:solidFill>
+            <a:headEnd type="oval"/>
+            <a:tailEnd type="oval"/>
+          </a:ln>
+        </p:spPr>
+        <p:style>
+          <a:lnRef idx="1">
+            <a:schemeClr val="accent1"/>
+          </a:lnRef>
+          <a:fillRef idx="0">
+            <a:schemeClr val="accent1"/>
+          </a:fillRef>
+          <a:effectRef idx="0">
+            <a:schemeClr val="accent1"/>
+          </a:effectRef>
+          <a:fontRef idx="minor">
+            <a:schemeClr val="tx1"/>
+          </a:fontRef>
+        </p:style>
+      </p:cxnSp>
+      <p:cxnSp>
+        <p:nvCxnSpPr>
+          <p:cNvPr id="33" name="直線コネクタ 32">
+            <a:extLst>
+              <a:ext uri="{FF2B5EF4-FFF2-40B4-BE49-F238E27FC236}">
+                <a16:creationId xmlns:a16="http://schemas.microsoft.com/office/drawing/2014/main" id="{10EC30A8-57BB-7740-A21F-D3AC6AD8AE8E}"/>
+              </a:ext>
+            </a:extLst>
+          </p:cNvPr>
+          <p:cNvCxnSpPr>
+            <a:cxnSpLocks/>
+          </p:cNvCxnSpPr>
+          <p:nvPr/>
+        </p:nvCxnSpPr>
+        <p:spPr>
+          <a:xfrm>
+            <a:off x="2427111" y="2027104"/>
+            <a:ext cx="2832136" cy="0"/>
+          </a:xfrm>
+          <a:prstGeom prst="line">
+            <a:avLst/>
+          </a:prstGeom>
+          <a:ln w="9525">
+            <a:solidFill>
+              <a:schemeClr val="tx1"/>
+            </a:solidFill>
+            <a:headEnd type="oval"/>
+            <a:tailEnd type="oval"/>
+          </a:ln>
+        </p:spPr>
+        <p:style>
+          <a:lnRef idx="1">
+            <a:schemeClr val="accent1"/>
+          </a:lnRef>
+          <a:fillRef idx="0">
+            <a:schemeClr val="accent1"/>
+          </a:fillRef>
+          <a:effectRef idx="0">
+            <a:schemeClr val="accent1"/>
+          </a:effectRef>
+          <a:fontRef idx="minor">
+            <a:schemeClr val="tx1"/>
+          </a:fontRef>
+        </p:style>
+      </p:cxnSp>
+      <p:cxnSp>
+        <p:nvCxnSpPr>
+          <p:cNvPr id="34" name="直線矢印コネクタ 33">
+            <a:extLst>
+              <a:ext uri="{FF2B5EF4-FFF2-40B4-BE49-F238E27FC236}">
+                <a16:creationId xmlns:a16="http://schemas.microsoft.com/office/drawing/2014/main" id="{F9B0F6CC-42DA-4040-96DB-72D3AAB9DACB}"/>
+              </a:ext>
+            </a:extLst>
+          </p:cNvPr>
+          <p:cNvCxnSpPr>
+            <a:cxnSpLocks/>
+          </p:cNvCxnSpPr>
+          <p:nvPr/>
+        </p:nvCxnSpPr>
+        <p:spPr>
+          <a:xfrm flipH="1">
+            <a:off x="6848158" y="2934367"/>
+            <a:ext cx="619514" cy="0"/>
+          </a:xfrm>
+          <a:prstGeom prst="straightConnector1">
+            <a:avLst/>
+          </a:prstGeom>
+          <a:ln w="9525">
+            <a:solidFill>
+              <a:schemeClr val="tx1"/>
+            </a:solidFill>
+            <a:tailEnd type="arrow"/>
+          </a:ln>
+        </p:spPr>
+        <p:style>
+          <a:lnRef idx="1">
+            <a:schemeClr val="accent1"/>
+          </a:lnRef>
+          <a:fillRef idx="0">
+            <a:schemeClr val="accent1"/>
+          </a:fillRef>
+          <a:effectRef idx="0">
+            <a:schemeClr val="accent1"/>
+          </a:effectRef>
+          <a:fontRef idx="minor">
+            <a:schemeClr val="tx1"/>
+          </a:fontRef>
+        </p:style>
+      </p:cxnSp>
+      <p:cxnSp>
+        <p:nvCxnSpPr>
+          <p:cNvPr id="41" name="直線矢印コネクタ 40">
+            <a:extLst>
+              <a:ext uri="{FF2B5EF4-FFF2-40B4-BE49-F238E27FC236}">
+                <a16:creationId xmlns:a16="http://schemas.microsoft.com/office/drawing/2014/main" id="{604C58BD-8615-0D4D-A4F1-A73222DF21AB}"/>
+              </a:ext>
+            </a:extLst>
+          </p:cNvPr>
+          <p:cNvCxnSpPr>
+            <a:cxnSpLocks/>
+          </p:cNvCxnSpPr>
+          <p:nvPr/>
+        </p:nvCxnSpPr>
+        <p:spPr>
+          <a:xfrm>
+            <a:off x="4639733" y="2934367"/>
+            <a:ext cx="619514" cy="0"/>
+          </a:xfrm>
+          <a:prstGeom prst="straightConnector1">
+            <a:avLst/>
+          </a:prstGeom>
+          <a:ln w="9525">
+            <a:solidFill>
+              <a:schemeClr val="tx1"/>
+            </a:solidFill>
+            <a:tailEnd type="arrow"/>
+          </a:ln>
+        </p:spPr>
+        <p:style>
+          <a:lnRef idx="1">
+            <a:schemeClr val="accent1"/>
+          </a:lnRef>
+          <a:fillRef idx="0">
+            <a:schemeClr val="accent1"/>
+          </a:fillRef>
+          <a:effectRef idx="0">
+            <a:schemeClr val="accent1"/>
+          </a:effectRef>
+          <a:fontRef idx="minor">
+            <a:schemeClr val="tx1"/>
+          </a:fontRef>
+        </p:style>
+      </p:cxnSp>
+      <p:cxnSp>
+        <p:nvCxnSpPr>
+          <p:cNvPr id="42" name="直線矢印コネクタ 41">
+            <a:extLst>
+              <a:ext uri="{FF2B5EF4-FFF2-40B4-BE49-F238E27FC236}">
+                <a16:creationId xmlns:a16="http://schemas.microsoft.com/office/drawing/2014/main" id="{9447CB97-19EA-D84D-8293-F456206EE845}"/>
+              </a:ext>
+            </a:extLst>
+          </p:cNvPr>
+          <p:cNvCxnSpPr>
+            <a:cxnSpLocks/>
+          </p:cNvCxnSpPr>
+          <p:nvPr/>
+        </p:nvCxnSpPr>
+        <p:spPr>
+          <a:xfrm>
+            <a:off x="4639733" y="4404164"/>
+            <a:ext cx="619514" cy="0"/>
+          </a:xfrm>
+          <a:prstGeom prst="straightConnector1">
+            <a:avLst/>
+          </a:prstGeom>
+          <a:ln w="9525">
+            <a:solidFill>
+              <a:schemeClr val="tx1"/>
+            </a:solidFill>
+            <a:tailEnd type="arrow"/>
+          </a:ln>
+        </p:spPr>
+        <p:style>
+          <a:lnRef idx="1">
+            <a:schemeClr val="accent1"/>
+          </a:lnRef>
+          <a:fillRef idx="0">
+            <a:schemeClr val="accent1"/>
+          </a:fillRef>
+          <a:effectRef idx="0">
+            <a:schemeClr val="accent1"/>
+          </a:effectRef>
+          <a:fontRef idx="minor">
+            <a:schemeClr val="tx1"/>
+          </a:fontRef>
+        </p:style>
+      </p:cxnSp>
+      <p:cxnSp>
+        <p:nvCxnSpPr>
+          <p:cNvPr id="44" name="直線矢印コネクタ 43">
+            <a:extLst>
+              <a:ext uri="{FF2B5EF4-FFF2-40B4-BE49-F238E27FC236}">
+                <a16:creationId xmlns:a16="http://schemas.microsoft.com/office/drawing/2014/main" id="{B6A6E3BE-66BE-2E4C-97AE-B5E17A12A55F}"/>
+              </a:ext>
+            </a:extLst>
+          </p:cNvPr>
+          <p:cNvCxnSpPr>
+            <a:cxnSpLocks/>
+          </p:cNvCxnSpPr>
+          <p:nvPr/>
+        </p:nvCxnSpPr>
+        <p:spPr>
+          <a:xfrm flipH="1">
+            <a:off x="6848158" y="4380842"/>
+            <a:ext cx="619514" cy="0"/>
+          </a:xfrm>
+          <a:prstGeom prst="straightConnector1">
+            <a:avLst/>
+          </a:prstGeom>
+          <a:ln w="9525">
+            <a:solidFill>
+              <a:schemeClr val="tx1"/>
+            </a:solidFill>
+            <a:tailEnd type="arrow"/>
+          </a:ln>
+        </p:spPr>
+        <p:style>
+          <a:lnRef idx="1">
+            <a:schemeClr val="accent1"/>
+          </a:lnRef>
+          <a:fillRef idx="0">
+            <a:schemeClr val="accent1"/>
+          </a:fillRef>
+          <a:effectRef idx="0">
+            <a:schemeClr val="accent1"/>
+          </a:effectRef>
+          <a:fontRef idx="minor">
+            <a:schemeClr val="tx1"/>
+          </a:fontRef>
+        </p:style>
+      </p:cxnSp>
+      <p:sp>
+        <p:nvSpPr>
+          <p:cNvPr id="3" name="正方形/長方形 2">
+            <a:extLst>
+              <a:ext uri="{FF2B5EF4-FFF2-40B4-BE49-F238E27FC236}">
+                <a16:creationId xmlns:a16="http://schemas.microsoft.com/office/drawing/2014/main" id="{C5E75BA0-6C40-F843-9C74-6D20A6A0084E}"/>
+              </a:ext>
+            </a:extLst>
+          </p:cNvPr>
+          <p:cNvSpPr/>
+          <p:nvPr/>
+        </p:nvSpPr>
+        <p:spPr>
+          <a:xfrm rot="1725816">
+            <a:off x="2240446" y="2950520"/>
+            <a:ext cx="8028248" cy="365126"/>
+          </a:xfrm>
+          <a:prstGeom prst="rect">
+            <a:avLst/>
+          </a:prstGeom>
+          <a:solidFill>
+            <a:schemeClr val="accent4">
+              <a:lumMod val="20000"/>
+              <a:lumOff val="80000"/>
+            </a:schemeClr>
+          </a:solidFill>
+          <a:ln>
+            <a:solidFill>
+              <a:schemeClr val="tx1"/>
+            </a:solidFill>
+          </a:ln>
+        </p:spPr>
+        <p:style>
+          <a:lnRef idx="2">
+            <a:schemeClr val="accent1">
+              <a:shade val="50000"/>
+            </a:schemeClr>
+          </a:lnRef>
+          <a:fillRef idx="1">
+            <a:schemeClr val="accent1"/>
+          </a:fillRef>
+          <a:effectRef idx="0">
+            <a:schemeClr val="accent1"/>
+          </a:effectRef>
+          <a:fontRef idx="minor">
+            <a:schemeClr val="lt1"/>
+          </a:fontRef>
+        </p:style>
+        <p:txBody>
+          <a:bodyPr rtlCol="0" anchor="ctr"/>
+          <a:lstStyle/>
+          <a:p>
+            <a:pPr algn="ctr"/>
+            <a:r>
+              <a:rPr kumimoji="1" lang="en-US" altLang="ja-JP" sz="1600" dirty="0">
+                <a:solidFill>
+                  <a:schemeClr val="tx1"/>
+                </a:solidFill>
+              </a:rPr>
+              <a:t>WIP</a:t>
+            </a:r>
+            <a:endParaRPr kumimoji="1" lang="ja-JP" altLang="en-US" sz="1600">
+              <a:solidFill>
+                <a:schemeClr val="tx1"/>
+              </a:solidFill>
+            </a:endParaRPr>
+          </a:p>
+        </p:txBody>
+      </p:sp>
+    </p:spTree>
+    <p:extLst>
+      <p:ext uri="{BB962C8B-B14F-4D97-AF65-F5344CB8AC3E}">
+        <p14:creationId xmlns:p14="http://schemas.microsoft.com/office/powerpoint/2010/main" val="2697485440"/>
+      </p:ext>
+    </p:extLst>
+  </p:cSld>
+  <p:clrMapOvr>
+    <a:masterClrMapping/>
+  </p:clrMapOvr>
+</p:sld>
+</file>
+
 <file path=ppt/slides/slide2.xml><?xml version="1.0" encoding="utf-8"?>
 <p:sld xmlns:a="http://schemas.openxmlformats.org/drawingml/2006/main" xmlns:r="http://schemas.openxmlformats.org/officeDocument/2006/relationships" xmlns:p="http://schemas.openxmlformats.org/presentationml/2006/main">
   <p:cSld>
@@ -3998,10 +5395,10 @@
       </p:grpSpPr>
       <p:sp>
         <p:nvSpPr>
-          <p:cNvPr id="2" name="タイトル 1">
-            <a:extLst>
-              <a:ext uri="{FF2B5EF4-FFF2-40B4-BE49-F238E27FC236}">
-                <a16:creationId xmlns:a16="http://schemas.microsoft.com/office/drawing/2014/main" id="{4EEABEAF-155C-624C-B734-BF5EF1D16338}"/>
+          <p:cNvPr id="6" name="タイトル 5">
+            <a:extLst>
+              <a:ext uri="{FF2B5EF4-FFF2-40B4-BE49-F238E27FC236}">
+                <a16:creationId xmlns:a16="http://schemas.microsoft.com/office/drawing/2014/main" id="{E25DACE1-58FD-9745-B266-5A5EA153FE9E}"/>
               </a:ext>
             </a:extLst>
           </p:cNvPr>
@@ -4018,8 +5415,67 @@
           <a:lstStyle/>
           <a:p>
             <a:r>
-              <a:rPr kumimoji="1" lang="en-US" altLang="ja-JP" dirty="0"/>
-              <a:t>Yield Farming Customer Journey Outline</a:t>
+              <a:rPr lang="en-US" altLang="ja-JP" dirty="0"/>
+              <a:t>Yield Farming</a:t>
+            </a:r>
+            <a:endParaRPr lang="ja-JP" altLang="en-US"/>
+          </a:p>
+        </p:txBody>
+      </p:sp>
+      <p:sp>
+        <p:nvSpPr>
+          <p:cNvPr id="7" name="テキスト プレースホルダー 6">
+            <a:extLst>
+              <a:ext uri="{FF2B5EF4-FFF2-40B4-BE49-F238E27FC236}">
+                <a16:creationId xmlns:a16="http://schemas.microsoft.com/office/drawing/2014/main" id="{6D2E24DF-5511-9C40-9985-E7FAA148311F}"/>
+              </a:ext>
+            </a:extLst>
+          </p:cNvPr>
+          <p:cNvSpPr>
+            <a:spLocks noGrp="1"/>
+          </p:cNvSpPr>
+          <p:nvPr>
+            <p:ph type="body" idx="4294967295"/>
+          </p:nvPr>
+        </p:nvSpPr>
+        <p:spPr>
+          <a:xfrm>
+            <a:off x="831850" y="4589463"/>
+            <a:ext cx="10515600" cy="1500187"/>
+          </a:xfrm>
+        </p:spPr>
+        <p:txBody>
+          <a:bodyPr/>
+          <a:lstStyle/>
+          <a:p>
+            <a:endParaRPr lang="ja-JP" altLang="en-US"/>
+          </a:p>
+        </p:txBody>
+      </p:sp>
+      <p:sp>
+        <p:nvSpPr>
+          <p:cNvPr id="4" name="フッター プレースホルダー 3">
+            <a:extLst>
+              <a:ext uri="{FF2B5EF4-FFF2-40B4-BE49-F238E27FC236}">
+                <a16:creationId xmlns:a16="http://schemas.microsoft.com/office/drawing/2014/main" id="{4AE20E14-611F-2746-B535-140C5335AF22}"/>
+              </a:ext>
+            </a:extLst>
+          </p:cNvPr>
+          <p:cNvSpPr>
+            <a:spLocks noGrp="1"/>
+          </p:cNvSpPr>
+          <p:nvPr>
+            <p:ph type="ftr" sz="quarter" idx="11"/>
+          </p:nvPr>
+        </p:nvSpPr>
+        <p:spPr/>
+        <p:txBody>
+          <a:bodyPr/>
+          <a:lstStyle/>
+          <a:p>
+            <a:r>
+              <a:rPr kumimoji="1" lang="en-US" altLang="ja-JP"/>
+              <a:t>256hax</a:t>
             </a:r>
             <a:endParaRPr kumimoji="1" lang="ja-JP" altLang="en-US"/>
           </a:p>
@@ -4030,7 +5486,7 @@
           <p:cNvPr id="5" name="スライド番号プレースホルダー 4">
             <a:extLst>
               <a:ext uri="{FF2B5EF4-FFF2-40B4-BE49-F238E27FC236}">
-                <a16:creationId xmlns:a16="http://schemas.microsoft.com/office/drawing/2014/main" id="{E5A8E0DE-9619-9D44-B54A-59A941A6EDFC}"/>
+                <a16:creationId xmlns:a16="http://schemas.microsoft.com/office/drawing/2014/main" id="{7DB935CD-5D46-734D-974F-FA319839D27B}"/>
               </a:ext>
             </a:extLst>
           </p:cNvPr>
@@ -4049,6 +5505,94 @@
             <a:fld id="{51BE5F08-58E8-9243-A834-2B76637F595D}" type="slidenum">
               <a:rPr kumimoji="1" lang="ja-JP" altLang="en-US" smtClean="0"/>
               <a:t>1</a:t>
+            </a:fld>
+            <a:endParaRPr kumimoji="1" lang="ja-JP" altLang="en-US"/>
+          </a:p>
+        </p:txBody>
+      </p:sp>
+    </p:spTree>
+    <p:extLst>
+      <p:ext uri="{BB962C8B-B14F-4D97-AF65-F5344CB8AC3E}">
+        <p14:creationId xmlns:p14="http://schemas.microsoft.com/office/powerpoint/2010/main" val="358845707"/>
+      </p:ext>
+    </p:extLst>
+  </p:cSld>
+  <p:clrMapOvr>
+    <a:masterClrMapping/>
+  </p:clrMapOvr>
+</p:sld>
+</file>
+
+<file path=ppt/slides/slide3.xml><?xml version="1.0" encoding="utf-8"?>
+<p:sld xmlns:a="http://schemas.openxmlformats.org/drawingml/2006/main" xmlns:r="http://schemas.openxmlformats.org/officeDocument/2006/relationships" xmlns:p="http://schemas.openxmlformats.org/presentationml/2006/main">
+  <p:cSld>
+    <p:spTree>
+      <p:nvGrpSpPr>
+        <p:cNvPr id="1" name=""/>
+        <p:cNvGrpSpPr/>
+        <p:nvPr/>
+      </p:nvGrpSpPr>
+      <p:grpSpPr>
+        <a:xfrm>
+          <a:off x="0" y="0"/>
+          <a:ext cx="0" cy="0"/>
+          <a:chOff x="0" y="0"/>
+          <a:chExt cx="0" cy="0"/>
+        </a:xfrm>
+      </p:grpSpPr>
+      <p:sp>
+        <p:nvSpPr>
+          <p:cNvPr id="2" name="タイトル 1">
+            <a:extLst>
+              <a:ext uri="{FF2B5EF4-FFF2-40B4-BE49-F238E27FC236}">
+                <a16:creationId xmlns:a16="http://schemas.microsoft.com/office/drawing/2014/main" id="{4EEABEAF-155C-624C-B734-BF5EF1D16338}"/>
+              </a:ext>
+            </a:extLst>
+          </p:cNvPr>
+          <p:cNvSpPr>
+            <a:spLocks noGrp="1"/>
+          </p:cNvSpPr>
+          <p:nvPr>
+            <p:ph type="title"/>
+          </p:nvPr>
+        </p:nvSpPr>
+        <p:spPr/>
+        <p:txBody>
+          <a:bodyPr/>
+          <a:lstStyle/>
+          <a:p>
+            <a:r>
+              <a:rPr kumimoji="1" lang="en-US" altLang="ja-JP" dirty="0"/>
+              <a:t>Yield Farming Customer Journey Outline</a:t>
+            </a:r>
+            <a:endParaRPr kumimoji="1" lang="ja-JP" altLang="en-US"/>
+          </a:p>
+        </p:txBody>
+      </p:sp>
+      <p:sp>
+        <p:nvSpPr>
+          <p:cNvPr id="5" name="スライド番号プレースホルダー 4">
+            <a:extLst>
+              <a:ext uri="{FF2B5EF4-FFF2-40B4-BE49-F238E27FC236}">
+                <a16:creationId xmlns:a16="http://schemas.microsoft.com/office/drawing/2014/main" id="{E5A8E0DE-9619-9D44-B54A-59A941A6EDFC}"/>
+              </a:ext>
+            </a:extLst>
+          </p:cNvPr>
+          <p:cNvSpPr>
+            <a:spLocks noGrp="1"/>
+          </p:cNvSpPr>
+          <p:nvPr>
+            <p:ph type="sldNum" sz="quarter" idx="12"/>
+          </p:nvPr>
+        </p:nvSpPr>
+        <p:spPr/>
+        <p:txBody>
+          <a:bodyPr/>
+          <a:lstStyle/>
+          <a:p>
+            <a:fld id="{51BE5F08-58E8-9243-A834-2B76637F595D}" type="slidenum">
+              <a:rPr kumimoji="1" lang="ja-JP" altLang="en-US" smtClean="0"/>
+              <a:t>2</a:t>
             </a:fld>
             <a:endParaRPr kumimoji="1" lang="ja-JP" altLang="en-US"/>
           </a:p>
@@ -7161,7 +8705,7 @@
 </p:sld>
 </file>
 
-<file path=ppt/slides/slide3.xml><?xml version="1.0" encoding="utf-8"?>
+<file path=ppt/slides/slide4.xml><?xml version="1.0" encoding="utf-8"?>
 <p:sld xmlns:a="http://schemas.openxmlformats.org/drawingml/2006/main" xmlns:r="http://schemas.openxmlformats.org/officeDocument/2006/relationships" xmlns:p="http://schemas.openxmlformats.org/presentationml/2006/main">
   <p:cSld>
     <p:spTree>
@@ -7339,7 +8883,7 @@
           <a:p>
             <a:r>
               <a:rPr kumimoji="1" lang="en-US" altLang="ja-JP" dirty="0"/>
-              <a:t>List Token on Market - Outline Figure (Draft)</a:t>
+              <a:t>Listing Token on Market - Outline Figure (Draft)</a:t>
             </a:r>
             <a:endParaRPr kumimoji="1" lang="ja-JP" altLang="en-US"/>
           </a:p>
@@ -7397,7 +8941,7 @@
           <a:p>
             <a:fld id="{51BE5F08-58E8-9243-A834-2B76637F595D}" type="slidenum">
               <a:rPr kumimoji="1" lang="ja-JP" altLang="en-US" smtClean="0"/>
-              <a:t>2</a:t>
+              <a:t>3</a:t>
             </a:fld>
             <a:endParaRPr kumimoji="1" lang="ja-JP" altLang="en-US"/>
           </a:p>
@@ -9364,483 +10908,6 @@
 </p:sld>
 </file>
 
-<file path=ppt/slides/slide4.xml><?xml version="1.0" encoding="utf-8"?>
-<p:sld xmlns:a="http://schemas.openxmlformats.org/drawingml/2006/main" xmlns:r="http://schemas.openxmlformats.org/officeDocument/2006/relationships" xmlns:p="http://schemas.openxmlformats.org/presentationml/2006/main">
-  <p:cSld>
-    <p:spTree>
-      <p:nvGrpSpPr>
-        <p:cNvPr id="1" name=""/>
-        <p:cNvGrpSpPr/>
-        <p:nvPr/>
-      </p:nvGrpSpPr>
-      <p:grpSpPr>
-        <a:xfrm>
-          <a:off x="0" y="0"/>
-          <a:ext cx="0" cy="0"/>
-          <a:chOff x="0" y="0"/>
-          <a:chExt cx="0" cy="0"/>
-        </a:xfrm>
-      </p:grpSpPr>
-      <p:sp>
-        <p:nvSpPr>
-          <p:cNvPr id="2" name="タイトル 1">
-            <a:extLst>
-              <a:ext uri="{FF2B5EF4-FFF2-40B4-BE49-F238E27FC236}">
-                <a16:creationId xmlns:a16="http://schemas.microsoft.com/office/drawing/2014/main" id="{A975DB2E-3BC4-CE4A-8A1B-DD078F1FCBDD}"/>
-              </a:ext>
-            </a:extLst>
-          </p:cNvPr>
-          <p:cNvSpPr>
-            <a:spLocks noGrp="1"/>
-          </p:cNvSpPr>
-          <p:nvPr>
-            <p:ph type="title"/>
-          </p:nvPr>
-        </p:nvSpPr>
-        <p:spPr/>
-        <p:txBody>
-          <a:bodyPr/>
-          <a:lstStyle/>
-          <a:p>
-            <a:r>
-              <a:rPr kumimoji="1" lang="en-US" altLang="ja-JP" dirty="0"/>
-              <a:t>Quote:</a:t>
-            </a:r>
-            <a:r>
-              <a:rPr lang="en-US" altLang="ja-JP" dirty="0"/>
-              <a:t> How </a:t>
-            </a:r>
-            <a:r>
-              <a:rPr lang="en-US" altLang="ja-JP" dirty="0" err="1"/>
-              <a:t>Uniswap</a:t>
-            </a:r>
-            <a:r>
-              <a:rPr lang="en-US" altLang="ja-JP" dirty="0"/>
-              <a:t> V2 works</a:t>
-            </a:r>
-            <a:endParaRPr kumimoji="1" lang="ja-JP" altLang="en-US"/>
-          </a:p>
-        </p:txBody>
-      </p:sp>
-      <p:sp>
-        <p:nvSpPr>
-          <p:cNvPr id="4" name="フッター プレースホルダー 3">
-            <a:extLst>
-              <a:ext uri="{FF2B5EF4-FFF2-40B4-BE49-F238E27FC236}">
-                <a16:creationId xmlns:a16="http://schemas.microsoft.com/office/drawing/2014/main" id="{4CF94AA4-AB4E-324F-8027-9D29D920579C}"/>
-              </a:ext>
-            </a:extLst>
-          </p:cNvPr>
-          <p:cNvSpPr>
-            <a:spLocks noGrp="1"/>
-          </p:cNvSpPr>
-          <p:nvPr>
-            <p:ph type="ftr" sz="quarter" idx="11"/>
-          </p:nvPr>
-        </p:nvSpPr>
-        <p:spPr/>
-        <p:txBody>
-          <a:bodyPr/>
-          <a:lstStyle/>
-          <a:p>
-            <a:r>
-              <a:rPr kumimoji="1" lang="en-US" altLang="ja-JP"/>
-              <a:t>256hax</a:t>
-            </a:r>
-            <a:endParaRPr kumimoji="1" lang="ja-JP" altLang="en-US"/>
-          </a:p>
-        </p:txBody>
-      </p:sp>
-      <p:sp>
-        <p:nvSpPr>
-          <p:cNvPr id="5" name="スライド番号プレースホルダー 4">
-            <a:extLst>
-              <a:ext uri="{FF2B5EF4-FFF2-40B4-BE49-F238E27FC236}">
-                <a16:creationId xmlns:a16="http://schemas.microsoft.com/office/drawing/2014/main" id="{63705DBA-FF44-8F4E-990A-F906E11289AE}"/>
-              </a:ext>
-            </a:extLst>
-          </p:cNvPr>
-          <p:cNvSpPr>
-            <a:spLocks noGrp="1"/>
-          </p:cNvSpPr>
-          <p:nvPr>
-            <p:ph type="sldNum" sz="quarter" idx="12"/>
-          </p:nvPr>
-        </p:nvSpPr>
-        <p:spPr/>
-        <p:txBody>
-          <a:bodyPr/>
-          <a:lstStyle/>
-          <a:p>
-            <a:fld id="{51BE5F08-58E8-9243-A834-2B76637F595D}" type="slidenum">
-              <a:rPr kumimoji="1" lang="ja-JP" altLang="en-US" smtClean="0"/>
-              <a:t>3</a:t>
-            </a:fld>
-            <a:endParaRPr kumimoji="1" lang="ja-JP" altLang="en-US"/>
-          </a:p>
-        </p:txBody>
-      </p:sp>
-      <p:sp>
-        <p:nvSpPr>
-          <p:cNvPr id="6" name="テキスト ボックス 5">
-            <a:extLst>
-              <a:ext uri="{FF2B5EF4-FFF2-40B4-BE49-F238E27FC236}">
-                <a16:creationId xmlns:a16="http://schemas.microsoft.com/office/drawing/2014/main" id="{2A285182-278E-EC43-B3F1-5216926592DF}"/>
-              </a:ext>
-            </a:extLst>
-          </p:cNvPr>
-          <p:cNvSpPr txBox="1"/>
-          <p:nvPr/>
-        </p:nvSpPr>
-        <p:spPr>
-          <a:xfrm>
-            <a:off x="5576711" y="714905"/>
-            <a:ext cx="6118578" cy="1633353"/>
-          </a:xfrm>
-          <a:prstGeom prst="rect">
-            <a:avLst/>
-          </a:prstGeom>
-          <a:noFill/>
-        </p:spPr>
-        <p:txBody>
-          <a:bodyPr wrap="square" rtlCol="0">
-            <a:noAutofit/>
-          </a:bodyPr>
-          <a:lstStyle/>
-          <a:p>
-            <a:r>
-              <a:rPr lang="en-US" altLang="ja-JP" sz="1200" dirty="0"/>
-              <a:t>"Anyone can become a liquidity provider (LP) for a pool by depositing an equivalent value of each underlying token in return for pool tokens. These tokens track pro-rata LP shares of the total reserves, and can be redeemed for the underlying assets at any time."</a:t>
-            </a:r>
-          </a:p>
-        </p:txBody>
-      </p:sp>
-      <p:sp>
-        <p:nvSpPr>
-          <p:cNvPr id="9" name="テキスト ボックス 8">
-            <a:extLst>
-              <a:ext uri="{FF2B5EF4-FFF2-40B4-BE49-F238E27FC236}">
-                <a16:creationId xmlns:a16="http://schemas.microsoft.com/office/drawing/2014/main" id="{75C0EDA6-91E1-AE43-99CC-7CDDCCED986F}"/>
-              </a:ext>
-            </a:extLst>
-          </p:cNvPr>
-          <p:cNvSpPr txBox="1"/>
-          <p:nvPr/>
-        </p:nvSpPr>
-        <p:spPr>
-          <a:xfrm>
-            <a:off x="5576711" y="2428954"/>
-            <a:ext cx="6118578" cy="1913489"/>
-          </a:xfrm>
-          <a:prstGeom prst="rect">
-            <a:avLst/>
-          </a:prstGeom>
-          <a:noFill/>
-        </p:spPr>
-        <p:txBody>
-          <a:bodyPr wrap="square" rtlCol="0">
-            <a:noAutofit/>
-          </a:bodyPr>
-          <a:lstStyle/>
-          <a:p>
-            <a:r>
-              <a:rPr lang="en-US" altLang="ja-JP" sz="1200" dirty="0"/>
-              <a:t>"Pairs act as automated market makers, standing ready to accept one token for the other as long as the “constant product” formula is preserved. This formula, most simply expressed as x * y = k, states that trades must not change the product (k) of a pair’s reserve balances (x and y). Because k remains unchanged from the reference frame of a trade, it is often referred to as the invariant. This formula has the desirable property that larger trades (relative to reserves) execute at exponentially worse rates than smaller ones.</a:t>
-            </a:r>
-          </a:p>
-          <a:p>
-            <a:r>
-              <a:rPr lang="en-US" altLang="ja-JP" sz="1200" dirty="0"/>
-              <a:t>In practice, </a:t>
-            </a:r>
-            <a:r>
-              <a:rPr lang="en-US" altLang="ja-JP" sz="1200" dirty="0" err="1"/>
-              <a:t>Uniswap</a:t>
-            </a:r>
-            <a:r>
-              <a:rPr lang="en-US" altLang="ja-JP" sz="1200" dirty="0"/>
-              <a:t> applies a 0.30% fee to trades, which is added to reserves. As a result, each trade actually increases k. This functions as a payout to LPs, which is realized when they burn their pool tokens to withdraw their portion of total reserves. In the future, this fee may be reduced to 0.25%, with the remaining 0.05% withheld as a protocol-wide charge."</a:t>
-            </a:r>
-          </a:p>
-        </p:txBody>
-      </p:sp>
-      <p:pic>
-        <p:nvPicPr>
-          <p:cNvPr id="1026" name="Picture 2">
-            <a:extLst>
-              <a:ext uri="{FF2B5EF4-FFF2-40B4-BE49-F238E27FC236}">
-                <a16:creationId xmlns:a16="http://schemas.microsoft.com/office/drawing/2014/main" id="{28A2A80F-5E05-0F43-8FCD-5F39A7521706}"/>
-              </a:ext>
-            </a:extLst>
-          </p:cNvPr>
-          <p:cNvPicPr>
-            <a:picLocks noChangeAspect="1" noChangeArrowheads="1"/>
-          </p:cNvPicPr>
-          <p:nvPr/>
-        </p:nvPicPr>
-        <p:blipFill>
-          <a:blip r:embed="rId2">
-            <a:extLst>
-              <a:ext uri="{28A0092B-C50C-407E-A947-70E740481C1C}">
-                <a14:useLocalDpi xmlns:a14="http://schemas.microsoft.com/office/drawing/2010/main" val="0"/>
-              </a:ext>
-            </a:extLst>
-          </a:blip>
-          <a:srcRect/>
-          <a:stretch>
-            <a:fillRect/>
-          </a:stretch>
-        </p:blipFill>
-        <p:spPr bwMode="auto">
-          <a:xfrm>
-            <a:off x="451259" y="714905"/>
-            <a:ext cx="5064004" cy="1633353"/>
-          </a:xfrm>
-          <a:prstGeom prst="rect">
-            <a:avLst/>
-          </a:prstGeom>
-          <a:noFill/>
-          <a:ln>
-            <a:solidFill>
-              <a:schemeClr val="bg1">
-                <a:lumMod val="75000"/>
-              </a:schemeClr>
-            </a:solidFill>
-          </a:ln>
-          <a:extLst>
-            <a:ext uri="{909E8E84-426E-40DD-AFC4-6F175D3DCCD1}">
-              <a14:hiddenFill xmlns:a14="http://schemas.microsoft.com/office/drawing/2010/main">
-                <a:solidFill>
-                  <a:srgbClr val="FFFFFF"/>
-                </a:solidFill>
-              </a14:hiddenFill>
-            </a:ext>
-          </a:extLst>
-        </p:spPr>
-      </p:pic>
-      <p:pic>
-        <p:nvPicPr>
-          <p:cNvPr id="1028" name="Picture 4">
-            <a:extLst>
-              <a:ext uri="{FF2B5EF4-FFF2-40B4-BE49-F238E27FC236}">
-                <a16:creationId xmlns:a16="http://schemas.microsoft.com/office/drawing/2014/main" id="{C8D6C070-9601-F74F-A766-D67B71ABB485}"/>
-              </a:ext>
-            </a:extLst>
-          </p:cNvPr>
-          <p:cNvPicPr>
-            <a:picLocks noChangeAspect="1" noChangeArrowheads="1"/>
-          </p:cNvPicPr>
-          <p:nvPr/>
-        </p:nvPicPr>
-        <p:blipFill>
-          <a:blip r:embed="rId3">
-            <a:extLst>
-              <a:ext uri="{28A0092B-C50C-407E-A947-70E740481C1C}">
-                <a14:useLocalDpi xmlns:a14="http://schemas.microsoft.com/office/drawing/2010/main" val="0"/>
-              </a:ext>
-            </a:extLst>
-          </a:blip>
-          <a:srcRect/>
-          <a:stretch>
-            <a:fillRect/>
-          </a:stretch>
-        </p:blipFill>
-        <p:spPr bwMode="auto">
-          <a:xfrm>
-            <a:off x="451259" y="2428954"/>
-            <a:ext cx="5069009" cy="1913489"/>
-          </a:xfrm>
-          <a:prstGeom prst="rect">
-            <a:avLst/>
-          </a:prstGeom>
-          <a:noFill/>
-          <a:ln>
-            <a:solidFill>
-              <a:schemeClr val="bg1">
-                <a:lumMod val="75000"/>
-              </a:schemeClr>
-            </a:solidFill>
-          </a:ln>
-          <a:extLst>
-            <a:ext uri="{909E8E84-426E-40DD-AFC4-6F175D3DCCD1}">
-              <a14:hiddenFill xmlns:a14="http://schemas.microsoft.com/office/drawing/2010/main">
-                <a:solidFill>
-                  <a:srgbClr val="FFFFFF"/>
-                </a:solidFill>
-              </a14:hiddenFill>
-            </a:ext>
-          </a:extLst>
-        </p:spPr>
-      </p:pic>
-      <p:pic>
-        <p:nvPicPr>
-          <p:cNvPr id="1030" name="Picture 6">
-            <a:extLst>
-              <a:ext uri="{FF2B5EF4-FFF2-40B4-BE49-F238E27FC236}">
-                <a16:creationId xmlns:a16="http://schemas.microsoft.com/office/drawing/2014/main" id="{A5A832C1-0D02-FC4E-A428-5FBF09383B9D}"/>
-              </a:ext>
-            </a:extLst>
-          </p:cNvPr>
-          <p:cNvPicPr>
-            <a:picLocks noChangeAspect="1" noChangeArrowheads="1"/>
-          </p:cNvPicPr>
-          <p:nvPr/>
-        </p:nvPicPr>
-        <p:blipFill>
-          <a:blip r:embed="rId4">
-            <a:extLst>
-              <a:ext uri="{28A0092B-C50C-407E-A947-70E740481C1C}">
-                <a14:useLocalDpi xmlns:a14="http://schemas.microsoft.com/office/drawing/2010/main" val="0"/>
-              </a:ext>
-            </a:extLst>
-          </a:blip>
-          <a:srcRect/>
-          <a:stretch>
-            <a:fillRect/>
-          </a:stretch>
-        </p:blipFill>
-        <p:spPr bwMode="auto">
-          <a:xfrm>
-            <a:off x="446253" y="4423139"/>
-            <a:ext cx="5074014" cy="2010639"/>
-          </a:xfrm>
-          <a:prstGeom prst="rect">
-            <a:avLst/>
-          </a:prstGeom>
-          <a:noFill/>
-          <a:ln>
-            <a:solidFill>
-              <a:schemeClr val="bg1">
-                <a:lumMod val="75000"/>
-              </a:schemeClr>
-            </a:solidFill>
-          </a:ln>
-          <a:extLst>
-            <a:ext uri="{909E8E84-426E-40DD-AFC4-6F175D3DCCD1}">
-              <a14:hiddenFill xmlns:a14="http://schemas.microsoft.com/office/drawing/2010/main">
-                <a:solidFill>
-                  <a:srgbClr val="FFFFFF"/>
-                </a:solidFill>
-              </a14:hiddenFill>
-            </a:ext>
-          </a:extLst>
-        </p:spPr>
-      </p:pic>
-      <p:sp>
-        <p:nvSpPr>
-          <p:cNvPr id="12" name="テキスト ボックス 11">
-            <a:extLst>
-              <a:ext uri="{FF2B5EF4-FFF2-40B4-BE49-F238E27FC236}">
-                <a16:creationId xmlns:a16="http://schemas.microsoft.com/office/drawing/2014/main" id="{BC8F5FB8-241E-D44F-8EC5-A239493BCD65}"/>
-              </a:ext>
-            </a:extLst>
-          </p:cNvPr>
-          <p:cNvSpPr txBox="1"/>
-          <p:nvPr/>
-        </p:nvSpPr>
-        <p:spPr>
-          <a:xfrm>
-            <a:off x="5576711" y="4423139"/>
-            <a:ext cx="6118578" cy="2010639"/>
-          </a:xfrm>
-          <a:prstGeom prst="rect">
-            <a:avLst/>
-          </a:prstGeom>
-          <a:noFill/>
-        </p:spPr>
-        <p:txBody>
-          <a:bodyPr wrap="square" rtlCol="0">
-            <a:noAutofit/>
-          </a:bodyPr>
-          <a:lstStyle/>
-          <a:p>
-            <a:r>
-              <a:rPr lang="en-US" altLang="ja-JP" sz="1200" dirty="0"/>
-              <a:t>"Because the relative price of the two pair assets can only be changed through trading, divergences between the </a:t>
-            </a:r>
-            <a:r>
-              <a:rPr lang="en-US" altLang="ja-JP" sz="1200" dirty="0" err="1"/>
-              <a:t>Uniswap</a:t>
-            </a:r>
-            <a:r>
-              <a:rPr lang="en-US" altLang="ja-JP" sz="1200" dirty="0"/>
-              <a:t> price and external prices create arbitrage opportunities. This mechanism ensures that </a:t>
-            </a:r>
-            <a:r>
-              <a:rPr lang="en-US" altLang="ja-JP" sz="1200" dirty="0" err="1"/>
-              <a:t>Uniswap</a:t>
-            </a:r>
-            <a:r>
-              <a:rPr lang="en-US" altLang="ja-JP" sz="1200" dirty="0"/>
-              <a:t> prices always trend toward the market-clearing price."</a:t>
-            </a:r>
-          </a:p>
-        </p:txBody>
-      </p:sp>
-      <p:sp>
-        <p:nvSpPr>
-          <p:cNvPr id="8" name="テキスト ボックス 7">
-            <a:extLst>
-              <a:ext uri="{FF2B5EF4-FFF2-40B4-BE49-F238E27FC236}">
-                <a16:creationId xmlns:a16="http://schemas.microsoft.com/office/drawing/2014/main" id="{D37FAAB5-7062-4B4A-8E0D-1AF9E1FAABE8}"/>
-              </a:ext>
-            </a:extLst>
-          </p:cNvPr>
-          <p:cNvSpPr txBox="1"/>
-          <p:nvPr/>
-        </p:nvSpPr>
-        <p:spPr>
-          <a:xfrm>
-            <a:off x="5576712" y="412947"/>
-            <a:ext cx="6118578" cy="253916"/>
-          </a:xfrm>
-          <a:prstGeom prst="rect">
-            <a:avLst/>
-          </a:prstGeom>
-          <a:noFill/>
-        </p:spPr>
-        <p:txBody>
-          <a:bodyPr wrap="square" rtlCol="0">
-            <a:spAutoFit/>
-          </a:bodyPr>
-          <a:lstStyle/>
-          <a:p>
-            <a:r>
-              <a:rPr lang="en-US" altLang="ja-JP" sz="1050" dirty="0"/>
-              <a:t>Source: https://</a:t>
-            </a:r>
-            <a:r>
-              <a:rPr lang="en-US" altLang="ja-JP" sz="1050" dirty="0" err="1"/>
-              <a:t>docs.uniswap.org</a:t>
-            </a:r>
-            <a:r>
-              <a:rPr lang="en-US" altLang="ja-JP" sz="1050" dirty="0"/>
-              <a:t>/protocol/V2/concepts/protocol-overview/how-</a:t>
-            </a:r>
-            <a:r>
-              <a:rPr lang="en-US" altLang="ja-JP" sz="1050" dirty="0" err="1"/>
-              <a:t>uniswap</a:t>
-            </a:r>
-            <a:r>
-              <a:rPr lang="en-US" altLang="ja-JP" sz="1050" dirty="0"/>
-              <a:t>-works</a:t>
-            </a:r>
-          </a:p>
-        </p:txBody>
-      </p:sp>
-    </p:spTree>
-    <p:extLst>
-      <p:ext uri="{BB962C8B-B14F-4D97-AF65-F5344CB8AC3E}">
-        <p14:creationId xmlns:p14="http://schemas.microsoft.com/office/powerpoint/2010/main" val="2329877283"/>
-      </p:ext>
-    </p:extLst>
-  </p:cSld>
-  <p:clrMapOvr>
-    <a:masterClrMapping/>
-  </p:clrMapOvr>
-</p:sld>
-</file>
-
 <file path=ppt/slides/slide5.xml><?xml version="1.0" encoding="utf-8"?>
 <p:sld xmlns:a="http://schemas.openxmlformats.org/drawingml/2006/main" xmlns:r="http://schemas.openxmlformats.org/officeDocument/2006/relationships" xmlns:p="http://schemas.openxmlformats.org/presentationml/2006/main">
   <p:cSld>
@@ -9863,7 +10930,7 @@
           <p:cNvPr id="2" name="タイトル 1">
             <a:extLst>
               <a:ext uri="{FF2B5EF4-FFF2-40B4-BE49-F238E27FC236}">
-                <a16:creationId xmlns:a16="http://schemas.microsoft.com/office/drawing/2014/main" id="{247BFE88-7019-4F43-8B30-C0AC025035D4}"/>
+                <a16:creationId xmlns:a16="http://schemas.microsoft.com/office/drawing/2014/main" id="{A975DB2E-3BC4-CE4A-8A1B-DD078F1FCBDD}"/>
               </a:ext>
             </a:extLst>
           </p:cNvPr>
@@ -9881,15 +10948,19 @@
           <a:p>
             <a:r>
               <a:rPr kumimoji="1" lang="en-US" altLang="ja-JP" dirty="0"/>
-              <a:t>Production System Architecture</a:t>
-            </a:r>
-            <a:r>
-              <a:rPr kumimoji="1" lang="ja-JP" altLang="en-US"/>
-              <a:t> </a:t>
-            </a:r>
-            <a:r>
-              <a:rPr kumimoji="1" lang="en-US" altLang="ja-JP" dirty="0"/>
-              <a:t>(Draft)</a:t>
+              <a:t>Quote:</a:t>
+            </a:r>
+            <a:r>
+              <a:rPr lang="en-US" altLang="ja-JP" dirty="0"/>
+              <a:t> How </a:t>
+            </a:r>
+            <a:r>
+              <a:rPr lang="en-US" altLang="ja-JP" dirty="0" err="1"/>
+              <a:t>Uniswap</a:t>
+            </a:r>
+            <a:r>
+              <a:rPr lang="en-US" altLang="ja-JP" dirty="0"/>
+              <a:t> V2 works</a:t>
             </a:r>
             <a:endParaRPr kumimoji="1" lang="ja-JP" altLang="en-US"/>
           </a:p>
@@ -9897,10 +10968,39 @@
       </p:sp>
       <p:sp>
         <p:nvSpPr>
+          <p:cNvPr id="4" name="フッター プレースホルダー 3">
+            <a:extLst>
+              <a:ext uri="{FF2B5EF4-FFF2-40B4-BE49-F238E27FC236}">
+                <a16:creationId xmlns:a16="http://schemas.microsoft.com/office/drawing/2014/main" id="{4CF94AA4-AB4E-324F-8027-9D29D920579C}"/>
+              </a:ext>
+            </a:extLst>
+          </p:cNvPr>
+          <p:cNvSpPr>
+            <a:spLocks noGrp="1"/>
+          </p:cNvSpPr>
+          <p:nvPr>
+            <p:ph type="ftr" sz="quarter" idx="11"/>
+          </p:nvPr>
+        </p:nvSpPr>
+        <p:spPr/>
+        <p:txBody>
+          <a:bodyPr/>
+          <a:lstStyle/>
+          <a:p>
+            <a:r>
+              <a:rPr kumimoji="1" lang="en-US" altLang="ja-JP"/>
+              <a:t>256hax</a:t>
+            </a:r>
+            <a:endParaRPr kumimoji="1" lang="ja-JP" altLang="en-US"/>
+          </a:p>
+        </p:txBody>
+      </p:sp>
+      <p:sp>
+        <p:nvSpPr>
           <p:cNvPr id="5" name="スライド番号プレースホルダー 4">
             <a:extLst>
               <a:ext uri="{FF2B5EF4-FFF2-40B4-BE49-F238E27FC236}">
-                <a16:creationId xmlns:a16="http://schemas.microsoft.com/office/drawing/2014/main" id="{C519304D-DB9E-0848-9482-0874A773055B}"/>
+                <a16:creationId xmlns:a16="http://schemas.microsoft.com/office/drawing/2014/main" id="{63705DBA-FF44-8F4E-990A-F906E11289AE}"/>
               </a:ext>
             </a:extLst>
           </p:cNvPr>
@@ -9919,6 +11019,450 @@
             <a:fld id="{51BE5F08-58E8-9243-A834-2B76637F595D}" type="slidenum">
               <a:rPr kumimoji="1" lang="ja-JP" altLang="en-US" smtClean="0"/>
               <a:t>4</a:t>
+            </a:fld>
+            <a:endParaRPr kumimoji="1" lang="ja-JP" altLang="en-US"/>
+          </a:p>
+        </p:txBody>
+      </p:sp>
+      <p:sp>
+        <p:nvSpPr>
+          <p:cNvPr id="6" name="テキスト ボックス 5">
+            <a:extLst>
+              <a:ext uri="{FF2B5EF4-FFF2-40B4-BE49-F238E27FC236}">
+                <a16:creationId xmlns:a16="http://schemas.microsoft.com/office/drawing/2014/main" id="{2A285182-278E-EC43-B3F1-5216926592DF}"/>
+              </a:ext>
+            </a:extLst>
+          </p:cNvPr>
+          <p:cNvSpPr txBox="1"/>
+          <p:nvPr/>
+        </p:nvSpPr>
+        <p:spPr>
+          <a:xfrm>
+            <a:off x="5576711" y="714905"/>
+            <a:ext cx="6118578" cy="1633353"/>
+          </a:xfrm>
+          <a:prstGeom prst="rect">
+            <a:avLst/>
+          </a:prstGeom>
+          <a:noFill/>
+        </p:spPr>
+        <p:txBody>
+          <a:bodyPr wrap="square" rtlCol="0">
+            <a:noAutofit/>
+          </a:bodyPr>
+          <a:lstStyle/>
+          <a:p>
+            <a:r>
+              <a:rPr lang="en-US" altLang="ja-JP" sz="1200" dirty="0"/>
+              <a:t>"Anyone can become a liquidity provider (LP) for a pool by depositing an equivalent value of each underlying token in return for pool tokens. These tokens track pro-rata LP shares of the total reserves, and can be redeemed for the underlying assets at any time."</a:t>
+            </a:r>
+          </a:p>
+        </p:txBody>
+      </p:sp>
+      <p:sp>
+        <p:nvSpPr>
+          <p:cNvPr id="9" name="テキスト ボックス 8">
+            <a:extLst>
+              <a:ext uri="{FF2B5EF4-FFF2-40B4-BE49-F238E27FC236}">
+                <a16:creationId xmlns:a16="http://schemas.microsoft.com/office/drawing/2014/main" id="{75C0EDA6-91E1-AE43-99CC-7CDDCCED986F}"/>
+              </a:ext>
+            </a:extLst>
+          </p:cNvPr>
+          <p:cNvSpPr txBox="1"/>
+          <p:nvPr/>
+        </p:nvSpPr>
+        <p:spPr>
+          <a:xfrm>
+            <a:off x="5576711" y="2428954"/>
+            <a:ext cx="6118578" cy="1913489"/>
+          </a:xfrm>
+          <a:prstGeom prst="rect">
+            <a:avLst/>
+          </a:prstGeom>
+          <a:noFill/>
+        </p:spPr>
+        <p:txBody>
+          <a:bodyPr wrap="square" rtlCol="0">
+            <a:noAutofit/>
+          </a:bodyPr>
+          <a:lstStyle/>
+          <a:p>
+            <a:r>
+              <a:rPr lang="en-US" altLang="ja-JP" sz="1200" dirty="0"/>
+              <a:t>"Pairs act as automated market makers, standing ready to accept one token for the other as long as the “constant product” formula is preserved. This formula, most simply expressed as x * y = k, states that trades must not change the product (k) of a pair’s reserve balances (x and y). Because k remains unchanged from the reference frame of a trade, it is often referred to as the invariant. This formula has the desirable property that larger trades (relative to reserves) execute at exponentially worse rates than smaller ones.</a:t>
+            </a:r>
+          </a:p>
+          <a:p>
+            <a:r>
+              <a:rPr lang="en-US" altLang="ja-JP" sz="1200" dirty="0"/>
+              <a:t>In practice, </a:t>
+            </a:r>
+            <a:r>
+              <a:rPr lang="en-US" altLang="ja-JP" sz="1200" dirty="0" err="1"/>
+              <a:t>Uniswap</a:t>
+            </a:r>
+            <a:r>
+              <a:rPr lang="en-US" altLang="ja-JP" sz="1200" dirty="0"/>
+              <a:t> applies a 0.30% fee to trades, which is added to reserves. As a result, each trade actually increases k. This functions as a payout to LPs, which is realized when they burn their pool tokens to withdraw their portion of total reserves. In the future, this fee may be reduced to 0.25%, with the remaining 0.05% withheld as a protocol-wide charge."</a:t>
+            </a:r>
+          </a:p>
+        </p:txBody>
+      </p:sp>
+      <p:pic>
+        <p:nvPicPr>
+          <p:cNvPr id="1026" name="Picture 2">
+            <a:extLst>
+              <a:ext uri="{FF2B5EF4-FFF2-40B4-BE49-F238E27FC236}">
+                <a16:creationId xmlns:a16="http://schemas.microsoft.com/office/drawing/2014/main" id="{28A2A80F-5E05-0F43-8FCD-5F39A7521706}"/>
+              </a:ext>
+            </a:extLst>
+          </p:cNvPr>
+          <p:cNvPicPr>
+            <a:picLocks noChangeAspect="1" noChangeArrowheads="1"/>
+          </p:cNvPicPr>
+          <p:nvPr/>
+        </p:nvPicPr>
+        <p:blipFill>
+          <a:blip r:embed="rId2">
+            <a:extLst>
+              <a:ext uri="{28A0092B-C50C-407E-A947-70E740481C1C}">
+                <a14:useLocalDpi xmlns:a14="http://schemas.microsoft.com/office/drawing/2010/main" val="0"/>
+              </a:ext>
+            </a:extLst>
+          </a:blip>
+          <a:srcRect/>
+          <a:stretch>
+            <a:fillRect/>
+          </a:stretch>
+        </p:blipFill>
+        <p:spPr bwMode="auto">
+          <a:xfrm>
+            <a:off x="451259" y="714905"/>
+            <a:ext cx="5064004" cy="1633353"/>
+          </a:xfrm>
+          <a:prstGeom prst="rect">
+            <a:avLst/>
+          </a:prstGeom>
+          <a:noFill/>
+          <a:ln>
+            <a:solidFill>
+              <a:schemeClr val="bg1">
+                <a:lumMod val="75000"/>
+              </a:schemeClr>
+            </a:solidFill>
+          </a:ln>
+          <a:extLst>
+            <a:ext uri="{909E8E84-426E-40DD-AFC4-6F175D3DCCD1}">
+              <a14:hiddenFill xmlns:a14="http://schemas.microsoft.com/office/drawing/2010/main">
+                <a:solidFill>
+                  <a:srgbClr val="FFFFFF"/>
+                </a:solidFill>
+              </a14:hiddenFill>
+            </a:ext>
+          </a:extLst>
+        </p:spPr>
+      </p:pic>
+      <p:pic>
+        <p:nvPicPr>
+          <p:cNvPr id="1028" name="Picture 4">
+            <a:extLst>
+              <a:ext uri="{FF2B5EF4-FFF2-40B4-BE49-F238E27FC236}">
+                <a16:creationId xmlns:a16="http://schemas.microsoft.com/office/drawing/2014/main" id="{C8D6C070-9601-F74F-A766-D67B71ABB485}"/>
+              </a:ext>
+            </a:extLst>
+          </p:cNvPr>
+          <p:cNvPicPr>
+            <a:picLocks noChangeAspect="1" noChangeArrowheads="1"/>
+          </p:cNvPicPr>
+          <p:nvPr/>
+        </p:nvPicPr>
+        <p:blipFill>
+          <a:blip r:embed="rId3">
+            <a:extLst>
+              <a:ext uri="{28A0092B-C50C-407E-A947-70E740481C1C}">
+                <a14:useLocalDpi xmlns:a14="http://schemas.microsoft.com/office/drawing/2010/main" val="0"/>
+              </a:ext>
+            </a:extLst>
+          </a:blip>
+          <a:srcRect/>
+          <a:stretch>
+            <a:fillRect/>
+          </a:stretch>
+        </p:blipFill>
+        <p:spPr bwMode="auto">
+          <a:xfrm>
+            <a:off x="451259" y="2428954"/>
+            <a:ext cx="5069009" cy="1913489"/>
+          </a:xfrm>
+          <a:prstGeom prst="rect">
+            <a:avLst/>
+          </a:prstGeom>
+          <a:noFill/>
+          <a:ln>
+            <a:solidFill>
+              <a:schemeClr val="bg1">
+                <a:lumMod val="75000"/>
+              </a:schemeClr>
+            </a:solidFill>
+          </a:ln>
+          <a:extLst>
+            <a:ext uri="{909E8E84-426E-40DD-AFC4-6F175D3DCCD1}">
+              <a14:hiddenFill xmlns:a14="http://schemas.microsoft.com/office/drawing/2010/main">
+                <a:solidFill>
+                  <a:srgbClr val="FFFFFF"/>
+                </a:solidFill>
+              </a14:hiddenFill>
+            </a:ext>
+          </a:extLst>
+        </p:spPr>
+      </p:pic>
+      <p:pic>
+        <p:nvPicPr>
+          <p:cNvPr id="1030" name="Picture 6">
+            <a:extLst>
+              <a:ext uri="{FF2B5EF4-FFF2-40B4-BE49-F238E27FC236}">
+                <a16:creationId xmlns:a16="http://schemas.microsoft.com/office/drawing/2014/main" id="{A5A832C1-0D02-FC4E-A428-5FBF09383B9D}"/>
+              </a:ext>
+            </a:extLst>
+          </p:cNvPr>
+          <p:cNvPicPr>
+            <a:picLocks noChangeAspect="1" noChangeArrowheads="1"/>
+          </p:cNvPicPr>
+          <p:nvPr/>
+        </p:nvPicPr>
+        <p:blipFill>
+          <a:blip r:embed="rId4">
+            <a:extLst>
+              <a:ext uri="{28A0092B-C50C-407E-A947-70E740481C1C}">
+                <a14:useLocalDpi xmlns:a14="http://schemas.microsoft.com/office/drawing/2010/main" val="0"/>
+              </a:ext>
+            </a:extLst>
+          </a:blip>
+          <a:srcRect/>
+          <a:stretch>
+            <a:fillRect/>
+          </a:stretch>
+        </p:blipFill>
+        <p:spPr bwMode="auto">
+          <a:xfrm>
+            <a:off x="446253" y="4423139"/>
+            <a:ext cx="5074014" cy="2010639"/>
+          </a:xfrm>
+          <a:prstGeom prst="rect">
+            <a:avLst/>
+          </a:prstGeom>
+          <a:noFill/>
+          <a:ln>
+            <a:solidFill>
+              <a:schemeClr val="bg1">
+                <a:lumMod val="75000"/>
+              </a:schemeClr>
+            </a:solidFill>
+          </a:ln>
+          <a:extLst>
+            <a:ext uri="{909E8E84-426E-40DD-AFC4-6F175D3DCCD1}">
+              <a14:hiddenFill xmlns:a14="http://schemas.microsoft.com/office/drawing/2010/main">
+                <a:solidFill>
+                  <a:srgbClr val="FFFFFF"/>
+                </a:solidFill>
+              </a14:hiddenFill>
+            </a:ext>
+          </a:extLst>
+        </p:spPr>
+      </p:pic>
+      <p:sp>
+        <p:nvSpPr>
+          <p:cNvPr id="12" name="テキスト ボックス 11">
+            <a:extLst>
+              <a:ext uri="{FF2B5EF4-FFF2-40B4-BE49-F238E27FC236}">
+                <a16:creationId xmlns:a16="http://schemas.microsoft.com/office/drawing/2014/main" id="{BC8F5FB8-241E-D44F-8EC5-A239493BCD65}"/>
+              </a:ext>
+            </a:extLst>
+          </p:cNvPr>
+          <p:cNvSpPr txBox="1"/>
+          <p:nvPr/>
+        </p:nvSpPr>
+        <p:spPr>
+          <a:xfrm>
+            <a:off x="5576711" y="4423139"/>
+            <a:ext cx="6118578" cy="2010639"/>
+          </a:xfrm>
+          <a:prstGeom prst="rect">
+            <a:avLst/>
+          </a:prstGeom>
+          <a:noFill/>
+        </p:spPr>
+        <p:txBody>
+          <a:bodyPr wrap="square" rtlCol="0">
+            <a:noAutofit/>
+          </a:bodyPr>
+          <a:lstStyle/>
+          <a:p>
+            <a:r>
+              <a:rPr lang="en-US" altLang="ja-JP" sz="1200" dirty="0"/>
+              <a:t>"Because the relative price of the two pair assets can only be changed through trading, divergences between the </a:t>
+            </a:r>
+            <a:r>
+              <a:rPr lang="en-US" altLang="ja-JP" sz="1200" dirty="0" err="1"/>
+              <a:t>Uniswap</a:t>
+            </a:r>
+            <a:r>
+              <a:rPr lang="en-US" altLang="ja-JP" sz="1200" dirty="0"/>
+              <a:t> price and external prices create arbitrage opportunities. This mechanism ensures that </a:t>
+            </a:r>
+            <a:r>
+              <a:rPr lang="en-US" altLang="ja-JP" sz="1200" dirty="0" err="1"/>
+              <a:t>Uniswap</a:t>
+            </a:r>
+            <a:r>
+              <a:rPr lang="en-US" altLang="ja-JP" sz="1200" dirty="0"/>
+              <a:t> prices always trend toward the market-clearing price."</a:t>
+            </a:r>
+          </a:p>
+        </p:txBody>
+      </p:sp>
+      <p:sp>
+        <p:nvSpPr>
+          <p:cNvPr id="8" name="テキスト ボックス 7">
+            <a:extLst>
+              <a:ext uri="{FF2B5EF4-FFF2-40B4-BE49-F238E27FC236}">
+                <a16:creationId xmlns:a16="http://schemas.microsoft.com/office/drawing/2014/main" id="{D37FAAB5-7062-4B4A-8E0D-1AF9E1FAABE8}"/>
+              </a:ext>
+            </a:extLst>
+          </p:cNvPr>
+          <p:cNvSpPr txBox="1"/>
+          <p:nvPr/>
+        </p:nvSpPr>
+        <p:spPr>
+          <a:xfrm>
+            <a:off x="5576712" y="412947"/>
+            <a:ext cx="6118578" cy="253916"/>
+          </a:xfrm>
+          <a:prstGeom prst="rect">
+            <a:avLst/>
+          </a:prstGeom>
+          <a:noFill/>
+        </p:spPr>
+        <p:txBody>
+          <a:bodyPr wrap="square" rtlCol="0">
+            <a:spAutoFit/>
+          </a:bodyPr>
+          <a:lstStyle/>
+          <a:p>
+            <a:r>
+              <a:rPr lang="en-US" altLang="ja-JP" sz="1050" dirty="0"/>
+              <a:t>Source: https://</a:t>
+            </a:r>
+            <a:r>
+              <a:rPr lang="en-US" altLang="ja-JP" sz="1050" dirty="0" err="1"/>
+              <a:t>docs.uniswap.org</a:t>
+            </a:r>
+            <a:r>
+              <a:rPr lang="en-US" altLang="ja-JP" sz="1050" dirty="0"/>
+              <a:t>/protocol/V2/concepts/protocol-overview/how-</a:t>
+            </a:r>
+            <a:r>
+              <a:rPr lang="en-US" altLang="ja-JP" sz="1050" dirty="0" err="1"/>
+              <a:t>uniswap</a:t>
+            </a:r>
+            <a:r>
+              <a:rPr lang="en-US" altLang="ja-JP" sz="1050" dirty="0"/>
+              <a:t>-works</a:t>
+            </a:r>
+          </a:p>
+        </p:txBody>
+      </p:sp>
+    </p:spTree>
+    <p:extLst>
+      <p:ext uri="{BB962C8B-B14F-4D97-AF65-F5344CB8AC3E}">
+        <p14:creationId xmlns:p14="http://schemas.microsoft.com/office/powerpoint/2010/main" val="2329877283"/>
+      </p:ext>
+    </p:extLst>
+  </p:cSld>
+  <p:clrMapOvr>
+    <a:masterClrMapping/>
+  </p:clrMapOvr>
+</p:sld>
+</file>
+
+<file path=ppt/slides/slide6.xml><?xml version="1.0" encoding="utf-8"?>
+<p:sld xmlns:a="http://schemas.openxmlformats.org/drawingml/2006/main" xmlns:r="http://schemas.openxmlformats.org/officeDocument/2006/relationships" xmlns:p="http://schemas.openxmlformats.org/presentationml/2006/main">
+  <p:cSld>
+    <p:spTree>
+      <p:nvGrpSpPr>
+        <p:cNvPr id="1" name=""/>
+        <p:cNvGrpSpPr/>
+        <p:nvPr/>
+      </p:nvGrpSpPr>
+      <p:grpSpPr>
+        <a:xfrm>
+          <a:off x="0" y="0"/>
+          <a:ext cx="0" cy="0"/>
+          <a:chOff x="0" y="0"/>
+          <a:chExt cx="0" cy="0"/>
+        </a:xfrm>
+      </p:grpSpPr>
+      <p:sp>
+        <p:nvSpPr>
+          <p:cNvPr id="2" name="タイトル 1">
+            <a:extLst>
+              <a:ext uri="{FF2B5EF4-FFF2-40B4-BE49-F238E27FC236}">
+                <a16:creationId xmlns:a16="http://schemas.microsoft.com/office/drawing/2014/main" id="{247BFE88-7019-4F43-8B30-C0AC025035D4}"/>
+              </a:ext>
+            </a:extLst>
+          </p:cNvPr>
+          <p:cNvSpPr>
+            <a:spLocks noGrp="1"/>
+          </p:cNvSpPr>
+          <p:nvPr>
+            <p:ph type="title"/>
+          </p:nvPr>
+        </p:nvSpPr>
+        <p:spPr/>
+        <p:txBody>
+          <a:bodyPr/>
+          <a:lstStyle/>
+          <a:p>
+            <a:r>
+              <a:rPr kumimoji="1" lang="en-US" altLang="ja-JP" dirty="0"/>
+              <a:t>Production System Architecture</a:t>
+            </a:r>
+            <a:r>
+              <a:rPr kumimoji="1" lang="ja-JP" altLang="en-US"/>
+              <a:t> </a:t>
+            </a:r>
+            <a:r>
+              <a:rPr kumimoji="1" lang="en-US" altLang="ja-JP" dirty="0"/>
+              <a:t>(Draft)</a:t>
+            </a:r>
+            <a:endParaRPr kumimoji="1" lang="ja-JP" altLang="en-US"/>
+          </a:p>
+        </p:txBody>
+      </p:sp>
+      <p:sp>
+        <p:nvSpPr>
+          <p:cNvPr id="5" name="スライド番号プレースホルダー 4">
+            <a:extLst>
+              <a:ext uri="{FF2B5EF4-FFF2-40B4-BE49-F238E27FC236}">
+                <a16:creationId xmlns:a16="http://schemas.microsoft.com/office/drawing/2014/main" id="{C519304D-DB9E-0848-9482-0874A773055B}"/>
+              </a:ext>
+            </a:extLst>
+          </p:cNvPr>
+          <p:cNvSpPr>
+            <a:spLocks noGrp="1"/>
+          </p:cNvSpPr>
+          <p:nvPr>
+            <p:ph type="sldNum" sz="quarter" idx="12"/>
+          </p:nvPr>
+        </p:nvSpPr>
+        <p:spPr/>
+        <p:txBody>
+          <a:bodyPr/>
+          <a:lstStyle/>
+          <a:p>
+            <a:fld id="{51BE5F08-58E8-9243-A834-2B76637F595D}" type="slidenum">
+              <a:rPr kumimoji="1" lang="ja-JP" altLang="en-US" smtClean="0"/>
+              <a:t>5</a:t>
             </a:fld>
             <a:endParaRPr kumimoji="1" lang="ja-JP" altLang="en-US"/>
           </a:p>
@@ -13116,7 +14660,7 @@
 </p:sld>
 </file>
 
-<file path=ppt/slides/slide6.xml><?xml version="1.0" encoding="utf-8"?>
+<file path=ppt/slides/slide7.xml><?xml version="1.0" encoding="utf-8"?>
 <p:sld xmlns:a="http://schemas.openxmlformats.org/drawingml/2006/main" xmlns:r="http://schemas.openxmlformats.org/officeDocument/2006/relationships" xmlns:p="http://schemas.openxmlformats.org/presentationml/2006/main">
   <p:cSld>
     <p:spTree>
@@ -13135,10 +14679,10 @@
       </p:grpSpPr>
       <p:sp>
         <p:nvSpPr>
-          <p:cNvPr id="2" name="タイトル 1">
-            <a:extLst>
-              <a:ext uri="{FF2B5EF4-FFF2-40B4-BE49-F238E27FC236}">
-                <a16:creationId xmlns:a16="http://schemas.microsoft.com/office/drawing/2014/main" id="{5674C237-FC36-2245-8F79-A2954EC21E50}"/>
+          <p:cNvPr id="6" name="タイトル 5">
+            <a:extLst>
+              <a:ext uri="{FF2B5EF4-FFF2-40B4-BE49-F238E27FC236}">
+                <a16:creationId xmlns:a16="http://schemas.microsoft.com/office/drawing/2014/main" id="{56AA0D49-BC0A-8947-849A-944C6C23C473}"/>
               </a:ext>
             </a:extLst>
           </p:cNvPr>
@@ -13156,7 +14700,61 @@
           <a:p>
             <a:r>
               <a:rPr lang="en-US" altLang="ja-JP" dirty="0"/>
-              <a:t>Accounts – Execution Programs/Transactions Process (Draft)</a:t>
+              <a:t>Accounts</a:t>
+            </a:r>
+            <a:endParaRPr lang="ja-JP" altLang="en-US"/>
+          </a:p>
+        </p:txBody>
+      </p:sp>
+      <p:sp>
+        <p:nvSpPr>
+          <p:cNvPr id="7" name="テキスト プレースホルダー 6">
+            <a:extLst>
+              <a:ext uri="{FF2B5EF4-FFF2-40B4-BE49-F238E27FC236}">
+                <a16:creationId xmlns:a16="http://schemas.microsoft.com/office/drawing/2014/main" id="{C06B7392-3295-0D4C-BDB5-BFCC92D9FBE9}"/>
+              </a:ext>
+            </a:extLst>
+          </p:cNvPr>
+          <p:cNvSpPr>
+            <a:spLocks noGrp="1"/>
+          </p:cNvSpPr>
+          <p:nvPr>
+            <p:ph type="body" idx="1"/>
+          </p:nvPr>
+        </p:nvSpPr>
+        <p:spPr/>
+        <p:txBody>
+          <a:bodyPr/>
+          <a:lstStyle/>
+          <a:p>
+            <a:endParaRPr lang="ja-JP" altLang="en-US"/>
+          </a:p>
+        </p:txBody>
+      </p:sp>
+      <p:sp>
+        <p:nvSpPr>
+          <p:cNvPr id="4" name="フッター プレースホルダー 3">
+            <a:extLst>
+              <a:ext uri="{FF2B5EF4-FFF2-40B4-BE49-F238E27FC236}">
+                <a16:creationId xmlns:a16="http://schemas.microsoft.com/office/drawing/2014/main" id="{03DDA0EC-0424-D44E-A2F2-30EFB2207FF1}"/>
+              </a:ext>
+            </a:extLst>
+          </p:cNvPr>
+          <p:cNvSpPr>
+            <a:spLocks noGrp="1"/>
+          </p:cNvSpPr>
+          <p:nvPr>
+            <p:ph type="ftr" sz="quarter" idx="11"/>
+          </p:nvPr>
+        </p:nvSpPr>
+        <p:spPr/>
+        <p:txBody>
+          <a:bodyPr/>
+          <a:lstStyle/>
+          <a:p>
+            <a:r>
+              <a:rPr kumimoji="1" lang="en-US" altLang="ja-JP"/>
+              <a:t>256hax</a:t>
             </a:r>
             <a:endParaRPr kumimoji="1" lang="ja-JP" altLang="en-US"/>
           </a:p>
@@ -13164,10 +14762,10 @@
       </p:sp>
       <p:sp>
         <p:nvSpPr>
-          <p:cNvPr id="4" name="スライド番号プレースホルダー 3">
-            <a:extLst>
-              <a:ext uri="{FF2B5EF4-FFF2-40B4-BE49-F238E27FC236}">
-                <a16:creationId xmlns:a16="http://schemas.microsoft.com/office/drawing/2014/main" id="{36E094E1-296D-8D4E-ABFD-E99CF34E9870}"/>
+          <p:cNvPr id="5" name="スライド番号プレースホルダー 4">
+            <a:extLst>
+              <a:ext uri="{FF2B5EF4-FFF2-40B4-BE49-F238E27FC236}">
+                <a16:creationId xmlns:a16="http://schemas.microsoft.com/office/drawing/2014/main" id="{94CCCD99-BD8D-964F-99A9-262A5E9BBB71}"/>
               </a:ext>
             </a:extLst>
           </p:cNvPr>
@@ -13185,7 +14783,95 @@
           <a:p>
             <a:fld id="{51BE5F08-58E8-9243-A834-2B76637F595D}" type="slidenum">
               <a:rPr kumimoji="1" lang="ja-JP" altLang="en-US" smtClean="0"/>
-              <a:t>5</a:t>
+              <a:t>6</a:t>
+            </a:fld>
+            <a:endParaRPr kumimoji="1" lang="ja-JP" altLang="en-US"/>
+          </a:p>
+        </p:txBody>
+      </p:sp>
+    </p:spTree>
+    <p:extLst>
+      <p:ext uri="{BB962C8B-B14F-4D97-AF65-F5344CB8AC3E}">
+        <p14:creationId xmlns:p14="http://schemas.microsoft.com/office/powerpoint/2010/main" val="2208742899"/>
+      </p:ext>
+    </p:extLst>
+  </p:cSld>
+  <p:clrMapOvr>
+    <a:masterClrMapping/>
+  </p:clrMapOvr>
+</p:sld>
+</file>
+
+<file path=ppt/slides/slide8.xml><?xml version="1.0" encoding="utf-8"?>
+<p:sld xmlns:a="http://schemas.openxmlformats.org/drawingml/2006/main" xmlns:r="http://schemas.openxmlformats.org/officeDocument/2006/relationships" xmlns:p="http://schemas.openxmlformats.org/presentationml/2006/main">
+  <p:cSld>
+    <p:spTree>
+      <p:nvGrpSpPr>
+        <p:cNvPr id="1" name=""/>
+        <p:cNvGrpSpPr/>
+        <p:nvPr/>
+      </p:nvGrpSpPr>
+      <p:grpSpPr>
+        <a:xfrm>
+          <a:off x="0" y="0"/>
+          <a:ext cx="0" cy="0"/>
+          <a:chOff x="0" y="0"/>
+          <a:chExt cx="0" cy="0"/>
+        </a:xfrm>
+      </p:grpSpPr>
+      <p:sp>
+        <p:nvSpPr>
+          <p:cNvPr id="2" name="タイトル 1">
+            <a:extLst>
+              <a:ext uri="{FF2B5EF4-FFF2-40B4-BE49-F238E27FC236}">
+                <a16:creationId xmlns:a16="http://schemas.microsoft.com/office/drawing/2014/main" id="{5674C237-FC36-2245-8F79-A2954EC21E50}"/>
+              </a:ext>
+            </a:extLst>
+          </p:cNvPr>
+          <p:cNvSpPr>
+            <a:spLocks noGrp="1"/>
+          </p:cNvSpPr>
+          <p:nvPr>
+            <p:ph type="title"/>
+          </p:nvPr>
+        </p:nvSpPr>
+        <p:spPr/>
+        <p:txBody>
+          <a:bodyPr/>
+          <a:lstStyle/>
+          <a:p>
+            <a:r>
+              <a:rPr lang="en-US" altLang="ja-JP" dirty="0"/>
+              <a:t>Accounts – Execution Programs/Transactions Process (Draft)</a:t>
+            </a:r>
+            <a:endParaRPr kumimoji="1" lang="ja-JP" altLang="en-US"/>
+          </a:p>
+        </p:txBody>
+      </p:sp>
+      <p:sp>
+        <p:nvSpPr>
+          <p:cNvPr id="4" name="スライド番号プレースホルダー 3">
+            <a:extLst>
+              <a:ext uri="{FF2B5EF4-FFF2-40B4-BE49-F238E27FC236}">
+                <a16:creationId xmlns:a16="http://schemas.microsoft.com/office/drawing/2014/main" id="{36E094E1-296D-8D4E-ABFD-E99CF34E9870}"/>
+              </a:ext>
+            </a:extLst>
+          </p:cNvPr>
+          <p:cNvSpPr>
+            <a:spLocks noGrp="1"/>
+          </p:cNvSpPr>
+          <p:nvPr>
+            <p:ph type="sldNum" sz="quarter" idx="12"/>
+          </p:nvPr>
+        </p:nvSpPr>
+        <p:spPr/>
+        <p:txBody>
+          <a:bodyPr/>
+          <a:lstStyle/>
+          <a:p>
+            <a:fld id="{51BE5F08-58E8-9243-A834-2B76637F595D}" type="slidenum">
+              <a:rPr kumimoji="1" lang="ja-JP" altLang="en-US" smtClean="0"/>
+              <a:t>7</a:t>
             </a:fld>
             <a:endParaRPr kumimoji="1" lang="ja-JP" altLang="en-US"/>
           </a:p>
@@ -14479,7 +16165,7 @@
           <p:nvPr>
             <p:extLst>
               <p:ext uri="{D42A27DB-BD31-4B8C-83A1-F6EECF244321}">
-                <p14:modId xmlns:p14="http://schemas.microsoft.com/office/powerpoint/2010/main" val="1179300162"/>
+                <p14:modId xmlns:p14="http://schemas.microsoft.com/office/powerpoint/2010/main" val="2745528436"/>
               </p:ext>
             </p:extLst>
           </p:nvPr>
@@ -14536,7 +16222,7 @@
                       <a:r>
                         <a:rPr kumimoji="1" lang="en-US" altLang="ja-JP" sz="1200" b="0" dirty="0">
                           <a:solidFill>
-                            <a:schemeClr val="bg1"/>
+                            <a:schemeClr val="tx1"/>
                           </a:solidFill>
                         </a:rPr>
                         <a:t>Step with Signature(</a:t>
@@ -14544,7 +16230,7 @@
                       <a:r>
                         <a:rPr kumimoji="1" lang="en-US" altLang="ja-JP" sz="1200" b="0" dirty="0" err="1">
                           <a:solidFill>
-                            <a:schemeClr val="bg1"/>
+                            <a:schemeClr val="tx1"/>
                           </a:solidFill>
                         </a:rPr>
                         <a:t>Devnet</a:t>
@@ -14552,14 +16238,14 @@
                       <a:r>
                         <a:rPr kumimoji="1" lang="en-US" altLang="ja-JP" sz="1200" b="0" dirty="0">
                           <a:solidFill>
-                            <a:schemeClr val="bg1"/>
+                            <a:schemeClr val="tx1"/>
                           </a:solidFill>
                         </a:rPr>
                         <a:t>)</a:t>
                       </a:r>
                       <a:endParaRPr kumimoji="1" lang="ja-JP" altLang="en-US" sz="1200" b="0">
                         <a:solidFill>
-                          <a:schemeClr val="bg1"/>
+                          <a:schemeClr val="tx1"/>
                         </a:solidFill>
                       </a:endParaRPr>
                     </a:p>
@@ -14610,7 +16296,9 @@
                       <a:tailEnd type="none" w="med" len="med"/>
                     </a:lnB>
                     <a:solidFill>
-                      <a:schemeClr val="tx1"/>
+                      <a:schemeClr val="bg1">
+                        <a:lumMod val="75000"/>
+                      </a:schemeClr>
                     </a:solidFill>
                   </a:tcPr>
                 </a:tc>
@@ -14782,14 +16470,14 @@
                       <a:r>
                         <a:rPr kumimoji="1" lang="en-US" altLang="ja-JP" sz="1200" dirty="0">
                           <a:solidFill>
-                            <a:schemeClr val="bg1"/>
+                            <a:schemeClr val="tx1"/>
                           </a:solidFill>
                         </a:rPr>
                         <a:t>Example Programs</a:t>
                       </a:r>
                       <a:endParaRPr kumimoji="1" lang="ja-JP" altLang="en-US" sz="1200" b="0">
                         <a:solidFill>
-                          <a:schemeClr val="bg1"/>
+                          <a:schemeClr val="tx1"/>
                         </a:solidFill>
                       </a:endParaRPr>
                     </a:p>
@@ -14840,7 +16528,9 @@
                       <a:tailEnd type="none" w="med" len="med"/>
                     </a:lnB>
                     <a:solidFill>
-                      <a:schemeClr val="tx1"/>
+                      <a:schemeClr val="bg1">
+                        <a:lumMod val="75000"/>
+                      </a:schemeClr>
                     </a:solidFill>
                   </a:tcPr>
                 </a:tc>
@@ -14951,14 +16641,14 @@
                       <a:r>
                         <a:rPr kumimoji="1" lang="en-US" altLang="ja-JP" sz="1200" dirty="0">
                           <a:solidFill>
-                            <a:schemeClr val="bg1"/>
+                            <a:schemeClr val="tx1"/>
                           </a:solidFill>
                         </a:rPr>
                         <a:t>Public Key (Address)</a:t>
                       </a:r>
                       <a:endParaRPr kumimoji="1" lang="ja-JP" altLang="en-US" sz="1200" b="0">
                         <a:solidFill>
-                          <a:schemeClr val="bg1"/>
+                          <a:schemeClr val="tx1"/>
                         </a:solidFill>
                       </a:endParaRPr>
                     </a:p>
@@ -15009,7 +16699,9 @@
                       <a:tailEnd type="none" w="med" len="med"/>
                     </a:lnB>
                     <a:solidFill>
-                      <a:schemeClr val="tx1"/>
+                      <a:schemeClr val="bg1">
+                        <a:lumMod val="75000"/>
+                      </a:schemeClr>
                     </a:solidFill>
                   </a:tcPr>
                 </a:tc>
@@ -15276,7 +16968,9 @@
             <a:avLst/>
           </a:prstGeom>
           <a:solidFill>
-            <a:schemeClr val="tx1"/>
+            <a:schemeClr val="bg1">
+              <a:lumMod val="75000"/>
+            </a:schemeClr>
           </a:solidFill>
           <a:ln>
             <a:noFill/>
@@ -15306,14 +17000,14 @@
             <a:r>
               <a:rPr kumimoji="1" lang="en-US" altLang="ja-JP" sz="1400" dirty="0">
                 <a:solidFill>
-                  <a:schemeClr val="bg1"/>
+                  <a:schemeClr val="tx1"/>
                 </a:solidFill>
               </a:rPr>
               <a:t>STEP 1, 2 (Deploy, Re-Deploy Program)</a:t>
             </a:r>
             <a:endParaRPr kumimoji="1" lang="ja-JP" altLang="en-US" sz="1400">
               <a:solidFill>
-                <a:schemeClr val="bg1"/>
+                <a:schemeClr val="tx1"/>
               </a:solidFill>
             </a:endParaRPr>
           </a:p>
@@ -15399,7 +17093,9 @@
             <a:avLst/>
           </a:prstGeom>
           <a:solidFill>
-            <a:schemeClr val="tx1"/>
+            <a:schemeClr val="bg1">
+              <a:lumMod val="75000"/>
+            </a:schemeClr>
           </a:solidFill>
           <a:ln>
             <a:noFill/>
@@ -15429,14 +17125,14 @@
             <a:r>
               <a:rPr kumimoji="1" lang="en-US" altLang="ja-JP" sz="1400" dirty="0">
                 <a:solidFill>
-                  <a:schemeClr val="bg1"/>
+                  <a:schemeClr val="tx1"/>
                 </a:solidFill>
               </a:rPr>
               <a:t>STEP 3, 4 (Create Account, then Add/Update Data)</a:t>
             </a:r>
             <a:endParaRPr kumimoji="1" lang="ja-JP" altLang="en-US" sz="1400">
               <a:solidFill>
-                <a:schemeClr val="bg1"/>
+                <a:schemeClr val="tx1"/>
               </a:solidFill>
             </a:endParaRPr>
           </a:p>
@@ -15484,7 +17180,7 @@
 </p:sld>
 </file>
 
-<file path=ppt/slides/slide7.xml><?xml version="1.0" encoding="utf-8"?>
+<file path=ppt/slides/slide9.xml><?xml version="1.0" encoding="utf-8"?>
 <p:sld xmlns:a="http://schemas.openxmlformats.org/drawingml/2006/main" xmlns:r="http://schemas.openxmlformats.org/officeDocument/2006/relationships" xmlns:p="http://schemas.openxmlformats.org/presentationml/2006/main">
   <p:cSld>
     <p:spTree>
@@ -15553,7 +17249,7 @@
           <a:p>
             <a:fld id="{51BE5F08-58E8-9243-A834-2B76637F595D}" type="slidenum">
               <a:rPr kumimoji="1" lang="ja-JP" altLang="en-US" smtClean="0"/>
-              <a:t>6</a:t>
+              <a:t>8</a:t>
             </a:fld>
             <a:endParaRPr kumimoji="1" lang="ja-JP" altLang="en-US"/>
           </a:p>
@@ -15574,7 +17270,7 @@
           <p:nvPr>
             <p:extLst>
               <p:ext uri="{D42A27DB-BD31-4B8C-83A1-F6EECF244321}">
-                <p14:modId xmlns:p14="http://schemas.microsoft.com/office/powerpoint/2010/main" val="3102017220"/>
+                <p14:modId xmlns:p14="http://schemas.microsoft.com/office/powerpoint/2010/main" val="4162408230"/>
               </p:ext>
             </p:extLst>
           </p:nvPr>
@@ -15631,7 +17327,7 @@
                       <a:r>
                         <a:rPr kumimoji="1" lang="en-US" altLang="ja-JP" sz="1200" b="0" dirty="0">
                           <a:solidFill>
-                            <a:schemeClr val="bg1"/>
+                            <a:schemeClr val="tx1"/>
                           </a:solidFill>
                         </a:rPr>
                         <a:t>Step with Signature(</a:t>
@@ -15639,7 +17335,7 @@
                       <a:r>
                         <a:rPr kumimoji="1" lang="en-US" altLang="ja-JP" sz="1200" b="0" dirty="0" err="1">
                           <a:solidFill>
-                            <a:schemeClr val="bg1"/>
+                            <a:schemeClr val="tx1"/>
                           </a:solidFill>
                         </a:rPr>
                         <a:t>Devnet</a:t>
@@ -15647,14 +17343,14 @@
                       <a:r>
                         <a:rPr kumimoji="1" lang="en-US" altLang="ja-JP" sz="1200" b="0" dirty="0">
                           <a:solidFill>
-                            <a:schemeClr val="bg1"/>
+                            <a:schemeClr val="tx1"/>
                           </a:solidFill>
                         </a:rPr>
                         <a:t>)</a:t>
                       </a:r>
                       <a:endParaRPr kumimoji="1" lang="ja-JP" altLang="en-US" sz="1200" b="0">
                         <a:solidFill>
-                          <a:schemeClr val="bg1"/>
+                          <a:schemeClr val="tx1"/>
                         </a:solidFill>
                       </a:endParaRPr>
                     </a:p>
@@ -15705,7 +17401,9 @@
                       <a:tailEnd type="none" w="med" len="med"/>
                     </a:lnB>
                     <a:solidFill>
-                      <a:schemeClr val="tx1"/>
+                      <a:schemeClr val="bg1">
+                        <a:lumMod val="75000"/>
+                      </a:schemeClr>
                     </a:solidFill>
                   </a:tcPr>
                 </a:tc>
@@ -17471,7 +19169,9 @@
             <a:avLst/>
           </a:prstGeom>
           <a:solidFill>
-            <a:schemeClr val="tx1"/>
+            <a:schemeClr val="bg1">
+              <a:lumMod val="75000"/>
+            </a:schemeClr>
           </a:solidFill>
           <a:ln>
             <a:noFill/>
@@ -17501,14 +19201,14 @@
             <a:r>
               <a:rPr kumimoji="1" lang="en-US" altLang="ja-JP" sz="1400" dirty="0">
                 <a:solidFill>
-                  <a:schemeClr val="bg1"/>
+                  <a:schemeClr val="tx1"/>
                 </a:solidFill>
               </a:rPr>
               <a:t>STEP 1 (Create Token)</a:t>
             </a:r>
             <a:endParaRPr kumimoji="1" lang="ja-JP" altLang="en-US" sz="1400">
               <a:solidFill>
-                <a:schemeClr val="bg1"/>
+                <a:schemeClr val="tx1"/>
               </a:solidFill>
             </a:endParaRPr>
           </a:p>
@@ -17535,7 +19235,9 @@
             <a:avLst/>
           </a:prstGeom>
           <a:solidFill>
-            <a:schemeClr val="tx1"/>
+            <a:schemeClr val="bg1">
+              <a:lumMod val="75000"/>
+            </a:schemeClr>
           </a:solidFill>
           <a:ln>
             <a:noFill/>
@@ -17565,7 +19267,7 @@
             <a:r>
               <a:rPr kumimoji="1" lang="en-US" altLang="ja-JP" sz="1400" dirty="0">
                 <a:solidFill>
-                  <a:schemeClr val="bg1"/>
+                  <a:schemeClr val="tx1"/>
                 </a:solidFill>
               </a:rPr>
               <a:t>STEP 2 (Create Token Account)</a:t>
@@ -17575,14 +19277,14 @@
             <a:r>
               <a:rPr kumimoji="1" lang="en-US" altLang="ja-JP" sz="1400" dirty="0">
                 <a:solidFill>
-                  <a:schemeClr val="bg1"/>
+                  <a:schemeClr val="tx1"/>
                 </a:solidFill>
               </a:rPr>
               <a:t>STEP 3 (Mint 100 Tokens)</a:t>
             </a:r>
             <a:endParaRPr kumimoji="1" lang="ja-JP" altLang="en-US" sz="1400">
               <a:solidFill>
-                <a:schemeClr val="bg1"/>
+                <a:schemeClr val="tx1"/>
               </a:solidFill>
             </a:endParaRPr>
           </a:p>
@@ -17609,7 +19311,9 @@
             <a:avLst/>
           </a:prstGeom>
           <a:solidFill>
-            <a:schemeClr val="tx1"/>
+            <a:schemeClr val="bg1">
+              <a:lumMod val="75000"/>
+            </a:schemeClr>
           </a:solidFill>
           <a:ln>
             <a:noFill/>
@@ -17639,14 +19343,14 @@
             <a:r>
               <a:rPr kumimoji="1" lang="en-US" altLang="ja-JP" sz="1400" dirty="0">
                 <a:solidFill>
-                  <a:schemeClr val="bg1"/>
+                  <a:schemeClr val="tx1"/>
                 </a:solidFill>
               </a:rPr>
               <a:t>STEP 4 (Send Token)</a:t>
             </a:r>
             <a:endParaRPr kumimoji="1" lang="ja-JP" altLang="en-US" sz="1400">
               <a:solidFill>
-                <a:schemeClr val="bg1"/>
+                <a:schemeClr val="tx1"/>
               </a:solidFill>
             </a:endParaRPr>
           </a:p>

--- a/docs/Solana_Blockchain_Outline_Figure.pptx
+++ b/docs/Solana_Blockchain_Outline_Figure.pptx
@@ -215,7 +215,7 @@
           <a:p>
             <a:fld id="{0E3AE901-84B3-3248-AD12-BEDA7F301CE3}" type="datetimeFigureOut">
               <a:rPr kumimoji="1" lang="ja-JP" altLang="en-US" smtClean="0"/>
-              <a:t>2022/1/11</a:t>
+              <a:t>2022/1/16</a:t>
             </a:fld>
             <a:endParaRPr kumimoji="1" lang="ja-JP" altLang="en-US"/>
           </a:p>
@@ -830,7 +830,7 @@
           <a:p>
             <a:fld id="{E3F90748-6578-AC42-962A-9F4B1F5FBFAD}" type="datetime1">
               <a:rPr kumimoji="1" lang="ja-JP" altLang="en-US" smtClean="0"/>
-              <a:t>2022/1/11</a:t>
+              <a:t>2022/1/16</a:t>
             </a:fld>
             <a:endParaRPr kumimoji="1" lang="ja-JP" altLang="en-US"/>
           </a:p>
@@ -1051,7 +1051,7 @@
           <a:p>
             <a:fld id="{BE6DFB40-8C3F-A944-983D-65243E3E0DC7}" type="datetime1">
               <a:rPr kumimoji="1" lang="ja-JP" altLang="en-US" smtClean="0"/>
-              <a:t>2022/1/11</a:t>
+              <a:t>2022/1/16</a:t>
             </a:fld>
             <a:endParaRPr kumimoji="1" lang="ja-JP" altLang="en-US"/>
           </a:p>
@@ -1267,7 +1267,7 @@
           <a:p>
             <a:fld id="{631B2AF4-14FC-314E-A304-69D6AC20AFC1}" type="datetime1">
               <a:rPr kumimoji="1" lang="ja-JP" altLang="en-US" smtClean="0"/>
-              <a:t>2022/1/11</a:t>
+              <a:t>2022/1/16</a:t>
             </a:fld>
             <a:endParaRPr kumimoji="1" lang="ja-JP" altLang="en-US"/>
           </a:p>
@@ -1473,7 +1473,7 @@
           <a:p>
             <a:fld id="{73EFA7FA-4B80-324E-84D1-8F8384F1BA5D}" type="datetime1">
               <a:rPr kumimoji="1" lang="ja-JP" altLang="en-US" smtClean="0"/>
-              <a:t>2022/1/11</a:t>
+              <a:t>2022/1/16</a:t>
             </a:fld>
             <a:endParaRPr kumimoji="1" lang="ja-JP" altLang="en-US"/>
           </a:p>
@@ -1727,7 +1727,7 @@
           <a:p>
             <a:fld id="{D2E220AC-C2A7-024E-ACAB-4DB6052A376C}" type="datetime1">
               <a:rPr kumimoji="1" lang="ja-JP" altLang="en-US" smtClean="0"/>
-              <a:t>2022/1/11</a:t>
+              <a:t>2022/1/16</a:t>
             </a:fld>
             <a:endParaRPr kumimoji="1" lang="ja-JP" altLang="en-US"/>
           </a:p>
@@ -2027,7 +2027,7 @@
           <a:p>
             <a:fld id="{CC48FC5F-5874-5040-B9D3-0BB86491154B}" type="datetime1">
               <a:rPr kumimoji="1" lang="ja-JP" altLang="en-US" smtClean="0"/>
-              <a:t>2022/1/11</a:t>
+              <a:t>2022/1/16</a:t>
             </a:fld>
             <a:endParaRPr kumimoji="1" lang="ja-JP" altLang="en-US"/>
           </a:p>
@@ -2462,7 +2462,7 @@
           <a:p>
             <a:fld id="{667059AF-CDDF-A545-B437-20B256967FD9}" type="datetime1">
               <a:rPr kumimoji="1" lang="ja-JP" altLang="en-US" smtClean="0"/>
-              <a:t>2022/1/11</a:t>
+              <a:t>2022/1/16</a:t>
             </a:fld>
             <a:endParaRPr kumimoji="1" lang="ja-JP" altLang="en-US"/>
           </a:p>
@@ -2584,7 +2584,7 @@
           <a:p>
             <a:fld id="{15B6534E-A8F6-864C-985B-4DB3D4538E40}" type="datetime1">
               <a:rPr kumimoji="1" lang="ja-JP" altLang="en-US" smtClean="0"/>
-              <a:t>2022/1/11</a:t>
+              <a:t>2022/1/16</a:t>
             </a:fld>
             <a:endParaRPr kumimoji="1" lang="ja-JP" altLang="en-US"/>
           </a:p>
@@ -2683,7 +2683,7 @@
           <a:p>
             <a:fld id="{D63D519C-9325-DD4F-A5F6-0AFD37CE8635}" type="datetime1">
               <a:rPr kumimoji="1" lang="ja-JP" altLang="en-US" smtClean="0"/>
-              <a:t>2022/1/11</a:t>
+              <a:t>2022/1/16</a:t>
             </a:fld>
             <a:endParaRPr kumimoji="1" lang="ja-JP" altLang="en-US"/>
           </a:p>
@@ -2996,7 +2996,7 @@
           <a:p>
             <a:fld id="{5503B069-C866-8C47-A1B1-6AEF053A8792}" type="datetime1">
               <a:rPr kumimoji="1" lang="ja-JP" altLang="en-US" smtClean="0"/>
-              <a:t>2022/1/11</a:t>
+              <a:t>2022/1/16</a:t>
             </a:fld>
             <a:endParaRPr kumimoji="1" lang="ja-JP" altLang="en-US"/>
           </a:p>
@@ -3257,7 +3257,7 @@
           <a:p>
             <a:fld id="{C183513C-F2F4-B940-8F47-6502D3E9B9CA}" type="datetime1">
               <a:rPr kumimoji="1" lang="ja-JP" altLang="en-US" smtClean="0"/>
-              <a:t>2022/1/11</a:t>
+              <a:t>2022/1/16</a:t>
             </a:fld>
             <a:endParaRPr kumimoji="1" lang="ja-JP" altLang="en-US"/>
           </a:p>
@@ -3444,7 +3444,7 @@
           <a:p>
             <a:fld id="{E55A93C3-7990-6040-9FF9-3C243F65B473}" type="datetime1">
               <a:rPr kumimoji="1" lang="ja-JP" altLang="en-US" smtClean="0"/>
-              <a:t>2022/1/11</a:t>
+              <a:t>2022/1/16</a:t>
             </a:fld>
             <a:endParaRPr kumimoji="1" lang="ja-JP" altLang="en-US"/>
           </a:p>
@@ -6344,15 +6344,18 @@
                   <a:schemeClr val="tx1"/>
                 </a:solidFill>
               </a:rPr>
-              <a:t>Escrow program</a:t>
-            </a:r>
-          </a:p>
-          <a:p>
-            <a:endParaRPr kumimoji="1" lang="en-US" altLang="ja-JP" sz="1050" dirty="0">
-              <a:solidFill>
-                <a:schemeClr val="tx1"/>
-              </a:solidFill>
-            </a:endParaRPr>
+              <a:t>Escrow program.</a:t>
+            </a:r>
+          </a:p>
+          <a:p>
+            <a:r>
+              <a:rPr kumimoji="1" lang="en-US" altLang="ja-JP" sz="1050" dirty="0">
+                <a:solidFill>
+                  <a:schemeClr val="tx1"/>
+                </a:solidFill>
+              </a:rPr>
+              <a:t>CPI (Cross Program Invocations)</a:t>
+            </a:r>
           </a:p>
         </p:txBody>
       </p:sp>
@@ -11204,11 +11207,14 @@
             </a:endParaRPr>
           </a:p>
           <a:p>
-            <a:endParaRPr kumimoji="1" lang="en-US" altLang="ja-JP" sz="1050" dirty="0">
-              <a:solidFill>
-                <a:schemeClr val="tx1"/>
-              </a:solidFill>
-            </a:endParaRPr>
+            <a:r>
+              <a:rPr kumimoji="1" lang="en-US" altLang="ja-JP" sz="1050" dirty="0">
+                <a:solidFill>
+                  <a:schemeClr val="tx1"/>
+                </a:solidFill>
+              </a:rPr>
+              <a:t>CPI (Cross Program Invocations)</a:t>
+            </a:r>
           </a:p>
         </p:txBody>
       </p:sp>

--- a/docs/Solana_Blockchain_Outline_Figure.pptx
+++ b/docs/Solana_Blockchain_Outline_Figure.pptx
@@ -5,7 +5,7 @@
     <p:sldMasterId id="2147483672" r:id="rId1"/>
   </p:sldMasterIdLst>
   <p:notesMasterIdLst>
-    <p:notesMasterId r:id="rId25"/>
+    <p:notesMasterId r:id="rId26"/>
   </p:notesMasterIdLst>
   <p:sldIdLst>
     <p:sldId id="256" r:id="rId2"/>
@@ -18,19 +18,20 @@
     <p:sldId id="280" r:id="rId9"/>
     <p:sldId id="281" r:id="rId10"/>
     <p:sldId id="282" r:id="rId11"/>
-    <p:sldId id="267" r:id="rId12"/>
-    <p:sldId id="258" r:id="rId13"/>
-    <p:sldId id="259" r:id="rId14"/>
-    <p:sldId id="269" r:id="rId15"/>
-    <p:sldId id="272" r:id="rId16"/>
-    <p:sldId id="271" r:id="rId17"/>
-    <p:sldId id="273" r:id="rId18"/>
-    <p:sldId id="274" r:id="rId19"/>
-    <p:sldId id="276" r:id="rId20"/>
-    <p:sldId id="277" r:id="rId21"/>
-    <p:sldId id="268" r:id="rId22"/>
-    <p:sldId id="265" r:id="rId23"/>
-    <p:sldId id="275" r:id="rId24"/>
+    <p:sldId id="283" r:id="rId12"/>
+    <p:sldId id="267" r:id="rId13"/>
+    <p:sldId id="258" r:id="rId14"/>
+    <p:sldId id="259" r:id="rId15"/>
+    <p:sldId id="269" r:id="rId16"/>
+    <p:sldId id="272" r:id="rId17"/>
+    <p:sldId id="271" r:id="rId18"/>
+    <p:sldId id="273" r:id="rId19"/>
+    <p:sldId id="274" r:id="rId20"/>
+    <p:sldId id="276" r:id="rId21"/>
+    <p:sldId id="277" r:id="rId22"/>
+    <p:sldId id="268" r:id="rId23"/>
+    <p:sldId id="265" r:id="rId24"/>
+    <p:sldId id="275" r:id="rId25"/>
   </p:sldIdLst>
   <p:sldSz cx="12192000" cy="6858000"/>
   <p:notesSz cx="6858000" cy="9144000"/>
@@ -219,7 +220,7 @@
           <a:p>
             <a:fld id="{0E3AE901-84B3-3248-AD12-BEDA7F301CE3}" type="datetimeFigureOut">
               <a:rPr kumimoji="1" lang="ja-JP" altLang="en-US" smtClean="0"/>
-              <a:t>2022/1/16</a:t>
+              <a:t>2022/1/17</a:t>
             </a:fld>
             <a:endParaRPr kumimoji="1" lang="ja-JP" altLang="en-US"/>
           </a:p>
@@ -834,7 +835,7 @@
           <a:p>
             <a:fld id="{E3F90748-6578-AC42-962A-9F4B1F5FBFAD}" type="datetime1">
               <a:rPr kumimoji="1" lang="ja-JP" altLang="en-US" smtClean="0"/>
-              <a:t>2022/1/16</a:t>
+              <a:t>2022/1/17</a:t>
             </a:fld>
             <a:endParaRPr kumimoji="1" lang="ja-JP" altLang="en-US"/>
           </a:p>
@@ -1055,7 +1056,7 @@
           <a:p>
             <a:fld id="{BE6DFB40-8C3F-A944-983D-65243E3E0DC7}" type="datetime1">
               <a:rPr kumimoji="1" lang="ja-JP" altLang="en-US" smtClean="0"/>
-              <a:t>2022/1/16</a:t>
+              <a:t>2022/1/17</a:t>
             </a:fld>
             <a:endParaRPr kumimoji="1" lang="ja-JP" altLang="en-US"/>
           </a:p>
@@ -1271,7 +1272,7 @@
           <a:p>
             <a:fld id="{631B2AF4-14FC-314E-A304-69D6AC20AFC1}" type="datetime1">
               <a:rPr kumimoji="1" lang="ja-JP" altLang="en-US" smtClean="0"/>
-              <a:t>2022/1/16</a:t>
+              <a:t>2022/1/17</a:t>
             </a:fld>
             <a:endParaRPr kumimoji="1" lang="ja-JP" altLang="en-US"/>
           </a:p>
@@ -1477,7 +1478,7 @@
           <a:p>
             <a:fld id="{73EFA7FA-4B80-324E-84D1-8F8384F1BA5D}" type="datetime1">
               <a:rPr kumimoji="1" lang="ja-JP" altLang="en-US" smtClean="0"/>
-              <a:t>2022/1/16</a:t>
+              <a:t>2022/1/17</a:t>
             </a:fld>
             <a:endParaRPr kumimoji="1" lang="ja-JP" altLang="en-US"/>
           </a:p>
@@ -1731,7 +1732,7 @@
           <a:p>
             <a:fld id="{D2E220AC-C2A7-024E-ACAB-4DB6052A376C}" type="datetime1">
               <a:rPr kumimoji="1" lang="ja-JP" altLang="en-US" smtClean="0"/>
-              <a:t>2022/1/16</a:t>
+              <a:t>2022/1/17</a:t>
             </a:fld>
             <a:endParaRPr kumimoji="1" lang="ja-JP" altLang="en-US"/>
           </a:p>
@@ -2031,7 +2032,7 @@
           <a:p>
             <a:fld id="{CC48FC5F-5874-5040-B9D3-0BB86491154B}" type="datetime1">
               <a:rPr kumimoji="1" lang="ja-JP" altLang="en-US" smtClean="0"/>
-              <a:t>2022/1/16</a:t>
+              <a:t>2022/1/17</a:t>
             </a:fld>
             <a:endParaRPr kumimoji="1" lang="ja-JP" altLang="en-US"/>
           </a:p>
@@ -2466,7 +2467,7 @@
           <a:p>
             <a:fld id="{667059AF-CDDF-A545-B437-20B256967FD9}" type="datetime1">
               <a:rPr kumimoji="1" lang="ja-JP" altLang="en-US" smtClean="0"/>
-              <a:t>2022/1/16</a:t>
+              <a:t>2022/1/17</a:t>
             </a:fld>
             <a:endParaRPr kumimoji="1" lang="ja-JP" altLang="en-US"/>
           </a:p>
@@ -2588,7 +2589,7 @@
           <a:p>
             <a:fld id="{15B6534E-A8F6-864C-985B-4DB3D4538E40}" type="datetime1">
               <a:rPr kumimoji="1" lang="ja-JP" altLang="en-US" smtClean="0"/>
-              <a:t>2022/1/16</a:t>
+              <a:t>2022/1/17</a:t>
             </a:fld>
             <a:endParaRPr kumimoji="1" lang="ja-JP" altLang="en-US"/>
           </a:p>
@@ -2687,7 +2688,7 @@
           <a:p>
             <a:fld id="{D63D519C-9325-DD4F-A5F6-0AFD37CE8635}" type="datetime1">
               <a:rPr kumimoji="1" lang="ja-JP" altLang="en-US" smtClean="0"/>
-              <a:t>2022/1/16</a:t>
+              <a:t>2022/1/17</a:t>
             </a:fld>
             <a:endParaRPr kumimoji="1" lang="ja-JP" altLang="en-US"/>
           </a:p>
@@ -3000,7 +3001,7 @@
           <a:p>
             <a:fld id="{5503B069-C866-8C47-A1B1-6AEF053A8792}" type="datetime1">
               <a:rPr kumimoji="1" lang="ja-JP" altLang="en-US" smtClean="0"/>
-              <a:t>2022/1/16</a:t>
+              <a:t>2022/1/17</a:t>
             </a:fld>
             <a:endParaRPr kumimoji="1" lang="ja-JP" altLang="en-US"/>
           </a:p>
@@ -3261,7 +3262,7 @@
           <a:p>
             <a:fld id="{C183513C-F2F4-B940-8F47-6502D3E9B9CA}" type="datetime1">
               <a:rPr kumimoji="1" lang="ja-JP" altLang="en-US" smtClean="0"/>
-              <a:t>2022/1/16</a:t>
+              <a:t>2022/1/17</a:t>
             </a:fld>
             <a:endParaRPr kumimoji="1" lang="ja-JP" altLang="en-US"/>
           </a:p>
@@ -3448,7 +3449,7 @@
           <a:p>
             <a:fld id="{E55A93C3-7990-6040-9FF9-3C243F65B473}" type="datetime1">
               <a:rPr kumimoji="1" lang="ja-JP" altLang="en-US" smtClean="0"/>
-              <a:t>2022/1/16</a:t>
+              <a:t>2022/1/17</a:t>
             </a:fld>
             <a:endParaRPr kumimoji="1" lang="ja-JP" altLang="en-US"/>
           </a:p>
@@ -5675,10 +5676,10 @@
       </p:grpSpPr>
       <p:sp>
         <p:nvSpPr>
-          <p:cNvPr id="6" name="タイトル 5">
-            <a:extLst>
-              <a:ext uri="{FF2B5EF4-FFF2-40B4-BE49-F238E27FC236}">
-                <a16:creationId xmlns:a16="http://schemas.microsoft.com/office/drawing/2014/main" id="{56AA0D49-BC0A-8947-849A-944C6C23C473}"/>
+          <p:cNvPr id="2" name="タイトル 1">
+            <a:extLst>
+              <a:ext uri="{FF2B5EF4-FFF2-40B4-BE49-F238E27FC236}">
+                <a16:creationId xmlns:a16="http://schemas.microsoft.com/office/drawing/2014/main" id="{1A959855-F622-944A-824D-5CE3E5F05C52}"/>
               </a:ext>
             </a:extLst>
           </p:cNvPr>
@@ -5695,35 +5696,10 @@
           <a:lstStyle/>
           <a:p>
             <a:r>
-              <a:rPr lang="en-US" altLang="ja-JP" dirty="0"/>
-              <a:t>Accounts</a:t>
-            </a:r>
-            <a:endParaRPr lang="ja-JP" altLang="en-US"/>
-          </a:p>
-        </p:txBody>
-      </p:sp>
-      <p:sp>
-        <p:nvSpPr>
-          <p:cNvPr id="7" name="テキスト プレースホルダー 6">
-            <a:extLst>
-              <a:ext uri="{FF2B5EF4-FFF2-40B4-BE49-F238E27FC236}">
-                <a16:creationId xmlns:a16="http://schemas.microsoft.com/office/drawing/2014/main" id="{C06B7392-3295-0D4C-BDB5-BFCC92D9FBE9}"/>
-              </a:ext>
-            </a:extLst>
-          </p:cNvPr>
-          <p:cNvSpPr>
-            <a:spLocks noGrp="1"/>
-          </p:cNvSpPr>
-          <p:nvPr>
-            <p:ph type="body" idx="1"/>
-          </p:nvPr>
-        </p:nvSpPr>
-        <p:spPr/>
-        <p:txBody>
-          <a:bodyPr/>
-          <a:lstStyle/>
-          <a:p>
-            <a:endParaRPr lang="ja-JP" altLang="en-US"/>
+              <a:rPr kumimoji="1" lang="en-US" altLang="ja-JP" dirty="0"/>
+              <a:t>Reference</a:t>
+            </a:r>
+            <a:endParaRPr kumimoji="1" lang="ja-JP" altLang="en-US"/>
           </a:p>
         </p:txBody>
       </p:sp>
@@ -5732,7 +5708,7 @@
           <p:cNvPr id="4" name="フッター プレースホルダー 3">
             <a:extLst>
               <a:ext uri="{FF2B5EF4-FFF2-40B4-BE49-F238E27FC236}">
-                <a16:creationId xmlns:a16="http://schemas.microsoft.com/office/drawing/2014/main" id="{03DDA0EC-0424-D44E-A2F2-30EFB2207FF1}"/>
+                <a16:creationId xmlns:a16="http://schemas.microsoft.com/office/drawing/2014/main" id="{90B8A571-F3B2-ED4B-9809-F48E06ABF9CF}"/>
               </a:ext>
             </a:extLst>
           </p:cNvPr>
@@ -5761,7 +5737,7 @@
           <p:cNvPr id="5" name="スライド番号プレースホルダー 4">
             <a:extLst>
               <a:ext uri="{FF2B5EF4-FFF2-40B4-BE49-F238E27FC236}">
-                <a16:creationId xmlns:a16="http://schemas.microsoft.com/office/drawing/2014/main" id="{94CCCD99-BD8D-964F-99A9-262A5E9BBB71}"/>
+                <a16:creationId xmlns:a16="http://schemas.microsoft.com/office/drawing/2014/main" id="{4CDCD0B5-BA3C-454C-B3C2-4498787E40C1}"/>
               </a:ext>
             </a:extLst>
           </p:cNvPr>
@@ -5785,10 +5761,104 @@
           </a:p>
         </p:txBody>
       </p:sp>
+      <p:sp>
+        <p:nvSpPr>
+          <p:cNvPr id="6" name="テキスト ボックス 5">
+            <a:extLst>
+              <a:ext uri="{FF2B5EF4-FFF2-40B4-BE49-F238E27FC236}">
+                <a16:creationId xmlns:a16="http://schemas.microsoft.com/office/drawing/2014/main" id="{41487736-FF23-A042-8303-D8F09A6EA4FA}"/>
+              </a:ext>
+            </a:extLst>
+          </p:cNvPr>
+          <p:cNvSpPr txBox="1"/>
+          <p:nvPr/>
+        </p:nvSpPr>
+        <p:spPr>
+          <a:xfrm>
+            <a:off x="838200" y="1142188"/>
+            <a:ext cx="10515600" cy="1277273"/>
+          </a:xfrm>
+          <a:prstGeom prst="rect">
+            <a:avLst/>
+          </a:prstGeom>
+          <a:noFill/>
+        </p:spPr>
+        <p:txBody>
+          <a:bodyPr wrap="square" rtlCol="0">
+            <a:spAutoFit/>
+          </a:bodyPr>
+          <a:lstStyle/>
+          <a:p>
+            <a:pPr marL="285750" indent="-285750">
+              <a:buFont typeface="Arial" panose="020B0604020202020204" pitchFamily="34" charset="0"/>
+              <a:buChar char="•"/>
+            </a:pPr>
+            <a:r>
+              <a:rPr kumimoji="1" lang="en-US" altLang="ja-JP" sz="1400" dirty="0"/>
+              <a:t>Solana Validator 101: Transaction Processing</a:t>
+            </a:r>
+            <a:br>
+              <a:rPr kumimoji="1" lang="en-US" altLang="ja-JP" sz="1400" dirty="0"/>
+            </a:br>
+            <a:r>
+              <a:rPr kumimoji="1" lang="en-US" altLang="ja-JP" sz="1050" dirty="0"/>
+              <a:t>https://</a:t>
+            </a:r>
+            <a:r>
+              <a:rPr kumimoji="1" lang="en-US" altLang="ja-JP" sz="1050" dirty="0" err="1"/>
+              <a:t>jito-labs.medium.com</a:t>
+            </a:r>
+            <a:r>
+              <a:rPr kumimoji="1" lang="en-US" altLang="ja-JP" sz="1050" dirty="0"/>
+              <a:t>/solana-validator-101-transaction-processing-90bcdc271143</a:t>
+            </a:r>
+          </a:p>
+          <a:p>
+            <a:pPr marL="285750" indent="-285750">
+              <a:buFont typeface="Arial" panose="020B0604020202020204" pitchFamily="34" charset="0"/>
+              <a:buChar char="•"/>
+            </a:pPr>
+            <a:endParaRPr kumimoji="1" lang="en-US" altLang="ja-JP" sz="1400" dirty="0"/>
+          </a:p>
+          <a:p>
+            <a:pPr marL="285750" indent="-285750">
+              <a:buFont typeface="Arial" panose="020B0604020202020204" pitchFamily="34" charset="0"/>
+              <a:buChar char="•"/>
+            </a:pPr>
+            <a:r>
+              <a:rPr kumimoji="1" lang="en-US" altLang="ja-JP" sz="1400" dirty="0"/>
+              <a:t>Solana Cookbook -  Retrying Transactions</a:t>
+            </a:r>
+            <a:br>
+              <a:rPr kumimoji="1" lang="en-US" altLang="ja-JP" sz="1400" dirty="0"/>
+            </a:br>
+            <a:r>
+              <a:rPr kumimoji="1" lang="en-US" altLang="ja-JP" sz="1050" dirty="0"/>
+              <a:t>https://</a:t>
+            </a:r>
+            <a:r>
+              <a:rPr kumimoji="1" lang="en-US" altLang="ja-JP" sz="1050" dirty="0" err="1"/>
+              <a:t>solanacookbook.com</a:t>
+            </a:r>
+            <a:r>
+              <a:rPr kumimoji="1" lang="en-US" altLang="ja-JP" sz="1050" dirty="0"/>
+              <a:t>/guides/</a:t>
+            </a:r>
+            <a:r>
+              <a:rPr kumimoji="1" lang="en-US" altLang="ja-JP" sz="1050" dirty="0" err="1"/>
+              <a:t>retrying-transactions.html#how-rpc-nodes-broadcast-transactions</a:t>
+            </a:r>
+            <a:endParaRPr kumimoji="1" lang="en-US" altLang="ja-JP" sz="1050" dirty="0"/>
+          </a:p>
+          <a:p>
+            <a:endParaRPr kumimoji="1" lang="en-US" altLang="ja-JP" sz="1400" dirty="0"/>
+          </a:p>
+        </p:txBody>
+      </p:sp>
     </p:spTree>
     <p:extLst>
       <p:ext uri="{BB962C8B-B14F-4D97-AF65-F5344CB8AC3E}">
-        <p14:creationId xmlns:p14="http://schemas.microsoft.com/office/powerpoint/2010/main" val="2208742899"/>
+        <p14:creationId xmlns:p14="http://schemas.microsoft.com/office/powerpoint/2010/main" val="4130812444"/>
       </p:ext>
     </p:extLst>
   </p:cSld>
@@ -5817,10 +5887,10 @@
       </p:grpSpPr>
       <p:sp>
         <p:nvSpPr>
-          <p:cNvPr id="2" name="タイトル 1">
-            <a:extLst>
-              <a:ext uri="{FF2B5EF4-FFF2-40B4-BE49-F238E27FC236}">
-                <a16:creationId xmlns:a16="http://schemas.microsoft.com/office/drawing/2014/main" id="{5674C237-FC36-2245-8F79-A2954EC21E50}"/>
+          <p:cNvPr id="6" name="タイトル 5">
+            <a:extLst>
+              <a:ext uri="{FF2B5EF4-FFF2-40B4-BE49-F238E27FC236}">
+                <a16:creationId xmlns:a16="http://schemas.microsoft.com/office/drawing/2014/main" id="{56AA0D49-BC0A-8947-849A-944C6C23C473}"/>
               </a:ext>
             </a:extLst>
           </p:cNvPr>
@@ -5838,7 +5908,61 @@
           <a:p>
             <a:r>
               <a:rPr lang="en-US" altLang="ja-JP" dirty="0"/>
-              <a:t>Accounts – Execution Programs/Transactions Process (Draft)</a:t>
+              <a:t>Accounts</a:t>
+            </a:r>
+            <a:endParaRPr lang="ja-JP" altLang="en-US"/>
+          </a:p>
+        </p:txBody>
+      </p:sp>
+      <p:sp>
+        <p:nvSpPr>
+          <p:cNvPr id="7" name="テキスト プレースホルダー 6">
+            <a:extLst>
+              <a:ext uri="{FF2B5EF4-FFF2-40B4-BE49-F238E27FC236}">
+                <a16:creationId xmlns:a16="http://schemas.microsoft.com/office/drawing/2014/main" id="{C06B7392-3295-0D4C-BDB5-BFCC92D9FBE9}"/>
+              </a:ext>
+            </a:extLst>
+          </p:cNvPr>
+          <p:cNvSpPr>
+            <a:spLocks noGrp="1"/>
+          </p:cNvSpPr>
+          <p:nvPr>
+            <p:ph type="body" idx="1"/>
+          </p:nvPr>
+        </p:nvSpPr>
+        <p:spPr/>
+        <p:txBody>
+          <a:bodyPr/>
+          <a:lstStyle/>
+          <a:p>
+            <a:endParaRPr lang="ja-JP" altLang="en-US"/>
+          </a:p>
+        </p:txBody>
+      </p:sp>
+      <p:sp>
+        <p:nvSpPr>
+          <p:cNvPr id="4" name="フッター プレースホルダー 3">
+            <a:extLst>
+              <a:ext uri="{FF2B5EF4-FFF2-40B4-BE49-F238E27FC236}">
+                <a16:creationId xmlns:a16="http://schemas.microsoft.com/office/drawing/2014/main" id="{03DDA0EC-0424-D44E-A2F2-30EFB2207FF1}"/>
+              </a:ext>
+            </a:extLst>
+          </p:cNvPr>
+          <p:cNvSpPr>
+            <a:spLocks noGrp="1"/>
+          </p:cNvSpPr>
+          <p:nvPr>
+            <p:ph type="ftr" sz="quarter" idx="11"/>
+          </p:nvPr>
+        </p:nvSpPr>
+        <p:spPr/>
+        <p:txBody>
+          <a:bodyPr/>
+          <a:lstStyle/>
+          <a:p>
+            <a:r>
+              <a:rPr kumimoji="1" lang="en-US" altLang="ja-JP"/>
+              <a:t>256hax</a:t>
             </a:r>
             <a:endParaRPr kumimoji="1" lang="ja-JP" altLang="en-US"/>
           </a:p>
@@ -5846,10 +5970,10 @@
       </p:sp>
       <p:sp>
         <p:nvSpPr>
-          <p:cNvPr id="4" name="スライド番号プレースホルダー 3">
-            <a:extLst>
-              <a:ext uri="{FF2B5EF4-FFF2-40B4-BE49-F238E27FC236}">
-                <a16:creationId xmlns:a16="http://schemas.microsoft.com/office/drawing/2014/main" id="{36E094E1-296D-8D4E-ABFD-E99CF34E9870}"/>
+          <p:cNvPr id="5" name="スライド番号プレースホルダー 4">
+            <a:extLst>
+              <a:ext uri="{FF2B5EF4-FFF2-40B4-BE49-F238E27FC236}">
+                <a16:creationId xmlns:a16="http://schemas.microsoft.com/office/drawing/2014/main" id="{94CCCD99-BD8D-964F-99A9-262A5E9BBB71}"/>
               </a:ext>
             </a:extLst>
           </p:cNvPr>
@@ -5868,6 +5992,94 @@
             <a:fld id="{51BE5F08-58E8-9243-A834-2B76637F595D}" type="slidenum">
               <a:rPr kumimoji="1" lang="ja-JP" altLang="en-US" smtClean="0"/>
               <a:t>11</a:t>
+            </a:fld>
+            <a:endParaRPr kumimoji="1" lang="ja-JP" altLang="en-US"/>
+          </a:p>
+        </p:txBody>
+      </p:sp>
+    </p:spTree>
+    <p:extLst>
+      <p:ext uri="{BB962C8B-B14F-4D97-AF65-F5344CB8AC3E}">
+        <p14:creationId xmlns:p14="http://schemas.microsoft.com/office/powerpoint/2010/main" val="2208742899"/>
+      </p:ext>
+    </p:extLst>
+  </p:cSld>
+  <p:clrMapOvr>
+    <a:masterClrMapping/>
+  </p:clrMapOvr>
+</p:sld>
+</file>
+
+<file path=ppt/slides/slide13.xml><?xml version="1.0" encoding="utf-8"?>
+<p:sld xmlns:a="http://schemas.openxmlformats.org/drawingml/2006/main" xmlns:r="http://schemas.openxmlformats.org/officeDocument/2006/relationships" xmlns:p="http://schemas.openxmlformats.org/presentationml/2006/main">
+  <p:cSld>
+    <p:spTree>
+      <p:nvGrpSpPr>
+        <p:cNvPr id="1" name=""/>
+        <p:cNvGrpSpPr/>
+        <p:nvPr/>
+      </p:nvGrpSpPr>
+      <p:grpSpPr>
+        <a:xfrm>
+          <a:off x="0" y="0"/>
+          <a:ext cx="0" cy="0"/>
+          <a:chOff x="0" y="0"/>
+          <a:chExt cx="0" cy="0"/>
+        </a:xfrm>
+      </p:grpSpPr>
+      <p:sp>
+        <p:nvSpPr>
+          <p:cNvPr id="2" name="タイトル 1">
+            <a:extLst>
+              <a:ext uri="{FF2B5EF4-FFF2-40B4-BE49-F238E27FC236}">
+                <a16:creationId xmlns:a16="http://schemas.microsoft.com/office/drawing/2014/main" id="{5674C237-FC36-2245-8F79-A2954EC21E50}"/>
+              </a:ext>
+            </a:extLst>
+          </p:cNvPr>
+          <p:cNvSpPr>
+            <a:spLocks noGrp="1"/>
+          </p:cNvSpPr>
+          <p:nvPr>
+            <p:ph type="title"/>
+          </p:nvPr>
+        </p:nvSpPr>
+        <p:spPr/>
+        <p:txBody>
+          <a:bodyPr/>
+          <a:lstStyle/>
+          <a:p>
+            <a:r>
+              <a:rPr lang="en-US" altLang="ja-JP" dirty="0"/>
+              <a:t>Accounts – Execution Programs/Transactions Process (Draft)</a:t>
+            </a:r>
+            <a:endParaRPr kumimoji="1" lang="ja-JP" altLang="en-US"/>
+          </a:p>
+        </p:txBody>
+      </p:sp>
+      <p:sp>
+        <p:nvSpPr>
+          <p:cNvPr id="4" name="スライド番号プレースホルダー 3">
+            <a:extLst>
+              <a:ext uri="{FF2B5EF4-FFF2-40B4-BE49-F238E27FC236}">
+                <a16:creationId xmlns:a16="http://schemas.microsoft.com/office/drawing/2014/main" id="{36E094E1-296D-8D4E-ABFD-E99CF34E9870}"/>
+              </a:ext>
+            </a:extLst>
+          </p:cNvPr>
+          <p:cNvSpPr>
+            <a:spLocks noGrp="1"/>
+          </p:cNvSpPr>
+          <p:nvPr>
+            <p:ph type="sldNum" sz="quarter" idx="12"/>
+          </p:nvPr>
+        </p:nvSpPr>
+        <p:spPr/>
+        <p:txBody>
+          <a:bodyPr/>
+          <a:lstStyle/>
+          <a:p>
+            <a:fld id="{51BE5F08-58E8-9243-A834-2B76637F595D}" type="slidenum">
+              <a:rPr kumimoji="1" lang="ja-JP" altLang="en-US" smtClean="0"/>
+              <a:t>12</a:t>
             </a:fld>
             <a:endParaRPr kumimoji="1" lang="ja-JP" altLang="en-US"/>
           </a:p>
@@ -7940,7 +8152,7 @@
 </p:sld>
 </file>
 
-<file path=ppt/slides/slide13.xml><?xml version="1.0" encoding="utf-8"?>
+<file path=ppt/slides/slide14.xml><?xml version="1.0" encoding="utf-8"?>
 <p:sld xmlns:a="http://schemas.openxmlformats.org/drawingml/2006/main" xmlns:r="http://schemas.openxmlformats.org/officeDocument/2006/relationships" xmlns:p="http://schemas.openxmlformats.org/presentationml/2006/main">
   <p:cSld>
     <p:spTree>
@@ -8009,7 +8221,7 @@
           <a:p>
             <a:fld id="{51BE5F08-58E8-9243-A834-2B76637F595D}" type="slidenum">
               <a:rPr kumimoji="1" lang="ja-JP" altLang="en-US" smtClean="0"/>
-              <a:t>12</a:t>
+              <a:t>13</a:t>
             </a:fld>
             <a:endParaRPr kumimoji="1" lang="ja-JP" altLang="en-US"/>
           </a:p>
@@ -10414,148 +10626,6 @@
 </p:sld>
 </file>
 
-<file path=ppt/slides/slide14.xml><?xml version="1.0" encoding="utf-8"?>
-<p:sld xmlns:a="http://schemas.openxmlformats.org/drawingml/2006/main" xmlns:r="http://schemas.openxmlformats.org/officeDocument/2006/relationships" xmlns:p="http://schemas.openxmlformats.org/presentationml/2006/main">
-  <p:cSld>
-    <p:spTree>
-      <p:nvGrpSpPr>
-        <p:cNvPr id="1" name=""/>
-        <p:cNvGrpSpPr/>
-        <p:nvPr/>
-      </p:nvGrpSpPr>
-      <p:grpSpPr>
-        <a:xfrm>
-          <a:off x="0" y="0"/>
-          <a:ext cx="0" cy="0"/>
-          <a:chOff x="0" y="0"/>
-          <a:chExt cx="0" cy="0"/>
-        </a:xfrm>
-      </p:grpSpPr>
-      <p:sp>
-        <p:nvSpPr>
-          <p:cNvPr id="6" name="タイトル 5">
-            <a:extLst>
-              <a:ext uri="{FF2B5EF4-FFF2-40B4-BE49-F238E27FC236}">
-                <a16:creationId xmlns:a16="http://schemas.microsoft.com/office/drawing/2014/main" id="{56AA0D49-BC0A-8947-849A-944C6C23C473}"/>
-              </a:ext>
-            </a:extLst>
-          </p:cNvPr>
-          <p:cNvSpPr>
-            <a:spLocks noGrp="1"/>
-          </p:cNvSpPr>
-          <p:nvPr>
-            <p:ph type="title"/>
-          </p:nvPr>
-        </p:nvSpPr>
-        <p:spPr/>
-        <p:txBody>
-          <a:bodyPr/>
-          <a:lstStyle/>
-          <a:p>
-            <a:r>
-              <a:rPr lang="en-US" altLang="ja-JP" dirty="0"/>
-              <a:t>Escrow</a:t>
-            </a:r>
-            <a:endParaRPr lang="ja-JP" altLang="en-US"/>
-          </a:p>
-        </p:txBody>
-      </p:sp>
-      <p:sp>
-        <p:nvSpPr>
-          <p:cNvPr id="7" name="テキスト プレースホルダー 6">
-            <a:extLst>
-              <a:ext uri="{FF2B5EF4-FFF2-40B4-BE49-F238E27FC236}">
-                <a16:creationId xmlns:a16="http://schemas.microsoft.com/office/drawing/2014/main" id="{C06B7392-3295-0D4C-BDB5-BFCC92D9FBE9}"/>
-              </a:ext>
-            </a:extLst>
-          </p:cNvPr>
-          <p:cNvSpPr>
-            <a:spLocks noGrp="1"/>
-          </p:cNvSpPr>
-          <p:nvPr>
-            <p:ph type="body" idx="1"/>
-          </p:nvPr>
-        </p:nvSpPr>
-        <p:spPr/>
-        <p:txBody>
-          <a:bodyPr/>
-          <a:lstStyle/>
-          <a:p>
-            <a:endParaRPr lang="ja-JP" altLang="en-US"/>
-          </a:p>
-        </p:txBody>
-      </p:sp>
-      <p:sp>
-        <p:nvSpPr>
-          <p:cNvPr id="4" name="フッター プレースホルダー 3">
-            <a:extLst>
-              <a:ext uri="{FF2B5EF4-FFF2-40B4-BE49-F238E27FC236}">
-                <a16:creationId xmlns:a16="http://schemas.microsoft.com/office/drawing/2014/main" id="{03DDA0EC-0424-D44E-A2F2-30EFB2207FF1}"/>
-              </a:ext>
-            </a:extLst>
-          </p:cNvPr>
-          <p:cNvSpPr>
-            <a:spLocks noGrp="1"/>
-          </p:cNvSpPr>
-          <p:nvPr>
-            <p:ph type="ftr" sz="quarter" idx="11"/>
-          </p:nvPr>
-        </p:nvSpPr>
-        <p:spPr/>
-        <p:txBody>
-          <a:bodyPr/>
-          <a:lstStyle/>
-          <a:p>
-            <a:r>
-              <a:rPr kumimoji="1" lang="en-US" altLang="ja-JP"/>
-              <a:t>256hax</a:t>
-            </a:r>
-            <a:endParaRPr kumimoji="1" lang="ja-JP" altLang="en-US"/>
-          </a:p>
-        </p:txBody>
-      </p:sp>
-      <p:sp>
-        <p:nvSpPr>
-          <p:cNvPr id="5" name="スライド番号プレースホルダー 4">
-            <a:extLst>
-              <a:ext uri="{FF2B5EF4-FFF2-40B4-BE49-F238E27FC236}">
-                <a16:creationId xmlns:a16="http://schemas.microsoft.com/office/drawing/2014/main" id="{94CCCD99-BD8D-964F-99A9-262A5E9BBB71}"/>
-              </a:ext>
-            </a:extLst>
-          </p:cNvPr>
-          <p:cNvSpPr>
-            <a:spLocks noGrp="1"/>
-          </p:cNvSpPr>
-          <p:nvPr>
-            <p:ph type="sldNum" sz="quarter" idx="12"/>
-          </p:nvPr>
-        </p:nvSpPr>
-        <p:spPr/>
-        <p:txBody>
-          <a:bodyPr/>
-          <a:lstStyle/>
-          <a:p>
-            <a:fld id="{51BE5F08-58E8-9243-A834-2B76637F595D}" type="slidenum">
-              <a:rPr kumimoji="1" lang="ja-JP" altLang="en-US" smtClean="0"/>
-              <a:t>13</a:t>
-            </a:fld>
-            <a:endParaRPr kumimoji="1" lang="ja-JP" altLang="en-US"/>
-          </a:p>
-        </p:txBody>
-      </p:sp>
-    </p:spTree>
-    <p:extLst>
-      <p:ext uri="{BB962C8B-B14F-4D97-AF65-F5344CB8AC3E}">
-        <p14:creationId xmlns:p14="http://schemas.microsoft.com/office/powerpoint/2010/main" val="536640582"/>
-      </p:ext>
-    </p:extLst>
-  </p:cSld>
-  <p:clrMapOvr>
-    <a:masterClrMapping/>
-  </p:clrMapOvr>
-</p:sld>
-</file>
-
 <file path=ppt/slides/slide15.xml><?xml version="1.0" encoding="utf-8"?>
 <p:sld xmlns:a="http://schemas.openxmlformats.org/drawingml/2006/main" xmlns:r="http://schemas.openxmlformats.org/officeDocument/2006/relationships" xmlns:p="http://schemas.openxmlformats.org/presentationml/2006/main">
   <p:cSld>
@@ -10575,10 +10645,10 @@
       </p:grpSpPr>
       <p:sp>
         <p:nvSpPr>
-          <p:cNvPr id="2" name="タイトル 1">
-            <a:extLst>
-              <a:ext uri="{FF2B5EF4-FFF2-40B4-BE49-F238E27FC236}">
-                <a16:creationId xmlns:a16="http://schemas.microsoft.com/office/drawing/2014/main" id="{89B7BB6E-EC92-B34A-847D-915141D22DA4}"/>
+          <p:cNvPr id="6" name="タイトル 5">
+            <a:extLst>
+              <a:ext uri="{FF2B5EF4-FFF2-40B4-BE49-F238E27FC236}">
+                <a16:creationId xmlns:a16="http://schemas.microsoft.com/office/drawing/2014/main" id="{56AA0D49-BC0A-8947-849A-944C6C23C473}"/>
               </a:ext>
             </a:extLst>
           </p:cNvPr>
@@ -10595,10 +10665,35 @@
           <a:lstStyle/>
           <a:p>
             <a:r>
-              <a:rPr kumimoji="1" lang="en-US" altLang="ja-JP" dirty="0"/>
-              <a:t>Source and Reference</a:t>
-            </a:r>
-            <a:endParaRPr kumimoji="1" lang="ja-JP" altLang="en-US"/>
+              <a:rPr lang="en-US" altLang="ja-JP" dirty="0"/>
+              <a:t>Escrow</a:t>
+            </a:r>
+            <a:endParaRPr lang="ja-JP" altLang="en-US"/>
+          </a:p>
+        </p:txBody>
+      </p:sp>
+      <p:sp>
+        <p:nvSpPr>
+          <p:cNvPr id="7" name="テキスト プレースホルダー 6">
+            <a:extLst>
+              <a:ext uri="{FF2B5EF4-FFF2-40B4-BE49-F238E27FC236}">
+                <a16:creationId xmlns:a16="http://schemas.microsoft.com/office/drawing/2014/main" id="{C06B7392-3295-0D4C-BDB5-BFCC92D9FBE9}"/>
+              </a:ext>
+            </a:extLst>
+          </p:cNvPr>
+          <p:cNvSpPr>
+            <a:spLocks noGrp="1"/>
+          </p:cNvSpPr>
+          <p:nvPr>
+            <p:ph type="body" idx="1"/>
+          </p:nvPr>
+        </p:nvSpPr>
+        <p:spPr/>
+        <p:txBody>
+          <a:bodyPr/>
+          <a:lstStyle/>
+          <a:p>
+            <a:endParaRPr lang="ja-JP" altLang="en-US"/>
           </a:p>
         </p:txBody>
       </p:sp>
@@ -10607,7 +10702,7 @@
           <p:cNvPr id="4" name="フッター プレースホルダー 3">
             <a:extLst>
               <a:ext uri="{FF2B5EF4-FFF2-40B4-BE49-F238E27FC236}">
-                <a16:creationId xmlns:a16="http://schemas.microsoft.com/office/drawing/2014/main" id="{4FA16AF3-9B13-C243-A2A0-134DFFA64EFA}"/>
+                <a16:creationId xmlns:a16="http://schemas.microsoft.com/office/drawing/2014/main" id="{03DDA0EC-0424-D44E-A2F2-30EFB2207FF1}"/>
               </a:ext>
             </a:extLst>
           </p:cNvPr>
@@ -10636,7 +10731,7 @@
           <p:cNvPr id="5" name="スライド番号プレースホルダー 4">
             <a:extLst>
               <a:ext uri="{FF2B5EF4-FFF2-40B4-BE49-F238E27FC236}">
-                <a16:creationId xmlns:a16="http://schemas.microsoft.com/office/drawing/2014/main" id="{CD420C9A-60AE-F04F-8757-22E08737AA8B}"/>
+                <a16:creationId xmlns:a16="http://schemas.microsoft.com/office/drawing/2014/main" id="{94CCCD99-BD8D-964F-99A9-262A5E9BBB71}"/>
               </a:ext>
             </a:extLst>
           </p:cNvPr>
@@ -10660,311 +10755,10 @@
           </a:p>
         </p:txBody>
       </p:sp>
-      <p:sp>
-        <p:nvSpPr>
-          <p:cNvPr id="6" name="テキスト ボックス 5">
-            <a:extLst>
-              <a:ext uri="{FF2B5EF4-FFF2-40B4-BE49-F238E27FC236}">
-                <a16:creationId xmlns:a16="http://schemas.microsoft.com/office/drawing/2014/main" id="{7EB30303-7AE5-FE47-B09C-2E7E48E0AE9C}"/>
-              </a:ext>
-            </a:extLst>
-          </p:cNvPr>
-          <p:cNvSpPr txBox="1"/>
-          <p:nvPr/>
-        </p:nvSpPr>
-        <p:spPr>
-          <a:xfrm>
-            <a:off x="838200" y="1142188"/>
-            <a:ext cx="10515600" cy="4131900"/>
-          </a:xfrm>
-          <a:prstGeom prst="rect">
-            <a:avLst/>
-          </a:prstGeom>
-          <a:noFill/>
-        </p:spPr>
-        <p:txBody>
-          <a:bodyPr wrap="square" rtlCol="0">
-            <a:spAutoFit/>
-          </a:bodyPr>
-          <a:lstStyle/>
-          <a:p>
-            <a:r>
-              <a:rPr kumimoji="1" lang="en-US" altLang="ja-JP" sz="1400" dirty="0"/>
-              <a:t>[Program Source]</a:t>
-            </a:r>
-          </a:p>
-          <a:p>
-            <a:pPr lvl="1"/>
-            <a:r>
-              <a:rPr kumimoji="1" lang="en-US" altLang="ja-JP" sz="1400" dirty="0"/>
-              <a:t>GitHub - project-serum / anchor escrow</a:t>
-            </a:r>
-            <a:br>
-              <a:rPr kumimoji="1" lang="en-US" altLang="ja-JP" sz="1400" dirty="0"/>
-            </a:br>
-            <a:r>
-              <a:rPr kumimoji="1" lang="en-US" altLang="ja-JP" sz="1050" dirty="0"/>
-              <a:t>https://</a:t>
-            </a:r>
-            <a:r>
-              <a:rPr kumimoji="1" lang="en-US" altLang="ja-JP" sz="1050" dirty="0" err="1"/>
-              <a:t>github.com</a:t>
-            </a:r>
-            <a:r>
-              <a:rPr kumimoji="1" lang="en-US" altLang="ja-JP" sz="1050" dirty="0"/>
-              <a:t>/project-serum/anchor/tree/master/tests/escrow</a:t>
-            </a:r>
-          </a:p>
-          <a:p>
-            <a:endParaRPr kumimoji="1" lang="en-US" altLang="ja-JP" sz="1400" dirty="0"/>
-          </a:p>
-          <a:p>
-            <a:r>
-              <a:rPr kumimoji="1" lang="en-US" altLang="ja-JP" sz="1400" dirty="0"/>
-              <a:t>[Remarks]</a:t>
-            </a:r>
-          </a:p>
-          <a:p>
-            <a:pPr marL="742950" lvl="1" indent="-285750">
-              <a:buFont typeface="Arial" panose="020B0604020202020204" pitchFamily="34" charset="0"/>
-              <a:buChar char="•"/>
-            </a:pPr>
-            <a:r>
-              <a:rPr kumimoji="1" lang="en-US" altLang="ja-JP" sz="1400" dirty="0"/>
-              <a:t>Escrow behavior is based on anchor escrow program. Check </a:t>
-            </a:r>
-            <a:r>
-              <a:rPr kumimoji="1" lang="en-US" altLang="ja-JP" sz="1400" dirty="0" err="1"/>
-              <a:t>escrow.ts</a:t>
-            </a:r>
-            <a:r>
-              <a:rPr kumimoji="1" lang="en-US" altLang="ja-JP" sz="1400" dirty="0"/>
-              <a:t> and </a:t>
-            </a:r>
-            <a:r>
-              <a:rPr kumimoji="1" lang="en-US" altLang="ja-JP" sz="1400" dirty="0" err="1"/>
-              <a:t>lib.rs</a:t>
-            </a:r>
-            <a:r>
-              <a:rPr kumimoji="1" lang="en-US" altLang="ja-JP" sz="1400" dirty="0"/>
-              <a:t> files.</a:t>
-            </a:r>
-          </a:p>
-          <a:p>
-            <a:pPr marL="742950" lvl="1" indent="-285750">
-              <a:buFont typeface="Arial" panose="020B0604020202020204" pitchFamily="34" charset="0"/>
-              <a:buChar char="•"/>
-            </a:pPr>
-            <a:r>
-              <a:rPr kumimoji="1" lang="en-US" altLang="ja-JP" sz="1400" dirty="0"/>
-              <a:t>My debug program: </a:t>
-            </a:r>
-            <a:r>
-              <a:rPr kumimoji="1" lang="en-US" altLang="ja-JP" sz="1050" dirty="0"/>
-              <a:t>https://</a:t>
-            </a:r>
-            <a:r>
-              <a:rPr kumimoji="1" lang="en-US" altLang="ja-JP" sz="1050" dirty="0" err="1"/>
-              <a:t>github.com</a:t>
-            </a:r>
-            <a:r>
-              <a:rPr kumimoji="1" lang="en-US" altLang="ja-JP" sz="1050" dirty="0"/>
-              <a:t>/256hax/</a:t>
-            </a:r>
-            <a:r>
-              <a:rPr kumimoji="1" lang="en-US" altLang="ja-JP" sz="1050" dirty="0" err="1"/>
-              <a:t>solana</a:t>
-            </a:r>
-            <a:r>
-              <a:rPr kumimoji="1" lang="en-US" altLang="ja-JP" sz="1050" dirty="0"/>
-              <a:t>-anchor-react-minimal-example/tree/main/anchor/escrow</a:t>
-            </a:r>
-          </a:p>
-          <a:p>
-            <a:endParaRPr kumimoji="1" lang="en-US" altLang="ja-JP" sz="1400" dirty="0"/>
-          </a:p>
-          <a:p>
-            <a:r>
-              <a:rPr kumimoji="1" lang="en-US" altLang="ja-JP" sz="1400" dirty="0"/>
-              <a:t>[Reference]</a:t>
-            </a:r>
-          </a:p>
-          <a:p>
-            <a:pPr marL="742950" lvl="1" indent="-285750">
-              <a:buFont typeface="Arial" panose="020B0604020202020204" pitchFamily="34" charset="0"/>
-              <a:buChar char="•"/>
-            </a:pPr>
-            <a:r>
-              <a:rPr kumimoji="1" lang="en-US" altLang="ja-JP" sz="1400" dirty="0"/>
-              <a:t>Programming on Solana - An Introduction | </a:t>
-            </a:r>
-            <a:r>
-              <a:rPr kumimoji="1" lang="en-US" altLang="ja-JP" sz="1400" dirty="0" err="1"/>
-              <a:t>Paulx</a:t>
-            </a:r>
-            <a:br>
-              <a:rPr kumimoji="1" lang="en-US" altLang="ja-JP" sz="1400" dirty="0"/>
-            </a:br>
-            <a:r>
-              <a:rPr kumimoji="1" lang="en-US" altLang="ja-JP" sz="1050" dirty="0"/>
-              <a:t>https://</a:t>
-            </a:r>
-            <a:r>
-              <a:rPr kumimoji="1" lang="en-US" altLang="ja-JP" sz="1050" dirty="0" err="1"/>
-              <a:t>paulx.dev</a:t>
-            </a:r>
-            <a:r>
-              <a:rPr kumimoji="1" lang="en-US" altLang="ja-JP" sz="1050" dirty="0"/>
-              <a:t>/blog/2021/01/14/programming-on-</a:t>
-            </a:r>
-            <a:r>
-              <a:rPr kumimoji="1" lang="en-US" altLang="ja-JP" sz="1050" dirty="0" err="1"/>
-              <a:t>solana</a:t>
-            </a:r>
-            <a:r>
-              <a:rPr kumimoji="1" lang="en-US" altLang="ja-JP" sz="1050" dirty="0"/>
-              <a:t>-an-introduction/</a:t>
-            </a:r>
-          </a:p>
-          <a:p>
-            <a:pPr marL="742950" lvl="1" indent="-285750">
-              <a:buFont typeface="Arial" panose="020B0604020202020204" pitchFamily="34" charset="0"/>
-              <a:buChar char="•"/>
-            </a:pPr>
-            <a:endParaRPr kumimoji="1" lang="en-US" altLang="ja-JP" sz="1400" dirty="0"/>
-          </a:p>
-          <a:p>
-            <a:pPr marL="742950" lvl="1" indent="-285750">
-              <a:buFont typeface="Arial" panose="020B0604020202020204" pitchFamily="34" charset="0"/>
-              <a:buChar char="•"/>
-            </a:pPr>
-            <a:r>
-              <a:rPr kumimoji="1" lang="en-US" altLang="ja-JP" sz="1400" dirty="0"/>
-              <a:t>Solana</a:t>
-            </a:r>
-            <a:r>
-              <a:rPr kumimoji="1" lang="ja-JP" altLang="en-US" sz="1400"/>
-              <a:t>の</a:t>
-            </a:r>
-            <a:r>
-              <a:rPr kumimoji="1" lang="en-US" altLang="ja-JP" sz="1400" dirty="0"/>
-              <a:t>Anchor</a:t>
-            </a:r>
-            <a:r>
-              <a:rPr kumimoji="1" lang="ja-JP" altLang="en-US" sz="1400"/>
-              <a:t>で実装された</a:t>
-            </a:r>
-            <a:r>
-              <a:rPr kumimoji="1" lang="en-US" altLang="ja-JP" sz="1400" dirty="0"/>
-              <a:t>Escrow</a:t>
-            </a:r>
-            <a:r>
-              <a:rPr kumimoji="1" lang="ja-JP" altLang="en-US" sz="1400"/>
-              <a:t>のコード解説</a:t>
-            </a:r>
-            <a:br>
-              <a:rPr kumimoji="1" lang="en-US" altLang="ja-JP" sz="1400" dirty="0"/>
-            </a:br>
-            <a:r>
-              <a:rPr kumimoji="1" lang="en-US" altLang="ja-JP" sz="1050" dirty="0"/>
-              <a:t>https://</a:t>
-            </a:r>
-            <a:r>
-              <a:rPr kumimoji="1" lang="en-US" altLang="ja-JP" sz="1050" dirty="0" err="1"/>
-              <a:t>zenn.dev</a:t>
-            </a:r>
-            <a:r>
-              <a:rPr kumimoji="1" lang="en-US" altLang="ja-JP" sz="1050" dirty="0"/>
-              <a:t>/</a:t>
-            </a:r>
-            <a:r>
-              <a:rPr kumimoji="1" lang="en-US" altLang="ja-JP" sz="1050" dirty="0" err="1"/>
-              <a:t>razokulover</a:t>
-            </a:r>
-            <a:r>
-              <a:rPr kumimoji="1" lang="en-US" altLang="ja-JP" sz="1050" dirty="0"/>
-              <a:t>/articles/c2338cb83f459b</a:t>
-            </a:r>
-          </a:p>
-          <a:p>
-            <a:pPr marL="742950" lvl="1" indent="-285750">
-              <a:buFont typeface="Arial" panose="020B0604020202020204" pitchFamily="34" charset="0"/>
-              <a:buChar char="•"/>
-            </a:pPr>
-            <a:endParaRPr kumimoji="1" lang="en-US" altLang="ja-JP" sz="1400" dirty="0"/>
-          </a:p>
-          <a:p>
-            <a:pPr marL="742950" lvl="1" indent="-285750">
-              <a:buFont typeface="Arial" panose="020B0604020202020204" pitchFamily="34" charset="0"/>
-              <a:buChar char="•"/>
-            </a:pPr>
-            <a:r>
-              <a:rPr kumimoji="1" lang="en-US" altLang="ja-JP" sz="1400" dirty="0"/>
-              <a:t>Program Derived Address</a:t>
-            </a:r>
-            <a:r>
-              <a:rPr kumimoji="1" lang="ja-JP" altLang="en-US" sz="1400"/>
-              <a:t>日本語で</a:t>
-            </a:r>
-            <a:br>
-              <a:rPr kumimoji="1" lang="en-US" altLang="ja-JP" sz="1400" dirty="0"/>
-            </a:br>
-            <a:r>
-              <a:rPr kumimoji="1" lang="en-US" altLang="ja-JP" sz="1050" dirty="0"/>
-              <a:t>https://efficacious-flat-24a.notion.site/Program-Derived-Address-8537ebca002245639beb531842f87f2c#3f01f8b4ddc04ed4b55fdfc0160b9436</a:t>
-            </a:r>
-          </a:p>
-          <a:p>
-            <a:pPr marL="742950" lvl="1" indent="-285750">
-              <a:buFont typeface="Arial" panose="020B0604020202020204" pitchFamily="34" charset="0"/>
-              <a:buChar char="•"/>
-            </a:pPr>
-            <a:endParaRPr kumimoji="1" lang="en-US" altLang="ja-JP" sz="1400" dirty="0"/>
-          </a:p>
-          <a:p>
-            <a:pPr marL="742950" lvl="1" indent="-285750">
-              <a:buFont typeface="Arial" panose="020B0604020202020204" pitchFamily="34" charset="0"/>
-              <a:buChar char="•"/>
-            </a:pPr>
-            <a:r>
-              <a:rPr kumimoji="1" lang="en-US" altLang="ja-JP" sz="1400" dirty="0"/>
-              <a:t>Anchor Example: Escrow Program</a:t>
-            </a:r>
-            <a:br>
-              <a:rPr kumimoji="1" lang="en-US" altLang="ja-JP" sz="1400" dirty="0"/>
-            </a:br>
-            <a:r>
-              <a:rPr kumimoji="1" lang="en-US" altLang="ja-JP" sz="1050" dirty="0"/>
-              <a:t>https://</a:t>
-            </a:r>
-            <a:r>
-              <a:rPr kumimoji="1" lang="en-US" altLang="ja-JP" sz="1050" dirty="0" err="1"/>
-              <a:t>hackmd.io</a:t>
-            </a:r>
-            <a:r>
-              <a:rPr kumimoji="1" lang="en-US" altLang="ja-JP" sz="1050" dirty="0"/>
-              <a:t>/@</a:t>
-            </a:r>
-            <a:r>
-              <a:rPr kumimoji="1" lang="en-US" altLang="ja-JP" sz="1050" dirty="0" err="1"/>
-              <a:t>ironaddicteddog</a:t>
-            </a:r>
-            <a:r>
-              <a:rPr kumimoji="1" lang="en-US" altLang="ja-JP" sz="1050" dirty="0"/>
-              <a:t>/</a:t>
-            </a:r>
-            <a:r>
-              <a:rPr kumimoji="1" lang="en-US" altLang="ja-JP" sz="1050" dirty="0" err="1"/>
-              <a:t>anchor_example_escrow</a:t>
-            </a:r>
-            <a:endParaRPr kumimoji="1" lang="en-US" altLang="ja-JP" sz="1050" dirty="0"/>
-          </a:p>
-        </p:txBody>
-      </p:sp>
     </p:spTree>
     <p:extLst>
       <p:ext uri="{BB962C8B-B14F-4D97-AF65-F5344CB8AC3E}">
-        <p14:creationId xmlns:p14="http://schemas.microsoft.com/office/powerpoint/2010/main" val="3700814452"/>
+        <p14:creationId xmlns:p14="http://schemas.microsoft.com/office/powerpoint/2010/main" val="536640582"/>
       </p:ext>
     </p:extLst>
   </p:cSld>
@@ -10993,6 +10787,424 @@
       </p:grpSpPr>
       <p:sp>
         <p:nvSpPr>
+          <p:cNvPr id="2" name="タイトル 1">
+            <a:extLst>
+              <a:ext uri="{FF2B5EF4-FFF2-40B4-BE49-F238E27FC236}">
+                <a16:creationId xmlns:a16="http://schemas.microsoft.com/office/drawing/2014/main" id="{89B7BB6E-EC92-B34A-847D-915141D22DA4}"/>
+              </a:ext>
+            </a:extLst>
+          </p:cNvPr>
+          <p:cNvSpPr>
+            <a:spLocks noGrp="1"/>
+          </p:cNvSpPr>
+          <p:nvPr>
+            <p:ph type="title"/>
+          </p:nvPr>
+        </p:nvSpPr>
+        <p:spPr/>
+        <p:txBody>
+          <a:bodyPr/>
+          <a:lstStyle/>
+          <a:p>
+            <a:r>
+              <a:rPr kumimoji="1" lang="en-US" altLang="ja-JP" dirty="0"/>
+              <a:t>Source Code and Reference</a:t>
+            </a:r>
+            <a:endParaRPr kumimoji="1" lang="ja-JP" altLang="en-US"/>
+          </a:p>
+        </p:txBody>
+      </p:sp>
+      <p:sp>
+        <p:nvSpPr>
+          <p:cNvPr id="4" name="フッター プレースホルダー 3">
+            <a:extLst>
+              <a:ext uri="{FF2B5EF4-FFF2-40B4-BE49-F238E27FC236}">
+                <a16:creationId xmlns:a16="http://schemas.microsoft.com/office/drawing/2014/main" id="{4FA16AF3-9B13-C243-A2A0-134DFFA64EFA}"/>
+              </a:ext>
+            </a:extLst>
+          </p:cNvPr>
+          <p:cNvSpPr>
+            <a:spLocks noGrp="1"/>
+          </p:cNvSpPr>
+          <p:nvPr>
+            <p:ph type="ftr" sz="quarter" idx="11"/>
+          </p:nvPr>
+        </p:nvSpPr>
+        <p:spPr/>
+        <p:txBody>
+          <a:bodyPr/>
+          <a:lstStyle/>
+          <a:p>
+            <a:r>
+              <a:rPr kumimoji="1" lang="en-US" altLang="ja-JP"/>
+              <a:t>256hax</a:t>
+            </a:r>
+            <a:endParaRPr kumimoji="1" lang="ja-JP" altLang="en-US"/>
+          </a:p>
+        </p:txBody>
+      </p:sp>
+      <p:sp>
+        <p:nvSpPr>
+          <p:cNvPr id="5" name="スライド番号プレースホルダー 4">
+            <a:extLst>
+              <a:ext uri="{FF2B5EF4-FFF2-40B4-BE49-F238E27FC236}">
+                <a16:creationId xmlns:a16="http://schemas.microsoft.com/office/drawing/2014/main" id="{CD420C9A-60AE-F04F-8757-22E08737AA8B}"/>
+              </a:ext>
+            </a:extLst>
+          </p:cNvPr>
+          <p:cNvSpPr>
+            <a:spLocks noGrp="1"/>
+          </p:cNvSpPr>
+          <p:nvPr>
+            <p:ph type="sldNum" sz="quarter" idx="12"/>
+          </p:nvPr>
+        </p:nvSpPr>
+        <p:spPr/>
+        <p:txBody>
+          <a:bodyPr/>
+          <a:lstStyle/>
+          <a:p>
+            <a:fld id="{51BE5F08-58E8-9243-A834-2B76637F595D}" type="slidenum">
+              <a:rPr kumimoji="1" lang="ja-JP" altLang="en-US" smtClean="0"/>
+              <a:t>15</a:t>
+            </a:fld>
+            <a:endParaRPr kumimoji="1" lang="ja-JP" altLang="en-US"/>
+          </a:p>
+        </p:txBody>
+      </p:sp>
+      <p:sp>
+        <p:nvSpPr>
+          <p:cNvPr id="6" name="テキスト ボックス 5">
+            <a:extLst>
+              <a:ext uri="{FF2B5EF4-FFF2-40B4-BE49-F238E27FC236}">
+                <a16:creationId xmlns:a16="http://schemas.microsoft.com/office/drawing/2014/main" id="{7EB30303-7AE5-FE47-B09C-2E7E48E0AE9C}"/>
+              </a:ext>
+            </a:extLst>
+          </p:cNvPr>
+          <p:cNvSpPr txBox="1"/>
+          <p:nvPr/>
+        </p:nvSpPr>
+        <p:spPr>
+          <a:xfrm>
+            <a:off x="838200" y="1142188"/>
+            <a:ext cx="10515600" cy="4131900"/>
+          </a:xfrm>
+          <a:prstGeom prst="rect">
+            <a:avLst/>
+          </a:prstGeom>
+          <a:noFill/>
+        </p:spPr>
+        <p:txBody>
+          <a:bodyPr wrap="square" rtlCol="0">
+            <a:spAutoFit/>
+          </a:bodyPr>
+          <a:lstStyle/>
+          <a:p>
+            <a:r>
+              <a:rPr kumimoji="1" lang="en-US" altLang="ja-JP" sz="1400" dirty="0"/>
+              <a:t>[Program Source]</a:t>
+            </a:r>
+          </a:p>
+          <a:p>
+            <a:pPr lvl="1"/>
+            <a:r>
+              <a:rPr kumimoji="1" lang="en-US" altLang="ja-JP" sz="1400" dirty="0"/>
+              <a:t>GitHub - project-serum / anchor escrow</a:t>
+            </a:r>
+            <a:br>
+              <a:rPr kumimoji="1" lang="en-US" altLang="ja-JP" sz="1400" dirty="0"/>
+            </a:br>
+            <a:r>
+              <a:rPr kumimoji="1" lang="en-US" altLang="ja-JP" sz="1050" dirty="0"/>
+              <a:t>https://</a:t>
+            </a:r>
+            <a:r>
+              <a:rPr kumimoji="1" lang="en-US" altLang="ja-JP" sz="1050" dirty="0" err="1"/>
+              <a:t>github.com</a:t>
+            </a:r>
+            <a:r>
+              <a:rPr kumimoji="1" lang="en-US" altLang="ja-JP" sz="1050" dirty="0"/>
+              <a:t>/project-serum/anchor/tree/master/tests/escrow</a:t>
+            </a:r>
+          </a:p>
+          <a:p>
+            <a:endParaRPr kumimoji="1" lang="en-US" altLang="ja-JP" sz="1400" dirty="0"/>
+          </a:p>
+          <a:p>
+            <a:r>
+              <a:rPr kumimoji="1" lang="en-US" altLang="ja-JP" sz="1400" dirty="0"/>
+              <a:t>[Remarks]</a:t>
+            </a:r>
+          </a:p>
+          <a:p>
+            <a:pPr marL="742950" lvl="1" indent="-285750">
+              <a:buFont typeface="Arial" panose="020B0604020202020204" pitchFamily="34" charset="0"/>
+              <a:buChar char="•"/>
+            </a:pPr>
+            <a:r>
+              <a:rPr kumimoji="1" lang="en-US" altLang="ja-JP" sz="1400" dirty="0"/>
+              <a:t>Escrow behavior is based on anchor escrow program. Check </a:t>
+            </a:r>
+            <a:r>
+              <a:rPr kumimoji="1" lang="en-US" altLang="ja-JP" sz="1400" dirty="0" err="1"/>
+              <a:t>escrow.ts</a:t>
+            </a:r>
+            <a:r>
+              <a:rPr kumimoji="1" lang="en-US" altLang="ja-JP" sz="1400" dirty="0"/>
+              <a:t> and </a:t>
+            </a:r>
+            <a:r>
+              <a:rPr kumimoji="1" lang="en-US" altLang="ja-JP" sz="1400" dirty="0" err="1"/>
+              <a:t>lib.rs</a:t>
+            </a:r>
+            <a:r>
+              <a:rPr kumimoji="1" lang="en-US" altLang="ja-JP" sz="1400" dirty="0"/>
+              <a:t> files.</a:t>
+            </a:r>
+          </a:p>
+          <a:p>
+            <a:pPr marL="742950" lvl="1" indent="-285750">
+              <a:buFont typeface="Arial" panose="020B0604020202020204" pitchFamily="34" charset="0"/>
+              <a:buChar char="•"/>
+            </a:pPr>
+            <a:r>
+              <a:rPr kumimoji="1" lang="en-US" altLang="ja-JP" sz="1400" dirty="0"/>
+              <a:t>My debug program: </a:t>
+            </a:r>
+            <a:r>
+              <a:rPr kumimoji="1" lang="en-US" altLang="ja-JP" sz="1050" dirty="0"/>
+              <a:t>https://</a:t>
+            </a:r>
+            <a:r>
+              <a:rPr kumimoji="1" lang="en-US" altLang="ja-JP" sz="1050" dirty="0" err="1"/>
+              <a:t>github.com</a:t>
+            </a:r>
+            <a:r>
+              <a:rPr kumimoji="1" lang="en-US" altLang="ja-JP" sz="1050" dirty="0"/>
+              <a:t>/256hax/</a:t>
+            </a:r>
+            <a:r>
+              <a:rPr kumimoji="1" lang="en-US" altLang="ja-JP" sz="1050" dirty="0" err="1"/>
+              <a:t>solana</a:t>
+            </a:r>
+            <a:r>
+              <a:rPr kumimoji="1" lang="en-US" altLang="ja-JP" sz="1050" dirty="0"/>
+              <a:t>-anchor-react-minimal-example/tree/main/anchor/escrow</a:t>
+            </a:r>
+          </a:p>
+          <a:p>
+            <a:endParaRPr kumimoji="1" lang="en-US" altLang="ja-JP" sz="1400" dirty="0"/>
+          </a:p>
+          <a:p>
+            <a:r>
+              <a:rPr kumimoji="1" lang="en-US" altLang="ja-JP" sz="1400" dirty="0"/>
+              <a:t>[Reference]</a:t>
+            </a:r>
+          </a:p>
+          <a:p>
+            <a:pPr marL="742950" lvl="1" indent="-285750">
+              <a:buFont typeface="Arial" panose="020B0604020202020204" pitchFamily="34" charset="0"/>
+              <a:buChar char="•"/>
+            </a:pPr>
+            <a:r>
+              <a:rPr kumimoji="1" lang="en-US" altLang="ja-JP" sz="1400" dirty="0"/>
+              <a:t>Programming on Solana - An Introduction | </a:t>
+            </a:r>
+            <a:r>
+              <a:rPr kumimoji="1" lang="en-US" altLang="ja-JP" sz="1400" dirty="0" err="1"/>
+              <a:t>Paulx</a:t>
+            </a:r>
+            <a:br>
+              <a:rPr kumimoji="1" lang="en-US" altLang="ja-JP" sz="1400" dirty="0"/>
+            </a:br>
+            <a:r>
+              <a:rPr kumimoji="1" lang="en-US" altLang="ja-JP" sz="1050" dirty="0"/>
+              <a:t>https://</a:t>
+            </a:r>
+            <a:r>
+              <a:rPr kumimoji="1" lang="en-US" altLang="ja-JP" sz="1050" dirty="0" err="1"/>
+              <a:t>paulx.dev</a:t>
+            </a:r>
+            <a:r>
+              <a:rPr kumimoji="1" lang="en-US" altLang="ja-JP" sz="1050" dirty="0"/>
+              <a:t>/blog/2021/01/14/programming-on-</a:t>
+            </a:r>
+            <a:r>
+              <a:rPr kumimoji="1" lang="en-US" altLang="ja-JP" sz="1050" dirty="0" err="1"/>
+              <a:t>solana</a:t>
+            </a:r>
+            <a:r>
+              <a:rPr kumimoji="1" lang="en-US" altLang="ja-JP" sz="1050" dirty="0"/>
+              <a:t>-an-introduction/</a:t>
+            </a:r>
+          </a:p>
+          <a:p>
+            <a:pPr marL="742950" lvl="1" indent="-285750">
+              <a:buFont typeface="Arial" panose="020B0604020202020204" pitchFamily="34" charset="0"/>
+              <a:buChar char="•"/>
+            </a:pPr>
+            <a:endParaRPr kumimoji="1" lang="en-US" altLang="ja-JP" sz="1400" dirty="0"/>
+          </a:p>
+          <a:p>
+            <a:pPr marL="742950" lvl="1" indent="-285750">
+              <a:buFont typeface="Arial" panose="020B0604020202020204" pitchFamily="34" charset="0"/>
+              <a:buChar char="•"/>
+            </a:pPr>
+            <a:r>
+              <a:rPr kumimoji="1" lang="en-US" altLang="ja-JP" sz="1400" dirty="0"/>
+              <a:t>Solana</a:t>
+            </a:r>
+            <a:r>
+              <a:rPr kumimoji="1" lang="ja-JP" altLang="en-US" sz="1400"/>
+              <a:t>の</a:t>
+            </a:r>
+            <a:r>
+              <a:rPr kumimoji="1" lang="en-US" altLang="ja-JP" sz="1400" dirty="0"/>
+              <a:t>Anchor</a:t>
+            </a:r>
+            <a:r>
+              <a:rPr kumimoji="1" lang="ja-JP" altLang="en-US" sz="1400"/>
+              <a:t>で実装された</a:t>
+            </a:r>
+            <a:r>
+              <a:rPr kumimoji="1" lang="en-US" altLang="ja-JP" sz="1400" dirty="0"/>
+              <a:t>Escrow</a:t>
+            </a:r>
+            <a:r>
+              <a:rPr kumimoji="1" lang="ja-JP" altLang="en-US" sz="1400"/>
+              <a:t>のコード解説</a:t>
+            </a:r>
+            <a:br>
+              <a:rPr kumimoji="1" lang="en-US" altLang="ja-JP" sz="1400" dirty="0"/>
+            </a:br>
+            <a:r>
+              <a:rPr kumimoji="1" lang="en-US" altLang="ja-JP" sz="1050" dirty="0"/>
+              <a:t>https://</a:t>
+            </a:r>
+            <a:r>
+              <a:rPr kumimoji="1" lang="en-US" altLang="ja-JP" sz="1050" dirty="0" err="1"/>
+              <a:t>zenn.dev</a:t>
+            </a:r>
+            <a:r>
+              <a:rPr kumimoji="1" lang="en-US" altLang="ja-JP" sz="1050" dirty="0"/>
+              <a:t>/</a:t>
+            </a:r>
+            <a:r>
+              <a:rPr kumimoji="1" lang="en-US" altLang="ja-JP" sz="1050" dirty="0" err="1"/>
+              <a:t>razokulover</a:t>
+            </a:r>
+            <a:r>
+              <a:rPr kumimoji="1" lang="en-US" altLang="ja-JP" sz="1050" dirty="0"/>
+              <a:t>/articles/c2338cb83f459b</a:t>
+            </a:r>
+          </a:p>
+          <a:p>
+            <a:pPr marL="742950" lvl="1" indent="-285750">
+              <a:buFont typeface="Arial" panose="020B0604020202020204" pitchFamily="34" charset="0"/>
+              <a:buChar char="•"/>
+            </a:pPr>
+            <a:endParaRPr kumimoji="1" lang="en-US" altLang="ja-JP" sz="1400" dirty="0"/>
+          </a:p>
+          <a:p>
+            <a:pPr marL="742950" lvl="1" indent="-285750">
+              <a:buFont typeface="Arial" panose="020B0604020202020204" pitchFamily="34" charset="0"/>
+              <a:buChar char="•"/>
+            </a:pPr>
+            <a:r>
+              <a:rPr kumimoji="1" lang="en-US" altLang="ja-JP" sz="1400" dirty="0"/>
+              <a:t>Program Derived Address</a:t>
+            </a:r>
+            <a:r>
+              <a:rPr kumimoji="1" lang="ja-JP" altLang="en-US" sz="1400"/>
+              <a:t>日本語で</a:t>
+            </a:r>
+            <a:br>
+              <a:rPr kumimoji="1" lang="en-US" altLang="ja-JP" sz="1400" dirty="0"/>
+            </a:br>
+            <a:r>
+              <a:rPr kumimoji="1" lang="en-US" altLang="ja-JP" sz="1050" dirty="0"/>
+              <a:t>https://efficacious-flat-24a.notion.site/Program-Derived-Address-8537ebca002245639beb531842f87f2c#3f01f8b4ddc04ed4b55fdfc0160b9436</a:t>
+            </a:r>
+          </a:p>
+          <a:p>
+            <a:pPr marL="742950" lvl="1" indent="-285750">
+              <a:buFont typeface="Arial" panose="020B0604020202020204" pitchFamily="34" charset="0"/>
+              <a:buChar char="•"/>
+            </a:pPr>
+            <a:endParaRPr kumimoji="1" lang="en-US" altLang="ja-JP" sz="1400" dirty="0"/>
+          </a:p>
+          <a:p>
+            <a:pPr marL="742950" lvl="1" indent="-285750">
+              <a:buFont typeface="Arial" panose="020B0604020202020204" pitchFamily="34" charset="0"/>
+              <a:buChar char="•"/>
+            </a:pPr>
+            <a:r>
+              <a:rPr kumimoji="1" lang="en-US" altLang="ja-JP" sz="1400" dirty="0"/>
+              <a:t>Anchor Example: Escrow Program</a:t>
+            </a:r>
+            <a:br>
+              <a:rPr kumimoji="1" lang="en-US" altLang="ja-JP" sz="1400" dirty="0"/>
+            </a:br>
+            <a:r>
+              <a:rPr kumimoji="1" lang="en-US" altLang="ja-JP" sz="1050" dirty="0"/>
+              <a:t>https://</a:t>
+            </a:r>
+            <a:r>
+              <a:rPr kumimoji="1" lang="en-US" altLang="ja-JP" sz="1050" dirty="0" err="1"/>
+              <a:t>hackmd.io</a:t>
+            </a:r>
+            <a:r>
+              <a:rPr kumimoji="1" lang="en-US" altLang="ja-JP" sz="1050" dirty="0"/>
+              <a:t>/@</a:t>
+            </a:r>
+            <a:r>
+              <a:rPr kumimoji="1" lang="en-US" altLang="ja-JP" sz="1050" dirty="0" err="1"/>
+              <a:t>ironaddicteddog</a:t>
+            </a:r>
+            <a:r>
+              <a:rPr kumimoji="1" lang="en-US" altLang="ja-JP" sz="1050" dirty="0"/>
+              <a:t>/</a:t>
+            </a:r>
+            <a:r>
+              <a:rPr kumimoji="1" lang="en-US" altLang="ja-JP" sz="1050" dirty="0" err="1"/>
+              <a:t>anchor_example_escrow</a:t>
+            </a:r>
+            <a:endParaRPr kumimoji="1" lang="en-US" altLang="ja-JP" sz="1050" dirty="0"/>
+          </a:p>
+        </p:txBody>
+      </p:sp>
+    </p:spTree>
+    <p:extLst>
+      <p:ext uri="{BB962C8B-B14F-4D97-AF65-F5344CB8AC3E}">
+        <p14:creationId xmlns:p14="http://schemas.microsoft.com/office/powerpoint/2010/main" val="3700814452"/>
+      </p:ext>
+    </p:extLst>
+  </p:cSld>
+  <p:clrMapOvr>
+    <a:masterClrMapping/>
+  </p:clrMapOvr>
+</p:sld>
+</file>
+
+<file path=ppt/slides/slide17.xml><?xml version="1.0" encoding="utf-8"?>
+<p:sld xmlns:a="http://schemas.openxmlformats.org/drawingml/2006/main" xmlns:r="http://schemas.openxmlformats.org/officeDocument/2006/relationships" xmlns:p="http://schemas.openxmlformats.org/presentationml/2006/main">
+  <p:cSld>
+    <p:spTree>
+      <p:nvGrpSpPr>
+        <p:cNvPr id="1" name=""/>
+        <p:cNvGrpSpPr/>
+        <p:nvPr/>
+      </p:nvGrpSpPr>
+      <p:grpSpPr>
+        <a:xfrm>
+          <a:off x="0" y="0"/>
+          <a:ext cx="0" cy="0"/>
+          <a:chOff x="0" y="0"/>
+          <a:chExt cx="0" cy="0"/>
+        </a:xfrm>
+      </p:grpSpPr>
+      <p:sp>
+        <p:nvSpPr>
           <p:cNvPr id="50" name="正方形/長方形 49">
             <a:extLst>
               <a:ext uri="{FF2B5EF4-FFF2-40B4-BE49-F238E27FC236}">
@@ -11270,7 +11482,7 @@
           <a:p>
             <a:fld id="{51BE5F08-58E8-9243-A834-2B76637F595D}" type="slidenum">
               <a:rPr kumimoji="1" lang="ja-JP" altLang="en-US" smtClean="0"/>
-              <a:t>15</a:t>
+              <a:t>16</a:t>
             </a:fld>
             <a:endParaRPr kumimoji="1" lang="ja-JP" altLang="en-US"/>
           </a:p>
@@ -13861,7 +14073,7 @@
 </p:sld>
 </file>
 
-<file path=ppt/slides/slide17.xml><?xml version="1.0" encoding="utf-8"?>
+<file path=ppt/slides/slide18.xml><?xml version="1.0" encoding="utf-8"?>
 <p:sld xmlns:a="http://schemas.openxmlformats.org/drawingml/2006/main" xmlns:r="http://schemas.openxmlformats.org/officeDocument/2006/relationships" xmlns:p="http://schemas.openxmlformats.org/presentationml/2006/main">
   <p:cSld>
     <p:spTree>
@@ -14157,7 +14369,7 @@
           <a:p>
             <a:fld id="{51BE5F08-58E8-9243-A834-2B76637F595D}" type="slidenum">
               <a:rPr kumimoji="1" lang="ja-JP" altLang="en-US" smtClean="0"/>
-              <a:t>16</a:t>
+              <a:t>17</a:t>
             </a:fld>
             <a:endParaRPr kumimoji="1" lang="ja-JP" altLang="en-US"/>
           </a:p>
@@ -16073,7 +16285,7 @@
 </p:sld>
 </file>
 
-<file path=ppt/slides/slide18.xml><?xml version="1.0" encoding="utf-8"?>
+<file path=ppt/slides/slide19.xml><?xml version="1.0" encoding="utf-8"?>
 <p:sld xmlns:a="http://schemas.openxmlformats.org/drawingml/2006/main" xmlns:r="http://schemas.openxmlformats.org/officeDocument/2006/relationships" xmlns:p="http://schemas.openxmlformats.org/presentationml/2006/main">
   <p:cSld>
     <p:spTree>
@@ -16369,7 +16581,7 @@
           <a:p>
             <a:fld id="{51BE5F08-58E8-9243-A834-2B76637F595D}" type="slidenum">
               <a:rPr kumimoji="1" lang="ja-JP" altLang="en-US" smtClean="0"/>
-              <a:t>17</a:t>
+              <a:t>18</a:t>
             </a:fld>
             <a:endParaRPr kumimoji="1" lang="ja-JP" altLang="en-US"/>
           </a:p>
@@ -19043,7 +19255,7 @@
 </p:sld>
 </file>
 
-<file path=ppt/slides/slide19.xml><?xml version="1.0" encoding="utf-8"?>
+<file path=ppt/slides/slide2.xml><?xml version="1.0" encoding="utf-8"?>
 <p:sld xmlns:a="http://schemas.openxmlformats.org/drawingml/2006/main" xmlns:r="http://schemas.openxmlformats.org/officeDocument/2006/relationships" xmlns:p="http://schemas.openxmlformats.org/presentationml/2006/main">
   <p:cSld>
     <p:spTree>
@@ -19062,6 +19274,153 @@
       </p:grpSpPr>
       <p:sp>
         <p:nvSpPr>
+          <p:cNvPr id="6" name="タイトル 5">
+            <a:extLst>
+              <a:ext uri="{FF2B5EF4-FFF2-40B4-BE49-F238E27FC236}">
+                <a16:creationId xmlns:a16="http://schemas.microsoft.com/office/drawing/2014/main" id="{E25DACE1-58FD-9745-B266-5A5EA153FE9E}"/>
+              </a:ext>
+            </a:extLst>
+          </p:cNvPr>
+          <p:cNvSpPr>
+            <a:spLocks noGrp="1"/>
+          </p:cNvSpPr>
+          <p:nvPr>
+            <p:ph type="title"/>
+          </p:nvPr>
+        </p:nvSpPr>
+        <p:spPr/>
+        <p:txBody>
+          <a:bodyPr/>
+          <a:lstStyle/>
+          <a:p>
+            <a:r>
+              <a:rPr lang="en-US" altLang="ja-JP" dirty="0"/>
+              <a:t>Yield Farming</a:t>
+            </a:r>
+            <a:endParaRPr lang="ja-JP" altLang="en-US"/>
+          </a:p>
+        </p:txBody>
+      </p:sp>
+      <p:sp>
+        <p:nvSpPr>
+          <p:cNvPr id="7" name="テキスト プレースホルダー 6">
+            <a:extLst>
+              <a:ext uri="{FF2B5EF4-FFF2-40B4-BE49-F238E27FC236}">
+                <a16:creationId xmlns:a16="http://schemas.microsoft.com/office/drawing/2014/main" id="{6D2E24DF-5511-9C40-9985-E7FAA148311F}"/>
+              </a:ext>
+            </a:extLst>
+          </p:cNvPr>
+          <p:cNvSpPr>
+            <a:spLocks noGrp="1"/>
+          </p:cNvSpPr>
+          <p:nvPr>
+            <p:ph type="body" idx="4294967295"/>
+          </p:nvPr>
+        </p:nvSpPr>
+        <p:spPr>
+          <a:xfrm>
+            <a:off x="831850" y="4589463"/>
+            <a:ext cx="10515600" cy="1500187"/>
+          </a:xfrm>
+        </p:spPr>
+        <p:txBody>
+          <a:bodyPr/>
+          <a:lstStyle/>
+          <a:p>
+            <a:endParaRPr lang="ja-JP" altLang="en-US"/>
+          </a:p>
+        </p:txBody>
+      </p:sp>
+      <p:sp>
+        <p:nvSpPr>
+          <p:cNvPr id="4" name="フッター プレースホルダー 3">
+            <a:extLst>
+              <a:ext uri="{FF2B5EF4-FFF2-40B4-BE49-F238E27FC236}">
+                <a16:creationId xmlns:a16="http://schemas.microsoft.com/office/drawing/2014/main" id="{4AE20E14-611F-2746-B535-140C5335AF22}"/>
+              </a:ext>
+            </a:extLst>
+          </p:cNvPr>
+          <p:cNvSpPr>
+            <a:spLocks noGrp="1"/>
+          </p:cNvSpPr>
+          <p:nvPr>
+            <p:ph type="ftr" sz="quarter" idx="11"/>
+          </p:nvPr>
+        </p:nvSpPr>
+        <p:spPr/>
+        <p:txBody>
+          <a:bodyPr/>
+          <a:lstStyle/>
+          <a:p>
+            <a:r>
+              <a:rPr kumimoji="1" lang="en-US" altLang="ja-JP"/>
+              <a:t>256hax</a:t>
+            </a:r>
+            <a:endParaRPr kumimoji="1" lang="ja-JP" altLang="en-US"/>
+          </a:p>
+        </p:txBody>
+      </p:sp>
+      <p:sp>
+        <p:nvSpPr>
+          <p:cNvPr id="5" name="スライド番号プレースホルダー 4">
+            <a:extLst>
+              <a:ext uri="{FF2B5EF4-FFF2-40B4-BE49-F238E27FC236}">
+                <a16:creationId xmlns:a16="http://schemas.microsoft.com/office/drawing/2014/main" id="{7DB935CD-5D46-734D-974F-FA319839D27B}"/>
+              </a:ext>
+            </a:extLst>
+          </p:cNvPr>
+          <p:cNvSpPr>
+            <a:spLocks noGrp="1"/>
+          </p:cNvSpPr>
+          <p:nvPr>
+            <p:ph type="sldNum" sz="quarter" idx="12"/>
+          </p:nvPr>
+        </p:nvSpPr>
+        <p:spPr/>
+        <p:txBody>
+          <a:bodyPr/>
+          <a:lstStyle/>
+          <a:p>
+            <a:fld id="{51BE5F08-58E8-9243-A834-2B76637F595D}" type="slidenum">
+              <a:rPr kumimoji="1" lang="ja-JP" altLang="en-US" smtClean="0"/>
+              <a:t>1</a:t>
+            </a:fld>
+            <a:endParaRPr kumimoji="1" lang="ja-JP" altLang="en-US"/>
+          </a:p>
+        </p:txBody>
+      </p:sp>
+    </p:spTree>
+    <p:extLst>
+      <p:ext uri="{BB962C8B-B14F-4D97-AF65-F5344CB8AC3E}">
+        <p14:creationId xmlns:p14="http://schemas.microsoft.com/office/powerpoint/2010/main" val="358845707"/>
+      </p:ext>
+    </p:extLst>
+  </p:cSld>
+  <p:clrMapOvr>
+    <a:masterClrMapping/>
+  </p:clrMapOvr>
+</p:sld>
+</file>
+
+<file path=ppt/slides/slide20.xml><?xml version="1.0" encoding="utf-8"?>
+<p:sld xmlns:a="http://schemas.openxmlformats.org/drawingml/2006/main" xmlns:r="http://schemas.openxmlformats.org/officeDocument/2006/relationships" xmlns:p="http://schemas.openxmlformats.org/presentationml/2006/main">
+  <p:cSld>
+    <p:spTree>
+      <p:nvGrpSpPr>
+        <p:cNvPr id="1" name=""/>
+        <p:cNvGrpSpPr/>
+        <p:nvPr/>
+      </p:nvGrpSpPr>
+      <p:grpSpPr>
+        <a:xfrm>
+          <a:off x="0" y="0"/>
+          <a:ext cx="0" cy="0"/>
+          <a:chOff x="0" y="0"/>
+          <a:chExt cx="0" cy="0"/>
+        </a:xfrm>
+      </p:grpSpPr>
+      <p:sp>
+        <p:nvSpPr>
           <p:cNvPr id="50" name="正方形/長方形 49">
             <a:extLst>
               <a:ext uri="{FF2B5EF4-FFF2-40B4-BE49-F238E27FC236}">
@@ -19339,7 +19698,7 @@
           <a:p>
             <a:fld id="{51BE5F08-58E8-9243-A834-2B76637F595D}" type="slidenum">
               <a:rPr kumimoji="1" lang="ja-JP" altLang="en-US" smtClean="0"/>
-              <a:t>18</a:t>
+              <a:t>19</a:t>
             </a:fld>
             <a:endParaRPr kumimoji="1" lang="ja-JP" altLang="en-US"/>
           </a:p>
@@ -22200,7 +22559,7 @@
 </p:sld>
 </file>
 
-<file path=ppt/slides/slide2.xml><?xml version="1.0" encoding="utf-8"?>
+<file path=ppt/slides/slide21.xml><?xml version="1.0" encoding="utf-8"?>
 <p:sld xmlns:a="http://schemas.openxmlformats.org/drawingml/2006/main" xmlns:r="http://schemas.openxmlformats.org/officeDocument/2006/relationships" xmlns:p="http://schemas.openxmlformats.org/presentationml/2006/main">
   <p:cSld>
     <p:spTree>
@@ -22219,153 +22578,6 @@
       </p:grpSpPr>
       <p:sp>
         <p:nvSpPr>
-          <p:cNvPr id="6" name="タイトル 5">
-            <a:extLst>
-              <a:ext uri="{FF2B5EF4-FFF2-40B4-BE49-F238E27FC236}">
-                <a16:creationId xmlns:a16="http://schemas.microsoft.com/office/drawing/2014/main" id="{E25DACE1-58FD-9745-B266-5A5EA153FE9E}"/>
-              </a:ext>
-            </a:extLst>
-          </p:cNvPr>
-          <p:cNvSpPr>
-            <a:spLocks noGrp="1"/>
-          </p:cNvSpPr>
-          <p:nvPr>
-            <p:ph type="title"/>
-          </p:nvPr>
-        </p:nvSpPr>
-        <p:spPr/>
-        <p:txBody>
-          <a:bodyPr/>
-          <a:lstStyle/>
-          <a:p>
-            <a:r>
-              <a:rPr lang="en-US" altLang="ja-JP" dirty="0"/>
-              <a:t>Yield Farming</a:t>
-            </a:r>
-            <a:endParaRPr lang="ja-JP" altLang="en-US"/>
-          </a:p>
-        </p:txBody>
-      </p:sp>
-      <p:sp>
-        <p:nvSpPr>
-          <p:cNvPr id="7" name="テキスト プレースホルダー 6">
-            <a:extLst>
-              <a:ext uri="{FF2B5EF4-FFF2-40B4-BE49-F238E27FC236}">
-                <a16:creationId xmlns:a16="http://schemas.microsoft.com/office/drawing/2014/main" id="{6D2E24DF-5511-9C40-9985-E7FAA148311F}"/>
-              </a:ext>
-            </a:extLst>
-          </p:cNvPr>
-          <p:cNvSpPr>
-            <a:spLocks noGrp="1"/>
-          </p:cNvSpPr>
-          <p:nvPr>
-            <p:ph type="body" idx="4294967295"/>
-          </p:nvPr>
-        </p:nvSpPr>
-        <p:spPr>
-          <a:xfrm>
-            <a:off x="831850" y="4589463"/>
-            <a:ext cx="10515600" cy="1500187"/>
-          </a:xfrm>
-        </p:spPr>
-        <p:txBody>
-          <a:bodyPr/>
-          <a:lstStyle/>
-          <a:p>
-            <a:endParaRPr lang="ja-JP" altLang="en-US"/>
-          </a:p>
-        </p:txBody>
-      </p:sp>
-      <p:sp>
-        <p:nvSpPr>
-          <p:cNvPr id="4" name="フッター プレースホルダー 3">
-            <a:extLst>
-              <a:ext uri="{FF2B5EF4-FFF2-40B4-BE49-F238E27FC236}">
-                <a16:creationId xmlns:a16="http://schemas.microsoft.com/office/drawing/2014/main" id="{4AE20E14-611F-2746-B535-140C5335AF22}"/>
-              </a:ext>
-            </a:extLst>
-          </p:cNvPr>
-          <p:cNvSpPr>
-            <a:spLocks noGrp="1"/>
-          </p:cNvSpPr>
-          <p:nvPr>
-            <p:ph type="ftr" sz="quarter" idx="11"/>
-          </p:nvPr>
-        </p:nvSpPr>
-        <p:spPr/>
-        <p:txBody>
-          <a:bodyPr/>
-          <a:lstStyle/>
-          <a:p>
-            <a:r>
-              <a:rPr kumimoji="1" lang="en-US" altLang="ja-JP"/>
-              <a:t>256hax</a:t>
-            </a:r>
-            <a:endParaRPr kumimoji="1" lang="ja-JP" altLang="en-US"/>
-          </a:p>
-        </p:txBody>
-      </p:sp>
-      <p:sp>
-        <p:nvSpPr>
-          <p:cNvPr id="5" name="スライド番号プレースホルダー 4">
-            <a:extLst>
-              <a:ext uri="{FF2B5EF4-FFF2-40B4-BE49-F238E27FC236}">
-                <a16:creationId xmlns:a16="http://schemas.microsoft.com/office/drawing/2014/main" id="{7DB935CD-5D46-734D-974F-FA319839D27B}"/>
-              </a:ext>
-            </a:extLst>
-          </p:cNvPr>
-          <p:cNvSpPr>
-            <a:spLocks noGrp="1"/>
-          </p:cNvSpPr>
-          <p:nvPr>
-            <p:ph type="sldNum" sz="quarter" idx="12"/>
-          </p:nvPr>
-        </p:nvSpPr>
-        <p:spPr/>
-        <p:txBody>
-          <a:bodyPr/>
-          <a:lstStyle/>
-          <a:p>
-            <a:fld id="{51BE5F08-58E8-9243-A834-2B76637F595D}" type="slidenum">
-              <a:rPr kumimoji="1" lang="ja-JP" altLang="en-US" smtClean="0"/>
-              <a:t>1</a:t>
-            </a:fld>
-            <a:endParaRPr kumimoji="1" lang="ja-JP" altLang="en-US"/>
-          </a:p>
-        </p:txBody>
-      </p:sp>
-    </p:spTree>
-    <p:extLst>
-      <p:ext uri="{BB962C8B-B14F-4D97-AF65-F5344CB8AC3E}">
-        <p14:creationId xmlns:p14="http://schemas.microsoft.com/office/powerpoint/2010/main" val="358845707"/>
-      </p:ext>
-    </p:extLst>
-  </p:cSld>
-  <p:clrMapOvr>
-    <a:masterClrMapping/>
-  </p:clrMapOvr>
-</p:sld>
-</file>
-
-<file path=ppt/slides/slide20.xml><?xml version="1.0" encoding="utf-8"?>
-<p:sld xmlns:a="http://schemas.openxmlformats.org/drawingml/2006/main" xmlns:r="http://schemas.openxmlformats.org/officeDocument/2006/relationships" xmlns:p="http://schemas.openxmlformats.org/presentationml/2006/main">
-  <p:cSld>
-    <p:spTree>
-      <p:nvGrpSpPr>
-        <p:cNvPr id="1" name=""/>
-        <p:cNvGrpSpPr/>
-        <p:nvPr/>
-      </p:nvGrpSpPr>
-      <p:grpSpPr>
-        <a:xfrm>
-          <a:off x="0" y="0"/>
-          <a:ext cx="0" cy="0"/>
-          <a:chOff x="0" y="0"/>
-          <a:chExt cx="0" cy="0"/>
-        </a:xfrm>
-      </p:grpSpPr>
-      <p:sp>
-        <p:nvSpPr>
           <p:cNvPr id="50" name="正方形/長方形 49">
             <a:extLst>
               <a:ext uri="{FF2B5EF4-FFF2-40B4-BE49-F238E27FC236}">
@@ -22643,7 +22855,7 @@
           <a:p>
             <a:fld id="{51BE5F08-58E8-9243-A834-2B76637F595D}" type="slidenum">
               <a:rPr kumimoji="1" lang="ja-JP" altLang="en-US" smtClean="0"/>
-              <a:t>19</a:t>
+              <a:t>20</a:t>
             </a:fld>
             <a:endParaRPr kumimoji="1" lang="ja-JP" altLang="en-US"/>
           </a:p>
@@ -25341,148 +25553,6 @@
 </p:sld>
 </file>
 
-<file path=ppt/slides/slide21.xml><?xml version="1.0" encoding="utf-8"?>
-<p:sld xmlns:a="http://schemas.openxmlformats.org/drawingml/2006/main" xmlns:r="http://schemas.openxmlformats.org/officeDocument/2006/relationships" xmlns:p="http://schemas.openxmlformats.org/presentationml/2006/main">
-  <p:cSld>
-    <p:spTree>
-      <p:nvGrpSpPr>
-        <p:cNvPr id="1" name=""/>
-        <p:cNvGrpSpPr/>
-        <p:nvPr/>
-      </p:nvGrpSpPr>
-      <p:grpSpPr>
-        <a:xfrm>
-          <a:off x="0" y="0"/>
-          <a:ext cx="0" cy="0"/>
-          <a:chOff x="0" y="0"/>
-          <a:chExt cx="0" cy="0"/>
-        </a:xfrm>
-      </p:grpSpPr>
-      <p:sp>
-        <p:nvSpPr>
-          <p:cNvPr id="6" name="タイトル 5">
-            <a:extLst>
-              <a:ext uri="{FF2B5EF4-FFF2-40B4-BE49-F238E27FC236}">
-                <a16:creationId xmlns:a16="http://schemas.microsoft.com/office/drawing/2014/main" id="{56AA0D49-BC0A-8947-849A-944C6C23C473}"/>
-              </a:ext>
-            </a:extLst>
-          </p:cNvPr>
-          <p:cNvSpPr>
-            <a:spLocks noGrp="1"/>
-          </p:cNvSpPr>
-          <p:nvPr>
-            <p:ph type="title"/>
-          </p:nvPr>
-        </p:nvSpPr>
-        <p:spPr/>
-        <p:txBody>
-          <a:bodyPr/>
-          <a:lstStyle/>
-          <a:p>
-            <a:r>
-              <a:rPr lang="en-US" altLang="ja-JP" dirty="0"/>
-              <a:t>IDO Pool</a:t>
-            </a:r>
-            <a:endParaRPr lang="ja-JP" altLang="en-US"/>
-          </a:p>
-        </p:txBody>
-      </p:sp>
-      <p:sp>
-        <p:nvSpPr>
-          <p:cNvPr id="7" name="テキスト プレースホルダー 6">
-            <a:extLst>
-              <a:ext uri="{FF2B5EF4-FFF2-40B4-BE49-F238E27FC236}">
-                <a16:creationId xmlns:a16="http://schemas.microsoft.com/office/drawing/2014/main" id="{C06B7392-3295-0D4C-BDB5-BFCC92D9FBE9}"/>
-              </a:ext>
-            </a:extLst>
-          </p:cNvPr>
-          <p:cNvSpPr>
-            <a:spLocks noGrp="1"/>
-          </p:cNvSpPr>
-          <p:nvPr>
-            <p:ph type="body" idx="1"/>
-          </p:nvPr>
-        </p:nvSpPr>
-        <p:spPr/>
-        <p:txBody>
-          <a:bodyPr/>
-          <a:lstStyle/>
-          <a:p>
-            <a:endParaRPr lang="ja-JP" altLang="en-US"/>
-          </a:p>
-        </p:txBody>
-      </p:sp>
-      <p:sp>
-        <p:nvSpPr>
-          <p:cNvPr id="4" name="フッター プレースホルダー 3">
-            <a:extLst>
-              <a:ext uri="{FF2B5EF4-FFF2-40B4-BE49-F238E27FC236}">
-                <a16:creationId xmlns:a16="http://schemas.microsoft.com/office/drawing/2014/main" id="{03DDA0EC-0424-D44E-A2F2-30EFB2207FF1}"/>
-              </a:ext>
-            </a:extLst>
-          </p:cNvPr>
-          <p:cNvSpPr>
-            <a:spLocks noGrp="1"/>
-          </p:cNvSpPr>
-          <p:nvPr>
-            <p:ph type="ftr" sz="quarter" idx="11"/>
-          </p:nvPr>
-        </p:nvSpPr>
-        <p:spPr/>
-        <p:txBody>
-          <a:bodyPr/>
-          <a:lstStyle/>
-          <a:p>
-            <a:r>
-              <a:rPr kumimoji="1" lang="en-US" altLang="ja-JP"/>
-              <a:t>256hax</a:t>
-            </a:r>
-            <a:endParaRPr kumimoji="1" lang="ja-JP" altLang="en-US"/>
-          </a:p>
-        </p:txBody>
-      </p:sp>
-      <p:sp>
-        <p:nvSpPr>
-          <p:cNvPr id="5" name="スライド番号プレースホルダー 4">
-            <a:extLst>
-              <a:ext uri="{FF2B5EF4-FFF2-40B4-BE49-F238E27FC236}">
-                <a16:creationId xmlns:a16="http://schemas.microsoft.com/office/drawing/2014/main" id="{94CCCD99-BD8D-964F-99A9-262A5E9BBB71}"/>
-              </a:ext>
-            </a:extLst>
-          </p:cNvPr>
-          <p:cNvSpPr>
-            <a:spLocks noGrp="1"/>
-          </p:cNvSpPr>
-          <p:nvPr>
-            <p:ph type="sldNum" sz="quarter" idx="12"/>
-          </p:nvPr>
-        </p:nvSpPr>
-        <p:spPr/>
-        <p:txBody>
-          <a:bodyPr/>
-          <a:lstStyle/>
-          <a:p>
-            <a:fld id="{51BE5F08-58E8-9243-A834-2B76637F595D}" type="slidenum">
-              <a:rPr kumimoji="1" lang="ja-JP" altLang="en-US" smtClean="0"/>
-              <a:t>20</a:t>
-            </a:fld>
-            <a:endParaRPr kumimoji="1" lang="ja-JP" altLang="en-US"/>
-          </a:p>
-        </p:txBody>
-      </p:sp>
-    </p:spTree>
-    <p:extLst>
-      <p:ext uri="{BB962C8B-B14F-4D97-AF65-F5344CB8AC3E}">
-        <p14:creationId xmlns:p14="http://schemas.microsoft.com/office/powerpoint/2010/main" val="1785351712"/>
-      </p:ext>
-    </p:extLst>
-  </p:cSld>
-  <p:clrMapOvr>
-    <a:masterClrMapping/>
-  </p:clrMapOvr>
-</p:sld>
-</file>
-
 <file path=ppt/slides/slide22.xml><?xml version="1.0" encoding="utf-8"?>
 <p:sld xmlns:a="http://schemas.openxmlformats.org/drawingml/2006/main" xmlns:r="http://schemas.openxmlformats.org/officeDocument/2006/relationships" xmlns:p="http://schemas.openxmlformats.org/presentationml/2006/main">
   <p:cSld>
@@ -25502,10 +25572,10 @@
       </p:grpSpPr>
       <p:sp>
         <p:nvSpPr>
-          <p:cNvPr id="2" name="タイトル 1">
-            <a:extLst>
-              <a:ext uri="{FF2B5EF4-FFF2-40B4-BE49-F238E27FC236}">
-                <a16:creationId xmlns:a16="http://schemas.microsoft.com/office/drawing/2014/main" id="{14D718AF-909B-1E44-B488-AA99B5183839}"/>
+          <p:cNvPr id="6" name="タイトル 5">
+            <a:extLst>
+              <a:ext uri="{FF2B5EF4-FFF2-40B4-BE49-F238E27FC236}">
+                <a16:creationId xmlns:a16="http://schemas.microsoft.com/office/drawing/2014/main" id="{56AA0D49-BC0A-8947-849A-944C6C23C473}"/>
               </a:ext>
             </a:extLst>
           </p:cNvPr>
@@ -25521,7 +25591,36 @@
           <a:bodyPr/>
           <a:lstStyle/>
           <a:p>
-            <a:endParaRPr kumimoji="1" lang="ja-JP" altLang="en-US"/>
+            <a:r>
+              <a:rPr lang="en-US" altLang="ja-JP" dirty="0"/>
+              <a:t>IDO Pool</a:t>
+            </a:r>
+            <a:endParaRPr lang="ja-JP" altLang="en-US"/>
+          </a:p>
+        </p:txBody>
+      </p:sp>
+      <p:sp>
+        <p:nvSpPr>
+          <p:cNvPr id="7" name="テキスト プレースホルダー 6">
+            <a:extLst>
+              <a:ext uri="{FF2B5EF4-FFF2-40B4-BE49-F238E27FC236}">
+                <a16:creationId xmlns:a16="http://schemas.microsoft.com/office/drawing/2014/main" id="{C06B7392-3295-0D4C-BDB5-BFCC92D9FBE9}"/>
+              </a:ext>
+            </a:extLst>
+          </p:cNvPr>
+          <p:cNvSpPr>
+            <a:spLocks noGrp="1"/>
+          </p:cNvSpPr>
+          <p:nvPr>
+            <p:ph type="body" idx="1"/>
+          </p:nvPr>
+        </p:nvSpPr>
+        <p:spPr/>
+        <p:txBody>
+          <a:bodyPr/>
+          <a:lstStyle/>
+          <a:p>
+            <a:endParaRPr lang="ja-JP" altLang="en-US"/>
           </a:p>
         </p:txBody>
       </p:sp>
@@ -25530,7 +25629,7 @@
           <p:cNvPr id="4" name="フッター プレースホルダー 3">
             <a:extLst>
               <a:ext uri="{FF2B5EF4-FFF2-40B4-BE49-F238E27FC236}">
-                <a16:creationId xmlns:a16="http://schemas.microsoft.com/office/drawing/2014/main" id="{EA7575EF-74CF-AC47-8FBA-FB4C8BBBE74C}"/>
+                <a16:creationId xmlns:a16="http://schemas.microsoft.com/office/drawing/2014/main" id="{03DDA0EC-0424-D44E-A2F2-30EFB2207FF1}"/>
               </a:ext>
             </a:extLst>
           </p:cNvPr>
@@ -25547,7 +25646,7 @@
           <a:lstStyle/>
           <a:p>
             <a:r>
-              <a:rPr kumimoji="1" lang="en-US" altLang="ja-JP" dirty="0"/>
+              <a:rPr kumimoji="1" lang="en-US" altLang="ja-JP"/>
               <a:t>256hax</a:t>
             </a:r>
             <a:endParaRPr kumimoji="1" lang="ja-JP" altLang="en-US"/>
@@ -25559,7 +25658,7 @@
           <p:cNvPr id="5" name="スライド番号プレースホルダー 4">
             <a:extLst>
               <a:ext uri="{FF2B5EF4-FFF2-40B4-BE49-F238E27FC236}">
-                <a16:creationId xmlns:a16="http://schemas.microsoft.com/office/drawing/2014/main" id="{AA17AD0F-69D9-5143-9AD4-A79FA5C8EF8C}"/>
+                <a16:creationId xmlns:a16="http://schemas.microsoft.com/office/drawing/2014/main" id="{94CCCD99-BD8D-964F-99A9-262A5E9BBB71}"/>
               </a:ext>
             </a:extLst>
           </p:cNvPr>
@@ -25583,1144 +25682,10 @@
           </a:p>
         </p:txBody>
       </p:sp>
-      <p:sp>
-        <p:nvSpPr>
-          <p:cNvPr id="6" name="正方形/長方形 5">
-            <a:extLst>
-              <a:ext uri="{FF2B5EF4-FFF2-40B4-BE49-F238E27FC236}">
-                <a16:creationId xmlns:a16="http://schemas.microsoft.com/office/drawing/2014/main" id="{37F890C4-3E1D-7B46-91E8-1DAD03F6ABEE}"/>
-              </a:ext>
-            </a:extLst>
-          </p:cNvPr>
-          <p:cNvSpPr/>
-          <p:nvPr/>
-        </p:nvSpPr>
-        <p:spPr>
-          <a:xfrm>
-            <a:off x="838200" y="1796119"/>
-            <a:ext cx="1588911" cy="3739894"/>
-          </a:xfrm>
-          <a:prstGeom prst="rect">
-            <a:avLst/>
-          </a:prstGeom>
-          <a:noFill/>
-          <a:ln>
-            <a:solidFill>
-              <a:schemeClr val="tx1"/>
-            </a:solidFill>
-          </a:ln>
-        </p:spPr>
-        <p:style>
-          <a:lnRef idx="2">
-            <a:schemeClr val="accent1">
-              <a:shade val="50000"/>
-            </a:schemeClr>
-          </a:lnRef>
-          <a:fillRef idx="1">
-            <a:schemeClr val="accent1"/>
-          </a:fillRef>
-          <a:effectRef idx="0">
-            <a:schemeClr val="accent1"/>
-          </a:effectRef>
-          <a:fontRef idx="minor">
-            <a:schemeClr val="lt1"/>
-          </a:fontRef>
-        </p:style>
-        <p:txBody>
-          <a:bodyPr rtlCol="0" anchor="t"/>
-          <a:lstStyle/>
-          <a:p>
-            <a:r>
-              <a:rPr kumimoji="1" lang="en-US" altLang="ja-JP" sz="1200" b="1" dirty="0">
-                <a:solidFill>
-                  <a:schemeClr val="tx1"/>
-                </a:solidFill>
-              </a:rPr>
-              <a:t>User Account (Developer)</a:t>
-            </a:r>
-          </a:p>
-          <a:p>
-            <a:endParaRPr kumimoji="1" lang="en-US" altLang="ja-JP" sz="1200" dirty="0">
-              <a:solidFill>
-                <a:schemeClr val="tx1"/>
-              </a:solidFill>
-            </a:endParaRPr>
-          </a:p>
-        </p:txBody>
-      </p:sp>
-      <p:sp>
-        <p:nvSpPr>
-          <p:cNvPr id="7" name="正方形/長方形 6">
-            <a:extLst>
-              <a:ext uri="{FF2B5EF4-FFF2-40B4-BE49-F238E27FC236}">
-                <a16:creationId xmlns:a16="http://schemas.microsoft.com/office/drawing/2014/main" id="{54A56CC9-9ED4-E147-A978-5C5036C2A6F5}"/>
-              </a:ext>
-            </a:extLst>
-          </p:cNvPr>
-          <p:cNvSpPr/>
-          <p:nvPr/>
-        </p:nvSpPr>
-        <p:spPr>
-          <a:xfrm>
-            <a:off x="3050822" y="2304118"/>
-            <a:ext cx="1588911" cy="1260498"/>
-          </a:xfrm>
-          <a:prstGeom prst="rect">
-            <a:avLst/>
-          </a:prstGeom>
-          <a:noFill/>
-          <a:ln>
-            <a:solidFill>
-              <a:schemeClr val="tx1"/>
-            </a:solidFill>
-          </a:ln>
-        </p:spPr>
-        <p:style>
-          <a:lnRef idx="2">
-            <a:schemeClr val="accent1">
-              <a:shade val="50000"/>
-            </a:schemeClr>
-          </a:lnRef>
-          <a:fillRef idx="1">
-            <a:schemeClr val="accent1"/>
-          </a:fillRef>
-          <a:effectRef idx="0">
-            <a:schemeClr val="accent1"/>
-          </a:effectRef>
-          <a:fontRef idx="minor">
-            <a:schemeClr val="lt1"/>
-          </a:fontRef>
-        </p:style>
-        <p:txBody>
-          <a:bodyPr rtlCol="0" anchor="t"/>
-          <a:lstStyle/>
-          <a:p>
-            <a:r>
-              <a:rPr kumimoji="1" lang="en-US" altLang="ja-JP" sz="1200" b="1" dirty="0">
-                <a:solidFill>
-                  <a:schemeClr val="tx1"/>
-                </a:solidFill>
-              </a:rPr>
-              <a:t>User Token Account (Developer)</a:t>
-            </a:r>
-          </a:p>
-          <a:p>
-            <a:endParaRPr kumimoji="1" lang="en-US" altLang="ja-JP" sz="1200" dirty="0">
-              <a:solidFill>
-                <a:schemeClr val="tx1"/>
-              </a:solidFill>
-            </a:endParaRPr>
-          </a:p>
-          <a:p>
-            <a:r>
-              <a:rPr kumimoji="1" lang="en-US" altLang="ja-JP" sz="1200" dirty="0">
-                <a:solidFill>
-                  <a:schemeClr val="tx1"/>
-                </a:solidFill>
-              </a:rPr>
-              <a:t>USDC</a:t>
-            </a:r>
-          </a:p>
-          <a:p>
-            <a:endParaRPr kumimoji="1" lang="en-US" altLang="ja-JP" sz="1200" dirty="0">
-              <a:solidFill>
-                <a:schemeClr val="tx1"/>
-              </a:solidFill>
-            </a:endParaRPr>
-          </a:p>
-        </p:txBody>
-      </p:sp>
-      <p:sp>
-        <p:nvSpPr>
-          <p:cNvPr id="8" name="正方形/長方形 7">
-            <a:extLst>
-              <a:ext uri="{FF2B5EF4-FFF2-40B4-BE49-F238E27FC236}">
-                <a16:creationId xmlns:a16="http://schemas.microsoft.com/office/drawing/2014/main" id="{3A8AE5E3-7DCB-E34D-A4E2-E61A6CE992D0}"/>
-              </a:ext>
-            </a:extLst>
-          </p:cNvPr>
-          <p:cNvSpPr/>
-          <p:nvPr/>
-        </p:nvSpPr>
-        <p:spPr>
-          <a:xfrm>
-            <a:off x="3050822" y="3767522"/>
-            <a:ext cx="1588911" cy="1260498"/>
-          </a:xfrm>
-          <a:prstGeom prst="rect">
-            <a:avLst/>
-          </a:prstGeom>
-          <a:noFill/>
-          <a:ln>
-            <a:solidFill>
-              <a:schemeClr val="tx1"/>
-            </a:solidFill>
-          </a:ln>
-        </p:spPr>
-        <p:style>
-          <a:lnRef idx="2">
-            <a:schemeClr val="accent1">
-              <a:shade val="50000"/>
-            </a:schemeClr>
-          </a:lnRef>
-          <a:fillRef idx="1">
-            <a:schemeClr val="accent1"/>
-          </a:fillRef>
-          <a:effectRef idx="0">
-            <a:schemeClr val="accent1"/>
-          </a:effectRef>
-          <a:fontRef idx="minor">
-            <a:schemeClr val="lt1"/>
-          </a:fontRef>
-        </p:style>
-        <p:txBody>
-          <a:bodyPr rtlCol="0" anchor="t"/>
-          <a:lstStyle/>
-          <a:p>
-            <a:r>
-              <a:rPr kumimoji="1" lang="en-US" altLang="ja-JP" sz="1200" b="1" dirty="0">
-                <a:solidFill>
-                  <a:schemeClr val="tx1"/>
-                </a:solidFill>
-              </a:rPr>
-              <a:t>User Token Account (Developer)</a:t>
-            </a:r>
-          </a:p>
-          <a:p>
-            <a:endParaRPr kumimoji="1" lang="en-US" altLang="ja-JP" sz="1200" dirty="0">
-              <a:solidFill>
-                <a:schemeClr val="tx1"/>
-              </a:solidFill>
-            </a:endParaRPr>
-          </a:p>
-          <a:p>
-            <a:r>
-              <a:rPr kumimoji="1" lang="en-US" altLang="ja-JP" sz="1200" dirty="0">
-                <a:solidFill>
-                  <a:schemeClr val="tx1"/>
-                </a:solidFill>
-              </a:rPr>
-              <a:t>Watermelon</a:t>
-            </a:r>
-          </a:p>
-          <a:p>
-            <a:endParaRPr kumimoji="1" lang="en-US" altLang="ja-JP" sz="1200" dirty="0">
-              <a:solidFill>
-                <a:schemeClr val="tx1"/>
-              </a:solidFill>
-            </a:endParaRPr>
-          </a:p>
-        </p:txBody>
-      </p:sp>
-      <p:sp>
-        <p:nvSpPr>
-          <p:cNvPr id="9" name="正方形/長方形 8">
-            <a:extLst>
-              <a:ext uri="{FF2B5EF4-FFF2-40B4-BE49-F238E27FC236}">
-                <a16:creationId xmlns:a16="http://schemas.microsoft.com/office/drawing/2014/main" id="{A8078DBE-3B64-0C45-91A6-271B0DFA5F16}"/>
-              </a:ext>
-            </a:extLst>
-          </p:cNvPr>
-          <p:cNvSpPr/>
-          <p:nvPr/>
-        </p:nvSpPr>
-        <p:spPr>
-          <a:xfrm>
-            <a:off x="5259247" y="1796118"/>
-            <a:ext cx="1588911" cy="1730657"/>
-          </a:xfrm>
-          <a:prstGeom prst="rect">
-            <a:avLst/>
-          </a:prstGeom>
-          <a:noFill/>
-          <a:ln>
-            <a:solidFill>
-              <a:schemeClr val="tx1"/>
-            </a:solidFill>
-          </a:ln>
-        </p:spPr>
-        <p:style>
-          <a:lnRef idx="2">
-            <a:schemeClr val="accent1">
-              <a:shade val="50000"/>
-            </a:schemeClr>
-          </a:lnRef>
-          <a:fillRef idx="1">
-            <a:schemeClr val="accent1"/>
-          </a:fillRef>
-          <a:effectRef idx="0">
-            <a:schemeClr val="accent1"/>
-          </a:effectRef>
-          <a:fontRef idx="minor">
-            <a:schemeClr val="lt1"/>
-          </a:fontRef>
-        </p:style>
-        <p:txBody>
-          <a:bodyPr rtlCol="0" anchor="t"/>
-          <a:lstStyle/>
-          <a:p>
-            <a:r>
-              <a:rPr kumimoji="1" lang="en-US" altLang="ja-JP" sz="1200" b="1" dirty="0">
-                <a:solidFill>
-                  <a:schemeClr val="tx1"/>
-                </a:solidFill>
-              </a:rPr>
-              <a:t>User Token Account (Developer)</a:t>
-            </a:r>
-          </a:p>
-          <a:p>
-            <a:endParaRPr kumimoji="1" lang="en-US" altLang="ja-JP" sz="1200" dirty="0">
-              <a:solidFill>
-                <a:schemeClr val="tx1"/>
-              </a:solidFill>
-            </a:endParaRPr>
-          </a:p>
-          <a:p>
-            <a:r>
-              <a:rPr kumimoji="1" lang="en-US" altLang="ja-JP" sz="1200" dirty="0">
-                <a:solidFill>
-                  <a:schemeClr val="tx1"/>
-                </a:solidFill>
-              </a:rPr>
-              <a:t>USDC IDO Pool</a:t>
-            </a:r>
-          </a:p>
-        </p:txBody>
-      </p:sp>
-      <p:sp>
-        <p:nvSpPr>
-          <p:cNvPr id="10" name="正方形/長方形 9">
-            <a:extLst>
-              <a:ext uri="{FF2B5EF4-FFF2-40B4-BE49-F238E27FC236}">
-                <a16:creationId xmlns:a16="http://schemas.microsoft.com/office/drawing/2014/main" id="{11FD34B6-F92E-8B4A-B13F-47AEAF1DE691}"/>
-              </a:ext>
-            </a:extLst>
-          </p:cNvPr>
-          <p:cNvSpPr/>
-          <p:nvPr/>
-        </p:nvSpPr>
-        <p:spPr>
-          <a:xfrm>
-            <a:off x="5259247" y="3805363"/>
-            <a:ext cx="1588911" cy="1730657"/>
-          </a:xfrm>
-          <a:prstGeom prst="rect">
-            <a:avLst/>
-          </a:prstGeom>
-          <a:noFill/>
-          <a:ln>
-            <a:solidFill>
-              <a:schemeClr val="tx1"/>
-            </a:solidFill>
-          </a:ln>
-        </p:spPr>
-        <p:style>
-          <a:lnRef idx="2">
-            <a:schemeClr val="accent1">
-              <a:shade val="50000"/>
-            </a:schemeClr>
-          </a:lnRef>
-          <a:fillRef idx="1">
-            <a:schemeClr val="accent1"/>
-          </a:fillRef>
-          <a:effectRef idx="0">
-            <a:schemeClr val="accent1"/>
-          </a:effectRef>
-          <a:fontRef idx="minor">
-            <a:schemeClr val="lt1"/>
-          </a:fontRef>
-        </p:style>
-        <p:txBody>
-          <a:bodyPr rtlCol="0" anchor="t"/>
-          <a:lstStyle/>
-          <a:p>
-            <a:r>
-              <a:rPr kumimoji="1" lang="en-US" altLang="ja-JP" sz="1200" b="1" dirty="0">
-                <a:solidFill>
-                  <a:schemeClr val="tx1"/>
-                </a:solidFill>
-              </a:rPr>
-              <a:t>User Token Account (Developer)</a:t>
-            </a:r>
-          </a:p>
-          <a:p>
-            <a:endParaRPr kumimoji="1" lang="en-US" altLang="ja-JP" sz="1200" dirty="0">
-              <a:solidFill>
-                <a:schemeClr val="tx1"/>
-              </a:solidFill>
-            </a:endParaRPr>
-          </a:p>
-          <a:p>
-            <a:r>
-              <a:rPr kumimoji="1" lang="en-US" altLang="ja-JP" sz="1200" dirty="0">
-                <a:solidFill>
-                  <a:schemeClr val="tx1"/>
-                </a:solidFill>
-              </a:rPr>
-              <a:t>Watermelon IDO Pool</a:t>
-            </a:r>
-          </a:p>
-          <a:p>
-            <a:endParaRPr kumimoji="1" lang="en-US" altLang="ja-JP" sz="1200" dirty="0">
-              <a:solidFill>
-                <a:schemeClr val="tx1"/>
-              </a:solidFill>
-            </a:endParaRPr>
-          </a:p>
-        </p:txBody>
-      </p:sp>
-      <p:sp>
-        <p:nvSpPr>
-          <p:cNvPr id="11" name="正方形/長方形 10">
-            <a:extLst>
-              <a:ext uri="{FF2B5EF4-FFF2-40B4-BE49-F238E27FC236}">
-                <a16:creationId xmlns:a16="http://schemas.microsoft.com/office/drawing/2014/main" id="{2C4106FB-E691-E848-8805-6415D89FDFF6}"/>
-              </a:ext>
-            </a:extLst>
-          </p:cNvPr>
-          <p:cNvSpPr/>
-          <p:nvPr/>
-        </p:nvSpPr>
-        <p:spPr>
-          <a:xfrm>
-            <a:off x="7467672" y="2304118"/>
-            <a:ext cx="1588911" cy="1260498"/>
-          </a:xfrm>
-          <a:prstGeom prst="rect">
-            <a:avLst/>
-          </a:prstGeom>
-          <a:noFill/>
-          <a:ln>
-            <a:solidFill>
-              <a:schemeClr val="tx1"/>
-            </a:solidFill>
-          </a:ln>
-        </p:spPr>
-        <p:style>
-          <a:lnRef idx="2">
-            <a:schemeClr val="accent1">
-              <a:shade val="50000"/>
-            </a:schemeClr>
-          </a:lnRef>
-          <a:fillRef idx="1">
-            <a:schemeClr val="accent1"/>
-          </a:fillRef>
-          <a:effectRef idx="0">
-            <a:schemeClr val="accent1"/>
-          </a:effectRef>
-          <a:fontRef idx="minor">
-            <a:schemeClr val="lt1"/>
-          </a:fontRef>
-        </p:style>
-        <p:txBody>
-          <a:bodyPr rtlCol="0" anchor="t"/>
-          <a:lstStyle/>
-          <a:p>
-            <a:r>
-              <a:rPr kumimoji="1" lang="en-US" altLang="ja-JP" sz="1200" b="1" dirty="0">
-                <a:solidFill>
-                  <a:schemeClr val="tx1"/>
-                </a:solidFill>
-              </a:rPr>
-              <a:t>User Token Account (Consumer)</a:t>
-            </a:r>
-          </a:p>
-          <a:p>
-            <a:endParaRPr kumimoji="1" lang="en-US" altLang="ja-JP" sz="1200" dirty="0">
-              <a:solidFill>
-                <a:schemeClr val="tx1"/>
-              </a:solidFill>
-            </a:endParaRPr>
-          </a:p>
-          <a:p>
-            <a:r>
-              <a:rPr kumimoji="1" lang="en-US" altLang="ja-JP" sz="1200" dirty="0">
-                <a:solidFill>
-                  <a:schemeClr val="tx1"/>
-                </a:solidFill>
-              </a:rPr>
-              <a:t>USDC</a:t>
-            </a:r>
-          </a:p>
-          <a:p>
-            <a:endParaRPr kumimoji="1" lang="en-US" altLang="ja-JP" sz="1200" dirty="0">
-              <a:solidFill>
-                <a:schemeClr val="tx1"/>
-              </a:solidFill>
-            </a:endParaRPr>
-          </a:p>
-        </p:txBody>
-      </p:sp>
-      <p:sp>
-        <p:nvSpPr>
-          <p:cNvPr id="12" name="正方形/長方形 11">
-            <a:extLst>
-              <a:ext uri="{FF2B5EF4-FFF2-40B4-BE49-F238E27FC236}">
-                <a16:creationId xmlns:a16="http://schemas.microsoft.com/office/drawing/2014/main" id="{8E18AA63-E88C-3147-9BCA-B0EEBA7F57D8}"/>
-              </a:ext>
-            </a:extLst>
-          </p:cNvPr>
-          <p:cNvSpPr/>
-          <p:nvPr/>
-        </p:nvSpPr>
-        <p:spPr>
-          <a:xfrm>
-            <a:off x="7467672" y="3767522"/>
-            <a:ext cx="1588911" cy="1260498"/>
-          </a:xfrm>
-          <a:prstGeom prst="rect">
-            <a:avLst/>
-          </a:prstGeom>
-          <a:noFill/>
-          <a:ln>
-            <a:solidFill>
-              <a:schemeClr val="tx1"/>
-            </a:solidFill>
-          </a:ln>
-        </p:spPr>
-        <p:style>
-          <a:lnRef idx="2">
-            <a:schemeClr val="accent1">
-              <a:shade val="50000"/>
-            </a:schemeClr>
-          </a:lnRef>
-          <a:fillRef idx="1">
-            <a:schemeClr val="accent1"/>
-          </a:fillRef>
-          <a:effectRef idx="0">
-            <a:schemeClr val="accent1"/>
-          </a:effectRef>
-          <a:fontRef idx="minor">
-            <a:schemeClr val="lt1"/>
-          </a:fontRef>
-        </p:style>
-        <p:txBody>
-          <a:bodyPr rtlCol="0" anchor="t"/>
-          <a:lstStyle/>
-          <a:p>
-            <a:r>
-              <a:rPr kumimoji="1" lang="en-US" altLang="ja-JP" sz="1200" b="1" dirty="0">
-                <a:solidFill>
-                  <a:schemeClr val="tx1"/>
-                </a:solidFill>
-              </a:rPr>
-              <a:t>User Token Account (Consumer)</a:t>
-            </a:r>
-          </a:p>
-          <a:p>
-            <a:endParaRPr kumimoji="1" lang="en-US" altLang="ja-JP" sz="1200" dirty="0">
-              <a:solidFill>
-                <a:schemeClr val="tx1"/>
-              </a:solidFill>
-            </a:endParaRPr>
-          </a:p>
-          <a:p>
-            <a:r>
-              <a:rPr kumimoji="1" lang="en-US" altLang="ja-JP" sz="1200" dirty="0">
-                <a:solidFill>
-                  <a:schemeClr val="tx1"/>
-                </a:solidFill>
-              </a:rPr>
-              <a:t>Watermelon</a:t>
-            </a:r>
-          </a:p>
-          <a:p>
-            <a:endParaRPr kumimoji="1" lang="en-US" altLang="ja-JP" sz="1200" dirty="0">
-              <a:solidFill>
-                <a:schemeClr val="tx1"/>
-              </a:solidFill>
-            </a:endParaRPr>
-          </a:p>
-        </p:txBody>
-      </p:sp>
-      <p:sp>
-        <p:nvSpPr>
-          <p:cNvPr id="13" name="正方形/長方形 12">
-            <a:extLst>
-              <a:ext uri="{FF2B5EF4-FFF2-40B4-BE49-F238E27FC236}">
-                <a16:creationId xmlns:a16="http://schemas.microsoft.com/office/drawing/2014/main" id="{117535CF-0C0D-794A-9DC6-09DB628F0608}"/>
-              </a:ext>
-            </a:extLst>
-          </p:cNvPr>
-          <p:cNvSpPr/>
-          <p:nvPr/>
-        </p:nvSpPr>
-        <p:spPr>
-          <a:xfrm>
-            <a:off x="9676097" y="2304118"/>
-            <a:ext cx="1588911" cy="2723902"/>
-          </a:xfrm>
-          <a:prstGeom prst="rect">
-            <a:avLst/>
-          </a:prstGeom>
-          <a:noFill/>
-          <a:ln>
-            <a:solidFill>
-              <a:schemeClr val="tx1"/>
-            </a:solidFill>
-          </a:ln>
-        </p:spPr>
-        <p:style>
-          <a:lnRef idx="2">
-            <a:schemeClr val="accent1">
-              <a:shade val="50000"/>
-            </a:schemeClr>
-          </a:lnRef>
-          <a:fillRef idx="1">
-            <a:schemeClr val="accent1"/>
-          </a:fillRef>
-          <a:effectRef idx="0">
-            <a:schemeClr val="accent1"/>
-          </a:effectRef>
-          <a:fontRef idx="minor">
-            <a:schemeClr val="lt1"/>
-          </a:fontRef>
-        </p:style>
-        <p:txBody>
-          <a:bodyPr rtlCol="0" anchor="t"/>
-          <a:lstStyle/>
-          <a:p>
-            <a:r>
-              <a:rPr kumimoji="1" lang="en-US" altLang="ja-JP" sz="1200" b="1" dirty="0">
-                <a:solidFill>
-                  <a:schemeClr val="tx1"/>
-                </a:solidFill>
-              </a:rPr>
-              <a:t>User Account (Consumer)</a:t>
-            </a:r>
-          </a:p>
-          <a:p>
-            <a:endParaRPr kumimoji="1" lang="en-US" altLang="ja-JP" sz="1200" dirty="0">
-              <a:solidFill>
-                <a:schemeClr val="tx1"/>
-              </a:solidFill>
-            </a:endParaRPr>
-          </a:p>
-        </p:txBody>
-      </p:sp>
-      <p:cxnSp>
-        <p:nvCxnSpPr>
-          <p:cNvPr id="14" name="直線コネクタ 13">
-            <a:extLst>
-              <a:ext uri="{FF2B5EF4-FFF2-40B4-BE49-F238E27FC236}">
-                <a16:creationId xmlns:a16="http://schemas.microsoft.com/office/drawing/2014/main" id="{0B2A20F8-60A9-9549-B3A3-2002F91B8504}"/>
-              </a:ext>
-            </a:extLst>
-          </p:cNvPr>
-          <p:cNvCxnSpPr>
-            <a:cxnSpLocks/>
-            <a:endCxn id="7" idx="1"/>
-          </p:cNvCxnSpPr>
-          <p:nvPr/>
-        </p:nvCxnSpPr>
-        <p:spPr>
-          <a:xfrm>
-            <a:off x="2427111" y="2934367"/>
-            <a:ext cx="623711" cy="0"/>
-          </a:xfrm>
-          <a:prstGeom prst="line">
-            <a:avLst/>
-          </a:prstGeom>
-          <a:ln w="9525">
-            <a:solidFill>
-              <a:schemeClr val="tx1"/>
-            </a:solidFill>
-            <a:headEnd type="oval"/>
-            <a:tailEnd type="oval"/>
-          </a:ln>
-        </p:spPr>
-        <p:style>
-          <a:lnRef idx="1">
-            <a:schemeClr val="accent1"/>
-          </a:lnRef>
-          <a:fillRef idx="0">
-            <a:schemeClr val="accent1"/>
-          </a:fillRef>
-          <a:effectRef idx="0">
-            <a:schemeClr val="accent1"/>
-          </a:effectRef>
-          <a:fontRef idx="minor">
-            <a:schemeClr val="tx1"/>
-          </a:fontRef>
-        </p:style>
-      </p:cxnSp>
-      <p:cxnSp>
-        <p:nvCxnSpPr>
-          <p:cNvPr id="17" name="直線コネクタ 16">
-            <a:extLst>
-              <a:ext uri="{FF2B5EF4-FFF2-40B4-BE49-F238E27FC236}">
-                <a16:creationId xmlns:a16="http://schemas.microsoft.com/office/drawing/2014/main" id="{A205DB15-5141-1C49-B93B-92058836BA27}"/>
-              </a:ext>
-            </a:extLst>
-          </p:cNvPr>
-          <p:cNvCxnSpPr>
-            <a:cxnSpLocks/>
-            <a:endCxn id="8" idx="1"/>
-          </p:cNvCxnSpPr>
-          <p:nvPr/>
-        </p:nvCxnSpPr>
-        <p:spPr>
-          <a:xfrm>
-            <a:off x="2427111" y="4397771"/>
-            <a:ext cx="623711" cy="0"/>
-          </a:xfrm>
-          <a:prstGeom prst="line">
-            <a:avLst/>
-          </a:prstGeom>
-          <a:ln w="9525">
-            <a:solidFill>
-              <a:schemeClr val="tx1"/>
-            </a:solidFill>
-            <a:headEnd type="oval"/>
-            <a:tailEnd type="oval"/>
-          </a:ln>
-        </p:spPr>
-        <p:style>
-          <a:lnRef idx="1">
-            <a:schemeClr val="accent1"/>
-          </a:lnRef>
-          <a:fillRef idx="0">
-            <a:schemeClr val="accent1"/>
-          </a:fillRef>
-          <a:effectRef idx="0">
-            <a:schemeClr val="accent1"/>
-          </a:effectRef>
-          <a:fontRef idx="minor">
-            <a:schemeClr val="tx1"/>
-          </a:fontRef>
-        </p:style>
-      </p:cxnSp>
-      <p:cxnSp>
-        <p:nvCxnSpPr>
-          <p:cNvPr id="20" name="直線コネクタ 19">
-            <a:extLst>
-              <a:ext uri="{FF2B5EF4-FFF2-40B4-BE49-F238E27FC236}">
-                <a16:creationId xmlns:a16="http://schemas.microsoft.com/office/drawing/2014/main" id="{BC0A0DB3-4A36-774B-9044-2CF1C5BE7680}"/>
-              </a:ext>
-            </a:extLst>
-          </p:cNvPr>
-          <p:cNvCxnSpPr>
-            <a:cxnSpLocks/>
-            <a:stCxn id="11" idx="3"/>
-          </p:cNvCxnSpPr>
-          <p:nvPr/>
-        </p:nvCxnSpPr>
-        <p:spPr>
-          <a:xfrm>
-            <a:off x="9056583" y="2934367"/>
-            <a:ext cx="619514" cy="0"/>
-          </a:xfrm>
-          <a:prstGeom prst="line">
-            <a:avLst/>
-          </a:prstGeom>
-          <a:ln w="9525">
-            <a:solidFill>
-              <a:schemeClr val="tx1"/>
-            </a:solidFill>
-            <a:headEnd type="oval"/>
-            <a:tailEnd type="oval"/>
-          </a:ln>
-        </p:spPr>
-        <p:style>
-          <a:lnRef idx="1">
-            <a:schemeClr val="accent1"/>
-          </a:lnRef>
-          <a:fillRef idx="0">
-            <a:schemeClr val="accent1"/>
-          </a:fillRef>
-          <a:effectRef idx="0">
-            <a:schemeClr val="accent1"/>
-          </a:effectRef>
-          <a:fontRef idx="minor">
-            <a:schemeClr val="tx1"/>
-          </a:fontRef>
-        </p:style>
-      </p:cxnSp>
-      <p:cxnSp>
-        <p:nvCxnSpPr>
-          <p:cNvPr id="21" name="直線コネクタ 20">
-            <a:extLst>
-              <a:ext uri="{FF2B5EF4-FFF2-40B4-BE49-F238E27FC236}">
-                <a16:creationId xmlns:a16="http://schemas.microsoft.com/office/drawing/2014/main" id="{BDB9F7C7-14DB-1744-9964-34F9928EE8BC}"/>
-              </a:ext>
-            </a:extLst>
-          </p:cNvPr>
-          <p:cNvCxnSpPr>
-            <a:cxnSpLocks/>
-            <a:stCxn id="12" idx="3"/>
-          </p:cNvCxnSpPr>
-          <p:nvPr/>
-        </p:nvCxnSpPr>
-        <p:spPr>
-          <a:xfrm>
-            <a:off x="9056583" y="4397771"/>
-            <a:ext cx="619514" cy="0"/>
-          </a:xfrm>
-          <a:prstGeom prst="line">
-            <a:avLst/>
-          </a:prstGeom>
-          <a:ln w="9525">
-            <a:solidFill>
-              <a:schemeClr val="tx1"/>
-            </a:solidFill>
-            <a:headEnd type="oval"/>
-            <a:tailEnd type="oval"/>
-          </a:ln>
-        </p:spPr>
-        <p:style>
-          <a:lnRef idx="1">
-            <a:schemeClr val="accent1"/>
-          </a:lnRef>
-          <a:fillRef idx="0">
-            <a:schemeClr val="accent1"/>
-          </a:fillRef>
-          <a:effectRef idx="0">
-            <a:schemeClr val="accent1"/>
-          </a:effectRef>
-          <a:fontRef idx="minor">
-            <a:schemeClr val="tx1"/>
-          </a:fontRef>
-        </p:style>
-      </p:cxnSp>
-      <p:cxnSp>
-        <p:nvCxnSpPr>
-          <p:cNvPr id="31" name="直線コネクタ 30">
-            <a:extLst>
-              <a:ext uri="{FF2B5EF4-FFF2-40B4-BE49-F238E27FC236}">
-                <a16:creationId xmlns:a16="http://schemas.microsoft.com/office/drawing/2014/main" id="{AD76F545-B5C2-B842-B6DF-C0C2CA249A1F}"/>
-              </a:ext>
-            </a:extLst>
-          </p:cNvPr>
-          <p:cNvCxnSpPr>
-            <a:cxnSpLocks/>
-          </p:cNvCxnSpPr>
-          <p:nvPr/>
-        </p:nvCxnSpPr>
-        <p:spPr>
-          <a:xfrm>
-            <a:off x="2427111" y="5300882"/>
-            <a:ext cx="2832136" cy="0"/>
-          </a:xfrm>
-          <a:prstGeom prst="line">
-            <a:avLst/>
-          </a:prstGeom>
-          <a:ln w="9525">
-            <a:solidFill>
-              <a:schemeClr val="tx1"/>
-            </a:solidFill>
-            <a:headEnd type="oval"/>
-            <a:tailEnd type="oval"/>
-          </a:ln>
-        </p:spPr>
-        <p:style>
-          <a:lnRef idx="1">
-            <a:schemeClr val="accent1"/>
-          </a:lnRef>
-          <a:fillRef idx="0">
-            <a:schemeClr val="accent1"/>
-          </a:fillRef>
-          <a:effectRef idx="0">
-            <a:schemeClr val="accent1"/>
-          </a:effectRef>
-          <a:fontRef idx="minor">
-            <a:schemeClr val="tx1"/>
-          </a:fontRef>
-        </p:style>
-      </p:cxnSp>
-      <p:cxnSp>
-        <p:nvCxnSpPr>
-          <p:cNvPr id="33" name="直線コネクタ 32">
-            <a:extLst>
-              <a:ext uri="{FF2B5EF4-FFF2-40B4-BE49-F238E27FC236}">
-                <a16:creationId xmlns:a16="http://schemas.microsoft.com/office/drawing/2014/main" id="{10EC30A8-57BB-7740-A21F-D3AC6AD8AE8E}"/>
-              </a:ext>
-            </a:extLst>
-          </p:cNvPr>
-          <p:cNvCxnSpPr>
-            <a:cxnSpLocks/>
-          </p:cNvCxnSpPr>
-          <p:nvPr/>
-        </p:nvCxnSpPr>
-        <p:spPr>
-          <a:xfrm>
-            <a:off x="2427111" y="2027104"/>
-            <a:ext cx="2832136" cy="0"/>
-          </a:xfrm>
-          <a:prstGeom prst="line">
-            <a:avLst/>
-          </a:prstGeom>
-          <a:ln w="9525">
-            <a:solidFill>
-              <a:schemeClr val="tx1"/>
-            </a:solidFill>
-            <a:headEnd type="oval"/>
-            <a:tailEnd type="oval"/>
-          </a:ln>
-        </p:spPr>
-        <p:style>
-          <a:lnRef idx="1">
-            <a:schemeClr val="accent1"/>
-          </a:lnRef>
-          <a:fillRef idx="0">
-            <a:schemeClr val="accent1"/>
-          </a:fillRef>
-          <a:effectRef idx="0">
-            <a:schemeClr val="accent1"/>
-          </a:effectRef>
-          <a:fontRef idx="minor">
-            <a:schemeClr val="tx1"/>
-          </a:fontRef>
-        </p:style>
-      </p:cxnSp>
-      <p:cxnSp>
-        <p:nvCxnSpPr>
-          <p:cNvPr id="34" name="直線矢印コネクタ 33">
-            <a:extLst>
-              <a:ext uri="{FF2B5EF4-FFF2-40B4-BE49-F238E27FC236}">
-                <a16:creationId xmlns:a16="http://schemas.microsoft.com/office/drawing/2014/main" id="{F9B0F6CC-42DA-4040-96DB-72D3AAB9DACB}"/>
-              </a:ext>
-            </a:extLst>
-          </p:cNvPr>
-          <p:cNvCxnSpPr>
-            <a:cxnSpLocks/>
-          </p:cNvCxnSpPr>
-          <p:nvPr/>
-        </p:nvCxnSpPr>
-        <p:spPr>
-          <a:xfrm flipH="1">
-            <a:off x="6848158" y="2934367"/>
-            <a:ext cx="619514" cy="0"/>
-          </a:xfrm>
-          <a:prstGeom prst="straightConnector1">
-            <a:avLst/>
-          </a:prstGeom>
-          <a:ln w="9525">
-            <a:solidFill>
-              <a:schemeClr val="tx1"/>
-            </a:solidFill>
-            <a:tailEnd type="arrow"/>
-          </a:ln>
-        </p:spPr>
-        <p:style>
-          <a:lnRef idx="1">
-            <a:schemeClr val="accent1"/>
-          </a:lnRef>
-          <a:fillRef idx="0">
-            <a:schemeClr val="accent1"/>
-          </a:fillRef>
-          <a:effectRef idx="0">
-            <a:schemeClr val="accent1"/>
-          </a:effectRef>
-          <a:fontRef idx="minor">
-            <a:schemeClr val="tx1"/>
-          </a:fontRef>
-        </p:style>
-      </p:cxnSp>
-      <p:cxnSp>
-        <p:nvCxnSpPr>
-          <p:cNvPr id="41" name="直線矢印コネクタ 40">
-            <a:extLst>
-              <a:ext uri="{FF2B5EF4-FFF2-40B4-BE49-F238E27FC236}">
-                <a16:creationId xmlns:a16="http://schemas.microsoft.com/office/drawing/2014/main" id="{604C58BD-8615-0D4D-A4F1-A73222DF21AB}"/>
-              </a:ext>
-            </a:extLst>
-          </p:cNvPr>
-          <p:cNvCxnSpPr>
-            <a:cxnSpLocks/>
-          </p:cNvCxnSpPr>
-          <p:nvPr/>
-        </p:nvCxnSpPr>
-        <p:spPr>
-          <a:xfrm>
-            <a:off x="4639733" y="2934367"/>
-            <a:ext cx="619514" cy="0"/>
-          </a:xfrm>
-          <a:prstGeom prst="straightConnector1">
-            <a:avLst/>
-          </a:prstGeom>
-          <a:ln w="9525">
-            <a:solidFill>
-              <a:schemeClr val="tx1"/>
-            </a:solidFill>
-            <a:tailEnd type="arrow"/>
-          </a:ln>
-        </p:spPr>
-        <p:style>
-          <a:lnRef idx="1">
-            <a:schemeClr val="accent1"/>
-          </a:lnRef>
-          <a:fillRef idx="0">
-            <a:schemeClr val="accent1"/>
-          </a:fillRef>
-          <a:effectRef idx="0">
-            <a:schemeClr val="accent1"/>
-          </a:effectRef>
-          <a:fontRef idx="minor">
-            <a:schemeClr val="tx1"/>
-          </a:fontRef>
-        </p:style>
-      </p:cxnSp>
-      <p:cxnSp>
-        <p:nvCxnSpPr>
-          <p:cNvPr id="42" name="直線矢印コネクタ 41">
-            <a:extLst>
-              <a:ext uri="{FF2B5EF4-FFF2-40B4-BE49-F238E27FC236}">
-                <a16:creationId xmlns:a16="http://schemas.microsoft.com/office/drawing/2014/main" id="{9447CB97-19EA-D84D-8293-F456206EE845}"/>
-              </a:ext>
-            </a:extLst>
-          </p:cNvPr>
-          <p:cNvCxnSpPr>
-            <a:cxnSpLocks/>
-          </p:cNvCxnSpPr>
-          <p:nvPr/>
-        </p:nvCxnSpPr>
-        <p:spPr>
-          <a:xfrm>
-            <a:off x="4639733" y="4404164"/>
-            <a:ext cx="619514" cy="0"/>
-          </a:xfrm>
-          <a:prstGeom prst="straightConnector1">
-            <a:avLst/>
-          </a:prstGeom>
-          <a:ln w="9525">
-            <a:solidFill>
-              <a:schemeClr val="tx1"/>
-            </a:solidFill>
-            <a:tailEnd type="arrow"/>
-          </a:ln>
-        </p:spPr>
-        <p:style>
-          <a:lnRef idx="1">
-            <a:schemeClr val="accent1"/>
-          </a:lnRef>
-          <a:fillRef idx="0">
-            <a:schemeClr val="accent1"/>
-          </a:fillRef>
-          <a:effectRef idx="0">
-            <a:schemeClr val="accent1"/>
-          </a:effectRef>
-          <a:fontRef idx="minor">
-            <a:schemeClr val="tx1"/>
-          </a:fontRef>
-        </p:style>
-      </p:cxnSp>
-      <p:cxnSp>
-        <p:nvCxnSpPr>
-          <p:cNvPr id="44" name="直線矢印コネクタ 43">
-            <a:extLst>
-              <a:ext uri="{FF2B5EF4-FFF2-40B4-BE49-F238E27FC236}">
-                <a16:creationId xmlns:a16="http://schemas.microsoft.com/office/drawing/2014/main" id="{B6A6E3BE-66BE-2E4C-97AE-B5E17A12A55F}"/>
-              </a:ext>
-            </a:extLst>
-          </p:cNvPr>
-          <p:cNvCxnSpPr>
-            <a:cxnSpLocks/>
-          </p:cNvCxnSpPr>
-          <p:nvPr/>
-        </p:nvCxnSpPr>
-        <p:spPr>
-          <a:xfrm flipH="1">
-            <a:off x="6848158" y="4380842"/>
-            <a:ext cx="619514" cy="0"/>
-          </a:xfrm>
-          <a:prstGeom prst="straightConnector1">
-            <a:avLst/>
-          </a:prstGeom>
-          <a:ln w="9525">
-            <a:solidFill>
-              <a:schemeClr val="tx1"/>
-            </a:solidFill>
-            <a:tailEnd type="arrow"/>
-          </a:ln>
-        </p:spPr>
-        <p:style>
-          <a:lnRef idx="1">
-            <a:schemeClr val="accent1"/>
-          </a:lnRef>
-          <a:fillRef idx="0">
-            <a:schemeClr val="accent1"/>
-          </a:fillRef>
-          <a:effectRef idx="0">
-            <a:schemeClr val="accent1"/>
-          </a:effectRef>
-          <a:fontRef idx="minor">
-            <a:schemeClr val="tx1"/>
-          </a:fontRef>
-        </p:style>
-      </p:cxnSp>
-      <p:sp>
-        <p:nvSpPr>
-          <p:cNvPr id="3" name="正方形/長方形 2">
-            <a:extLst>
-              <a:ext uri="{FF2B5EF4-FFF2-40B4-BE49-F238E27FC236}">
-                <a16:creationId xmlns:a16="http://schemas.microsoft.com/office/drawing/2014/main" id="{C5E75BA0-6C40-F843-9C74-6D20A6A0084E}"/>
-              </a:ext>
-            </a:extLst>
-          </p:cNvPr>
-          <p:cNvSpPr/>
-          <p:nvPr/>
-        </p:nvSpPr>
-        <p:spPr>
-          <a:xfrm rot="1725816">
-            <a:off x="2240446" y="2950520"/>
-            <a:ext cx="8028248" cy="365126"/>
-          </a:xfrm>
-          <a:prstGeom prst="rect">
-            <a:avLst/>
-          </a:prstGeom>
-          <a:solidFill>
-            <a:schemeClr val="accent4">
-              <a:lumMod val="20000"/>
-              <a:lumOff val="80000"/>
-            </a:schemeClr>
-          </a:solidFill>
-          <a:ln>
-            <a:solidFill>
-              <a:schemeClr val="tx1"/>
-            </a:solidFill>
-          </a:ln>
-        </p:spPr>
-        <p:style>
-          <a:lnRef idx="2">
-            <a:schemeClr val="accent1">
-              <a:shade val="50000"/>
-            </a:schemeClr>
-          </a:lnRef>
-          <a:fillRef idx="1">
-            <a:schemeClr val="accent1"/>
-          </a:fillRef>
-          <a:effectRef idx="0">
-            <a:schemeClr val="accent1"/>
-          </a:effectRef>
-          <a:fontRef idx="minor">
-            <a:schemeClr val="lt1"/>
-          </a:fontRef>
-        </p:style>
-        <p:txBody>
-          <a:bodyPr rtlCol="0" anchor="ctr"/>
-          <a:lstStyle/>
-          <a:p>
-            <a:pPr algn="ctr"/>
-            <a:r>
-              <a:rPr kumimoji="1" lang="en-US" altLang="ja-JP" sz="1600" dirty="0">
-                <a:solidFill>
-                  <a:schemeClr val="tx1"/>
-                </a:solidFill>
-              </a:rPr>
-              <a:t>WIP</a:t>
-            </a:r>
-            <a:endParaRPr kumimoji="1" lang="ja-JP" altLang="en-US" sz="1600">
-              <a:solidFill>
-                <a:schemeClr val="tx1"/>
-              </a:solidFill>
-            </a:endParaRPr>
-          </a:p>
-        </p:txBody>
-      </p:sp>
     </p:spTree>
     <p:extLst>
       <p:ext uri="{BB962C8B-B14F-4D97-AF65-F5344CB8AC3E}">
-        <p14:creationId xmlns:p14="http://schemas.microsoft.com/office/powerpoint/2010/main" val="2697485440"/>
+        <p14:creationId xmlns:p14="http://schemas.microsoft.com/office/powerpoint/2010/main" val="1785351712"/>
       </p:ext>
     </p:extLst>
   </p:cSld>
@@ -26752,7 +25717,7 @@
           <p:cNvPr id="2" name="タイトル 1">
             <a:extLst>
               <a:ext uri="{FF2B5EF4-FFF2-40B4-BE49-F238E27FC236}">
-                <a16:creationId xmlns:a16="http://schemas.microsoft.com/office/drawing/2014/main" id="{7F8827C3-0CA9-1140-B93B-64711762EC70}"/>
+                <a16:creationId xmlns:a16="http://schemas.microsoft.com/office/drawing/2014/main" id="{14D718AF-909B-1E44-B488-AA99B5183839}"/>
               </a:ext>
             </a:extLst>
           </p:cNvPr>
@@ -26768,6 +25733,1253 @@
           <a:bodyPr/>
           <a:lstStyle/>
           <a:p>
+            <a:endParaRPr kumimoji="1" lang="ja-JP" altLang="en-US"/>
+          </a:p>
+        </p:txBody>
+      </p:sp>
+      <p:sp>
+        <p:nvSpPr>
+          <p:cNvPr id="4" name="フッター プレースホルダー 3">
+            <a:extLst>
+              <a:ext uri="{FF2B5EF4-FFF2-40B4-BE49-F238E27FC236}">
+                <a16:creationId xmlns:a16="http://schemas.microsoft.com/office/drawing/2014/main" id="{EA7575EF-74CF-AC47-8FBA-FB4C8BBBE74C}"/>
+              </a:ext>
+            </a:extLst>
+          </p:cNvPr>
+          <p:cNvSpPr>
+            <a:spLocks noGrp="1"/>
+          </p:cNvSpPr>
+          <p:nvPr>
+            <p:ph type="ftr" sz="quarter" idx="11"/>
+          </p:nvPr>
+        </p:nvSpPr>
+        <p:spPr/>
+        <p:txBody>
+          <a:bodyPr/>
+          <a:lstStyle/>
+          <a:p>
+            <a:r>
+              <a:rPr kumimoji="1" lang="en-US" altLang="ja-JP" dirty="0"/>
+              <a:t>256hax</a:t>
+            </a:r>
+            <a:endParaRPr kumimoji="1" lang="ja-JP" altLang="en-US"/>
+          </a:p>
+        </p:txBody>
+      </p:sp>
+      <p:sp>
+        <p:nvSpPr>
+          <p:cNvPr id="5" name="スライド番号プレースホルダー 4">
+            <a:extLst>
+              <a:ext uri="{FF2B5EF4-FFF2-40B4-BE49-F238E27FC236}">
+                <a16:creationId xmlns:a16="http://schemas.microsoft.com/office/drawing/2014/main" id="{AA17AD0F-69D9-5143-9AD4-A79FA5C8EF8C}"/>
+              </a:ext>
+            </a:extLst>
+          </p:cNvPr>
+          <p:cNvSpPr>
+            <a:spLocks noGrp="1"/>
+          </p:cNvSpPr>
+          <p:nvPr>
+            <p:ph type="sldNum" sz="quarter" idx="12"/>
+          </p:nvPr>
+        </p:nvSpPr>
+        <p:spPr/>
+        <p:txBody>
+          <a:bodyPr/>
+          <a:lstStyle/>
+          <a:p>
+            <a:fld id="{51BE5F08-58E8-9243-A834-2B76637F595D}" type="slidenum">
+              <a:rPr kumimoji="1" lang="ja-JP" altLang="en-US" smtClean="0"/>
+              <a:t>22</a:t>
+            </a:fld>
+            <a:endParaRPr kumimoji="1" lang="ja-JP" altLang="en-US"/>
+          </a:p>
+        </p:txBody>
+      </p:sp>
+      <p:sp>
+        <p:nvSpPr>
+          <p:cNvPr id="6" name="正方形/長方形 5">
+            <a:extLst>
+              <a:ext uri="{FF2B5EF4-FFF2-40B4-BE49-F238E27FC236}">
+                <a16:creationId xmlns:a16="http://schemas.microsoft.com/office/drawing/2014/main" id="{37F890C4-3E1D-7B46-91E8-1DAD03F6ABEE}"/>
+              </a:ext>
+            </a:extLst>
+          </p:cNvPr>
+          <p:cNvSpPr/>
+          <p:nvPr/>
+        </p:nvSpPr>
+        <p:spPr>
+          <a:xfrm>
+            <a:off x="838200" y="1796119"/>
+            <a:ext cx="1588911" cy="3739894"/>
+          </a:xfrm>
+          <a:prstGeom prst="rect">
+            <a:avLst/>
+          </a:prstGeom>
+          <a:noFill/>
+          <a:ln>
+            <a:solidFill>
+              <a:schemeClr val="tx1"/>
+            </a:solidFill>
+          </a:ln>
+        </p:spPr>
+        <p:style>
+          <a:lnRef idx="2">
+            <a:schemeClr val="accent1">
+              <a:shade val="50000"/>
+            </a:schemeClr>
+          </a:lnRef>
+          <a:fillRef idx="1">
+            <a:schemeClr val="accent1"/>
+          </a:fillRef>
+          <a:effectRef idx="0">
+            <a:schemeClr val="accent1"/>
+          </a:effectRef>
+          <a:fontRef idx="minor">
+            <a:schemeClr val="lt1"/>
+          </a:fontRef>
+        </p:style>
+        <p:txBody>
+          <a:bodyPr rtlCol="0" anchor="t"/>
+          <a:lstStyle/>
+          <a:p>
+            <a:r>
+              <a:rPr kumimoji="1" lang="en-US" altLang="ja-JP" sz="1200" b="1" dirty="0">
+                <a:solidFill>
+                  <a:schemeClr val="tx1"/>
+                </a:solidFill>
+              </a:rPr>
+              <a:t>User Account (Developer)</a:t>
+            </a:r>
+          </a:p>
+          <a:p>
+            <a:endParaRPr kumimoji="1" lang="en-US" altLang="ja-JP" sz="1200" dirty="0">
+              <a:solidFill>
+                <a:schemeClr val="tx1"/>
+              </a:solidFill>
+            </a:endParaRPr>
+          </a:p>
+        </p:txBody>
+      </p:sp>
+      <p:sp>
+        <p:nvSpPr>
+          <p:cNvPr id="7" name="正方形/長方形 6">
+            <a:extLst>
+              <a:ext uri="{FF2B5EF4-FFF2-40B4-BE49-F238E27FC236}">
+                <a16:creationId xmlns:a16="http://schemas.microsoft.com/office/drawing/2014/main" id="{54A56CC9-9ED4-E147-A978-5C5036C2A6F5}"/>
+              </a:ext>
+            </a:extLst>
+          </p:cNvPr>
+          <p:cNvSpPr/>
+          <p:nvPr/>
+        </p:nvSpPr>
+        <p:spPr>
+          <a:xfrm>
+            <a:off x="3050822" y="2304118"/>
+            <a:ext cx="1588911" cy="1260498"/>
+          </a:xfrm>
+          <a:prstGeom prst="rect">
+            <a:avLst/>
+          </a:prstGeom>
+          <a:noFill/>
+          <a:ln>
+            <a:solidFill>
+              <a:schemeClr val="tx1"/>
+            </a:solidFill>
+          </a:ln>
+        </p:spPr>
+        <p:style>
+          <a:lnRef idx="2">
+            <a:schemeClr val="accent1">
+              <a:shade val="50000"/>
+            </a:schemeClr>
+          </a:lnRef>
+          <a:fillRef idx="1">
+            <a:schemeClr val="accent1"/>
+          </a:fillRef>
+          <a:effectRef idx="0">
+            <a:schemeClr val="accent1"/>
+          </a:effectRef>
+          <a:fontRef idx="minor">
+            <a:schemeClr val="lt1"/>
+          </a:fontRef>
+        </p:style>
+        <p:txBody>
+          <a:bodyPr rtlCol="0" anchor="t"/>
+          <a:lstStyle/>
+          <a:p>
+            <a:r>
+              <a:rPr kumimoji="1" lang="en-US" altLang="ja-JP" sz="1200" b="1" dirty="0">
+                <a:solidFill>
+                  <a:schemeClr val="tx1"/>
+                </a:solidFill>
+              </a:rPr>
+              <a:t>User Token Account (Developer)</a:t>
+            </a:r>
+          </a:p>
+          <a:p>
+            <a:endParaRPr kumimoji="1" lang="en-US" altLang="ja-JP" sz="1200" dirty="0">
+              <a:solidFill>
+                <a:schemeClr val="tx1"/>
+              </a:solidFill>
+            </a:endParaRPr>
+          </a:p>
+          <a:p>
+            <a:r>
+              <a:rPr kumimoji="1" lang="en-US" altLang="ja-JP" sz="1200" dirty="0">
+                <a:solidFill>
+                  <a:schemeClr val="tx1"/>
+                </a:solidFill>
+              </a:rPr>
+              <a:t>USDC</a:t>
+            </a:r>
+          </a:p>
+          <a:p>
+            <a:endParaRPr kumimoji="1" lang="en-US" altLang="ja-JP" sz="1200" dirty="0">
+              <a:solidFill>
+                <a:schemeClr val="tx1"/>
+              </a:solidFill>
+            </a:endParaRPr>
+          </a:p>
+        </p:txBody>
+      </p:sp>
+      <p:sp>
+        <p:nvSpPr>
+          <p:cNvPr id="8" name="正方形/長方形 7">
+            <a:extLst>
+              <a:ext uri="{FF2B5EF4-FFF2-40B4-BE49-F238E27FC236}">
+                <a16:creationId xmlns:a16="http://schemas.microsoft.com/office/drawing/2014/main" id="{3A8AE5E3-7DCB-E34D-A4E2-E61A6CE992D0}"/>
+              </a:ext>
+            </a:extLst>
+          </p:cNvPr>
+          <p:cNvSpPr/>
+          <p:nvPr/>
+        </p:nvSpPr>
+        <p:spPr>
+          <a:xfrm>
+            <a:off x="3050822" y="3767522"/>
+            <a:ext cx="1588911" cy="1260498"/>
+          </a:xfrm>
+          <a:prstGeom prst="rect">
+            <a:avLst/>
+          </a:prstGeom>
+          <a:noFill/>
+          <a:ln>
+            <a:solidFill>
+              <a:schemeClr val="tx1"/>
+            </a:solidFill>
+          </a:ln>
+        </p:spPr>
+        <p:style>
+          <a:lnRef idx="2">
+            <a:schemeClr val="accent1">
+              <a:shade val="50000"/>
+            </a:schemeClr>
+          </a:lnRef>
+          <a:fillRef idx="1">
+            <a:schemeClr val="accent1"/>
+          </a:fillRef>
+          <a:effectRef idx="0">
+            <a:schemeClr val="accent1"/>
+          </a:effectRef>
+          <a:fontRef idx="minor">
+            <a:schemeClr val="lt1"/>
+          </a:fontRef>
+        </p:style>
+        <p:txBody>
+          <a:bodyPr rtlCol="0" anchor="t"/>
+          <a:lstStyle/>
+          <a:p>
+            <a:r>
+              <a:rPr kumimoji="1" lang="en-US" altLang="ja-JP" sz="1200" b="1" dirty="0">
+                <a:solidFill>
+                  <a:schemeClr val="tx1"/>
+                </a:solidFill>
+              </a:rPr>
+              <a:t>User Token Account (Developer)</a:t>
+            </a:r>
+          </a:p>
+          <a:p>
+            <a:endParaRPr kumimoji="1" lang="en-US" altLang="ja-JP" sz="1200" dirty="0">
+              <a:solidFill>
+                <a:schemeClr val="tx1"/>
+              </a:solidFill>
+            </a:endParaRPr>
+          </a:p>
+          <a:p>
+            <a:r>
+              <a:rPr kumimoji="1" lang="en-US" altLang="ja-JP" sz="1200" dirty="0">
+                <a:solidFill>
+                  <a:schemeClr val="tx1"/>
+                </a:solidFill>
+              </a:rPr>
+              <a:t>Watermelon</a:t>
+            </a:r>
+          </a:p>
+          <a:p>
+            <a:endParaRPr kumimoji="1" lang="en-US" altLang="ja-JP" sz="1200" dirty="0">
+              <a:solidFill>
+                <a:schemeClr val="tx1"/>
+              </a:solidFill>
+            </a:endParaRPr>
+          </a:p>
+        </p:txBody>
+      </p:sp>
+      <p:sp>
+        <p:nvSpPr>
+          <p:cNvPr id="9" name="正方形/長方形 8">
+            <a:extLst>
+              <a:ext uri="{FF2B5EF4-FFF2-40B4-BE49-F238E27FC236}">
+                <a16:creationId xmlns:a16="http://schemas.microsoft.com/office/drawing/2014/main" id="{A8078DBE-3B64-0C45-91A6-271B0DFA5F16}"/>
+              </a:ext>
+            </a:extLst>
+          </p:cNvPr>
+          <p:cNvSpPr/>
+          <p:nvPr/>
+        </p:nvSpPr>
+        <p:spPr>
+          <a:xfrm>
+            <a:off x="5259247" y="1796118"/>
+            <a:ext cx="1588911" cy="1730657"/>
+          </a:xfrm>
+          <a:prstGeom prst="rect">
+            <a:avLst/>
+          </a:prstGeom>
+          <a:noFill/>
+          <a:ln>
+            <a:solidFill>
+              <a:schemeClr val="tx1"/>
+            </a:solidFill>
+          </a:ln>
+        </p:spPr>
+        <p:style>
+          <a:lnRef idx="2">
+            <a:schemeClr val="accent1">
+              <a:shade val="50000"/>
+            </a:schemeClr>
+          </a:lnRef>
+          <a:fillRef idx="1">
+            <a:schemeClr val="accent1"/>
+          </a:fillRef>
+          <a:effectRef idx="0">
+            <a:schemeClr val="accent1"/>
+          </a:effectRef>
+          <a:fontRef idx="minor">
+            <a:schemeClr val="lt1"/>
+          </a:fontRef>
+        </p:style>
+        <p:txBody>
+          <a:bodyPr rtlCol="0" anchor="t"/>
+          <a:lstStyle/>
+          <a:p>
+            <a:r>
+              <a:rPr kumimoji="1" lang="en-US" altLang="ja-JP" sz="1200" b="1" dirty="0">
+                <a:solidFill>
+                  <a:schemeClr val="tx1"/>
+                </a:solidFill>
+              </a:rPr>
+              <a:t>User Token Account (Developer)</a:t>
+            </a:r>
+          </a:p>
+          <a:p>
+            <a:endParaRPr kumimoji="1" lang="en-US" altLang="ja-JP" sz="1200" dirty="0">
+              <a:solidFill>
+                <a:schemeClr val="tx1"/>
+              </a:solidFill>
+            </a:endParaRPr>
+          </a:p>
+          <a:p>
+            <a:r>
+              <a:rPr kumimoji="1" lang="en-US" altLang="ja-JP" sz="1200" dirty="0">
+                <a:solidFill>
+                  <a:schemeClr val="tx1"/>
+                </a:solidFill>
+              </a:rPr>
+              <a:t>USDC IDO Pool</a:t>
+            </a:r>
+          </a:p>
+        </p:txBody>
+      </p:sp>
+      <p:sp>
+        <p:nvSpPr>
+          <p:cNvPr id="10" name="正方形/長方形 9">
+            <a:extLst>
+              <a:ext uri="{FF2B5EF4-FFF2-40B4-BE49-F238E27FC236}">
+                <a16:creationId xmlns:a16="http://schemas.microsoft.com/office/drawing/2014/main" id="{11FD34B6-F92E-8B4A-B13F-47AEAF1DE691}"/>
+              </a:ext>
+            </a:extLst>
+          </p:cNvPr>
+          <p:cNvSpPr/>
+          <p:nvPr/>
+        </p:nvSpPr>
+        <p:spPr>
+          <a:xfrm>
+            <a:off x="5259247" y="3805363"/>
+            <a:ext cx="1588911" cy="1730657"/>
+          </a:xfrm>
+          <a:prstGeom prst="rect">
+            <a:avLst/>
+          </a:prstGeom>
+          <a:noFill/>
+          <a:ln>
+            <a:solidFill>
+              <a:schemeClr val="tx1"/>
+            </a:solidFill>
+          </a:ln>
+        </p:spPr>
+        <p:style>
+          <a:lnRef idx="2">
+            <a:schemeClr val="accent1">
+              <a:shade val="50000"/>
+            </a:schemeClr>
+          </a:lnRef>
+          <a:fillRef idx="1">
+            <a:schemeClr val="accent1"/>
+          </a:fillRef>
+          <a:effectRef idx="0">
+            <a:schemeClr val="accent1"/>
+          </a:effectRef>
+          <a:fontRef idx="minor">
+            <a:schemeClr val="lt1"/>
+          </a:fontRef>
+        </p:style>
+        <p:txBody>
+          <a:bodyPr rtlCol="0" anchor="t"/>
+          <a:lstStyle/>
+          <a:p>
+            <a:r>
+              <a:rPr kumimoji="1" lang="en-US" altLang="ja-JP" sz="1200" b="1" dirty="0">
+                <a:solidFill>
+                  <a:schemeClr val="tx1"/>
+                </a:solidFill>
+              </a:rPr>
+              <a:t>User Token Account (Developer)</a:t>
+            </a:r>
+          </a:p>
+          <a:p>
+            <a:endParaRPr kumimoji="1" lang="en-US" altLang="ja-JP" sz="1200" dirty="0">
+              <a:solidFill>
+                <a:schemeClr val="tx1"/>
+              </a:solidFill>
+            </a:endParaRPr>
+          </a:p>
+          <a:p>
+            <a:r>
+              <a:rPr kumimoji="1" lang="en-US" altLang="ja-JP" sz="1200" dirty="0">
+                <a:solidFill>
+                  <a:schemeClr val="tx1"/>
+                </a:solidFill>
+              </a:rPr>
+              <a:t>Watermelon IDO Pool</a:t>
+            </a:r>
+          </a:p>
+          <a:p>
+            <a:endParaRPr kumimoji="1" lang="en-US" altLang="ja-JP" sz="1200" dirty="0">
+              <a:solidFill>
+                <a:schemeClr val="tx1"/>
+              </a:solidFill>
+            </a:endParaRPr>
+          </a:p>
+        </p:txBody>
+      </p:sp>
+      <p:sp>
+        <p:nvSpPr>
+          <p:cNvPr id="11" name="正方形/長方形 10">
+            <a:extLst>
+              <a:ext uri="{FF2B5EF4-FFF2-40B4-BE49-F238E27FC236}">
+                <a16:creationId xmlns:a16="http://schemas.microsoft.com/office/drawing/2014/main" id="{2C4106FB-E691-E848-8805-6415D89FDFF6}"/>
+              </a:ext>
+            </a:extLst>
+          </p:cNvPr>
+          <p:cNvSpPr/>
+          <p:nvPr/>
+        </p:nvSpPr>
+        <p:spPr>
+          <a:xfrm>
+            <a:off x="7467672" y="2304118"/>
+            <a:ext cx="1588911" cy="1260498"/>
+          </a:xfrm>
+          <a:prstGeom prst="rect">
+            <a:avLst/>
+          </a:prstGeom>
+          <a:noFill/>
+          <a:ln>
+            <a:solidFill>
+              <a:schemeClr val="tx1"/>
+            </a:solidFill>
+          </a:ln>
+        </p:spPr>
+        <p:style>
+          <a:lnRef idx="2">
+            <a:schemeClr val="accent1">
+              <a:shade val="50000"/>
+            </a:schemeClr>
+          </a:lnRef>
+          <a:fillRef idx="1">
+            <a:schemeClr val="accent1"/>
+          </a:fillRef>
+          <a:effectRef idx="0">
+            <a:schemeClr val="accent1"/>
+          </a:effectRef>
+          <a:fontRef idx="minor">
+            <a:schemeClr val="lt1"/>
+          </a:fontRef>
+        </p:style>
+        <p:txBody>
+          <a:bodyPr rtlCol="0" anchor="t"/>
+          <a:lstStyle/>
+          <a:p>
+            <a:r>
+              <a:rPr kumimoji="1" lang="en-US" altLang="ja-JP" sz="1200" b="1" dirty="0">
+                <a:solidFill>
+                  <a:schemeClr val="tx1"/>
+                </a:solidFill>
+              </a:rPr>
+              <a:t>User Token Account (Consumer)</a:t>
+            </a:r>
+          </a:p>
+          <a:p>
+            <a:endParaRPr kumimoji="1" lang="en-US" altLang="ja-JP" sz="1200" dirty="0">
+              <a:solidFill>
+                <a:schemeClr val="tx1"/>
+              </a:solidFill>
+            </a:endParaRPr>
+          </a:p>
+          <a:p>
+            <a:r>
+              <a:rPr kumimoji="1" lang="en-US" altLang="ja-JP" sz="1200" dirty="0">
+                <a:solidFill>
+                  <a:schemeClr val="tx1"/>
+                </a:solidFill>
+              </a:rPr>
+              <a:t>USDC</a:t>
+            </a:r>
+          </a:p>
+          <a:p>
+            <a:endParaRPr kumimoji="1" lang="en-US" altLang="ja-JP" sz="1200" dirty="0">
+              <a:solidFill>
+                <a:schemeClr val="tx1"/>
+              </a:solidFill>
+            </a:endParaRPr>
+          </a:p>
+        </p:txBody>
+      </p:sp>
+      <p:sp>
+        <p:nvSpPr>
+          <p:cNvPr id="12" name="正方形/長方形 11">
+            <a:extLst>
+              <a:ext uri="{FF2B5EF4-FFF2-40B4-BE49-F238E27FC236}">
+                <a16:creationId xmlns:a16="http://schemas.microsoft.com/office/drawing/2014/main" id="{8E18AA63-E88C-3147-9BCA-B0EEBA7F57D8}"/>
+              </a:ext>
+            </a:extLst>
+          </p:cNvPr>
+          <p:cNvSpPr/>
+          <p:nvPr/>
+        </p:nvSpPr>
+        <p:spPr>
+          <a:xfrm>
+            <a:off x="7467672" y="3767522"/>
+            <a:ext cx="1588911" cy="1260498"/>
+          </a:xfrm>
+          <a:prstGeom prst="rect">
+            <a:avLst/>
+          </a:prstGeom>
+          <a:noFill/>
+          <a:ln>
+            <a:solidFill>
+              <a:schemeClr val="tx1"/>
+            </a:solidFill>
+          </a:ln>
+        </p:spPr>
+        <p:style>
+          <a:lnRef idx="2">
+            <a:schemeClr val="accent1">
+              <a:shade val="50000"/>
+            </a:schemeClr>
+          </a:lnRef>
+          <a:fillRef idx="1">
+            <a:schemeClr val="accent1"/>
+          </a:fillRef>
+          <a:effectRef idx="0">
+            <a:schemeClr val="accent1"/>
+          </a:effectRef>
+          <a:fontRef idx="minor">
+            <a:schemeClr val="lt1"/>
+          </a:fontRef>
+        </p:style>
+        <p:txBody>
+          <a:bodyPr rtlCol="0" anchor="t"/>
+          <a:lstStyle/>
+          <a:p>
+            <a:r>
+              <a:rPr kumimoji="1" lang="en-US" altLang="ja-JP" sz="1200" b="1" dirty="0">
+                <a:solidFill>
+                  <a:schemeClr val="tx1"/>
+                </a:solidFill>
+              </a:rPr>
+              <a:t>User Token Account (Consumer)</a:t>
+            </a:r>
+          </a:p>
+          <a:p>
+            <a:endParaRPr kumimoji="1" lang="en-US" altLang="ja-JP" sz="1200" dirty="0">
+              <a:solidFill>
+                <a:schemeClr val="tx1"/>
+              </a:solidFill>
+            </a:endParaRPr>
+          </a:p>
+          <a:p>
+            <a:r>
+              <a:rPr kumimoji="1" lang="en-US" altLang="ja-JP" sz="1200" dirty="0">
+                <a:solidFill>
+                  <a:schemeClr val="tx1"/>
+                </a:solidFill>
+              </a:rPr>
+              <a:t>Watermelon</a:t>
+            </a:r>
+          </a:p>
+          <a:p>
+            <a:endParaRPr kumimoji="1" lang="en-US" altLang="ja-JP" sz="1200" dirty="0">
+              <a:solidFill>
+                <a:schemeClr val="tx1"/>
+              </a:solidFill>
+            </a:endParaRPr>
+          </a:p>
+        </p:txBody>
+      </p:sp>
+      <p:sp>
+        <p:nvSpPr>
+          <p:cNvPr id="13" name="正方形/長方形 12">
+            <a:extLst>
+              <a:ext uri="{FF2B5EF4-FFF2-40B4-BE49-F238E27FC236}">
+                <a16:creationId xmlns:a16="http://schemas.microsoft.com/office/drawing/2014/main" id="{117535CF-0C0D-794A-9DC6-09DB628F0608}"/>
+              </a:ext>
+            </a:extLst>
+          </p:cNvPr>
+          <p:cNvSpPr/>
+          <p:nvPr/>
+        </p:nvSpPr>
+        <p:spPr>
+          <a:xfrm>
+            <a:off x="9676097" y="2304118"/>
+            <a:ext cx="1588911" cy="2723902"/>
+          </a:xfrm>
+          <a:prstGeom prst="rect">
+            <a:avLst/>
+          </a:prstGeom>
+          <a:noFill/>
+          <a:ln>
+            <a:solidFill>
+              <a:schemeClr val="tx1"/>
+            </a:solidFill>
+          </a:ln>
+        </p:spPr>
+        <p:style>
+          <a:lnRef idx="2">
+            <a:schemeClr val="accent1">
+              <a:shade val="50000"/>
+            </a:schemeClr>
+          </a:lnRef>
+          <a:fillRef idx="1">
+            <a:schemeClr val="accent1"/>
+          </a:fillRef>
+          <a:effectRef idx="0">
+            <a:schemeClr val="accent1"/>
+          </a:effectRef>
+          <a:fontRef idx="minor">
+            <a:schemeClr val="lt1"/>
+          </a:fontRef>
+        </p:style>
+        <p:txBody>
+          <a:bodyPr rtlCol="0" anchor="t"/>
+          <a:lstStyle/>
+          <a:p>
+            <a:r>
+              <a:rPr kumimoji="1" lang="en-US" altLang="ja-JP" sz="1200" b="1" dirty="0">
+                <a:solidFill>
+                  <a:schemeClr val="tx1"/>
+                </a:solidFill>
+              </a:rPr>
+              <a:t>User Account (Consumer)</a:t>
+            </a:r>
+          </a:p>
+          <a:p>
+            <a:endParaRPr kumimoji="1" lang="en-US" altLang="ja-JP" sz="1200" dirty="0">
+              <a:solidFill>
+                <a:schemeClr val="tx1"/>
+              </a:solidFill>
+            </a:endParaRPr>
+          </a:p>
+        </p:txBody>
+      </p:sp>
+      <p:cxnSp>
+        <p:nvCxnSpPr>
+          <p:cNvPr id="14" name="直線コネクタ 13">
+            <a:extLst>
+              <a:ext uri="{FF2B5EF4-FFF2-40B4-BE49-F238E27FC236}">
+                <a16:creationId xmlns:a16="http://schemas.microsoft.com/office/drawing/2014/main" id="{0B2A20F8-60A9-9549-B3A3-2002F91B8504}"/>
+              </a:ext>
+            </a:extLst>
+          </p:cNvPr>
+          <p:cNvCxnSpPr>
+            <a:cxnSpLocks/>
+            <a:endCxn id="7" idx="1"/>
+          </p:cNvCxnSpPr>
+          <p:nvPr/>
+        </p:nvCxnSpPr>
+        <p:spPr>
+          <a:xfrm>
+            <a:off x="2427111" y="2934367"/>
+            <a:ext cx="623711" cy="0"/>
+          </a:xfrm>
+          <a:prstGeom prst="line">
+            <a:avLst/>
+          </a:prstGeom>
+          <a:ln w="9525">
+            <a:solidFill>
+              <a:schemeClr val="tx1"/>
+            </a:solidFill>
+            <a:headEnd type="oval"/>
+            <a:tailEnd type="oval"/>
+          </a:ln>
+        </p:spPr>
+        <p:style>
+          <a:lnRef idx="1">
+            <a:schemeClr val="accent1"/>
+          </a:lnRef>
+          <a:fillRef idx="0">
+            <a:schemeClr val="accent1"/>
+          </a:fillRef>
+          <a:effectRef idx="0">
+            <a:schemeClr val="accent1"/>
+          </a:effectRef>
+          <a:fontRef idx="minor">
+            <a:schemeClr val="tx1"/>
+          </a:fontRef>
+        </p:style>
+      </p:cxnSp>
+      <p:cxnSp>
+        <p:nvCxnSpPr>
+          <p:cNvPr id="17" name="直線コネクタ 16">
+            <a:extLst>
+              <a:ext uri="{FF2B5EF4-FFF2-40B4-BE49-F238E27FC236}">
+                <a16:creationId xmlns:a16="http://schemas.microsoft.com/office/drawing/2014/main" id="{A205DB15-5141-1C49-B93B-92058836BA27}"/>
+              </a:ext>
+            </a:extLst>
+          </p:cNvPr>
+          <p:cNvCxnSpPr>
+            <a:cxnSpLocks/>
+            <a:endCxn id="8" idx="1"/>
+          </p:cNvCxnSpPr>
+          <p:nvPr/>
+        </p:nvCxnSpPr>
+        <p:spPr>
+          <a:xfrm>
+            <a:off x="2427111" y="4397771"/>
+            <a:ext cx="623711" cy="0"/>
+          </a:xfrm>
+          <a:prstGeom prst="line">
+            <a:avLst/>
+          </a:prstGeom>
+          <a:ln w="9525">
+            <a:solidFill>
+              <a:schemeClr val="tx1"/>
+            </a:solidFill>
+            <a:headEnd type="oval"/>
+            <a:tailEnd type="oval"/>
+          </a:ln>
+        </p:spPr>
+        <p:style>
+          <a:lnRef idx="1">
+            <a:schemeClr val="accent1"/>
+          </a:lnRef>
+          <a:fillRef idx="0">
+            <a:schemeClr val="accent1"/>
+          </a:fillRef>
+          <a:effectRef idx="0">
+            <a:schemeClr val="accent1"/>
+          </a:effectRef>
+          <a:fontRef idx="minor">
+            <a:schemeClr val="tx1"/>
+          </a:fontRef>
+        </p:style>
+      </p:cxnSp>
+      <p:cxnSp>
+        <p:nvCxnSpPr>
+          <p:cNvPr id="20" name="直線コネクタ 19">
+            <a:extLst>
+              <a:ext uri="{FF2B5EF4-FFF2-40B4-BE49-F238E27FC236}">
+                <a16:creationId xmlns:a16="http://schemas.microsoft.com/office/drawing/2014/main" id="{BC0A0DB3-4A36-774B-9044-2CF1C5BE7680}"/>
+              </a:ext>
+            </a:extLst>
+          </p:cNvPr>
+          <p:cNvCxnSpPr>
+            <a:cxnSpLocks/>
+            <a:stCxn id="11" idx="3"/>
+          </p:cNvCxnSpPr>
+          <p:nvPr/>
+        </p:nvCxnSpPr>
+        <p:spPr>
+          <a:xfrm>
+            <a:off x="9056583" y="2934367"/>
+            <a:ext cx="619514" cy="0"/>
+          </a:xfrm>
+          <a:prstGeom prst="line">
+            <a:avLst/>
+          </a:prstGeom>
+          <a:ln w="9525">
+            <a:solidFill>
+              <a:schemeClr val="tx1"/>
+            </a:solidFill>
+            <a:headEnd type="oval"/>
+            <a:tailEnd type="oval"/>
+          </a:ln>
+        </p:spPr>
+        <p:style>
+          <a:lnRef idx="1">
+            <a:schemeClr val="accent1"/>
+          </a:lnRef>
+          <a:fillRef idx="0">
+            <a:schemeClr val="accent1"/>
+          </a:fillRef>
+          <a:effectRef idx="0">
+            <a:schemeClr val="accent1"/>
+          </a:effectRef>
+          <a:fontRef idx="minor">
+            <a:schemeClr val="tx1"/>
+          </a:fontRef>
+        </p:style>
+      </p:cxnSp>
+      <p:cxnSp>
+        <p:nvCxnSpPr>
+          <p:cNvPr id="21" name="直線コネクタ 20">
+            <a:extLst>
+              <a:ext uri="{FF2B5EF4-FFF2-40B4-BE49-F238E27FC236}">
+                <a16:creationId xmlns:a16="http://schemas.microsoft.com/office/drawing/2014/main" id="{BDB9F7C7-14DB-1744-9964-34F9928EE8BC}"/>
+              </a:ext>
+            </a:extLst>
+          </p:cNvPr>
+          <p:cNvCxnSpPr>
+            <a:cxnSpLocks/>
+            <a:stCxn id="12" idx="3"/>
+          </p:cNvCxnSpPr>
+          <p:nvPr/>
+        </p:nvCxnSpPr>
+        <p:spPr>
+          <a:xfrm>
+            <a:off x="9056583" y="4397771"/>
+            <a:ext cx="619514" cy="0"/>
+          </a:xfrm>
+          <a:prstGeom prst="line">
+            <a:avLst/>
+          </a:prstGeom>
+          <a:ln w="9525">
+            <a:solidFill>
+              <a:schemeClr val="tx1"/>
+            </a:solidFill>
+            <a:headEnd type="oval"/>
+            <a:tailEnd type="oval"/>
+          </a:ln>
+        </p:spPr>
+        <p:style>
+          <a:lnRef idx="1">
+            <a:schemeClr val="accent1"/>
+          </a:lnRef>
+          <a:fillRef idx="0">
+            <a:schemeClr val="accent1"/>
+          </a:fillRef>
+          <a:effectRef idx="0">
+            <a:schemeClr val="accent1"/>
+          </a:effectRef>
+          <a:fontRef idx="minor">
+            <a:schemeClr val="tx1"/>
+          </a:fontRef>
+        </p:style>
+      </p:cxnSp>
+      <p:cxnSp>
+        <p:nvCxnSpPr>
+          <p:cNvPr id="31" name="直線コネクタ 30">
+            <a:extLst>
+              <a:ext uri="{FF2B5EF4-FFF2-40B4-BE49-F238E27FC236}">
+                <a16:creationId xmlns:a16="http://schemas.microsoft.com/office/drawing/2014/main" id="{AD76F545-B5C2-B842-B6DF-C0C2CA249A1F}"/>
+              </a:ext>
+            </a:extLst>
+          </p:cNvPr>
+          <p:cNvCxnSpPr>
+            <a:cxnSpLocks/>
+          </p:cNvCxnSpPr>
+          <p:nvPr/>
+        </p:nvCxnSpPr>
+        <p:spPr>
+          <a:xfrm>
+            <a:off x="2427111" y="5300882"/>
+            <a:ext cx="2832136" cy="0"/>
+          </a:xfrm>
+          <a:prstGeom prst="line">
+            <a:avLst/>
+          </a:prstGeom>
+          <a:ln w="9525">
+            <a:solidFill>
+              <a:schemeClr val="tx1"/>
+            </a:solidFill>
+            <a:headEnd type="oval"/>
+            <a:tailEnd type="oval"/>
+          </a:ln>
+        </p:spPr>
+        <p:style>
+          <a:lnRef idx="1">
+            <a:schemeClr val="accent1"/>
+          </a:lnRef>
+          <a:fillRef idx="0">
+            <a:schemeClr val="accent1"/>
+          </a:fillRef>
+          <a:effectRef idx="0">
+            <a:schemeClr val="accent1"/>
+          </a:effectRef>
+          <a:fontRef idx="minor">
+            <a:schemeClr val="tx1"/>
+          </a:fontRef>
+        </p:style>
+      </p:cxnSp>
+      <p:cxnSp>
+        <p:nvCxnSpPr>
+          <p:cNvPr id="33" name="直線コネクタ 32">
+            <a:extLst>
+              <a:ext uri="{FF2B5EF4-FFF2-40B4-BE49-F238E27FC236}">
+                <a16:creationId xmlns:a16="http://schemas.microsoft.com/office/drawing/2014/main" id="{10EC30A8-57BB-7740-A21F-D3AC6AD8AE8E}"/>
+              </a:ext>
+            </a:extLst>
+          </p:cNvPr>
+          <p:cNvCxnSpPr>
+            <a:cxnSpLocks/>
+          </p:cNvCxnSpPr>
+          <p:nvPr/>
+        </p:nvCxnSpPr>
+        <p:spPr>
+          <a:xfrm>
+            <a:off x="2427111" y="2027104"/>
+            <a:ext cx="2832136" cy="0"/>
+          </a:xfrm>
+          <a:prstGeom prst="line">
+            <a:avLst/>
+          </a:prstGeom>
+          <a:ln w="9525">
+            <a:solidFill>
+              <a:schemeClr val="tx1"/>
+            </a:solidFill>
+            <a:headEnd type="oval"/>
+            <a:tailEnd type="oval"/>
+          </a:ln>
+        </p:spPr>
+        <p:style>
+          <a:lnRef idx="1">
+            <a:schemeClr val="accent1"/>
+          </a:lnRef>
+          <a:fillRef idx="0">
+            <a:schemeClr val="accent1"/>
+          </a:fillRef>
+          <a:effectRef idx="0">
+            <a:schemeClr val="accent1"/>
+          </a:effectRef>
+          <a:fontRef idx="minor">
+            <a:schemeClr val="tx1"/>
+          </a:fontRef>
+        </p:style>
+      </p:cxnSp>
+      <p:cxnSp>
+        <p:nvCxnSpPr>
+          <p:cNvPr id="34" name="直線矢印コネクタ 33">
+            <a:extLst>
+              <a:ext uri="{FF2B5EF4-FFF2-40B4-BE49-F238E27FC236}">
+                <a16:creationId xmlns:a16="http://schemas.microsoft.com/office/drawing/2014/main" id="{F9B0F6CC-42DA-4040-96DB-72D3AAB9DACB}"/>
+              </a:ext>
+            </a:extLst>
+          </p:cNvPr>
+          <p:cNvCxnSpPr>
+            <a:cxnSpLocks/>
+          </p:cNvCxnSpPr>
+          <p:nvPr/>
+        </p:nvCxnSpPr>
+        <p:spPr>
+          <a:xfrm flipH="1">
+            <a:off x="6848158" y="2934367"/>
+            <a:ext cx="619514" cy="0"/>
+          </a:xfrm>
+          <a:prstGeom prst="straightConnector1">
+            <a:avLst/>
+          </a:prstGeom>
+          <a:ln w="9525">
+            <a:solidFill>
+              <a:schemeClr val="tx1"/>
+            </a:solidFill>
+            <a:tailEnd type="arrow"/>
+          </a:ln>
+        </p:spPr>
+        <p:style>
+          <a:lnRef idx="1">
+            <a:schemeClr val="accent1"/>
+          </a:lnRef>
+          <a:fillRef idx="0">
+            <a:schemeClr val="accent1"/>
+          </a:fillRef>
+          <a:effectRef idx="0">
+            <a:schemeClr val="accent1"/>
+          </a:effectRef>
+          <a:fontRef idx="minor">
+            <a:schemeClr val="tx1"/>
+          </a:fontRef>
+        </p:style>
+      </p:cxnSp>
+      <p:cxnSp>
+        <p:nvCxnSpPr>
+          <p:cNvPr id="41" name="直線矢印コネクタ 40">
+            <a:extLst>
+              <a:ext uri="{FF2B5EF4-FFF2-40B4-BE49-F238E27FC236}">
+                <a16:creationId xmlns:a16="http://schemas.microsoft.com/office/drawing/2014/main" id="{604C58BD-8615-0D4D-A4F1-A73222DF21AB}"/>
+              </a:ext>
+            </a:extLst>
+          </p:cNvPr>
+          <p:cNvCxnSpPr>
+            <a:cxnSpLocks/>
+          </p:cNvCxnSpPr>
+          <p:nvPr/>
+        </p:nvCxnSpPr>
+        <p:spPr>
+          <a:xfrm>
+            <a:off x="4639733" y="2934367"/>
+            <a:ext cx="619514" cy="0"/>
+          </a:xfrm>
+          <a:prstGeom prst="straightConnector1">
+            <a:avLst/>
+          </a:prstGeom>
+          <a:ln w="9525">
+            <a:solidFill>
+              <a:schemeClr val="tx1"/>
+            </a:solidFill>
+            <a:tailEnd type="arrow"/>
+          </a:ln>
+        </p:spPr>
+        <p:style>
+          <a:lnRef idx="1">
+            <a:schemeClr val="accent1"/>
+          </a:lnRef>
+          <a:fillRef idx="0">
+            <a:schemeClr val="accent1"/>
+          </a:fillRef>
+          <a:effectRef idx="0">
+            <a:schemeClr val="accent1"/>
+          </a:effectRef>
+          <a:fontRef idx="minor">
+            <a:schemeClr val="tx1"/>
+          </a:fontRef>
+        </p:style>
+      </p:cxnSp>
+      <p:cxnSp>
+        <p:nvCxnSpPr>
+          <p:cNvPr id="42" name="直線矢印コネクタ 41">
+            <a:extLst>
+              <a:ext uri="{FF2B5EF4-FFF2-40B4-BE49-F238E27FC236}">
+                <a16:creationId xmlns:a16="http://schemas.microsoft.com/office/drawing/2014/main" id="{9447CB97-19EA-D84D-8293-F456206EE845}"/>
+              </a:ext>
+            </a:extLst>
+          </p:cNvPr>
+          <p:cNvCxnSpPr>
+            <a:cxnSpLocks/>
+          </p:cNvCxnSpPr>
+          <p:nvPr/>
+        </p:nvCxnSpPr>
+        <p:spPr>
+          <a:xfrm>
+            <a:off x="4639733" y="4404164"/>
+            <a:ext cx="619514" cy="0"/>
+          </a:xfrm>
+          <a:prstGeom prst="straightConnector1">
+            <a:avLst/>
+          </a:prstGeom>
+          <a:ln w="9525">
+            <a:solidFill>
+              <a:schemeClr val="tx1"/>
+            </a:solidFill>
+            <a:tailEnd type="arrow"/>
+          </a:ln>
+        </p:spPr>
+        <p:style>
+          <a:lnRef idx="1">
+            <a:schemeClr val="accent1"/>
+          </a:lnRef>
+          <a:fillRef idx="0">
+            <a:schemeClr val="accent1"/>
+          </a:fillRef>
+          <a:effectRef idx="0">
+            <a:schemeClr val="accent1"/>
+          </a:effectRef>
+          <a:fontRef idx="minor">
+            <a:schemeClr val="tx1"/>
+          </a:fontRef>
+        </p:style>
+      </p:cxnSp>
+      <p:cxnSp>
+        <p:nvCxnSpPr>
+          <p:cNvPr id="44" name="直線矢印コネクタ 43">
+            <a:extLst>
+              <a:ext uri="{FF2B5EF4-FFF2-40B4-BE49-F238E27FC236}">
+                <a16:creationId xmlns:a16="http://schemas.microsoft.com/office/drawing/2014/main" id="{B6A6E3BE-66BE-2E4C-97AE-B5E17A12A55F}"/>
+              </a:ext>
+            </a:extLst>
+          </p:cNvPr>
+          <p:cNvCxnSpPr>
+            <a:cxnSpLocks/>
+          </p:cNvCxnSpPr>
+          <p:nvPr/>
+        </p:nvCxnSpPr>
+        <p:spPr>
+          <a:xfrm flipH="1">
+            <a:off x="6848158" y="4380842"/>
+            <a:ext cx="619514" cy="0"/>
+          </a:xfrm>
+          <a:prstGeom prst="straightConnector1">
+            <a:avLst/>
+          </a:prstGeom>
+          <a:ln w="9525">
+            <a:solidFill>
+              <a:schemeClr val="tx1"/>
+            </a:solidFill>
+            <a:tailEnd type="arrow"/>
+          </a:ln>
+        </p:spPr>
+        <p:style>
+          <a:lnRef idx="1">
+            <a:schemeClr val="accent1"/>
+          </a:lnRef>
+          <a:fillRef idx="0">
+            <a:schemeClr val="accent1"/>
+          </a:fillRef>
+          <a:effectRef idx="0">
+            <a:schemeClr val="accent1"/>
+          </a:effectRef>
+          <a:fontRef idx="minor">
+            <a:schemeClr val="tx1"/>
+          </a:fontRef>
+        </p:style>
+      </p:cxnSp>
+      <p:sp>
+        <p:nvSpPr>
+          <p:cNvPr id="3" name="正方形/長方形 2">
+            <a:extLst>
+              <a:ext uri="{FF2B5EF4-FFF2-40B4-BE49-F238E27FC236}">
+                <a16:creationId xmlns:a16="http://schemas.microsoft.com/office/drawing/2014/main" id="{C5E75BA0-6C40-F843-9C74-6D20A6A0084E}"/>
+              </a:ext>
+            </a:extLst>
+          </p:cNvPr>
+          <p:cNvSpPr/>
+          <p:nvPr/>
+        </p:nvSpPr>
+        <p:spPr>
+          <a:xfrm rot="1725816">
+            <a:off x="2240446" y="2950520"/>
+            <a:ext cx="8028248" cy="365126"/>
+          </a:xfrm>
+          <a:prstGeom prst="rect">
+            <a:avLst/>
+          </a:prstGeom>
+          <a:solidFill>
+            <a:schemeClr val="accent4">
+              <a:lumMod val="20000"/>
+              <a:lumOff val="80000"/>
+            </a:schemeClr>
+          </a:solidFill>
+          <a:ln>
+            <a:solidFill>
+              <a:schemeClr val="tx1"/>
+            </a:solidFill>
+          </a:ln>
+        </p:spPr>
+        <p:style>
+          <a:lnRef idx="2">
+            <a:schemeClr val="accent1">
+              <a:shade val="50000"/>
+            </a:schemeClr>
+          </a:lnRef>
+          <a:fillRef idx="1">
+            <a:schemeClr val="accent1"/>
+          </a:fillRef>
+          <a:effectRef idx="0">
+            <a:schemeClr val="accent1"/>
+          </a:effectRef>
+          <a:fontRef idx="minor">
+            <a:schemeClr val="lt1"/>
+          </a:fontRef>
+        </p:style>
+        <p:txBody>
+          <a:bodyPr rtlCol="0" anchor="ctr"/>
+          <a:lstStyle/>
+          <a:p>
+            <a:pPr algn="ctr"/>
+            <a:r>
+              <a:rPr kumimoji="1" lang="en-US" altLang="ja-JP" sz="1600" dirty="0">
+                <a:solidFill>
+                  <a:schemeClr val="tx1"/>
+                </a:solidFill>
+              </a:rPr>
+              <a:t>WIP</a:t>
+            </a:r>
+            <a:endParaRPr kumimoji="1" lang="ja-JP" altLang="en-US" sz="1600">
+              <a:solidFill>
+                <a:schemeClr val="tx1"/>
+              </a:solidFill>
+            </a:endParaRPr>
+          </a:p>
+        </p:txBody>
+      </p:sp>
+    </p:spTree>
+    <p:extLst>
+      <p:ext uri="{BB962C8B-B14F-4D97-AF65-F5344CB8AC3E}">
+        <p14:creationId xmlns:p14="http://schemas.microsoft.com/office/powerpoint/2010/main" val="2697485440"/>
+      </p:ext>
+    </p:extLst>
+  </p:cSld>
+  <p:clrMapOvr>
+    <a:masterClrMapping/>
+  </p:clrMapOvr>
+</p:sld>
+</file>
+
+<file path=ppt/slides/slide24.xml><?xml version="1.0" encoding="utf-8"?>
+<p:sld xmlns:a="http://schemas.openxmlformats.org/drawingml/2006/main" xmlns:r="http://schemas.openxmlformats.org/officeDocument/2006/relationships" xmlns:p="http://schemas.openxmlformats.org/presentationml/2006/main">
+  <p:cSld>
+    <p:spTree>
+      <p:nvGrpSpPr>
+        <p:cNvPr id="1" name=""/>
+        <p:cNvGrpSpPr/>
+        <p:nvPr/>
+      </p:nvGrpSpPr>
+      <p:grpSpPr>
+        <a:xfrm>
+          <a:off x="0" y="0"/>
+          <a:ext cx="0" cy="0"/>
+          <a:chOff x="0" y="0"/>
+          <a:chExt cx="0" cy="0"/>
+        </a:xfrm>
+      </p:grpSpPr>
+      <p:sp>
+        <p:nvSpPr>
+          <p:cNvPr id="2" name="タイトル 1">
+            <a:extLst>
+              <a:ext uri="{FF2B5EF4-FFF2-40B4-BE49-F238E27FC236}">
+                <a16:creationId xmlns:a16="http://schemas.microsoft.com/office/drawing/2014/main" id="{7F8827C3-0CA9-1140-B93B-64711762EC70}"/>
+              </a:ext>
+            </a:extLst>
+          </p:cNvPr>
+          <p:cNvSpPr>
+            <a:spLocks noGrp="1"/>
+          </p:cNvSpPr>
+          <p:nvPr>
+            <p:ph type="title"/>
+          </p:nvPr>
+        </p:nvSpPr>
+        <p:spPr/>
+        <p:txBody>
+          <a:bodyPr/>
+          <a:lstStyle/>
+          <a:p>
             <a:r>
               <a:rPr kumimoji="1" lang="en-US" altLang="ja-JP" dirty="0"/>
               <a:t>Issues or Pull </a:t>
@@ -26861,7 +27073,7 @@
           <a:p>
             <a:fld id="{51BE5F08-58E8-9243-A834-2B76637F595D}" type="slidenum">
               <a:rPr kumimoji="1" lang="ja-JP" altLang="en-US" smtClean="0"/>
-              <a:t>22</a:t>
+              <a:t>23</a:t>
             </a:fld>
             <a:endParaRPr kumimoji="1" lang="ja-JP" altLang="en-US"/>
           </a:p>
@@ -38814,13 +39026,7 @@
               <a:rPr kumimoji="1" lang="en-US" altLang="ja-JP" sz="1200" dirty="0">
                 <a:hlinkClick r:id="rId4"/>
               </a:rPr>
-              <a:t>P</a:t>
-            </a:r>
-            <a:r>
-              <a:rPr kumimoji="1" lang="en-US" altLang="ja-JP" sz="1200" dirty="0">
-                <a:hlinkClick r:id="rId4"/>
-              </a:rPr>
-              <a:t>hantom - Staying safe with Phantom</a:t>
+              <a:t>Phantom - Staying safe with Phantom</a:t>
             </a:r>
             <a:r>
               <a:rPr kumimoji="1" lang="en-US" altLang="ja-JP" sz="1200" dirty="0"/>
@@ -41232,6 +41438,125 @@
           </a:p>
         </p:txBody>
       </p:sp>
+      <p:sp>
+        <p:nvSpPr>
+          <p:cNvPr id="28" name="正方形/長方形 27">
+            <a:extLst>
+              <a:ext uri="{FF2B5EF4-FFF2-40B4-BE49-F238E27FC236}">
+                <a16:creationId xmlns:a16="http://schemas.microsoft.com/office/drawing/2014/main" id="{D400FB3C-514C-AC48-9664-EED57AC40783}"/>
+              </a:ext>
+            </a:extLst>
+          </p:cNvPr>
+          <p:cNvSpPr/>
+          <p:nvPr/>
+        </p:nvSpPr>
+        <p:spPr>
+          <a:xfrm>
+            <a:off x="3183040" y="5216861"/>
+            <a:ext cx="1070947" cy="744721"/>
+          </a:xfrm>
+          <a:prstGeom prst="rect">
+            <a:avLst/>
+          </a:prstGeom>
+          <a:solidFill>
+            <a:schemeClr val="bg1"/>
+          </a:solidFill>
+          <a:ln>
+            <a:solidFill>
+              <a:schemeClr val="tx1"/>
+            </a:solidFill>
+          </a:ln>
+        </p:spPr>
+        <p:style>
+          <a:lnRef idx="2">
+            <a:schemeClr val="accent1">
+              <a:shade val="50000"/>
+            </a:schemeClr>
+          </a:lnRef>
+          <a:fillRef idx="1">
+            <a:schemeClr val="accent1"/>
+          </a:fillRef>
+          <a:effectRef idx="0">
+            <a:schemeClr val="accent1"/>
+          </a:effectRef>
+          <a:fontRef idx="minor">
+            <a:schemeClr val="lt1"/>
+          </a:fontRef>
+        </p:style>
+        <p:txBody>
+          <a:bodyPr rtlCol="0" anchor="ctr"/>
+          <a:lstStyle/>
+          <a:p>
+            <a:pPr algn="ctr"/>
+            <a:r>
+              <a:rPr kumimoji="1" lang="en-US" altLang="ja-JP" sz="1200" dirty="0">
+                <a:solidFill>
+                  <a:schemeClr val="tx1"/>
+                </a:solidFill>
+              </a:rPr>
+              <a:t>Simulate</a:t>
+            </a:r>
+          </a:p>
+          <a:p>
+            <a:pPr algn="ctr"/>
+            <a:r>
+              <a:rPr kumimoji="1" lang="en-US" altLang="ja-JP" sz="1200" dirty="0">
+                <a:solidFill>
+                  <a:schemeClr val="tx1"/>
+                </a:solidFill>
+              </a:rPr>
+              <a:t>transaction?</a:t>
+            </a:r>
+          </a:p>
+        </p:txBody>
+      </p:sp>
+      <p:cxnSp>
+        <p:nvCxnSpPr>
+          <p:cNvPr id="29" name="直線矢印コネクタ 28">
+            <a:extLst>
+              <a:ext uri="{FF2B5EF4-FFF2-40B4-BE49-F238E27FC236}">
+                <a16:creationId xmlns:a16="http://schemas.microsoft.com/office/drawing/2014/main" id="{E840236E-8E93-6F4E-B45A-6587AFECA388}"/>
+              </a:ext>
+            </a:extLst>
+          </p:cNvPr>
+          <p:cNvCxnSpPr>
+            <a:cxnSpLocks/>
+            <a:stCxn id="28" idx="0"/>
+            <a:endCxn id="56" idx="2"/>
+          </p:cNvCxnSpPr>
+          <p:nvPr/>
+        </p:nvCxnSpPr>
+        <p:spPr>
+          <a:xfrm flipV="1">
+            <a:off x="3718514" y="4910123"/>
+            <a:ext cx="1" cy="306738"/>
+          </a:xfrm>
+          <a:prstGeom prst="straightConnector1">
+            <a:avLst/>
+          </a:prstGeom>
+          <a:ln w="9525">
+            <a:solidFill>
+              <a:schemeClr val="tx1"/>
+            </a:solidFill>
+            <a:headEnd type="none" w="med" len="med"/>
+            <a:tailEnd type="arrow" w="med" len="med"/>
+          </a:ln>
+        </p:spPr>
+        <p:style>
+          <a:lnRef idx="1">
+            <a:schemeClr val="accent1"/>
+          </a:lnRef>
+          <a:fillRef idx="0">
+            <a:schemeClr val="accent1"/>
+          </a:fillRef>
+          <a:effectRef idx="0">
+            <a:schemeClr val="accent1"/>
+          </a:effectRef>
+          <a:fontRef idx="minor">
+            <a:schemeClr val="tx1"/>
+          </a:fontRef>
+        </p:style>
+      </p:cxnSp>
     </p:spTree>
     <p:extLst>
       <p:ext uri="{BB962C8B-B14F-4D97-AF65-F5344CB8AC3E}">

--- a/docs/Solana_Blockchain_Outline_Figure.pptx
+++ b/docs/Solana_Blockchain_Outline_Figure.pptx
@@ -220,7 +220,7 @@
           <a:p>
             <a:fld id="{0E3AE901-84B3-3248-AD12-BEDA7F301CE3}" type="datetimeFigureOut">
               <a:rPr kumimoji="1" lang="ja-JP" altLang="en-US" smtClean="0"/>
-              <a:t>2022/1/17</a:t>
+              <a:t>2022/1/20</a:t>
             </a:fld>
             <a:endParaRPr kumimoji="1" lang="ja-JP" altLang="en-US"/>
           </a:p>
@@ -835,7 +835,7 @@
           <a:p>
             <a:fld id="{E3F90748-6578-AC42-962A-9F4B1F5FBFAD}" type="datetime1">
               <a:rPr kumimoji="1" lang="ja-JP" altLang="en-US" smtClean="0"/>
-              <a:t>2022/1/17</a:t>
+              <a:t>2022/1/20</a:t>
             </a:fld>
             <a:endParaRPr kumimoji="1" lang="ja-JP" altLang="en-US"/>
           </a:p>
@@ -1056,7 +1056,7 @@
           <a:p>
             <a:fld id="{BE6DFB40-8C3F-A944-983D-65243E3E0DC7}" type="datetime1">
               <a:rPr kumimoji="1" lang="ja-JP" altLang="en-US" smtClean="0"/>
-              <a:t>2022/1/17</a:t>
+              <a:t>2022/1/20</a:t>
             </a:fld>
             <a:endParaRPr kumimoji="1" lang="ja-JP" altLang="en-US"/>
           </a:p>
@@ -1272,7 +1272,7 @@
           <a:p>
             <a:fld id="{631B2AF4-14FC-314E-A304-69D6AC20AFC1}" type="datetime1">
               <a:rPr kumimoji="1" lang="ja-JP" altLang="en-US" smtClean="0"/>
-              <a:t>2022/1/17</a:t>
+              <a:t>2022/1/20</a:t>
             </a:fld>
             <a:endParaRPr kumimoji="1" lang="ja-JP" altLang="en-US"/>
           </a:p>
@@ -1478,7 +1478,7 @@
           <a:p>
             <a:fld id="{73EFA7FA-4B80-324E-84D1-8F8384F1BA5D}" type="datetime1">
               <a:rPr kumimoji="1" lang="ja-JP" altLang="en-US" smtClean="0"/>
-              <a:t>2022/1/17</a:t>
+              <a:t>2022/1/20</a:t>
             </a:fld>
             <a:endParaRPr kumimoji="1" lang="ja-JP" altLang="en-US"/>
           </a:p>
@@ -1732,7 +1732,7 @@
           <a:p>
             <a:fld id="{D2E220AC-C2A7-024E-ACAB-4DB6052A376C}" type="datetime1">
               <a:rPr kumimoji="1" lang="ja-JP" altLang="en-US" smtClean="0"/>
-              <a:t>2022/1/17</a:t>
+              <a:t>2022/1/20</a:t>
             </a:fld>
             <a:endParaRPr kumimoji="1" lang="ja-JP" altLang="en-US"/>
           </a:p>
@@ -2032,7 +2032,7 @@
           <a:p>
             <a:fld id="{CC48FC5F-5874-5040-B9D3-0BB86491154B}" type="datetime1">
               <a:rPr kumimoji="1" lang="ja-JP" altLang="en-US" smtClean="0"/>
-              <a:t>2022/1/17</a:t>
+              <a:t>2022/1/20</a:t>
             </a:fld>
             <a:endParaRPr kumimoji="1" lang="ja-JP" altLang="en-US"/>
           </a:p>
@@ -2467,7 +2467,7 @@
           <a:p>
             <a:fld id="{667059AF-CDDF-A545-B437-20B256967FD9}" type="datetime1">
               <a:rPr kumimoji="1" lang="ja-JP" altLang="en-US" smtClean="0"/>
-              <a:t>2022/1/17</a:t>
+              <a:t>2022/1/20</a:t>
             </a:fld>
             <a:endParaRPr kumimoji="1" lang="ja-JP" altLang="en-US"/>
           </a:p>
@@ -2589,7 +2589,7 @@
           <a:p>
             <a:fld id="{15B6534E-A8F6-864C-985B-4DB3D4538E40}" type="datetime1">
               <a:rPr kumimoji="1" lang="ja-JP" altLang="en-US" smtClean="0"/>
-              <a:t>2022/1/17</a:t>
+              <a:t>2022/1/20</a:t>
             </a:fld>
             <a:endParaRPr kumimoji="1" lang="ja-JP" altLang="en-US"/>
           </a:p>
@@ -2688,7 +2688,7 @@
           <a:p>
             <a:fld id="{D63D519C-9325-DD4F-A5F6-0AFD37CE8635}" type="datetime1">
               <a:rPr kumimoji="1" lang="ja-JP" altLang="en-US" smtClean="0"/>
-              <a:t>2022/1/17</a:t>
+              <a:t>2022/1/20</a:t>
             </a:fld>
             <a:endParaRPr kumimoji="1" lang="ja-JP" altLang="en-US"/>
           </a:p>
@@ -3001,7 +3001,7 @@
           <a:p>
             <a:fld id="{5503B069-C866-8C47-A1B1-6AEF053A8792}" type="datetime1">
               <a:rPr kumimoji="1" lang="ja-JP" altLang="en-US" smtClean="0"/>
-              <a:t>2022/1/17</a:t>
+              <a:t>2022/1/20</a:t>
             </a:fld>
             <a:endParaRPr kumimoji="1" lang="ja-JP" altLang="en-US"/>
           </a:p>
@@ -3262,7 +3262,7 @@
           <a:p>
             <a:fld id="{C183513C-F2F4-B940-8F47-6502D3E9B9CA}" type="datetime1">
               <a:rPr kumimoji="1" lang="ja-JP" altLang="en-US" smtClean="0"/>
-              <a:t>2022/1/17</a:t>
+              <a:t>2022/1/20</a:t>
             </a:fld>
             <a:endParaRPr kumimoji="1" lang="ja-JP" altLang="en-US"/>
           </a:p>
@@ -3449,7 +3449,7 @@
           <a:p>
             <a:fld id="{E55A93C3-7990-6040-9FF9-3C243F65B473}" type="datetime1">
               <a:rPr kumimoji="1" lang="ja-JP" altLang="en-US" smtClean="0"/>
-              <a:t>2022/1/17</a:t>
+              <a:t>2022/1/20</a:t>
             </a:fld>
             <a:endParaRPr kumimoji="1" lang="ja-JP" altLang="en-US"/>
           </a:p>
@@ -27094,7 +27094,7 @@
         <p:spPr>
           <a:xfrm>
             <a:off x="838200" y="1679845"/>
-            <a:ext cx="10578483" cy="738664"/>
+            <a:ext cx="10578483" cy="1077218"/>
           </a:xfrm>
           <a:prstGeom prst="rect">
             <a:avLst/>
@@ -27108,35 +27108,38 @@
           <a:lstStyle/>
           <a:p>
             <a:r>
-              <a:rPr kumimoji="1" lang="en-US" altLang="ja-JP" sz="1400" dirty="0"/>
+              <a:rPr kumimoji="1" lang="en-US" altLang="ja-JP" sz="1600" dirty="0"/>
               <a:t>This document hasn't yet been reviewed by experts.</a:t>
             </a:r>
           </a:p>
           <a:p>
             <a:r>
-              <a:rPr kumimoji="1" lang="en-US" altLang="ja-JP" sz="1400" dirty="0"/>
+              <a:rPr kumimoji="1" lang="en-US" altLang="ja-JP" sz="1600" dirty="0"/>
               <a:t>Let me know if incorrect. I'm opening to Issues or Pull requests on GitHub.</a:t>
             </a:r>
           </a:p>
           <a:p>
-            <a:r>
-              <a:rPr kumimoji="1" lang="en-US" altLang="ja-JP" sz="1400" dirty="0"/>
+            <a:endParaRPr kumimoji="1" lang="en-US" altLang="ja-JP" sz="1600" dirty="0"/>
+          </a:p>
+          <a:p>
+            <a:r>
+              <a:rPr kumimoji="1" lang="en-US" altLang="ja-JP" sz="1600" dirty="0"/>
               <a:t>https://</a:t>
             </a:r>
             <a:r>
-              <a:rPr kumimoji="1" lang="en-US" altLang="ja-JP" sz="1400" dirty="0" err="1"/>
+              <a:rPr kumimoji="1" lang="en-US" altLang="ja-JP" sz="1600" dirty="0" err="1"/>
               <a:t>github.com</a:t>
             </a:r>
             <a:r>
-              <a:rPr kumimoji="1" lang="en-US" altLang="ja-JP" sz="1400" dirty="0"/>
+              <a:rPr kumimoji="1" lang="en-US" altLang="ja-JP" sz="1600" dirty="0"/>
               <a:t>/256hax/</a:t>
             </a:r>
             <a:r>
-              <a:rPr kumimoji="1" lang="en-US" altLang="ja-JP" sz="1400" dirty="0" err="1"/>
+              <a:rPr kumimoji="1" lang="en-US" altLang="ja-JP" sz="1600" dirty="0" err="1"/>
               <a:t>solana</a:t>
             </a:r>
             <a:r>
-              <a:rPr kumimoji="1" lang="en-US" altLang="ja-JP" sz="1400" dirty="0"/>
+              <a:rPr kumimoji="1" lang="en-US" altLang="ja-JP" sz="1600" dirty="0"/>
               <a:t>-anchor-react-minimal-example</a:t>
             </a:r>
           </a:p>
@@ -33054,6 +33057,14 @@
             <a:r>
               <a:rPr kumimoji="1" lang="en-US" altLang="ja-JP" dirty="0"/>
               <a:t>Production System Architecture</a:t>
+            </a:r>
+            <a:r>
+              <a:rPr kumimoji="1" lang="ja-JP" altLang="en-US"/>
+              <a:t> </a:t>
+            </a:r>
+            <a:r>
+              <a:rPr kumimoji="1" lang="en-US" altLang="ja-JP" dirty="0"/>
+              <a:t>Example</a:t>
             </a:r>
             <a:r>
               <a:rPr kumimoji="1" lang="ja-JP" altLang="en-US"/>

--- a/docs/Solana_Blockchain_Outline_Figure.pptx
+++ b/docs/Solana_Blockchain_Outline_Figure.pptx
@@ -220,7 +220,7 @@
           <a:p>
             <a:fld id="{0E3AE901-84B3-3248-AD12-BEDA7F301CE3}" type="datetimeFigureOut">
               <a:rPr kumimoji="1" lang="ja-JP" altLang="en-US" smtClean="0"/>
-              <a:t>2022/1/20</a:t>
+              <a:t>2022/1/21</a:t>
             </a:fld>
             <a:endParaRPr kumimoji="1" lang="ja-JP" altLang="en-US"/>
           </a:p>
@@ -835,7 +835,7 @@
           <a:p>
             <a:fld id="{E3F90748-6578-AC42-962A-9F4B1F5FBFAD}" type="datetime1">
               <a:rPr kumimoji="1" lang="ja-JP" altLang="en-US" smtClean="0"/>
-              <a:t>2022/1/20</a:t>
+              <a:t>2022/1/21</a:t>
             </a:fld>
             <a:endParaRPr kumimoji="1" lang="ja-JP" altLang="en-US"/>
           </a:p>
@@ -1056,7 +1056,7 @@
           <a:p>
             <a:fld id="{BE6DFB40-8C3F-A944-983D-65243E3E0DC7}" type="datetime1">
               <a:rPr kumimoji="1" lang="ja-JP" altLang="en-US" smtClean="0"/>
-              <a:t>2022/1/20</a:t>
+              <a:t>2022/1/21</a:t>
             </a:fld>
             <a:endParaRPr kumimoji="1" lang="ja-JP" altLang="en-US"/>
           </a:p>
@@ -1272,7 +1272,7 @@
           <a:p>
             <a:fld id="{631B2AF4-14FC-314E-A304-69D6AC20AFC1}" type="datetime1">
               <a:rPr kumimoji="1" lang="ja-JP" altLang="en-US" smtClean="0"/>
-              <a:t>2022/1/20</a:t>
+              <a:t>2022/1/21</a:t>
             </a:fld>
             <a:endParaRPr kumimoji="1" lang="ja-JP" altLang="en-US"/>
           </a:p>
@@ -1478,7 +1478,7 @@
           <a:p>
             <a:fld id="{73EFA7FA-4B80-324E-84D1-8F8384F1BA5D}" type="datetime1">
               <a:rPr kumimoji="1" lang="ja-JP" altLang="en-US" smtClean="0"/>
-              <a:t>2022/1/20</a:t>
+              <a:t>2022/1/21</a:t>
             </a:fld>
             <a:endParaRPr kumimoji="1" lang="ja-JP" altLang="en-US"/>
           </a:p>
@@ -1732,7 +1732,7 @@
           <a:p>
             <a:fld id="{D2E220AC-C2A7-024E-ACAB-4DB6052A376C}" type="datetime1">
               <a:rPr kumimoji="1" lang="ja-JP" altLang="en-US" smtClean="0"/>
-              <a:t>2022/1/20</a:t>
+              <a:t>2022/1/21</a:t>
             </a:fld>
             <a:endParaRPr kumimoji="1" lang="ja-JP" altLang="en-US"/>
           </a:p>
@@ -2032,7 +2032,7 @@
           <a:p>
             <a:fld id="{CC48FC5F-5874-5040-B9D3-0BB86491154B}" type="datetime1">
               <a:rPr kumimoji="1" lang="ja-JP" altLang="en-US" smtClean="0"/>
-              <a:t>2022/1/20</a:t>
+              <a:t>2022/1/21</a:t>
             </a:fld>
             <a:endParaRPr kumimoji="1" lang="ja-JP" altLang="en-US"/>
           </a:p>
@@ -2467,7 +2467,7 @@
           <a:p>
             <a:fld id="{667059AF-CDDF-A545-B437-20B256967FD9}" type="datetime1">
               <a:rPr kumimoji="1" lang="ja-JP" altLang="en-US" smtClean="0"/>
-              <a:t>2022/1/20</a:t>
+              <a:t>2022/1/21</a:t>
             </a:fld>
             <a:endParaRPr kumimoji="1" lang="ja-JP" altLang="en-US"/>
           </a:p>
@@ -2589,7 +2589,7 @@
           <a:p>
             <a:fld id="{15B6534E-A8F6-864C-985B-4DB3D4538E40}" type="datetime1">
               <a:rPr kumimoji="1" lang="ja-JP" altLang="en-US" smtClean="0"/>
-              <a:t>2022/1/20</a:t>
+              <a:t>2022/1/21</a:t>
             </a:fld>
             <a:endParaRPr kumimoji="1" lang="ja-JP" altLang="en-US"/>
           </a:p>
@@ -2688,7 +2688,7 @@
           <a:p>
             <a:fld id="{D63D519C-9325-DD4F-A5F6-0AFD37CE8635}" type="datetime1">
               <a:rPr kumimoji="1" lang="ja-JP" altLang="en-US" smtClean="0"/>
-              <a:t>2022/1/20</a:t>
+              <a:t>2022/1/21</a:t>
             </a:fld>
             <a:endParaRPr kumimoji="1" lang="ja-JP" altLang="en-US"/>
           </a:p>
@@ -3001,7 +3001,7 @@
           <a:p>
             <a:fld id="{5503B069-C866-8C47-A1B1-6AEF053A8792}" type="datetime1">
               <a:rPr kumimoji="1" lang="ja-JP" altLang="en-US" smtClean="0"/>
-              <a:t>2022/1/20</a:t>
+              <a:t>2022/1/21</a:t>
             </a:fld>
             <a:endParaRPr kumimoji="1" lang="ja-JP" altLang="en-US"/>
           </a:p>
@@ -3262,7 +3262,7 @@
           <a:p>
             <a:fld id="{C183513C-F2F4-B940-8F47-6502D3E9B9CA}" type="datetime1">
               <a:rPr kumimoji="1" lang="ja-JP" altLang="en-US" smtClean="0"/>
-              <a:t>2022/1/20</a:t>
+              <a:t>2022/1/21</a:t>
             </a:fld>
             <a:endParaRPr kumimoji="1" lang="ja-JP" altLang="en-US"/>
           </a:p>
@@ -3449,7 +3449,7 @@
           <a:p>
             <a:fld id="{E55A93C3-7990-6040-9FF9-3C243F65B473}" type="datetime1">
               <a:rPr kumimoji="1" lang="ja-JP" altLang="en-US" smtClean="0"/>
-              <a:t>2022/1/20</a:t>
+              <a:t>2022/1/21</a:t>
             </a:fld>
             <a:endParaRPr kumimoji="1" lang="ja-JP" altLang="en-US"/>
           </a:p>
@@ -33693,6 +33693,22 @@
                   <a:schemeClr val="tx1"/>
                 </a:solidFill>
               </a:rPr>
+              <a:t>arweave</a:t>
+            </a:r>
+            <a:r>
+              <a:rPr kumimoji="1" lang="en-US" altLang="ja-JP" sz="1200" dirty="0">
+                <a:solidFill>
+                  <a:schemeClr val="tx1"/>
+                </a:solidFill>
+              </a:rPr>
+              <a:t>, </a:t>
+            </a:r>
+            <a:r>
+              <a:rPr kumimoji="1" lang="en-US" altLang="ja-JP" sz="1200" dirty="0" err="1">
+                <a:solidFill>
+                  <a:schemeClr val="tx1"/>
+                </a:solidFill>
+              </a:rPr>
               <a:t>NFT.Storage</a:t>
             </a:r>
             <a:r>
@@ -36211,67 +36227,20 @@
       </p:pic>
       <p:pic>
         <p:nvPicPr>
-          <p:cNvPr id="1034" name="Picture 10" descr="NFT Storage Logo">
-            <a:extLst>
-              <a:ext uri="{FF2B5EF4-FFF2-40B4-BE49-F238E27FC236}">
-                <a16:creationId xmlns:a16="http://schemas.microsoft.com/office/drawing/2014/main" id="{D517E114-08B9-814B-AF71-9B87F803D7FA}"/>
+          <p:cNvPr id="18" name="図 17">
+            <a:extLst>
+              <a:ext uri="{FF2B5EF4-FFF2-40B4-BE49-F238E27FC236}">
+                <a16:creationId xmlns:a16="http://schemas.microsoft.com/office/drawing/2014/main" id="{3DD7A546-5BEF-A14A-9A0D-43902C7984DD}"/>
               </a:ext>
             </a:extLst>
           </p:cNvPr>
           <p:cNvPicPr>
-            <a:picLocks noChangeAspect="1" noChangeArrowheads="1"/>
+            <a:picLocks noChangeAspect="1"/>
           </p:cNvPicPr>
           <p:nvPr/>
         </p:nvPicPr>
         <p:blipFill>
           <a:blip r:embed="rId9" cstate="screen">
-            <a:extLst>
-              <a:ext uri="{28A0092B-C50C-407E-A947-70E740481C1C}">
-                <a14:useLocalDpi xmlns:a14="http://schemas.microsoft.com/office/drawing/2010/main"/>
-              </a:ext>
-            </a:extLst>
-          </a:blip>
-          <a:srcRect/>
-          <a:stretch>
-            <a:fillRect/>
-          </a:stretch>
-        </p:blipFill>
-        <p:spPr bwMode="auto">
-          <a:xfrm>
-            <a:off x="9751284" y="3518264"/>
-            <a:ext cx="764500" cy="377472"/>
-          </a:xfrm>
-          <a:prstGeom prst="rect">
-            <a:avLst/>
-          </a:prstGeom>
-          <a:noFill/>
-          <a:extLst>
-            <a:ext uri="{909E8E84-426E-40DD-AFC4-6F175D3DCCD1}">
-              <a14:hiddenFill xmlns:a14="http://schemas.microsoft.com/office/drawing/2010/main">
-                <a:solidFill>
-                  <a:srgbClr val="FFFFFF"/>
-                </a:solidFill>
-              </a14:hiddenFill>
-            </a:ext>
-          </a:extLst>
-        </p:spPr>
-      </p:pic>
-      <p:pic>
-        <p:nvPicPr>
-          <p:cNvPr id="18" name="図 17">
-            <a:extLst>
-              <a:ext uri="{FF2B5EF4-FFF2-40B4-BE49-F238E27FC236}">
-                <a16:creationId xmlns:a16="http://schemas.microsoft.com/office/drawing/2014/main" id="{3DD7A546-5BEF-A14A-9A0D-43902C7984DD}"/>
-              </a:ext>
-            </a:extLst>
-          </p:cNvPr>
-          <p:cNvPicPr>
-            <a:picLocks noChangeAspect="1"/>
-          </p:cNvPicPr>
-          <p:nvPr/>
-        </p:nvPicPr>
-        <p:blipFill>
-          <a:blip r:embed="rId10" cstate="screen">
             <a:extLst>
               <a:ext uri="{28A0092B-C50C-407E-A947-70E740481C1C}">
                 <a14:useLocalDpi xmlns:a14="http://schemas.microsoft.com/office/drawing/2010/main"/>
@@ -36286,6 +36255,36 @@
           <a:xfrm>
             <a:off x="9664133" y="1426610"/>
             <a:ext cx="851651" cy="255495"/>
+          </a:xfrm>
+          <a:prstGeom prst="rect">
+            <a:avLst/>
+          </a:prstGeom>
+        </p:spPr>
+      </p:pic>
+      <p:pic>
+        <p:nvPicPr>
+          <p:cNvPr id="23" name="図 22">
+            <a:extLst>
+              <a:ext uri="{FF2B5EF4-FFF2-40B4-BE49-F238E27FC236}">
+                <a16:creationId xmlns:a16="http://schemas.microsoft.com/office/drawing/2014/main" id="{C0D5957B-199F-D340-B1DA-713D46AB572B}"/>
+              </a:ext>
+            </a:extLst>
+          </p:cNvPr>
+          <p:cNvPicPr>
+            <a:picLocks noChangeAspect="1"/>
+          </p:cNvPicPr>
+          <p:nvPr/>
+        </p:nvPicPr>
+        <p:blipFill>
+          <a:blip r:embed="rId10"/>
+          <a:stretch>
+            <a:fillRect/>
+          </a:stretch>
+        </p:blipFill>
+        <p:spPr>
+          <a:xfrm>
+            <a:off x="10086338" y="3512052"/>
+            <a:ext cx="360339" cy="378356"/>
           </a:xfrm>
           <a:prstGeom prst="rect">
             <a:avLst/>

--- a/docs/Solana_Blockchain_Outline_Figure.pptx
+++ b/docs/Solana_Blockchain_Outline_Figure.pptx
@@ -222,7 +222,7 @@
           <a:p>
             <a:fld id="{0E3AE901-84B3-3248-AD12-BEDA7F301CE3}" type="datetimeFigureOut">
               <a:rPr kumimoji="1" lang="ja-JP" altLang="en-US" smtClean="0"/>
-              <a:t>2022/1/23</a:t>
+              <a:t>2022/1/24</a:t>
             </a:fld>
             <a:endParaRPr kumimoji="1" lang="ja-JP" altLang="en-US"/>
           </a:p>
@@ -837,7 +837,7 @@
           <a:p>
             <a:fld id="{E3F90748-6578-AC42-962A-9F4B1F5FBFAD}" type="datetime1">
               <a:rPr kumimoji="1" lang="ja-JP" altLang="en-US" smtClean="0"/>
-              <a:t>2022/1/23</a:t>
+              <a:t>2022/1/24</a:t>
             </a:fld>
             <a:endParaRPr kumimoji="1" lang="ja-JP" altLang="en-US"/>
           </a:p>
@@ -1058,7 +1058,7 @@
           <a:p>
             <a:fld id="{BE6DFB40-8C3F-A944-983D-65243E3E0DC7}" type="datetime1">
               <a:rPr kumimoji="1" lang="ja-JP" altLang="en-US" smtClean="0"/>
-              <a:t>2022/1/23</a:t>
+              <a:t>2022/1/24</a:t>
             </a:fld>
             <a:endParaRPr kumimoji="1" lang="ja-JP" altLang="en-US"/>
           </a:p>
@@ -1274,7 +1274,7 @@
           <a:p>
             <a:fld id="{631B2AF4-14FC-314E-A304-69D6AC20AFC1}" type="datetime1">
               <a:rPr kumimoji="1" lang="ja-JP" altLang="en-US" smtClean="0"/>
-              <a:t>2022/1/23</a:t>
+              <a:t>2022/1/24</a:t>
             </a:fld>
             <a:endParaRPr kumimoji="1" lang="ja-JP" altLang="en-US"/>
           </a:p>
@@ -1480,7 +1480,7 @@
           <a:p>
             <a:fld id="{73EFA7FA-4B80-324E-84D1-8F8384F1BA5D}" type="datetime1">
               <a:rPr kumimoji="1" lang="ja-JP" altLang="en-US" smtClean="0"/>
-              <a:t>2022/1/23</a:t>
+              <a:t>2022/1/24</a:t>
             </a:fld>
             <a:endParaRPr kumimoji="1" lang="ja-JP" altLang="en-US"/>
           </a:p>
@@ -1734,7 +1734,7 @@
           <a:p>
             <a:fld id="{D2E220AC-C2A7-024E-ACAB-4DB6052A376C}" type="datetime1">
               <a:rPr kumimoji="1" lang="ja-JP" altLang="en-US" smtClean="0"/>
-              <a:t>2022/1/23</a:t>
+              <a:t>2022/1/24</a:t>
             </a:fld>
             <a:endParaRPr kumimoji="1" lang="ja-JP" altLang="en-US"/>
           </a:p>
@@ -2034,7 +2034,7 @@
           <a:p>
             <a:fld id="{CC48FC5F-5874-5040-B9D3-0BB86491154B}" type="datetime1">
               <a:rPr kumimoji="1" lang="ja-JP" altLang="en-US" smtClean="0"/>
-              <a:t>2022/1/23</a:t>
+              <a:t>2022/1/24</a:t>
             </a:fld>
             <a:endParaRPr kumimoji="1" lang="ja-JP" altLang="en-US"/>
           </a:p>
@@ -2469,7 +2469,7 @@
           <a:p>
             <a:fld id="{667059AF-CDDF-A545-B437-20B256967FD9}" type="datetime1">
               <a:rPr kumimoji="1" lang="ja-JP" altLang="en-US" smtClean="0"/>
-              <a:t>2022/1/23</a:t>
+              <a:t>2022/1/24</a:t>
             </a:fld>
             <a:endParaRPr kumimoji="1" lang="ja-JP" altLang="en-US"/>
           </a:p>
@@ -2591,7 +2591,7 @@
           <a:p>
             <a:fld id="{15B6534E-A8F6-864C-985B-4DB3D4538E40}" type="datetime1">
               <a:rPr kumimoji="1" lang="ja-JP" altLang="en-US" smtClean="0"/>
-              <a:t>2022/1/23</a:t>
+              <a:t>2022/1/24</a:t>
             </a:fld>
             <a:endParaRPr kumimoji="1" lang="ja-JP" altLang="en-US"/>
           </a:p>
@@ -2690,7 +2690,7 @@
           <a:p>
             <a:fld id="{D63D519C-9325-DD4F-A5F6-0AFD37CE8635}" type="datetime1">
               <a:rPr kumimoji="1" lang="ja-JP" altLang="en-US" smtClean="0"/>
-              <a:t>2022/1/23</a:t>
+              <a:t>2022/1/24</a:t>
             </a:fld>
             <a:endParaRPr kumimoji="1" lang="ja-JP" altLang="en-US"/>
           </a:p>
@@ -3003,7 +3003,7 @@
           <a:p>
             <a:fld id="{5503B069-C866-8C47-A1B1-6AEF053A8792}" type="datetime1">
               <a:rPr kumimoji="1" lang="ja-JP" altLang="en-US" smtClean="0"/>
-              <a:t>2022/1/23</a:t>
+              <a:t>2022/1/24</a:t>
             </a:fld>
             <a:endParaRPr kumimoji="1" lang="ja-JP" altLang="en-US"/>
           </a:p>
@@ -3264,7 +3264,7 @@
           <a:p>
             <a:fld id="{C183513C-F2F4-B940-8F47-6502D3E9B9CA}" type="datetime1">
               <a:rPr kumimoji="1" lang="ja-JP" altLang="en-US" smtClean="0"/>
-              <a:t>2022/1/23</a:t>
+              <a:t>2022/1/24</a:t>
             </a:fld>
             <a:endParaRPr kumimoji="1" lang="ja-JP" altLang="en-US"/>
           </a:p>
@@ -3451,7 +3451,7 @@
           <a:p>
             <a:fld id="{E55A93C3-7990-6040-9FF9-3C243F65B473}" type="datetime1">
               <a:rPr kumimoji="1" lang="ja-JP" altLang="en-US" smtClean="0"/>
-              <a:t>2022/1/23</a:t>
+              <a:t>2022/1/24</a:t>
             </a:fld>
             <a:endParaRPr kumimoji="1" lang="ja-JP" altLang="en-US"/>
           </a:p>
@@ -32401,31 +32401,6 @@
           </a:p>
         </p:txBody>
       </p:sp>
-      <p:sp>
-        <p:nvSpPr>
-          <p:cNvPr id="15" name="コンテンツ プレースホルダー 14">
-            <a:extLst>
-              <a:ext uri="{FF2B5EF4-FFF2-40B4-BE49-F238E27FC236}">
-                <a16:creationId xmlns:a16="http://schemas.microsoft.com/office/drawing/2014/main" id="{966234D7-74EA-A24A-B8ED-96A44C56A751}"/>
-              </a:ext>
-            </a:extLst>
-          </p:cNvPr>
-          <p:cNvSpPr>
-            <a:spLocks noGrp="1"/>
-          </p:cNvSpPr>
-          <p:nvPr>
-            <p:ph idx="1"/>
-          </p:nvPr>
-        </p:nvSpPr>
-        <p:spPr/>
-        <p:txBody>
-          <a:bodyPr/>
-          <a:lstStyle/>
-          <a:p>
-            <a:endParaRPr lang="ja-JP" altLang="en-US"/>
-          </a:p>
-        </p:txBody>
-      </p:sp>
       <p:graphicFrame>
         <p:nvGraphicFramePr>
           <p:cNvPr id="8" name="表 8">
@@ -32441,14 +32416,14 @@
           <p:nvPr>
             <p:extLst>
               <p:ext uri="{D42A27DB-BD31-4B8C-83A1-F6EECF244321}">
-                <p14:modId xmlns:p14="http://schemas.microsoft.com/office/powerpoint/2010/main" val="207610182"/>
+                <p14:modId xmlns:p14="http://schemas.microsoft.com/office/powerpoint/2010/main" val="2584439004"/>
               </p:ext>
             </p:extLst>
           </p:nvPr>
         </p:nvGraphicFramePr>
         <p:xfrm>
-          <a:off x="838199" y="2017354"/>
-          <a:ext cx="10515600" cy="3952088"/>
+          <a:off x="838199" y="1565847"/>
+          <a:ext cx="10515600" cy="4353732"/>
         </p:xfrm>
         <a:graphic>
           <a:graphicData uri="http://schemas.openxmlformats.org/drawingml/2006/table">
@@ -32493,7 +32468,7 @@
                   </a:extLst>
                 </a:gridCol>
               </a:tblGrid>
-              <a:tr h="1023544">
+              <a:tr h="1717212">
                 <a:tc>
                   <a:txBody>
                     <a:bodyPr/>
@@ -32844,7 +32819,7 @@
                   </a:ext>
                 </a:extLst>
               </a:tr>
-              <a:tr h="1023544">
+              <a:tr h="479679">
                 <a:tc>
                   <a:txBody>
                     <a:bodyPr/>
@@ -33404,7 +33379,7 @@
                   </a:ext>
                 </a:extLst>
               </a:tr>
-              <a:tr h="1023544">
+              <a:tr h="151355">
                 <a:tc>
                   <a:txBody>
                     <a:bodyPr/>
@@ -33859,7 +33834,7 @@
         </p:nvGrpSpPr>
         <p:grpSpPr>
           <a:xfrm>
-            <a:off x="2964744" y="1388731"/>
+            <a:off x="2964744" y="937224"/>
             <a:ext cx="8387199" cy="582228"/>
             <a:chOff x="2964744" y="1442383"/>
             <a:chExt cx="8387199" cy="415489"/>
@@ -34121,6 +34096,230 @@
           </p:txBody>
         </p:sp>
       </p:grpSp>
+      <p:pic>
+        <p:nvPicPr>
+          <p:cNvPr id="1030" name="Picture 6">
+            <a:extLst>
+              <a:ext uri="{FF2B5EF4-FFF2-40B4-BE49-F238E27FC236}">
+                <a16:creationId xmlns:a16="http://schemas.microsoft.com/office/drawing/2014/main" id="{4DFEB037-CEAE-BA48-920C-960CB82F0149}"/>
+              </a:ext>
+            </a:extLst>
+          </p:cNvPr>
+          <p:cNvPicPr>
+            <a:picLocks noChangeAspect="1" noChangeArrowheads="1"/>
+          </p:cNvPicPr>
+          <p:nvPr/>
+        </p:nvPicPr>
+        <p:blipFill rotWithShape="1">
+          <a:blip r:embed="rId2" cstate="screen">
+            <a:extLst>
+              <a:ext uri="{28A0092B-C50C-407E-A947-70E740481C1C}">
+                <a14:useLocalDpi xmlns:a14="http://schemas.microsoft.com/office/drawing/2010/main"/>
+              </a:ext>
+            </a:extLst>
+          </a:blip>
+          <a:srcRect/>
+          <a:stretch/>
+        </p:blipFill>
+        <p:spPr bwMode="auto">
+          <a:xfrm>
+            <a:off x="5203555" y="1924294"/>
+            <a:ext cx="1809845" cy="1204678"/>
+          </a:xfrm>
+          <a:prstGeom prst="rect">
+            <a:avLst/>
+          </a:prstGeom>
+          <a:noFill/>
+          <a:extLst>
+            <a:ext uri="{909E8E84-426E-40DD-AFC4-6F175D3DCCD1}">
+              <a14:hiddenFill xmlns:a14="http://schemas.microsoft.com/office/drawing/2010/main">
+                <a:solidFill>
+                  <a:srgbClr val="FFFFFF"/>
+                </a:solidFill>
+              </a14:hiddenFill>
+            </a:ext>
+          </a:extLst>
+        </p:spPr>
+      </p:pic>
+      <p:pic>
+        <p:nvPicPr>
+          <p:cNvPr id="1032" name="Picture 8">
+            <a:extLst>
+              <a:ext uri="{FF2B5EF4-FFF2-40B4-BE49-F238E27FC236}">
+                <a16:creationId xmlns:a16="http://schemas.microsoft.com/office/drawing/2014/main" id="{447A6E71-3D25-514B-8052-4FB3B37EBCE9}"/>
+              </a:ext>
+            </a:extLst>
+          </p:cNvPr>
+          <p:cNvPicPr>
+            <a:picLocks noChangeAspect="1" noChangeArrowheads="1"/>
+          </p:cNvPicPr>
+          <p:nvPr/>
+        </p:nvPicPr>
+        <p:blipFill>
+          <a:blip r:embed="rId3" cstate="screen">
+            <a:extLst>
+              <a:ext uri="{28A0092B-C50C-407E-A947-70E740481C1C}">
+                <a14:useLocalDpi xmlns:a14="http://schemas.microsoft.com/office/drawing/2010/main"/>
+              </a:ext>
+            </a:extLst>
+          </a:blip>
+          <a:srcRect/>
+          <a:stretch>
+            <a:fillRect/>
+          </a:stretch>
+        </p:blipFill>
+        <p:spPr bwMode="auto">
+          <a:xfrm>
+            <a:off x="3103821" y="1924293"/>
+            <a:ext cx="1809845" cy="1204678"/>
+          </a:xfrm>
+          <a:prstGeom prst="rect">
+            <a:avLst/>
+          </a:prstGeom>
+          <a:noFill/>
+          <a:extLst>
+            <a:ext uri="{909E8E84-426E-40DD-AFC4-6F175D3DCCD1}">
+              <a14:hiddenFill xmlns:a14="http://schemas.microsoft.com/office/drawing/2010/main">
+                <a:solidFill>
+                  <a:srgbClr val="FFFFFF"/>
+                </a:solidFill>
+              </a14:hiddenFill>
+            </a:ext>
+          </a:extLst>
+        </p:spPr>
+      </p:pic>
+      <p:pic>
+        <p:nvPicPr>
+          <p:cNvPr id="1034" name="Picture 10">
+            <a:extLst>
+              <a:ext uri="{FF2B5EF4-FFF2-40B4-BE49-F238E27FC236}">
+                <a16:creationId xmlns:a16="http://schemas.microsoft.com/office/drawing/2014/main" id="{E68AE144-A6F6-294F-AF96-62E269934261}"/>
+              </a:ext>
+            </a:extLst>
+          </p:cNvPr>
+          <p:cNvPicPr>
+            <a:picLocks noChangeAspect="1" noChangeArrowheads="1"/>
+          </p:cNvPicPr>
+          <p:nvPr/>
+        </p:nvPicPr>
+        <p:blipFill rotWithShape="1">
+          <a:blip r:embed="rId4" cstate="screen">
+            <a:extLst>
+              <a:ext uri="{28A0092B-C50C-407E-A947-70E740481C1C}">
+                <a14:useLocalDpi xmlns:a14="http://schemas.microsoft.com/office/drawing/2010/main"/>
+              </a:ext>
+            </a:extLst>
+          </a:blip>
+          <a:srcRect/>
+          <a:stretch/>
+        </p:blipFill>
+        <p:spPr bwMode="auto">
+          <a:xfrm>
+            <a:off x="7303287" y="1924293"/>
+            <a:ext cx="1809846" cy="1204678"/>
+          </a:xfrm>
+          <a:prstGeom prst="rect">
+            <a:avLst/>
+          </a:prstGeom>
+          <a:noFill/>
+          <a:extLst>
+            <a:ext uri="{909E8E84-426E-40DD-AFC4-6F175D3DCCD1}">
+              <a14:hiddenFill xmlns:a14="http://schemas.microsoft.com/office/drawing/2010/main">
+                <a:solidFill>
+                  <a:srgbClr val="FFFFFF"/>
+                </a:solidFill>
+              </a14:hiddenFill>
+            </a:ext>
+          </a:extLst>
+        </p:spPr>
+      </p:pic>
+      <p:pic>
+        <p:nvPicPr>
+          <p:cNvPr id="1038" name="Picture 14">
+            <a:extLst>
+              <a:ext uri="{FF2B5EF4-FFF2-40B4-BE49-F238E27FC236}">
+                <a16:creationId xmlns:a16="http://schemas.microsoft.com/office/drawing/2014/main" id="{173F4058-DF04-6F47-AA17-B678F5F964E3}"/>
+              </a:ext>
+            </a:extLst>
+          </p:cNvPr>
+          <p:cNvPicPr>
+            <a:picLocks noChangeAspect="1" noChangeArrowheads="1"/>
+          </p:cNvPicPr>
+          <p:nvPr/>
+        </p:nvPicPr>
+        <p:blipFill>
+          <a:blip r:embed="rId5" cstate="screen">
+            <a:extLst>
+              <a:ext uri="{28A0092B-C50C-407E-A947-70E740481C1C}">
+                <a14:useLocalDpi xmlns:a14="http://schemas.microsoft.com/office/drawing/2010/main"/>
+              </a:ext>
+            </a:extLst>
+          </a:blip>
+          <a:srcRect/>
+          <a:stretch>
+            <a:fillRect/>
+          </a:stretch>
+        </p:blipFill>
+        <p:spPr bwMode="auto">
+          <a:xfrm>
+            <a:off x="9403020" y="1903664"/>
+            <a:ext cx="1809845" cy="1204678"/>
+          </a:xfrm>
+          <a:prstGeom prst="rect">
+            <a:avLst/>
+          </a:prstGeom>
+          <a:noFill/>
+          <a:extLst>
+            <a:ext uri="{909E8E84-426E-40DD-AFC4-6F175D3DCCD1}">
+              <a14:hiddenFill xmlns:a14="http://schemas.microsoft.com/office/drawing/2010/main">
+                <a:solidFill>
+                  <a:srgbClr val="FFFFFF"/>
+                </a:solidFill>
+              </a14:hiddenFill>
+            </a:ext>
+          </a:extLst>
+        </p:spPr>
+      </p:pic>
+      <p:sp>
+        <p:nvSpPr>
+          <p:cNvPr id="19" name="テキスト ボックス 18">
+            <a:extLst>
+              <a:ext uri="{FF2B5EF4-FFF2-40B4-BE49-F238E27FC236}">
+                <a16:creationId xmlns:a16="http://schemas.microsoft.com/office/drawing/2014/main" id="{76B8438A-FF54-2F41-8D68-D36FED53C7E3}"/>
+              </a:ext>
+            </a:extLst>
+          </p:cNvPr>
+          <p:cNvSpPr txBox="1"/>
+          <p:nvPr/>
+        </p:nvSpPr>
+        <p:spPr>
+          <a:xfrm>
+            <a:off x="838199" y="6011006"/>
+            <a:ext cx="6010189" cy="253916"/>
+          </a:xfrm>
+          <a:prstGeom prst="rect">
+            <a:avLst/>
+          </a:prstGeom>
+          <a:noFill/>
+        </p:spPr>
+        <p:txBody>
+          <a:bodyPr wrap="square" rtlCol="0">
+            <a:spAutoFit/>
+          </a:bodyPr>
+          <a:lstStyle/>
+          <a:p>
+            <a:r>
+              <a:rPr kumimoji="1" lang="en-US" altLang="ja-JP" sz="1050" dirty="0"/>
+              <a:t>Pictures: </a:t>
+            </a:r>
+            <a:r>
+              <a:rPr kumimoji="1" lang="en-US" altLang="ja-JP" sz="1050" dirty="0" err="1"/>
+              <a:t>pixabay.com</a:t>
+            </a:r>
+            <a:endParaRPr kumimoji="1" lang="ja-JP" altLang="en-US" sz="1050"/>
+          </a:p>
+        </p:txBody>
+      </p:sp>
     </p:spTree>
     <p:extLst>
       <p:ext uri="{BB962C8B-B14F-4D97-AF65-F5344CB8AC3E}">
@@ -37531,12 +37730,12 @@
           <a:p>
             <a:pPr algn="ctr"/>
             <a:r>
-              <a:rPr kumimoji="1" lang="en-US" altLang="ja-JP" sz="1400">
-                <a:solidFill>
-                  <a:schemeClr val="tx1"/>
-                </a:solidFill>
-              </a:rPr>
-              <a:t>Web3 Team</a:t>
+              <a:rPr kumimoji="1" lang="en-US" altLang="ja-JP" sz="1400" dirty="0">
+                <a:solidFill>
+                  <a:schemeClr val="tx1"/>
+                </a:solidFill>
+              </a:rPr>
+              <a:t>Web3.0 Team</a:t>
             </a:r>
           </a:p>
         </p:txBody>
@@ -39078,12 +39277,12 @@
           <a:p>
             <a:pPr algn="ctr"/>
             <a:r>
-              <a:rPr kumimoji="1" lang="en-US" altLang="ja-JP" sz="1400">
-                <a:solidFill>
-                  <a:schemeClr val="tx1"/>
-                </a:solidFill>
-              </a:rPr>
-              <a:t>Web3 Team</a:t>
+              <a:rPr kumimoji="1" lang="en-US" altLang="ja-JP" sz="1400" dirty="0">
+                <a:solidFill>
+                  <a:schemeClr val="tx1"/>
+                </a:solidFill>
+              </a:rPr>
+              <a:t>Consumers</a:t>
             </a:r>
           </a:p>
         </p:txBody>
@@ -39216,7 +39415,7 @@
             <a:lstStyle/>
             <a:p>
               <a:pPr algn="ctr"/>
-              <a:endParaRPr kumimoji="1" lang="en-US" altLang="ja-JP" sz="1200">
+              <a:endParaRPr kumimoji="1" lang="en-US" altLang="ja-JP" sz="1200" dirty="0">
                 <a:solidFill>
                   <a:schemeClr val="tx1"/>
                 </a:solidFill>
@@ -39224,7 +39423,7 @@
             </a:p>
             <a:p>
               <a:pPr algn="ctr"/>
-              <a:endParaRPr kumimoji="1" lang="en-US" altLang="ja-JP" sz="1200">
+              <a:endParaRPr kumimoji="1" lang="en-US" altLang="ja-JP" sz="1200" dirty="0">
                 <a:solidFill>
                   <a:schemeClr val="tx1"/>
                 </a:solidFill>
@@ -39233,12 +39432,12 @@
             <a:p>
               <a:pPr algn="ctr"/>
               <a:r>
-                <a:rPr kumimoji="1" lang="en-US" altLang="ja-JP" sz="1200">
+                <a:rPr kumimoji="1" lang="en-US" altLang="ja-JP" sz="1200" dirty="0">
                   <a:solidFill>
                     <a:schemeClr val="tx1"/>
                   </a:solidFill>
                 </a:rPr>
-                <a:t>User</a:t>
+                <a:t>User B</a:t>
               </a:r>
               <a:endParaRPr kumimoji="1" lang="ja-JP" altLang="en-US" sz="1200">
                 <a:solidFill>
@@ -39377,7 +39576,7 @@
             <a:lstStyle/>
             <a:p>
               <a:pPr algn="ctr"/>
-              <a:endParaRPr kumimoji="1" lang="en-US" altLang="ja-JP" sz="1200">
+              <a:endParaRPr kumimoji="1" lang="en-US" altLang="ja-JP" sz="1200" dirty="0">
                 <a:solidFill>
                   <a:schemeClr val="tx1"/>
                 </a:solidFill>
@@ -39385,7 +39584,7 @@
             </a:p>
             <a:p>
               <a:pPr algn="ctr"/>
-              <a:endParaRPr kumimoji="1" lang="en-US" altLang="ja-JP" sz="1200">
+              <a:endParaRPr kumimoji="1" lang="en-US" altLang="ja-JP" sz="1200" dirty="0">
                 <a:solidFill>
                   <a:schemeClr val="tx1"/>
                 </a:solidFill>
@@ -39394,12 +39593,12 @@
             <a:p>
               <a:pPr algn="ctr"/>
               <a:r>
-                <a:rPr kumimoji="1" lang="en-US" altLang="ja-JP" sz="1200">
+                <a:rPr kumimoji="1" lang="en-US" altLang="ja-JP" sz="1200" dirty="0">
                   <a:solidFill>
                     <a:schemeClr val="tx1"/>
                   </a:solidFill>
                 </a:rPr>
-                <a:t>User</a:t>
+                <a:t>User A</a:t>
               </a:r>
               <a:endParaRPr kumimoji="1" lang="ja-JP" altLang="en-US" sz="1200">
                 <a:solidFill>
@@ -43323,7 +43522,13 @@
           <p:nvPr/>
         </p:nvPicPr>
         <p:blipFill>
-          <a:blip r:embed="rId10"/>
+          <a:blip r:embed="rId10" cstate="screen">
+            <a:extLst>
+              <a:ext uri="{28A0092B-C50C-407E-A947-70E740481C1C}">
+                <a14:useLocalDpi xmlns:a14="http://schemas.microsoft.com/office/drawing/2010/main"/>
+              </a:ext>
+            </a:extLst>
+          </a:blip>
           <a:stretch>
             <a:fillRect/>
           </a:stretch>

--- a/docs/Solana_Blockchain_Outline_Figure.pptx
+++ b/docs/Solana_Blockchain_Outline_Figure.pptx
@@ -5,7 +5,7 @@
     <p:sldMasterId id="2147483672" r:id="rId1"/>
   </p:sldMasterIdLst>
   <p:notesMasterIdLst>
-    <p:notesMasterId r:id="rId28"/>
+    <p:notesMasterId r:id="rId34"/>
   </p:notesMasterIdLst>
   <p:sldIdLst>
     <p:sldId id="256" r:id="rId2"/>
@@ -15,25 +15,31 @@
     <p:sldId id="262" r:id="rId6"/>
     <p:sldId id="263" r:id="rId7"/>
     <p:sldId id="264" r:id="rId8"/>
-    <p:sldId id="260" r:id="rId9"/>
-    <p:sldId id="278" r:id="rId10"/>
-    <p:sldId id="280" r:id="rId11"/>
-    <p:sldId id="281" r:id="rId12"/>
-    <p:sldId id="282" r:id="rId13"/>
-    <p:sldId id="283" r:id="rId14"/>
-    <p:sldId id="267" r:id="rId15"/>
-    <p:sldId id="258" r:id="rId16"/>
-    <p:sldId id="259" r:id="rId17"/>
-    <p:sldId id="269" r:id="rId18"/>
-    <p:sldId id="272" r:id="rId19"/>
-    <p:sldId id="271" r:id="rId20"/>
-    <p:sldId id="273" r:id="rId21"/>
-    <p:sldId id="274" r:id="rId22"/>
-    <p:sldId id="276" r:id="rId23"/>
-    <p:sldId id="277" r:id="rId24"/>
-    <p:sldId id="268" r:id="rId25"/>
-    <p:sldId id="265" r:id="rId26"/>
-    <p:sldId id="275" r:id="rId27"/>
+    <p:sldId id="286" r:id="rId9"/>
+    <p:sldId id="260" r:id="rId10"/>
+    <p:sldId id="289" r:id="rId11"/>
+    <p:sldId id="290" r:id="rId12"/>
+    <p:sldId id="291" r:id="rId13"/>
+    <p:sldId id="278" r:id="rId14"/>
+    <p:sldId id="280" r:id="rId15"/>
+    <p:sldId id="281" r:id="rId16"/>
+    <p:sldId id="282" r:id="rId17"/>
+    <p:sldId id="283" r:id="rId18"/>
+    <p:sldId id="267" r:id="rId19"/>
+    <p:sldId id="258" r:id="rId20"/>
+    <p:sldId id="287" r:id="rId21"/>
+    <p:sldId id="259" r:id="rId22"/>
+    <p:sldId id="288" r:id="rId23"/>
+    <p:sldId id="269" r:id="rId24"/>
+    <p:sldId id="272" r:id="rId25"/>
+    <p:sldId id="271" r:id="rId26"/>
+    <p:sldId id="273" r:id="rId27"/>
+    <p:sldId id="274" r:id="rId28"/>
+    <p:sldId id="276" r:id="rId29"/>
+    <p:sldId id="277" r:id="rId30"/>
+    <p:sldId id="268" r:id="rId31"/>
+    <p:sldId id="265" r:id="rId32"/>
+    <p:sldId id="275" r:id="rId33"/>
   </p:sldIdLst>
   <p:sldSz cx="12192000" cy="6858000"/>
   <p:notesSz cx="6858000" cy="9144000"/>
@@ -222,7 +228,7 @@
           <a:p>
             <a:fld id="{0E3AE901-84B3-3248-AD12-BEDA7F301CE3}" type="datetimeFigureOut">
               <a:rPr kumimoji="1" lang="ja-JP" altLang="en-US" smtClean="0"/>
-              <a:t>2022/1/24</a:t>
+              <a:t>2022/1/25</a:t>
             </a:fld>
             <a:endParaRPr kumimoji="1" lang="ja-JP" altLang="en-US"/>
           </a:p>
@@ -670,7 +676,7 @@
           <a:p>
             <a:fld id="{F1E89903-B24E-AB4B-9164-3704844A834F}" type="slidenum">
               <a:rPr kumimoji="1" lang="ja-JP" altLang="en-US" smtClean="0"/>
-              <a:t>7</a:t>
+              <a:t>8</a:t>
             </a:fld>
             <a:endParaRPr kumimoji="1" lang="ja-JP" altLang="en-US"/>
           </a:p>
@@ -837,7 +843,7 @@
           <a:p>
             <a:fld id="{E3F90748-6578-AC42-962A-9F4B1F5FBFAD}" type="datetime1">
               <a:rPr kumimoji="1" lang="ja-JP" altLang="en-US" smtClean="0"/>
-              <a:t>2022/1/24</a:t>
+              <a:t>2022/1/25</a:t>
             </a:fld>
             <a:endParaRPr kumimoji="1" lang="ja-JP" altLang="en-US"/>
           </a:p>
@@ -1058,7 +1064,7 @@
           <a:p>
             <a:fld id="{BE6DFB40-8C3F-A944-983D-65243E3E0DC7}" type="datetime1">
               <a:rPr kumimoji="1" lang="ja-JP" altLang="en-US" smtClean="0"/>
-              <a:t>2022/1/24</a:t>
+              <a:t>2022/1/25</a:t>
             </a:fld>
             <a:endParaRPr kumimoji="1" lang="ja-JP" altLang="en-US"/>
           </a:p>
@@ -1274,7 +1280,7 @@
           <a:p>
             <a:fld id="{631B2AF4-14FC-314E-A304-69D6AC20AFC1}" type="datetime1">
               <a:rPr kumimoji="1" lang="ja-JP" altLang="en-US" smtClean="0"/>
-              <a:t>2022/1/24</a:t>
+              <a:t>2022/1/25</a:t>
             </a:fld>
             <a:endParaRPr kumimoji="1" lang="ja-JP" altLang="en-US"/>
           </a:p>
@@ -1480,7 +1486,7 @@
           <a:p>
             <a:fld id="{73EFA7FA-4B80-324E-84D1-8F8384F1BA5D}" type="datetime1">
               <a:rPr kumimoji="1" lang="ja-JP" altLang="en-US" smtClean="0"/>
-              <a:t>2022/1/24</a:t>
+              <a:t>2022/1/25</a:t>
             </a:fld>
             <a:endParaRPr kumimoji="1" lang="ja-JP" altLang="en-US"/>
           </a:p>
@@ -1734,7 +1740,7 @@
           <a:p>
             <a:fld id="{D2E220AC-C2A7-024E-ACAB-4DB6052A376C}" type="datetime1">
               <a:rPr kumimoji="1" lang="ja-JP" altLang="en-US" smtClean="0"/>
-              <a:t>2022/1/24</a:t>
+              <a:t>2022/1/25</a:t>
             </a:fld>
             <a:endParaRPr kumimoji="1" lang="ja-JP" altLang="en-US"/>
           </a:p>
@@ -2034,7 +2040,7 @@
           <a:p>
             <a:fld id="{CC48FC5F-5874-5040-B9D3-0BB86491154B}" type="datetime1">
               <a:rPr kumimoji="1" lang="ja-JP" altLang="en-US" smtClean="0"/>
-              <a:t>2022/1/24</a:t>
+              <a:t>2022/1/25</a:t>
             </a:fld>
             <a:endParaRPr kumimoji="1" lang="ja-JP" altLang="en-US"/>
           </a:p>
@@ -2469,7 +2475,7 @@
           <a:p>
             <a:fld id="{667059AF-CDDF-A545-B437-20B256967FD9}" type="datetime1">
               <a:rPr kumimoji="1" lang="ja-JP" altLang="en-US" smtClean="0"/>
-              <a:t>2022/1/24</a:t>
+              <a:t>2022/1/25</a:t>
             </a:fld>
             <a:endParaRPr kumimoji="1" lang="ja-JP" altLang="en-US"/>
           </a:p>
@@ -2591,7 +2597,7 @@
           <a:p>
             <a:fld id="{15B6534E-A8F6-864C-985B-4DB3D4538E40}" type="datetime1">
               <a:rPr kumimoji="1" lang="ja-JP" altLang="en-US" smtClean="0"/>
-              <a:t>2022/1/24</a:t>
+              <a:t>2022/1/25</a:t>
             </a:fld>
             <a:endParaRPr kumimoji="1" lang="ja-JP" altLang="en-US"/>
           </a:p>
@@ -2690,7 +2696,7 @@
           <a:p>
             <a:fld id="{D63D519C-9325-DD4F-A5F6-0AFD37CE8635}" type="datetime1">
               <a:rPr kumimoji="1" lang="ja-JP" altLang="en-US" smtClean="0"/>
-              <a:t>2022/1/24</a:t>
+              <a:t>2022/1/25</a:t>
             </a:fld>
             <a:endParaRPr kumimoji="1" lang="ja-JP" altLang="en-US"/>
           </a:p>
@@ -3003,7 +3009,7 @@
           <a:p>
             <a:fld id="{5503B069-C866-8C47-A1B1-6AEF053A8792}" type="datetime1">
               <a:rPr kumimoji="1" lang="ja-JP" altLang="en-US" smtClean="0"/>
-              <a:t>2022/1/24</a:t>
+              <a:t>2022/1/25</a:t>
             </a:fld>
             <a:endParaRPr kumimoji="1" lang="ja-JP" altLang="en-US"/>
           </a:p>
@@ -3264,7 +3270,7 @@
           <a:p>
             <a:fld id="{C183513C-F2F4-B940-8F47-6502D3E9B9CA}" type="datetime1">
               <a:rPr kumimoji="1" lang="ja-JP" altLang="en-US" smtClean="0"/>
-              <a:t>2022/1/24</a:t>
+              <a:t>2022/1/25</a:t>
             </a:fld>
             <a:endParaRPr kumimoji="1" lang="ja-JP" altLang="en-US"/>
           </a:p>
@@ -3451,7 +3457,7 @@
           <a:p>
             <a:fld id="{E55A93C3-7990-6040-9FF9-3C243F65B473}" type="datetime1">
               <a:rPr kumimoji="1" lang="ja-JP" altLang="en-US" smtClean="0"/>
-              <a:t>2022/1/24</a:t>
+              <a:t>2022/1/25</a:t>
             </a:fld>
             <a:endParaRPr kumimoji="1" lang="ja-JP" altLang="en-US"/>
           </a:p>
@@ -4021,10 +4027,10 @@
       </p:grpSpPr>
       <p:sp>
         <p:nvSpPr>
-          <p:cNvPr id="2" name="タイトル 1">
-            <a:extLst>
-              <a:ext uri="{FF2B5EF4-FFF2-40B4-BE49-F238E27FC236}">
-                <a16:creationId xmlns:a16="http://schemas.microsoft.com/office/drawing/2014/main" id="{563A1334-3CBF-AA42-9FB2-054591DB6A36}"/>
+          <p:cNvPr id="6" name="タイトル 5">
+            <a:extLst>
+              <a:ext uri="{FF2B5EF4-FFF2-40B4-BE49-F238E27FC236}">
+                <a16:creationId xmlns:a16="http://schemas.microsoft.com/office/drawing/2014/main" id="{56AA0D49-BC0A-8947-849A-944C6C23C473}"/>
               </a:ext>
             </a:extLst>
           </p:cNvPr>
@@ -4041,10 +4047,35 @@
           <a:lstStyle/>
           <a:p>
             <a:r>
-              <a:rPr kumimoji="1" lang="en-US" altLang="ja-JP"/>
-              <a:t>Transaction Process with Phantom Wallet (Draft)</a:t>
-            </a:r>
-            <a:endParaRPr kumimoji="1" lang="ja-JP" altLang="en-US"/>
+              <a:rPr lang="en-US" altLang="ja-JP" dirty="0"/>
+              <a:t>NFT</a:t>
+            </a:r>
+            <a:endParaRPr lang="ja-JP" altLang="en-US"/>
+          </a:p>
+        </p:txBody>
+      </p:sp>
+      <p:sp>
+        <p:nvSpPr>
+          <p:cNvPr id="7" name="テキスト プレースホルダー 6">
+            <a:extLst>
+              <a:ext uri="{FF2B5EF4-FFF2-40B4-BE49-F238E27FC236}">
+                <a16:creationId xmlns:a16="http://schemas.microsoft.com/office/drawing/2014/main" id="{C06B7392-3295-0D4C-BDB5-BFCC92D9FBE9}"/>
+              </a:ext>
+            </a:extLst>
+          </p:cNvPr>
+          <p:cNvSpPr>
+            <a:spLocks noGrp="1"/>
+          </p:cNvSpPr>
+          <p:nvPr>
+            <p:ph type="body" idx="1"/>
+          </p:nvPr>
+        </p:nvSpPr>
+        <p:spPr/>
+        <p:txBody>
+          <a:bodyPr/>
+          <a:lstStyle/>
+          <a:p>
+            <a:endParaRPr lang="ja-JP" altLang="en-US"/>
           </a:p>
         </p:txBody>
       </p:sp>
@@ -4053,7 +4084,7 @@
           <p:cNvPr id="4" name="フッター プレースホルダー 3">
             <a:extLst>
               <a:ext uri="{FF2B5EF4-FFF2-40B4-BE49-F238E27FC236}">
-                <a16:creationId xmlns:a16="http://schemas.microsoft.com/office/drawing/2014/main" id="{DD06772D-5BDF-EC4C-A7EB-A223E5599C4C}"/>
+                <a16:creationId xmlns:a16="http://schemas.microsoft.com/office/drawing/2014/main" id="{03DDA0EC-0424-D44E-A2F2-30EFB2207FF1}"/>
               </a:ext>
             </a:extLst>
           </p:cNvPr>
@@ -4082,7 +4113,7 @@
           <p:cNvPr id="5" name="スライド番号プレースホルダー 4">
             <a:extLst>
               <a:ext uri="{FF2B5EF4-FFF2-40B4-BE49-F238E27FC236}">
-                <a16:creationId xmlns:a16="http://schemas.microsoft.com/office/drawing/2014/main" id="{B5A99A95-0A78-DB4A-9870-BC20310EE1B1}"/>
+                <a16:creationId xmlns:a16="http://schemas.microsoft.com/office/drawing/2014/main" id="{94CCCD99-BD8D-964F-99A9-262A5E9BBB71}"/>
               </a:ext>
             </a:extLst>
           </p:cNvPr>
@@ -4101,6 +4132,1292 @@
             <a:fld id="{51BE5F08-58E8-9243-A834-2B76637F595D}" type="slidenum">
               <a:rPr kumimoji="1" lang="ja-JP" altLang="en-US" smtClean="0"/>
               <a:t>9</a:t>
+            </a:fld>
+            <a:endParaRPr kumimoji="1" lang="ja-JP" altLang="en-US"/>
+          </a:p>
+        </p:txBody>
+      </p:sp>
+    </p:spTree>
+    <p:extLst>
+      <p:ext uri="{BB962C8B-B14F-4D97-AF65-F5344CB8AC3E}">
+        <p14:creationId xmlns:p14="http://schemas.microsoft.com/office/powerpoint/2010/main" val="2143241874"/>
+      </p:ext>
+    </p:extLst>
+  </p:cSld>
+  <p:clrMapOvr>
+    <a:masterClrMapping/>
+  </p:clrMapOvr>
+</p:sld>
+</file>
+
+<file path=ppt/slides/slide11.xml><?xml version="1.0" encoding="utf-8"?>
+<p:sld xmlns:a="http://schemas.openxmlformats.org/drawingml/2006/main" xmlns:r="http://schemas.openxmlformats.org/officeDocument/2006/relationships" xmlns:p="http://schemas.openxmlformats.org/presentationml/2006/main">
+  <p:cSld>
+    <p:spTree>
+      <p:nvGrpSpPr>
+        <p:cNvPr id="1" name=""/>
+        <p:cNvGrpSpPr/>
+        <p:nvPr/>
+      </p:nvGrpSpPr>
+      <p:grpSpPr>
+        <a:xfrm>
+          <a:off x="0" y="0"/>
+          <a:ext cx="0" cy="0"/>
+          <a:chOff x="0" y="0"/>
+          <a:chExt cx="0" cy="0"/>
+        </a:xfrm>
+      </p:grpSpPr>
+      <p:sp>
+        <p:nvSpPr>
+          <p:cNvPr id="2" name="タイトル 1">
+            <a:extLst>
+              <a:ext uri="{FF2B5EF4-FFF2-40B4-BE49-F238E27FC236}">
+                <a16:creationId xmlns:a16="http://schemas.microsoft.com/office/drawing/2014/main" id="{490DE793-BE15-4348-9096-F8CC4E4C9E9F}"/>
+              </a:ext>
+            </a:extLst>
+          </p:cNvPr>
+          <p:cNvSpPr>
+            <a:spLocks noGrp="1"/>
+          </p:cNvSpPr>
+          <p:nvPr>
+            <p:ph type="title"/>
+          </p:nvPr>
+        </p:nvSpPr>
+        <p:spPr/>
+        <p:txBody>
+          <a:bodyPr/>
+          <a:lstStyle/>
+          <a:p>
+            <a:r>
+              <a:rPr kumimoji="1" lang="en-US" altLang="ja-JP" dirty="0"/>
+              <a:t>NFT Transaction Process</a:t>
+            </a:r>
+            <a:endParaRPr kumimoji="1" lang="ja-JP" altLang="en-US"/>
+          </a:p>
+        </p:txBody>
+      </p:sp>
+      <p:sp>
+        <p:nvSpPr>
+          <p:cNvPr id="3" name="コンテンツ プレースホルダー 2">
+            <a:extLst>
+              <a:ext uri="{FF2B5EF4-FFF2-40B4-BE49-F238E27FC236}">
+                <a16:creationId xmlns:a16="http://schemas.microsoft.com/office/drawing/2014/main" id="{522E7875-539C-A444-8F79-75EDDE2E04FB}"/>
+              </a:ext>
+            </a:extLst>
+          </p:cNvPr>
+          <p:cNvSpPr>
+            <a:spLocks noGrp="1"/>
+          </p:cNvSpPr>
+          <p:nvPr>
+            <p:ph idx="1"/>
+          </p:nvPr>
+        </p:nvSpPr>
+        <p:spPr/>
+        <p:txBody>
+          <a:bodyPr/>
+          <a:lstStyle/>
+          <a:p>
+            <a:endParaRPr kumimoji="1" lang="ja-JP" altLang="en-US"/>
+          </a:p>
+        </p:txBody>
+      </p:sp>
+      <p:sp>
+        <p:nvSpPr>
+          <p:cNvPr id="4" name="フッター プレースホルダー 3">
+            <a:extLst>
+              <a:ext uri="{FF2B5EF4-FFF2-40B4-BE49-F238E27FC236}">
+                <a16:creationId xmlns:a16="http://schemas.microsoft.com/office/drawing/2014/main" id="{BF8F15E5-F334-8E48-AC68-DBA84B9A62FE}"/>
+              </a:ext>
+            </a:extLst>
+          </p:cNvPr>
+          <p:cNvSpPr>
+            <a:spLocks noGrp="1"/>
+          </p:cNvSpPr>
+          <p:nvPr>
+            <p:ph type="ftr" sz="quarter" idx="11"/>
+          </p:nvPr>
+        </p:nvSpPr>
+        <p:spPr/>
+        <p:txBody>
+          <a:bodyPr/>
+          <a:lstStyle/>
+          <a:p>
+            <a:r>
+              <a:rPr kumimoji="1" lang="en-US" altLang="ja-JP"/>
+              <a:t>256hax</a:t>
+            </a:r>
+            <a:endParaRPr kumimoji="1" lang="ja-JP" altLang="en-US"/>
+          </a:p>
+        </p:txBody>
+      </p:sp>
+      <p:sp>
+        <p:nvSpPr>
+          <p:cNvPr id="5" name="スライド番号プレースホルダー 4">
+            <a:extLst>
+              <a:ext uri="{FF2B5EF4-FFF2-40B4-BE49-F238E27FC236}">
+                <a16:creationId xmlns:a16="http://schemas.microsoft.com/office/drawing/2014/main" id="{A2032790-9EDE-4649-ACFD-68AA7CC267A1}"/>
+              </a:ext>
+            </a:extLst>
+          </p:cNvPr>
+          <p:cNvSpPr>
+            <a:spLocks noGrp="1"/>
+          </p:cNvSpPr>
+          <p:nvPr>
+            <p:ph type="sldNum" sz="quarter" idx="12"/>
+          </p:nvPr>
+        </p:nvSpPr>
+        <p:spPr/>
+        <p:txBody>
+          <a:bodyPr/>
+          <a:lstStyle/>
+          <a:p>
+            <a:fld id="{51BE5F08-58E8-9243-A834-2B76637F595D}" type="slidenum">
+              <a:rPr kumimoji="1" lang="ja-JP" altLang="en-US" smtClean="0"/>
+              <a:t>10</a:t>
+            </a:fld>
+            <a:endParaRPr kumimoji="1" lang="ja-JP" altLang="en-US"/>
+          </a:p>
+        </p:txBody>
+      </p:sp>
+      <p:sp>
+        <p:nvSpPr>
+          <p:cNvPr id="6" name="正方形/長方形 5">
+            <a:extLst>
+              <a:ext uri="{FF2B5EF4-FFF2-40B4-BE49-F238E27FC236}">
+                <a16:creationId xmlns:a16="http://schemas.microsoft.com/office/drawing/2014/main" id="{3049080D-DDFE-114F-B7F8-990DEEE9F225}"/>
+              </a:ext>
+            </a:extLst>
+          </p:cNvPr>
+          <p:cNvSpPr/>
+          <p:nvPr/>
+        </p:nvSpPr>
+        <p:spPr>
+          <a:xfrm rot="1725816">
+            <a:off x="2240446" y="2950520"/>
+            <a:ext cx="8028248" cy="365126"/>
+          </a:xfrm>
+          <a:prstGeom prst="rect">
+            <a:avLst/>
+          </a:prstGeom>
+          <a:solidFill>
+            <a:schemeClr val="accent4">
+              <a:lumMod val="20000"/>
+              <a:lumOff val="80000"/>
+            </a:schemeClr>
+          </a:solidFill>
+          <a:ln>
+            <a:solidFill>
+              <a:schemeClr val="tx1"/>
+            </a:solidFill>
+          </a:ln>
+        </p:spPr>
+        <p:style>
+          <a:lnRef idx="2">
+            <a:schemeClr val="accent1">
+              <a:shade val="50000"/>
+            </a:schemeClr>
+          </a:lnRef>
+          <a:fillRef idx="1">
+            <a:schemeClr val="accent1"/>
+          </a:fillRef>
+          <a:effectRef idx="0">
+            <a:schemeClr val="accent1"/>
+          </a:effectRef>
+          <a:fontRef idx="minor">
+            <a:schemeClr val="lt1"/>
+          </a:fontRef>
+        </p:style>
+        <p:txBody>
+          <a:bodyPr rtlCol="0" anchor="ctr"/>
+          <a:lstStyle/>
+          <a:p>
+            <a:pPr algn="ctr"/>
+            <a:r>
+              <a:rPr kumimoji="1" lang="en-US" altLang="ja-JP" sz="1600">
+                <a:solidFill>
+                  <a:schemeClr val="tx1"/>
+                </a:solidFill>
+              </a:rPr>
+              <a:t>WIP</a:t>
+            </a:r>
+            <a:endParaRPr kumimoji="1" lang="ja-JP" altLang="en-US" sz="1600">
+              <a:solidFill>
+                <a:schemeClr val="tx1"/>
+              </a:solidFill>
+            </a:endParaRPr>
+          </a:p>
+        </p:txBody>
+      </p:sp>
+    </p:spTree>
+    <p:extLst>
+      <p:ext uri="{BB962C8B-B14F-4D97-AF65-F5344CB8AC3E}">
+        <p14:creationId xmlns:p14="http://schemas.microsoft.com/office/powerpoint/2010/main" val="2598577979"/>
+      </p:ext>
+    </p:extLst>
+  </p:cSld>
+  <p:clrMapOvr>
+    <a:masterClrMapping/>
+  </p:clrMapOvr>
+</p:sld>
+</file>
+
+<file path=ppt/slides/slide12.xml><?xml version="1.0" encoding="utf-8"?>
+<p:sld xmlns:a="http://schemas.openxmlformats.org/drawingml/2006/main" xmlns:r="http://schemas.openxmlformats.org/officeDocument/2006/relationships" xmlns:p="http://schemas.openxmlformats.org/presentationml/2006/main">
+  <p:cSld>
+    <p:spTree>
+      <p:nvGrpSpPr>
+        <p:cNvPr id="1" name=""/>
+        <p:cNvGrpSpPr/>
+        <p:nvPr/>
+      </p:nvGrpSpPr>
+      <p:grpSpPr>
+        <a:xfrm>
+          <a:off x="0" y="0"/>
+          <a:ext cx="0" cy="0"/>
+          <a:chOff x="0" y="0"/>
+          <a:chExt cx="0" cy="0"/>
+        </a:xfrm>
+      </p:grpSpPr>
+      <p:sp>
+        <p:nvSpPr>
+          <p:cNvPr id="2" name="タイトル 1">
+            <a:extLst>
+              <a:ext uri="{FF2B5EF4-FFF2-40B4-BE49-F238E27FC236}">
+                <a16:creationId xmlns:a16="http://schemas.microsoft.com/office/drawing/2014/main" id="{EEF25D71-4281-D94B-A7BF-3615D8DBE535}"/>
+              </a:ext>
+            </a:extLst>
+          </p:cNvPr>
+          <p:cNvSpPr>
+            <a:spLocks noGrp="1"/>
+          </p:cNvSpPr>
+          <p:nvPr>
+            <p:ph type="title"/>
+          </p:nvPr>
+        </p:nvSpPr>
+        <p:spPr/>
+        <p:txBody>
+          <a:bodyPr/>
+          <a:lstStyle/>
+          <a:p>
+            <a:r>
+              <a:rPr kumimoji="1" lang="en-US" altLang="ja-JP" dirty="0"/>
+              <a:t>Metaplex Admin Settings Transaction</a:t>
+            </a:r>
+            <a:endParaRPr kumimoji="1" lang="ja-JP" altLang="en-US"/>
+          </a:p>
+        </p:txBody>
+      </p:sp>
+      <p:sp>
+        <p:nvSpPr>
+          <p:cNvPr id="3" name="コンテンツ プレースホルダー 2">
+            <a:extLst>
+              <a:ext uri="{FF2B5EF4-FFF2-40B4-BE49-F238E27FC236}">
+                <a16:creationId xmlns:a16="http://schemas.microsoft.com/office/drawing/2014/main" id="{BD71C4D1-E61E-FE4A-B535-D341BF9239D1}"/>
+              </a:ext>
+            </a:extLst>
+          </p:cNvPr>
+          <p:cNvSpPr>
+            <a:spLocks noGrp="1"/>
+          </p:cNvSpPr>
+          <p:nvPr>
+            <p:ph idx="1"/>
+          </p:nvPr>
+        </p:nvSpPr>
+        <p:spPr/>
+        <p:txBody>
+          <a:bodyPr/>
+          <a:lstStyle/>
+          <a:p>
+            <a:r>
+              <a:rPr kumimoji="1" lang="en-US" altLang="ja-JP" dirty="0"/>
+              <a:t>Add store info and whitelist to </a:t>
+            </a:r>
+            <a:r>
+              <a:rPr lang="en-US" altLang="ja-JP" dirty="0"/>
+              <a:t>State Account </a:t>
+            </a:r>
+            <a:r>
+              <a:rPr kumimoji="1" lang="en-US" altLang="ja-JP" dirty="0"/>
+              <a:t>when you Submit.</a:t>
+            </a:r>
+            <a:endParaRPr kumimoji="1" lang="ja-JP" altLang="en-US"/>
+          </a:p>
+        </p:txBody>
+      </p:sp>
+      <p:sp>
+        <p:nvSpPr>
+          <p:cNvPr id="4" name="フッター プレースホルダー 3">
+            <a:extLst>
+              <a:ext uri="{FF2B5EF4-FFF2-40B4-BE49-F238E27FC236}">
+                <a16:creationId xmlns:a16="http://schemas.microsoft.com/office/drawing/2014/main" id="{9FA348E4-6622-5047-BA83-5043C4EDF497}"/>
+              </a:ext>
+            </a:extLst>
+          </p:cNvPr>
+          <p:cNvSpPr>
+            <a:spLocks noGrp="1"/>
+          </p:cNvSpPr>
+          <p:nvPr>
+            <p:ph type="ftr" sz="quarter" idx="11"/>
+          </p:nvPr>
+        </p:nvSpPr>
+        <p:spPr/>
+        <p:txBody>
+          <a:bodyPr/>
+          <a:lstStyle/>
+          <a:p>
+            <a:r>
+              <a:rPr kumimoji="1" lang="en-US" altLang="ja-JP" dirty="0"/>
+              <a:t>256hax</a:t>
+            </a:r>
+            <a:endParaRPr kumimoji="1" lang="ja-JP" altLang="en-US"/>
+          </a:p>
+        </p:txBody>
+      </p:sp>
+      <p:sp>
+        <p:nvSpPr>
+          <p:cNvPr id="5" name="スライド番号プレースホルダー 4">
+            <a:extLst>
+              <a:ext uri="{FF2B5EF4-FFF2-40B4-BE49-F238E27FC236}">
+                <a16:creationId xmlns:a16="http://schemas.microsoft.com/office/drawing/2014/main" id="{AFE5723A-7EF9-F948-A937-6298295A265D}"/>
+              </a:ext>
+            </a:extLst>
+          </p:cNvPr>
+          <p:cNvSpPr>
+            <a:spLocks noGrp="1"/>
+          </p:cNvSpPr>
+          <p:nvPr>
+            <p:ph type="sldNum" sz="quarter" idx="12"/>
+          </p:nvPr>
+        </p:nvSpPr>
+        <p:spPr/>
+        <p:txBody>
+          <a:bodyPr/>
+          <a:lstStyle/>
+          <a:p>
+            <a:fld id="{51BE5F08-58E8-9243-A834-2B76637F595D}" type="slidenum">
+              <a:rPr kumimoji="1" lang="ja-JP" altLang="en-US" smtClean="0"/>
+              <a:t>11</a:t>
+            </a:fld>
+            <a:endParaRPr kumimoji="1" lang="ja-JP" altLang="en-US"/>
+          </a:p>
+        </p:txBody>
+      </p:sp>
+      <p:pic>
+        <p:nvPicPr>
+          <p:cNvPr id="9" name="図 8">
+            <a:extLst>
+              <a:ext uri="{FF2B5EF4-FFF2-40B4-BE49-F238E27FC236}">
+                <a16:creationId xmlns:a16="http://schemas.microsoft.com/office/drawing/2014/main" id="{0BE5ED49-2C55-3645-906F-3BA73FEAB26F}"/>
+              </a:ext>
+            </a:extLst>
+          </p:cNvPr>
+          <p:cNvPicPr>
+            <a:picLocks noChangeAspect="1"/>
+          </p:cNvPicPr>
+          <p:nvPr/>
+        </p:nvPicPr>
+        <p:blipFill rotWithShape="1">
+          <a:blip r:embed="rId2" cstate="screen">
+            <a:extLst>
+              <a:ext uri="{28A0092B-C50C-407E-A947-70E740481C1C}">
+                <a14:useLocalDpi xmlns:a14="http://schemas.microsoft.com/office/drawing/2010/main"/>
+              </a:ext>
+            </a:extLst>
+          </a:blip>
+          <a:srcRect/>
+          <a:stretch/>
+        </p:blipFill>
+        <p:spPr>
+          <a:xfrm>
+            <a:off x="470704" y="1804780"/>
+            <a:ext cx="3354186" cy="2934881"/>
+          </a:xfrm>
+          <a:prstGeom prst="rect">
+            <a:avLst/>
+          </a:prstGeom>
+          <a:ln>
+            <a:solidFill>
+              <a:schemeClr val="tx1"/>
+            </a:solidFill>
+          </a:ln>
+        </p:spPr>
+      </p:pic>
+      <p:pic>
+        <p:nvPicPr>
+          <p:cNvPr id="13" name="図 12">
+            <a:extLst>
+              <a:ext uri="{FF2B5EF4-FFF2-40B4-BE49-F238E27FC236}">
+                <a16:creationId xmlns:a16="http://schemas.microsoft.com/office/drawing/2014/main" id="{5C7113E2-A740-BE40-B97D-E8853772F5B6}"/>
+              </a:ext>
+            </a:extLst>
+          </p:cNvPr>
+          <p:cNvPicPr>
+            <a:picLocks noChangeAspect="1"/>
+          </p:cNvPicPr>
+          <p:nvPr/>
+        </p:nvPicPr>
+        <p:blipFill>
+          <a:blip r:embed="rId3" cstate="screen">
+            <a:extLst>
+              <a:ext uri="{28A0092B-C50C-407E-A947-70E740481C1C}">
+                <a14:useLocalDpi xmlns:a14="http://schemas.microsoft.com/office/drawing/2010/main"/>
+              </a:ext>
+            </a:extLst>
+          </a:blip>
+          <a:stretch>
+            <a:fillRect/>
+          </a:stretch>
+        </p:blipFill>
+        <p:spPr>
+          <a:xfrm>
+            <a:off x="5920643" y="1804780"/>
+            <a:ext cx="5800653" cy="2934881"/>
+          </a:xfrm>
+          <a:prstGeom prst="rect">
+            <a:avLst/>
+          </a:prstGeom>
+          <a:ln>
+            <a:solidFill>
+              <a:schemeClr val="bg1">
+                <a:lumMod val="75000"/>
+              </a:schemeClr>
+            </a:solidFill>
+          </a:ln>
+        </p:spPr>
+      </p:pic>
+      <p:pic>
+        <p:nvPicPr>
+          <p:cNvPr id="11" name="図 10">
+            <a:extLst>
+              <a:ext uri="{FF2B5EF4-FFF2-40B4-BE49-F238E27FC236}">
+                <a16:creationId xmlns:a16="http://schemas.microsoft.com/office/drawing/2014/main" id="{CDDD8DE9-5570-0946-BD11-F27527BFE805}"/>
+              </a:ext>
+            </a:extLst>
+          </p:cNvPr>
+          <p:cNvPicPr>
+            <a:picLocks noChangeAspect="1"/>
+          </p:cNvPicPr>
+          <p:nvPr/>
+        </p:nvPicPr>
+        <p:blipFill>
+          <a:blip r:embed="rId4" cstate="screen">
+            <a:extLst>
+              <a:ext uri="{28A0092B-C50C-407E-A947-70E740481C1C}">
+                <a14:useLocalDpi xmlns:a14="http://schemas.microsoft.com/office/drawing/2010/main"/>
+              </a:ext>
+            </a:extLst>
+          </a:blip>
+          <a:stretch>
+            <a:fillRect/>
+          </a:stretch>
+        </p:blipFill>
+        <p:spPr>
+          <a:xfrm>
+            <a:off x="3757410" y="1727906"/>
+            <a:ext cx="2230713" cy="3223192"/>
+          </a:xfrm>
+          <a:prstGeom prst="rect">
+            <a:avLst/>
+          </a:prstGeom>
+        </p:spPr>
+      </p:pic>
+      <p:sp>
+        <p:nvSpPr>
+          <p:cNvPr id="15" name="ホームベース 14">
+            <a:extLst>
+              <a:ext uri="{FF2B5EF4-FFF2-40B4-BE49-F238E27FC236}">
+                <a16:creationId xmlns:a16="http://schemas.microsoft.com/office/drawing/2014/main" id="{38C11C1A-96EB-0141-9B06-5DEDA89E174D}"/>
+              </a:ext>
+            </a:extLst>
+          </p:cNvPr>
+          <p:cNvSpPr/>
+          <p:nvPr/>
+        </p:nvSpPr>
+        <p:spPr>
+          <a:xfrm>
+            <a:off x="470704" y="1245129"/>
+            <a:ext cx="3354186" cy="434716"/>
+          </a:xfrm>
+          <a:prstGeom prst="homePlate">
+            <a:avLst/>
+          </a:prstGeom>
+          <a:noFill/>
+          <a:ln>
+            <a:solidFill>
+              <a:schemeClr val="tx1"/>
+            </a:solidFill>
+          </a:ln>
+        </p:spPr>
+        <p:style>
+          <a:lnRef idx="2">
+            <a:schemeClr val="accent1">
+              <a:shade val="50000"/>
+            </a:schemeClr>
+          </a:lnRef>
+          <a:fillRef idx="1">
+            <a:schemeClr val="accent1"/>
+          </a:fillRef>
+          <a:effectRef idx="0">
+            <a:schemeClr val="accent1"/>
+          </a:effectRef>
+          <a:fontRef idx="minor">
+            <a:schemeClr val="lt1"/>
+          </a:fontRef>
+        </p:style>
+        <p:txBody>
+          <a:bodyPr rtlCol="0" anchor="ctr"/>
+          <a:lstStyle/>
+          <a:p>
+            <a:pPr algn="ctr"/>
+            <a:r>
+              <a:rPr kumimoji="1" lang="en-US" altLang="ja-JP" sz="1600" dirty="0">
+                <a:solidFill>
+                  <a:schemeClr val="tx1"/>
+                </a:solidFill>
+              </a:rPr>
+              <a:t>1. Submit Admin Settings</a:t>
+            </a:r>
+            <a:br>
+              <a:rPr kumimoji="1" lang="en-US" altLang="ja-JP" sz="1600" dirty="0">
+                <a:solidFill>
+                  <a:schemeClr val="tx1"/>
+                </a:solidFill>
+              </a:rPr>
+            </a:br>
+            <a:r>
+              <a:rPr kumimoji="1" lang="en-US" altLang="ja-JP" sz="1050" dirty="0">
+                <a:solidFill>
+                  <a:schemeClr val="tx1"/>
+                </a:solidFill>
+              </a:rPr>
+              <a:t>(http://localhost:3000/#/admin)</a:t>
+            </a:r>
+            <a:endParaRPr kumimoji="1" lang="en-US" altLang="ja-JP" sz="1600" dirty="0">
+              <a:solidFill>
+                <a:schemeClr val="tx1"/>
+              </a:solidFill>
+            </a:endParaRPr>
+          </a:p>
+        </p:txBody>
+      </p:sp>
+      <p:sp>
+        <p:nvSpPr>
+          <p:cNvPr id="16" name="ホームベース 15">
+            <a:extLst>
+              <a:ext uri="{FF2B5EF4-FFF2-40B4-BE49-F238E27FC236}">
+                <a16:creationId xmlns:a16="http://schemas.microsoft.com/office/drawing/2014/main" id="{B7320C6F-AB36-174A-A68B-F129B742E715}"/>
+              </a:ext>
+            </a:extLst>
+          </p:cNvPr>
+          <p:cNvSpPr/>
+          <p:nvPr/>
+        </p:nvSpPr>
+        <p:spPr>
+          <a:xfrm>
+            <a:off x="3959577" y="1245129"/>
+            <a:ext cx="1794595" cy="434716"/>
+          </a:xfrm>
+          <a:prstGeom prst="homePlate">
+            <a:avLst/>
+          </a:prstGeom>
+          <a:noFill/>
+          <a:ln>
+            <a:solidFill>
+              <a:schemeClr val="tx1"/>
+            </a:solidFill>
+          </a:ln>
+        </p:spPr>
+        <p:style>
+          <a:lnRef idx="2">
+            <a:schemeClr val="accent1">
+              <a:shade val="50000"/>
+            </a:schemeClr>
+          </a:lnRef>
+          <a:fillRef idx="1">
+            <a:schemeClr val="accent1"/>
+          </a:fillRef>
+          <a:effectRef idx="0">
+            <a:schemeClr val="accent1"/>
+          </a:effectRef>
+          <a:fontRef idx="minor">
+            <a:schemeClr val="lt1"/>
+          </a:fontRef>
+        </p:style>
+        <p:txBody>
+          <a:bodyPr rtlCol="0" anchor="ctr"/>
+          <a:lstStyle/>
+          <a:p>
+            <a:pPr algn="ctr"/>
+            <a:r>
+              <a:rPr kumimoji="1" lang="en-US" altLang="ja-JP" sz="1600" dirty="0">
+                <a:solidFill>
+                  <a:schemeClr val="tx1"/>
+                </a:solidFill>
+              </a:rPr>
+              <a:t>2. Approve</a:t>
+            </a:r>
+          </a:p>
+          <a:p>
+            <a:pPr algn="ctr"/>
+            <a:r>
+              <a:rPr kumimoji="1" lang="en-US" altLang="ja-JP" sz="1600" dirty="0">
+                <a:solidFill>
+                  <a:schemeClr val="tx1"/>
+                </a:solidFill>
+              </a:rPr>
+              <a:t>Transaction</a:t>
+            </a:r>
+            <a:endParaRPr kumimoji="1" lang="ja-JP" altLang="en-US" sz="1600">
+              <a:solidFill>
+                <a:schemeClr val="tx1"/>
+              </a:solidFill>
+            </a:endParaRPr>
+          </a:p>
+        </p:txBody>
+      </p:sp>
+      <p:sp>
+        <p:nvSpPr>
+          <p:cNvPr id="17" name="ホームベース 16">
+            <a:extLst>
+              <a:ext uri="{FF2B5EF4-FFF2-40B4-BE49-F238E27FC236}">
+                <a16:creationId xmlns:a16="http://schemas.microsoft.com/office/drawing/2014/main" id="{8D3C63DB-011D-8344-9306-D43A0BF9A419}"/>
+              </a:ext>
+            </a:extLst>
+          </p:cNvPr>
+          <p:cNvSpPr/>
+          <p:nvPr/>
+        </p:nvSpPr>
+        <p:spPr>
+          <a:xfrm>
+            <a:off x="5888859" y="1245129"/>
+            <a:ext cx="5832436" cy="434716"/>
+          </a:xfrm>
+          <a:prstGeom prst="homePlate">
+            <a:avLst/>
+          </a:prstGeom>
+          <a:noFill/>
+          <a:ln>
+            <a:solidFill>
+              <a:schemeClr val="tx1"/>
+            </a:solidFill>
+          </a:ln>
+        </p:spPr>
+        <p:style>
+          <a:lnRef idx="2">
+            <a:schemeClr val="accent1">
+              <a:shade val="50000"/>
+            </a:schemeClr>
+          </a:lnRef>
+          <a:fillRef idx="1">
+            <a:schemeClr val="accent1"/>
+          </a:fillRef>
+          <a:effectRef idx="0">
+            <a:schemeClr val="accent1"/>
+          </a:effectRef>
+          <a:fontRef idx="minor">
+            <a:schemeClr val="lt1"/>
+          </a:fontRef>
+        </p:style>
+        <p:txBody>
+          <a:bodyPr rtlCol="0" anchor="ctr"/>
+          <a:lstStyle/>
+          <a:p>
+            <a:pPr algn="ctr"/>
+            <a:r>
+              <a:rPr kumimoji="1" lang="en-US" altLang="ja-JP" sz="1600" dirty="0">
+                <a:solidFill>
+                  <a:schemeClr val="tx1"/>
+                </a:solidFill>
+              </a:rPr>
+              <a:t>3. Confirm Transactions</a:t>
+            </a:r>
+            <a:endParaRPr kumimoji="1" lang="en-US" altLang="ja-JP" sz="1050" dirty="0">
+              <a:solidFill>
+                <a:schemeClr val="tx1"/>
+              </a:solidFill>
+            </a:endParaRPr>
+          </a:p>
+        </p:txBody>
+      </p:sp>
+      <p:sp>
+        <p:nvSpPr>
+          <p:cNvPr id="19" name="正方形/長方形 18">
+            <a:extLst>
+              <a:ext uri="{FF2B5EF4-FFF2-40B4-BE49-F238E27FC236}">
+                <a16:creationId xmlns:a16="http://schemas.microsoft.com/office/drawing/2014/main" id="{A0A3A5A5-3487-AE46-B95A-19BE398A1A16}"/>
+              </a:ext>
+            </a:extLst>
+          </p:cNvPr>
+          <p:cNvSpPr/>
+          <p:nvPr/>
+        </p:nvSpPr>
+        <p:spPr>
+          <a:xfrm>
+            <a:off x="1632032" y="2361235"/>
+            <a:ext cx="2192858" cy="2378426"/>
+          </a:xfrm>
+          <a:prstGeom prst="rect">
+            <a:avLst/>
+          </a:prstGeom>
+          <a:noFill/>
+          <a:ln>
+            <a:solidFill>
+              <a:srgbClr val="FF0000"/>
+            </a:solidFill>
+          </a:ln>
+        </p:spPr>
+        <p:style>
+          <a:lnRef idx="2">
+            <a:schemeClr val="accent1">
+              <a:shade val="50000"/>
+            </a:schemeClr>
+          </a:lnRef>
+          <a:fillRef idx="1">
+            <a:schemeClr val="accent1"/>
+          </a:fillRef>
+          <a:effectRef idx="0">
+            <a:schemeClr val="accent1"/>
+          </a:effectRef>
+          <a:fontRef idx="minor">
+            <a:schemeClr val="lt1"/>
+          </a:fontRef>
+        </p:style>
+        <p:txBody>
+          <a:bodyPr rtlCol="0" anchor="ctr"/>
+          <a:lstStyle/>
+          <a:p>
+            <a:pPr algn="ctr"/>
+            <a:endParaRPr kumimoji="1" lang="ja-JP" altLang="en-US" sz="1600">
+              <a:solidFill>
+                <a:schemeClr val="tx1"/>
+              </a:solidFill>
+            </a:endParaRPr>
+          </a:p>
+        </p:txBody>
+      </p:sp>
+      <p:sp>
+        <p:nvSpPr>
+          <p:cNvPr id="20" name="テキスト ボックス 19">
+            <a:extLst>
+              <a:ext uri="{FF2B5EF4-FFF2-40B4-BE49-F238E27FC236}">
+                <a16:creationId xmlns:a16="http://schemas.microsoft.com/office/drawing/2014/main" id="{613CDFAC-6313-5249-BDC1-5B5AA1340CC4}"/>
+              </a:ext>
+            </a:extLst>
+          </p:cNvPr>
+          <p:cNvSpPr txBox="1"/>
+          <p:nvPr/>
+        </p:nvSpPr>
+        <p:spPr>
+          <a:xfrm>
+            <a:off x="470704" y="4788317"/>
+            <a:ext cx="3354186" cy="1568033"/>
+          </a:xfrm>
+          <a:prstGeom prst="rect">
+            <a:avLst/>
+          </a:prstGeom>
+          <a:noFill/>
+        </p:spPr>
+        <p:txBody>
+          <a:bodyPr wrap="square" rtlCol="0">
+            <a:noAutofit/>
+          </a:bodyPr>
+          <a:lstStyle/>
+          <a:p>
+            <a:r>
+              <a:rPr kumimoji="1" lang="en-US" altLang="ja-JP" sz="1400" dirty="0"/>
+              <a:t>Add Creators to Whitelist then Submit.</a:t>
+            </a:r>
+          </a:p>
+          <a:p>
+            <a:r>
+              <a:rPr kumimoji="1" lang="en-US" altLang="ja-JP" sz="1400" dirty="0"/>
+              <a:t>Send all Instructions (status) data.</a:t>
+            </a:r>
+          </a:p>
+          <a:p>
+            <a:endParaRPr kumimoji="1" lang="en-US" altLang="ja-JP" sz="1400" dirty="0"/>
+          </a:p>
+          <a:p>
+            <a:r>
+              <a:rPr kumimoji="1" lang="en-US" altLang="ja-JP" sz="1400" dirty="0"/>
+              <a:t>Init (first time): </a:t>
+            </a:r>
+            <a:r>
+              <a:rPr kumimoji="1" lang="en-US" altLang="ja-JP" sz="1400" dirty="0">
+                <a:hlinkClick r:id="rId5"/>
+              </a:rPr>
+              <a:t>Set store</a:t>
+            </a:r>
+            <a:r>
+              <a:rPr kumimoji="1" lang="en-US" altLang="ja-JP" sz="1400" dirty="0"/>
+              <a:t> info and create accounts with data</a:t>
+            </a:r>
+          </a:p>
+          <a:p>
+            <a:r>
+              <a:rPr kumimoji="1" lang="en-US" altLang="ja-JP" sz="1400" dirty="0"/>
+              <a:t>Update: Set store info and update data</a:t>
+            </a:r>
+            <a:endParaRPr kumimoji="1" lang="ja-JP" altLang="en-US" sz="1400"/>
+          </a:p>
+        </p:txBody>
+      </p:sp>
+      <p:sp>
+        <p:nvSpPr>
+          <p:cNvPr id="21" name="テキスト ボックス 20">
+            <a:extLst>
+              <a:ext uri="{FF2B5EF4-FFF2-40B4-BE49-F238E27FC236}">
+                <a16:creationId xmlns:a16="http://schemas.microsoft.com/office/drawing/2014/main" id="{0D9731F9-5BAB-C349-A3D4-3C7C39476891}"/>
+              </a:ext>
+            </a:extLst>
+          </p:cNvPr>
+          <p:cNvSpPr txBox="1"/>
+          <p:nvPr/>
+        </p:nvSpPr>
+        <p:spPr>
+          <a:xfrm>
+            <a:off x="5888859" y="4788317"/>
+            <a:ext cx="5832436" cy="1568033"/>
+          </a:xfrm>
+          <a:prstGeom prst="rect">
+            <a:avLst/>
+          </a:prstGeom>
+          <a:noFill/>
+        </p:spPr>
+        <p:txBody>
+          <a:bodyPr wrap="square" rtlCol="0">
+            <a:noAutofit/>
+          </a:bodyPr>
+          <a:lstStyle/>
+          <a:p>
+            <a:r>
+              <a:rPr kumimoji="1" lang="en-US" altLang="ja-JP" sz="1400" dirty="0"/>
+              <a:t>Save status to </a:t>
+            </a:r>
+            <a:r>
+              <a:rPr kumimoji="1" lang="en-US" altLang="ja-JP" sz="1400" dirty="0" err="1"/>
+              <a:t>accouns</a:t>
+            </a:r>
+            <a:r>
+              <a:rPr kumimoji="1" lang="en-US" altLang="ja-JP" sz="1400" dirty="0"/>
+              <a:t> On-Chain.</a:t>
+            </a:r>
+          </a:p>
+          <a:p>
+            <a:r>
+              <a:rPr kumimoji="1" lang="en-US" altLang="ja-JP" sz="1400" dirty="0"/>
+              <a:t>ex) Account A -&gt; activated(Whitelist): true</a:t>
+            </a:r>
+          </a:p>
+          <a:p>
+            <a:endParaRPr kumimoji="1" lang="en-US" altLang="ja-JP" sz="1400" dirty="0"/>
+          </a:p>
+          <a:p>
+            <a:r>
+              <a:rPr kumimoji="1" lang="en-US" altLang="ja-JP" sz="1400" dirty="0"/>
+              <a:t>Ref:</a:t>
+            </a:r>
+          </a:p>
+          <a:p>
+            <a:r>
+              <a:rPr kumimoji="1" lang="en-US" altLang="ja-JP" sz="1400" dirty="0"/>
+              <a:t>Metaplex: </a:t>
+            </a:r>
+            <a:r>
+              <a:rPr kumimoji="1" lang="en-US" altLang="ja-JP" sz="1400" dirty="0">
+                <a:hlinkClick r:id="rId6"/>
+              </a:rPr>
+              <a:t>instrunctions.rs</a:t>
+            </a:r>
+            <a:r>
+              <a:rPr kumimoji="1" lang="en-US" altLang="ja-JP" sz="1400" dirty="0"/>
+              <a:t>, </a:t>
+            </a:r>
+            <a:r>
+              <a:rPr kumimoji="1" lang="en-US" altLang="ja-JP" sz="1400" dirty="0">
+                <a:hlinkClick r:id="rId7"/>
+              </a:rPr>
+              <a:t>set_store.rs</a:t>
+            </a:r>
+            <a:r>
+              <a:rPr kumimoji="1" lang="en-US" altLang="ja-JP" sz="1400" dirty="0"/>
+              <a:t>, </a:t>
+            </a:r>
+            <a:r>
+              <a:rPr kumimoji="1" lang="en-US" altLang="ja-JP" sz="1400" dirty="0">
+                <a:hlinkClick r:id="rId8"/>
+              </a:rPr>
+              <a:t>SetStore.ts</a:t>
+            </a:r>
+            <a:r>
+              <a:rPr kumimoji="1" lang="en-US" altLang="ja-JP" sz="1400" dirty="0"/>
+              <a:t>, </a:t>
+            </a:r>
+            <a:r>
+              <a:rPr kumimoji="1" lang="en-US" altLang="ja-JP" sz="1400" dirty="0">
+                <a:hlinkClick r:id="rId9"/>
+              </a:rPr>
+              <a:t>set_whitelisted_creator.rs</a:t>
+            </a:r>
+            <a:r>
+              <a:rPr kumimoji="1" lang="en-US" altLang="ja-JP" sz="1400" dirty="0"/>
+              <a:t>, </a:t>
+            </a:r>
+            <a:r>
+              <a:rPr kumimoji="1" lang="en-US" altLang="ja-JP" sz="1400" dirty="0">
+                <a:hlinkClick r:id="rId10"/>
+              </a:rPr>
+              <a:t>SetWhitelistedCreator.ts</a:t>
+            </a:r>
+            <a:endParaRPr kumimoji="1" lang="en-US" altLang="ja-JP" sz="1400" dirty="0"/>
+          </a:p>
+        </p:txBody>
+      </p:sp>
+      <p:sp>
+        <p:nvSpPr>
+          <p:cNvPr id="22" name="テキスト ボックス 21">
+            <a:extLst>
+              <a:ext uri="{FF2B5EF4-FFF2-40B4-BE49-F238E27FC236}">
+                <a16:creationId xmlns:a16="http://schemas.microsoft.com/office/drawing/2014/main" id="{77621843-68E6-FE4B-A062-117F57358A53}"/>
+              </a:ext>
+            </a:extLst>
+          </p:cNvPr>
+          <p:cNvSpPr txBox="1"/>
+          <p:nvPr/>
+        </p:nvSpPr>
+        <p:spPr>
+          <a:xfrm>
+            <a:off x="3959577" y="4788317"/>
+            <a:ext cx="1794595" cy="1568033"/>
+          </a:xfrm>
+          <a:prstGeom prst="rect">
+            <a:avLst/>
+          </a:prstGeom>
+          <a:noFill/>
+        </p:spPr>
+        <p:txBody>
+          <a:bodyPr wrap="square" rtlCol="0">
+            <a:noAutofit/>
+          </a:bodyPr>
+          <a:lstStyle/>
+          <a:p>
+            <a:r>
+              <a:rPr kumimoji="1" lang="en-US" altLang="ja-JP" sz="1400" dirty="0"/>
+              <a:t>All Creators are approved with only one Approval.</a:t>
+            </a:r>
+          </a:p>
+        </p:txBody>
+      </p:sp>
+      <p:sp>
+        <p:nvSpPr>
+          <p:cNvPr id="30" name="正方形/長方形 29">
+            <a:extLst>
+              <a:ext uri="{FF2B5EF4-FFF2-40B4-BE49-F238E27FC236}">
+                <a16:creationId xmlns:a16="http://schemas.microsoft.com/office/drawing/2014/main" id="{71988736-3216-BD4A-9706-7F501E40B060}"/>
+              </a:ext>
+            </a:extLst>
+          </p:cNvPr>
+          <p:cNvSpPr/>
+          <p:nvPr/>
+        </p:nvSpPr>
+        <p:spPr>
+          <a:xfrm>
+            <a:off x="6096000" y="2482478"/>
+            <a:ext cx="1161328" cy="1982513"/>
+          </a:xfrm>
+          <a:prstGeom prst="rect">
+            <a:avLst/>
+          </a:prstGeom>
+          <a:noFill/>
+          <a:ln>
+            <a:solidFill>
+              <a:srgbClr val="FF0000"/>
+            </a:solidFill>
+          </a:ln>
+        </p:spPr>
+        <p:style>
+          <a:lnRef idx="2">
+            <a:schemeClr val="accent1">
+              <a:shade val="50000"/>
+            </a:schemeClr>
+          </a:lnRef>
+          <a:fillRef idx="1">
+            <a:schemeClr val="accent1"/>
+          </a:fillRef>
+          <a:effectRef idx="0">
+            <a:schemeClr val="accent1"/>
+          </a:effectRef>
+          <a:fontRef idx="minor">
+            <a:schemeClr val="lt1"/>
+          </a:fontRef>
+        </p:style>
+        <p:txBody>
+          <a:bodyPr rtlCol="0" anchor="ctr"/>
+          <a:lstStyle/>
+          <a:p>
+            <a:pPr algn="ctr"/>
+            <a:endParaRPr kumimoji="1" lang="ja-JP" altLang="en-US" sz="1600">
+              <a:solidFill>
+                <a:schemeClr val="tx1"/>
+              </a:solidFill>
+            </a:endParaRPr>
+          </a:p>
+        </p:txBody>
+      </p:sp>
+    </p:spTree>
+    <p:extLst>
+      <p:ext uri="{BB962C8B-B14F-4D97-AF65-F5344CB8AC3E}">
+        <p14:creationId xmlns:p14="http://schemas.microsoft.com/office/powerpoint/2010/main" val="2862756667"/>
+      </p:ext>
+    </p:extLst>
+  </p:cSld>
+  <p:clrMapOvr>
+    <a:masterClrMapping/>
+  </p:clrMapOvr>
+</p:sld>
+</file>
+
+<file path=ppt/slides/slide13.xml><?xml version="1.0" encoding="utf-8"?>
+<p:sld xmlns:a="http://schemas.openxmlformats.org/drawingml/2006/main" xmlns:r="http://schemas.openxmlformats.org/officeDocument/2006/relationships" xmlns:p="http://schemas.openxmlformats.org/presentationml/2006/main">
+  <p:cSld>
+    <p:spTree>
+      <p:nvGrpSpPr>
+        <p:cNvPr id="1" name=""/>
+        <p:cNvGrpSpPr/>
+        <p:nvPr/>
+      </p:nvGrpSpPr>
+      <p:grpSpPr>
+        <a:xfrm>
+          <a:off x="0" y="0"/>
+          <a:ext cx="0" cy="0"/>
+          <a:chOff x="0" y="0"/>
+          <a:chExt cx="0" cy="0"/>
+        </a:xfrm>
+      </p:grpSpPr>
+      <p:sp>
+        <p:nvSpPr>
+          <p:cNvPr id="6" name="タイトル 5">
+            <a:extLst>
+              <a:ext uri="{FF2B5EF4-FFF2-40B4-BE49-F238E27FC236}">
+                <a16:creationId xmlns:a16="http://schemas.microsoft.com/office/drawing/2014/main" id="{56AA0D49-BC0A-8947-849A-944C6C23C473}"/>
+              </a:ext>
+            </a:extLst>
+          </p:cNvPr>
+          <p:cNvSpPr>
+            <a:spLocks noGrp="1"/>
+          </p:cNvSpPr>
+          <p:nvPr>
+            <p:ph type="title"/>
+          </p:nvPr>
+        </p:nvSpPr>
+        <p:spPr/>
+        <p:txBody>
+          <a:bodyPr/>
+          <a:lstStyle/>
+          <a:p>
+            <a:r>
+              <a:rPr lang="en-US" altLang="ja-JP"/>
+              <a:t>Transactions</a:t>
+            </a:r>
+            <a:endParaRPr lang="ja-JP" altLang="en-US"/>
+          </a:p>
+        </p:txBody>
+      </p:sp>
+      <p:sp>
+        <p:nvSpPr>
+          <p:cNvPr id="7" name="テキスト プレースホルダー 6">
+            <a:extLst>
+              <a:ext uri="{FF2B5EF4-FFF2-40B4-BE49-F238E27FC236}">
+                <a16:creationId xmlns:a16="http://schemas.microsoft.com/office/drawing/2014/main" id="{C06B7392-3295-0D4C-BDB5-BFCC92D9FBE9}"/>
+              </a:ext>
+            </a:extLst>
+          </p:cNvPr>
+          <p:cNvSpPr>
+            <a:spLocks noGrp="1"/>
+          </p:cNvSpPr>
+          <p:nvPr>
+            <p:ph type="body" idx="1"/>
+          </p:nvPr>
+        </p:nvSpPr>
+        <p:spPr/>
+        <p:txBody>
+          <a:bodyPr/>
+          <a:lstStyle/>
+          <a:p>
+            <a:endParaRPr lang="ja-JP" altLang="en-US"/>
+          </a:p>
+        </p:txBody>
+      </p:sp>
+      <p:sp>
+        <p:nvSpPr>
+          <p:cNvPr id="4" name="フッター プレースホルダー 3">
+            <a:extLst>
+              <a:ext uri="{FF2B5EF4-FFF2-40B4-BE49-F238E27FC236}">
+                <a16:creationId xmlns:a16="http://schemas.microsoft.com/office/drawing/2014/main" id="{03DDA0EC-0424-D44E-A2F2-30EFB2207FF1}"/>
+              </a:ext>
+            </a:extLst>
+          </p:cNvPr>
+          <p:cNvSpPr>
+            <a:spLocks noGrp="1"/>
+          </p:cNvSpPr>
+          <p:nvPr>
+            <p:ph type="ftr" sz="quarter" idx="11"/>
+          </p:nvPr>
+        </p:nvSpPr>
+        <p:spPr/>
+        <p:txBody>
+          <a:bodyPr/>
+          <a:lstStyle/>
+          <a:p>
+            <a:r>
+              <a:rPr kumimoji="1" lang="en-US" altLang="ja-JP"/>
+              <a:t>256hax</a:t>
+            </a:r>
+            <a:endParaRPr kumimoji="1" lang="ja-JP" altLang="en-US"/>
+          </a:p>
+        </p:txBody>
+      </p:sp>
+      <p:sp>
+        <p:nvSpPr>
+          <p:cNvPr id="5" name="スライド番号プレースホルダー 4">
+            <a:extLst>
+              <a:ext uri="{FF2B5EF4-FFF2-40B4-BE49-F238E27FC236}">
+                <a16:creationId xmlns:a16="http://schemas.microsoft.com/office/drawing/2014/main" id="{94CCCD99-BD8D-964F-99A9-262A5E9BBB71}"/>
+              </a:ext>
+            </a:extLst>
+          </p:cNvPr>
+          <p:cNvSpPr>
+            <a:spLocks noGrp="1"/>
+          </p:cNvSpPr>
+          <p:nvPr>
+            <p:ph type="sldNum" sz="quarter" idx="12"/>
+          </p:nvPr>
+        </p:nvSpPr>
+        <p:spPr/>
+        <p:txBody>
+          <a:bodyPr/>
+          <a:lstStyle/>
+          <a:p>
+            <a:fld id="{51BE5F08-58E8-9243-A834-2B76637F595D}" type="slidenum">
+              <a:rPr kumimoji="1" lang="ja-JP" altLang="en-US" smtClean="0"/>
+              <a:t>12</a:t>
+            </a:fld>
+            <a:endParaRPr kumimoji="1" lang="ja-JP" altLang="en-US"/>
+          </a:p>
+        </p:txBody>
+      </p:sp>
+    </p:spTree>
+    <p:extLst>
+      <p:ext uri="{BB962C8B-B14F-4D97-AF65-F5344CB8AC3E}">
+        <p14:creationId xmlns:p14="http://schemas.microsoft.com/office/powerpoint/2010/main" val="2345319226"/>
+      </p:ext>
+    </p:extLst>
+  </p:cSld>
+  <p:clrMapOvr>
+    <a:masterClrMapping/>
+  </p:clrMapOvr>
+</p:sld>
+</file>
+
+<file path=ppt/slides/slide14.xml><?xml version="1.0" encoding="utf-8"?>
+<p:sld xmlns:a="http://schemas.openxmlformats.org/drawingml/2006/main" xmlns:r="http://schemas.openxmlformats.org/officeDocument/2006/relationships" xmlns:p="http://schemas.openxmlformats.org/presentationml/2006/main">
+  <p:cSld>
+    <p:spTree>
+      <p:nvGrpSpPr>
+        <p:cNvPr id="1" name=""/>
+        <p:cNvGrpSpPr/>
+        <p:nvPr/>
+      </p:nvGrpSpPr>
+      <p:grpSpPr>
+        <a:xfrm>
+          <a:off x="0" y="0"/>
+          <a:ext cx="0" cy="0"/>
+          <a:chOff x="0" y="0"/>
+          <a:chExt cx="0" cy="0"/>
+        </a:xfrm>
+      </p:grpSpPr>
+      <p:sp>
+        <p:nvSpPr>
+          <p:cNvPr id="2" name="タイトル 1">
+            <a:extLst>
+              <a:ext uri="{FF2B5EF4-FFF2-40B4-BE49-F238E27FC236}">
+                <a16:creationId xmlns:a16="http://schemas.microsoft.com/office/drawing/2014/main" id="{563A1334-3CBF-AA42-9FB2-054591DB6A36}"/>
+              </a:ext>
+            </a:extLst>
+          </p:cNvPr>
+          <p:cNvSpPr>
+            <a:spLocks noGrp="1"/>
+          </p:cNvSpPr>
+          <p:nvPr>
+            <p:ph type="title"/>
+          </p:nvPr>
+        </p:nvSpPr>
+        <p:spPr/>
+        <p:txBody>
+          <a:bodyPr/>
+          <a:lstStyle/>
+          <a:p>
+            <a:r>
+              <a:rPr kumimoji="1" lang="en-US" altLang="ja-JP"/>
+              <a:t>Transaction Process with Phantom Wallet (Draft)</a:t>
+            </a:r>
+            <a:endParaRPr kumimoji="1" lang="ja-JP" altLang="en-US"/>
+          </a:p>
+        </p:txBody>
+      </p:sp>
+      <p:sp>
+        <p:nvSpPr>
+          <p:cNvPr id="4" name="フッター プレースホルダー 3">
+            <a:extLst>
+              <a:ext uri="{FF2B5EF4-FFF2-40B4-BE49-F238E27FC236}">
+                <a16:creationId xmlns:a16="http://schemas.microsoft.com/office/drawing/2014/main" id="{DD06772D-5BDF-EC4C-A7EB-A223E5599C4C}"/>
+              </a:ext>
+            </a:extLst>
+          </p:cNvPr>
+          <p:cNvSpPr>
+            <a:spLocks noGrp="1"/>
+          </p:cNvSpPr>
+          <p:nvPr>
+            <p:ph type="ftr" sz="quarter" idx="11"/>
+          </p:nvPr>
+        </p:nvSpPr>
+        <p:spPr/>
+        <p:txBody>
+          <a:bodyPr/>
+          <a:lstStyle/>
+          <a:p>
+            <a:r>
+              <a:rPr kumimoji="1" lang="en-US" altLang="ja-JP"/>
+              <a:t>256hax</a:t>
+            </a:r>
+            <a:endParaRPr kumimoji="1" lang="ja-JP" altLang="en-US"/>
+          </a:p>
+        </p:txBody>
+      </p:sp>
+      <p:sp>
+        <p:nvSpPr>
+          <p:cNvPr id="5" name="スライド番号プレースホルダー 4">
+            <a:extLst>
+              <a:ext uri="{FF2B5EF4-FFF2-40B4-BE49-F238E27FC236}">
+                <a16:creationId xmlns:a16="http://schemas.microsoft.com/office/drawing/2014/main" id="{B5A99A95-0A78-DB4A-9870-BC20310EE1B1}"/>
+              </a:ext>
+            </a:extLst>
+          </p:cNvPr>
+          <p:cNvSpPr>
+            <a:spLocks noGrp="1"/>
+          </p:cNvSpPr>
+          <p:nvPr>
+            <p:ph type="sldNum" sz="quarter" idx="12"/>
+          </p:nvPr>
+        </p:nvSpPr>
+        <p:spPr/>
+        <p:txBody>
+          <a:bodyPr/>
+          <a:lstStyle/>
+          <a:p>
+            <a:fld id="{51BE5F08-58E8-9243-A834-2B76637F595D}" type="slidenum">
+              <a:rPr kumimoji="1" lang="ja-JP" altLang="en-US" smtClean="0"/>
+              <a:t>13</a:t>
             </a:fld>
             <a:endParaRPr kumimoji="1" lang="ja-JP" altLang="en-US"/>
           </a:p>
@@ -6758,7 +8075,7 @@
 </p:sld>
 </file>
 
-<file path=ppt/slides/slide11.xml><?xml version="1.0" encoding="utf-8"?>
+<file path=ppt/slides/slide15.xml><?xml version="1.0" encoding="utf-8"?>
 <p:sld xmlns:a="http://schemas.openxmlformats.org/drawingml/2006/main" xmlns:r="http://schemas.openxmlformats.org/officeDocument/2006/relationships" xmlns:p="http://schemas.openxmlformats.org/presentationml/2006/main">
   <p:cSld>
     <p:spTree>
@@ -6856,7 +8173,7 @@
           <a:p>
             <a:fld id="{51BE5F08-58E8-9243-A834-2B76637F595D}" type="slidenum">
               <a:rPr kumimoji="1" lang="ja-JP" altLang="en-US" smtClean="0"/>
-              <a:t>10</a:t>
+              <a:t>14</a:t>
             </a:fld>
             <a:endParaRPr kumimoji="1" lang="ja-JP" altLang="en-US"/>
           </a:p>
@@ -9136,7 +10453,7 @@
 </p:sld>
 </file>
 
-<file path=ppt/slides/slide12.xml><?xml version="1.0" encoding="utf-8"?>
+<file path=ppt/slides/slide16.xml><?xml version="1.0" encoding="utf-8"?>
 <p:sld xmlns:a="http://schemas.openxmlformats.org/drawingml/2006/main" xmlns:r="http://schemas.openxmlformats.org/officeDocument/2006/relationships" xmlns:p="http://schemas.openxmlformats.org/presentationml/2006/main">
   <p:cSld>
     <p:spTree>
@@ -9234,7 +10551,7 @@
           <a:p>
             <a:fld id="{51BE5F08-58E8-9243-A834-2B76637F595D}" type="slidenum">
               <a:rPr kumimoji="1" lang="ja-JP" altLang="en-US" smtClean="0"/>
-              <a:t>11</a:t>
+              <a:t>15</a:t>
             </a:fld>
             <a:endParaRPr kumimoji="1" lang="ja-JP" altLang="en-US"/>
           </a:p>
@@ -10793,7 +12110,7 @@
 </p:sld>
 </file>
 
-<file path=ppt/slides/slide13.xml><?xml version="1.0" encoding="utf-8"?>
+<file path=ppt/slides/slide17.xml><?xml version="1.0" encoding="utf-8"?>
 <p:sld xmlns:a="http://schemas.openxmlformats.org/drawingml/2006/main" xmlns:r="http://schemas.openxmlformats.org/officeDocument/2006/relationships" xmlns:p="http://schemas.openxmlformats.org/presentationml/2006/main">
   <p:cSld>
     <p:spTree>
@@ -10891,7 +12208,7 @@
           <a:p>
             <a:fld id="{51BE5F08-58E8-9243-A834-2B76637F595D}" type="slidenum">
               <a:rPr kumimoji="1" lang="ja-JP" altLang="en-US" smtClean="0"/>
-              <a:t>12</a:t>
+              <a:t>16</a:t>
             </a:fld>
             <a:endParaRPr kumimoji="1" lang="ja-JP" altLang="en-US"/>
           </a:p>
@@ -11004,7 +12321,7 @@
 </p:sld>
 </file>
 
-<file path=ppt/slides/slide14.xml><?xml version="1.0" encoding="utf-8"?>
+<file path=ppt/slides/slide18.xml><?xml version="1.0" encoding="utf-8"?>
 <p:sld xmlns:a="http://schemas.openxmlformats.org/drawingml/2006/main" xmlns:r="http://schemas.openxmlformats.org/officeDocument/2006/relationships" xmlns:p="http://schemas.openxmlformats.org/presentationml/2006/main">
   <p:cSld>
     <p:spTree>
@@ -11127,7 +12444,7 @@
           <a:p>
             <a:fld id="{51BE5F08-58E8-9243-A834-2B76637F595D}" type="slidenum">
               <a:rPr kumimoji="1" lang="ja-JP" altLang="en-US" smtClean="0"/>
-              <a:t>13</a:t>
+              <a:t>17</a:t>
             </a:fld>
             <a:endParaRPr kumimoji="1" lang="ja-JP" altLang="en-US"/>
           </a:p>
@@ -11146,7 +12463,7 @@
 </p:sld>
 </file>
 
-<file path=ppt/slides/slide15.xml><?xml version="1.0" encoding="utf-8"?>
+<file path=ppt/slides/slide19.xml><?xml version="1.0" encoding="utf-8"?>
 <p:sld xmlns:a="http://schemas.openxmlformats.org/drawingml/2006/main" xmlns:r="http://schemas.openxmlformats.org/officeDocument/2006/relationships" xmlns:p="http://schemas.openxmlformats.org/presentationml/2006/main">
   <p:cSld>
     <p:spTree>
@@ -11185,7 +12502,7 @@
           <a:lstStyle/>
           <a:p>
             <a:r>
-              <a:rPr lang="en-US" altLang="ja-JP"/>
+              <a:rPr lang="en-US" altLang="ja-JP" dirty="0"/>
               <a:t>Accounts – Execution Programs/Transactions Process (Draft)</a:t>
             </a:r>
             <a:endParaRPr kumimoji="1" lang="ja-JP" altLang="en-US"/>
@@ -11215,7 +12532,7 @@
           <a:p>
             <a:fld id="{51BE5F08-58E8-9243-A834-2B76637F595D}" type="slidenum">
               <a:rPr kumimoji="1" lang="ja-JP" altLang="en-US" smtClean="0"/>
-              <a:t>14</a:t>
+              <a:t>18</a:t>
             </a:fld>
             <a:endParaRPr kumimoji="1" lang="ja-JP" altLang="en-US"/>
           </a:p>
@@ -11235,7 +12552,7 @@
         </p:nvSpPr>
         <p:spPr>
           <a:xfrm>
-            <a:off x="415644" y="1229988"/>
+            <a:off x="415644" y="1959177"/>
             <a:ext cx="2300137" cy="3134203"/>
           </a:xfrm>
           <a:prstGeom prst="rect">
@@ -11335,7 +12652,7 @@
         </p:nvSpPr>
         <p:spPr>
           <a:xfrm>
-            <a:off x="3333928" y="1229988"/>
+            <a:off x="3333928" y="1959177"/>
             <a:ext cx="2301769" cy="1335986"/>
           </a:xfrm>
           <a:prstGeom prst="rect">
@@ -11461,7 +12778,7 @@
         </p:nvSpPr>
         <p:spPr>
           <a:xfrm>
-            <a:off x="6253843" y="1229988"/>
+            <a:off x="6253843" y="1959177"/>
             <a:ext cx="2301769" cy="3134203"/>
           </a:xfrm>
           <a:prstGeom prst="rect">
@@ -11637,7 +12954,7 @@
         </p:nvSpPr>
         <p:spPr>
           <a:xfrm>
-            <a:off x="9173760" y="1229987"/>
+            <a:off x="9173760" y="1959176"/>
             <a:ext cx="2301769" cy="1335986"/>
           </a:xfrm>
           <a:prstGeom prst="rect">
@@ -11789,7 +13106,7 @@
         </p:nvSpPr>
         <p:spPr>
           <a:xfrm>
-            <a:off x="3333928" y="3028206"/>
+            <a:off x="3333928" y="3757395"/>
             <a:ext cx="2301769" cy="1335986"/>
           </a:xfrm>
           <a:prstGeom prst="rect">
@@ -11899,7 +13216,7 @@
         </p:nvSpPr>
         <p:spPr>
           <a:xfrm>
-            <a:off x="9173760" y="3030758"/>
+            <a:off x="9173760" y="3759947"/>
             <a:ext cx="2301769" cy="1335986"/>
           </a:xfrm>
           <a:prstGeom prst="rect">
@@ -12030,7 +13347,7 @@
         </p:nvSpPr>
         <p:spPr>
           <a:xfrm>
-            <a:off x="8227233" y="987559"/>
+            <a:off x="8227233" y="1716748"/>
             <a:ext cx="1266093" cy="276999"/>
           </a:xfrm>
           <a:prstGeom prst="rect">
@@ -12070,7 +13387,7 @@
         </p:nvCxnSpPr>
         <p:spPr>
           <a:xfrm>
-            <a:off x="8550523" y="3696200"/>
+            <a:off x="8550523" y="4425389"/>
             <a:ext cx="623237" cy="2551"/>
           </a:xfrm>
           <a:prstGeom prst="straightConnector1">
@@ -12112,7 +13429,7 @@
         </p:nvSpPr>
         <p:spPr>
           <a:xfrm>
-            <a:off x="8231793" y="4310280"/>
+            <a:off x="8231793" y="5039469"/>
             <a:ext cx="1266093" cy="276999"/>
           </a:xfrm>
           <a:prstGeom prst="rect">
@@ -12149,7 +13466,7 @@
         </p:nvSpPr>
         <p:spPr>
           <a:xfrm>
-            <a:off x="5309862" y="987559"/>
+            <a:off x="5309862" y="1716748"/>
             <a:ext cx="1266093" cy="276999"/>
           </a:xfrm>
           <a:prstGeom prst="rect">
@@ -12186,7 +13503,7 @@
         </p:nvSpPr>
         <p:spPr>
           <a:xfrm>
-            <a:off x="5309862" y="4310280"/>
+            <a:off x="5309862" y="5039469"/>
             <a:ext cx="1266093" cy="276999"/>
           </a:xfrm>
           <a:prstGeom prst="rect">
@@ -12225,7 +13542,7 @@
         </p:nvCxnSpPr>
         <p:spPr>
           <a:xfrm>
-            <a:off x="2715781" y="1892630"/>
+            <a:off x="2715781" y="2621819"/>
             <a:ext cx="619514" cy="0"/>
           </a:xfrm>
           <a:prstGeom prst="straightConnector1">
@@ -12269,7 +13586,7 @@
         </p:nvCxnSpPr>
         <p:spPr>
           <a:xfrm>
-            <a:off x="2715781" y="3696199"/>
+            <a:off x="2715781" y="4425388"/>
             <a:ext cx="619514" cy="0"/>
           </a:xfrm>
           <a:prstGeom prst="straightConnector1">
@@ -12313,7 +13630,7 @@
         </p:nvCxnSpPr>
         <p:spPr>
           <a:xfrm>
-            <a:off x="5633152" y="1892630"/>
+            <a:off x="5633152" y="2621819"/>
             <a:ext cx="619514" cy="0"/>
           </a:xfrm>
           <a:prstGeom prst="straightConnector1">
@@ -12357,7 +13674,7 @@
         </p:nvCxnSpPr>
         <p:spPr>
           <a:xfrm>
-            <a:off x="5633152" y="3696199"/>
+            <a:off x="5633152" y="4425388"/>
             <a:ext cx="619514" cy="0"/>
           </a:xfrm>
           <a:prstGeom prst="straightConnector1">
@@ -12401,7 +13718,7 @@
         </p:nvCxnSpPr>
         <p:spPr>
           <a:xfrm>
-            <a:off x="8550523" y="1892630"/>
+            <a:off x="8550523" y="2621819"/>
             <a:ext cx="619514" cy="0"/>
           </a:xfrm>
           <a:prstGeom prst="straightConnector1">
@@ -12429,12 +13746,657 @@
           </a:fontRef>
         </p:style>
       </p:cxnSp>
+      <p:sp>
+        <p:nvSpPr>
+          <p:cNvPr id="60" name="テキスト ボックス 59">
+            <a:extLst>
+              <a:ext uri="{FF2B5EF4-FFF2-40B4-BE49-F238E27FC236}">
+                <a16:creationId xmlns:a16="http://schemas.microsoft.com/office/drawing/2014/main" id="{0BA99C79-EE9D-BF48-B9BF-7B8E7257A14F}"/>
+              </a:ext>
+            </a:extLst>
+          </p:cNvPr>
+          <p:cNvSpPr txBox="1"/>
+          <p:nvPr/>
+        </p:nvSpPr>
+        <p:spPr>
+          <a:xfrm>
+            <a:off x="2392491" y="1716748"/>
+            <a:ext cx="1266093" cy="276999"/>
+          </a:xfrm>
+          <a:prstGeom prst="rect">
+            <a:avLst/>
+          </a:prstGeom>
+          <a:noFill/>
+        </p:spPr>
+        <p:txBody>
+          <a:bodyPr wrap="none" rtlCol="0">
+            <a:noAutofit/>
+          </a:bodyPr>
+          <a:lstStyle/>
+          <a:p>
+            <a:pPr algn="ctr"/>
+            <a:r>
+              <a:rPr kumimoji="1" lang="en-US" altLang="ja-JP" sz="1200"/>
+              <a:t>Assign</a:t>
+            </a:r>
+            <a:endParaRPr kumimoji="1" lang="ja-JP" altLang="en-US" sz="1200"/>
+          </a:p>
+        </p:txBody>
+      </p:sp>
+      <p:sp>
+        <p:nvSpPr>
+          <p:cNvPr id="61" name="テキスト ボックス 60">
+            <a:extLst>
+              <a:ext uri="{FF2B5EF4-FFF2-40B4-BE49-F238E27FC236}">
+                <a16:creationId xmlns:a16="http://schemas.microsoft.com/office/drawing/2014/main" id="{14E1ED35-9F5A-BC4B-B85A-4DB1E1E908BA}"/>
+              </a:ext>
+            </a:extLst>
+          </p:cNvPr>
+          <p:cNvSpPr txBox="1"/>
+          <p:nvPr/>
+        </p:nvSpPr>
+        <p:spPr>
+          <a:xfrm>
+            <a:off x="2392491" y="5039469"/>
+            <a:ext cx="1266093" cy="276999"/>
+          </a:xfrm>
+          <a:prstGeom prst="rect">
+            <a:avLst/>
+          </a:prstGeom>
+          <a:noFill/>
+        </p:spPr>
+        <p:txBody>
+          <a:bodyPr wrap="none" rtlCol="0">
+            <a:noAutofit/>
+          </a:bodyPr>
+          <a:lstStyle/>
+          <a:p>
+            <a:pPr algn="ctr"/>
+            <a:r>
+              <a:rPr kumimoji="1" lang="en-US" altLang="ja-JP" sz="1200"/>
+              <a:t>Assign</a:t>
+            </a:r>
+            <a:endParaRPr kumimoji="1" lang="ja-JP" altLang="en-US" sz="1200"/>
+          </a:p>
+        </p:txBody>
+      </p:sp>
+      <p:sp>
+        <p:nvSpPr>
+          <p:cNvPr id="62" name="正方形/長方形 61">
+            <a:extLst>
+              <a:ext uri="{FF2B5EF4-FFF2-40B4-BE49-F238E27FC236}">
+                <a16:creationId xmlns:a16="http://schemas.microsoft.com/office/drawing/2014/main" id="{69217986-6BCB-CB4B-814B-72266C8D2011}"/>
+              </a:ext>
+            </a:extLst>
+          </p:cNvPr>
+          <p:cNvSpPr/>
+          <p:nvPr/>
+        </p:nvSpPr>
+        <p:spPr>
+          <a:xfrm>
+            <a:off x="3206044" y="1541532"/>
+            <a:ext cx="8421512" cy="1934759"/>
+          </a:xfrm>
+          <a:prstGeom prst="rect">
+            <a:avLst/>
+          </a:prstGeom>
+          <a:noFill/>
+          <a:ln>
+            <a:solidFill>
+              <a:schemeClr val="bg1">
+                <a:lumMod val="75000"/>
+              </a:schemeClr>
+            </a:solidFill>
+            <a:prstDash val="dash"/>
+          </a:ln>
+        </p:spPr>
+        <p:style>
+          <a:lnRef idx="2">
+            <a:schemeClr val="accent1">
+              <a:shade val="50000"/>
+            </a:schemeClr>
+          </a:lnRef>
+          <a:fillRef idx="1">
+            <a:schemeClr val="accent1"/>
+          </a:fillRef>
+          <a:effectRef idx="0">
+            <a:schemeClr val="accent1"/>
+          </a:effectRef>
+          <a:fontRef idx="minor">
+            <a:schemeClr val="lt1"/>
+          </a:fontRef>
+        </p:style>
+        <p:txBody>
+          <a:bodyPr rtlCol="0" anchor="ctr"/>
+          <a:lstStyle/>
+          <a:p>
+            <a:pPr algn="ctr"/>
+            <a:endParaRPr kumimoji="1" lang="ja-JP" altLang="en-US" sz="1600">
+              <a:solidFill>
+                <a:schemeClr val="tx1"/>
+              </a:solidFill>
+            </a:endParaRPr>
+          </a:p>
+        </p:txBody>
+      </p:sp>
+      <p:sp>
+        <p:nvSpPr>
+          <p:cNvPr id="63" name="正方形/長方形 62">
+            <a:extLst>
+              <a:ext uri="{FF2B5EF4-FFF2-40B4-BE49-F238E27FC236}">
+                <a16:creationId xmlns:a16="http://schemas.microsoft.com/office/drawing/2014/main" id="{B0B8DA7A-2B89-8E4F-B01F-95ED90F32664}"/>
+              </a:ext>
+            </a:extLst>
+          </p:cNvPr>
+          <p:cNvSpPr/>
+          <p:nvPr/>
+        </p:nvSpPr>
+        <p:spPr>
+          <a:xfrm>
+            <a:off x="3204798" y="1361531"/>
+            <a:ext cx="3816000" cy="180000"/>
+          </a:xfrm>
+          <a:prstGeom prst="rect">
+            <a:avLst/>
+          </a:prstGeom>
+          <a:solidFill>
+            <a:schemeClr val="bg1">
+              <a:lumMod val="75000"/>
+            </a:schemeClr>
+          </a:solidFill>
+          <a:ln>
+            <a:noFill/>
+            <a:prstDash val="dash"/>
+          </a:ln>
+        </p:spPr>
+        <p:style>
+          <a:lnRef idx="2">
+            <a:schemeClr val="accent1">
+              <a:shade val="50000"/>
+            </a:schemeClr>
+          </a:lnRef>
+          <a:fillRef idx="1">
+            <a:schemeClr val="accent1"/>
+          </a:fillRef>
+          <a:effectRef idx="0">
+            <a:schemeClr val="accent1"/>
+          </a:effectRef>
+          <a:fontRef idx="minor">
+            <a:schemeClr val="lt1"/>
+          </a:fontRef>
+        </p:style>
+        <p:txBody>
+          <a:bodyPr wrap="none" rtlCol="0" anchor="ctr"/>
+          <a:lstStyle/>
+          <a:p>
+            <a:r>
+              <a:rPr kumimoji="1" lang="en-US" altLang="ja-JP" sz="1400">
+                <a:solidFill>
+                  <a:schemeClr val="tx1"/>
+                </a:solidFill>
+              </a:rPr>
+              <a:t>STEP 1, 2 (Deploy, Re-Deploy Program)</a:t>
+            </a:r>
+            <a:endParaRPr kumimoji="1" lang="ja-JP" altLang="en-US" sz="1400">
+              <a:solidFill>
+                <a:schemeClr val="tx1"/>
+              </a:solidFill>
+            </a:endParaRPr>
+          </a:p>
+        </p:txBody>
+      </p:sp>
+      <p:sp>
+        <p:nvSpPr>
+          <p:cNvPr id="64" name="正方形/長方形 63">
+            <a:extLst>
+              <a:ext uri="{FF2B5EF4-FFF2-40B4-BE49-F238E27FC236}">
+                <a16:creationId xmlns:a16="http://schemas.microsoft.com/office/drawing/2014/main" id="{B6932B3F-4E42-E741-9334-12EE5814F412}"/>
+              </a:ext>
+            </a:extLst>
+          </p:cNvPr>
+          <p:cNvSpPr/>
+          <p:nvPr/>
+        </p:nvSpPr>
+        <p:spPr>
+          <a:xfrm>
+            <a:off x="3206044" y="3552030"/>
+            <a:ext cx="8421512" cy="1921998"/>
+          </a:xfrm>
+          <a:prstGeom prst="rect">
+            <a:avLst/>
+          </a:prstGeom>
+          <a:noFill/>
+          <a:ln>
+            <a:solidFill>
+              <a:schemeClr val="bg1">
+                <a:lumMod val="75000"/>
+              </a:schemeClr>
+            </a:solidFill>
+            <a:prstDash val="dash"/>
+          </a:ln>
+        </p:spPr>
+        <p:style>
+          <a:lnRef idx="2">
+            <a:schemeClr val="accent1">
+              <a:shade val="50000"/>
+            </a:schemeClr>
+          </a:lnRef>
+          <a:fillRef idx="1">
+            <a:schemeClr val="accent1"/>
+          </a:fillRef>
+          <a:effectRef idx="0">
+            <a:schemeClr val="accent1"/>
+          </a:effectRef>
+          <a:fontRef idx="minor">
+            <a:schemeClr val="lt1"/>
+          </a:fontRef>
+        </p:style>
+        <p:txBody>
+          <a:bodyPr rtlCol="0" anchor="ctr"/>
+          <a:lstStyle/>
+          <a:p>
+            <a:pPr algn="ctr"/>
+            <a:endParaRPr kumimoji="1" lang="ja-JP" altLang="en-US" sz="1600">
+              <a:solidFill>
+                <a:schemeClr val="tx1"/>
+              </a:solidFill>
+            </a:endParaRPr>
+          </a:p>
+        </p:txBody>
+      </p:sp>
+      <p:sp>
+        <p:nvSpPr>
+          <p:cNvPr id="66" name="正方形/長方形 65">
+            <a:extLst>
+              <a:ext uri="{FF2B5EF4-FFF2-40B4-BE49-F238E27FC236}">
+                <a16:creationId xmlns:a16="http://schemas.microsoft.com/office/drawing/2014/main" id="{080E11D5-3C8F-0143-8769-7E7CD31D7D00}"/>
+              </a:ext>
+            </a:extLst>
+          </p:cNvPr>
+          <p:cNvSpPr/>
+          <p:nvPr/>
+        </p:nvSpPr>
+        <p:spPr>
+          <a:xfrm>
+            <a:off x="3204798" y="5474031"/>
+            <a:ext cx="3816000" cy="180000"/>
+          </a:xfrm>
+          <a:prstGeom prst="rect">
+            <a:avLst/>
+          </a:prstGeom>
+          <a:solidFill>
+            <a:schemeClr val="bg1">
+              <a:lumMod val="75000"/>
+            </a:schemeClr>
+          </a:solidFill>
+          <a:ln>
+            <a:noFill/>
+            <a:prstDash val="dash"/>
+          </a:ln>
+        </p:spPr>
+        <p:style>
+          <a:lnRef idx="2">
+            <a:schemeClr val="accent1">
+              <a:shade val="50000"/>
+            </a:schemeClr>
+          </a:lnRef>
+          <a:fillRef idx="1">
+            <a:schemeClr val="accent1"/>
+          </a:fillRef>
+          <a:effectRef idx="0">
+            <a:schemeClr val="accent1"/>
+          </a:effectRef>
+          <a:fontRef idx="minor">
+            <a:schemeClr val="lt1"/>
+          </a:fontRef>
+        </p:style>
+        <p:txBody>
+          <a:bodyPr wrap="none" rtlCol="0" anchor="ctr"/>
+          <a:lstStyle/>
+          <a:p>
+            <a:r>
+              <a:rPr kumimoji="1" lang="en-US" altLang="ja-JP" sz="1400">
+                <a:solidFill>
+                  <a:schemeClr val="tx1"/>
+                </a:solidFill>
+              </a:rPr>
+              <a:t>STEP 3, 4 (Create Account, then Add/Update Data)</a:t>
+            </a:r>
+            <a:endParaRPr kumimoji="1" lang="ja-JP" altLang="en-US" sz="1400">
+              <a:solidFill>
+                <a:schemeClr val="tx1"/>
+              </a:solidFill>
+            </a:endParaRPr>
+          </a:p>
+        </p:txBody>
+      </p:sp>
+      <p:sp>
+        <p:nvSpPr>
+          <p:cNvPr id="3" name="フッター プレースホルダー 2">
+            <a:extLst>
+              <a:ext uri="{FF2B5EF4-FFF2-40B4-BE49-F238E27FC236}">
+                <a16:creationId xmlns:a16="http://schemas.microsoft.com/office/drawing/2014/main" id="{CF002B0F-6AE7-2549-A696-14648CCF6915}"/>
+              </a:ext>
+            </a:extLst>
+          </p:cNvPr>
+          <p:cNvSpPr>
+            <a:spLocks noGrp="1"/>
+          </p:cNvSpPr>
+          <p:nvPr>
+            <p:ph type="ftr" sz="quarter" idx="11"/>
+          </p:nvPr>
+        </p:nvSpPr>
+        <p:spPr/>
+        <p:txBody>
+          <a:bodyPr/>
+          <a:lstStyle/>
+          <a:p>
+            <a:r>
+              <a:rPr kumimoji="1" lang="en-US" altLang="ja-JP"/>
+              <a:t>256hax</a:t>
+            </a:r>
+            <a:endParaRPr kumimoji="1" lang="ja-JP" altLang="en-US"/>
+          </a:p>
+        </p:txBody>
+      </p:sp>
+    </p:spTree>
+    <p:extLst>
+      <p:ext uri="{BB962C8B-B14F-4D97-AF65-F5344CB8AC3E}">
+        <p14:creationId xmlns:p14="http://schemas.microsoft.com/office/powerpoint/2010/main" val="29468240"/>
+      </p:ext>
+    </p:extLst>
+  </p:cSld>
+  <p:clrMapOvr>
+    <a:masterClrMapping/>
+  </p:clrMapOvr>
+</p:sld>
+</file>
+
+<file path=ppt/slides/slide2.xml><?xml version="1.0" encoding="utf-8"?>
+<p:sld xmlns:a="http://schemas.openxmlformats.org/drawingml/2006/main" xmlns:r="http://schemas.openxmlformats.org/officeDocument/2006/relationships" xmlns:p="http://schemas.openxmlformats.org/presentationml/2006/main">
+  <p:cSld>
+    <p:spTree>
+      <p:nvGrpSpPr>
+        <p:cNvPr id="1" name=""/>
+        <p:cNvGrpSpPr/>
+        <p:nvPr/>
+      </p:nvGrpSpPr>
+      <p:grpSpPr>
+        <a:xfrm>
+          <a:off x="0" y="0"/>
+          <a:ext cx="0" cy="0"/>
+          <a:chOff x="0" y="0"/>
+          <a:chExt cx="0" cy="0"/>
+        </a:xfrm>
+      </p:grpSpPr>
+      <p:sp>
+        <p:nvSpPr>
+          <p:cNvPr id="2" name="タイトル 1">
+            <a:extLst>
+              <a:ext uri="{FF2B5EF4-FFF2-40B4-BE49-F238E27FC236}">
+                <a16:creationId xmlns:a16="http://schemas.microsoft.com/office/drawing/2014/main" id="{A46820ED-C505-EF40-A785-3629F7FE090D}"/>
+              </a:ext>
+            </a:extLst>
+          </p:cNvPr>
+          <p:cNvSpPr>
+            <a:spLocks noGrp="1"/>
+          </p:cNvSpPr>
+          <p:nvPr>
+            <p:ph type="title"/>
+          </p:nvPr>
+        </p:nvSpPr>
+        <p:spPr/>
+        <p:txBody>
+          <a:bodyPr/>
+          <a:lstStyle/>
+          <a:p>
+            <a:r>
+              <a:rPr kumimoji="1" lang="en-US" altLang="ja-JP" dirty="0"/>
+              <a:t>List</a:t>
+            </a:r>
+            <a:endParaRPr kumimoji="1" lang="ja-JP" altLang="en-US"/>
+          </a:p>
+        </p:txBody>
+      </p:sp>
+      <p:sp>
+        <p:nvSpPr>
+          <p:cNvPr id="3" name="テキスト プレースホルダー 2">
+            <a:extLst>
+              <a:ext uri="{FF2B5EF4-FFF2-40B4-BE49-F238E27FC236}">
+                <a16:creationId xmlns:a16="http://schemas.microsoft.com/office/drawing/2014/main" id="{E7D00874-9CD8-E442-97B2-2CD6D4EF1294}"/>
+              </a:ext>
+            </a:extLst>
+          </p:cNvPr>
+          <p:cNvSpPr>
+            <a:spLocks noGrp="1"/>
+          </p:cNvSpPr>
+          <p:nvPr>
+            <p:ph type="body" idx="1"/>
+          </p:nvPr>
+        </p:nvSpPr>
+        <p:spPr/>
+        <p:txBody>
+          <a:bodyPr/>
+          <a:lstStyle/>
+          <a:p>
+            <a:endParaRPr kumimoji="1" lang="ja-JP" altLang="en-US"/>
+          </a:p>
+        </p:txBody>
+      </p:sp>
+      <p:sp>
+        <p:nvSpPr>
+          <p:cNvPr id="4" name="フッター プレースホルダー 3">
+            <a:extLst>
+              <a:ext uri="{FF2B5EF4-FFF2-40B4-BE49-F238E27FC236}">
+                <a16:creationId xmlns:a16="http://schemas.microsoft.com/office/drawing/2014/main" id="{5352AB95-B9E2-8E40-B865-AEA345CE4B41}"/>
+              </a:ext>
+            </a:extLst>
+          </p:cNvPr>
+          <p:cNvSpPr>
+            <a:spLocks noGrp="1"/>
+          </p:cNvSpPr>
+          <p:nvPr>
+            <p:ph type="ftr" sz="quarter" idx="11"/>
+          </p:nvPr>
+        </p:nvSpPr>
+        <p:spPr/>
+        <p:txBody>
+          <a:bodyPr/>
+          <a:lstStyle/>
+          <a:p>
+            <a:r>
+              <a:rPr kumimoji="1" lang="en-US" altLang="ja-JP" dirty="0"/>
+              <a:t>256hax</a:t>
+            </a:r>
+            <a:endParaRPr kumimoji="1" lang="ja-JP" altLang="en-US"/>
+          </a:p>
+        </p:txBody>
+      </p:sp>
+      <p:sp>
+        <p:nvSpPr>
+          <p:cNvPr id="5" name="スライド番号プレースホルダー 4">
+            <a:extLst>
+              <a:ext uri="{FF2B5EF4-FFF2-40B4-BE49-F238E27FC236}">
+                <a16:creationId xmlns:a16="http://schemas.microsoft.com/office/drawing/2014/main" id="{702222C7-C6C5-4941-95B9-0EBA96F32868}"/>
+              </a:ext>
+            </a:extLst>
+          </p:cNvPr>
+          <p:cNvSpPr>
+            <a:spLocks noGrp="1"/>
+          </p:cNvSpPr>
+          <p:nvPr>
+            <p:ph type="sldNum" sz="quarter" idx="12"/>
+          </p:nvPr>
+        </p:nvSpPr>
+        <p:spPr/>
+        <p:txBody>
+          <a:bodyPr/>
+          <a:lstStyle/>
+          <a:p>
+            <a:fld id="{51BE5F08-58E8-9243-A834-2B76637F595D}" type="slidenum">
+              <a:rPr kumimoji="1" lang="ja-JP" altLang="en-US" smtClean="0"/>
+              <a:t>1</a:t>
+            </a:fld>
+            <a:endParaRPr kumimoji="1" lang="ja-JP" altLang="en-US"/>
+          </a:p>
+        </p:txBody>
+      </p:sp>
+    </p:spTree>
+    <p:extLst>
+      <p:ext uri="{BB962C8B-B14F-4D97-AF65-F5344CB8AC3E}">
+        <p14:creationId xmlns:p14="http://schemas.microsoft.com/office/powerpoint/2010/main" val="3154889062"/>
+      </p:ext>
+    </p:extLst>
+  </p:cSld>
+  <p:clrMapOvr>
+    <a:masterClrMapping/>
+  </p:clrMapOvr>
+</p:sld>
+</file>
+
+<file path=ppt/slides/slide20.xml><?xml version="1.0" encoding="utf-8"?>
+<p:sld xmlns:a="http://schemas.openxmlformats.org/drawingml/2006/main" xmlns:r="http://schemas.openxmlformats.org/officeDocument/2006/relationships" xmlns:p="http://schemas.openxmlformats.org/presentationml/2006/main">
+  <p:cSld>
+    <p:spTree>
+      <p:nvGrpSpPr>
+        <p:cNvPr id="1" name=""/>
+        <p:cNvGrpSpPr/>
+        <p:nvPr/>
+      </p:nvGrpSpPr>
+      <p:grpSpPr>
+        <a:xfrm>
+          <a:off x="0" y="0"/>
+          <a:ext cx="0" cy="0"/>
+          <a:chOff x="0" y="0"/>
+          <a:chExt cx="0" cy="0"/>
+        </a:xfrm>
+      </p:grpSpPr>
+      <p:sp>
+        <p:nvSpPr>
+          <p:cNvPr id="2" name="タイトル 1">
+            <a:extLst>
+              <a:ext uri="{FF2B5EF4-FFF2-40B4-BE49-F238E27FC236}">
+                <a16:creationId xmlns:a16="http://schemas.microsoft.com/office/drawing/2014/main" id="{071918FA-14B2-3E41-8D3C-B746B55AC8B7}"/>
+              </a:ext>
+            </a:extLst>
+          </p:cNvPr>
+          <p:cNvSpPr>
+            <a:spLocks noGrp="1"/>
+          </p:cNvSpPr>
+          <p:nvPr>
+            <p:ph type="title"/>
+          </p:nvPr>
+        </p:nvSpPr>
+        <p:spPr/>
+        <p:txBody>
+          <a:bodyPr/>
+          <a:lstStyle/>
+          <a:p>
+            <a:r>
+              <a:rPr lang="en-US" altLang="ja-JP" dirty="0"/>
+              <a:t>Accounts – Execution Programs/Transactions Process (Draft) – Signature (</a:t>
+            </a:r>
+            <a:r>
+              <a:rPr lang="en-US" altLang="ja-JP" dirty="0" err="1"/>
+              <a:t>Devnet</a:t>
+            </a:r>
+            <a:r>
+              <a:rPr lang="en-US" altLang="ja-JP" dirty="0"/>
+              <a:t>)</a:t>
+            </a:r>
+            <a:endParaRPr kumimoji="1" lang="ja-JP" altLang="en-US"/>
+          </a:p>
+        </p:txBody>
+      </p:sp>
+      <p:sp>
+        <p:nvSpPr>
+          <p:cNvPr id="3" name="コンテンツ プレースホルダー 2">
+            <a:extLst>
+              <a:ext uri="{FF2B5EF4-FFF2-40B4-BE49-F238E27FC236}">
+                <a16:creationId xmlns:a16="http://schemas.microsoft.com/office/drawing/2014/main" id="{C64F6876-2E34-A049-9B2E-92434CBEDB35}"/>
+              </a:ext>
+            </a:extLst>
+          </p:cNvPr>
+          <p:cNvSpPr>
+            <a:spLocks noGrp="1"/>
+          </p:cNvSpPr>
+          <p:nvPr>
+            <p:ph idx="1"/>
+          </p:nvPr>
+        </p:nvSpPr>
+        <p:spPr/>
+        <p:txBody>
+          <a:bodyPr/>
+          <a:lstStyle/>
+          <a:p>
+            <a:endParaRPr kumimoji="1" lang="ja-JP" altLang="en-US"/>
+          </a:p>
+        </p:txBody>
+      </p:sp>
+      <p:sp>
+        <p:nvSpPr>
+          <p:cNvPr id="4" name="フッター プレースホルダー 3">
+            <a:extLst>
+              <a:ext uri="{FF2B5EF4-FFF2-40B4-BE49-F238E27FC236}">
+                <a16:creationId xmlns:a16="http://schemas.microsoft.com/office/drawing/2014/main" id="{63914A9A-9835-A84D-86F1-4A4A87598EF0}"/>
+              </a:ext>
+            </a:extLst>
+          </p:cNvPr>
+          <p:cNvSpPr>
+            <a:spLocks noGrp="1"/>
+          </p:cNvSpPr>
+          <p:nvPr>
+            <p:ph type="ftr" sz="quarter" idx="11"/>
+          </p:nvPr>
+        </p:nvSpPr>
+        <p:spPr/>
+        <p:txBody>
+          <a:bodyPr/>
+          <a:lstStyle/>
+          <a:p>
+            <a:r>
+              <a:rPr kumimoji="1" lang="en-US" altLang="ja-JP"/>
+              <a:t>256hax</a:t>
+            </a:r>
+            <a:endParaRPr kumimoji="1" lang="ja-JP" altLang="en-US"/>
+          </a:p>
+        </p:txBody>
+      </p:sp>
+      <p:sp>
+        <p:nvSpPr>
+          <p:cNvPr id="5" name="スライド番号プレースホルダー 4">
+            <a:extLst>
+              <a:ext uri="{FF2B5EF4-FFF2-40B4-BE49-F238E27FC236}">
+                <a16:creationId xmlns:a16="http://schemas.microsoft.com/office/drawing/2014/main" id="{C0791D88-B828-6F43-806E-8D5C247A80DD}"/>
+              </a:ext>
+            </a:extLst>
+          </p:cNvPr>
+          <p:cNvSpPr>
+            <a:spLocks noGrp="1"/>
+          </p:cNvSpPr>
+          <p:nvPr>
+            <p:ph type="sldNum" sz="quarter" idx="12"/>
+          </p:nvPr>
+        </p:nvSpPr>
+        <p:spPr/>
+        <p:txBody>
+          <a:bodyPr/>
+          <a:lstStyle/>
+          <a:p>
+            <a:fld id="{51BE5F08-58E8-9243-A834-2B76637F595D}" type="slidenum">
+              <a:rPr kumimoji="1" lang="ja-JP" altLang="en-US" smtClean="0"/>
+              <a:t>19</a:t>
+            </a:fld>
+            <a:endParaRPr kumimoji="1" lang="ja-JP" altLang="en-US"/>
+          </a:p>
+        </p:txBody>
+      </p:sp>
       <p:graphicFrame>
         <p:nvGraphicFramePr>
-          <p:cNvPr id="38" name="表 46">
-            <a:extLst>
-              <a:ext uri="{FF2B5EF4-FFF2-40B4-BE49-F238E27FC236}">
-                <a16:creationId xmlns:a16="http://schemas.microsoft.com/office/drawing/2014/main" id="{BDA68C12-BD2F-7F4C-ADC0-FAA615B2B5B7}"/>
+          <p:cNvPr id="6" name="表 46">
+            <a:extLst>
+              <a:ext uri="{FF2B5EF4-FFF2-40B4-BE49-F238E27FC236}">
+                <a16:creationId xmlns:a16="http://schemas.microsoft.com/office/drawing/2014/main" id="{772C4ACC-7CF9-B74A-9026-A444C13B6173}"/>
               </a:ext>
             </a:extLst>
           </p:cNvPr>
@@ -12444,14 +14406,14 @@
           <p:nvPr>
             <p:extLst>
               <p:ext uri="{D42A27DB-BD31-4B8C-83A1-F6EECF244321}">
-                <p14:modId xmlns:p14="http://schemas.microsoft.com/office/powerpoint/2010/main" val="2763532699"/>
+                <p14:modId xmlns:p14="http://schemas.microsoft.com/office/powerpoint/2010/main" val="1628452880"/>
               </p:ext>
             </p:extLst>
           </p:nvPr>
         </p:nvGraphicFramePr>
         <p:xfrm>
-          <a:off x="415642" y="5007560"/>
-          <a:ext cx="11211913" cy="1219200"/>
+          <a:off x="838201" y="1817225"/>
+          <a:ext cx="10515600" cy="3923398"/>
         </p:xfrm>
         <a:graphic>
           <a:graphicData uri="http://schemas.openxmlformats.org/drawingml/2006/table">
@@ -12460,14 +14422,14 @@
                 <a:tableStyleId>{5C22544A-7EE6-4342-B048-85BDC9FD1C3A}</a:tableStyleId>
               </a:tblPr>
               <a:tblGrid>
-                <a:gridCol w="1661463">
+                <a:gridCol w="1558278">
                   <a:extLst>
                     <a:ext uri="{9D8B030D-6E8A-4147-A177-3AD203B41FA5}">
                       <a16:colId xmlns:a16="http://schemas.microsoft.com/office/drawing/2014/main" val="2217692529"/>
                     </a:ext>
                   </a:extLst>
                 </a:gridCol>
-                <a:gridCol w="9550450">
+                <a:gridCol w="8957322">
                   <a:extLst>
                     <a:ext uri="{9D8B030D-6E8A-4147-A177-3AD203B41FA5}">
                       <a16:colId xmlns:a16="http://schemas.microsoft.com/office/drawing/2014/main" val="2533206870"/>
@@ -12475,7 +14437,7 @@
                   </a:extLst>
                 </a:gridCol>
               </a:tblGrid>
-              <a:tr h="432716">
+              <a:tr h="2452124">
                 <a:tc>
                   <a:txBody>
                     <a:bodyPr/>
@@ -12499,7 +14461,7 @@
                         <a:defRPr/>
                       </a:pPr>
                       <a:r>
-                        <a:rPr kumimoji="1" lang="en-US" altLang="ja-JP" sz="1200" b="0">
+                        <a:rPr kumimoji="1" lang="en-US" altLang="ja-JP" sz="1400" b="0" dirty="0">
                           <a:solidFill>
                             <a:schemeClr val="tx1"/>
                           </a:solidFill>
@@ -12507,7 +14469,7 @@
                         <a:t>Step with Signature(</a:t>
                       </a:r>
                       <a:r>
-                        <a:rPr kumimoji="1" lang="en-US" altLang="ja-JP" sz="1200" b="0" err="1">
+                        <a:rPr kumimoji="1" lang="en-US" altLang="ja-JP" sz="1400" b="0" dirty="0" err="1">
                           <a:solidFill>
                             <a:schemeClr val="tx1"/>
                           </a:solidFill>
@@ -12515,14 +14477,14 @@
                         <a:t>Devnet</a:t>
                       </a:r>
                       <a:r>
-                        <a:rPr kumimoji="1" lang="en-US" altLang="ja-JP" sz="1200" b="0">
+                        <a:rPr kumimoji="1" lang="en-US" altLang="ja-JP" sz="1400" b="0" dirty="0">
                           <a:solidFill>
                             <a:schemeClr val="tx1"/>
                           </a:solidFill>
                         </a:rPr>
                         <a:t>)</a:t>
                       </a:r>
-                      <a:endParaRPr kumimoji="1" lang="ja-JP" altLang="en-US" sz="1200" b="0">
+                      <a:endParaRPr kumimoji="1" lang="ja-JP" altLang="en-US" sz="1400" b="0">
                         <a:solidFill>
                           <a:schemeClr val="tx1"/>
                         </a:solidFill>
@@ -12587,15 +14549,32 @@
                     <a:lstStyle/>
                     <a:p>
                       <a:r>
-                        <a:rPr kumimoji="1" lang="en-US" altLang="ja-JP" sz="1100" b="0">
+                        <a:rPr kumimoji="1" lang="en-US" altLang="ja-JP" sz="1400" b="0" dirty="0">
                           <a:solidFill>
                             <a:schemeClr val="tx1"/>
                           </a:solidFill>
                         </a:rPr>
-                        <a:t>1. First Deploy Program:</a:t>
+                        <a:t>1. First Deploy Program: </a:t>
                       </a:r>
                       <a:r>
-                        <a:rPr kumimoji="1" lang="en-US" altLang="ja-JP" sz="1050" b="0">
+                        <a:rPr kumimoji="1" lang="en-US" altLang="ja-JP" sz="900" b="0" dirty="0">
+                          <a:hlinkClick r:id="rId2"/>
+                        </a:rPr>
+                        <a:t>2EJNKDAdHi8foaLirDrEjKrubBkMs27gQHYHCaFzehsVrUqqwELUXnbZa4fc2WJpPVdZqazvYVAkqs6Fhfd9cxUv</a:t>
+                      </a:r>
+                      <a:endParaRPr kumimoji="1" lang="en-US" altLang="ja-JP" sz="900" b="0" dirty="0"/>
+                    </a:p>
+                    <a:p>
+                      <a:r>
+                        <a:rPr kumimoji="1" lang="en-US" altLang="ja-JP" sz="1400" b="0" dirty="0">
+                          <a:solidFill>
+                            <a:schemeClr val="tx1"/>
+                          </a:solidFill>
+                        </a:rPr>
+                        <a:t>2. Re-Deploy(upgrade program):</a:t>
+                      </a:r>
+                      <a:r>
+                        <a:rPr kumimoji="1" lang="en-US" altLang="ja-JP" sz="1050" b="0" dirty="0">
                           <a:solidFill>
                             <a:schemeClr val="tx1"/>
                           </a:solidFill>
@@ -12603,24 +14582,24 @@
                         <a:t> </a:t>
                       </a:r>
                       <a:r>
-                        <a:rPr kumimoji="1" lang="en-US" altLang="ja-JP" sz="900" b="0">
+                        <a:rPr kumimoji="1" lang="en-US" altLang="ja-JP" sz="900" b="0" dirty="0">
                           <a:hlinkClick r:id="rId3"/>
                         </a:rPr>
-                        <a:t>2EJNKDAdHi8foaLirDrEjKrubBkMs27gQHYHCaFzehsVrUqqwELUXnbZa4fc2WJpPVdZqazvYVAkqs6Fhfd9cxUv</a:t>
+                        <a:t>2MzxcwxR8z7AVbobkpdfnefpmNPBTXnheK7RQmvuTy5xCBq9pZutygnyuoSZqj4u7Fg7hX2bP4H8gHX3rfE18CQH</a:t>
                       </a:r>
-                      <a:endParaRPr kumimoji="1" lang="en-US" altLang="ja-JP" sz="900" b="0"/>
+                      <a:endParaRPr kumimoji="1" lang="en-US" altLang="ja-JP" sz="900" b="0" dirty="0"/>
                     </a:p>
                     <a:p>
                       <a:r>
-                        <a:rPr kumimoji="1" lang="en-US" altLang="ja-JP" sz="1100" b="0">
+                        <a:rPr kumimoji="1" lang="en-US" altLang="ja-JP" sz="1400" b="0" dirty="0">
                           <a:solidFill>
                             <a:schemeClr val="tx1"/>
                           </a:solidFill>
                         </a:rPr>
-                        <a:t>2. Re-Deploy(upgrade program):</a:t>
+                        <a:t>3. Create Instruction Data(16bytes) Account with adding data(1234):</a:t>
                       </a:r>
                       <a:r>
-                        <a:rPr kumimoji="1" lang="en-US" altLang="ja-JP" sz="1050" b="0">
+                        <a:rPr kumimoji="1" lang="en-US" altLang="ja-JP" sz="1050" b="0" dirty="0">
                           <a:solidFill>
                             <a:schemeClr val="tx1"/>
                           </a:solidFill>
@@ -12628,24 +14607,24 @@
                         <a:t> </a:t>
                       </a:r>
                       <a:r>
-                        <a:rPr kumimoji="1" lang="en-US" altLang="ja-JP" sz="900" b="0">
+                        <a:rPr kumimoji="1" lang="en-US" altLang="ja-JP" sz="900" b="0" dirty="0">
                           <a:hlinkClick r:id="rId4"/>
                         </a:rPr>
-                        <a:t>2MzxcwxR8z7AVbobkpdfnefpmNPBTXnheK7RQmvuTy5xCBq9pZutygnyuoSZqj4u7Fg7hX2bP4H8gHX3rfE18CQH</a:t>
+                        <a:t>3ZK8pACVU5eKh5MegD7HXBLQQqQBk3NVTnFL7myNjVjWzb99WDP19ejz7cfXMcJdGieCLakqZ5Coe28cpMcNeQQV</a:t>
                       </a:r>
-                      <a:endParaRPr kumimoji="1" lang="en-US" altLang="ja-JP" sz="900" b="0"/>
+                      <a:endParaRPr kumimoji="1" lang="en-US" altLang="ja-JP" sz="900" b="0" dirty="0"/>
                     </a:p>
                     <a:p>
                       <a:r>
-                        <a:rPr kumimoji="1" lang="en-US" altLang="ja-JP" sz="1100" b="0">
+                        <a:rPr kumimoji="1" lang="en-US" altLang="ja-JP" sz="1400" b="0" dirty="0">
                           <a:solidFill>
                             <a:schemeClr val="tx1"/>
                           </a:solidFill>
                         </a:rPr>
-                        <a:t>3. Create Instruction Data(16bytes) Account with adding data(1234):</a:t>
+                        <a:t>4. Update data(4321):</a:t>
                       </a:r>
                       <a:r>
-                        <a:rPr kumimoji="1" lang="en-US" altLang="ja-JP" sz="1050" b="0">
+                        <a:rPr kumimoji="1" lang="en-US" altLang="ja-JP" sz="1050" b="0" dirty="0">
                           <a:solidFill>
                             <a:schemeClr val="tx1"/>
                           </a:solidFill>
@@ -12653,37 +14632,12 @@
                         <a:t> </a:t>
                       </a:r>
                       <a:r>
-                        <a:rPr kumimoji="1" lang="en-US" altLang="ja-JP" sz="900" b="0">
+                        <a:rPr kumimoji="1" lang="en-US" altLang="ja-JP" sz="900" b="0" dirty="0">
                           <a:hlinkClick r:id="rId5"/>
-                        </a:rPr>
-                        <a:t>3ZK8pACVU5eKh5MegD7HXBLQQqQBk3NVTnFL7myNjVjWzb99WDP19ejz7cfXMcJdGieCLakqZ5Coe28cpMcNeQQV</a:t>
-                      </a:r>
-                      <a:endParaRPr kumimoji="1" lang="en-US" altLang="ja-JP" sz="900" b="0"/>
-                    </a:p>
-                    <a:p>
-                      <a:r>
-                        <a:rPr kumimoji="1" lang="en-US" altLang="ja-JP" sz="1100" b="0">
-                          <a:solidFill>
-                            <a:schemeClr val="tx1"/>
-                          </a:solidFill>
-                        </a:rPr>
-                        <a:t>4. Update data(4321):</a:t>
-                      </a:r>
-                      <a:r>
-                        <a:rPr kumimoji="1" lang="en-US" altLang="ja-JP" sz="1050" b="0">
-                          <a:solidFill>
-                            <a:schemeClr val="tx1"/>
-                          </a:solidFill>
-                        </a:rPr>
-                        <a:t> </a:t>
-                      </a:r>
-                      <a:r>
-                        <a:rPr kumimoji="1" lang="en-US" altLang="ja-JP" sz="900" b="0">
-                          <a:hlinkClick r:id="rId6"/>
                         </a:rPr>
                         <a:t>2rAdweWojqqnnEGrrHGfHgaGFRSThS6cp2hJ6ZJvBwZacy4Z8R6cgn3iKQAnDK1rZdnarKETAL65MfsFGQ6V3LgH</a:t>
                       </a:r>
-                      <a:endParaRPr kumimoji="1" lang="en-US" altLang="ja-JP" sz="900" b="0"/>
+                      <a:endParaRPr kumimoji="1" lang="en-US" altLang="ja-JP" sz="900" b="0" dirty="0"/>
                     </a:p>
                   </a:txBody>
                   <a:tcPr>
@@ -12740,21 +14694,21 @@
                   </a:ext>
                 </a:extLst>
               </a:tr>
-              <a:tr h="455509">
+              <a:tr h="1471274">
                 <a:tc>
                   <a:txBody>
                     <a:bodyPr/>
                     <a:lstStyle/>
                     <a:p>
                       <a:r>
-                        <a:rPr kumimoji="1" lang="en-US" altLang="ja-JP" sz="1200">
+                        <a:rPr kumimoji="1" lang="en-US" altLang="ja-JP" sz="1400" dirty="0">
                           <a:solidFill>
                             <a:schemeClr val="tx1"/>
                           </a:solidFill>
                         </a:rPr>
                         <a:t>Public Key (Address)</a:t>
                       </a:r>
-                      <a:endParaRPr kumimoji="1" lang="ja-JP" altLang="en-US" sz="1200" b="0">
+                      <a:endParaRPr kumimoji="1" lang="ja-JP" altLang="en-US" sz="1400" b="0">
                         <a:solidFill>
                           <a:schemeClr val="tx1"/>
                         </a:solidFill>
@@ -12819,49 +14773,57 @@
                     <a:lstStyle/>
                     <a:p>
                       <a:r>
-                        <a:rPr kumimoji="1" lang="en-US" altLang="ja-JP" sz="1200"/>
-                        <a:t>User Account (Developer): % </a:t>
+                        <a:rPr kumimoji="1" lang="en-US" altLang="ja-JP" sz="1400" dirty="0"/>
+                        <a:t>User Account (Developer):</a:t>
                       </a:r>
                       <a:r>
-                        <a:rPr kumimoji="1" lang="en-US" altLang="ja-JP" sz="1200" err="1"/>
+                        <a:rPr kumimoji="1" lang="en-US" altLang="ja-JP" sz="1200" dirty="0"/>
+                        <a:t> % </a:t>
+                      </a:r>
+                      <a:r>
+                        <a:rPr kumimoji="1" lang="en-US" altLang="ja-JP" sz="1200" dirty="0" err="1"/>
                         <a:t>solana</a:t>
                       </a:r>
                       <a:r>
-                        <a:rPr kumimoji="1" lang="en-US" altLang="ja-JP" sz="1200"/>
+                        <a:rPr kumimoji="1" lang="en-US" altLang="ja-JP" sz="1200" dirty="0"/>
                         <a:t> address -k ~/.config/</a:t>
                       </a:r>
                       <a:r>
-                        <a:rPr kumimoji="1" lang="en-US" altLang="ja-JP" sz="1200" err="1"/>
+                        <a:rPr kumimoji="1" lang="en-US" altLang="ja-JP" sz="1200" dirty="0" err="1"/>
                         <a:t>solana</a:t>
                       </a:r>
                       <a:r>
-                        <a:rPr kumimoji="1" lang="en-US" altLang="ja-JP" sz="1200"/>
+                        <a:rPr kumimoji="1" lang="en-US" altLang="ja-JP" sz="1200" dirty="0"/>
                         <a:t>/</a:t>
                       </a:r>
                       <a:r>
-                        <a:rPr kumimoji="1" lang="en-US" altLang="ja-JP" sz="1200" err="1"/>
+                        <a:rPr kumimoji="1" lang="en-US" altLang="ja-JP" sz="1200" dirty="0" err="1"/>
                         <a:t>id.json</a:t>
                       </a:r>
-                      <a:endParaRPr kumimoji="1" lang="en-US" altLang="ja-JP" sz="1200"/>
+                      <a:endParaRPr kumimoji="1" lang="en-US" altLang="ja-JP" sz="1200" dirty="0"/>
                     </a:p>
                     <a:p>
                       <a:r>
-                        <a:rPr kumimoji="1" lang="en-US" altLang="ja-JP" sz="1200"/>
-                        <a:t>Program Account: % </a:t>
+                        <a:rPr kumimoji="1" lang="en-US" altLang="ja-JP" sz="1400" dirty="0"/>
+                        <a:t>Program Account:</a:t>
                       </a:r>
                       <a:r>
-                        <a:rPr kumimoji="1" lang="en-US" altLang="ja-JP" sz="1200" err="1"/>
+                        <a:rPr kumimoji="1" lang="en-US" altLang="ja-JP" sz="1200" dirty="0"/>
+                        <a:t> % </a:t>
+                      </a:r>
+                      <a:r>
+                        <a:rPr kumimoji="1" lang="en-US" altLang="ja-JP" sz="1200" dirty="0" err="1"/>
                         <a:t>solana</a:t>
                       </a:r>
                       <a:r>
-                        <a:rPr kumimoji="1" lang="en-US" altLang="ja-JP" sz="1200"/>
+                        <a:rPr kumimoji="1" lang="en-US" altLang="ja-JP" sz="1200" dirty="0"/>
                         <a:t> address -k target/deploy/&lt;Program Name&gt;-</a:t>
                       </a:r>
                       <a:r>
-                        <a:rPr kumimoji="1" lang="en-US" altLang="ja-JP" sz="1200" err="1"/>
+                        <a:rPr kumimoji="1" lang="en-US" altLang="ja-JP" sz="1200" dirty="0" err="1"/>
                         <a:t>keypair.json</a:t>
                       </a:r>
-                      <a:endParaRPr kumimoji="1" lang="en-US" altLang="ja-JP" sz="1200"/>
+                      <a:endParaRPr kumimoji="1" lang="en-US" altLang="ja-JP" sz="1200" dirty="0"/>
                     </a:p>
                   </a:txBody>
                   <a:tcPr>
@@ -12922,363 +14884,10 @@
           </a:graphicData>
         </a:graphic>
       </p:graphicFrame>
-      <p:sp>
-        <p:nvSpPr>
-          <p:cNvPr id="60" name="テキスト ボックス 59">
-            <a:extLst>
-              <a:ext uri="{FF2B5EF4-FFF2-40B4-BE49-F238E27FC236}">
-                <a16:creationId xmlns:a16="http://schemas.microsoft.com/office/drawing/2014/main" id="{0BA99C79-EE9D-BF48-B9BF-7B8E7257A14F}"/>
-              </a:ext>
-            </a:extLst>
-          </p:cNvPr>
-          <p:cNvSpPr txBox="1"/>
-          <p:nvPr/>
-        </p:nvSpPr>
-        <p:spPr>
-          <a:xfrm>
-            <a:off x="2392491" y="987559"/>
-            <a:ext cx="1266093" cy="276999"/>
-          </a:xfrm>
-          <a:prstGeom prst="rect">
-            <a:avLst/>
-          </a:prstGeom>
-          <a:noFill/>
-        </p:spPr>
-        <p:txBody>
-          <a:bodyPr wrap="none" rtlCol="0">
-            <a:noAutofit/>
-          </a:bodyPr>
-          <a:lstStyle/>
-          <a:p>
-            <a:pPr algn="ctr"/>
-            <a:r>
-              <a:rPr kumimoji="1" lang="en-US" altLang="ja-JP" sz="1200"/>
-              <a:t>Assign</a:t>
-            </a:r>
-            <a:endParaRPr kumimoji="1" lang="ja-JP" altLang="en-US" sz="1200"/>
-          </a:p>
-        </p:txBody>
-      </p:sp>
-      <p:sp>
-        <p:nvSpPr>
-          <p:cNvPr id="61" name="テキスト ボックス 60">
-            <a:extLst>
-              <a:ext uri="{FF2B5EF4-FFF2-40B4-BE49-F238E27FC236}">
-                <a16:creationId xmlns:a16="http://schemas.microsoft.com/office/drawing/2014/main" id="{14E1ED35-9F5A-BC4B-B85A-4DB1E1E908BA}"/>
-              </a:ext>
-            </a:extLst>
-          </p:cNvPr>
-          <p:cNvSpPr txBox="1"/>
-          <p:nvPr/>
-        </p:nvSpPr>
-        <p:spPr>
-          <a:xfrm>
-            <a:off x="2392491" y="4310280"/>
-            <a:ext cx="1266093" cy="276999"/>
-          </a:xfrm>
-          <a:prstGeom prst="rect">
-            <a:avLst/>
-          </a:prstGeom>
-          <a:noFill/>
-        </p:spPr>
-        <p:txBody>
-          <a:bodyPr wrap="none" rtlCol="0">
-            <a:noAutofit/>
-          </a:bodyPr>
-          <a:lstStyle/>
-          <a:p>
-            <a:pPr algn="ctr"/>
-            <a:r>
-              <a:rPr kumimoji="1" lang="en-US" altLang="ja-JP" sz="1200"/>
-              <a:t>Assign</a:t>
-            </a:r>
-            <a:endParaRPr kumimoji="1" lang="ja-JP" altLang="en-US" sz="1200"/>
-          </a:p>
-        </p:txBody>
-      </p:sp>
-      <p:sp>
-        <p:nvSpPr>
-          <p:cNvPr id="62" name="正方形/長方形 61">
-            <a:extLst>
-              <a:ext uri="{FF2B5EF4-FFF2-40B4-BE49-F238E27FC236}">
-                <a16:creationId xmlns:a16="http://schemas.microsoft.com/office/drawing/2014/main" id="{69217986-6BCB-CB4B-814B-72266C8D2011}"/>
-              </a:ext>
-            </a:extLst>
-          </p:cNvPr>
-          <p:cNvSpPr/>
-          <p:nvPr/>
-        </p:nvSpPr>
-        <p:spPr>
-          <a:xfrm>
-            <a:off x="3206044" y="1042141"/>
-            <a:ext cx="8421512" cy="1704961"/>
-          </a:xfrm>
-          <a:prstGeom prst="rect">
-            <a:avLst/>
-          </a:prstGeom>
-          <a:noFill/>
-          <a:ln>
-            <a:solidFill>
-              <a:schemeClr val="bg1">
-                <a:lumMod val="75000"/>
-              </a:schemeClr>
-            </a:solidFill>
-            <a:prstDash val="dash"/>
-          </a:ln>
-        </p:spPr>
-        <p:style>
-          <a:lnRef idx="2">
-            <a:schemeClr val="accent1">
-              <a:shade val="50000"/>
-            </a:schemeClr>
-          </a:lnRef>
-          <a:fillRef idx="1">
-            <a:schemeClr val="accent1"/>
-          </a:fillRef>
-          <a:effectRef idx="0">
-            <a:schemeClr val="accent1"/>
-          </a:effectRef>
-          <a:fontRef idx="minor">
-            <a:schemeClr val="lt1"/>
-          </a:fontRef>
-        </p:style>
-        <p:txBody>
-          <a:bodyPr rtlCol="0" anchor="ctr"/>
-          <a:lstStyle/>
-          <a:p>
-            <a:pPr algn="ctr"/>
-            <a:endParaRPr kumimoji="1" lang="ja-JP" altLang="en-US" sz="1600">
-              <a:solidFill>
-                <a:schemeClr val="tx1"/>
-              </a:solidFill>
-            </a:endParaRPr>
-          </a:p>
-        </p:txBody>
-      </p:sp>
-      <p:sp>
-        <p:nvSpPr>
-          <p:cNvPr id="63" name="正方形/長方形 62">
-            <a:extLst>
-              <a:ext uri="{FF2B5EF4-FFF2-40B4-BE49-F238E27FC236}">
-                <a16:creationId xmlns:a16="http://schemas.microsoft.com/office/drawing/2014/main" id="{B0B8DA7A-2B89-8E4F-B01F-95ED90F32664}"/>
-              </a:ext>
-            </a:extLst>
-          </p:cNvPr>
-          <p:cNvSpPr/>
-          <p:nvPr/>
-        </p:nvSpPr>
-        <p:spPr>
-          <a:xfrm>
-            <a:off x="3204798" y="862141"/>
-            <a:ext cx="3816000" cy="180000"/>
-          </a:xfrm>
-          <a:prstGeom prst="rect">
-            <a:avLst/>
-          </a:prstGeom>
-          <a:solidFill>
-            <a:schemeClr val="bg1">
-              <a:lumMod val="75000"/>
-            </a:schemeClr>
-          </a:solidFill>
-          <a:ln>
-            <a:noFill/>
-            <a:prstDash val="dash"/>
-          </a:ln>
-        </p:spPr>
-        <p:style>
-          <a:lnRef idx="2">
-            <a:schemeClr val="accent1">
-              <a:shade val="50000"/>
-            </a:schemeClr>
-          </a:lnRef>
-          <a:fillRef idx="1">
-            <a:schemeClr val="accent1"/>
-          </a:fillRef>
-          <a:effectRef idx="0">
-            <a:schemeClr val="accent1"/>
-          </a:effectRef>
-          <a:fontRef idx="minor">
-            <a:schemeClr val="lt1"/>
-          </a:fontRef>
-        </p:style>
-        <p:txBody>
-          <a:bodyPr wrap="none" rtlCol="0" anchor="ctr"/>
-          <a:lstStyle/>
-          <a:p>
-            <a:r>
-              <a:rPr kumimoji="1" lang="en-US" altLang="ja-JP" sz="1400">
-                <a:solidFill>
-                  <a:schemeClr val="tx1"/>
-                </a:solidFill>
-              </a:rPr>
-              <a:t>STEP 1, 2 (Deploy, Re-Deploy Program)</a:t>
-            </a:r>
-            <a:endParaRPr kumimoji="1" lang="ja-JP" altLang="en-US" sz="1400">
-              <a:solidFill>
-                <a:schemeClr val="tx1"/>
-              </a:solidFill>
-            </a:endParaRPr>
-          </a:p>
-        </p:txBody>
-      </p:sp>
-      <p:sp>
-        <p:nvSpPr>
-          <p:cNvPr id="64" name="正方形/長方形 63">
-            <a:extLst>
-              <a:ext uri="{FF2B5EF4-FFF2-40B4-BE49-F238E27FC236}">
-                <a16:creationId xmlns:a16="http://schemas.microsoft.com/office/drawing/2014/main" id="{B6932B3F-4E42-E741-9334-12EE5814F412}"/>
-              </a:ext>
-            </a:extLst>
-          </p:cNvPr>
-          <p:cNvSpPr/>
-          <p:nvPr/>
-        </p:nvSpPr>
-        <p:spPr>
-          <a:xfrm>
-            <a:off x="3206044" y="2822841"/>
-            <a:ext cx="8421512" cy="1704961"/>
-          </a:xfrm>
-          <a:prstGeom prst="rect">
-            <a:avLst/>
-          </a:prstGeom>
-          <a:noFill/>
-          <a:ln>
-            <a:solidFill>
-              <a:schemeClr val="bg1">
-                <a:lumMod val="75000"/>
-              </a:schemeClr>
-            </a:solidFill>
-            <a:prstDash val="dash"/>
-          </a:ln>
-        </p:spPr>
-        <p:style>
-          <a:lnRef idx="2">
-            <a:schemeClr val="accent1">
-              <a:shade val="50000"/>
-            </a:schemeClr>
-          </a:lnRef>
-          <a:fillRef idx="1">
-            <a:schemeClr val="accent1"/>
-          </a:fillRef>
-          <a:effectRef idx="0">
-            <a:schemeClr val="accent1"/>
-          </a:effectRef>
-          <a:fontRef idx="minor">
-            <a:schemeClr val="lt1"/>
-          </a:fontRef>
-        </p:style>
-        <p:txBody>
-          <a:bodyPr rtlCol="0" anchor="ctr"/>
-          <a:lstStyle/>
-          <a:p>
-            <a:pPr algn="ctr"/>
-            <a:endParaRPr kumimoji="1" lang="ja-JP" altLang="en-US" sz="1600">
-              <a:solidFill>
-                <a:schemeClr val="tx1"/>
-              </a:solidFill>
-            </a:endParaRPr>
-          </a:p>
-        </p:txBody>
-      </p:sp>
-      <p:sp>
-        <p:nvSpPr>
-          <p:cNvPr id="66" name="正方形/長方形 65">
-            <a:extLst>
-              <a:ext uri="{FF2B5EF4-FFF2-40B4-BE49-F238E27FC236}">
-                <a16:creationId xmlns:a16="http://schemas.microsoft.com/office/drawing/2014/main" id="{080E11D5-3C8F-0143-8769-7E7CD31D7D00}"/>
-              </a:ext>
-            </a:extLst>
-          </p:cNvPr>
-          <p:cNvSpPr/>
-          <p:nvPr/>
-        </p:nvSpPr>
-        <p:spPr>
-          <a:xfrm>
-            <a:off x="3204798" y="4536869"/>
-            <a:ext cx="3816000" cy="180000"/>
-          </a:xfrm>
-          <a:prstGeom prst="rect">
-            <a:avLst/>
-          </a:prstGeom>
-          <a:solidFill>
-            <a:schemeClr val="bg1">
-              <a:lumMod val="75000"/>
-            </a:schemeClr>
-          </a:solidFill>
-          <a:ln>
-            <a:noFill/>
-            <a:prstDash val="dash"/>
-          </a:ln>
-        </p:spPr>
-        <p:style>
-          <a:lnRef idx="2">
-            <a:schemeClr val="accent1">
-              <a:shade val="50000"/>
-            </a:schemeClr>
-          </a:lnRef>
-          <a:fillRef idx="1">
-            <a:schemeClr val="accent1"/>
-          </a:fillRef>
-          <a:effectRef idx="0">
-            <a:schemeClr val="accent1"/>
-          </a:effectRef>
-          <a:fontRef idx="minor">
-            <a:schemeClr val="lt1"/>
-          </a:fontRef>
-        </p:style>
-        <p:txBody>
-          <a:bodyPr wrap="none" rtlCol="0" anchor="ctr"/>
-          <a:lstStyle/>
-          <a:p>
-            <a:r>
-              <a:rPr kumimoji="1" lang="en-US" altLang="ja-JP" sz="1400">
-                <a:solidFill>
-                  <a:schemeClr val="tx1"/>
-                </a:solidFill>
-              </a:rPr>
-              <a:t>STEP 3, 4 (Create Account, then Add/Update Data)</a:t>
-            </a:r>
-            <a:endParaRPr kumimoji="1" lang="ja-JP" altLang="en-US" sz="1400">
-              <a:solidFill>
-                <a:schemeClr val="tx1"/>
-              </a:solidFill>
-            </a:endParaRPr>
-          </a:p>
-        </p:txBody>
-      </p:sp>
-      <p:sp>
-        <p:nvSpPr>
-          <p:cNvPr id="3" name="フッター プレースホルダー 2">
-            <a:extLst>
-              <a:ext uri="{FF2B5EF4-FFF2-40B4-BE49-F238E27FC236}">
-                <a16:creationId xmlns:a16="http://schemas.microsoft.com/office/drawing/2014/main" id="{CF002B0F-6AE7-2549-A696-14648CCF6915}"/>
-              </a:ext>
-            </a:extLst>
-          </p:cNvPr>
-          <p:cNvSpPr>
-            <a:spLocks noGrp="1"/>
-          </p:cNvSpPr>
-          <p:nvPr>
-            <p:ph type="ftr" sz="quarter" idx="11"/>
-          </p:nvPr>
-        </p:nvSpPr>
-        <p:spPr/>
-        <p:txBody>
-          <a:bodyPr/>
-          <a:lstStyle/>
-          <a:p>
-            <a:r>
-              <a:rPr kumimoji="1" lang="en-US" altLang="ja-JP"/>
-              <a:t>256hax</a:t>
-            </a:r>
-            <a:endParaRPr kumimoji="1" lang="ja-JP" altLang="en-US"/>
-          </a:p>
-        </p:txBody>
-      </p:sp>
     </p:spTree>
     <p:extLst>
       <p:ext uri="{BB962C8B-B14F-4D97-AF65-F5344CB8AC3E}">
-        <p14:creationId xmlns:p14="http://schemas.microsoft.com/office/powerpoint/2010/main" val="29468240"/>
+        <p14:creationId xmlns:p14="http://schemas.microsoft.com/office/powerpoint/2010/main" val="2003234784"/>
       </p:ext>
     </p:extLst>
   </p:cSld>
@@ -13288,7 +14897,7 @@
 </p:sld>
 </file>
 
-<file path=ppt/slides/slide16.xml><?xml version="1.0" encoding="utf-8"?>
+<file path=ppt/slides/slide21.xml><?xml version="1.0" encoding="utf-8"?>
 <p:sld xmlns:a="http://schemas.openxmlformats.org/drawingml/2006/main" xmlns:r="http://schemas.openxmlformats.org/officeDocument/2006/relationships" xmlns:p="http://schemas.openxmlformats.org/presentationml/2006/main">
   <p:cSld>
     <p:spTree>
@@ -13327,7 +14936,7 @@
           <a:lstStyle/>
           <a:p>
             <a:r>
-              <a:rPr kumimoji="1" lang="en-US" altLang="ja-JP"/>
+              <a:rPr kumimoji="1" lang="en-US" altLang="ja-JP" dirty="0"/>
               <a:t>Accounts – Sending Token Process (Draft)</a:t>
             </a:r>
             <a:endParaRPr kumimoji="1" lang="ja-JP" altLang="en-US"/>
@@ -13357,348 +14966,12 @@
           <a:p>
             <a:fld id="{51BE5F08-58E8-9243-A834-2B76637F595D}" type="slidenum">
               <a:rPr kumimoji="1" lang="ja-JP" altLang="en-US" smtClean="0"/>
-              <a:t>15</a:t>
+              <a:t>20</a:t>
             </a:fld>
             <a:endParaRPr kumimoji="1" lang="ja-JP" altLang="en-US"/>
           </a:p>
         </p:txBody>
       </p:sp>
-      <p:graphicFrame>
-        <p:nvGraphicFramePr>
-          <p:cNvPr id="14" name="表 46">
-            <a:extLst>
-              <a:ext uri="{FF2B5EF4-FFF2-40B4-BE49-F238E27FC236}">
-                <a16:creationId xmlns:a16="http://schemas.microsoft.com/office/drawing/2014/main" id="{399B04BF-1171-E64F-86AD-51E61ED60957}"/>
-              </a:ext>
-            </a:extLst>
-          </p:cNvPr>
-          <p:cNvGraphicFramePr>
-            <a:graphicFrameLocks noGrp="1"/>
-          </p:cNvGraphicFramePr>
-          <p:nvPr>
-            <p:extLst>
-              <p:ext uri="{D42A27DB-BD31-4B8C-83A1-F6EECF244321}">
-                <p14:modId xmlns:p14="http://schemas.microsoft.com/office/powerpoint/2010/main" val="4162408230"/>
-              </p:ext>
-            </p:extLst>
-          </p:nvPr>
-        </p:nvGraphicFramePr>
-        <p:xfrm>
-          <a:off x="359198" y="5523722"/>
-          <a:ext cx="11211913" cy="929640"/>
-        </p:xfrm>
-        <a:graphic>
-          <a:graphicData uri="http://schemas.openxmlformats.org/drawingml/2006/table">
-            <a:tbl>
-              <a:tblPr firstRow="1" bandRow="1">
-                <a:tableStyleId>{5C22544A-7EE6-4342-B048-85BDC9FD1C3A}</a:tableStyleId>
-              </a:tblPr>
-              <a:tblGrid>
-                <a:gridCol w="1661463">
-                  <a:extLst>
-                    <a:ext uri="{9D8B030D-6E8A-4147-A177-3AD203B41FA5}">
-                      <a16:colId xmlns:a16="http://schemas.microsoft.com/office/drawing/2014/main" val="2217692529"/>
-                    </a:ext>
-                  </a:extLst>
-                </a:gridCol>
-                <a:gridCol w="9550450">
-                  <a:extLst>
-                    <a:ext uri="{9D8B030D-6E8A-4147-A177-3AD203B41FA5}">
-                      <a16:colId xmlns:a16="http://schemas.microsoft.com/office/drawing/2014/main" val="2533206870"/>
-                    </a:ext>
-                  </a:extLst>
-                </a:gridCol>
-              </a:tblGrid>
-              <a:tr h="432716">
-                <a:tc>
-                  <a:txBody>
-                    <a:bodyPr/>
-                    <a:lstStyle/>
-                    <a:p>
-                      <a:pPr marL="0" marR="0" indent="0" algn="l" defTabSz="914400" rtl="0" eaLnBrk="1" fontAlgn="auto" latinLnBrk="0" hangingPunct="1">
-                        <a:lnSpc>
-                          <a:spcPct val="100000"/>
-                        </a:lnSpc>
-                        <a:spcBef>
-                          <a:spcPts val="0"/>
-                        </a:spcBef>
-                        <a:spcAft>
-                          <a:spcPts val="0"/>
-                        </a:spcAft>
-                        <a:buClrTx/>
-                        <a:buSzTx/>
-                        <a:buFontTx/>
-                        <a:buNone/>
-                        <a:tabLst/>
-                        <a:defRPr/>
-                      </a:pPr>
-                      <a:r>
-                        <a:rPr kumimoji="1" lang="en-US" altLang="ja-JP" sz="1200" b="0">
-                          <a:solidFill>
-                            <a:schemeClr val="tx1"/>
-                          </a:solidFill>
-                        </a:rPr>
-                        <a:t>Step with Signature(</a:t>
-                      </a:r>
-                      <a:r>
-                        <a:rPr kumimoji="1" lang="en-US" altLang="ja-JP" sz="1200" b="0" err="1">
-                          <a:solidFill>
-                            <a:schemeClr val="tx1"/>
-                          </a:solidFill>
-                        </a:rPr>
-                        <a:t>Devnet</a:t>
-                      </a:r>
-                      <a:r>
-                        <a:rPr kumimoji="1" lang="en-US" altLang="ja-JP" sz="1200" b="0">
-                          <a:solidFill>
-                            <a:schemeClr val="tx1"/>
-                          </a:solidFill>
-                        </a:rPr>
-                        <a:t>)</a:t>
-                      </a:r>
-                      <a:endParaRPr kumimoji="1" lang="ja-JP" altLang="en-US" sz="1200" b="0">
-                        <a:solidFill>
-                          <a:schemeClr val="tx1"/>
-                        </a:solidFill>
-                      </a:endParaRPr>
-                    </a:p>
-                  </a:txBody>
-                  <a:tcPr>
-                    <a:lnL w="12700" cap="flat" cmpd="sng" algn="ctr">
-                      <a:solidFill>
-                        <a:schemeClr val="bg1">
-                          <a:lumMod val="95000"/>
-                        </a:schemeClr>
-                      </a:solidFill>
-                      <a:prstDash val="solid"/>
-                      <a:round/>
-                      <a:headEnd type="none" w="med" len="med"/>
-                      <a:tailEnd type="none" w="med" len="med"/>
-                    </a:lnL>
-                    <a:lnR w="12700" cap="flat" cmpd="sng" algn="ctr">
-                      <a:solidFill>
-                        <a:schemeClr val="bg1">
-                          <a:lumMod val="95000"/>
-                        </a:schemeClr>
-                      </a:solidFill>
-                      <a:prstDash val="solid"/>
-                      <a:round/>
-                      <a:headEnd type="none" w="med" len="med"/>
-                      <a:tailEnd type="none" w="med" len="med"/>
-                    </a:lnR>
-                    <a:lnT w="12700" cap="flat" cmpd="sng" algn="ctr">
-                      <a:solidFill>
-                        <a:schemeClr val="bg1">
-                          <a:lumMod val="95000"/>
-                        </a:schemeClr>
-                      </a:solidFill>
-                      <a:prstDash val="solid"/>
-                      <a:round/>
-                      <a:headEnd type="none" w="med" len="med"/>
-                      <a:tailEnd type="none" w="med" len="med"/>
-                    </a:lnT>
-                    <a:lnB w="12700" cap="flat" cmpd="sng" algn="ctr">
-                      <a:solidFill>
-                        <a:schemeClr val="bg1">
-                          <a:lumMod val="95000"/>
-                        </a:schemeClr>
-                      </a:solidFill>
-                      <a:prstDash val="solid"/>
-                      <a:round/>
-                      <a:headEnd type="none" w="med" len="med"/>
-                      <a:tailEnd type="none" w="med" len="med"/>
-                    </a:lnB>
-                    <a:solidFill>
-                      <a:schemeClr val="bg1">
-                        <a:lumMod val="75000"/>
-                      </a:schemeClr>
-                    </a:solidFill>
-                  </a:tcPr>
-                </a:tc>
-                <a:tc>
-                  <a:txBody>
-                    <a:bodyPr/>
-                    <a:lstStyle/>
-                    <a:p>
-                      <a:pPr marL="0" indent="0">
-                        <a:buNone/>
-                      </a:pPr>
-                      <a:r>
-                        <a:rPr kumimoji="1" lang="en-US" altLang="ja-JP" sz="1100" b="0">
-                          <a:solidFill>
-                            <a:schemeClr val="tx1"/>
-                          </a:solidFill>
-                        </a:rPr>
-                        <a:t>1. Create Token: </a:t>
-                      </a:r>
-                      <a:r>
-                        <a:rPr kumimoji="1" lang="en-US" altLang="ja-JP" sz="1100" b="0">
-                          <a:solidFill>
-                            <a:schemeClr val="tx1"/>
-                          </a:solidFill>
-                          <a:hlinkClick r:id="rId2"/>
-                        </a:rPr>
-                        <a:t>2c67zVpfkUdJP2ZziC1nBmGsEPC3NoK6fisxDJKpZCuZERajyycchWunkSspjvdcxMnMSzxjvfoo7dKkNeDKbs6p</a:t>
-                      </a:r>
-                      <a:endParaRPr kumimoji="1" lang="en-US" altLang="ja-JP" sz="1100" b="0">
-                        <a:solidFill>
-                          <a:schemeClr val="tx1"/>
-                        </a:solidFill>
-                      </a:endParaRPr>
-                    </a:p>
-                    <a:p>
-                      <a:pPr marL="0" indent="0">
-                        <a:buNone/>
-                      </a:pPr>
-                      <a:r>
-                        <a:rPr kumimoji="1" lang="en-US" altLang="ja-JP" sz="1100" b="0">
-                          <a:solidFill>
-                            <a:schemeClr val="tx1"/>
-                          </a:solidFill>
-                        </a:rPr>
-                        <a:t>2. Create Token Account and Association): </a:t>
-                      </a:r>
-                      <a:r>
-                        <a:rPr kumimoji="1" lang="en-US" altLang="ja-JP" sz="1100" b="0">
-                          <a:solidFill>
-                            <a:schemeClr val="tx1"/>
-                          </a:solidFill>
-                          <a:hlinkClick r:id="rId3"/>
-                        </a:rPr>
-                        <a:t>28pZaLUia6BDcPARLcyDsVZhc3ADVsS9kxNeMxmKwEij1UhraYc4xV6cF85m4sJye1KofW9BjynVXGj83SF4uvQA</a:t>
-                      </a:r>
-                      <a:endParaRPr kumimoji="1" lang="en-US" altLang="ja-JP" sz="1100" b="0">
-                        <a:solidFill>
-                          <a:schemeClr val="tx1"/>
-                        </a:solidFill>
-                      </a:endParaRPr>
-                    </a:p>
-                    <a:p>
-                      <a:pPr marL="0" indent="0">
-                        <a:buNone/>
-                      </a:pPr>
-                      <a:r>
-                        <a:rPr kumimoji="1" lang="en-US" altLang="ja-JP" sz="1100" b="0">
-                          <a:solidFill>
-                            <a:schemeClr val="tx1"/>
-                          </a:solidFill>
-                        </a:rPr>
-                        <a:t>3. Mint 100 Tokens: </a:t>
-                      </a:r>
-                      <a:r>
-                        <a:rPr kumimoji="1" lang="en-US" altLang="ja-JP" sz="1100" b="0">
-                          <a:solidFill>
-                            <a:schemeClr val="tx1"/>
-                          </a:solidFill>
-                          <a:hlinkClick r:id="rId4"/>
-                        </a:rPr>
-                        <a:t>5U8bH6paBugh96HjTy1haUbCZijpVUK4MoPXqdCVZGNjP2kz5WQk3aGr4By5VPEtSfagpVZ91rTeWpj4tsNQRBs2</a:t>
-                      </a:r>
-                      <a:endParaRPr kumimoji="1" lang="en-US" altLang="ja-JP" sz="1100" b="0">
-                        <a:solidFill>
-                          <a:schemeClr val="tx1"/>
-                        </a:solidFill>
-                      </a:endParaRPr>
-                    </a:p>
-                    <a:p>
-                      <a:pPr marL="0" indent="0">
-                        <a:buNone/>
-                      </a:pPr>
-                      <a:r>
-                        <a:rPr kumimoji="1" lang="en-US" altLang="ja-JP" sz="1100" b="0">
-                          <a:solidFill>
-                            <a:schemeClr val="tx1"/>
-                          </a:solidFill>
-                        </a:rPr>
-                        <a:t>(Send 10 Tokens from Developer to Consumer: omit)</a:t>
-                      </a:r>
-                    </a:p>
-                    <a:p>
-                      <a:pPr marL="0" indent="0">
-                        <a:buNone/>
-                      </a:pPr>
-                      <a:r>
-                        <a:rPr kumimoji="1" lang="en-US" altLang="ja-JP" sz="1100" b="0">
-                          <a:solidFill>
-                            <a:schemeClr val="tx1"/>
-                          </a:solidFill>
-                        </a:rPr>
-                        <a:t>4. Send 1 Token from Consumer to Consumer: </a:t>
-                      </a:r>
-                      <a:r>
-                        <a:rPr kumimoji="1" lang="en-US" altLang="ja-JP" sz="1100" b="0">
-                          <a:solidFill>
-                            <a:schemeClr val="tx1"/>
-                          </a:solidFill>
-                          <a:hlinkClick r:id="rId5"/>
-                        </a:rPr>
-                        <a:t>3RQ52gXVRkphwJFJehcLawDyi2isZ4A6JkKonW8QnA9N28pUkAqZ8Yevi8R656drk8JzAXvWCDToiBQxMrkCsVif</a:t>
-                      </a:r>
-                      <a:endParaRPr kumimoji="1" lang="en-US" altLang="ja-JP" sz="1100" b="0">
-                        <a:solidFill>
-                          <a:schemeClr val="tx1"/>
-                        </a:solidFill>
-                      </a:endParaRPr>
-                    </a:p>
-                  </a:txBody>
-                  <a:tcPr>
-                    <a:lnL w="12700" cap="flat" cmpd="sng" algn="ctr">
-                      <a:solidFill>
-                        <a:schemeClr val="bg1">
-                          <a:lumMod val="95000"/>
-                        </a:schemeClr>
-                      </a:solidFill>
-                      <a:prstDash val="solid"/>
-                      <a:round/>
-                      <a:headEnd type="none" w="med" len="med"/>
-                      <a:tailEnd type="none" w="med" len="med"/>
-                    </a:lnL>
-                    <a:lnR w="12700" cap="flat" cmpd="sng" algn="ctr">
-                      <a:solidFill>
-                        <a:schemeClr val="bg1">
-                          <a:lumMod val="95000"/>
-                        </a:schemeClr>
-                      </a:solidFill>
-                      <a:prstDash val="solid"/>
-                      <a:round/>
-                      <a:headEnd type="none" w="med" len="med"/>
-                      <a:tailEnd type="none" w="med" len="med"/>
-                    </a:lnR>
-                    <a:lnT w="12700" cap="flat" cmpd="sng" algn="ctr">
-                      <a:solidFill>
-                        <a:schemeClr val="bg1">
-                          <a:lumMod val="95000"/>
-                        </a:schemeClr>
-                      </a:solidFill>
-                      <a:prstDash val="solid"/>
-                      <a:round/>
-                      <a:headEnd type="none" w="med" len="med"/>
-                      <a:tailEnd type="none" w="med" len="med"/>
-                    </a:lnT>
-                    <a:lnB w="12700" cap="flat" cmpd="sng" algn="ctr">
-                      <a:solidFill>
-                        <a:schemeClr val="bg1">
-                          <a:lumMod val="95000"/>
-                        </a:schemeClr>
-                      </a:solidFill>
-                      <a:prstDash val="solid"/>
-                      <a:round/>
-                      <a:headEnd type="none" w="med" len="med"/>
-                      <a:tailEnd type="none" w="med" len="med"/>
-                    </a:lnB>
-                    <a:noFill/>
-                  </a:tcPr>
-                </a:tc>
-                <a:extLst>
-                  <a:ext uri="{0D108BD9-81ED-4DB2-BD59-A6C34878D82A}">
-                    <a16:rowId xmlns:a16="http://schemas.microsoft.com/office/drawing/2014/main" val="1689043150"/>
-                  </a:ext>
-                </a:extLst>
-              </a:tr>
-            </a:tbl>
-          </a:graphicData>
-        </a:graphic>
-      </p:graphicFrame>
       <p:sp>
         <p:nvSpPr>
           <p:cNvPr id="15" name="角丸四角形 14">
@@ -13713,7 +14986,7 @@
         </p:nvSpPr>
         <p:spPr>
           <a:xfrm>
-            <a:off x="359198" y="1832557"/>
+            <a:off x="359198" y="1238712"/>
             <a:ext cx="3312419" cy="1013547"/>
           </a:xfrm>
           <a:prstGeom prst="roundRect">
@@ -13771,7 +15044,7 @@
                 <a:solidFill>
                   <a:schemeClr val="tx1"/>
                 </a:solidFill>
-                <a:hlinkClick r:id="rId6"/>
+                <a:hlinkClick r:id="rId2"/>
               </a:rPr>
               <a:t>6cWx...</a:t>
             </a:r>
@@ -13859,7 +15132,7 @@
         </p:nvSpPr>
         <p:spPr>
           <a:xfrm>
-            <a:off x="359199" y="3009297"/>
+            <a:off x="359199" y="3783504"/>
             <a:ext cx="3229026" cy="1016925"/>
           </a:xfrm>
           <a:prstGeom prst="rect">
@@ -13893,16 +15166,16 @@
           <a:lstStyle/>
           <a:p>
             <a:r>
-              <a:rPr kumimoji="1" lang="en-US" altLang="ja-JP" sz="1200" b="1">
-                <a:solidFill>
-                  <a:schemeClr val="tx1"/>
-                </a:solidFill>
-              </a:rPr>
-              <a:t>User Account (Consumer)</a:t>
-            </a:r>
-          </a:p>
-          <a:p>
-            <a:endParaRPr kumimoji="1" lang="en-US" altLang="ja-JP" sz="1200">
+              <a:rPr kumimoji="1" lang="en-US" altLang="ja-JP" sz="1200" b="1" dirty="0">
+                <a:solidFill>
+                  <a:schemeClr val="tx1"/>
+                </a:solidFill>
+              </a:rPr>
+              <a:t>User Account (Consumer A)</a:t>
+            </a:r>
+          </a:p>
+          <a:p>
+            <a:endParaRPr kumimoji="1" lang="en-US" altLang="ja-JP" sz="1200" dirty="0">
               <a:solidFill>
                 <a:schemeClr val="tx1"/>
               </a:solidFill>
@@ -13910,7 +15183,7 @@
           </a:p>
           <a:p>
             <a:r>
-              <a:rPr kumimoji="1" lang="en-US" altLang="ja-JP" sz="1200">
+              <a:rPr kumimoji="1" lang="en-US" altLang="ja-JP" sz="1200" dirty="0">
                 <a:solidFill>
                   <a:schemeClr val="tx1"/>
                 </a:solidFill>
@@ -13920,7 +15193,7 @@
           </a:p>
           <a:p>
             <a:r>
-              <a:rPr kumimoji="1" lang="en-US" altLang="ja-JP" sz="1200">
+              <a:rPr kumimoji="1" lang="en-US" altLang="ja-JP" sz="1200" dirty="0">
                 <a:solidFill>
                   <a:schemeClr val="tx1"/>
                 </a:solidFill>
@@ -13944,7 +15217,7 @@
         </p:nvSpPr>
         <p:spPr>
           <a:xfrm>
-            <a:off x="359199" y="4187242"/>
+            <a:off x="359199" y="4961449"/>
             <a:ext cx="3229026" cy="1016925"/>
           </a:xfrm>
           <a:prstGeom prst="rect">
@@ -14055,7 +15328,7 @@
         </p:nvSpPr>
         <p:spPr>
           <a:xfrm>
-            <a:off x="4350642" y="655817"/>
+            <a:off x="4350642" y="1235334"/>
             <a:ext cx="3229026" cy="1016925"/>
           </a:xfrm>
           <a:prstGeom prst="rect">
@@ -14156,7 +15429,7 @@
         </p:nvSpPr>
         <p:spPr>
           <a:xfrm>
-            <a:off x="4350642" y="1832558"/>
+            <a:off x="4350642" y="2412075"/>
             <a:ext cx="3229026" cy="1016925"/>
           </a:xfrm>
           <a:prstGeom prst="rect">
@@ -14219,7 +15492,7 @@
                 <a:solidFill>
                   <a:schemeClr val="tx1"/>
                 </a:solidFill>
-                <a:hlinkClick r:id="rId7"/>
+                <a:hlinkClick r:id="rId3"/>
               </a:rPr>
               <a:t>FHx9...</a:t>
             </a:r>
@@ -14281,7 +15554,7 @@
         </p:nvSpPr>
         <p:spPr>
           <a:xfrm>
-            <a:off x="8342085" y="3009298"/>
+            <a:off x="8342085" y="3783505"/>
             <a:ext cx="3229026" cy="1016925"/>
           </a:xfrm>
           <a:prstGeom prst="rect">
@@ -14315,16 +15588,16 @@
           <a:lstStyle/>
           <a:p>
             <a:r>
-              <a:rPr kumimoji="1" lang="en-US" altLang="ja-JP" sz="1200" b="1">
-                <a:solidFill>
-                  <a:schemeClr val="tx1"/>
-                </a:solidFill>
-              </a:rPr>
-              <a:t>User Account (Consumer)</a:t>
-            </a:r>
-          </a:p>
-          <a:p>
-            <a:endParaRPr kumimoji="1" lang="en-US" altLang="ja-JP" sz="1200">
+              <a:rPr kumimoji="1" lang="en-US" altLang="ja-JP" sz="1200" b="1" dirty="0">
+                <a:solidFill>
+                  <a:schemeClr val="tx1"/>
+                </a:solidFill>
+              </a:rPr>
+              <a:t>User Account (Consumer B)</a:t>
+            </a:r>
+          </a:p>
+          <a:p>
+            <a:endParaRPr kumimoji="1" lang="en-US" altLang="ja-JP" sz="1200" dirty="0">
               <a:solidFill>
                 <a:schemeClr val="tx1"/>
               </a:solidFill>
@@ -14332,7 +15605,7 @@
           </a:p>
           <a:p>
             <a:r>
-              <a:rPr kumimoji="1" lang="en-US" altLang="ja-JP" sz="1200">
+              <a:rPr kumimoji="1" lang="en-US" altLang="ja-JP" sz="1200" dirty="0">
                 <a:solidFill>
                   <a:schemeClr val="tx1"/>
                 </a:solidFill>
@@ -14342,7 +15615,7 @@
           </a:p>
           <a:p>
             <a:r>
-              <a:rPr kumimoji="1" lang="en-US" altLang="ja-JP" sz="1200">
+              <a:rPr kumimoji="1" lang="en-US" altLang="ja-JP" sz="1200" dirty="0">
                 <a:solidFill>
                   <a:schemeClr val="tx1"/>
                 </a:solidFill>
@@ -14366,7 +15639,7 @@
         </p:nvSpPr>
         <p:spPr>
           <a:xfrm>
-            <a:off x="8342085" y="4187243"/>
+            <a:off x="8342085" y="4961450"/>
             <a:ext cx="3229026" cy="1016925"/>
           </a:xfrm>
           <a:prstGeom prst="rect">
@@ -14461,8 +15734,8 @@
         </p:nvSpPr>
         <p:spPr>
           <a:xfrm>
-            <a:off x="4350642" y="3045319"/>
-            <a:ext cx="3229026" cy="2158847"/>
+            <a:off x="4350642" y="3783504"/>
+            <a:ext cx="3229026" cy="2194869"/>
           </a:xfrm>
           <a:prstGeom prst="rect">
             <a:avLst/>
@@ -14495,7 +15768,7 @@
           <a:lstStyle/>
           <a:p>
             <a:r>
-              <a:rPr kumimoji="1" lang="en-US" altLang="ja-JP" sz="1200" b="1">
+              <a:rPr kumimoji="1" lang="en-US" altLang="ja-JP" sz="1200" b="1" dirty="0">
                 <a:solidFill>
                   <a:schemeClr val="tx1"/>
                 </a:solidFill>
@@ -14504,7 +15777,7 @@
             </a:r>
           </a:p>
           <a:p>
-            <a:endParaRPr kumimoji="1" lang="en-US" altLang="ja-JP" sz="1200">
+            <a:endParaRPr kumimoji="1" lang="en-US" altLang="ja-JP" sz="1200" dirty="0">
               <a:solidFill>
                 <a:schemeClr val="tx1"/>
               </a:solidFill>
@@ -14512,7 +15785,7 @@
           </a:p>
           <a:p>
             <a:r>
-              <a:rPr kumimoji="1" lang="en-US" altLang="ja-JP" sz="1200">
+              <a:rPr kumimoji="1" lang="en-US" altLang="ja-JP" sz="1200" dirty="0">
                 <a:solidFill>
                   <a:schemeClr val="tx1"/>
                 </a:solidFill>
@@ -14522,7 +15795,7 @@
           </a:p>
           <a:p>
             <a:r>
-              <a:rPr kumimoji="1" lang="en-US" altLang="ja-JP" sz="1200">
+              <a:rPr kumimoji="1" lang="en-US" altLang="ja-JP" sz="1200" dirty="0">
                 <a:solidFill>
                   <a:schemeClr val="tx1"/>
                 </a:solidFill>
@@ -14530,15 +15803,15 @@
               <a:t>Address: </a:t>
             </a:r>
             <a:r>
-              <a:rPr kumimoji="1" lang="en-US" altLang="ja-JP" sz="1200">
-                <a:solidFill>
-                  <a:schemeClr val="tx1"/>
-                </a:solidFill>
-                <a:hlinkClick r:id="rId8"/>
+              <a:rPr kumimoji="1" lang="en-US" altLang="ja-JP" sz="1200" dirty="0">
+                <a:solidFill>
+                  <a:schemeClr val="tx1"/>
+                </a:solidFill>
+                <a:hlinkClick r:id="rId4"/>
               </a:rPr>
               <a:t>TokenkegQ...</a:t>
             </a:r>
-            <a:endParaRPr kumimoji="1" lang="en-US" altLang="ja-JP" sz="1200">
+            <a:endParaRPr kumimoji="1" lang="en-US" altLang="ja-JP" sz="1200" dirty="0">
               <a:solidFill>
                 <a:schemeClr val="tx1"/>
               </a:solidFill>
@@ -14546,7 +15819,7 @@
           </a:p>
           <a:p>
             <a:r>
-              <a:rPr kumimoji="1" lang="en-US" altLang="ja-JP" sz="1200">
+              <a:rPr kumimoji="1" lang="en-US" altLang="ja-JP" sz="1200" dirty="0">
                 <a:solidFill>
                   <a:schemeClr val="tx1"/>
                 </a:solidFill>
@@ -14572,7 +15845,7 @@
         </p:nvCxnSpPr>
         <p:spPr>
           <a:xfrm>
-            <a:off x="3588225" y="4662385"/>
+            <a:off x="3588225" y="5436592"/>
             <a:ext cx="762416" cy="0"/>
           </a:xfrm>
           <a:prstGeom prst="straightConnector1">
@@ -14616,7 +15889,7 @@
         </p:nvCxnSpPr>
         <p:spPr>
           <a:xfrm>
-            <a:off x="7579668" y="4662385"/>
+            <a:off x="7579668" y="5436592"/>
             <a:ext cx="762416" cy="0"/>
           </a:xfrm>
           <a:prstGeom prst="straightConnector1">
@@ -14662,7 +15935,7 @@
         </p:nvCxnSpPr>
         <p:spPr>
           <a:xfrm>
-            <a:off x="1973712" y="4026222"/>
+            <a:off x="1973712" y="4800429"/>
             <a:ext cx="0" cy="161020"/>
           </a:xfrm>
           <a:prstGeom prst="line">
@@ -14709,7 +15982,7 @@
         </p:nvCxnSpPr>
         <p:spPr>
           <a:xfrm>
-            <a:off x="5965155" y="1672742"/>
+            <a:off x="5965155" y="2252259"/>
             <a:ext cx="0" cy="159816"/>
           </a:xfrm>
           <a:prstGeom prst="line">
@@ -14756,7 +16029,7 @@
         </p:nvCxnSpPr>
         <p:spPr>
           <a:xfrm>
-            <a:off x="9956598" y="4026223"/>
+            <a:off x="9956598" y="4800430"/>
             <a:ext cx="0" cy="161020"/>
           </a:xfrm>
           <a:prstGeom prst="line">
@@ -14785,112 +16058,21 @@
           </a:fontRef>
         </p:style>
       </p:cxnSp>
-      <p:cxnSp>
-        <p:nvCxnSpPr>
-          <p:cNvPr id="39" name="直線コネクタ 38">
-            <a:extLst>
-              <a:ext uri="{FF2B5EF4-FFF2-40B4-BE49-F238E27FC236}">
-                <a16:creationId xmlns:a16="http://schemas.microsoft.com/office/drawing/2014/main" id="{C82EB186-1445-DA48-BF24-6C01C5C8A2E9}"/>
-              </a:ext>
-            </a:extLst>
-          </p:cNvPr>
-          <p:cNvCxnSpPr>
-            <a:cxnSpLocks/>
-            <a:stCxn id="10" idx="1"/>
-          </p:cNvCxnSpPr>
-          <p:nvPr/>
-        </p:nvCxnSpPr>
-        <p:spPr>
-          <a:xfrm flipH="1">
-            <a:off x="3431822" y="1164280"/>
-            <a:ext cx="918820" cy="734947"/>
-          </a:xfrm>
-          <a:prstGeom prst="line">
-            <a:avLst/>
-          </a:prstGeom>
-          <a:ln w="9525">
-            <a:solidFill>
-              <a:schemeClr val="tx1"/>
-            </a:solidFill>
-            <a:headEnd type="oval"/>
-            <a:tailEnd type="oval"/>
-          </a:ln>
-        </p:spPr>
-        <p:style>
-          <a:lnRef idx="1">
-            <a:schemeClr val="accent1"/>
-          </a:lnRef>
-          <a:fillRef idx="0">
-            <a:schemeClr val="accent1"/>
-          </a:fillRef>
-          <a:effectRef idx="0">
-            <a:schemeClr val="accent1"/>
-          </a:effectRef>
-          <a:fontRef idx="minor">
-            <a:schemeClr val="tx1"/>
-          </a:fontRef>
-        </p:style>
-      </p:cxnSp>
-      <p:cxnSp>
-        <p:nvCxnSpPr>
-          <p:cNvPr id="42" name="直線コネクタ 41">
-            <a:extLst>
-              <a:ext uri="{FF2B5EF4-FFF2-40B4-BE49-F238E27FC236}">
-                <a16:creationId xmlns:a16="http://schemas.microsoft.com/office/drawing/2014/main" id="{342DD550-FEAB-BC48-BA5C-7E9A87284E92}"/>
-              </a:ext>
-            </a:extLst>
-          </p:cNvPr>
-          <p:cNvCxnSpPr>
-            <a:cxnSpLocks/>
-          </p:cNvCxnSpPr>
-          <p:nvPr/>
-        </p:nvCxnSpPr>
+      <p:sp>
+        <p:nvSpPr>
+          <p:cNvPr id="58" name="テキスト ボックス 57">
+            <a:extLst>
+              <a:ext uri="{FF2B5EF4-FFF2-40B4-BE49-F238E27FC236}">
+                <a16:creationId xmlns:a16="http://schemas.microsoft.com/office/drawing/2014/main" id="{84D76B64-2CB2-E04F-8B33-4D9B56C57E2E}"/>
+              </a:ext>
+            </a:extLst>
+          </p:cNvPr>
+          <p:cNvSpPr txBox="1"/>
+          <p:nvPr/>
+        </p:nvSpPr>
         <p:spPr>
           <a:xfrm>
-            <a:off x="3431822" y="2754489"/>
-            <a:ext cx="918819" cy="290830"/>
-          </a:xfrm>
-          <a:prstGeom prst="line">
-            <a:avLst/>
-          </a:prstGeom>
-          <a:ln w="9525">
-            <a:solidFill>
-              <a:schemeClr val="tx1"/>
-            </a:solidFill>
-            <a:headEnd type="oval"/>
-            <a:tailEnd type="oval"/>
-          </a:ln>
-        </p:spPr>
-        <p:style>
-          <a:lnRef idx="1">
-            <a:schemeClr val="accent1"/>
-          </a:lnRef>
-          <a:fillRef idx="0">
-            <a:schemeClr val="accent1"/>
-          </a:fillRef>
-          <a:effectRef idx="0">
-            <a:schemeClr val="accent1"/>
-          </a:effectRef>
-          <a:fontRef idx="minor">
-            <a:schemeClr val="tx1"/>
-          </a:fontRef>
-        </p:style>
-      </p:cxnSp>
-      <p:sp>
-        <p:nvSpPr>
-          <p:cNvPr id="58" name="テキスト ボックス 57">
-            <a:extLst>
-              <a:ext uri="{FF2B5EF4-FFF2-40B4-BE49-F238E27FC236}">
-                <a16:creationId xmlns:a16="http://schemas.microsoft.com/office/drawing/2014/main" id="{84D76B64-2CB2-E04F-8B33-4D9B56C57E2E}"/>
-              </a:ext>
-            </a:extLst>
-          </p:cNvPr>
-          <p:cNvSpPr txBox="1"/>
-          <p:nvPr/>
-        </p:nvSpPr>
-        <p:spPr>
-          <a:xfrm>
-            <a:off x="3336387" y="4199019"/>
+            <a:off x="3336387" y="4973226"/>
             <a:ext cx="1266093" cy="276999"/>
           </a:xfrm>
           <a:prstGeom prst="rect">
@@ -14906,14 +16088,14 @@
           <a:p>
             <a:pPr algn="ctr"/>
             <a:r>
-              <a:rPr kumimoji="1" lang="en-US" altLang="ja-JP" sz="1200"/>
+              <a:rPr kumimoji="1" lang="en-US" altLang="ja-JP" sz="1200" dirty="0"/>
               <a:t>Send?</a:t>
             </a:r>
           </a:p>
           <a:p>
             <a:pPr algn="ctr"/>
             <a:r>
-              <a:rPr kumimoji="1" lang="en-US" altLang="ja-JP" sz="1200"/>
+              <a:rPr kumimoji="1" lang="en-US" altLang="ja-JP" sz="1200" dirty="0"/>
               <a:t>1 Token</a:t>
             </a:r>
             <a:endParaRPr kumimoji="1" lang="ja-JP" altLang="en-US" sz="1200"/>
@@ -14934,7 +16116,7 @@
         </p:nvSpPr>
         <p:spPr>
           <a:xfrm>
-            <a:off x="7327830" y="4199019"/>
+            <a:off x="7327830" y="4973226"/>
             <a:ext cx="1266093" cy="276999"/>
           </a:xfrm>
           <a:prstGeom prst="rect">
@@ -14982,8 +16164,8 @@
         </p:nvSpPr>
         <p:spPr>
           <a:xfrm>
-            <a:off x="253906" y="1750222"/>
-            <a:ext cx="3474557" cy="1178349"/>
+            <a:off x="253906" y="1103395"/>
+            <a:ext cx="3474557" cy="1231332"/>
           </a:xfrm>
           <a:prstGeom prst="rect">
             <a:avLst/>
@@ -15041,8 +16223,8 @@
         </p:nvSpPr>
         <p:spPr>
           <a:xfrm>
-            <a:off x="4267202" y="1758859"/>
-            <a:ext cx="3417757" cy="1168187"/>
+            <a:off x="4267202" y="2338376"/>
+            <a:ext cx="3555880" cy="1168187"/>
           </a:xfrm>
           <a:prstGeom prst="rect">
             <a:avLst/>
@@ -15100,8 +16282,8 @@
         </p:nvSpPr>
         <p:spPr>
           <a:xfrm>
-            <a:off x="253906" y="2968411"/>
-            <a:ext cx="11441380" cy="2314787"/>
+            <a:off x="253906" y="3603484"/>
+            <a:ext cx="11441380" cy="2525808"/>
           </a:xfrm>
           <a:prstGeom prst="rect">
             <a:avLst/>
@@ -15159,7 +16341,7 @@
         </p:nvSpPr>
         <p:spPr>
           <a:xfrm>
-            <a:off x="253906" y="1572047"/>
+            <a:off x="253906" y="923394"/>
             <a:ext cx="1803199" cy="180000"/>
           </a:xfrm>
           <a:prstGeom prst="rect">
@@ -15225,7 +16407,7 @@
         </p:nvSpPr>
         <p:spPr>
           <a:xfrm>
-            <a:off x="7684959" y="1754363"/>
+            <a:off x="7823082" y="2333880"/>
             <a:ext cx="2710050" cy="461117"/>
           </a:xfrm>
           <a:prstGeom prst="rect">
@@ -15301,7 +16483,7 @@
         </p:nvSpPr>
         <p:spPr>
           <a:xfrm>
-            <a:off x="253906" y="5280370"/>
+            <a:off x="253906" y="6129292"/>
             <a:ext cx="1803199" cy="180000"/>
           </a:xfrm>
           <a:prstGeom prst="rect">
@@ -15367,7 +16549,7 @@
         </p:nvGrpSpPr>
         <p:grpSpPr>
           <a:xfrm>
-            <a:off x="10646992" y="655817"/>
+            <a:off x="10646992" y="1235334"/>
             <a:ext cx="1044473" cy="1097792"/>
             <a:chOff x="10526638" y="655817"/>
             <a:chExt cx="1044473" cy="1097792"/>
@@ -15749,6 +16931,236 @@
           </a:p>
         </p:txBody>
       </p:sp>
+      <p:cxnSp>
+        <p:nvCxnSpPr>
+          <p:cNvPr id="41" name="曲線コネクタ 40">
+            <a:extLst>
+              <a:ext uri="{FF2B5EF4-FFF2-40B4-BE49-F238E27FC236}">
+                <a16:creationId xmlns:a16="http://schemas.microsoft.com/office/drawing/2014/main" id="{2E99D6FC-DD3A-6846-81BF-91F6FAFD06F9}"/>
+              </a:ext>
+            </a:extLst>
+          </p:cNvPr>
+          <p:cNvCxnSpPr>
+            <a:cxnSpLocks/>
+            <a:stCxn id="10" idx="1"/>
+            <a:endCxn id="15" idx="3"/>
+          </p:cNvCxnSpPr>
+          <p:nvPr/>
+        </p:nvCxnSpPr>
+        <p:spPr>
+          <a:xfrm rot="10800000" flipV="1">
+            <a:off x="3671618" y="1743796"/>
+            <a:ext cx="679025" cy="1689"/>
+          </a:xfrm>
+          <a:prstGeom prst="curvedConnector3">
+            <a:avLst>
+              <a:gd name="adj1" fmla="val 50000"/>
+            </a:avLst>
+          </a:prstGeom>
+          <a:ln w="9525">
+            <a:solidFill>
+              <a:schemeClr val="tx1"/>
+            </a:solidFill>
+            <a:headEnd type="oval" w="med" len="med"/>
+            <a:tailEnd type="oval" w="med" len="med"/>
+          </a:ln>
+        </p:spPr>
+        <p:style>
+          <a:lnRef idx="1">
+            <a:schemeClr val="accent1"/>
+          </a:lnRef>
+          <a:fillRef idx="0">
+            <a:schemeClr val="accent1"/>
+          </a:fillRef>
+          <a:effectRef idx="0">
+            <a:schemeClr val="accent1"/>
+          </a:effectRef>
+          <a:fontRef idx="minor">
+            <a:schemeClr val="tx1"/>
+          </a:fontRef>
+        </p:style>
+      </p:cxnSp>
+      <p:cxnSp>
+        <p:nvCxnSpPr>
+          <p:cNvPr id="45" name="曲線コネクタ 44">
+            <a:extLst>
+              <a:ext uri="{FF2B5EF4-FFF2-40B4-BE49-F238E27FC236}">
+                <a16:creationId xmlns:a16="http://schemas.microsoft.com/office/drawing/2014/main" id="{9DDB3888-3840-544F-837B-D76875A546B3}"/>
+              </a:ext>
+            </a:extLst>
+          </p:cNvPr>
+          <p:cNvCxnSpPr>
+            <a:cxnSpLocks/>
+            <a:stCxn id="12" idx="1"/>
+            <a:endCxn id="15" idx="3"/>
+          </p:cNvCxnSpPr>
+          <p:nvPr/>
+        </p:nvCxnSpPr>
+        <p:spPr>
+          <a:xfrm rot="10800000">
+            <a:off x="3671618" y="1745486"/>
+            <a:ext cx="679025" cy="1175052"/>
+          </a:xfrm>
+          <a:prstGeom prst="curvedConnector3">
+            <a:avLst>
+              <a:gd name="adj1" fmla="val 50000"/>
+            </a:avLst>
+          </a:prstGeom>
+          <a:ln w="9525">
+            <a:solidFill>
+              <a:schemeClr val="tx1"/>
+            </a:solidFill>
+            <a:headEnd type="oval" w="med" len="med"/>
+            <a:tailEnd type="oval" w="med" len="med"/>
+          </a:ln>
+        </p:spPr>
+        <p:style>
+          <a:lnRef idx="1">
+            <a:schemeClr val="accent1"/>
+          </a:lnRef>
+          <a:fillRef idx="0">
+            <a:schemeClr val="accent1"/>
+          </a:fillRef>
+          <a:effectRef idx="0">
+            <a:schemeClr val="accent1"/>
+          </a:effectRef>
+          <a:fontRef idx="minor">
+            <a:schemeClr val="tx1"/>
+          </a:fontRef>
+        </p:style>
+      </p:cxnSp>
+      <p:sp>
+        <p:nvSpPr>
+          <p:cNvPr id="51" name="角丸四角形 50">
+            <a:extLst>
+              <a:ext uri="{FF2B5EF4-FFF2-40B4-BE49-F238E27FC236}">
+                <a16:creationId xmlns:a16="http://schemas.microsoft.com/office/drawing/2014/main" id="{1580E681-005D-D844-B2B6-A06DCC85D22A}"/>
+              </a:ext>
+            </a:extLst>
+          </p:cNvPr>
+          <p:cNvSpPr/>
+          <p:nvPr/>
+        </p:nvSpPr>
+        <p:spPr>
+          <a:xfrm>
+            <a:off x="3778179" y="4572470"/>
+            <a:ext cx="381642" cy="388740"/>
+          </a:xfrm>
+          <a:prstGeom prst="roundRect">
+            <a:avLst>
+              <a:gd name="adj" fmla="val 50000"/>
+            </a:avLst>
+          </a:prstGeom>
+          <a:noFill/>
+          <a:ln>
+            <a:solidFill>
+              <a:schemeClr val="tx1"/>
+            </a:solidFill>
+          </a:ln>
+        </p:spPr>
+        <p:style>
+          <a:lnRef idx="2">
+            <a:schemeClr val="accent1">
+              <a:shade val="50000"/>
+            </a:schemeClr>
+          </a:lnRef>
+          <a:fillRef idx="1">
+            <a:schemeClr val="accent1"/>
+          </a:fillRef>
+          <a:effectRef idx="0">
+            <a:schemeClr val="accent1"/>
+          </a:effectRef>
+          <a:fontRef idx="minor">
+            <a:schemeClr val="lt1"/>
+          </a:fontRef>
+        </p:style>
+        <p:txBody>
+          <a:bodyPr wrap="none" rtlCol="0" anchor="ctr"/>
+          <a:lstStyle/>
+          <a:p>
+            <a:pPr algn="ctr"/>
+            <a:r>
+              <a:rPr kumimoji="1" lang="en-US" altLang="ja-JP" sz="1050" dirty="0">
+                <a:solidFill>
+                  <a:schemeClr val="tx1"/>
+                </a:solidFill>
+              </a:rPr>
+              <a:t>Token</a:t>
+            </a:r>
+            <a:endParaRPr kumimoji="1" lang="en-US" altLang="ja-JP" sz="1050" dirty="0">
+              <a:solidFill>
+                <a:srgbClr val="FF0000"/>
+              </a:solidFill>
+            </a:endParaRPr>
+          </a:p>
+        </p:txBody>
+      </p:sp>
+      <p:sp>
+        <p:nvSpPr>
+          <p:cNvPr id="52" name="角丸四角形 51">
+            <a:extLst>
+              <a:ext uri="{FF2B5EF4-FFF2-40B4-BE49-F238E27FC236}">
+                <a16:creationId xmlns:a16="http://schemas.microsoft.com/office/drawing/2014/main" id="{B5600E73-7330-5843-BF06-004514938F43}"/>
+              </a:ext>
+            </a:extLst>
+          </p:cNvPr>
+          <p:cNvSpPr/>
+          <p:nvPr/>
+        </p:nvSpPr>
+        <p:spPr>
+          <a:xfrm>
+            <a:off x="7770055" y="4572470"/>
+            <a:ext cx="381642" cy="388740"/>
+          </a:xfrm>
+          <a:prstGeom prst="roundRect">
+            <a:avLst>
+              <a:gd name="adj" fmla="val 50000"/>
+            </a:avLst>
+          </a:prstGeom>
+          <a:noFill/>
+          <a:ln>
+            <a:solidFill>
+              <a:schemeClr val="tx1"/>
+            </a:solidFill>
+          </a:ln>
+        </p:spPr>
+        <p:style>
+          <a:lnRef idx="2">
+            <a:schemeClr val="accent1">
+              <a:shade val="50000"/>
+            </a:schemeClr>
+          </a:lnRef>
+          <a:fillRef idx="1">
+            <a:schemeClr val="accent1"/>
+          </a:fillRef>
+          <a:effectRef idx="0">
+            <a:schemeClr val="accent1"/>
+          </a:effectRef>
+          <a:fontRef idx="minor">
+            <a:schemeClr val="lt1"/>
+          </a:fontRef>
+        </p:style>
+        <p:txBody>
+          <a:bodyPr wrap="none" rtlCol="0" anchor="ctr"/>
+          <a:lstStyle/>
+          <a:p>
+            <a:pPr algn="ctr"/>
+            <a:r>
+              <a:rPr kumimoji="1" lang="en-US" altLang="ja-JP" sz="1050" dirty="0">
+                <a:solidFill>
+                  <a:schemeClr val="tx1"/>
+                </a:solidFill>
+              </a:rPr>
+              <a:t>Token</a:t>
+            </a:r>
+            <a:endParaRPr kumimoji="1" lang="en-US" altLang="ja-JP" sz="1050" dirty="0">
+              <a:solidFill>
+                <a:srgbClr val="FF0000"/>
+              </a:solidFill>
+            </a:endParaRPr>
+          </a:p>
+        </p:txBody>
+      </p:sp>
     </p:spTree>
     <p:extLst>
       <p:ext uri="{BB962C8B-B14F-4D97-AF65-F5344CB8AC3E}">
@@ -15762,7 +17174,7 @@
 </p:sld>
 </file>
 
-<file path=ppt/slides/slide17.xml><?xml version="1.0" encoding="utf-8"?>
+<file path=ppt/slides/slide22.xml><?xml version="1.0" encoding="utf-8"?>
 <p:sld xmlns:a="http://schemas.openxmlformats.org/drawingml/2006/main" xmlns:r="http://schemas.openxmlformats.org/officeDocument/2006/relationships" xmlns:p="http://schemas.openxmlformats.org/presentationml/2006/main">
   <p:cSld>
     <p:spTree>
@@ -15781,10 +17193,10 @@
       </p:grpSpPr>
       <p:sp>
         <p:nvSpPr>
-          <p:cNvPr id="6" name="タイトル 5">
-            <a:extLst>
-              <a:ext uri="{FF2B5EF4-FFF2-40B4-BE49-F238E27FC236}">
-                <a16:creationId xmlns:a16="http://schemas.microsoft.com/office/drawing/2014/main" id="{56AA0D49-BC0A-8947-849A-944C6C23C473}"/>
+          <p:cNvPr id="2" name="タイトル 1">
+            <a:extLst>
+              <a:ext uri="{FF2B5EF4-FFF2-40B4-BE49-F238E27FC236}">
+                <a16:creationId xmlns:a16="http://schemas.microsoft.com/office/drawing/2014/main" id="{790AE353-4CBA-294C-81E0-F8E48C8CDDC2}"/>
               </a:ext>
             </a:extLst>
           </p:cNvPr>
@@ -15801,19 +17213,27 @@
           <a:lstStyle/>
           <a:p>
             <a:r>
-              <a:rPr lang="en-US" altLang="ja-JP"/>
-              <a:t>Escrow</a:t>
-            </a:r>
-            <a:endParaRPr lang="ja-JP" altLang="en-US"/>
-          </a:p>
-        </p:txBody>
-      </p:sp>
-      <p:sp>
-        <p:nvSpPr>
-          <p:cNvPr id="7" name="テキスト プレースホルダー 6">
-            <a:extLst>
-              <a:ext uri="{FF2B5EF4-FFF2-40B4-BE49-F238E27FC236}">
-                <a16:creationId xmlns:a16="http://schemas.microsoft.com/office/drawing/2014/main" id="{C06B7392-3295-0D4C-BDB5-BFCC92D9FBE9}"/>
+              <a:rPr lang="en-US" altLang="ja-JP" dirty="0"/>
+              <a:t>Accounts – Sending Token Process (Draft) – Signature (</a:t>
+            </a:r>
+            <a:r>
+              <a:rPr lang="en-US" altLang="ja-JP" dirty="0" err="1"/>
+              <a:t>Devnet</a:t>
+            </a:r>
+            <a:r>
+              <a:rPr lang="en-US" altLang="ja-JP" dirty="0"/>
+              <a:t>)</a:t>
+            </a:r>
+            <a:endParaRPr kumimoji="1" lang="ja-JP" altLang="en-US"/>
+          </a:p>
+        </p:txBody>
+      </p:sp>
+      <p:sp>
+        <p:nvSpPr>
+          <p:cNvPr id="3" name="コンテンツ プレースホルダー 2">
+            <a:extLst>
+              <a:ext uri="{FF2B5EF4-FFF2-40B4-BE49-F238E27FC236}">
+                <a16:creationId xmlns:a16="http://schemas.microsoft.com/office/drawing/2014/main" id="{939B673E-975F-FA41-8D51-DF938A997DBA}"/>
               </a:ext>
             </a:extLst>
           </p:cNvPr>
@@ -15821,7 +17241,7 @@
             <a:spLocks noGrp="1"/>
           </p:cNvSpPr>
           <p:nvPr>
-            <p:ph type="body" idx="1"/>
+            <p:ph idx="1"/>
           </p:nvPr>
         </p:nvSpPr>
         <p:spPr/>
@@ -15829,7 +17249,7 @@
           <a:bodyPr/>
           <a:lstStyle/>
           <a:p>
-            <a:endParaRPr lang="ja-JP" altLang="en-US"/>
+            <a:endParaRPr kumimoji="1" lang="ja-JP" altLang="en-US"/>
           </a:p>
         </p:txBody>
       </p:sp>
@@ -15838,7 +17258,7 @@
           <p:cNvPr id="4" name="フッター プレースホルダー 3">
             <a:extLst>
               <a:ext uri="{FF2B5EF4-FFF2-40B4-BE49-F238E27FC236}">
-                <a16:creationId xmlns:a16="http://schemas.microsoft.com/office/drawing/2014/main" id="{03DDA0EC-0424-D44E-A2F2-30EFB2207FF1}"/>
+                <a16:creationId xmlns:a16="http://schemas.microsoft.com/office/drawing/2014/main" id="{5BC8A3E5-2E6F-1243-9A93-E47541DB481D}"/>
               </a:ext>
             </a:extLst>
           </p:cNvPr>
@@ -15867,7 +17287,7 @@
           <p:cNvPr id="5" name="スライド番号プレースホルダー 4">
             <a:extLst>
               <a:ext uri="{FF2B5EF4-FFF2-40B4-BE49-F238E27FC236}">
-                <a16:creationId xmlns:a16="http://schemas.microsoft.com/office/drawing/2014/main" id="{94CCCD99-BD8D-964F-99A9-262A5E9BBB71}"/>
+                <a16:creationId xmlns:a16="http://schemas.microsoft.com/office/drawing/2014/main" id="{7540CEC1-9D2E-5045-92BE-FF9F67141C1A}"/>
               </a:ext>
             </a:extLst>
           </p:cNvPr>
@@ -15885,16 +17305,384 @@
           <a:p>
             <a:fld id="{51BE5F08-58E8-9243-A834-2B76637F595D}" type="slidenum">
               <a:rPr kumimoji="1" lang="ja-JP" altLang="en-US" smtClean="0"/>
-              <a:t>16</a:t>
+              <a:t>21</a:t>
             </a:fld>
             <a:endParaRPr kumimoji="1" lang="ja-JP" altLang="en-US"/>
           </a:p>
         </p:txBody>
       </p:sp>
+      <p:graphicFrame>
+        <p:nvGraphicFramePr>
+          <p:cNvPr id="6" name="表 46">
+            <a:extLst>
+              <a:ext uri="{FF2B5EF4-FFF2-40B4-BE49-F238E27FC236}">
+                <a16:creationId xmlns:a16="http://schemas.microsoft.com/office/drawing/2014/main" id="{F3419972-9D45-D642-A3F1-7F58AF2E99FF}"/>
+              </a:ext>
+            </a:extLst>
+          </p:cNvPr>
+          <p:cNvGraphicFramePr>
+            <a:graphicFrameLocks noGrp="1"/>
+          </p:cNvGraphicFramePr>
+          <p:nvPr>
+            <p:extLst>
+              <p:ext uri="{D42A27DB-BD31-4B8C-83A1-F6EECF244321}">
+                <p14:modId xmlns:p14="http://schemas.microsoft.com/office/powerpoint/2010/main" val="2997210386"/>
+              </p:ext>
+            </p:extLst>
+          </p:nvPr>
+        </p:nvGraphicFramePr>
+        <p:xfrm>
+          <a:off x="838201" y="2089158"/>
+          <a:ext cx="10515600" cy="3484263"/>
+        </p:xfrm>
+        <a:graphic>
+          <a:graphicData uri="http://schemas.openxmlformats.org/drawingml/2006/table">
+            <a:tbl>
+              <a:tblPr firstRow="1" bandRow="1">
+                <a:tableStyleId>{5C22544A-7EE6-4342-B048-85BDC9FD1C3A}</a:tableStyleId>
+              </a:tblPr>
+              <a:tblGrid>
+                <a:gridCol w="1558278">
+                  <a:extLst>
+                    <a:ext uri="{9D8B030D-6E8A-4147-A177-3AD203B41FA5}">
+                      <a16:colId xmlns:a16="http://schemas.microsoft.com/office/drawing/2014/main" val="2217692529"/>
+                    </a:ext>
+                  </a:extLst>
+                </a:gridCol>
+                <a:gridCol w="8957322">
+                  <a:extLst>
+                    <a:ext uri="{9D8B030D-6E8A-4147-A177-3AD203B41FA5}">
+                      <a16:colId xmlns:a16="http://schemas.microsoft.com/office/drawing/2014/main" val="2533206870"/>
+                    </a:ext>
+                  </a:extLst>
+                </a:gridCol>
+              </a:tblGrid>
+              <a:tr h="3484263">
+                <a:tc>
+                  <a:txBody>
+                    <a:bodyPr/>
+                    <a:lstStyle/>
+                    <a:p>
+                      <a:pPr marL="0" marR="0" indent="0" algn="l" defTabSz="914400" rtl="0" eaLnBrk="1" fontAlgn="auto" latinLnBrk="0" hangingPunct="1">
+                        <a:lnSpc>
+                          <a:spcPct val="100000"/>
+                        </a:lnSpc>
+                        <a:spcBef>
+                          <a:spcPts val="0"/>
+                        </a:spcBef>
+                        <a:spcAft>
+                          <a:spcPts val="0"/>
+                        </a:spcAft>
+                        <a:buClrTx/>
+                        <a:buSzTx/>
+                        <a:buFontTx/>
+                        <a:buNone/>
+                        <a:tabLst/>
+                        <a:defRPr/>
+                      </a:pPr>
+                      <a:r>
+                        <a:rPr kumimoji="1" lang="en-US" altLang="ja-JP" sz="1400" b="0" dirty="0">
+                          <a:solidFill>
+                            <a:schemeClr val="tx1"/>
+                          </a:solidFill>
+                        </a:rPr>
+                        <a:t>Step with Signature(</a:t>
+                      </a:r>
+                      <a:r>
+                        <a:rPr kumimoji="1" lang="en-US" altLang="ja-JP" sz="1400" b="0" dirty="0" err="1">
+                          <a:solidFill>
+                            <a:schemeClr val="tx1"/>
+                          </a:solidFill>
+                        </a:rPr>
+                        <a:t>Devnet</a:t>
+                      </a:r>
+                      <a:r>
+                        <a:rPr kumimoji="1" lang="en-US" altLang="ja-JP" sz="1400" b="0" dirty="0">
+                          <a:solidFill>
+                            <a:schemeClr val="tx1"/>
+                          </a:solidFill>
+                        </a:rPr>
+                        <a:t>)</a:t>
+                      </a:r>
+                      <a:endParaRPr kumimoji="1" lang="ja-JP" altLang="en-US" sz="1400" b="0">
+                        <a:solidFill>
+                          <a:schemeClr val="tx1"/>
+                        </a:solidFill>
+                      </a:endParaRPr>
+                    </a:p>
+                  </a:txBody>
+                  <a:tcPr>
+                    <a:lnL w="12700" cap="flat" cmpd="sng" algn="ctr">
+                      <a:solidFill>
+                        <a:schemeClr val="bg1">
+                          <a:lumMod val="95000"/>
+                        </a:schemeClr>
+                      </a:solidFill>
+                      <a:prstDash val="solid"/>
+                      <a:round/>
+                      <a:headEnd type="none" w="med" len="med"/>
+                      <a:tailEnd type="none" w="med" len="med"/>
+                    </a:lnL>
+                    <a:lnR w="12700" cap="flat" cmpd="sng" algn="ctr">
+                      <a:solidFill>
+                        <a:schemeClr val="bg1">
+                          <a:lumMod val="95000"/>
+                        </a:schemeClr>
+                      </a:solidFill>
+                      <a:prstDash val="solid"/>
+                      <a:round/>
+                      <a:headEnd type="none" w="med" len="med"/>
+                      <a:tailEnd type="none" w="med" len="med"/>
+                    </a:lnR>
+                    <a:lnT w="12700" cap="flat" cmpd="sng" algn="ctr">
+                      <a:solidFill>
+                        <a:schemeClr val="bg1">
+                          <a:lumMod val="95000"/>
+                        </a:schemeClr>
+                      </a:solidFill>
+                      <a:prstDash val="solid"/>
+                      <a:round/>
+                      <a:headEnd type="none" w="med" len="med"/>
+                      <a:tailEnd type="none" w="med" len="med"/>
+                    </a:lnT>
+                    <a:lnB w="12700" cap="flat" cmpd="sng" algn="ctr">
+                      <a:solidFill>
+                        <a:schemeClr val="bg1">
+                          <a:lumMod val="95000"/>
+                        </a:schemeClr>
+                      </a:solidFill>
+                      <a:prstDash val="solid"/>
+                      <a:round/>
+                      <a:headEnd type="none" w="med" len="med"/>
+                      <a:tailEnd type="none" w="med" len="med"/>
+                    </a:lnB>
+                    <a:solidFill>
+                      <a:schemeClr val="bg1">
+                        <a:lumMod val="75000"/>
+                      </a:schemeClr>
+                    </a:solidFill>
+                  </a:tcPr>
+                </a:tc>
+                <a:tc>
+                  <a:txBody>
+                    <a:bodyPr/>
+                    <a:lstStyle/>
+                    <a:p>
+                      <a:pPr marL="0" indent="0">
+                        <a:buNone/>
+                      </a:pPr>
+                      <a:r>
+                        <a:rPr kumimoji="1" lang="en-US" altLang="ja-JP" sz="1400" b="0" dirty="0">
+                          <a:solidFill>
+                            <a:schemeClr val="tx1"/>
+                          </a:solidFill>
+                        </a:rPr>
+                        <a:t>1. Create Token:</a:t>
+                      </a:r>
+                      <a:r>
+                        <a:rPr kumimoji="1" lang="en-US" altLang="ja-JP" sz="1100" b="0" dirty="0">
+                          <a:solidFill>
+                            <a:schemeClr val="tx1"/>
+                          </a:solidFill>
+                        </a:rPr>
+                        <a:t> </a:t>
+                      </a:r>
+                      <a:r>
+                        <a:rPr kumimoji="1" lang="en-US" altLang="ja-JP" sz="1100" b="0" dirty="0">
+                          <a:solidFill>
+                            <a:schemeClr val="tx1"/>
+                          </a:solidFill>
+                          <a:hlinkClick r:id="rId2"/>
+                        </a:rPr>
+                        <a:t>2c67zVpfkUdJP2ZziC1nBmGsEPC3NoK6fisxDJKpZCuZERajyycchWunkSspjvdcxMnMSzxjvfoo7dKkNeDKbs6p</a:t>
+                      </a:r>
+                      <a:endParaRPr kumimoji="1" lang="en-US" altLang="ja-JP" sz="1100" b="0" dirty="0">
+                        <a:solidFill>
+                          <a:schemeClr val="tx1"/>
+                        </a:solidFill>
+                      </a:endParaRPr>
+                    </a:p>
+                    <a:p>
+                      <a:pPr marL="0" indent="0">
+                        <a:buNone/>
+                      </a:pPr>
+                      <a:r>
+                        <a:rPr kumimoji="1" lang="en-US" altLang="ja-JP" sz="1400" b="0" dirty="0">
+                          <a:solidFill>
+                            <a:schemeClr val="tx1"/>
+                          </a:solidFill>
+                        </a:rPr>
+                        <a:t>2. Create Token Account and Association):</a:t>
+                      </a:r>
+                      <a:r>
+                        <a:rPr kumimoji="1" lang="en-US" altLang="ja-JP" sz="1100" b="0" dirty="0">
+                          <a:solidFill>
+                            <a:schemeClr val="tx1"/>
+                          </a:solidFill>
+                        </a:rPr>
+                        <a:t> </a:t>
+                      </a:r>
+                      <a:r>
+                        <a:rPr kumimoji="1" lang="en-US" altLang="ja-JP" sz="1100" b="0" dirty="0">
+                          <a:solidFill>
+                            <a:schemeClr val="tx1"/>
+                          </a:solidFill>
+                          <a:hlinkClick r:id="rId3"/>
+                        </a:rPr>
+                        <a:t>28pZaLUia6BDcPARLcyDsVZhc3ADVsS9kxNeMxmKwEij1UhraYc4xV6cF85m4sJye1KofW9BjynVXGj83SF4uvQA</a:t>
+                      </a:r>
+                      <a:endParaRPr kumimoji="1" lang="en-US" altLang="ja-JP" sz="1100" b="0" dirty="0">
+                        <a:solidFill>
+                          <a:schemeClr val="tx1"/>
+                        </a:solidFill>
+                      </a:endParaRPr>
+                    </a:p>
+                    <a:p>
+                      <a:pPr marL="0" indent="0">
+                        <a:buNone/>
+                      </a:pPr>
+                      <a:r>
+                        <a:rPr kumimoji="1" lang="en-US" altLang="ja-JP" sz="1400" b="0" dirty="0">
+                          <a:solidFill>
+                            <a:schemeClr val="tx1"/>
+                          </a:solidFill>
+                        </a:rPr>
+                        <a:t>3. Mint 100 Tokens:</a:t>
+                      </a:r>
+                      <a:r>
+                        <a:rPr kumimoji="1" lang="en-US" altLang="ja-JP" sz="1100" b="0" dirty="0">
+                          <a:solidFill>
+                            <a:schemeClr val="tx1"/>
+                          </a:solidFill>
+                        </a:rPr>
+                        <a:t> </a:t>
+                      </a:r>
+                      <a:r>
+                        <a:rPr kumimoji="1" lang="en-US" altLang="ja-JP" sz="1100" b="0" dirty="0">
+                          <a:solidFill>
+                            <a:schemeClr val="tx1"/>
+                          </a:solidFill>
+                          <a:hlinkClick r:id="rId4"/>
+                        </a:rPr>
+                        <a:t>5U8bH6paBugh96HjTy1haUbCZijpVUK4MoPXqdCVZGNjP2kz5WQk3aGr4By5VPEtSfagpVZ91rTeWpj4tsNQRBs2</a:t>
+                      </a:r>
+                      <a:endParaRPr kumimoji="1" lang="en-US" altLang="ja-JP" sz="1100" b="0" dirty="0">
+                        <a:solidFill>
+                          <a:schemeClr val="tx1"/>
+                        </a:solidFill>
+                      </a:endParaRPr>
+                    </a:p>
+                    <a:p>
+                      <a:pPr marL="0" indent="0">
+                        <a:buNone/>
+                      </a:pPr>
+                      <a:r>
+                        <a:rPr kumimoji="1" lang="en-US" altLang="ja-JP" sz="1400" b="0" dirty="0">
+                          <a:solidFill>
+                            <a:schemeClr val="tx1"/>
+                          </a:solidFill>
+                        </a:rPr>
+                        <a:t>4. Send 10 Tokens from Developer to Consumer: omit</a:t>
+                      </a:r>
+                    </a:p>
+                    <a:p>
+                      <a:pPr marL="0" indent="0">
+                        <a:buNone/>
+                      </a:pPr>
+                      <a:r>
+                        <a:rPr kumimoji="1" lang="en-US" altLang="ja-JP" sz="1400" b="0" dirty="0">
+                          <a:solidFill>
+                            <a:schemeClr val="tx1"/>
+                          </a:solidFill>
+                        </a:rPr>
+                        <a:t>5. Send 1 Token from Consumer to Consumer:</a:t>
+                      </a:r>
+                      <a:r>
+                        <a:rPr kumimoji="1" lang="en-US" altLang="ja-JP" sz="1100" b="0" dirty="0">
+                          <a:solidFill>
+                            <a:schemeClr val="tx1"/>
+                          </a:solidFill>
+                        </a:rPr>
+                        <a:t> </a:t>
+                      </a:r>
+                      <a:r>
+                        <a:rPr kumimoji="1" lang="en-US" altLang="ja-JP" sz="1100" b="0" dirty="0">
+                          <a:solidFill>
+                            <a:schemeClr val="tx1"/>
+                          </a:solidFill>
+                          <a:hlinkClick r:id="rId5"/>
+                        </a:rPr>
+                        <a:t>3RQ52gXVRkphwJFJehcLawDyi2isZ4A6JkKonW8QnA9N28pUkAqZ8Yevi8R656drk8JzAXvWCDToiBQxMrkCsVif</a:t>
+                      </a:r>
+                      <a:endParaRPr kumimoji="1" lang="en-US" altLang="ja-JP" sz="1100" b="0" dirty="0">
+                        <a:solidFill>
+                          <a:schemeClr val="tx1"/>
+                        </a:solidFill>
+                      </a:endParaRPr>
+                    </a:p>
+                  </a:txBody>
+                  <a:tcPr>
+                    <a:lnL w="12700" cap="flat" cmpd="sng" algn="ctr">
+                      <a:solidFill>
+                        <a:schemeClr val="bg1">
+                          <a:lumMod val="95000"/>
+                        </a:schemeClr>
+                      </a:solidFill>
+                      <a:prstDash val="solid"/>
+                      <a:round/>
+                      <a:headEnd type="none" w="med" len="med"/>
+                      <a:tailEnd type="none" w="med" len="med"/>
+                    </a:lnL>
+                    <a:lnR w="12700" cap="flat" cmpd="sng" algn="ctr">
+                      <a:solidFill>
+                        <a:schemeClr val="bg1">
+                          <a:lumMod val="95000"/>
+                        </a:schemeClr>
+                      </a:solidFill>
+                      <a:prstDash val="solid"/>
+                      <a:round/>
+                      <a:headEnd type="none" w="med" len="med"/>
+                      <a:tailEnd type="none" w="med" len="med"/>
+                    </a:lnR>
+                    <a:lnT w="12700" cap="flat" cmpd="sng" algn="ctr">
+                      <a:solidFill>
+                        <a:schemeClr val="bg1">
+                          <a:lumMod val="95000"/>
+                        </a:schemeClr>
+                      </a:solidFill>
+                      <a:prstDash val="solid"/>
+                      <a:round/>
+                      <a:headEnd type="none" w="med" len="med"/>
+                      <a:tailEnd type="none" w="med" len="med"/>
+                    </a:lnT>
+                    <a:lnB w="12700" cap="flat" cmpd="sng" algn="ctr">
+                      <a:solidFill>
+                        <a:schemeClr val="bg1">
+                          <a:lumMod val="95000"/>
+                        </a:schemeClr>
+                      </a:solidFill>
+                      <a:prstDash val="solid"/>
+                      <a:round/>
+                      <a:headEnd type="none" w="med" len="med"/>
+                      <a:tailEnd type="none" w="med" len="med"/>
+                    </a:lnB>
+                    <a:noFill/>
+                  </a:tcPr>
+                </a:tc>
+                <a:extLst>
+                  <a:ext uri="{0D108BD9-81ED-4DB2-BD59-A6C34878D82A}">
+                    <a16:rowId xmlns:a16="http://schemas.microsoft.com/office/drawing/2014/main" val="1689043150"/>
+                  </a:ext>
+                </a:extLst>
+              </a:tr>
+            </a:tbl>
+          </a:graphicData>
+        </a:graphic>
+      </p:graphicFrame>
     </p:spTree>
     <p:extLst>
       <p:ext uri="{BB962C8B-B14F-4D97-AF65-F5344CB8AC3E}">
-        <p14:creationId xmlns:p14="http://schemas.microsoft.com/office/powerpoint/2010/main" val="536640582"/>
+        <p14:creationId xmlns:p14="http://schemas.microsoft.com/office/powerpoint/2010/main" val="929195247"/>
       </p:ext>
     </p:extLst>
   </p:cSld>
@@ -15904,7 +17692,7 @@
 </p:sld>
 </file>
 
-<file path=ppt/slides/slide18.xml><?xml version="1.0" encoding="utf-8"?>
+<file path=ppt/slides/slide23.xml><?xml version="1.0" encoding="utf-8"?>
 <p:sld xmlns:a="http://schemas.openxmlformats.org/drawingml/2006/main" xmlns:r="http://schemas.openxmlformats.org/officeDocument/2006/relationships" xmlns:p="http://schemas.openxmlformats.org/presentationml/2006/main">
   <p:cSld>
     <p:spTree>
@@ -15923,10 +17711,10 @@
       </p:grpSpPr>
       <p:sp>
         <p:nvSpPr>
-          <p:cNvPr id="2" name="タイトル 1">
-            <a:extLst>
-              <a:ext uri="{FF2B5EF4-FFF2-40B4-BE49-F238E27FC236}">
-                <a16:creationId xmlns:a16="http://schemas.microsoft.com/office/drawing/2014/main" id="{89B7BB6E-EC92-B34A-847D-915141D22DA4}"/>
+          <p:cNvPr id="6" name="タイトル 5">
+            <a:extLst>
+              <a:ext uri="{FF2B5EF4-FFF2-40B4-BE49-F238E27FC236}">
+                <a16:creationId xmlns:a16="http://schemas.microsoft.com/office/drawing/2014/main" id="{56AA0D49-BC0A-8947-849A-944C6C23C473}"/>
               </a:ext>
             </a:extLst>
           </p:cNvPr>
@@ -15943,10 +17731,35 @@
           <a:lstStyle/>
           <a:p>
             <a:r>
-              <a:rPr kumimoji="1" lang="en-US" altLang="ja-JP"/>
-              <a:t>Source Code and Reference</a:t>
-            </a:r>
-            <a:endParaRPr kumimoji="1" lang="ja-JP" altLang="en-US"/>
+              <a:rPr lang="en-US" altLang="ja-JP"/>
+              <a:t>Escrow</a:t>
+            </a:r>
+            <a:endParaRPr lang="ja-JP" altLang="en-US"/>
+          </a:p>
+        </p:txBody>
+      </p:sp>
+      <p:sp>
+        <p:nvSpPr>
+          <p:cNvPr id="7" name="テキスト プレースホルダー 6">
+            <a:extLst>
+              <a:ext uri="{FF2B5EF4-FFF2-40B4-BE49-F238E27FC236}">
+                <a16:creationId xmlns:a16="http://schemas.microsoft.com/office/drawing/2014/main" id="{C06B7392-3295-0D4C-BDB5-BFCC92D9FBE9}"/>
+              </a:ext>
+            </a:extLst>
+          </p:cNvPr>
+          <p:cNvSpPr>
+            <a:spLocks noGrp="1"/>
+          </p:cNvSpPr>
+          <p:nvPr>
+            <p:ph type="body" idx="1"/>
+          </p:nvPr>
+        </p:nvSpPr>
+        <p:spPr/>
+        <p:txBody>
+          <a:bodyPr/>
+          <a:lstStyle/>
+          <a:p>
+            <a:endParaRPr lang="ja-JP" altLang="en-US"/>
           </a:p>
         </p:txBody>
       </p:sp>
@@ -15955,7 +17768,7 @@
           <p:cNvPr id="4" name="フッター プレースホルダー 3">
             <a:extLst>
               <a:ext uri="{FF2B5EF4-FFF2-40B4-BE49-F238E27FC236}">
-                <a16:creationId xmlns:a16="http://schemas.microsoft.com/office/drawing/2014/main" id="{4FA16AF3-9B13-C243-A2A0-134DFFA64EFA}"/>
+                <a16:creationId xmlns:a16="http://schemas.microsoft.com/office/drawing/2014/main" id="{03DDA0EC-0424-D44E-A2F2-30EFB2207FF1}"/>
               </a:ext>
             </a:extLst>
           </p:cNvPr>
@@ -15984,7 +17797,7 @@
           <p:cNvPr id="5" name="スライド番号プレースホルダー 4">
             <a:extLst>
               <a:ext uri="{FF2B5EF4-FFF2-40B4-BE49-F238E27FC236}">
-                <a16:creationId xmlns:a16="http://schemas.microsoft.com/office/drawing/2014/main" id="{CD420C9A-60AE-F04F-8757-22E08737AA8B}"/>
+                <a16:creationId xmlns:a16="http://schemas.microsoft.com/office/drawing/2014/main" id="{94CCCD99-BD8D-964F-99A9-262A5E9BBB71}"/>
               </a:ext>
             </a:extLst>
           </p:cNvPr>
@@ -16002,317 +17815,16 @@
           <a:p>
             <a:fld id="{51BE5F08-58E8-9243-A834-2B76637F595D}" type="slidenum">
               <a:rPr kumimoji="1" lang="ja-JP" altLang="en-US" smtClean="0"/>
-              <a:t>17</a:t>
+              <a:t>22</a:t>
             </a:fld>
             <a:endParaRPr kumimoji="1" lang="ja-JP" altLang="en-US"/>
-          </a:p>
-        </p:txBody>
-      </p:sp>
-      <p:sp>
-        <p:nvSpPr>
-          <p:cNvPr id="6" name="テキスト ボックス 5">
-            <a:extLst>
-              <a:ext uri="{FF2B5EF4-FFF2-40B4-BE49-F238E27FC236}">
-                <a16:creationId xmlns:a16="http://schemas.microsoft.com/office/drawing/2014/main" id="{7EB30303-7AE5-FE47-B09C-2E7E48E0AE9C}"/>
-              </a:ext>
-            </a:extLst>
-          </p:cNvPr>
-          <p:cNvSpPr txBox="1"/>
-          <p:nvPr/>
-        </p:nvSpPr>
-        <p:spPr>
-          <a:xfrm>
-            <a:off x="838200" y="1142188"/>
-            <a:ext cx="10515600" cy="4131900"/>
-          </a:xfrm>
-          <a:prstGeom prst="rect">
-            <a:avLst/>
-          </a:prstGeom>
-          <a:noFill/>
-        </p:spPr>
-        <p:txBody>
-          <a:bodyPr wrap="square" rtlCol="0">
-            <a:spAutoFit/>
-          </a:bodyPr>
-          <a:lstStyle/>
-          <a:p>
-            <a:r>
-              <a:rPr kumimoji="1" lang="en-US" altLang="ja-JP" sz="1400"/>
-              <a:t>[Program Source]</a:t>
-            </a:r>
-          </a:p>
-          <a:p>
-            <a:pPr lvl="1"/>
-            <a:r>
-              <a:rPr kumimoji="1" lang="en-US" altLang="ja-JP" sz="1400"/>
-              <a:t>GitHub - project-serum / anchor escrow</a:t>
-            </a:r>
-            <a:br>
-              <a:rPr kumimoji="1" lang="en-US" altLang="ja-JP" sz="1400"/>
-            </a:br>
-            <a:r>
-              <a:rPr kumimoji="1" lang="en-US" altLang="ja-JP" sz="1050"/>
-              <a:t>https://</a:t>
-            </a:r>
-            <a:r>
-              <a:rPr kumimoji="1" lang="en-US" altLang="ja-JP" sz="1050" err="1"/>
-              <a:t>github.com</a:t>
-            </a:r>
-            <a:r>
-              <a:rPr kumimoji="1" lang="en-US" altLang="ja-JP" sz="1050"/>
-              <a:t>/project-serum/anchor/tree/master/tests/escrow</a:t>
-            </a:r>
-          </a:p>
-          <a:p>
-            <a:endParaRPr kumimoji="1" lang="en-US" altLang="ja-JP" sz="1400"/>
-          </a:p>
-          <a:p>
-            <a:r>
-              <a:rPr kumimoji="1" lang="en-US" altLang="ja-JP" sz="1400"/>
-              <a:t>[Remarks]</a:t>
-            </a:r>
-          </a:p>
-          <a:p>
-            <a:pPr marL="742950" lvl="1" indent="-285750">
-              <a:buFont typeface="Arial" panose="020B0604020202020204" pitchFamily="34" charset="0"/>
-              <a:buChar char="•"/>
-            </a:pPr>
-            <a:r>
-              <a:rPr kumimoji="1" lang="en-US" altLang="ja-JP" sz="1400"/>
-              <a:t>Escrow behavior is based on anchor escrow program. Check </a:t>
-            </a:r>
-            <a:r>
-              <a:rPr kumimoji="1" lang="en-US" altLang="ja-JP" sz="1400" err="1"/>
-              <a:t>escrow.ts</a:t>
-            </a:r>
-            <a:r>
-              <a:rPr kumimoji="1" lang="en-US" altLang="ja-JP" sz="1400"/>
-              <a:t> and </a:t>
-            </a:r>
-            <a:r>
-              <a:rPr kumimoji="1" lang="en-US" altLang="ja-JP" sz="1400" err="1"/>
-              <a:t>lib.rs</a:t>
-            </a:r>
-            <a:r>
-              <a:rPr kumimoji="1" lang="en-US" altLang="ja-JP" sz="1400"/>
-              <a:t> files.</a:t>
-            </a:r>
-          </a:p>
-          <a:p>
-            <a:pPr marL="742950" lvl="1" indent="-285750">
-              <a:buFont typeface="Arial" panose="020B0604020202020204" pitchFamily="34" charset="0"/>
-              <a:buChar char="•"/>
-            </a:pPr>
-            <a:r>
-              <a:rPr kumimoji="1" lang="en-US" altLang="ja-JP" sz="1400"/>
-              <a:t>My debug program: </a:t>
-            </a:r>
-            <a:r>
-              <a:rPr kumimoji="1" lang="en-US" altLang="ja-JP" sz="1050"/>
-              <a:t>https://</a:t>
-            </a:r>
-            <a:r>
-              <a:rPr kumimoji="1" lang="en-US" altLang="ja-JP" sz="1050" err="1"/>
-              <a:t>github.com</a:t>
-            </a:r>
-            <a:r>
-              <a:rPr kumimoji="1" lang="en-US" altLang="ja-JP" sz="1050"/>
-              <a:t>/256hax/</a:t>
-            </a:r>
-            <a:r>
-              <a:rPr kumimoji="1" lang="en-US" altLang="ja-JP" sz="1050" err="1"/>
-              <a:t>solana</a:t>
-            </a:r>
-            <a:r>
-              <a:rPr kumimoji="1" lang="en-US" altLang="ja-JP" sz="1050"/>
-              <a:t>-anchor-react-minimal-example/tree/main/anchor/escrow</a:t>
-            </a:r>
-          </a:p>
-          <a:p>
-            <a:endParaRPr kumimoji="1" lang="en-US" altLang="ja-JP" sz="1400"/>
-          </a:p>
-          <a:p>
-            <a:r>
-              <a:rPr kumimoji="1" lang="en-US" altLang="ja-JP" sz="1400"/>
-              <a:t>[Reference]</a:t>
-            </a:r>
-          </a:p>
-          <a:p>
-            <a:pPr marL="742950" lvl="1" indent="-285750">
-              <a:buFont typeface="Arial" panose="020B0604020202020204" pitchFamily="34" charset="0"/>
-              <a:buChar char="•"/>
-            </a:pPr>
-            <a:r>
-              <a:rPr kumimoji="1" lang="en-US" altLang="ja-JP" sz="1400"/>
-              <a:t>Programming on Solana - An Introduction | </a:t>
-            </a:r>
-            <a:r>
-              <a:rPr kumimoji="1" lang="en-US" altLang="ja-JP" sz="1400" err="1"/>
-              <a:t>Paulx</a:t>
-            </a:r>
-            <a:br>
-              <a:rPr kumimoji="1" lang="en-US" altLang="ja-JP" sz="1400"/>
-            </a:br>
-            <a:r>
-              <a:rPr kumimoji="1" lang="en-US" altLang="ja-JP" sz="1050"/>
-              <a:t>https://</a:t>
-            </a:r>
-            <a:r>
-              <a:rPr kumimoji="1" lang="en-US" altLang="ja-JP" sz="1050" err="1"/>
-              <a:t>paulx.dev</a:t>
-            </a:r>
-            <a:r>
-              <a:rPr kumimoji="1" lang="en-US" altLang="ja-JP" sz="1050"/>
-              <a:t>/blog/2021/01/14/programming-on-</a:t>
-            </a:r>
-            <a:r>
-              <a:rPr kumimoji="1" lang="en-US" altLang="ja-JP" sz="1050" err="1"/>
-              <a:t>solana</a:t>
-            </a:r>
-            <a:r>
-              <a:rPr kumimoji="1" lang="en-US" altLang="ja-JP" sz="1050"/>
-              <a:t>-an-introduction/</a:t>
-            </a:r>
-          </a:p>
-          <a:p>
-            <a:pPr marL="742950" lvl="1" indent="-285750">
-              <a:buFont typeface="Arial" panose="020B0604020202020204" pitchFamily="34" charset="0"/>
-              <a:buChar char="•"/>
-            </a:pPr>
-            <a:endParaRPr kumimoji="1" lang="en-US" altLang="ja-JP" sz="1400"/>
-          </a:p>
-          <a:p>
-            <a:pPr marL="742950" lvl="1" indent="-285750">
-              <a:buFont typeface="Arial" panose="020B0604020202020204" pitchFamily="34" charset="0"/>
-              <a:buChar char="•"/>
-            </a:pPr>
-            <a:r>
-              <a:rPr kumimoji="1" lang="en-US" altLang="ja-JP" sz="1400"/>
-              <a:t>Solana</a:t>
-            </a:r>
-            <a:r>
-              <a:rPr kumimoji="1" lang="ja-JP" altLang="en-US" sz="1400"/>
-              <a:t>の</a:t>
-            </a:r>
-            <a:r>
-              <a:rPr kumimoji="1" lang="en-US" altLang="ja-JP" sz="1400"/>
-              <a:t>Anchor</a:t>
-            </a:r>
-            <a:r>
-              <a:rPr kumimoji="1" lang="ja-JP" altLang="en-US" sz="1400"/>
-              <a:t>で実装された</a:t>
-            </a:r>
-            <a:r>
-              <a:rPr kumimoji="1" lang="en-US" altLang="ja-JP" sz="1400"/>
-              <a:t>Escrow</a:t>
-            </a:r>
-            <a:r>
-              <a:rPr kumimoji="1" lang="ja-JP" altLang="en-US" sz="1400"/>
-              <a:t>のコード解説</a:t>
-            </a:r>
-            <a:br>
-              <a:rPr kumimoji="1" lang="en-US" altLang="ja-JP" sz="1400"/>
-            </a:br>
-            <a:r>
-              <a:rPr kumimoji="1" lang="en-US" altLang="ja-JP" sz="1050"/>
-              <a:t>https://</a:t>
-            </a:r>
-            <a:r>
-              <a:rPr kumimoji="1" lang="en-US" altLang="ja-JP" sz="1050" err="1"/>
-              <a:t>zenn.dev</a:t>
-            </a:r>
-            <a:r>
-              <a:rPr kumimoji="1" lang="en-US" altLang="ja-JP" sz="1050"/>
-              <a:t>/</a:t>
-            </a:r>
-            <a:r>
-              <a:rPr kumimoji="1" lang="en-US" altLang="ja-JP" sz="1050" err="1"/>
-              <a:t>razokulover</a:t>
-            </a:r>
-            <a:r>
-              <a:rPr kumimoji="1" lang="en-US" altLang="ja-JP" sz="1050"/>
-              <a:t>/articles/c2338cb83f459b</a:t>
-            </a:r>
-          </a:p>
-          <a:p>
-            <a:pPr marL="742950" lvl="1" indent="-285750">
-              <a:buFont typeface="Arial" panose="020B0604020202020204" pitchFamily="34" charset="0"/>
-              <a:buChar char="•"/>
-            </a:pPr>
-            <a:endParaRPr kumimoji="1" lang="en-US" altLang="ja-JP" sz="1400"/>
-          </a:p>
-          <a:p>
-            <a:pPr marL="742950" lvl="1" indent="-285750">
-              <a:buFont typeface="Arial" panose="020B0604020202020204" pitchFamily="34" charset="0"/>
-              <a:buChar char="•"/>
-            </a:pPr>
-            <a:r>
-              <a:rPr kumimoji="1" lang="en-US" altLang="ja-JP" sz="1400"/>
-              <a:t>Program Derived Address</a:t>
-            </a:r>
-            <a:r>
-              <a:rPr kumimoji="1" lang="ja-JP" altLang="en-US" sz="1400"/>
-              <a:t>日本語で</a:t>
-            </a:r>
-            <a:br>
-              <a:rPr kumimoji="1" lang="en-US" altLang="ja-JP" sz="1400"/>
-            </a:br>
-            <a:r>
-              <a:rPr kumimoji="1" lang="en-US" altLang="ja-JP" sz="1050"/>
-              <a:t>https://efficacious-flat-24a.notion.site/Program-Derived-Address-8537ebca002245639beb531842f87f2c#3f01f8b4ddc04ed4b55fdfc0160b9436</a:t>
-            </a:r>
-          </a:p>
-          <a:p>
-            <a:pPr marL="742950" lvl="1" indent="-285750">
-              <a:buFont typeface="Arial" panose="020B0604020202020204" pitchFamily="34" charset="0"/>
-              <a:buChar char="•"/>
-            </a:pPr>
-            <a:endParaRPr kumimoji="1" lang="en-US" altLang="ja-JP" sz="1400"/>
-          </a:p>
-          <a:p>
-            <a:pPr marL="742950" lvl="1" indent="-285750">
-              <a:buFont typeface="Arial" panose="020B0604020202020204" pitchFamily="34" charset="0"/>
-              <a:buChar char="•"/>
-            </a:pPr>
-            <a:r>
-              <a:rPr kumimoji="1" lang="en-US" altLang="ja-JP" sz="1400"/>
-              <a:t>Anchor Example: Escrow Program</a:t>
-            </a:r>
-            <a:br>
-              <a:rPr kumimoji="1" lang="en-US" altLang="ja-JP" sz="1400"/>
-            </a:br>
-            <a:r>
-              <a:rPr kumimoji="1" lang="en-US" altLang="ja-JP" sz="1050"/>
-              <a:t>https://</a:t>
-            </a:r>
-            <a:r>
-              <a:rPr kumimoji="1" lang="en-US" altLang="ja-JP" sz="1050" err="1"/>
-              <a:t>hackmd.io</a:t>
-            </a:r>
-            <a:r>
-              <a:rPr kumimoji="1" lang="en-US" altLang="ja-JP" sz="1050"/>
-              <a:t>/@</a:t>
-            </a:r>
-            <a:r>
-              <a:rPr kumimoji="1" lang="en-US" altLang="ja-JP" sz="1050" err="1"/>
-              <a:t>ironaddicteddog</a:t>
-            </a:r>
-            <a:r>
-              <a:rPr kumimoji="1" lang="en-US" altLang="ja-JP" sz="1050"/>
-              <a:t>/</a:t>
-            </a:r>
-            <a:r>
-              <a:rPr kumimoji="1" lang="en-US" altLang="ja-JP" sz="1050" err="1"/>
-              <a:t>anchor_example_escrow</a:t>
-            </a:r>
-            <a:endParaRPr kumimoji="1" lang="en-US" altLang="ja-JP" sz="1050"/>
           </a:p>
         </p:txBody>
       </p:sp>
     </p:spTree>
     <p:extLst>
       <p:ext uri="{BB962C8B-B14F-4D97-AF65-F5344CB8AC3E}">
-        <p14:creationId xmlns:p14="http://schemas.microsoft.com/office/powerpoint/2010/main" val="3700814452"/>
+        <p14:creationId xmlns:p14="http://schemas.microsoft.com/office/powerpoint/2010/main" val="536640582"/>
       </p:ext>
     </p:extLst>
   </p:cSld>
@@ -16322,7 +17834,7 @@
 </p:sld>
 </file>
 
-<file path=ppt/slides/slide19.xml><?xml version="1.0" encoding="utf-8"?>
+<file path=ppt/slides/slide24.xml><?xml version="1.0" encoding="utf-8"?>
 <p:sld xmlns:a="http://schemas.openxmlformats.org/drawingml/2006/main" xmlns:r="http://schemas.openxmlformats.org/officeDocument/2006/relationships" xmlns:p="http://schemas.openxmlformats.org/presentationml/2006/main">
   <p:cSld>
     <p:spTree>
@@ -16341,6 +17853,424 @@
       </p:grpSpPr>
       <p:sp>
         <p:nvSpPr>
+          <p:cNvPr id="2" name="タイトル 1">
+            <a:extLst>
+              <a:ext uri="{FF2B5EF4-FFF2-40B4-BE49-F238E27FC236}">
+                <a16:creationId xmlns:a16="http://schemas.microsoft.com/office/drawing/2014/main" id="{89B7BB6E-EC92-B34A-847D-915141D22DA4}"/>
+              </a:ext>
+            </a:extLst>
+          </p:cNvPr>
+          <p:cNvSpPr>
+            <a:spLocks noGrp="1"/>
+          </p:cNvSpPr>
+          <p:nvPr>
+            <p:ph type="title"/>
+          </p:nvPr>
+        </p:nvSpPr>
+        <p:spPr/>
+        <p:txBody>
+          <a:bodyPr/>
+          <a:lstStyle/>
+          <a:p>
+            <a:r>
+              <a:rPr kumimoji="1" lang="en-US" altLang="ja-JP"/>
+              <a:t>Source Code and Reference</a:t>
+            </a:r>
+            <a:endParaRPr kumimoji="1" lang="ja-JP" altLang="en-US"/>
+          </a:p>
+        </p:txBody>
+      </p:sp>
+      <p:sp>
+        <p:nvSpPr>
+          <p:cNvPr id="4" name="フッター プレースホルダー 3">
+            <a:extLst>
+              <a:ext uri="{FF2B5EF4-FFF2-40B4-BE49-F238E27FC236}">
+                <a16:creationId xmlns:a16="http://schemas.microsoft.com/office/drawing/2014/main" id="{4FA16AF3-9B13-C243-A2A0-134DFFA64EFA}"/>
+              </a:ext>
+            </a:extLst>
+          </p:cNvPr>
+          <p:cNvSpPr>
+            <a:spLocks noGrp="1"/>
+          </p:cNvSpPr>
+          <p:nvPr>
+            <p:ph type="ftr" sz="quarter" idx="11"/>
+          </p:nvPr>
+        </p:nvSpPr>
+        <p:spPr/>
+        <p:txBody>
+          <a:bodyPr/>
+          <a:lstStyle/>
+          <a:p>
+            <a:r>
+              <a:rPr kumimoji="1" lang="en-US" altLang="ja-JP"/>
+              <a:t>256hax</a:t>
+            </a:r>
+            <a:endParaRPr kumimoji="1" lang="ja-JP" altLang="en-US"/>
+          </a:p>
+        </p:txBody>
+      </p:sp>
+      <p:sp>
+        <p:nvSpPr>
+          <p:cNvPr id="5" name="スライド番号プレースホルダー 4">
+            <a:extLst>
+              <a:ext uri="{FF2B5EF4-FFF2-40B4-BE49-F238E27FC236}">
+                <a16:creationId xmlns:a16="http://schemas.microsoft.com/office/drawing/2014/main" id="{CD420C9A-60AE-F04F-8757-22E08737AA8B}"/>
+              </a:ext>
+            </a:extLst>
+          </p:cNvPr>
+          <p:cNvSpPr>
+            <a:spLocks noGrp="1"/>
+          </p:cNvSpPr>
+          <p:nvPr>
+            <p:ph type="sldNum" sz="quarter" idx="12"/>
+          </p:nvPr>
+        </p:nvSpPr>
+        <p:spPr/>
+        <p:txBody>
+          <a:bodyPr/>
+          <a:lstStyle/>
+          <a:p>
+            <a:fld id="{51BE5F08-58E8-9243-A834-2B76637F595D}" type="slidenum">
+              <a:rPr kumimoji="1" lang="ja-JP" altLang="en-US" smtClean="0"/>
+              <a:t>23</a:t>
+            </a:fld>
+            <a:endParaRPr kumimoji="1" lang="ja-JP" altLang="en-US"/>
+          </a:p>
+        </p:txBody>
+      </p:sp>
+      <p:sp>
+        <p:nvSpPr>
+          <p:cNvPr id="6" name="テキスト ボックス 5">
+            <a:extLst>
+              <a:ext uri="{FF2B5EF4-FFF2-40B4-BE49-F238E27FC236}">
+                <a16:creationId xmlns:a16="http://schemas.microsoft.com/office/drawing/2014/main" id="{7EB30303-7AE5-FE47-B09C-2E7E48E0AE9C}"/>
+              </a:ext>
+            </a:extLst>
+          </p:cNvPr>
+          <p:cNvSpPr txBox="1"/>
+          <p:nvPr/>
+        </p:nvSpPr>
+        <p:spPr>
+          <a:xfrm>
+            <a:off x="838200" y="1142188"/>
+            <a:ext cx="10515600" cy="4131900"/>
+          </a:xfrm>
+          <a:prstGeom prst="rect">
+            <a:avLst/>
+          </a:prstGeom>
+          <a:noFill/>
+        </p:spPr>
+        <p:txBody>
+          <a:bodyPr wrap="square" rtlCol="0">
+            <a:spAutoFit/>
+          </a:bodyPr>
+          <a:lstStyle/>
+          <a:p>
+            <a:r>
+              <a:rPr kumimoji="1" lang="en-US" altLang="ja-JP" sz="1400"/>
+              <a:t>[Program Source]</a:t>
+            </a:r>
+          </a:p>
+          <a:p>
+            <a:pPr lvl="1"/>
+            <a:r>
+              <a:rPr kumimoji="1" lang="en-US" altLang="ja-JP" sz="1400"/>
+              <a:t>GitHub - project-serum / anchor escrow</a:t>
+            </a:r>
+            <a:br>
+              <a:rPr kumimoji="1" lang="en-US" altLang="ja-JP" sz="1400"/>
+            </a:br>
+            <a:r>
+              <a:rPr kumimoji="1" lang="en-US" altLang="ja-JP" sz="1050"/>
+              <a:t>https://</a:t>
+            </a:r>
+            <a:r>
+              <a:rPr kumimoji="1" lang="en-US" altLang="ja-JP" sz="1050" err="1"/>
+              <a:t>github.com</a:t>
+            </a:r>
+            <a:r>
+              <a:rPr kumimoji="1" lang="en-US" altLang="ja-JP" sz="1050"/>
+              <a:t>/project-serum/anchor/tree/master/tests/escrow</a:t>
+            </a:r>
+          </a:p>
+          <a:p>
+            <a:endParaRPr kumimoji="1" lang="en-US" altLang="ja-JP" sz="1400"/>
+          </a:p>
+          <a:p>
+            <a:r>
+              <a:rPr kumimoji="1" lang="en-US" altLang="ja-JP" sz="1400"/>
+              <a:t>[Remarks]</a:t>
+            </a:r>
+          </a:p>
+          <a:p>
+            <a:pPr marL="742950" lvl="1" indent="-285750">
+              <a:buFont typeface="Arial" panose="020B0604020202020204" pitchFamily="34" charset="0"/>
+              <a:buChar char="•"/>
+            </a:pPr>
+            <a:r>
+              <a:rPr kumimoji="1" lang="en-US" altLang="ja-JP" sz="1400"/>
+              <a:t>Escrow behavior is based on anchor escrow program. Check </a:t>
+            </a:r>
+            <a:r>
+              <a:rPr kumimoji="1" lang="en-US" altLang="ja-JP" sz="1400" err="1"/>
+              <a:t>escrow.ts</a:t>
+            </a:r>
+            <a:r>
+              <a:rPr kumimoji="1" lang="en-US" altLang="ja-JP" sz="1400"/>
+              <a:t> and </a:t>
+            </a:r>
+            <a:r>
+              <a:rPr kumimoji="1" lang="en-US" altLang="ja-JP" sz="1400" err="1"/>
+              <a:t>lib.rs</a:t>
+            </a:r>
+            <a:r>
+              <a:rPr kumimoji="1" lang="en-US" altLang="ja-JP" sz="1400"/>
+              <a:t> files.</a:t>
+            </a:r>
+          </a:p>
+          <a:p>
+            <a:pPr marL="742950" lvl="1" indent="-285750">
+              <a:buFont typeface="Arial" panose="020B0604020202020204" pitchFamily="34" charset="0"/>
+              <a:buChar char="•"/>
+            </a:pPr>
+            <a:r>
+              <a:rPr kumimoji="1" lang="en-US" altLang="ja-JP" sz="1400"/>
+              <a:t>My debug program: </a:t>
+            </a:r>
+            <a:r>
+              <a:rPr kumimoji="1" lang="en-US" altLang="ja-JP" sz="1050"/>
+              <a:t>https://</a:t>
+            </a:r>
+            <a:r>
+              <a:rPr kumimoji="1" lang="en-US" altLang="ja-JP" sz="1050" err="1"/>
+              <a:t>github.com</a:t>
+            </a:r>
+            <a:r>
+              <a:rPr kumimoji="1" lang="en-US" altLang="ja-JP" sz="1050"/>
+              <a:t>/256hax/</a:t>
+            </a:r>
+            <a:r>
+              <a:rPr kumimoji="1" lang="en-US" altLang="ja-JP" sz="1050" err="1"/>
+              <a:t>solana</a:t>
+            </a:r>
+            <a:r>
+              <a:rPr kumimoji="1" lang="en-US" altLang="ja-JP" sz="1050"/>
+              <a:t>-anchor-react-minimal-example/tree/main/anchor/escrow</a:t>
+            </a:r>
+          </a:p>
+          <a:p>
+            <a:endParaRPr kumimoji="1" lang="en-US" altLang="ja-JP" sz="1400"/>
+          </a:p>
+          <a:p>
+            <a:r>
+              <a:rPr kumimoji="1" lang="en-US" altLang="ja-JP" sz="1400"/>
+              <a:t>[Reference]</a:t>
+            </a:r>
+          </a:p>
+          <a:p>
+            <a:pPr marL="742950" lvl="1" indent="-285750">
+              <a:buFont typeface="Arial" panose="020B0604020202020204" pitchFamily="34" charset="0"/>
+              <a:buChar char="•"/>
+            </a:pPr>
+            <a:r>
+              <a:rPr kumimoji="1" lang="en-US" altLang="ja-JP" sz="1400"/>
+              <a:t>Programming on Solana - An Introduction | </a:t>
+            </a:r>
+            <a:r>
+              <a:rPr kumimoji="1" lang="en-US" altLang="ja-JP" sz="1400" err="1"/>
+              <a:t>Paulx</a:t>
+            </a:r>
+            <a:br>
+              <a:rPr kumimoji="1" lang="en-US" altLang="ja-JP" sz="1400"/>
+            </a:br>
+            <a:r>
+              <a:rPr kumimoji="1" lang="en-US" altLang="ja-JP" sz="1050"/>
+              <a:t>https://</a:t>
+            </a:r>
+            <a:r>
+              <a:rPr kumimoji="1" lang="en-US" altLang="ja-JP" sz="1050" err="1"/>
+              <a:t>paulx.dev</a:t>
+            </a:r>
+            <a:r>
+              <a:rPr kumimoji="1" lang="en-US" altLang="ja-JP" sz="1050"/>
+              <a:t>/blog/2021/01/14/programming-on-</a:t>
+            </a:r>
+            <a:r>
+              <a:rPr kumimoji="1" lang="en-US" altLang="ja-JP" sz="1050" err="1"/>
+              <a:t>solana</a:t>
+            </a:r>
+            <a:r>
+              <a:rPr kumimoji="1" lang="en-US" altLang="ja-JP" sz="1050"/>
+              <a:t>-an-introduction/</a:t>
+            </a:r>
+          </a:p>
+          <a:p>
+            <a:pPr marL="742950" lvl="1" indent="-285750">
+              <a:buFont typeface="Arial" panose="020B0604020202020204" pitchFamily="34" charset="0"/>
+              <a:buChar char="•"/>
+            </a:pPr>
+            <a:endParaRPr kumimoji="1" lang="en-US" altLang="ja-JP" sz="1400"/>
+          </a:p>
+          <a:p>
+            <a:pPr marL="742950" lvl="1" indent="-285750">
+              <a:buFont typeface="Arial" panose="020B0604020202020204" pitchFamily="34" charset="0"/>
+              <a:buChar char="•"/>
+            </a:pPr>
+            <a:r>
+              <a:rPr kumimoji="1" lang="en-US" altLang="ja-JP" sz="1400"/>
+              <a:t>Solana</a:t>
+            </a:r>
+            <a:r>
+              <a:rPr kumimoji="1" lang="ja-JP" altLang="en-US" sz="1400"/>
+              <a:t>の</a:t>
+            </a:r>
+            <a:r>
+              <a:rPr kumimoji="1" lang="en-US" altLang="ja-JP" sz="1400"/>
+              <a:t>Anchor</a:t>
+            </a:r>
+            <a:r>
+              <a:rPr kumimoji="1" lang="ja-JP" altLang="en-US" sz="1400"/>
+              <a:t>で実装された</a:t>
+            </a:r>
+            <a:r>
+              <a:rPr kumimoji="1" lang="en-US" altLang="ja-JP" sz="1400"/>
+              <a:t>Escrow</a:t>
+            </a:r>
+            <a:r>
+              <a:rPr kumimoji="1" lang="ja-JP" altLang="en-US" sz="1400"/>
+              <a:t>のコード解説</a:t>
+            </a:r>
+            <a:br>
+              <a:rPr kumimoji="1" lang="en-US" altLang="ja-JP" sz="1400"/>
+            </a:br>
+            <a:r>
+              <a:rPr kumimoji="1" lang="en-US" altLang="ja-JP" sz="1050"/>
+              <a:t>https://</a:t>
+            </a:r>
+            <a:r>
+              <a:rPr kumimoji="1" lang="en-US" altLang="ja-JP" sz="1050" err="1"/>
+              <a:t>zenn.dev</a:t>
+            </a:r>
+            <a:r>
+              <a:rPr kumimoji="1" lang="en-US" altLang="ja-JP" sz="1050"/>
+              <a:t>/</a:t>
+            </a:r>
+            <a:r>
+              <a:rPr kumimoji="1" lang="en-US" altLang="ja-JP" sz="1050" err="1"/>
+              <a:t>razokulover</a:t>
+            </a:r>
+            <a:r>
+              <a:rPr kumimoji="1" lang="en-US" altLang="ja-JP" sz="1050"/>
+              <a:t>/articles/c2338cb83f459b</a:t>
+            </a:r>
+          </a:p>
+          <a:p>
+            <a:pPr marL="742950" lvl="1" indent="-285750">
+              <a:buFont typeface="Arial" panose="020B0604020202020204" pitchFamily="34" charset="0"/>
+              <a:buChar char="•"/>
+            </a:pPr>
+            <a:endParaRPr kumimoji="1" lang="en-US" altLang="ja-JP" sz="1400"/>
+          </a:p>
+          <a:p>
+            <a:pPr marL="742950" lvl="1" indent="-285750">
+              <a:buFont typeface="Arial" panose="020B0604020202020204" pitchFamily="34" charset="0"/>
+              <a:buChar char="•"/>
+            </a:pPr>
+            <a:r>
+              <a:rPr kumimoji="1" lang="en-US" altLang="ja-JP" sz="1400"/>
+              <a:t>Program Derived Address</a:t>
+            </a:r>
+            <a:r>
+              <a:rPr kumimoji="1" lang="ja-JP" altLang="en-US" sz="1400"/>
+              <a:t>日本語で</a:t>
+            </a:r>
+            <a:br>
+              <a:rPr kumimoji="1" lang="en-US" altLang="ja-JP" sz="1400"/>
+            </a:br>
+            <a:r>
+              <a:rPr kumimoji="1" lang="en-US" altLang="ja-JP" sz="1050"/>
+              <a:t>https://efficacious-flat-24a.notion.site/Program-Derived-Address-8537ebca002245639beb531842f87f2c#3f01f8b4ddc04ed4b55fdfc0160b9436</a:t>
+            </a:r>
+          </a:p>
+          <a:p>
+            <a:pPr marL="742950" lvl="1" indent="-285750">
+              <a:buFont typeface="Arial" panose="020B0604020202020204" pitchFamily="34" charset="0"/>
+              <a:buChar char="•"/>
+            </a:pPr>
+            <a:endParaRPr kumimoji="1" lang="en-US" altLang="ja-JP" sz="1400"/>
+          </a:p>
+          <a:p>
+            <a:pPr marL="742950" lvl="1" indent="-285750">
+              <a:buFont typeface="Arial" panose="020B0604020202020204" pitchFamily="34" charset="0"/>
+              <a:buChar char="•"/>
+            </a:pPr>
+            <a:r>
+              <a:rPr kumimoji="1" lang="en-US" altLang="ja-JP" sz="1400"/>
+              <a:t>Anchor Example: Escrow Program</a:t>
+            </a:r>
+            <a:br>
+              <a:rPr kumimoji="1" lang="en-US" altLang="ja-JP" sz="1400"/>
+            </a:br>
+            <a:r>
+              <a:rPr kumimoji="1" lang="en-US" altLang="ja-JP" sz="1050"/>
+              <a:t>https://</a:t>
+            </a:r>
+            <a:r>
+              <a:rPr kumimoji="1" lang="en-US" altLang="ja-JP" sz="1050" err="1"/>
+              <a:t>hackmd.io</a:t>
+            </a:r>
+            <a:r>
+              <a:rPr kumimoji="1" lang="en-US" altLang="ja-JP" sz="1050"/>
+              <a:t>/@</a:t>
+            </a:r>
+            <a:r>
+              <a:rPr kumimoji="1" lang="en-US" altLang="ja-JP" sz="1050" err="1"/>
+              <a:t>ironaddicteddog</a:t>
+            </a:r>
+            <a:r>
+              <a:rPr kumimoji="1" lang="en-US" altLang="ja-JP" sz="1050"/>
+              <a:t>/</a:t>
+            </a:r>
+            <a:r>
+              <a:rPr kumimoji="1" lang="en-US" altLang="ja-JP" sz="1050" err="1"/>
+              <a:t>anchor_example_escrow</a:t>
+            </a:r>
+            <a:endParaRPr kumimoji="1" lang="en-US" altLang="ja-JP" sz="1050"/>
+          </a:p>
+        </p:txBody>
+      </p:sp>
+    </p:spTree>
+    <p:extLst>
+      <p:ext uri="{BB962C8B-B14F-4D97-AF65-F5344CB8AC3E}">
+        <p14:creationId xmlns:p14="http://schemas.microsoft.com/office/powerpoint/2010/main" val="3700814452"/>
+      </p:ext>
+    </p:extLst>
+  </p:cSld>
+  <p:clrMapOvr>
+    <a:masterClrMapping/>
+  </p:clrMapOvr>
+</p:sld>
+</file>
+
+<file path=ppt/slides/slide25.xml><?xml version="1.0" encoding="utf-8"?>
+<p:sld xmlns:a="http://schemas.openxmlformats.org/drawingml/2006/main" xmlns:r="http://schemas.openxmlformats.org/officeDocument/2006/relationships" xmlns:p="http://schemas.openxmlformats.org/presentationml/2006/main">
+  <p:cSld>
+    <p:spTree>
+      <p:nvGrpSpPr>
+        <p:cNvPr id="1" name=""/>
+        <p:cNvGrpSpPr/>
+        <p:nvPr/>
+      </p:nvGrpSpPr>
+      <p:grpSpPr>
+        <a:xfrm>
+          <a:off x="0" y="0"/>
+          <a:ext cx="0" cy="0"/>
+          <a:chOff x="0" y="0"/>
+          <a:chExt cx="0" cy="0"/>
+        </a:xfrm>
+      </p:grpSpPr>
+      <p:sp>
+        <p:nvSpPr>
           <p:cNvPr id="50" name="正方形/長方形 49">
             <a:extLst>
               <a:ext uri="{FF2B5EF4-FFF2-40B4-BE49-F238E27FC236}">
@@ -16618,7 +18548,7 @@
           <a:p>
             <a:fld id="{51BE5F08-58E8-9243-A834-2B76637F595D}" type="slidenum">
               <a:rPr kumimoji="1" lang="ja-JP" altLang="en-US" smtClean="0"/>
-              <a:t>18</a:t>
+              <a:t>24</a:t>
             </a:fld>
             <a:endParaRPr kumimoji="1" lang="ja-JP" altLang="en-US"/>
           </a:p>
@@ -19209,7 +21139,7 @@
 </p:sld>
 </file>
 
-<file path=ppt/slides/slide2.xml><?xml version="1.0" encoding="utf-8"?>
+<file path=ppt/slides/slide26.xml><?xml version="1.0" encoding="utf-8"?>
 <p:sld xmlns:a="http://schemas.openxmlformats.org/drawingml/2006/main" xmlns:r="http://schemas.openxmlformats.org/officeDocument/2006/relationships" xmlns:p="http://schemas.openxmlformats.org/presentationml/2006/main">
   <p:cSld>
     <p:spTree>
@@ -19228,148 +21158,6 @@
       </p:grpSpPr>
       <p:sp>
         <p:nvSpPr>
-          <p:cNvPr id="2" name="タイトル 1">
-            <a:extLst>
-              <a:ext uri="{FF2B5EF4-FFF2-40B4-BE49-F238E27FC236}">
-                <a16:creationId xmlns:a16="http://schemas.microsoft.com/office/drawing/2014/main" id="{A46820ED-C505-EF40-A785-3629F7FE090D}"/>
-              </a:ext>
-            </a:extLst>
-          </p:cNvPr>
-          <p:cNvSpPr>
-            <a:spLocks noGrp="1"/>
-          </p:cNvSpPr>
-          <p:nvPr>
-            <p:ph type="title"/>
-          </p:nvPr>
-        </p:nvSpPr>
-        <p:spPr/>
-        <p:txBody>
-          <a:bodyPr/>
-          <a:lstStyle/>
-          <a:p>
-            <a:r>
-              <a:rPr kumimoji="1" lang="en-US" altLang="ja-JP" dirty="0"/>
-              <a:t>List</a:t>
-            </a:r>
-            <a:endParaRPr kumimoji="1" lang="ja-JP" altLang="en-US"/>
-          </a:p>
-        </p:txBody>
-      </p:sp>
-      <p:sp>
-        <p:nvSpPr>
-          <p:cNvPr id="3" name="テキスト プレースホルダー 2">
-            <a:extLst>
-              <a:ext uri="{FF2B5EF4-FFF2-40B4-BE49-F238E27FC236}">
-                <a16:creationId xmlns:a16="http://schemas.microsoft.com/office/drawing/2014/main" id="{E7D00874-9CD8-E442-97B2-2CD6D4EF1294}"/>
-              </a:ext>
-            </a:extLst>
-          </p:cNvPr>
-          <p:cNvSpPr>
-            <a:spLocks noGrp="1"/>
-          </p:cNvSpPr>
-          <p:nvPr>
-            <p:ph type="body" idx="1"/>
-          </p:nvPr>
-        </p:nvSpPr>
-        <p:spPr/>
-        <p:txBody>
-          <a:bodyPr/>
-          <a:lstStyle/>
-          <a:p>
-            <a:endParaRPr kumimoji="1" lang="ja-JP" altLang="en-US"/>
-          </a:p>
-        </p:txBody>
-      </p:sp>
-      <p:sp>
-        <p:nvSpPr>
-          <p:cNvPr id="4" name="フッター プレースホルダー 3">
-            <a:extLst>
-              <a:ext uri="{FF2B5EF4-FFF2-40B4-BE49-F238E27FC236}">
-                <a16:creationId xmlns:a16="http://schemas.microsoft.com/office/drawing/2014/main" id="{5352AB95-B9E2-8E40-B865-AEA345CE4B41}"/>
-              </a:ext>
-            </a:extLst>
-          </p:cNvPr>
-          <p:cNvSpPr>
-            <a:spLocks noGrp="1"/>
-          </p:cNvSpPr>
-          <p:nvPr>
-            <p:ph type="ftr" sz="quarter" idx="11"/>
-          </p:nvPr>
-        </p:nvSpPr>
-        <p:spPr/>
-        <p:txBody>
-          <a:bodyPr/>
-          <a:lstStyle/>
-          <a:p>
-            <a:r>
-              <a:rPr kumimoji="1" lang="en-US" altLang="ja-JP" dirty="0"/>
-              <a:t>256hax</a:t>
-            </a:r>
-            <a:endParaRPr kumimoji="1" lang="ja-JP" altLang="en-US"/>
-          </a:p>
-        </p:txBody>
-      </p:sp>
-      <p:sp>
-        <p:nvSpPr>
-          <p:cNvPr id="5" name="スライド番号プレースホルダー 4">
-            <a:extLst>
-              <a:ext uri="{FF2B5EF4-FFF2-40B4-BE49-F238E27FC236}">
-                <a16:creationId xmlns:a16="http://schemas.microsoft.com/office/drawing/2014/main" id="{702222C7-C6C5-4941-95B9-0EBA96F32868}"/>
-              </a:ext>
-            </a:extLst>
-          </p:cNvPr>
-          <p:cNvSpPr>
-            <a:spLocks noGrp="1"/>
-          </p:cNvSpPr>
-          <p:nvPr>
-            <p:ph type="sldNum" sz="quarter" idx="12"/>
-          </p:nvPr>
-        </p:nvSpPr>
-        <p:spPr/>
-        <p:txBody>
-          <a:bodyPr/>
-          <a:lstStyle/>
-          <a:p>
-            <a:fld id="{51BE5F08-58E8-9243-A834-2B76637F595D}" type="slidenum">
-              <a:rPr kumimoji="1" lang="ja-JP" altLang="en-US" smtClean="0"/>
-              <a:t>1</a:t>
-            </a:fld>
-            <a:endParaRPr kumimoji="1" lang="ja-JP" altLang="en-US"/>
-          </a:p>
-        </p:txBody>
-      </p:sp>
-    </p:spTree>
-    <p:extLst>
-      <p:ext uri="{BB962C8B-B14F-4D97-AF65-F5344CB8AC3E}">
-        <p14:creationId xmlns:p14="http://schemas.microsoft.com/office/powerpoint/2010/main" val="3154889062"/>
-      </p:ext>
-    </p:extLst>
-  </p:cSld>
-  <p:clrMapOvr>
-    <a:masterClrMapping/>
-  </p:clrMapOvr>
-</p:sld>
-</file>
-
-<file path=ppt/slides/slide20.xml><?xml version="1.0" encoding="utf-8"?>
-<p:sld xmlns:a="http://schemas.openxmlformats.org/drawingml/2006/main" xmlns:r="http://schemas.openxmlformats.org/officeDocument/2006/relationships" xmlns:p="http://schemas.openxmlformats.org/presentationml/2006/main">
-  <p:cSld>
-    <p:spTree>
-      <p:nvGrpSpPr>
-        <p:cNvPr id="1" name=""/>
-        <p:cNvGrpSpPr/>
-        <p:nvPr/>
-      </p:nvGrpSpPr>
-      <p:grpSpPr>
-        <a:xfrm>
-          <a:off x="0" y="0"/>
-          <a:ext cx="0" cy="0"/>
-          <a:chOff x="0" y="0"/>
-          <a:chExt cx="0" cy="0"/>
-        </a:xfrm>
-      </p:grpSpPr>
-      <p:sp>
-        <p:nvSpPr>
           <p:cNvPr id="50" name="正方形/長方形 49">
             <a:extLst>
               <a:ext uri="{FF2B5EF4-FFF2-40B4-BE49-F238E27FC236}">
@@ -19647,7 +21435,7 @@
           <a:p>
             <a:fld id="{51BE5F08-58E8-9243-A834-2B76637F595D}" type="slidenum">
               <a:rPr kumimoji="1" lang="ja-JP" altLang="en-US" smtClean="0"/>
-              <a:t>19</a:t>
+              <a:t>25</a:t>
             </a:fld>
             <a:endParaRPr kumimoji="1" lang="ja-JP" altLang="en-US"/>
           </a:p>
@@ -21563,7 +23351,7 @@
 </p:sld>
 </file>
 
-<file path=ppt/slides/slide21.xml><?xml version="1.0" encoding="utf-8"?>
+<file path=ppt/slides/slide27.xml><?xml version="1.0" encoding="utf-8"?>
 <p:sld xmlns:a="http://schemas.openxmlformats.org/drawingml/2006/main" xmlns:r="http://schemas.openxmlformats.org/officeDocument/2006/relationships" xmlns:p="http://schemas.openxmlformats.org/presentationml/2006/main">
   <p:cSld>
     <p:spTree>
@@ -21859,7 +23647,7 @@
           <a:p>
             <a:fld id="{51BE5F08-58E8-9243-A834-2B76637F595D}" type="slidenum">
               <a:rPr kumimoji="1" lang="ja-JP" altLang="en-US" smtClean="0"/>
-              <a:t>20</a:t>
+              <a:t>26</a:t>
             </a:fld>
             <a:endParaRPr kumimoji="1" lang="ja-JP" altLang="en-US"/>
           </a:p>
@@ -24533,7 +26321,7 @@
 </p:sld>
 </file>
 
-<file path=ppt/slides/slide22.xml><?xml version="1.0" encoding="utf-8"?>
+<file path=ppt/slides/slide28.xml><?xml version="1.0" encoding="utf-8"?>
 <p:sld xmlns:a="http://schemas.openxmlformats.org/drawingml/2006/main" xmlns:r="http://schemas.openxmlformats.org/officeDocument/2006/relationships" xmlns:p="http://schemas.openxmlformats.org/presentationml/2006/main">
   <p:cSld>
     <p:spTree>
@@ -24829,7 +26617,7 @@
           <a:p>
             <a:fld id="{51BE5F08-58E8-9243-A834-2B76637F595D}" type="slidenum">
               <a:rPr kumimoji="1" lang="ja-JP" altLang="en-US" smtClean="0"/>
-              <a:t>21</a:t>
+              <a:t>27</a:t>
             </a:fld>
             <a:endParaRPr kumimoji="1" lang="ja-JP" altLang="en-US"/>
           </a:p>
@@ -27690,7 +29478,7 @@
 </p:sld>
 </file>
 
-<file path=ppt/slides/slide23.xml><?xml version="1.0" encoding="utf-8"?>
+<file path=ppt/slides/slide29.xml><?xml version="1.0" encoding="utf-8"?>
 <p:sld xmlns:a="http://schemas.openxmlformats.org/drawingml/2006/main" xmlns:r="http://schemas.openxmlformats.org/officeDocument/2006/relationships" xmlns:p="http://schemas.openxmlformats.org/presentationml/2006/main">
   <p:cSld>
     <p:spTree>
@@ -27986,7 +29774,7 @@
           <a:p>
             <a:fld id="{51BE5F08-58E8-9243-A834-2B76637F595D}" type="slidenum">
               <a:rPr kumimoji="1" lang="ja-JP" altLang="en-US" smtClean="0"/>
-              <a:t>22</a:t>
+              <a:t>28</a:t>
             </a:fld>
             <a:endParaRPr kumimoji="1" lang="ja-JP" altLang="en-US"/>
           </a:p>
@@ -30675,1611 +32463,6 @@
     <p:extLst>
       <p:ext uri="{BB962C8B-B14F-4D97-AF65-F5344CB8AC3E}">
         <p14:creationId xmlns:p14="http://schemas.microsoft.com/office/powerpoint/2010/main" val="2176995232"/>
-      </p:ext>
-    </p:extLst>
-  </p:cSld>
-  <p:clrMapOvr>
-    <a:masterClrMapping/>
-  </p:clrMapOvr>
-</p:sld>
-</file>
-
-<file path=ppt/slides/slide24.xml><?xml version="1.0" encoding="utf-8"?>
-<p:sld xmlns:a="http://schemas.openxmlformats.org/drawingml/2006/main" xmlns:r="http://schemas.openxmlformats.org/officeDocument/2006/relationships" xmlns:p="http://schemas.openxmlformats.org/presentationml/2006/main">
-  <p:cSld>
-    <p:spTree>
-      <p:nvGrpSpPr>
-        <p:cNvPr id="1" name=""/>
-        <p:cNvGrpSpPr/>
-        <p:nvPr/>
-      </p:nvGrpSpPr>
-      <p:grpSpPr>
-        <a:xfrm>
-          <a:off x="0" y="0"/>
-          <a:ext cx="0" cy="0"/>
-          <a:chOff x="0" y="0"/>
-          <a:chExt cx="0" cy="0"/>
-        </a:xfrm>
-      </p:grpSpPr>
-      <p:sp>
-        <p:nvSpPr>
-          <p:cNvPr id="6" name="タイトル 5">
-            <a:extLst>
-              <a:ext uri="{FF2B5EF4-FFF2-40B4-BE49-F238E27FC236}">
-                <a16:creationId xmlns:a16="http://schemas.microsoft.com/office/drawing/2014/main" id="{56AA0D49-BC0A-8947-849A-944C6C23C473}"/>
-              </a:ext>
-            </a:extLst>
-          </p:cNvPr>
-          <p:cNvSpPr>
-            <a:spLocks noGrp="1"/>
-          </p:cNvSpPr>
-          <p:nvPr>
-            <p:ph type="title"/>
-          </p:nvPr>
-        </p:nvSpPr>
-        <p:spPr/>
-        <p:txBody>
-          <a:bodyPr/>
-          <a:lstStyle/>
-          <a:p>
-            <a:r>
-              <a:rPr lang="en-US" altLang="ja-JP"/>
-              <a:t>IDO Pool</a:t>
-            </a:r>
-            <a:endParaRPr lang="ja-JP" altLang="en-US"/>
-          </a:p>
-        </p:txBody>
-      </p:sp>
-      <p:sp>
-        <p:nvSpPr>
-          <p:cNvPr id="7" name="テキスト プレースホルダー 6">
-            <a:extLst>
-              <a:ext uri="{FF2B5EF4-FFF2-40B4-BE49-F238E27FC236}">
-                <a16:creationId xmlns:a16="http://schemas.microsoft.com/office/drawing/2014/main" id="{C06B7392-3295-0D4C-BDB5-BFCC92D9FBE9}"/>
-              </a:ext>
-            </a:extLst>
-          </p:cNvPr>
-          <p:cNvSpPr>
-            <a:spLocks noGrp="1"/>
-          </p:cNvSpPr>
-          <p:nvPr>
-            <p:ph type="body" idx="1"/>
-          </p:nvPr>
-        </p:nvSpPr>
-        <p:spPr/>
-        <p:txBody>
-          <a:bodyPr/>
-          <a:lstStyle/>
-          <a:p>
-            <a:endParaRPr lang="ja-JP" altLang="en-US"/>
-          </a:p>
-        </p:txBody>
-      </p:sp>
-      <p:sp>
-        <p:nvSpPr>
-          <p:cNvPr id="4" name="フッター プレースホルダー 3">
-            <a:extLst>
-              <a:ext uri="{FF2B5EF4-FFF2-40B4-BE49-F238E27FC236}">
-                <a16:creationId xmlns:a16="http://schemas.microsoft.com/office/drawing/2014/main" id="{03DDA0EC-0424-D44E-A2F2-30EFB2207FF1}"/>
-              </a:ext>
-            </a:extLst>
-          </p:cNvPr>
-          <p:cNvSpPr>
-            <a:spLocks noGrp="1"/>
-          </p:cNvSpPr>
-          <p:nvPr>
-            <p:ph type="ftr" sz="quarter" idx="11"/>
-          </p:nvPr>
-        </p:nvSpPr>
-        <p:spPr/>
-        <p:txBody>
-          <a:bodyPr/>
-          <a:lstStyle/>
-          <a:p>
-            <a:r>
-              <a:rPr kumimoji="1" lang="en-US" altLang="ja-JP"/>
-              <a:t>256hax</a:t>
-            </a:r>
-            <a:endParaRPr kumimoji="1" lang="ja-JP" altLang="en-US"/>
-          </a:p>
-        </p:txBody>
-      </p:sp>
-      <p:sp>
-        <p:nvSpPr>
-          <p:cNvPr id="5" name="スライド番号プレースホルダー 4">
-            <a:extLst>
-              <a:ext uri="{FF2B5EF4-FFF2-40B4-BE49-F238E27FC236}">
-                <a16:creationId xmlns:a16="http://schemas.microsoft.com/office/drawing/2014/main" id="{94CCCD99-BD8D-964F-99A9-262A5E9BBB71}"/>
-              </a:ext>
-            </a:extLst>
-          </p:cNvPr>
-          <p:cNvSpPr>
-            <a:spLocks noGrp="1"/>
-          </p:cNvSpPr>
-          <p:nvPr>
-            <p:ph type="sldNum" sz="quarter" idx="12"/>
-          </p:nvPr>
-        </p:nvSpPr>
-        <p:spPr/>
-        <p:txBody>
-          <a:bodyPr/>
-          <a:lstStyle/>
-          <a:p>
-            <a:fld id="{51BE5F08-58E8-9243-A834-2B76637F595D}" type="slidenum">
-              <a:rPr kumimoji="1" lang="ja-JP" altLang="en-US" smtClean="0"/>
-              <a:t>23</a:t>
-            </a:fld>
-            <a:endParaRPr kumimoji="1" lang="ja-JP" altLang="en-US"/>
-          </a:p>
-        </p:txBody>
-      </p:sp>
-    </p:spTree>
-    <p:extLst>
-      <p:ext uri="{BB962C8B-B14F-4D97-AF65-F5344CB8AC3E}">
-        <p14:creationId xmlns:p14="http://schemas.microsoft.com/office/powerpoint/2010/main" val="1785351712"/>
-      </p:ext>
-    </p:extLst>
-  </p:cSld>
-  <p:clrMapOvr>
-    <a:masterClrMapping/>
-  </p:clrMapOvr>
-</p:sld>
-</file>
-
-<file path=ppt/slides/slide25.xml><?xml version="1.0" encoding="utf-8"?>
-<p:sld xmlns:a="http://schemas.openxmlformats.org/drawingml/2006/main" xmlns:r="http://schemas.openxmlformats.org/officeDocument/2006/relationships" xmlns:p="http://schemas.openxmlformats.org/presentationml/2006/main">
-  <p:cSld>
-    <p:spTree>
-      <p:nvGrpSpPr>
-        <p:cNvPr id="1" name=""/>
-        <p:cNvGrpSpPr/>
-        <p:nvPr/>
-      </p:nvGrpSpPr>
-      <p:grpSpPr>
-        <a:xfrm>
-          <a:off x="0" y="0"/>
-          <a:ext cx="0" cy="0"/>
-          <a:chOff x="0" y="0"/>
-          <a:chExt cx="0" cy="0"/>
-        </a:xfrm>
-      </p:grpSpPr>
-      <p:sp>
-        <p:nvSpPr>
-          <p:cNvPr id="2" name="タイトル 1">
-            <a:extLst>
-              <a:ext uri="{FF2B5EF4-FFF2-40B4-BE49-F238E27FC236}">
-                <a16:creationId xmlns:a16="http://schemas.microsoft.com/office/drawing/2014/main" id="{14D718AF-909B-1E44-B488-AA99B5183839}"/>
-              </a:ext>
-            </a:extLst>
-          </p:cNvPr>
-          <p:cNvSpPr>
-            <a:spLocks noGrp="1"/>
-          </p:cNvSpPr>
-          <p:nvPr>
-            <p:ph type="title"/>
-          </p:nvPr>
-        </p:nvSpPr>
-        <p:spPr/>
-        <p:txBody>
-          <a:bodyPr/>
-          <a:lstStyle/>
-          <a:p>
-            <a:endParaRPr kumimoji="1" lang="ja-JP" altLang="en-US"/>
-          </a:p>
-        </p:txBody>
-      </p:sp>
-      <p:sp>
-        <p:nvSpPr>
-          <p:cNvPr id="4" name="フッター プレースホルダー 3">
-            <a:extLst>
-              <a:ext uri="{FF2B5EF4-FFF2-40B4-BE49-F238E27FC236}">
-                <a16:creationId xmlns:a16="http://schemas.microsoft.com/office/drawing/2014/main" id="{EA7575EF-74CF-AC47-8FBA-FB4C8BBBE74C}"/>
-              </a:ext>
-            </a:extLst>
-          </p:cNvPr>
-          <p:cNvSpPr>
-            <a:spLocks noGrp="1"/>
-          </p:cNvSpPr>
-          <p:nvPr>
-            <p:ph type="ftr" sz="quarter" idx="11"/>
-          </p:nvPr>
-        </p:nvSpPr>
-        <p:spPr/>
-        <p:txBody>
-          <a:bodyPr/>
-          <a:lstStyle/>
-          <a:p>
-            <a:r>
-              <a:rPr kumimoji="1" lang="en-US" altLang="ja-JP"/>
-              <a:t>256hax</a:t>
-            </a:r>
-            <a:endParaRPr kumimoji="1" lang="ja-JP" altLang="en-US"/>
-          </a:p>
-        </p:txBody>
-      </p:sp>
-      <p:sp>
-        <p:nvSpPr>
-          <p:cNvPr id="5" name="スライド番号プレースホルダー 4">
-            <a:extLst>
-              <a:ext uri="{FF2B5EF4-FFF2-40B4-BE49-F238E27FC236}">
-                <a16:creationId xmlns:a16="http://schemas.microsoft.com/office/drawing/2014/main" id="{AA17AD0F-69D9-5143-9AD4-A79FA5C8EF8C}"/>
-              </a:ext>
-            </a:extLst>
-          </p:cNvPr>
-          <p:cNvSpPr>
-            <a:spLocks noGrp="1"/>
-          </p:cNvSpPr>
-          <p:nvPr>
-            <p:ph type="sldNum" sz="quarter" idx="12"/>
-          </p:nvPr>
-        </p:nvSpPr>
-        <p:spPr/>
-        <p:txBody>
-          <a:bodyPr/>
-          <a:lstStyle/>
-          <a:p>
-            <a:fld id="{51BE5F08-58E8-9243-A834-2B76637F595D}" type="slidenum">
-              <a:rPr kumimoji="1" lang="ja-JP" altLang="en-US" smtClean="0"/>
-              <a:t>24</a:t>
-            </a:fld>
-            <a:endParaRPr kumimoji="1" lang="ja-JP" altLang="en-US"/>
-          </a:p>
-        </p:txBody>
-      </p:sp>
-      <p:sp>
-        <p:nvSpPr>
-          <p:cNvPr id="6" name="正方形/長方形 5">
-            <a:extLst>
-              <a:ext uri="{FF2B5EF4-FFF2-40B4-BE49-F238E27FC236}">
-                <a16:creationId xmlns:a16="http://schemas.microsoft.com/office/drawing/2014/main" id="{37F890C4-3E1D-7B46-91E8-1DAD03F6ABEE}"/>
-              </a:ext>
-            </a:extLst>
-          </p:cNvPr>
-          <p:cNvSpPr/>
-          <p:nvPr/>
-        </p:nvSpPr>
-        <p:spPr>
-          <a:xfrm>
-            <a:off x="838200" y="1796119"/>
-            <a:ext cx="1588911" cy="3739894"/>
-          </a:xfrm>
-          <a:prstGeom prst="rect">
-            <a:avLst/>
-          </a:prstGeom>
-          <a:noFill/>
-          <a:ln>
-            <a:solidFill>
-              <a:schemeClr val="tx1"/>
-            </a:solidFill>
-          </a:ln>
-        </p:spPr>
-        <p:style>
-          <a:lnRef idx="2">
-            <a:schemeClr val="accent1">
-              <a:shade val="50000"/>
-            </a:schemeClr>
-          </a:lnRef>
-          <a:fillRef idx="1">
-            <a:schemeClr val="accent1"/>
-          </a:fillRef>
-          <a:effectRef idx="0">
-            <a:schemeClr val="accent1"/>
-          </a:effectRef>
-          <a:fontRef idx="minor">
-            <a:schemeClr val="lt1"/>
-          </a:fontRef>
-        </p:style>
-        <p:txBody>
-          <a:bodyPr rtlCol="0" anchor="t"/>
-          <a:lstStyle/>
-          <a:p>
-            <a:r>
-              <a:rPr kumimoji="1" lang="en-US" altLang="ja-JP" sz="1200" b="1">
-                <a:solidFill>
-                  <a:schemeClr val="tx1"/>
-                </a:solidFill>
-              </a:rPr>
-              <a:t>User Account (Developer)</a:t>
-            </a:r>
-          </a:p>
-          <a:p>
-            <a:endParaRPr kumimoji="1" lang="en-US" altLang="ja-JP" sz="1200">
-              <a:solidFill>
-                <a:schemeClr val="tx1"/>
-              </a:solidFill>
-            </a:endParaRPr>
-          </a:p>
-        </p:txBody>
-      </p:sp>
-      <p:sp>
-        <p:nvSpPr>
-          <p:cNvPr id="7" name="正方形/長方形 6">
-            <a:extLst>
-              <a:ext uri="{FF2B5EF4-FFF2-40B4-BE49-F238E27FC236}">
-                <a16:creationId xmlns:a16="http://schemas.microsoft.com/office/drawing/2014/main" id="{54A56CC9-9ED4-E147-A978-5C5036C2A6F5}"/>
-              </a:ext>
-            </a:extLst>
-          </p:cNvPr>
-          <p:cNvSpPr/>
-          <p:nvPr/>
-        </p:nvSpPr>
-        <p:spPr>
-          <a:xfrm>
-            <a:off x="3050822" y="2304118"/>
-            <a:ext cx="1588911" cy="1260498"/>
-          </a:xfrm>
-          <a:prstGeom prst="rect">
-            <a:avLst/>
-          </a:prstGeom>
-          <a:noFill/>
-          <a:ln>
-            <a:solidFill>
-              <a:schemeClr val="tx1"/>
-            </a:solidFill>
-          </a:ln>
-        </p:spPr>
-        <p:style>
-          <a:lnRef idx="2">
-            <a:schemeClr val="accent1">
-              <a:shade val="50000"/>
-            </a:schemeClr>
-          </a:lnRef>
-          <a:fillRef idx="1">
-            <a:schemeClr val="accent1"/>
-          </a:fillRef>
-          <a:effectRef idx="0">
-            <a:schemeClr val="accent1"/>
-          </a:effectRef>
-          <a:fontRef idx="minor">
-            <a:schemeClr val="lt1"/>
-          </a:fontRef>
-        </p:style>
-        <p:txBody>
-          <a:bodyPr rtlCol="0" anchor="t"/>
-          <a:lstStyle/>
-          <a:p>
-            <a:r>
-              <a:rPr kumimoji="1" lang="en-US" altLang="ja-JP" sz="1200" b="1">
-                <a:solidFill>
-                  <a:schemeClr val="tx1"/>
-                </a:solidFill>
-              </a:rPr>
-              <a:t>User Token Account (Developer)</a:t>
-            </a:r>
-          </a:p>
-          <a:p>
-            <a:endParaRPr kumimoji="1" lang="en-US" altLang="ja-JP" sz="1200">
-              <a:solidFill>
-                <a:schemeClr val="tx1"/>
-              </a:solidFill>
-            </a:endParaRPr>
-          </a:p>
-          <a:p>
-            <a:r>
-              <a:rPr kumimoji="1" lang="en-US" altLang="ja-JP" sz="1200">
-                <a:solidFill>
-                  <a:schemeClr val="tx1"/>
-                </a:solidFill>
-              </a:rPr>
-              <a:t>USDC</a:t>
-            </a:r>
-          </a:p>
-          <a:p>
-            <a:endParaRPr kumimoji="1" lang="en-US" altLang="ja-JP" sz="1200">
-              <a:solidFill>
-                <a:schemeClr val="tx1"/>
-              </a:solidFill>
-            </a:endParaRPr>
-          </a:p>
-        </p:txBody>
-      </p:sp>
-      <p:sp>
-        <p:nvSpPr>
-          <p:cNvPr id="8" name="正方形/長方形 7">
-            <a:extLst>
-              <a:ext uri="{FF2B5EF4-FFF2-40B4-BE49-F238E27FC236}">
-                <a16:creationId xmlns:a16="http://schemas.microsoft.com/office/drawing/2014/main" id="{3A8AE5E3-7DCB-E34D-A4E2-E61A6CE992D0}"/>
-              </a:ext>
-            </a:extLst>
-          </p:cNvPr>
-          <p:cNvSpPr/>
-          <p:nvPr/>
-        </p:nvSpPr>
-        <p:spPr>
-          <a:xfrm>
-            <a:off x="3050822" y="3767522"/>
-            <a:ext cx="1588911" cy="1260498"/>
-          </a:xfrm>
-          <a:prstGeom prst="rect">
-            <a:avLst/>
-          </a:prstGeom>
-          <a:noFill/>
-          <a:ln>
-            <a:solidFill>
-              <a:schemeClr val="tx1"/>
-            </a:solidFill>
-          </a:ln>
-        </p:spPr>
-        <p:style>
-          <a:lnRef idx="2">
-            <a:schemeClr val="accent1">
-              <a:shade val="50000"/>
-            </a:schemeClr>
-          </a:lnRef>
-          <a:fillRef idx="1">
-            <a:schemeClr val="accent1"/>
-          </a:fillRef>
-          <a:effectRef idx="0">
-            <a:schemeClr val="accent1"/>
-          </a:effectRef>
-          <a:fontRef idx="minor">
-            <a:schemeClr val="lt1"/>
-          </a:fontRef>
-        </p:style>
-        <p:txBody>
-          <a:bodyPr rtlCol="0" anchor="t"/>
-          <a:lstStyle/>
-          <a:p>
-            <a:r>
-              <a:rPr kumimoji="1" lang="en-US" altLang="ja-JP" sz="1200" b="1">
-                <a:solidFill>
-                  <a:schemeClr val="tx1"/>
-                </a:solidFill>
-              </a:rPr>
-              <a:t>User Token Account (Developer)</a:t>
-            </a:r>
-          </a:p>
-          <a:p>
-            <a:endParaRPr kumimoji="1" lang="en-US" altLang="ja-JP" sz="1200">
-              <a:solidFill>
-                <a:schemeClr val="tx1"/>
-              </a:solidFill>
-            </a:endParaRPr>
-          </a:p>
-          <a:p>
-            <a:r>
-              <a:rPr kumimoji="1" lang="en-US" altLang="ja-JP" sz="1200">
-                <a:solidFill>
-                  <a:schemeClr val="tx1"/>
-                </a:solidFill>
-              </a:rPr>
-              <a:t>Watermelon</a:t>
-            </a:r>
-          </a:p>
-          <a:p>
-            <a:endParaRPr kumimoji="1" lang="en-US" altLang="ja-JP" sz="1200">
-              <a:solidFill>
-                <a:schemeClr val="tx1"/>
-              </a:solidFill>
-            </a:endParaRPr>
-          </a:p>
-        </p:txBody>
-      </p:sp>
-      <p:sp>
-        <p:nvSpPr>
-          <p:cNvPr id="9" name="正方形/長方形 8">
-            <a:extLst>
-              <a:ext uri="{FF2B5EF4-FFF2-40B4-BE49-F238E27FC236}">
-                <a16:creationId xmlns:a16="http://schemas.microsoft.com/office/drawing/2014/main" id="{A8078DBE-3B64-0C45-91A6-271B0DFA5F16}"/>
-              </a:ext>
-            </a:extLst>
-          </p:cNvPr>
-          <p:cNvSpPr/>
-          <p:nvPr/>
-        </p:nvSpPr>
-        <p:spPr>
-          <a:xfrm>
-            <a:off x="5259247" y="1796118"/>
-            <a:ext cx="1588911" cy="1730657"/>
-          </a:xfrm>
-          <a:prstGeom prst="rect">
-            <a:avLst/>
-          </a:prstGeom>
-          <a:noFill/>
-          <a:ln>
-            <a:solidFill>
-              <a:schemeClr val="tx1"/>
-            </a:solidFill>
-          </a:ln>
-        </p:spPr>
-        <p:style>
-          <a:lnRef idx="2">
-            <a:schemeClr val="accent1">
-              <a:shade val="50000"/>
-            </a:schemeClr>
-          </a:lnRef>
-          <a:fillRef idx="1">
-            <a:schemeClr val="accent1"/>
-          </a:fillRef>
-          <a:effectRef idx="0">
-            <a:schemeClr val="accent1"/>
-          </a:effectRef>
-          <a:fontRef idx="minor">
-            <a:schemeClr val="lt1"/>
-          </a:fontRef>
-        </p:style>
-        <p:txBody>
-          <a:bodyPr rtlCol="0" anchor="t"/>
-          <a:lstStyle/>
-          <a:p>
-            <a:r>
-              <a:rPr kumimoji="1" lang="en-US" altLang="ja-JP" sz="1200" b="1">
-                <a:solidFill>
-                  <a:schemeClr val="tx1"/>
-                </a:solidFill>
-              </a:rPr>
-              <a:t>User Token Account (Developer)</a:t>
-            </a:r>
-          </a:p>
-          <a:p>
-            <a:endParaRPr kumimoji="1" lang="en-US" altLang="ja-JP" sz="1200">
-              <a:solidFill>
-                <a:schemeClr val="tx1"/>
-              </a:solidFill>
-            </a:endParaRPr>
-          </a:p>
-          <a:p>
-            <a:r>
-              <a:rPr kumimoji="1" lang="en-US" altLang="ja-JP" sz="1200">
-                <a:solidFill>
-                  <a:schemeClr val="tx1"/>
-                </a:solidFill>
-              </a:rPr>
-              <a:t>USDC IDO Pool</a:t>
-            </a:r>
-          </a:p>
-        </p:txBody>
-      </p:sp>
-      <p:sp>
-        <p:nvSpPr>
-          <p:cNvPr id="10" name="正方形/長方形 9">
-            <a:extLst>
-              <a:ext uri="{FF2B5EF4-FFF2-40B4-BE49-F238E27FC236}">
-                <a16:creationId xmlns:a16="http://schemas.microsoft.com/office/drawing/2014/main" id="{11FD34B6-F92E-8B4A-B13F-47AEAF1DE691}"/>
-              </a:ext>
-            </a:extLst>
-          </p:cNvPr>
-          <p:cNvSpPr/>
-          <p:nvPr/>
-        </p:nvSpPr>
-        <p:spPr>
-          <a:xfrm>
-            <a:off x="5259247" y="3805363"/>
-            <a:ext cx="1588911" cy="1730657"/>
-          </a:xfrm>
-          <a:prstGeom prst="rect">
-            <a:avLst/>
-          </a:prstGeom>
-          <a:noFill/>
-          <a:ln>
-            <a:solidFill>
-              <a:schemeClr val="tx1"/>
-            </a:solidFill>
-          </a:ln>
-        </p:spPr>
-        <p:style>
-          <a:lnRef idx="2">
-            <a:schemeClr val="accent1">
-              <a:shade val="50000"/>
-            </a:schemeClr>
-          </a:lnRef>
-          <a:fillRef idx="1">
-            <a:schemeClr val="accent1"/>
-          </a:fillRef>
-          <a:effectRef idx="0">
-            <a:schemeClr val="accent1"/>
-          </a:effectRef>
-          <a:fontRef idx="minor">
-            <a:schemeClr val="lt1"/>
-          </a:fontRef>
-        </p:style>
-        <p:txBody>
-          <a:bodyPr rtlCol="0" anchor="t"/>
-          <a:lstStyle/>
-          <a:p>
-            <a:r>
-              <a:rPr kumimoji="1" lang="en-US" altLang="ja-JP" sz="1200" b="1">
-                <a:solidFill>
-                  <a:schemeClr val="tx1"/>
-                </a:solidFill>
-              </a:rPr>
-              <a:t>User Token Account (Developer)</a:t>
-            </a:r>
-          </a:p>
-          <a:p>
-            <a:endParaRPr kumimoji="1" lang="en-US" altLang="ja-JP" sz="1200">
-              <a:solidFill>
-                <a:schemeClr val="tx1"/>
-              </a:solidFill>
-            </a:endParaRPr>
-          </a:p>
-          <a:p>
-            <a:r>
-              <a:rPr kumimoji="1" lang="en-US" altLang="ja-JP" sz="1200">
-                <a:solidFill>
-                  <a:schemeClr val="tx1"/>
-                </a:solidFill>
-              </a:rPr>
-              <a:t>Watermelon IDO Pool</a:t>
-            </a:r>
-          </a:p>
-          <a:p>
-            <a:endParaRPr kumimoji="1" lang="en-US" altLang="ja-JP" sz="1200">
-              <a:solidFill>
-                <a:schemeClr val="tx1"/>
-              </a:solidFill>
-            </a:endParaRPr>
-          </a:p>
-        </p:txBody>
-      </p:sp>
-      <p:sp>
-        <p:nvSpPr>
-          <p:cNvPr id="11" name="正方形/長方形 10">
-            <a:extLst>
-              <a:ext uri="{FF2B5EF4-FFF2-40B4-BE49-F238E27FC236}">
-                <a16:creationId xmlns:a16="http://schemas.microsoft.com/office/drawing/2014/main" id="{2C4106FB-E691-E848-8805-6415D89FDFF6}"/>
-              </a:ext>
-            </a:extLst>
-          </p:cNvPr>
-          <p:cNvSpPr/>
-          <p:nvPr/>
-        </p:nvSpPr>
-        <p:spPr>
-          <a:xfrm>
-            <a:off x="7467672" y="2304118"/>
-            <a:ext cx="1588911" cy="1260498"/>
-          </a:xfrm>
-          <a:prstGeom prst="rect">
-            <a:avLst/>
-          </a:prstGeom>
-          <a:noFill/>
-          <a:ln>
-            <a:solidFill>
-              <a:schemeClr val="tx1"/>
-            </a:solidFill>
-          </a:ln>
-        </p:spPr>
-        <p:style>
-          <a:lnRef idx="2">
-            <a:schemeClr val="accent1">
-              <a:shade val="50000"/>
-            </a:schemeClr>
-          </a:lnRef>
-          <a:fillRef idx="1">
-            <a:schemeClr val="accent1"/>
-          </a:fillRef>
-          <a:effectRef idx="0">
-            <a:schemeClr val="accent1"/>
-          </a:effectRef>
-          <a:fontRef idx="minor">
-            <a:schemeClr val="lt1"/>
-          </a:fontRef>
-        </p:style>
-        <p:txBody>
-          <a:bodyPr rtlCol="0" anchor="t"/>
-          <a:lstStyle/>
-          <a:p>
-            <a:r>
-              <a:rPr kumimoji="1" lang="en-US" altLang="ja-JP" sz="1200" b="1">
-                <a:solidFill>
-                  <a:schemeClr val="tx1"/>
-                </a:solidFill>
-              </a:rPr>
-              <a:t>User Token Account (Consumer)</a:t>
-            </a:r>
-          </a:p>
-          <a:p>
-            <a:endParaRPr kumimoji="1" lang="en-US" altLang="ja-JP" sz="1200">
-              <a:solidFill>
-                <a:schemeClr val="tx1"/>
-              </a:solidFill>
-            </a:endParaRPr>
-          </a:p>
-          <a:p>
-            <a:r>
-              <a:rPr kumimoji="1" lang="en-US" altLang="ja-JP" sz="1200">
-                <a:solidFill>
-                  <a:schemeClr val="tx1"/>
-                </a:solidFill>
-              </a:rPr>
-              <a:t>USDC</a:t>
-            </a:r>
-          </a:p>
-          <a:p>
-            <a:endParaRPr kumimoji="1" lang="en-US" altLang="ja-JP" sz="1200">
-              <a:solidFill>
-                <a:schemeClr val="tx1"/>
-              </a:solidFill>
-            </a:endParaRPr>
-          </a:p>
-        </p:txBody>
-      </p:sp>
-      <p:sp>
-        <p:nvSpPr>
-          <p:cNvPr id="12" name="正方形/長方形 11">
-            <a:extLst>
-              <a:ext uri="{FF2B5EF4-FFF2-40B4-BE49-F238E27FC236}">
-                <a16:creationId xmlns:a16="http://schemas.microsoft.com/office/drawing/2014/main" id="{8E18AA63-E88C-3147-9BCA-B0EEBA7F57D8}"/>
-              </a:ext>
-            </a:extLst>
-          </p:cNvPr>
-          <p:cNvSpPr/>
-          <p:nvPr/>
-        </p:nvSpPr>
-        <p:spPr>
-          <a:xfrm>
-            <a:off x="7467672" y="3767522"/>
-            <a:ext cx="1588911" cy="1260498"/>
-          </a:xfrm>
-          <a:prstGeom prst="rect">
-            <a:avLst/>
-          </a:prstGeom>
-          <a:noFill/>
-          <a:ln>
-            <a:solidFill>
-              <a:schemeClr val="tx1"/>
-            </a:solidFill>
-          </a:ln>
-        </p:spPr>
-        <p:style>
-          <a:lnRef idx="2">
-            <a:schemeClr val="accent1">
-              <a:shade val="50000"/>
-            </a:schemeClr>
-          </a:lnRef>
-          <a:fillRef idx="1">
-            <a:schemeClr val="accent1"/>
-          </a:fillRef>
-          <a:effectRef idx="0">
-            <a:schemeClr val="accent1"/>
-          </a:effectRef>
-          <a:fontRef idx="minor">
-            <a:schemeClr val="lt1"/>
-          </a:fontRef>
-        </p:style>
-        <p:txBody>
-          <a:bodyPr rtlCol="0" anchor="t"/>
-          <a:lstStyle/>
-          <a:p>
-            <a:r>
-              <a:rPr kumimoji="1" lang="en-US" altLang="ja-JP" sz="1200" b="1">
-                <a:solidFill>
-                  <a:schemeClr val="tx1"/>
-                </a:solidFill>
-              </a:rPr>
-              <a:t>User Token Account (Consumer)</a:t>
-            </a:r>
-          </a:p>
-          <a:p>
-            <a:endParaRPr kumimoji="1" lang="en-US" altLang="ja-JP" sz="1200">
-              <a:solidFill>
-                <a:schemeClr val="tx1"/>
-              </a:solidFill>
-            </a:endParaRPr>
-          </a:p>
-          <a:p>
-            <a:r>
-              <a:rPr kumimoji="1" lang="en-US" altLang="ja-JP" sz="1200">
-                <a:solidFill>
-                  <a:schemeClr val="tx1"/>
-                </a:solidFill>
-              </a:rPr>
-              <a:t>Watermelon</a:t>
-            </a:r>
-          </a:p>
-          <a:p>
-            <a:endParaRPr kumimoji="1" lang="en-US" altLang="ja-JP" sz="1200">
-              <a:solidFill>
-                <a:schemeClr val="tx1"/>
-              </a:solidFill>
-            </a:endParaRPr>
-          </a:p>
-        </p:txBody>
-      </p:sp>
-      <p:sp>
-        <p:nvSpPr>
-          <p:cNvPr id="13" name="正方形/長方形 12">
-            <a:extLst>
-              <a:ext uri="{FF2B5EF4-FFF2-40B4-BE49-F238E27FC236}">
-                <a16:creationId xmlns:a16="http://schemas.microsoft.com/office/drawing/2014/main" id="{117535CF-0C0D-794A-9DC6-09DB628F0608}"/>
-              </a:ext>
-            </a:extLst>
-          </p:cNvPr>
-          <p:cNvSpPr/>
-          <p:nvPr/>
-        </p:nvSpPr>
-        <p:spPr>
-          <a:xfrm>
-            <a:off x="9676097" y="2304118"/>
-            <a:ext cx="1588911" cy="2723902"/>
-          </a:xfrm>
-          <a:prstGeom prst="rect">
-            <a:avLst/>
-          </a:prstGeom>
-          <a:noFill/>
-          <a:ln>
-            <a:solidFill>
-              <a:schemeClr val="tx1"/>
-            </a:solidFill>
-          </a:ln>
-        </p:spPr>
-        <p:style>
-          <a:lnRef idx="2">
-            <a:schemeClr val="accent1">
-              <a:shade val="50000"/>
-            </a:schemeClr>
-          </a:lnRef>
-          <a:fillRef idx="1">
-            <a:schemeClr val="accent1"/>
-          </a:fillRef>
-          <a:effectRef idx="0">
-            <a:schemeClr val="accent1"/>
-          </a:effectRef>
-          <a:fontRef idx="minor">
-            <a:schemeClr val="lt1"/>
-          </a:fontRef>
-        </p:style>
-        <p:txBody>
-          <a:bodyPr rtlCol="0" anchor="t"/>
-          <a:lstStyle/>
-          <a:p>
-            <a:r>
-              <a:rPr kumimoji="1" lang="en-US" altLang="ja-JP" sz="1200" b="1">
-                <a:solidFill>
-                  <a:schemeClr val="tx1"/>
-                </a:solidFill>
-              </a:rPr>
-              <a:t>User Account (Consumer)</a:t>
-            </a:r>
-          </a:p>
-          <a:p>
-            <a:endParaRPr kumimoji="1" lang="en-US" altLang="ja-JP" sz="1200">
-              <a:solidFill>
-                <a:schemeClr val="tx1"/>
-              </a:solidFill>
-            </a:endParaRPr>
-          </a:p>
-        </p:txBody>
-      </p:sp>
-      <p:cxnSp>
-        <p:nvCxnSpPr>
-          <p:cNvPr id="14" name="直線コネクタ 13">
-            <a:extLst>
-              <a:ext uri="{FF2B5EF4-FFF2-40B4-BE49-F238E27FC236}">
-                <a16:creationId xmlns:a16="http://schemas.microsoft.com/office/drawing/2014/main" id="{0B2A20F8-60A9-9549-B3A3-2002F91B8504}"/>
-              </a:ext>
-            </a:extLst>
-          </p:cNvPr>
-          <p:cNvCxnSpPr>
-            <a:cxnSpLocks/>
-            <a:endCxn id="7" idx="1"/>
-          </p:cNvCxnSpPr>
-          <p:nvPr/>
-        </p:nvCxnSpPr>
-        <p:spPr>
-          <a:xfrm>
-            <a:off x="2427111" y="2934367"/>
-            <a:ext cx="623711" cy="0"/>
-          </a:xfrm>
-          <a:prstGeom prst="line">
-            <a:avLst/>
-          </a:prstGeom>
-          <a:ln w="9525">
-            <a:solidFill>
-              <a:schemeClr val="tx1"/>
-            </a:solidFill>
-            <a:headEnd type="oval"/>
-            <a:tailEnd type="oval"/>
-          </a:ln>
-        </p:spPr>
-        <p:style>
-          <a:lnRef idx="1">
-            <a:schemeClr val="accent1"/>
-          </a:lnRef>
-          <a:fillRef idx="0">
-            <a:schemeClr val="accent1"/>
-          </a:fillRef>
-          <a:effectRef idx="0">
-            <a:schemeClr val="accent1"/>
-          </a:effectRef>
-          <a:fontRef idx="minor">
-            <a:schemeClr val="tx1"/>
-          </a:fontRef>
-        </p:style>
-      </p:cxnSp>
-      <p:cxnSp>
-        <p:nvCxnSpPr>
-          <p:cNvPr id="17" name="直線コネクタ 16">
-            <a:extLst>
-              <a:ext uri="{FF2B5EF4-FFF2-40B4-BE49-F238E27FC236}">
-                <a16:creationId xmlns:a16="http://schemas.microsoft.com/office/drawing/2014/main" id="{A205DB15-5141-1C49-B93B-92058836BA27}"/>
-              </a:ext>
-            </a:extLst>
-          </p:cNvPr>
-          <p:cNvCxnSpPr>
-            <a:cxnSpLocks/>
-            <a:endCxn id="8" idx="1"/>
-          </p:cNvCxnSpPr>
-          <p:nvPr/>
-        </p:nvCxnSpPr>
-        <p:spPr>
-          <a:xfrm>
-            <a:off x="2427111" y="4397771"/>
-            <a:ext cx="623711" cy="0"/>
-          </a:xfrm>
-          <a:prstGeom prst="line">
-            <a:avLst/>
-          </a:prstGeom>
-          <a:ln w="9525">
-            <a:solidFill>
-              <a:schemeClr val="tx1"/>
-            </a:solidFill>
-            <a:headEnd type="oval"/>
-            <a:tailEnd type="oval"/>
-          </a:ln>
-        </p:spPr>
-        <p:style>
-          <a:lnRef idx="1">
-            <a:schemeClr val="accent1"/>
-          </a:lnRef>
-          <a:fillRef idx="0">
-            <a:schemeClr val="accent1"/>
-          </a:fillRef>
-          <a:effectRef idx="0">
-            <a:schemeClr val="accent1"/>
-          </a:effectRef>
-          <a:fontRef idx="minor">
-            <a:schemeClr val="tx1"/>
-          </a:fontRef>
-        </p:style>
-      </p:cxnSp>
-      <p:cxnSp>
-        <p:nvCxnSpPr>
-          <p:cNvPr id="20" name="直線コネクタ 19">
-            <a:extLst>
-              <a:ext uri="{FF2B5EF4-FFF2-40B4-BE49-F238E27FC236}">
-                <a16:creationId xmlns:a16="http://schemas.microsoft.com/office/drawing/2014/main" id="{BC0A0DB3-4A36-774B-9044-2CF1C5BE7680}"/>
-              </a:ext>
-            </a:extLst>
-          </p:cNvPr>
-          <p:cNvCxnSpPr>
-            <a:cxnSpLocks/>
-            <a:stCxn id="11" idx="3"/>
-          </p:cNvCxnSpPr>
-          <p:nvPr/>
-        </p:nvCxnSpPr>
-        <p:spPr>
-          <a:xfrm>
-            <a:off x="9056583" y="2934367"/>
-            <a:ext cx="619514" cy="0"/>
-          </a:xfrm>
-          <a:prstGeom prst="line">
-            <a:avLst/>
-          </a:prstGeom>
-          <a:ln w="9525">
-            <a:solidFill>
-              <a:schemeClr val="tx1"/>
-            </a:solidFill>
-            <a:headEnd type="oval"/>
-            <a:tailEnd type="oval"/>
-          </a:ln>
-        </p:spPr>
-        <p:style>
-          <a:lnRef idx="1">
-            <a:schemeClr val="accent1"/>
-          </a:lnRef>
-          <a:fillRef idx="0">
-            <a:schemeClr val="accent1"/>
-          </a:fillRef>
-          <a:effectRef idx="0">
-            <a:schemeClr val="accent1"/>
-          </a:effectRef>
-          <a:fontRef idx="minor">
-            <a:schemeClr val="tx1"/>
-          </a:fontRef>
-        </p:style>
-      </p:cxnSp>
-      <p:cxnSp>
-        <p:nvCxnSpPr>
-          <p:cNvPr id="21" name="直線コネクタ 20">
-            <a:extLst>
-              <a:ext uri="{FF2B5EF4-FFF2-40B4-BE49-F238E27FC236}">
-                <a16:creationId xmlns:a16="http://schemas.microsoft.com/office/drawing/2014/main" id="{BDB9F7C7-14DB-1744-9964-34F9928EE8BC}"/>
-              </a:ext>
-            </a:extLst>
-          </p:cNvPr>
-          <p:cNvCxnSpPr>
-            <a:cxnSpLocks/>
-            <a:stCxn id="12" idx="3"/>
-          </p:cNvCxnSpPr>
-          <p:nvPr/>
-        </p:nvCxnSpPr>
-        <p:spPr>
-          <a:xfrm>
-            <a:off x="9056583" y="4397771"/>
-            <a:ext cx="619514" cy="0"/>
-          </a:xfrm>
-          <a:prstGeom prst="line">
-            <a:avLst/>
-          </a:prstGeom>
-          <a:ln w="9525">
-            <a:solidFill>
-              <a:schemeClr val="tx1"/>
-            </a:solidFill>
-            <a:headEnd type="oval"/>
-            <a:tailEnd type="oval"/>
-          </a:ln>
-        </p:spPr>
-        <p:style>
-          <a:lnRef idx="1">
-            <a:schemeClr val="accent1"/>
-          </a:lnRef>
-          <a:fillRef idx="0">
-            <a:schemeClr val="accent1"/>
-          </a:fillRef>
-          <a:effectRef idx="0">
-            <a:schemeClr val="accent1"/>
-          </a:effectRef>
-          <a:fontRef idx="minor">
-            <a:schemeClr val="tx1"/>
-          </a:fontRef>
-        </p:style>
-      </p:cxnSp>
-      <p:cxnSp>
-        <p:nvCxnSpPr>
-          <p:cNvPr id="31" name="直線コネクタ 30">
-            <a:extLst>
-              <a:ext uri="{FF2B5EF4-FFF2-40B4-BE49-F238E27FC236}">
-                <a16:creationId xmlns:a16="http://schemas.microsoft.com/office/drawing/2014/main" id="{AD76F545-B5C2-B842-B6DF-C0C2CA249A1F}"/>
-              </a:ext>
-            </a:extLst>
-          </p:cNvPr>
-          <p:cNvCxnSpPr>
-            <a:cxnSpLocks/>
-          </p:cNvCxnSpPr>
-          <p:nvPr/>
-        </p:nvCxnSpPr>
-        <p:spPr>
-          <a:xfrm>
-            <a:off x="2427111" y="5300882"/>
-            <a:ext cx="2832136" cy="0"/>
-          </a:xfrm>
-          <a:prstGeom prst="line">
-            <a:avLst/>
-          </a:prstGeom>
-          <a:ln w="9525">
-            <a:solidFill>
-              <a:schemeClr val="tx1"/>
-            </a:solidFill>
-            <a:headEnd type="oval"/>
-            <a:tailEnd type="oval"/>
-          </a:ln>
-        </p:spPr>
-        <p:style>
-          <a:lnRef idx="1">
-            <a:schemeClr val="accent1"/>
-          </a:lnRef>
-          <a:fillRef idx="0">
-            <a:schemeClr val="accent1"/>
-          </a:fillRef>
-          <a:effectRef idx="0">
-            <a:schemeClr val="accent1"/>
-          </a:effectRef>
-          <a:fontRef idx="minor">
-            <a:schemeClr val="tx1"/>
-          </a:fontRef>
-        </p:style>
-      </p:cxnSp>
-      <p:cxnSp>
-        <p:nvCxnSpPr>
-          <p:cNvPr id="33" name="直線コネクタ 32">
-            <a:extLst>
-              <a:ext uri="{FF2B5EF4-FFF2-40B4-BE49-F238E27FC236}">
-                <a16:creationId xmlns:a16="http://schemas.microsoft.com/office/drawing/2014/main" id="{10EC30A8-57BB-7740-A21F-D3AC6AD8AE8E}"/>
-              </a:ext>
-            </a:extLst>
-          </p:cNvPr>
-          <p:cNvCxnSpPr>
-            <a:cxnSpLocks/>
-          </p:cNvCxnSpPr>
-          <p:nvPr/>
-        </p:nvCxnSpPr>
-        <p:spPr>
-          <a:xfrm>
-            <a:off x="2427111" y="2027104"/>
-            <a:ext cx="2832136" cy="0"/>
-          </a:xfrm>
-          <a:prstGeom prst="line">
-            <a:avLst/>
-          </a:prstGeom>
-          <a:ln w="9525">
-            <a:solidFill>
-              <a:schemeClr val="tx1"/>
-            </a:solidFill>
-            <a:headEnd type="oval"/>
-            <a:tailEnd type="oval"/>
-          </a:ln>
-        </p:spPr>
-        <p:style>
-          <a:lnRef idx="1">
-            <a:schemeClr val="accent1"/>
-          </a:lnRef>
-          <a:fillRef idx="0">
-            <a:schemeClr val="accent1"/>
-          </a:fillRef>
-          <a:effectRef idx="0">
-            <a:schemeClr val="accent1"/>
-          </a:effectRef>
-          <a:fontRef idx="minor">
-            <a:schemeClr val="tx1"/>
-          </a:fontRef>
-        </p:style>
-      </p:cxnSp>
-      <p:cxnSp>
-        <p:nvCxnSpPr>
-          <p:cNvPr id="34" name="直線矢印コネクタ 33">
-            <a:extLst>
-              <a:ext uri="{FF2B5EF4-FFF2-40B4-BE49-F238E27FC236}">
-                <a16:creationId xmlns:a16="http://schemas.microsoft.com/office/drawing/2014/main" id="{F9B0F6CC-42DA-4040-96DB-72D3AAB9DACB}"/>
-              </a:ext>
-            </a:extLst>
-          </p:cNvPr>
-          <p:cNvCxnSpPr>
-            <a:cxnSpLocks/>
-          </p:cNvCxnSpPr>
-          <p:nvPr/>
-        </p:nvCxnSpPr>
-        <p:spPr>
-          <a:xfrm flipH="1">
-            <a:off x="6848158" y="2934367"/>
-            <a:ext cx="619514" cy="0"/>
-          </a:xfrm>
-          <a:prstGeom prst="straightConnector1">
-            <a:avLst/>
-          </a:prstGeom>
-          <a:ln w="9525">
-            <a:solidFill>
-              <a:schemeClr val="tx1"/>
-            </a:solidFill>
-            <a:tailEnd type="arrow"/>
-          </a:ln>
-        </p:spPr>
-        <p:style>
-          <a:lnRef idx="1">
-            <a:schemeClr val="accent1"/>
-          </a:lnRef>
-          <a:fillRef idx="0">
-            <a:schemeClr val="accent1"/>
-          </a:fillRef>
-          <a:effectRef idx="0">
-            <a:schemeClr val="accent1"/>
-          </a:effectRef>
-          <a:fontRef idx="minor">
-            <a:schemeClr val="tx1"/>
-          </a:fontRef>
-        </p:style>
-      </p:cxnSp>
-      <p:cxnSp>
-        <p:nvCxnSpPr>
-          <p:cNvPr id="41" name="直線矢印コネクタ 40">
-            <a:extLst>
-              <a:ext uri="{FF2B5EF4-FFF2-40B4-BE49-F238E27FC236}">
-                <a16:creationId xmlns:a16="http://schemas.microsoft.com/office/drawing/2014/main" id="{604C58BD-8615-0D4D-A4F1-A73222DF21AB}"/>
-              </a:ext>
-            </a:extLst>
-          </p:cNvPr>
-          <p:cNvCxnSpPr>
-            <a:cxnSpLocks/>
-          </p:cNvCxnSpPr>
-          <p:nvPr/>
-        </p:nvCxnSpPr>
-        <p:spPr>
-          <a:xfrm>
-            <a:off x="4639733" y="2934367"/>
-            <a:ext cx="619514" cy="0"/>
-          </a:xfrm>
-          <a:prstGeom prst="straightConnector1">
-            <a:avLst/>
-          </a:prstGeom>
-          <a:ln w="9525">
-            <a:solidFill>
-              <a:schemeClr val="tx1"/>
-            </a:solidFill>
-            <a:tailEnd type="arrow"/>
-          </a:ln>
-        </p:spPr>
-        <p:style>
-          <a:lnRef idx="1">
-            <a:schemeClr val="accent1"/>
-          </a:lnRef>
-          <a:fillRef idx="0">
-            <a:schemeClr val="accent1"/>
-          </a:fillRef>
-          <a:effectRef idx="0">
-            <a:schemeClr val="accent1"/>
-          </a:effectRef>
-          <a:fontRef idx="minor">
-            <a:schemeClr val="tx1"/>
-          </a:fontRef>
-        </p:style>
-      </p:cxnSp>
-      <p:cxnSp>
-        <p:nvCxnSpPr>
-          <p:cNvPr id="42" name="直線矢印コネクタ 41">
-            <a:extLst>
-              <a:ext uri="{FF2B5EF4-FFF2-40B4-BE49-F238E27FC236}">
-                <a16:creationId xmlns:a16="http://schemas.microsoft.com/office/drawing/2014/main" id="{9447CB97-19EA-D84D-8293-F456206EE845}"/>
-              </a:ext>
-            </a:extLst>
-          </p:cNvPr>
-          <p:cNvCxnSpPr>
-            <a:cxnSpLocks/>
-          </p:cNvCxnSpPr>
-          <p:nvPr/>
-        </p:nvCxnSpPr>
-        <p:spPr>
-          <a:xfrm>
-            <a:off x="4639733" y="4404164"/>
-            <a:ext cx="619514" cy="0"/>
-          </a:xfrm>
-          <a:prstGeom prst="straightConnector1">
-            <a:avLst/>
-          </a:prstGeom>
-          <a:ln w="9525">
-            <a:solidFill>
-              <a:schemeClr val="tx1"/>
-            </a:solidFill>
-            <a:tailEnd type="arrow"/>
-          </a:ln>
-        </p:spPr>
-        <p:style>
-          <a:lnRef idx="1">
-            <a:schemeClr val="accent1"/>
-          </a:lnRef>
-          <a:fillRef idx="0">
-            <a:schemeClr val="accent1"/>
-          </a:fillRef>
-          <a:effectRef idx="0">
-            <a:schemeClr val="accent1"/>
-          </a:effectRef>
-          <a:fontRef idx="minor">
-            <a:schemeClr val="tx1"/>
-          </a:fontRef>
-        </p:style>
-      </p:cxnSp>
-      <p:cxnSp>
-        <p:nvCxnSpPr>
-          <p:cNvPr id="44" name="直線矢印コネクタ 43">
-            <a:extLst>
-              <a:ext uri="{FF2B5EF4-FFF2-40B4-BE49-F238E27FC236}">
-                <a16:creationId xmlns:a16="http://schemas.microsoft.com/office/drawing/2014/main" id="{B6A6E3BE-66BE-2E4C-97AE-B5E17A12A55F}"/>
-              </a:ext>
-            </a:extLst>
-          </p:cNvPr>
-          <p:cNvCxnSpPr>
-            <a:cxnSpLocks/>
-          </p:cNvCxnSpPr>
-          <p:nvPr/>
-        </p:nvCxnSpPr>
-        <p:spPr>
-          <a:xfrm flipH="1">
-            <a:off x="6848158" y="4380842"/>
-            <a:ext cx="619514" cy="0"/>
-          </a:xfrm>
-          <a:prstGeom prst="straightConnector1">
-            <a:avLst/>
-          </a:prstGeom>
-          <a:ln w="9525">
-            <a:solidFill>
-              <a:schemeClr val="tx1"/>
-            </a:solidFill>
-            <a:tailEnd type="arrow"/>
-          </a:ln>
-        </p:spPr>
-        <p:style>
-          <a:lnRef idx="1">
-            <a:schemeClr val="accent1"/>
-          </a:lnRef>
-          <a:fillRef idx="0">
-            <a:schemeClr val="accent1"/>
-          </a:fillRef>
-          <a:effectRef idx="0">
-            <a:schemeClr val="accent1"/>
-          </a:effectRef>
-          <a:fontRef idx="minor">
-            <a:schemeClr val="tx1"/>
-          </a:fontRef>
-        </p:style>
-      </p:cxnSp>
-      <p:sp>
-        <p:nvSpPr>
-          <p:cNvPr id="3" name="正方形/長方形 2">
-            <a:extLst>
-              <a:ext uri="{FF2B5EF4-FFF2-40B4-BE49-F238E27FC236}">
-                <a16:creationId xmlns:a16="http://schemas.microsoft.com/office/drawing/2014/main" id="{C5E75BA0-6C40-F843-9C74-6D20A6A0084E}"/>
-              </a:ext>
-            </a:extLst>
-          </p:cNvPr>
-          <p:cNvSpPr/>
-          <p:nvPr/>
-        </p:nvSpPr>
-        <p:spPr>
-          <a:xfrm rot="1725816">
-            <a:off x="2240446" y="2950520"/>
-            <a:ext cx="8028248" cy="365126"/>
-          </a:xfrm>
-          <a:prstGeom prst="rect">
-            <a:avLst/>
-          </a:prstGeom>
-          <a:solidFill>
-            <a:schemeClr val="accent4">
-              <a:lumMod val="20000"/>
-              <a:lumOff val="80000"/>
-            </a:schemeClr>
-          </a:solidFill>
-          <a:ln>
-            <a:solidFill>
-              <a:schemeClr val="tx1"/>
-            </a:solidFill>
-          </a:ln>
-        </p:spPr>
-        <p:style>
-          <a:lnRef idx="2">
-            <a:schemeClr val="accent1">
-              <a:shade val="50000"/>
-            </a:schemeClr>
-          </a:lnRef>
-          <a:fillRef idx="1">
-            <a:schemeClr val="accent1"/>
-          </a:fillRef>
-          <a:effectRef idx="0">
-            <a:schemeClr val="accent1"/>
-          </a:effectRef>
-          <a:fontRef idx="minor">
-            <a:schemeClr val="lt1"/>
-          </a:fontRef>
-        </p:style>
-        <p:txBody>
-          <a:bodyPr rtlCol="0" anchor="ctr"/>
-          <a:lstStyle/>
-          <a:p>
-            <a:pPr algn="ctr"/>
-            <a:r>
-              <a:rPr kumimoji="1" lang="en-US" altLang="ja-JP" sz="1600">
-                <a:solidFill>
-                  <a:schemeClr val="tx1"/>
-                </a:solidFill>
-              </a:rPr>
-              <a:t>WIP</a:t>
-            </a:r>
-            <a:endParaRPr kumimoji="1" lang="ja-JP" altLang="en-US" sz="1600">
-              <a:solidFill>
-                <a:schemeClr val="tx1"/>
-              </a:solidFill>
-            </a:endParaRPr>
-          </a:p>
-        </p:txBody>
-      </p:sp>
-    </p:spTree>
-    <p:extLst>
-      <p:ext uri="{BB962C8B-B14F-4D97-AF65-F5344CB8AC3E}">
-        <p14:creationId xmlns:p14="http://schemas.microsoft.com/office/powerpoint/2010/main" val="2697485440"/>
-      </p:ext>
-    </p:extLst>
-  </p:cSld>
-  <p:clrMapOvr>
-    <a:masterClrMapping/>
-  </p:clrMapOvr>
-</p:sld>
-</file>
-
-<file path=ppt/slides/slide26.xml><?xml version="1.0" encoding="utf-8"?>
-<p:sld xmlns:a="http://schemas.openxmlformats.org/drawingml/2006/main" xmlns:r="http://schemas.openxmlformats.org/officeDocument/2006/relationships" xmlns:p="http://schemas.openxmlformats.org/presentationml/2006/main">
-  <p:cSld>
-    <p:spTree>
-      <p:nvGrpSpPr>
-        <p:cNvPr id="1" name=""/>
-        <p:cNvGrpSpPr/>
-        <p:nvPr/>
-      </p:nvGrpSpPr>
-      <p:grpSpPr>
-        <a:xfrm>
-          <a:off x="0" y="0"/>
-          <a:ext cx="0" cy="0"/>
-          <a:chOff x="0" y="0"/>
-          <a:chExt cx="0" cy="0"/>
-        </a:xfrm>
-      </p:grpSpPr>
-      <p:sp>
-        <p:nvSpPr>
-          <p:cNvPr id="2" name="タイトル 1">
-            <a:extLst>
-              <a:ext uri="{FF2B5EF4-FFF2-40B4-BE49-F238E27FC236}">
-                <a16:creationId xmlns:a16="http://schemas.microsoft.com/office/drawing/2014/main" id="{7F8827C3-0CA9-1140-B93B-64711762EC70}"/>
-              </a:ext>
-            </a:extLst>
-          </p:cNvPr>
-          <p:cNvSpPr>
-            <a:spLocks noGrp="1"/>
-          </p:cNvSpPr>
-          <p:nvPr>
-            <p:ph type="title"/>
-          </p:nvPr>
-        </p:nvSpPr>
-        <p:spPr/>
-        <p:txBody>
-          <a:bodyPr/>
-          <a:lstStyle/>
-          <a:p>
-            <a:r>
-              <a:rPr kumimoji="1" lang="en-US" altLang="ja-JP"/>
-              <a:t>Issues or Pull </a:t>
-            </a:r>
-            <a:r>
-              <a:rPr lang="en-US" altLang="ja-JP"/>
-              <a:t>r</a:t>
-            </a:r>
-            <a:r>
-              <a:rPr kumimoji="1" lang="en-US" altLang="ja-JP"/>
-              <a:t>equests</a:t>
-            </a:r>
-            <a:endParaRPr kumimoji="1" lang="ja-JP" altLang="en-US"/>
-          </a:p>
-        </p:txBody>
-      </p:sp>
-      <p:sp>
-        <p:nvSpPr>
-          <p:cNvPr id="3" name="コンテンツ プレースホルダー 2">
-            <a:extLst>
-              <a:ext uri="{FF2B5EF4-FFF2-40B4-BE49-F238E27FC236}">
-                <a16:creationId xmlns:a16="http://schemas.microsoft.com/office/drawing/2014/main" id="{EAEE8B65-9A3A-8B4E-9AAA-5DEA98F39A04}"/>
-              </a:ext>
-            </a:extLst>
-          </p:cNvPr>
-          <p:cNvSpPr>
-            <a:spLocks noGrp="1"/>
-          </p:cNvSpPr>
-          <p:nvPr>
-            <p:ph idx="1"/>
-          </p:nvPr>
-        </p:nvSpPr>
-        <p:spPr/>
-        <p:txBody>
-          <a:bodyPr/>
-          <a:lstStyle/>
-          <a:p>
-            <a:endParaRPr kumimoji="1" lang="ja-JP" altLang="en-US"/>
-          </a:p>
-        </p:txBody>
-      </p:sp>
-      <p:sp>
-        <p:nvSpPr>
-          <p:cNvPr id="4" name="フッター プレースホルダー 3">
-            <a:extLst>
-              <a:ext uri="{FF2B5EF4-FFF2-40B4-BE49-F238E27FC236}">
-                <a16:creationId xmlns:a16="http://schemas.microsoft.com/office/drawing/2014/main" id="{9E9BBC57-5D32-2441-B186-5D666FF40C4A}"/>
-              </a:ext>
-            </a:extLst>
-          </p:cNvPr>
-          <p:cNvSpPr>
-            <a:spLocks noGrp="1"/>
-          </p:cNvSpPr>
-          <p:nvPr>
-            <p:ph type="ftr" sz="quarter" idx="11"/>
-          </p:nvPr>
-        </p:nvSpPr>
-        <p:spPr/>
-        <p:txBody>
-          <a:bodyPr/>
-          <a:lstStyle/>
-          <a:p>
-            <a:r>
-              <a:rPr kumimoji="1" lang="en-US" altLang="ja-JP"/>
-              <a:t>256hax</a:t>
-            </a:r>
-            <a:endParaRPr kumimoji="1" lang="ja-JP" altLang="en-US"/>
-          </a:p>
-        </p:txBody>
-      </p:sp>
-      <p:sp>
-        <p:nvSpPr>
-          <p:cNvPr id="5" name="スライド番号プレースホルダー 4">
-            <a:extLst>
-              <a:ext uri="{FF2B5EF4-FFF2-40B4-BE49-F238E27FC236}">
-                <a16:creationId xmlns:a16="http://schemas.microsoft.com/office/drawing/2014/main" id="{4740FAAB-57E0-5C47-80CE-5CA08BCE4106}"/>
-              </a:ext>
-            </a:extLst>
-          </p:cNvPr>
-          <p:cNvSpPr>
-            <a:spLocks noGrp="1"/>
-          </p:cNvSpPr>
-          <p:nvPr>
-            <p:ph type="sldNum" sz="quarter" idx="12"/>
-          </p:nvPr>
-        </p:nvSpPr>
-        <p:spPr/>
-        <p:txBody>
-          <a:bodyPr/>
-          <a:lstStyle/>
-          <a:p>
-            <a:fld id="{51BE5F08-58E8-9243-A834-2B76637F595D}" type="slidenum">
-              <a:rPr kumimoji="1" lang="ja-JP" altLang="en-US" smtClean="0"/>
-              <a:t>25</a:t>
-            </a:fld>
-            <a:endParaRPr kumimoji="1" lang="ja-JP" altLang="en-US"/>
-          </a:p>
-        </p:txBody>
-      </p:sp>
-      <p:sp>
-        <p:nvSpPr>
-          <p:cNvPr id="6" name="テキスト ボックス 5">
-            <a:extLst>
-              <a:ext uri="{FF2B5EF4-FFF2-40B4-BE49-F238E27FC236}">
-                <a16:creationId xmlns:a16="http://schemas.microsoft.com/office/drawing/2014/main" id="{E28B6990-7CB6-3B4A-897B-F800D394EA22}"/>
-              </a:ext>
-            </a:extLst>
-          </p:cNvPr>
-          <p:cNvSpPr txBox="1"/>
-          <p:nvPr/>
-        </p:nvSpPr>
-        <p:spPr>
-          <a:xfrm>
-            <a:off x="838200" y="1679845"/>
-            <a:ext cx="10578483" cy="1077218"/>
-          </a:xfrm>
-          <a:prstGeom prst="rect">
-            <a:avLst/>
-          </a:prstGeom>
-          <a:noFill/>
-        </p:spPr>
-        <p:txBody>
-          <a:bodyPr wrap="square" rtlCol="0">
-            <a:spAutoFit/>
-          </a:bodyPr>
-          <a:lstStyle/>
-          <a:p>
-            <a:r>
-              <a:rPr kumimoji="1" lang="en-US" altLang="ja-JP" sz="1600"/>
-              <a:t>This document hasn't yet been reviewed by experts.</a:t>
-            </a:r>
-          </a:p>
-          <a:p>
-            <a:r>
-              <a:rPr kumimoji="1" lang="en-US" altLang="ja-JP" sz="1600"/>
-              <a:t>Let me know if incorrect. I'm opening to Issues or Pull requests on GitHub.</a:t>
-            </a:r>
-          </a:p>
-          <a:p>
-            <a:endParaRPr kumimoji="1" lang="en-US" altLang="ja-JP" sz="1600"/>
-          </a:p>
-          <a:p>
-            <a:r>
-              <a:rPr kumimoji="1" lang="en-US" altLang="ja-JP" sz="1600"/>
-              <a:t>https://</a:t>
-            </a:r>
-            <a:r>
-              <a:rPr kumimoji="1" lang="en-US" altLang="ja-JP" sz="1600" err="1"/>
-              <a:t>github.com</a:t>
-            </a:r>
-            <a:r>
-              <a:rPr kumimoji="1" lang="en-US" altLang="ja-JP" sz="1600"/>
-              <a:t>/256hax/</a:t>
-            </a:r>
-            <a:r>
-              <a:rPr kumimoji="1" lang="en-US" altLang="ja-JP" sz="1600" err="1"/>
-              <a:t>solana</a:t>
-            </a:r>
-            <a:r>
-              <a:rPr kumimoji="1" lang="en-US" altLang="ja-JP" sz="1600"/>
-              <a:t>-anchor-react-minimal-example</a:t>
-            </a:r>
-          </a:p>
-        </p:txBody>
-      </p:sp>
-    </p:spTree>
-    <p:extLst>
-      <p:ext uri="{BB962C8B-B14F-4D97-AF65-F5344CB8AC3E}">
-        <p14:creationId xmlns:p14="http://schemas.microsoft.com/office/powerpoint/2010/main" val="2436212481"/>
       </p:ext>
     </p:extLst>
   </p:cSld>
@@ -33865,9 +34048,11 @@
             <a:prstGeom prst="homePlate">
               <a:avLst/>
             </a:prstGeom>
-            <a:grpFill/>
+            <a:noFill/>
             <a:ln>
-              <a:noFill/>
+              <a:solidFill>
+                <a:schemeClr val="tx1"/>
+              </a:solidFill>
             </a:ln>
           </p:spPr>
           <p:style>
@@ -33892,7 +34077,7 @@
             <a:p>
               <a:pPr algn="ctr"/>
               <a:r>
-                <a:rPr kumimoji="1" lang="en-US" altLang="ja-JP" sz="1600">
+                <a:rPr kumimoji="1" lang="en-US" altLang="ja-JP" sz="1600" dirty="0">
                   <a:solidFill>
                     <a:schemeClr val="tx1"/>
                   </a:solidFill>
@@ -33927,9 +34112,11 @@
             <a:prstGeom prst="homePlate">
               <a:avLst/>
             </a:prstGeom>
-            <a:grpFill/>
+            <a:noFill/>
             <a:ln>
-              <a:noFill/>
+              <a:solidFill>
+                <a:schemeClr val="tx1"/>
+              </a:solidFill>
             </a:ln>
           </p:spPr>
           <p:style>
@@ -33993,7 +34180,9 @@
               <a:schemeClr val="accent2"/>
             </a:solidFill>
             <a:ln>
-              <a:noFill/>
+              <a:solidFill>
+                <a:schemeClr val="tx1"/>
+              </a:solidFill>
             </a:ln>
           </p:spPr>
           <p:style>
@@ -34053,9 +34242,11 @@
             <a:prstGeom prst="homePlate">
               <a:avLst/>
             </a:prstGeom>
-            <a:grpFill/>
+            <a:noFill/>
             <a:ln>
-              <a:noFill/>
+              <a:solidFill>
+                <a:schemeClr val="tx1"/>
+              </a:solidFill>
             </a:ln>
           </p:spPr>
           <p:style>
@@ -34324,6 +34515,1611 @@
     <p:extLst>
       <p:ext uri="{BB962C8B-B14F-4D97-AF65-F5344CB8AC3E}">
         <p14:creationId xmlns:p14="http://schemas.microsoft.com/office/powerpoint/2010/main" val="2220861091"/>
+      </p:ext>
+    </p:extLst>
+  </p:cSld>
+  <p:clrMapOvr>
+    <a:masterClrMapping/>
+  </p:clrMapOvr>
+</p:sld>
+</file>
+
+<file path=ppt/slides/slide30.xml><?xml version="1.0" encoding="utf-8"?>
+<p:sld xmlns:a="http://schemas.openxmlformats.org/drawingml/2006/main" xmlns:r="http://schemas.openxmlformats.org/officeDocument/2006/relationships" xmlns:p="http://schemas.openxmlformats.org/presentationml/2006/main">
+  <p:cSld>
+    <p:spTree>
+      <p:nvGrpSpPr>
+        <p:cNvPr id="1" name=""/>
+        <p:cNvGrpSpPr/>
+        <p:nvPr/>
+      </p:nvGrpSpPr>
+      <p:grpSpPr>
+        <a:xfrm>
+          <a:off x="0" y="0"/>
+          <a:ext cx="0" cy="0"/>
+          <a:chOff x="0" y="0"/>
+          <a:chExt cx="0" cy="0"/>
+        </a:xfrm>
+      </p:grpSpPr>
+      <p:sp>
+        <p:nvSpPr>
+          <p:cNvPr id="6" name="タイトル 5">
+            <a:extLst>
+              <a:ext uri="{FF2B5EF4-FFF2-40B4-BE49-F238E27FC236}">
+                <a16:creationId xmlns:a16="http://schemas.microsoft.com/office/drawing/2014/main" id="{56AA0D49-BC0A-8947-849A-944C6C23C473}"/>
+              </a:ext>
+            </a:extLst>
+          </p:cNvPr>
+          <p:cNvSpPr>
+            <a:spLocks noGrp="1"/>
+          </p:cNvSpPr>
+          <p:nvPr>
+            <p:ph type="title"/>
+          </p:nvPr>
+        </p:nvSpPr>
+        <p:spPr/>
+        <p:txBody>
+          <a:bodyPr/>
+          <a:lstStyle/>
+          <a:p>
+            <a:r>
+              <a:rPr lang="en-US" altLang="ja-JP"/>
+              <a:t>IDO Pool</a:t>
+            </a:r>
+            <a:endParaRPr lang="ja-JP" altLang="en-US"/>
+          </a:p>
+        </p:txBody>
+      </p:sp>
+      <p:sp>
+        <p:nvSpPr>
+          <p:cNvPr id="7" name="テキスト プレースホルダー 6">
+            <a:extLst>
+              <a:ext uri="{FF2B5EF4-FFF2-40B4-BE49-F238E27FC236}">
+                <a16:creationId xmlns:a16="http://schemas.microsoft.com/office/drawing/2014/main" id="{C06B7392-3295-0D4C-BDB5-BFCC92D9FBE9}"/>
+              </a:ext>
+            </a:extLst>
+          </p:cNvPr>
+          <p:cNvSpPr>
+            <a:spLocks noGrp="1"/>
+          </p:cNvSpPr>
+          <p:nvPr>
+            <p:ph type="body" idx="1"/>
+          </p:nvPr>
+        </p:nvSpPr>
+        <p:spPr/>
+        <p:txBody>
+          <a:bodyPr/>
+          <a:lstStyle/>
+          <a:p>
+            <a:endParaRPr lang="ja-JP" altLang="en-US"/>
+          </a:p>
+        </p:txBody>
+      </p:sp>
+      <p:sp>
+        <p:nvSpPr>
+          <p:cNvPr id="4" name="フッター プレースホルダー 3">
+            <a:extLst>
+              <a:ext uri="{FF2B5EF4-FFF2-40B4-BE49-F238E27FC236}">
+                <a16:creationId xmlns:a16="http://schemas.microsoft.com/office/drawing/2014/main" id="{03DDA0EC-0424-D44E-A2F2-30EFB2207FF1}"/>
+              </a:ext>
+            </a:extLst>
+          </p:cNvPr>
+          <p:cNvSpPr>
+            <a:spLocks noGrp="1"/>
+          </p:cNvSpPr>
+          <p:nvPr>
+            <p:ph type="ftr" sz="quarter" idx="11"/>
+          </p:nvPr>
+        </p:nvSpPr>
+        <p:spPr/>
+        <p:txBody>
+          <a:bodyPr/>
+          <a:lstStyle/>
+          <a:p>
+            <a:r>
+              <a:rPr kumimoji="1" lang="en-US" altLang="ja-JP"/>
+              <a:t>256hax</a:t>
+            </a:r>
+            <a:endParaRPr kumimoji="1" lang="ja-JP" altLang="en-US"/>
+          </a:p>
+        </p:txBody>
+      </p:sp>
+      <p:sp>
+        <p:nvSpPr>
+          <p:cNvPr id="5" name="スライド番号プレースホルダー 4">
+            <a:extLst>
+              <a:ext uri="{FF2B5EF4-FFF2-40B4-BE49-F238E27FC236}">
+                <a16:creationId xmlns:a16="http://schemas.microsoft.com/office/drawing/2014/main" id="{94CCCD99-BD8D-964F-99A9-262A5E9BBB71}"/>
+              </a:ext>
+            </a:extLst>
+          </p:cNvPr>
+          <p:cNvSpPr>
+            <a:spLocks noGrp="1"/>
+          </p:cNvSpPr>
+          <p:nvPr>
+            <p:ph type="sldNum" sz="quarter" idx="12"/>
+          </p:nvPr>
+        </p:nvSpPr>
+        <p:spPr/>
+        <p:txBody>
+          <a:bodyPr/>
+          <a:lstStyle/>
+          <a:p>
+            <a:fld id="{51BE5F08-58E8-9243-A834-2B76637F595D}" type="slidenum">
+              <a:rPr kumimoji="1" lang="ja-JP" altLang="en-US" smtClean="0"/>
+              <a:t>29</a:t>
+            </a:fld>
+            <a:endParaRPr kumimoji="1" lang="ja-JP" altLang="en-US"/>
+          </a:p>
+        </p:txBody>
+      </p:sp>
+    </p:spTree>
+    <p:extLst>
+      <p:ext uri="{BB962C8B-B14F-4D97-AF65-F5344CB8AC3E}">
+        <p14:creationId xmlns:p14="http://schemas.microsoft.com/office/powerpoint/2010/main" val="1785351712"/>
+      </p:ext>
+    </p:extLst>
+  </p:cSld>
+  <p:clrMapOvr>
+    <a:masterClrMapping/>
+  </p:clrMapOvr>
+</p:sld>
+</file>
+
+<file path=ppt/slides/slide31.xml><?xml version="1.0" encoding="utf-8"?>
+<p:sld xmlns:a="http://schemas.openxmlformats.org/drawingml/2006/main" xmlns:r="http://schemas.openxmlformats.org/officeDocument/2006/relationships" xmlns:p="http://schemas.openxmlformats.org/presentationml/2006/main">
+  <p:cSld>
+    <p:spTree>
+      <p:nvGrpSpPr>
+        <p:cNvPr id="1" name=""/>
+        <p:cNvGrpSpPr/>
+        <p:nvPr/>
+      </p:nvGrpSpPr>
+      <p:grpSpPr>
+        <a:xfrm>
+          <a:off x="0" y="0"/>
+          <a:ext cx="0" cy="0"/>
+          <a:chOff x="0" y="0"/>
+          <a:chExt cx="0" cy="0"/>
+        </a:xfrm>
+      </p:grpSpPr>
+      <p:sp>
+        <p:nvSpPr>
+          <p:cNvPr id="2" name="タイトル 1">
+            <a:extLst>
+              <a:ext uri="{FF2B5EF4-FFF2-40B4-BE49-F238E27FC236}">
+                <a16:creationId xmlns:a16="http://schemas.microsoft.com/office/drawing/2014/main" id="{14D718AF-909B-1E44-B488-AA99B5183839}"/>
+              </a:ext>
+            </a:extLst>
+          </p:cNvPr>
+          <p:cNvSpPr>
+            <a:spLocks noGrp="1"/>
+          </p:cNvSpPr>
+          <p:nvPr>
+            <p:ph type="title"/>
+          </p:nvPr>
+        </p:nvSpPr>
+        <p:spPr/>
+        <p:txBody>
+          <a:bodyPr/>
+          <a:lstStyle/>
+          <a:p>
+            <a:endParaRPr kumimoji="1" lang="ja-JP" altLang="en-US"/>
+          </a:p>
+        </p:txBody>
+      </p:sp>
+      <p:sp>
+        <p:nvSpPr>
+          <p:cNvPr id="4" name="フッター プレースホルダー 3">
+            <a:extLst>
+              <a:ext uri="{FF2B5EF4-FFF2-40B4-BE49-F238E27FC236}">
+                <a16:creationId xmlns:a16="http://schemas.microsoft.com/office/drawing/2014/main" id="{EA7575EF-74CF-AC47-8FBA-FB4C8BBBE74C}"/>
+              </a:ext>
+            </a:extLst>
+          </p:cNvPr>
+          <p:cNvSpPr>
+            <a:spLocks noGrp="1"/>
+          </p:cNvSpPr>
+          <p:nvPr>
+            <p:ph type="ftr" sz="quarter" idx="11"/>
+          </p:nvPr>
+        </p:nvSpPr>
+        <p:spPr/>
+        <p:txBody>
+          <a:bodyPr/>
+          <a:lstStyle/>
+          <a:p>
+            <a:r>
+              <a:rPr kumimoji="1" lang="en-US" altLang="ja-JP"/>
+              <a:t>256hax</a:t>
+            </a:r>
+            <a:endParaRPr kumimoji="1" lang="ja-JP" altLang="en-US"/>
+          </a:p>
+        </p:txBody>
+      </p:sp>
+      <p:sp>
+        <p:nvSpPr>
+          <p:cNvPr id="5" name="スライド番号プレースホルダー 4">
+            <a:extLst>
+              <a:ext uri="{FF2B5EF4-FFF2-40B4-BE49-F238E27FC236}">
+                <a16:creationId xmlns:a16="http://schemas.microsoft.com/office/drawing/2014/main" id="{AA17AD0F-69D9-5143-9AD4-A79FA5C8EF8C}"/>
+              </a:ext>
+            </a:extLst>
+          </p:cNvPr>
+          <p:cNvSpPr>
+            <a:spLocks noGrp="1"/>
+          </p:cNvSpPr>
+          <p:nvPr>
+            <p:ph type="sldNum" sz="quarter" idx="12"/>
+          </p:nvPr>
+        </p:nvSpPr>
+        <p:spPr/>
+        <p:txBody>
+          <a:bodyPr/>
+          <a:lstStyle/>
+          <a:p>
+            <a:fld id="{51BE5F08-58E8-9243-A834-2B76637F595D}" type="slidenum">
+              <a:rPr kumimoji="1" lang="ja-JP" altLang="en-US" smtClean="0"/>
+              <a:t>30</a:t>
+            </a:fld>
+            <a:endParaRPr kumimoji="1" lang="ja-JP" altLang="en-US"/>
+          </a:p>
+        </p:txBody>
+      </p:sp>
+      <p:sp>
+        <p:nvSpPr>
+          <p:cNvPr id="6" name="正方形/長方形 5">
+            <a:extLst>
+              <a:ext uri="{FF2B5EF4-FFF2-40B4-BE49-F238E27FC236}">
+                <a16:creationId xmlns:a16="http://schemas.microsoft.com/office/drawing/2014/main" id="{37F890C4-3E1D-7B46-91E8-1DAD03F6ABEE}"/>
+              </a:ext>
+            </a:extLst>
+          </p:cNvPr>
+          <p:cNvSpPr/>
+          <p:nvPr/>
+        </p:nvSpPr>
+        <p:spPr>
+          <a:xfrm>
+            <a:off x="838200" y="1796119"/>
+            <a:ext cx="1588911" cy="3739894"/>
+          </a:xfrm>
+          <a:prstGeom prst="rect">
+            <a:avLst/>
+          </a:prstGeom>
+          <a:noFill/>
+          <a:ln>
+            <a:solidFill>
+              <a:schemeClr val="tx1"/>
+            </a:solidFill>
+          </a:ln>
+        </p:spPr>
+        <p:style>
+          <a:lnRef idx="2">
+            <a:schemeClr val="accent1">
+              <a:shade val="50000"/>
+            </a:schemeClr>
+          </a:lnRef>
+          <a:fillRef idx="1">
+            <a:schemeClr val="accent1"/>
+          </a:fillRef>
+          <a:effectRef idx="0">
+            <a:schemeClr val="accent1"/>
+          </a:effectRef>
+          <a:fontRef idx="minor">
+            <a:schemeClr val="lt1"/>
+          </a:fontRef>
+        </p:style>
+        <p:txBody>
+          <a:bodyPr rtlCol="0" anchor="t"/>
+          <a:lstStyle/>
+          <a:p>
+            <a:r>
+              <a:rPr kumimoji="1" lang="en-US" altLang="ja-JP" sz="1200" b="1">
+                <a:solidFill>
+                  <a:schemeClr val="tx1"/>
+                </a:solidFill>
+              </a:rPr>
+              <a:t>User Account (Developer)</a:t>
+            </a:r>
+          </a:p>
+          <a:p>
+            <a:endParaRPr kumimoji="1" lang="en-US" altLang="ja-JP" sz="1200">
+              <a:solidFill>
+                <a:schemeClr val="tx1"/>
+              </a:solidFill>
+            </a:endParaRPr>
+          </a:p>
+        </p:txBody>
+      </p:sp>
+      <p:sp>
+        <p:nvSpPr>
+          <p:cNvPr id="7" name="正方形/長方形 6">
+            <a:extLst>
+              <a:ext uri="{FF2B5EF4-FFF2-40B4-BE49-F238E27FC236}">
+                <a16:creationId xmlns:a16="http://schemas.microsoft.com/office/drawing/2014/main" id="{54A56CC9-9ED4-E147-A978-5C5036C2A6F5}"/>
+              </a:ext>
+            </a:extLst>
+          </p:cNvPr>
+          <p:cNvSpPr/>
+          <p:nvPr/>
+        </p:nvSpPr>
+        <p:spPr>
+          <a:xfrm>
+            <a:off x="3050822" y="2304118"/>
+            <a:ext cx="1588911" cy="1260498"/>
+          </a:xfrm>
+          <a:prstGeom prst="rect">
+            <a:avLst/>
+          </a:prstGeom>
+          <a:noFill/>
+          <a:ln>
+            <a:solidFill>
+              <a:schemeClr val="tx1"/>
+            </a:solidFill>
+          </a:ln>
+        </p:spPr>
+        <p:style>
+          <a:lnRef idx="2">
+            <a:schemeClr val="accent1">
+              <a:shade val="50000"/>
+            </a:schemeClr>
+          </a:lnRef>
+          <a:fillRef idx="1">
+            <a:schemeClr val="accent1"/>
+          </a:fillRef>
+          <a:effectRef idx="0">
+            <a:schemeClr val="accent1"/>
+          </a:effectRef>
+          <a:fontRef idx="minor">
+            <a:schemeClr val="lt1"/>
+          </a:fontRef>
+        </p:style>
+        <p:txBody>
+          <a:bodyPr rtlCol="0" anchor="t"/>
+          <a:lstStyle/>
+          <a:p>
+            <a:r>
+              <a:rPr kumimoji="1" lang="en-US" altLang="ja-JP" sz="1200" b="1">
+                <a:solidFill>
+                  <a:schemeClr val="tx1"/>
+                </a:solidFill>
+              </a:rPr>
+              <a:t>User Token Account (Developer)</a:t>
+            </a:r>
+          </a:p>
+          <a:p>
+            <a:endParaRPr kumimoji="1" lang="en-US" altLang="ja-JP" sz="1200">
+              <a:solidFill>
+                <a:schemeClr val="tx1"/>
+              </a:solidFill>
+            </a:endParaRPr>
+          </a:p>
+          <a:p>
+            <a:r>
+              <a:rPr kumimoji="1" lang="en-US" altLang="ja-JP" sz="1200">
+                <a:solidFill>
+                  <a:schemeClr val="tx1"/>
+                </a:solidFill>
+              </a:rPr>
+              <a:t>USDC</a:t>
+            </a:r>
+          </a:p>
+          <a:p>
+            <a:endParaRPr kumimoji="1" lang="en-US" altLang="ja-JP" sz="1200">
+              <a:solidFill>
+                <a:schemeClr val="tx1"/>
+              </a:solidFill>
+            </a:endParaRPr>
+          </a:p>
+        </p:txBody>
+      </p:sp>
+      <p:sp>
+        <p:nvSpPr>
+          <p:cNvPr id="8" name="正方形/長方形 7">
+            <a:extLst>
+              <a:ext uri="{FF2B5EF4-FFF2-40B4-BE49-F238E27FC236}">
+                <a16:creationId xmlns:a16="http://schemas.microsoft.com/office/drawing/2014/main" id="{3A8AE5E3-7DCB-E34D-A4E2-E61A6CE992D0}"/>
+              </a:ext>
+            </a:extLst>
+          </p:cNvPr>
+          <p:cNvSpPr/>
+          <p:nvPr/>
+        </p:nvSpPr>
+        <p:spPr>
+          <a:xfrm>
+            <a:off x="3050822" y="3767522"/>
+            <a:ext cx="1588911" cy="1260498"/>
+          </a:xfrm>
+          <a:prstGeom prst="rect">
+            <a:avLst/>
+          </a:prstGeom>
+          <a:noFill/>
+          <a:ln>
+            <a:solidFill>
+              <a:schemeClr val="tx1"/>
+            </a:solidFill>
+          </a:ln>
+        </p:spPr>
+        <p:style>
+          <a:lnRef idx="2">
+            <a:schemeClr val="accent1">
+              <a:shade val="50000"/>
+            </a:schemeClr>
+          </a:lnRef>
+          <a:fillRef idx="1">
+            <a:schemeClr val="accent1"/>
+          </a:fillRef>
+          <a:effectRef idx="0">
+            <a:schemeClr val="accent1"/>
+          </a:effectRef>
+          <a:fontRef idx="minor">
+            <a:schemeClr val="lt1"/>
+          </a:fontRef>
+        </p:style>
+        <p:txBody>
+          <a:bodyPr rtlCol="0" anchor="t"/>
+          <a:lstStyle/>
+          <a:p>
+            <a:r>
+              <a:rPr kumimoji="1" lang="en-US" altLang="ja-JP" sz="1200" b="1">
+                <a:solidFill>
+                  <a:schemeClr val="tx1"/>
+                </a:solidFill>
+              </a:rPr>
+              <a:t>User Token Account (Developer)</a:t>
+            </a:r>
+          </a:p>
+          <a:p>
+            <a:endParaRPr kumimoji="1" lang="en-US" altLang="ja-JP" sz="1200">
+              <a:solidFill>
+                <a:schemeClr val="tx1"/>
+              </a:solidFill>
+            </a:endParaRPr>
+          </a:p>
+          <a:p>
+            <a:r>
+              <a:rPr kumimoji="1" lang="en-US" altLang="ja-JP" sz="1200">
+                <a:solidFill>
+                  <a:schemeClr val="tx1"/>
+                </a:solidFill>
+              </a:rPr>
+              <a:t>Watermelon</a:t>
+            </a:r>
+          </a:p>
+          <a:p>
+            <a:endParaRPr kumimoji="1" lang="en-US" altLang="ja-JP" sz="1200">
+              <a:solidFill>
+                <a:schemeClr val="tx1"/>
+              </a:solidFill>
+            </a:endParaRPr>
+          </a:p>
+        </p:txBody>
+      </p:sp>
+      <p:sp>
+        <p:nvSpPr>
+          <p:cNvPr id="9" name="正方形/長方形 8">
+            <a:extLst>
+              <a:ext uri="{FF2B5EF4-FFF2-40B4-BE49-F238E27FC236}">
+                <a16:creationId xmlns:a16="http://schemas.microsoft.com/office/drawing/2014/main" id="{A8078DBE-3B64-0C45-91A6-271B0DFA5F16}"/>
+              </a:ext>
+            </a:extLst>
+          </p:cNvPr>
+          <p:cNvSpPr/>
+          <p:nvPr/>
+        </p:nvSpPr>
+        <p:spPr>
+          <a:xfrm>
+            <a:off x="5259247" y="1796118"/>
+            <a:ext cx="1588911" cy="1730657"/>
+          </a:xfrm>
+          <a:prstGeom prst="rect">
+            <a:avLst/>
+          </a:prstGeom>
+          <a:noFill/>
+          <a:ln>
+            <a:solidFill>
+              <a:schemeClr val="tx1"/>
+            </a:solidFill>
+          </a:ln>
+        </p:spPr>
+        <p:style>
+          <a:lnRef idx="2">
+            <a:schemeClr val="accent1">
+              <a:shade val="50000"/>
+            </a:schemeClr>
+          </a:lnRef>
+          <a:fillRef idx="1">
+            <a:schemeClr val="accent1"/>
+          </a:fillRef>
+          <a:effectRef idx="0">
+            <a:schemeClr val="accent1"/>
+          </a:effectRef>
+          <a:fontRef idx="minor">
+            <a:schemeClr val="lt1"/>
+          </a:fontRef>
+        </p:style>
+        <p:txBody>
+          <a:bodyPr rtlCol="0" anchor="t"/>
+          <a:lstStyle/>
+          <a:p>
+            <a:r>
+              <a:rPr kumimoji="1" lang="en-US" altLang="ja-JP" sz="1200" b="1">
+                <a:solidFill>
+                  <a:schemeClr val="tx1"/>
+                </a:solidFill>
+              </a:rPr>
+              <a:t>User Token Account (Developer)</a:t>
+            </a:r>
+          </a:p>
+          <a:p>
+            <a:endParaRPr kumimoji="1" lang="en-US" altLang="ja-JP" sz="1200">
+              <a:solidFill>
+                <a:schemeClr val="tx1"/>
+              </a:solidFill>
+            </a:endParaRPr>
+          </a:p>
+          <a:p>
+            <a:r>
+              <a:rPr kumimoji="1" lang="en-US" altLang="ja-JP" sz="1200">
+                <a:solidFill>
+                  <a:schemeClr val="tx1"/>
+                </a:solidFill>
+              </a:rPr>
+              <a:t>USDC IDO Pool</a:t>
+            </a:r>
+          </a:p>
+        </p:txBody>
+      </p:sp>
+      <p:sp>
+        <p:nvSpPr>
+          <p:cNvPr id="10" name="正方形/長方形 9">
+            <a:extLst>
+              <a:ext uri="{FF2B5EF4-FFF2-40B4-BE49-F238E27FC236}">
+                <a16:creationId xmlns:a16="http://schemas.microsoft.com/office/drawing/2014/main" id="{11FD34B6-F92E-8B4A-B13F-47AEAF1DE691}"/>
+              </a:ext>
+            </a:extLst>
+          </p:cNvPr>
+          <p:cNvSpPr/>
+          <p:nvPr/>
+        </p:nvSpPr>
+        <p:spPr>
+          <a:xfrm>
+            <a:off x="5259247" y="3805363"/>
+            <a:ext cx="1588911" cy="1730657"/>
+          </a:xfrm>
+          <a:prstGeom prst="rect">
+            <a:avLst/>
+          </a:prstGeom>
+          <a:noFill/>
+          <a:ln>
+            <a:solidFill>
+              <a:schemeClr val="tx1"/>
+            </a:solidFill>
+          </a:ln>
+        </p:spPr>
+        <p:style>
+          <a:lnRef idx="2">
+            <a:schemeClr val="accent1">
+              <a:shade val="50000"/>
+            </a:schemeClr>
+          </a:lnRef>
+          <a:fillRef idx="1">
+            <a:schemeClr val="accent1"/>
+          </a:fillRef>
+          <a:effectRef idx="0">
+            <a:schemeClr val="accent1"/>
+          </a:effectRef>
+          <a:fontRef idx="minor">
+            <a:schemeClr val="lt1"/>
+          </a:fontRef>
+        </p:style>
+        <p:txBody>
+          <a:bodyPr rtlCol="0" anchor="t"/>
+          <a:lstStyle/>
+          <a:p>
+            <a:r>
+              <a:rPr kumimoji="1" lang="en-US" altLang="ja-JP" sz="1200" b="1">
+                <a:solidFill>
+                  <a:schemeClr val="tx1"/>
+                </a:solidFill>
+              </a:rPr>
+              <a:t>User Token Account (Developer)</a:t>
+            </a:r>
+          </a:p>
+          <a:p>
+            <a:endParaRPr kumimoji="1" lang="en-US" altLang="ja-JP" sz="1200">
+              <a:solidFill>
+                <a:schemeClr val="tx1"/>
+              </a:solidFill>
+            </a:endParaRPr>
+          </a:p>
+          <a:p>
+            <a:r>
+              <a:rPr kumimoji="1" lang="en-US" altLang="ja-JP" sz="1200">
+                <a:solidFill>
+                  <a:schemeClr val="tx1"/>
+                </a:solidFill>
+              </a:rPr>
+              <a:t>Watermelon IDO Pool</a:t>
+            </a:r>
+          </a:p>
+          <a:p>
+            <a:endParaRPr kumimoji="1" lang="en-US" altLang="ja-JP" sz="1200">
+              <a:solidFill>
+                <a:schemeClr val="tx1"/>
+              </a:solidFill>
+            </a:endParaRPr>
+          </a:p>
+        </p:txBody>
+      </p:sp>
+      <p:sp>
+        <p:nvSpPr>
+          <p:cNvPr id="11" name="正方形/長方形 10">
+            <a:extLst>
+              <a:ext uri="{FF2B5EF4-FFF2-40B4-BE49-F238E27FC236}">
+                <a16:creationId xmlns:a16="http://schemas.microsoft.com/office/drawing/2014/main" id="{2C4106FB-E691-E848-8805-6415D89FDFF6}"/>
+              </a:ext>
+            </a:extLst>
+          </p:cNvPr>
+          <p:cNvSpPr/>
+          <p:nvPr/>
+        </p:nvSpPr>
+        <p:spPr>
+          <a:xfrm>
+            <a:off x="7467672" y="2304118"/>
+            <a:ext cx="1588911" cy="1260498"/>
+          </a:xfrm>
+          <a:prstGeom prst="rect">
+            <a:avLst/>
+          </a:prstGeom>
+          <a:noFill/>
+          <a:ln>
+            <a:solidFill>
+              <a:schemeClr val="tx1"/>
+            </a:solidFill>
+          </a:ln>
+        </p:spPr>
+        <p:style>
+          <a:lnRef idx="2">
+            <a:schemeClr val="accent1">
+              <a:shade val="50000"/>
+            </a:schemeClr>
+          </a:lnRef>
+          <a:fillRef idx="1">
+            <a:schemeClr val="accent1"/>
+          </a:fillRef>
+          <a:effectRef idx="0">
+            <a:schemeClr val="accent1"/>
+          </a:effectRef>
+          <a:fontRef idx="minor">
+            <a:schemeClr val="lt1"/>
+          </a:fontRef>
+        </p:style>
+        <p:txBody>
+          <a:bodyPr rtlCol="0" anchor="t"/>
+          <a:lstStyle/>
+          <a:p>
+            <a:r>
+              <a:rPr kumimoji="1" lang="en-US" altLang="ja-JP" sz="1200" b="1">
+                <a:solidFill>
+                  <a:schemeClr val="tx1"/>
+                </a:solidFill>
+              </a:rPr>
+              <a:t>User Token Account (Consumer)</a:t>
+            </a:r>
+          </a:p>
+          <a:p>
+            <a:endParaRPr kumimoji="1" lang="en-US" altLang="ja-JP" sz="1200">
+              <a:solidFill>
+                <a:schemeClr val="tx1"/>
+              </a:solidFill>
+            </a:endParaRPr>
+          </a:p>
+          <a:p>
+            <a:r>
+              <a:rPr kumimoji="1" lang="en-US" altLang="ja-JP" sz="1200">
+                <a:solidFill>
+                  <a:schemeClr val="tx1"/>
+                </a:solidFill>
+              </a:rPr>
+              <a:t>USDC</a:t>
+            </a:r>
+          </a:p>
+          <a:p>
+            <a:endParaRPr kumimoji="1" lang="en-US" altLang="ja-JP" sz="1200">
+              <a:solidFill>
+                <a:schemeClr val="tx1"/>
+              </a:solidFill>
+            </a:endParaRPr>
+          </a:p>
+        </p:txBody>
+      </p:sp>
+      <p:sp>
+        <p:nvSpPr>
+          <p:cNvPr id="12" name="正方形/長方形 11">
+            <a:extLst>
+              <a:ext uri="{FF2B5EF4-FFF2-40B4-BE49-F238E27FC236}">
+                <a16:creationId xmlns:a16="http://schemas.microsoft.com/office/drawing/2014/main" id="{8E18AA63-E88C-3147-9BCA-B0EEBA7F57D8}"/>
+              </a:ext>
+            </a:extLst>
+          </p:cNvPr>
+          <p:cNvSpPr/>
+          <p:nvPr/>
+        </p:nvSpPr>
+        <p:spPr>
+          <a:xfrm>
+            <a:off x="7467672" y="3767522"/>
+            <a:ext cx="1588911" cy="1260498"/>
+          </a:xfrm>
+          <a:prstGeom prst="rect">
+            <a:avLst/>
+          </a:prstGeom>
+          <a:noFill/>
+          <a:ln>
+            <a:solidFill>
+              <a:schemeClr val="tx1"/>
+            </a:solidFill>
+          </a:ln>
+        </p:spPr>
+        <p:style>
+          <a:lnRef idx="2">
+            <a:schemeClr val="accent1">
+              <a:shade val="50000"/>
+            </a:schemeClr>
+          </a:lnRef>
+          <a:fillRef idx="1">
+            <a:schemeClr val="accent1"/>
+          </a:fillRef>
+          <a:effectRef idx="0">
+            <a:schemeClr val="accent1"/>
+          </a:effectRef>
+          <a:fontRef idx="minor">
+            <a:schemeClr val="lt1"/>
+          </a:fontRef>
+        </p:style>
+        <p:txBody>
+          <a:bodyPr rtlCol="0" anchor="t"/>
+          <a:lstStyle/>
+          <a:p>
+            <a:r>
+              <a:rPr kumimoji="1" lang="en-US" altLang="ja-JP" sz="1200" b="1">
+                <a:solidFill>
+                  <a:schemeClr val="tx1"/>
+                </a:solidFill>
+              </a:rPr>
+              <a:t>User Token Account (Consumer)</a:t>
+            </a:r>
+          </a:p>
+          <a:p>
+            <a:endParaRPr kumimoji="1" lang="en-US" altLang="ja-JP" sz="1200">
+              <a:solidFill>
+                <a:schemeClr val="tx1"/>
+              </a:solidFill>
+            </a:endParaRPr>
+          </a:p>
+          <a:p>
+            <a:r>
+              <a:rPr kumimoji="1" lang="en-US" altLang="ja-JP" sz="1200">
+                <a:solidFill>
+                  <a:schemeClr val="tx1"/>
+                </a:solidFill>
+              </a:rPr>
+              <a:t>Watermelon</a:t>
+            </a:r>
+          </a:p>
+          <a:p>
+            <a:endParaRPr kumimoji="1" lang="en-US" altLang="ja-JP" sz="1200">
+              <a:solidFill>
+                <a:schemeClr val="tx1"/>
+              </a:solidFill>
+            </a:endParaRPr>
+          </a:p>
+        </p:txBody>
+      </p:sp>
+      <p:sp>
+        <p:nvSpPr>
+          <p:cNvPr id="13" name="正方形/長方形 12">
+            <a:extLst>
+              <a:ext uri="{FF2B5EF4-FFF2-40B4-BE49-F238E27FC236}">
+                <a16:creationId xmlns:a16="http://schemas.microsoft.com/office/drawing/2014/main" id="{117535CF-0C0D-794A-9DC6-09DB628F0608}"/>
+              </a:ext>
+            </a:extLst>
+          </p:cNvPr>
+          <p:cNvSpPr/>
+          <p:nvPr/>
+        </p:nvSpPr>
+        <p:spPr>
+          <a:xfrm>
+            <a:off x="9676097" y="2304118"/>
+            <a:ext cx="1588911" cy="2723902"/>
+          </a:xfrm>
+          <a:prstGeom prst="rect">
+            <a:avLst/>
+          </a:prstGeom>
+          <a:noFill/>
+          <a:ln>
+            <a:solidFill>
+              <a:schemeClr val="tx1"/>
+            </a:solidFill>
+          </a:ln>
+        </p:spPr>
+        <p:style>
+          <a:lnRef idx="2">
+            <a:schemeClr val="accent1">
+              <a:shade val="50000"/>
+            </a:schemeClr>
+          </a:lnRef>
+          <a:fillRef idx="1">
+            <a:schemeClr val="accent1"/>
+          </a:fillRef>
+          <a:effectRef idx="0">
+            <a:schemeClr val="accent1"/>
+          </a:effectRef>
+          <a:fontRef idx="minor">
+            <a:schemeClr val="lt1"/>
+          </a:fontRef>
+        </p:style>
+        <p:txBody>
+          <a:bodyPr rtlCol="0" anchor="t"/>
+          <a:lstStyle/>
+          <a:p>
+            <a:r>
+              <a:rPr kumimoji="1" lang="en-US" altLang="ja-JP" sz="1200" b="1">
+                <a:solidFill>
+                  <a:schemeClr val="tx1"/>
+                </a:solidFill>
+              </a:rPr>
+              <a:t>User Account (Consumer)</a:t>
+            </a:r>
+          </a:p>
+          <a:p>
+            <a:endParaRPr kumimoji="1" lang="en-US" altLang="ja-JP" sz="1200">
+              <a:solidFill>
+                <a:schemeClr val="tx1"/>
+              </a:solidFill>
+            </a:endParaRPr>
+          </a:p>
+        </p:txBody>
+      </p:sp>
+      <p:cxnSp>
+        <p:nvCxnSpPr>
+          <p:cNvPr id="14" name="直線コネクタ 13">
+            <a:extLst>
+              <a:ext uri="{FF2B5EF4-FFF2-40B4-BE49-F238E27FC236}">
+                <a16:creationId xmlns:a16="http://schemas.microsoft.com/office/drawing/2014/main" id="{0B2A20F8-60A9-9549-B3A3-2002F91B8504}"/>
+              </a:ext>
+            </a:extLst>
+          </p:cNvPr>
+          <p:cNvCxnSpPr>
+            <a:cxnSpLocks/>
+            <a:endCxn id="7" idx="1"/>
+          </p:cNvCxnSpPr>
+          <p:nvPr/>
+        </p:nvCxnSpPr>
+        <p:spPr>
+          <a:xfrm>
+            <a:off x="2427111" y="2934367"/>
+            <a:ext cx="623711" cy="0"/>
+          </a:xfrm>
+          <a:prstGeom prst="line">
+            <a:avLst/>
+          </a:prstGeom>
+          <a:ln w="9525">
+            <a:solidFill>
+              <a:schemeClr val="tx1"/>
+            </a:solidFill>
+            <a:headEnd type="oval"/>
+            <a:tailEnd type="oval"/>
+          </a:ln>
+        </p:spPr>
+        <p:style>
+          <a:lnRef idx="1">
+            <a:schemeClr val="accent1"/>
+          </a:lnRef>
+          <a:fillRef idx="0">
+            <a:schemeClr val="accent1"/>
+          </a:fillRef>
+          <a:effectRef idx="0">
+            <a:schemeClr val="accent1"/>
+          </a:effectRef>
+          <a:fontRef idx="minor">
+            <a:schemeClr val="tx1"/>
+          </a:fontRef>
+        </p:style>
+      </p:cxnSp>
+      <p:cxnSp>
+        <p:nvCxnSpPr>
+          <p:cNvPr id="17" name="直線コネクタ 16">
+            <a:extLst>
+              <a:ext uri="{FF2B5EF4-FFF2-40B4-BE49-F238E27FC236}">
+                <a16:creationId xmlns:a16="http://schemas.microsoft.com/office/drawing/2014/main" id="{A205DB15-5141-1C49-B93B-92058836BA27}"/>
+              </a:ext>
+            </a:extLst>
+          </p:cNvPr>
+          <p:cNvCxnSpPr>
+            <a:cxnSpLocks/>
+            <a:endCxn id="8" idx="1"/>
+          </p:cNvCxnSpPr>
+          <p:nvPr/>
+        </p:nvCxnSpPr>
+        <p:spPr>
+          <a:xfrm>
+            <a:off x="2427111" y="4397771"/>
+            <a:ext cx="623711" cy="0"/>
+          </a:xfrm>
+          <a:prstGeom prst="line">
+            <a:avLst/>
+          </a:prstGeom>
+          <a:ln w="9525">
+            <a:solidFill>
+              <a:schemeClr val="tx1"/>
+            </a:solidFill>
+            <a:headEnd type="oval"/>
+            <a:tailEnd type="oval"/>
+          </a:ln>
+        </p:spPr>
+        <p:style>
+          <a:lnRef idx="1">
+            <a:schemeClr val="accent1"/>
+          </a:lnRef>
+          <a:fillRef idx="0">
+            <a:schemeClr val="accent1"/>
+          </a:fillRef>
+          <a:effectRef idx="0">
+            <a:schemeClr val="accent1"/>
+          </a:effectRef>
+          <a:fontRef idx="minor">
+            <a:schemeClr val="tx1"/>
+          </a:fontRef>
+        </p:style>
+      </p:cxnSp>
+      <p:cxnSp>
+        <p:nvCxnSpPr>
+          <p:cNvPr id="20" name="直線コネクタ 19">
+            <a:extLst>
+              <a:ext uri="{FF2B5EF4-FFF2-40B4-BE49-F238E27FC236}">
+                <a16:creationId xmlns:a16="http://schemas.microsoft.com/office/drawing/2014/main" id="{BC0A0DB3-4A36-774B-9044-2CF1C5BE7680}"/>
+              </a:ext>
+            </a:extLst>
+          </p:cNvPr>
+          <p:cNvCxnSpPr>
+            <a:cxnSpLocks/>
+            <a:stCxn id="11" idx="3"/>
+          </p:cNvCxnSpPr>
+          <p:nvPr/>
+        </p:nvCxnSpPr>
+        <p:spPr>
+          <a:xfrm>
+            <a:off x="9056583" y="2934367"/>
+            <a:ext cx="619514" cy="0"/>
+          </a:xfrm>
+          <a:prstGeom prst="line">
+            <a:avLst/>
+          </a:prstGeom>
+          <a:ln w="9525">
+            <a:solidFill>
+              <a:schemeClr val="tx1"/>
+            </a:solidFill>
+            <a:headEnd type="oval"/>
+            <a:tailEnd type="oval"/>
+          </a:ln>
+        </p:spPr>
+        <p:style>
+          <a:lnRef idx="1">
+            <a:schemeClr val="accent1"/>
+          </a:lnRef>
+          <a:fillRef idx="0">
+            <a:schemeClr val="accent1"/>
+          </a:fillRef>
+          <a:effectRef idx="0">
+            <a:schemeClr val="accent1"/>
+          </a:effectRef>
+          <a:fontRef idx="minor">
+            <a:schemeClr val="tx1"/>
+          </a:fontRef>
+        </p:style>
+      </p:cxnSp>
+      <p:cxnSp>
+        <p:nvCxnSpPr>
+          <p:cNvPr id="21" name="直線コネクタ 20">
+            <a:extLst>
+              <a:ext uri="{FF2B5EF4-FFF2-40B4-BE49-F238E27FC236}">
+                <a16:creationId xmlns:a16="http://schemas.microsoft.com/office/drawing/2014/main" id="{BDB9F7C7-14DB-1744-9964-34F9928EE8BC}"/>
+              </a:ext>
+            </a:extLst>
+          </p:cNvPr>
+          <p:cNvCxnSpPr>
+            <a:cxnSpLocks/>
+            <a:stCxn id="12" idx="3"/>
+          </p:cNvCxnSpPr>
+          <p:nvPr/>
+        </p:nvCxnSpPr>
+        <p:spPr>
+          <a:xfrm>
+            <a:off x="9056583" y="4397771"/>
+            <a:ext cx="619514" cy="0"/>
+          </a:xfrm>
+          <a:prstGeom prst="line">
+            <a:avLst/>
+          </a:prstGeom>
+          <a:ln w="9525">
+            <a:solidFill>
+              <a:schemeClr val="tx1"/>
+            </a:solidFill>
+            <a:headEnd type="oval"/>
+            <a:tailEnd type="oval"/>
+          </a:ln>
+        </p:spPr>
+        <p:style>
+          <a:lnRef idx="1">
+            <a:schemeClr val="accent1"/>
+          </a:lnRef>
+          <a:fillRef idx="0">
+            <a:schemeClr val="accent1"/>
+          </a:fillRef>
+          <a:effectRef idx="0">
+            <a:schemeClr val="accent1"/>
+          </a:effectRef>
+          <a:fontRef idx="minor">
+            <a:schemeClr val="tx1"/>
+          </a:fontRef>
+        </p:style>
+      </p:cxnSp>
+      <p:cxnSp>
+        <p:nvCxnSpPr>
+          <p:cNvPr id="31" name="直線コネクタ 30">
+            <a:extLst>
+              <a:ext uri="{FF2B5EF4-FFF2-40B4-BE49-F238E27FC236}">
+                <a16:creationId xmlns:a16="http://schemas.microsoft.com/office/drawing/2014/main" id="{AD76F545-B5C2-B842-B6DF-C0C2CA249A1F}"/>
+              </a:ext>
+            </a:extLst>
+          </p:cNvPr>
+          <p:cNvCxnSpPr>
+            <a:cxnSpLocks/>
+          </p:cNvCxnSpPr>
+          <p:nvPr/>
+        </p:nvCxnSpPr>
+        <p:spPr>
+          <a:xfrm>
+            <a:off x="2427111" y="5300882"/>
+            <a:ext cx="2832136" cy="0"/>
+          </a:xfrm>
+          <a:prstGeom prst="line">
+            <a:avLst/>
+          </a:prstGeom>
+          <a:ln w="9525">
+            <a:solidFill>
+              <a:schemeClr val="tx1"/>
+            </a:solidFill>
+            <a:headEnd type="oval"/>
+            <a:tailEnd type="oval"/>
+          </a:ln>
+        </p:spPr>
+        <p:style>
+          <a:lnRef idx="1">
+            <a:schemeClr val="accent1"/>
+          </a:lnRef>
+          <a:fillRef idx="0">
+            <a:schemeClr val="accent1"/>
+          </a:fillRef>
+          <a:effectRef idx="0">
+            <a:schemeClr val="accent1"/>
+          </a:effectRef>
+          <a:fontRef idx="minor">
+            <a:schemeClr val="tx1"/>
+          </a:fontRef>
+        </p:style>
+      </p:cxnSp>
+      <p:cxnSp>
+        <p:nvCxnSpPr>
+          <p:cNvPr id="33" name="直線コネクタ 32">
+            <a:extLst>
+              <a:ext uri="{FF2B5EF4-FFF2-40B4-BE49-F238E27FC236}">
+                <a16:creationId xmlns:a16="http://schemas.microsoft.com/office/drawing/2014/main" id="{10EC30A8-57BB-7740-A21F-D3AC6AD8AE8E}"/>
+              </a:ext>
+            </a:extLst>
+          </p:cNvPr>
+          <p:cNvCxnSpPr>
+            <a:cxnSpLocks/>
+          </p:cNvCxnSpPr>
+          <p:nvPr/>
+        </p:nvCxnSpPr>
+        <p:spPr>
+          <a:xfrm>
+            <a:off x="2427111" y="2027104"/>
+            <a:ext cx="2832136" cy="0"/>
+          </a:xfrm>
+          <a:prstGeom prst="line">
+            <a:avLst/>
+          </a:prstGeom>
+          <a:ln w="9525">
+            <a:solidFill>
+              <a:schemeClr val="tx1"/>
+            </a:solidFill>
+            <a:headEnd type="oval"/>
+            <a:tailEnd type="oval"/>
+          </a:ln>
+        </p:spPr>
+        <p:style>
+          <a:lnRef idx="1">
+            <a:schemeClr val="accent1"/>
+          </a:lnRef>
+          <a:fillRef idx="0">
+            <a:schemeClr val="accent1"/>
+          </a:fillRef>
+          <a:effectRef idx="0">
+            <a:schemeClr val="accent1"/>
+          </a:effectRef>
+          <a:fontRef idx="minor">
+            <a:schemeClr val="tx1"/>
+          </a:fontRef>
+        </p:style>
+      </p:cxnSp>
+      <p:cxnSp>
+        <p:nvCxnSpPr>
+          <p:cNvPr id="34" name="直線矢印コネクタ 33">
+            <a:extLst>
+              <a:ext uri="{FF2B5EF4-FFF2-40B4-BE49-F238E27FC236}">
+                <a16:creationId xmlns:a16="http://schemas.microsoft.com/office/drawing/2014/main" id="{F9B0F6CC-42DA-4040-96DB-72D3AAB9DACB}"/>
+              </a:ext>
+            </a:extLst>
+          </p:cNvPr>
+          <p:cNvCxnSpPr>
+            <a:cxnSpLocks/>
+          </p:cNvCxnSpPr>
+          <p:nvPr/>
+        </p:nvCxnSpPr>
+        <p:spPr>
+          <a:xfrm flipH="1">
+            <a:off x="6848158" y="2934367"/>
+            <a:ext cx="619514" cy="0"/>
+          </a:xfrm>
+          <a:prstGeom prst="straightConnector1">
+            <a:avLst/>
+          </a:prstGeom>
+          <a:ln w="9525">
+            <a:solidFill>
+              <a:schemeClr val="tx1"/>
+            </a:solidFill>
+            <a:tailEnd type="arrow"/>
+          </a:ln>
+        </p:spPr>
+        <p:style>
+          <a:lnRef idx="1">
+            <a:schemeClr val="accent1"/>
+          </a:lnRef>
+          <a:fillRef idx="0">
+            <a:schemeClr val="accent1"/>
+          </a:fillRef>
+          <a:effectRef idx="0">
+            <a:schemeClr val="accent1"/>
+          </a:effectRef>
+          <a:fontRef idx="minor">
+            <a:schemeClr val="tx1"/>
+          </a:fontRef>
+        </p:style>
+      </p:cxnSp>
+      <p:cxnSp>
+        <p:nvCxnSpPr>
+          <p:cNvPr id="41" name="直線矢印コネクタ 40">
+            <a:extLst>
+              <a:ext uri="{FF2B5EF4-FFF2-40B4-BE49-F238E27FC236}">
+                <a16:creationId xmlns:a16="http://schemas.microsoft.com/office/drawing/2014/main" id="{604C58BD-8615-0D4D-A4F1-A73222DF21AB}"/>
+              </a:ext>
+            </a:extLst>
+          </p:cNvPr>
+          <p:cNvCxnSpPr>
+            <a:cxnSpLocks/>
+          </p:cNvCxnSpPr>
+          <p:nvPr/>
+        </p:nvCxnSpPr>
+        <p:spPr>
+          <a:xfrm>
+            <a:off x="4639733" y="2934367"/>
+            <a:ext cx="619514" cy="0"/>
+          </a:xfrm>
+          <a:prstGeom prst="straightConnector1">
+            <a:avLst/>
+          </a:prstGeom>
+          <a:ln w="9525">
+            <a:solidFill>
+              <a:schemeClr val="tx1"/>
+            </a:solidFill>
+            <a:tailEnd type="arrow"/>
+          </a:ln>
+        </p:spPr>
+        <p:style>
+          <a:lnRef idx="1">
+            <a:schemeClr val="accent1"/>
+          </a:lnRef>
+          <a:fillRef idx="0">
+            <a:schemeClr val="accent1"/>
+          </a:fillRef>
+          <a:effectRef idx="0">
+            <a:schemeClr val="accent1"/>
+          </a:effectRef>
+          <a:fontRef idx="minor">
+            <a:schemeClr val="tx1"/>
+          </a:fontRef>
+        </p:style>
+      </p:cxnSp>
+      <p:cxnSp>
+        <p:nvCxnSpPr>
+          <p:cNvPr id="42" name="直線矢印コネクタ 41">
+            <a:extLst>
+              <a:ext uri="{FF2B5EF4-FFF2-40B4-BE49-F238E27FC236}">
+                <a16:creationId xmlns:a16="http://schemas.microsoft.com/office/drawing/2014/main" id="{9447CB97-19EA-D84D-8293-F456206EE845}"/>
+              </a:ext>
+            </a:extLst>
+          </p:cNvPr>
+          <p:cNvCxnSpPr>
+            <a:cxnSpLocks/>
+          </p:cNvCxnSpPr>
+          <p:nvPr/>
+        </p:nvCxnSpPr>
+        <p:spPr>
+          <a:xfrm>
+            <a:off x="4639733" y="4404164"/>
+            <a:ext cx="619514" cy="0"/>
+          </a:xfrm>
+          <a:prstGeom prst="straightConnector1">
+            <a:avLst/>
+          </a:prstGeom>
+          <a:ln w="9525">
+            <a:solidFill>
+              <a:schemeClr val="tx1"/>
+            </a:solidFill>
+            <a:tailEnd type="arrow"/>
+          </a:ln>
+        </p:spPr>
+        <p:style>
+          <a:lnRef idx="1">
+            <a:schemeClr val="accent1"/>
+          </a:lnRef>
+          <a:fillRef idx="0">
+            <a:schemeClr val="accent1"/>
+          </a:fillRef>
+          <a:effectRef idx="0">
+            <a:schemeClr val="accent1"/>
+          </a:effectRef>
+          <a:fontRef idx="minor">
+            <a:schemeClr val="tx1"/>
+          </a:fontRef>
+        </p:style>
+      </p:cxnSp>
+      <p:cxnSp>
+        <p:nvCxnSpPr>
+          <p:cNvPr id="44" name="直線矢印コネクタ 43">
+            <a:extLst>
+              <a:ext uri="{FF2B5EF4-FFF2-40B4-BE49-F238E27FC236}">
+                <a16:creationId xmlns:a16="http://schemas.microsoft.com/office/drawing/2014/main" id="{B6A6E3BE-66BE-2E4C-97AE-B5E17A12A55F}"/>
+              </a:ext>
+            </a:extLst>
+          </p:cNvPr>
+          <p:cNvCxnSpPr>
+            <a:cxnSpLocks/>
+          </p:cNvCxnSpPr>
+          <p:nvPr/>
+        </p:nvCxnSpPr>
+        <p:spPr>
+          <a:xfrm flipH="1">
+            <a:off x="6848158" y="4380842"/>
+            <a:ext cx="619514" cy="0"/>
+          </a:xfrm>
+          <a:prstGeom prst="straightConnector1">
+            <a:avLst/>
+          </a:prstGeom>
+          <a:ln w="9525">
+            <a:solidFill>
+              <a:schemeClr val="tx1"/>
+            </a:solidFill>
+            <a:tailEnd type="arrow"/>
+          </a:ln>
+        </p:spPr>
+        <p:style>
+          <a:lnRef idx="1">
+            <a:schemeClr val="accent1"/>
+          </a:lnRef>
+          <a:fillRef idx="0">
+            <a:schemeClr val="accent1"/>
+          </a:fillRef>
+          <a:effectRef idx="0">
+            <a:schemeClr val="accent1"/>
+          </a:effectRef>
+          <a:fontRef idx="minor">
+            <a:schemeClr val="tx1"/>
+          </a:fontRef>
+        </p:style>
+      </p:cxnSp>
+      <p:sp>
+        <p:nvSpPr>
+          <p:cNvPr id="3" name="正方形/長方形 2">
+            <a:extLst>
+              <a:ext uri="{FF2B5EF4-FFF2-40B4-BE49-F238E27FC236}">
+                <a16:creationId xmlns:a16="http://schemas.microsoft.com/office/drawing/2014/main" id="{C5E75BA0-6C40-F843-9C74-6D20A6A0084E}"/>
+              </a:ext>
+            </a:extLst>
+          </p:cNvPr>
+          <p:cNvSpPr/>
+          <p:nvPr/>
+        </p:nvSpPr>
+        <p:spPr>
+          <a:xfrm rot="1725816">
+            <a:off x="2240446" y="2950520"/>
+            <a:ext cx="8028248" cy="365126"/>
+          </a:xfrm>
+          <a:prstGeom prst="rect">
+            <a:avLst/>
+          </a:prstGeom>
+          <a:solidFill>
+            <a:schemeClr val="accent4">
+              <a:lumMod val="20000"/>
+              <a:lumOff val="80000"/>
+            </a:schemeClr>
+          </a:solidFill>
+          <a:ln>
+            <a:solidFill>
+              <a:schemeClr val="tx1"/>
+            </a:solidFill>
+          </a:ln>
+        </p:spPr>
+        <p:style>
+          <a:lnRef idx="2">
+            <a:schemeClr val="accent1">
+              <a:shade val="50000"/>
+            </a:schemeClr>
+          </a:lnRef>
+          <a:fillRef idx="1">
+            <a:schemeClr val="accent1"/>
+          </a:fillRef>
+          <a:effectRef idx="0">
+            <a:schemeClr val="accent1"/>
+          </a:effectRef>
+          <a:fontRef idx="minor">
+            <a:schemeClr val="lt1"/>
+          </a:fontRef>
+        </p:style>
+        <p:txBody>
+          <a:bodyPr rtlCol="0" anchor="ctr"/>
+          <a:lstStyle/>
+          <a:p>
+            <a:pPr algn="ctr"/>
+            <a:r>
+              <a:rPr kumimoji="1" lang="en-US" altLang="ja-JP" sz="1600">
+                <a:solidFill>
+                  <a:schemeClr val="tx1"/>
+                </a:solidFill>
+              </a:rPr>
+              <a:t>WIP</a:t>
+            </a:r>
+            <a:endParaRPr kumimoji="1" lang="ja-JP" altLang="en-US" sz="1600">
+              <a:solidFill>
+                <a:schemeClr val="tx1"/>
+              </a:solidFill>
+            </a:endParaRPr>
+          </a:p>
+        </p:txBody>
+      </p:sp>
+    </p:spTree>
+    <p:extLst>
+      <p:ext uri="{BB962C8B-B14F-4D97-AF65-F5344CB8AC3E}">
+        <p14:creationId xmlns:p14="http://schemas.microsoft.com/office/powerpoint/2010/main" val="2697485440"/>
+      </p:ext>
+    </p:extLst>
+  </p:cSld>
+  <p:clrMapOvr>
+    <a:masterClrMapping/>
+  </p:clrMapOvr>
+</p:sld>
+</file>
+
+<file path=ppt/slides/slide32.xml><?xml version="1.0" encoding="utf-8"?>
+<p:sld xmlns:a="http://schemas.openxmlformats.org/drawingml/2006/main" xmlns:r="http://schemas.openxmlformats.org/officeDocument/2006/relationships" xmlns:p="http://schemas.openxmlformats.org/presentationml/2006/main">
+  <p:cSld>
+    <p:spTree>
+      <p:nvGrpSpPr>
+        <p:cNvPr id="1" name=""/>
+        <p:cNvGrpSpPr/>
+        <p:nvPr/>
+      </p:nvGrpSpPr>
+      <p:grpSpPr>
+        <a:xfrm>
+          <a:off x="0" y="0"/>
+          <a:ext cx="0" cy="0"/>
+          <a:chOff x="0" y="0"/>
+          <a:chExt cx="0" cy="0"/>
+        </a:xfrm>
+      </p:grpSpPr>
+      <p:sp>
+        <p:nvSpPr>
+          <p:cNvPr id="2" name="タイトル 1">
+            <a:extLst>
+              <a:ext uri="{FF2B5EF4-FFF2-40B4-BE49-F238E27FC236}">
+                <a16:creationId xmlns:a16="http://schemas.microsoft.com/office/drawing/2014/main" id="{7F8827C3-0CA9-1140-B93B-64711762EC70}"/>
+              </a:ext>
+            </a:extLst>
+          </p:cNvPr>
+          <p:cNvSpPr>
+            <a:spLocks noGrp="1"/>
+          </p:cNvSpPr>
+          <p:nvPr>
+            <p:ph type="title"/>
+          </p:nvPr>
+        </p:nvSpPr>
+        <p:spPr/>
+        <p:txBody>
+          <a:bodyPr/>
+          <a:lstStyle/>
+          <a:p>
+            <a:r>
+              <a:rPr kumimoji="1" lang="en-US" altLang="ja-JP"/>
+              <a:t>Issues or Pull </a:t>
+            </a:r>
+            <a:r>
+              <a:rPr lang="en-US" altLang="ja-JP"/>
+              <a:t>r</a:t>
+            </a:r>
+            <a:r>
+              <a:rPr kumimoji="1" lang="en-US" altLang="ja-JP"/>
+              <a:t>equests</a:t>
+            </a:r>
+            <a:endParaRPr kumimoji="1" lang="ja-JP" altLang="en-US"/>
+          </a:p>
+        </p:txBody>
+      </p:sp>
+      <p:sp>
+        <p:nvSpPr>
+          <p:cNvPr id="3" name="コンテンツ プレースホルダー 2">
+            <a:extLst>
+              <a:ext uri="{FF2B5EF4-FFF2-40B4-BE49-F238E27FC236}">
+                <a16:creationId xmlns:a16="http://schemas.microsoft.com/office/drawing/2014/main" id="{EAEE8B65-9A3A-8B4E-9AAA-5DEA98F39A04}"/>
+              </a:ext>
+            </a:extLst>
+          </p:cNvPr>
+          <p:cNvSpPr>
+            <a:spLocks noGrp="1"/>
+          </p:cNvSpPr>
+          <p:nvPr>
+            <p:ph idx="1"/>
+          </p:nvPr>
+        </p:nvSpPr>
+        <p:spPr/>
+        <p:txBody>
+          <a:bodyPr/>
+          <a:lstStyle/>
+          <a:p>
+            <a:endParaRPr kumimoji="1" lang="ja-JP" altLang="en-US"/>
+          </a:p>
+        </p:txBody>
+      </p:sp>
+      <p:sp>
+        <p:nvSpPr>
+          <p:cNvPr id="4" name="フッター プレースホルダー 3">
+            <a:extLst>
+              <a:ext uri="{FF2B5EF4-FFF2-40B4-BE49-F238E27FC236}">
+                <a16:creationId xmlns:a16="http://schemas.microsoft.com/office/drawing/2014/main" id="{9E9BBC57-5D32-2441-B186-5D666FF40C4A}"/>
+              </a:ext>
+            </a:extLst>
+          </p:cNvPr>
+          <p:cNvSpPr>
+            <a:spLocks noGrp="1"/>
+          </p:cNvSpPr>
+          <p:nvPr>
+            <p:ph type="ftr" sz="quarter" idx="11"/>
+          </p:nvPr>
+        </p:nvSpPr>
+        <p:spPr/>
+        <p:txBody>
+          <a:bodyPr/>
+          <a:lstStyle/>
+          <a:p>
+            <a:r>
+              <a:rPr kumimoji="1" lang="en-US" altLang="ja-JP"/>
+              <a:t>256hax</a:t>
+            </a:r>
+            <a:endParaRPr kumimoji="1" lang="ja-JP" altLang="en-US"/>
+          </a:p>
+        </p:txBody>
+      </p:sp>
+      <p:sp>
+        <p:nvSpPr>
+          <p:cNvPr id="5" name="スライド番号プレースホルダー 4">
+            <a:extLst>
+              <a:ext uri="{FF2B5EF4-FFF2-40B4-BE49-F238E27FC236}">
+                <a16:creationId xmlns:a16="http://schemas.microsoft.com/office/drawing/2014/main" id="{4740FAAB-57E0-5C47-80CE-5CA08BCE4106}"/>
+              </a:ext>
+            </a:extLst>
+          </p:cNvPr>
+          <p:cNvSpPr>
+            <a:spLocks noGrp="1"/>
+          </p:cNvSpPr>
+          <p:nvPr>
+            <p:ph type="sldNum" sz="quarter" idx="12"/>
+          </p:nvPr>
+        </p:nvSpPr>
+        <p:spPr/>
+        <p:txBody>
+          <a:bodyPr/>
+          <a:lstStyle/>
+          <a:p>
+            <a:fld id="{51BE5F08-58E8-9243-A834-2B76637F595D}" type="slidenum">
+              <a:rPr kumimoji="1" lang="ja-JP" altLang="en-US" smtClean="0"/>
+              <a:t>31</a:t>
+            </a:fld>
+            <a:endParaRPr kumimoji="1" lang="ja-JP" altLang="en-US"/>
+          </a:p>
+        </p:txBody>
+      </p:sp>
+      <p:sp>
+        <p:nvSpPr>
+          <p:cNvPr id="6" name="テキスト ボックス 5">
+            <a:extLst>
+              <a:ext uri="{FF2B5EF4-FFF2-40B4-BE49-F238E27FC236}">
+                <a16:creationId xmlns:a16="http://schemas.microsoft.com/office/drawing/2014/main" id="{E28B6990-7CB6-3B4A-897B-F800D394EA22}"/>
+              </a:ext>
+            </a:extLst>
+          </p:cNvPr>
+          <p:cNvSpPr txBox="1"/>
+          <p:nvPr/>
+        </p:nvSpPr>
+        <p:spPr>
+          <a:xfrm>
+            <a:off x="838200" y="1679845"/>
+            <a:ext cx="10578483" cy="1077218"/>
+          </a:xfrm>
+          <a:prstGeom prst="rect">
+            <a:avLst/>
+          </a:prstGeom>
+          <a:noFill/>
+        </p:spPr>
+        <p:txBody>
+          <a:bodyPr wrap="square" rtlCol="0">
+            <a:spAutoFit/>
+          </a:bodyPr>
+          <a:lstStyle/>
+          <a:p>
+            <a:r>
+              <a:rPr kumimoji="1" lang="en-US" altLang="ja-JP" sz="1600"/>
+              <a:t>This document hasn't yet been reviewed by experts.</a:t>
+            </a:r>
+          </a:p>
+          <a:p>
+            <a:r>
+              <a:rPr kumimoji="1" lang="en-US" altLang="ja-JP" sz="1600"/>
+              <a:t>Let me know if incorrect. I'm opening to Issues or Pull requests on GitHub.</a:t>
+            </a:r>
+          </a:p>
+          <a:p>
+            <a:endParaRPr kumimoji="1" lang="en-US" altLang="ja-JP" sz="1600"/>
+          </a:p>
+          <a:p>
+            <a:r>
+              <a:rPr kumimoji="1" lang="en-US" altLang="ja-JP" sz="1600"/>
+              <a:t>https://</a:t>
+            </a:r>
+            <a:r>
+              <a:rPr kumimoji="1" lang="en-US" altLang="ja-JP" sz="1600" err="1"/>
+              <a:t>github.com</a:t>
+            </a:r>
+            <a:r>
+              <a:rPr kumimoji="1" lang="en-US" altLang="ja-JP" sz="1600"/>
+              <a:t>/256hax/</a:t>
+            </a:r>
+            <a:r>
+              <a:rPr kumimoji="1" lang="en-US" altLang="ja-JP" sz="1600" err="1"/>
+              <a:t>solana</a:t>
+            </a:r>
+            <a:r>
+              <a:rPr kumimoji="1" lang="en-US" altLang="ja-JP" sz="1600"/>
+              <a:t>-anchor-react-minimal-example</a:t>
+            </a:r>
+          </a:p>
+        </p:txBody>
+      </p:sp>
+    </p:spTree>
+    <p:extLst>
+      <p:ext uri="{BB962C8B-B14F-4D97-AF65-F5344CB8AC3E}">
+        <p14:creationId xmlns:p14="http://schemas.microsoft.com/office/powerpoint/2010/main" val="2436212481"/>
       </p:ext>
     </p:extLst>
   </p:cSld>
@@ -40357,10 +42153,10 @@
       </p:grpSpPr>
       <p:sp>
         <p:nvSpPr>
-          <p:cNvPr id="2" name="タイトル 1">
-            <a:extLst>
-              <a:ext uri="{FF2B5EF4-FFF2-40B4-BE49-F238E27FC236}">
-                <a16:creationId xmlns:a16="http://schemas.microsoft.com/office/drawing/2014/main" id="{247BFE88-7019-4F43-8B30-C0AC025035D4}"/>
+          <p:cNvPr id="6" name="タイトル 5">
+            <a:extLst>
+              <a:ext uri="{FF2B5EF4-FFF2-40B4-BE49-F238E27FC236}">
+                <a16:creationId xmlns:a16="http://schemas.microsoft.com/office/drawing/2014/main" id="{E25DACE1-58FD-9745-B266-5A5EA153FE9E}"/>
               </a:ext>
             </a:extLst>
           </p:cNvPr>
@@ -40377,24 +42173,67 @@
           <a:lstStyle/>
           <a:p>
             <a:r>
+              <a:rPr lang="en-US" altLang="ja-JP" dirty="0"/>
+              <a:t>System Architectures</a:t>
+            </a:r>
+            <a:endParaRPr lang="ja-JP" altLang="en-US"/>
+          </a:p>
+        </p:txBody>
+      </p:sp>
+      <p:sp>
+        <p:nvSpPr>
+          <p:cNvPr id="7" name="テキスト プレースホルダー 6">
+            <a:extLst>
+              <a:ext uri="{FF2B5EF4-FFF2-40B4-BE49-F238E27FC236}">
+                <a16:creationId xmlns:a16="http://schemas.microsoft.com/office/drawing/2014/main" id="{6D2E24DF-5511-9C40-9985-E7FAA148311F}"/>
+              </a:ext>
+            </a:extLst>
+          </p:cNvPr>
+          <p:cNvSpPr>
+            <a:spLocks noGrp="1"/>
+          </p:cNvSpPr>
+          <p:nvPr>
+            <p:ph type="body" idx="4294967295"/>
+          </p:nvPr>
+        </p:nvSpPr>
+        <p:spPr>
+          <a:xfrm>
+            <a:off x="831850" y="4589463"/>
+            <a:ext cx="10515600" cy="1500187"/>
+          </a:xfrm>
+        </p:spPr>
+        <p:txBody>
+          <a:bodyPr/>
+          <a:lstStyle/>
+          <a:p>
+            <a:endParaRPr lang="ja-JP" altLang="en-US"/>
+          </a:p>
+        </p:txBody>
+      </p:sp>
+      <p:sp>
+        <p:nvSpPr>
+          <p:cNvPr id="4" name="フッター プレースホルダー 3">
+            <a:extLst>
+              <a:ext uri="{FF2B5EF4-FFF2-40B4-BE49-F238E27FC236}">
+                <a16:creationId xmlns:a16="http://schemas.microsoft.com/office/drawing/2014/main" id="{4AE20E14-611F-2746-B535-140C5335AF22}"/>
+              </a:ext>
+            </a:extLst>
+          </p:cNvPr>
+          <p:cNvSpPr>
+            <a:spLocks noGrp="1"/>
+          </p:cNvSpPr>
+          <p:nvPr>
+            <p:ph type="ftr" sz="quarter" idx="11"/>
+          </p:nvPr>
+        </p:nvSpPr>
+        <p:spPr/>
+        <p:txBody>
+          <a:bodyPr/>
+          <a:lstStyle/>
+          <a:p>
+            <a:r>
               <a:rPr kumimoji="1" lang="en-US" altLang="ja-JP"/>
-              <a:t>Production System Architecture</a:t>
-            </a:r>
-            <a:r>
-              <a:rPr kumimoji="1" lang="ja-JP" altLang="en-US"/>
-              <a:t> </a:t>
-            </a:r>
-            <a:r>
-              <a:rPr kumimoji="1" lang="en-US" altLang="ja-JP"/>
-              <a:t>Example</a:t>
-            </a:r>
-            <a:r>
-              <a:rPr kumimoji="1" lang="ja-JP" altLang="en-US"/>
-              <a:t> </a:t>
-            </a:r>
-            <a:r>
-              <a:rPr kumimoji="1" lang="en-US" altLang="ja-JP"/>
-              <a:t>(Draft)</a:t>
+              <a:t>256hax</a:t>
             </a:r>
             <a:endParaRPr kumimoji="1" lang="ja-JP" altLang="en-US"/>
           </a:p>
@@ -40405,7 +42244,7 @@
           <p:cNvPr id="5" name="スライド番号プレースホルダー 4">
             <a:extLst>
               <a:ext uri="{FF2B5EF4-FFF2-40B4-BE49-F238E27FC236}">
-                <a16:creationId xmlns:a16="http://schemas.microsoft.com/office/drawing/2014/main" id="{C519304D-DB9E-0848-9482-0874A773055B}"/>
+                <a16:creationId xmlns:a16="http://schemas.microsoft.com/office/drawing/2014/main" id="{7DB935CD-5D46-734D-974F-FA319839D27B}"/>
               </a:ext>
             </a:extLst>
           </p:cNvPr>
@@ -40424,6 +42263,110 @@
             <a:fld id="{51BE5F08-58E8-9243-A834-2B76637F595D}" type="slidenum">
               <a:rPr kumimoji="1" lang="ja-JP" altLang="en-US" smtClean="0"/>
               <a:t>7</a:t>
+            </a:fld>
+            <a:endParaRPr kumimoji="1" lang="ja-JP" altLang="en-US"/>
+          </a:p>
+        </p:txBody>
+      </p:sp>
+    </p:spTree>
+    <p:extLst>
+      <p:ext uri="{BB962C8B-B14F-4D97-AF65-F5344CB8AC3E}">
+        <p14:creationId xmlns:p14="http://schemas.microsoft.com/office/powerpoint/2010/main" val="4684627"/>
+      </p:ext>
+    </p:extLst>
+  </p:cSld>
+  <p:clrMapOvr>
+    <a:masterClrMapping/>
+  </p:clrMapOvr>
+</p:sld>
+</file>
+
+<file path=ppt/slides/slide9.xml><?xml version="1.0" encoding="utf-8"?>
+<p:sld xmlns:a="http://schemas.openxmlformats.org/drawingml/2006/main" xmlns:r="http://schemas.openxmlformats.org/officeDocument/2006/relationships" xmlns:p="http://schemas.openxmlformats.org/presentationml/2006/main">
+  <p:cSld>
+    <p:spTree>
+      <p:nvGrpSpPr>
+        <p:cNvPr id="1" name=""/>
+        <p:cNvGrpSpPr/>
+        <p:nvPr/>
+      </p:nvGrpSpPr>
+      <p:grpSpPr>
+        <a:xfrm>
+          <a:off x="0" y="0"/>
+          <a:ext cx="0" cy="0"/>
+          <a:chOff x="0" y="0"/>
+          <a:chExt cx="0" cy="0"/>
+        </a:xfrm>
+      </p:grpSpPr>
+      <p:sp>
+        <p:nvSpPr>
+          <p:cNvPr id="2" name="タイトル 1">
+            <a:extLst>
+              <a:ext uri="{FF2B5EF4-FFF2-40B4-BE49-F238E27FC236}">
+                <a16:creationId xmlns:a16="http://schemas.microsoft.com/office/drawing/2014/main" id="{247BFE88-7019-4F43-8B30-C0AC025035D4}"/>
+              </a:ext>
+            </a:extLst>
+          </p:cNvPr>
+          <p:cNvSpPr>
+            <a:spLocks noGrp="1"/>
+          </p:cNvSpPr>
+          <p:nvPr>
+            <p:ph type="title"/>
+          </p:nvPr>
+        </p:nvSpPr>
+        <p:spPr/>
+        <p:txBody>
+          <a:bodyPr/>
+          <a:lstStyle/>
+          <a:p>
+            <a:r>
+              <a:rPr kumimoji="1" lang="en-US" altLang="ja-JP"/>
+              <a:t>Production System Architecture</a:t>
+            </a:r>
+            <a:r>
+              <a:rPr kumimoji="1" lang="ja-JP" altLang="en-US"/>
+              <a:t> </a:t>
+            </a:r>
+            <a:r>
+              <a:rPr kumimoji="1" lang="en-US" altLang="ja-JP"/>
+              <a:t>Example</a:t>
+            </a:r>
+            <a:r>
+              <a:rPr kumimoji="1" lang="ja-JP" altLang="en-US"/>
+              <a:t> </a:t>
+            </a:r>
+            <a:r>
+              <a:rPr kumimoji="1" lang="en-US" altLang="ja-JP"/>
+              <a:t>(Draft)</a:t>
+            </a:r>
+            <a:endParaRPr kumimoji="1" lang="ja-JP" altLang="en-US"/>
+          </a:p>
+        </p:txBody>
+      </p:sp>
+      <p:sp>
+        <p:nvSpPr>
+          <p:cNvPr id="5" name="スライド番号プレースホルダー 4">
+            <a:extLst>
+              <a:ext uri="{FF2B5EF4-FFF2-40B4-BE49-F238E27FC236}">
+                <a16:creationId xmlns:a16="http://schemas.microsoft.com/office/drawing/2014/main" id="{C519304D-DB9E-0848-9482-0874A773055B}"/>
+              </a:ext>
+            </a:extLst>
+          </p:cNvPr>
+          <p:cNvSpPr>
+            <a:spLocks noGrp="1"/>
+          </p:cNvSpPr>
+          <p:nvPr>
+            <p:ph type="sldNum" sz="quarter" idx="12"/>
+          </p:nvPr>
+        </p:nvSpPr>
+        <p:spPr/>
+        <p:txBody>
+          <a:bodyPr/>
+          <a:lstStyle/>
+          <a:p>
+            <a:fld id="{51BE5F08-58E8-9243-A834-2B76637F595D}" type="slidenum">
+              <a:rPr kumimoji="1" lang="ja-JP" altLang="en-US" smtClean="0"/>
+              <a:t>8</a:t>
             </a:fld>
             <a:endParaRPr kumimoji="1" lang="ja-JP" altLang="en-US"/>
           </a:p>
@@ -43631,148 +45574,6 @@
     <p:extLst>
       <p:ext uri="{BB962C8B-B14F-4D97-AF65-F5344CB8AC3E}">
         <p14:creationId xmlns:p14="http://schemas.microsoft.com/office/powerpoint/2010/main" val="1791688801"/>
-      </p:ext>
-    </p:extLst>
-  </p:cSld>
-  <p:clrMapOvr>
-    <a:masterClrMapping/>
-  </p:clrMapOvr>
-</p:sld>
-</file>
-
-<file path=ppt/slides/slide9.xml><?xml version="1.0" encoding="utf-8"?>
-<p:sld xmlns:a="http://schemas.openxmlformats.org/drawingml/2006/main" xmlns:r="http://schemas.openxmlformats.org/officeDocument/2006/relationships" xmlns:p="http://schemas.openxmlformats.org/presentationml/2006/main">
-  <p:cSld>
-    <p:spTree>
-      <p:nvGrpSpPr>
-        <p:cNvPr id="1" name=""/>
-        <p:cNvGrpSpPr/>
-        <p:nvPr/>
-      </p:nvGrpSpPr>
-      <p:grpSpPr>
-        <a:xfrm>
-          <a:off x="0" y="0"/>
-          <a:ext cx="0" cy="0"/>
-          <a:chOff x="0" y="0"/>
-          <a:chExt cx="0" cy="0"/>
-        </a:xfrm>
-      </p:grpSpPr>
-      <p:sp>
-        <p:nvSpPr>
-          <p:cNvPr id="6" name="タイトル 5">
-            <a:extLst>
-              <a:ext uri="{FF2B5EF4-FFF2-40B4-BE49-F238E27FC236}">
-                <a16:creationId xmlns:a16="http://schemas.microsoft.com/office/drawing/2014/main" id="{56AA0D49-BC0A-8947-849A-944C6C23C473}"/>
-              </a:ext>
-            </a:extLst>
-          </p:cNvPr>
-          <p:cNvSpPr>
-            <a:spLocks noGrp="1"/>
-          </p:cNvSpPr>
-          <p:nvPr>
-            <p:ph type="title"/>
-          </p:nvPr>
-        </p:nvSpPr>
-        <p:spPr/>
-        <p:txBody>
-          <a:bodyPr/>
-          <a:lstStyle/>
-          <a:p>
-            <a:r>
-              <a:rPr lang="en-US" altLang="ja-JP"/>
-              <a:t>Transactions</a:t>
-            </a:r>
-            <a:endParaRPr lang="ja-JP" altLang="en-US"/>
-          </a:p>
-        </p:txBody>
-      </p:sp>
-      <p:sp>
-        <p:nvSpPr>
-          <p:cNvPr id="7" name="テキスト プレースホルダー 6">
-            <a:extLst>
-              <a:ext uri="{FF2B5EF4-FFF2-40B4-BE49-F238E27FC236}">
-                <a16:creationId xmlns:a16="http://schemas.microsoft.com/office/drawing/2014/main" id="{C06B7392-3295-0D4C-BDB5-BFCC92D9FBE9}"/>
-              </a:ext>
-            </a:extLst>
-          </p:cNvPr>
-          <p:cNvSpPr>
-            <a:spLocks noGrp="1"/>
-          </p:cNvSpPr>
-          <p:nvPr>
-            <p:ph type="body" idx="1"/>
-          </p:nvPr>
-        </p:nvSpPr>
-        <p:spPr/>
-        <p:txBody>
-          <a:bodyPr/>
-          <a:lstStyle/>
-          <a:p>
-            <a:endParaRPr lang="ja-JP" altLang="en-US"/>
-          </a:p>
-        </p:txBody>
-      </p:sp>
-      <p:sp>
-        <p:nvSpPr>
-          <p:cNvPr id="4" name="フッター プレースホルダー 3">
-            <a:extLst>
-              <a:ext uri="{FF2B5EF4-FFF2-40B4-BE49-F238E27FC236}">
-                <a16:creationId xmlns:a16="http://schemas.microsoft.com/office/drawing/2014/main" id="{03DDA0EC-0424-D44E-A2F2-30EFB2207FF1}"/>
-              </a:ext>
-            </a:extLst>
-          </p:cNvPr>
-          <p:cNvSpPr>
-            <a:spLocks noGrp="1"/>
-          </p:cNvSpPr>
-          <p:nvPr>
-            <p:ph type="ftr" sz="quarter" idx="11"/>
-          </p:nvPr>
-        </p:nvSpPr>
-        <p:spPr/>
-        <p:txBody>
-          <a:bodyPr/>
-          <a:lstStyle/>
-          <a:p>
-            <a:r>
-              <a:rPr kumimoji="1" lang="en-US" altLang="ja-JP"/>
-              <a:t>256hax</a:t>
-            </a:r>
-            <a:endParaRPr kumimoji="1" lang="ja-JP" altLang="en-US"/>
-          </a:p>
-        </p:txBody>
-      </p:sp>
-      <p:sp>
-        <p:nvSpPr>
-          <p:cNvPr id="5" name="スライド番号プレースホルダー 4">
-            <a:extLst>
-              <a:ext uri="{FF2B5EF4-FFF2-40B4-BE49-F238E27FC236}">
-                <a16:creationId xmlns:a16="http://schemas.microsoft.com/office/drawing/2014/main" id="{94CCCD99-BD8D-964F-99A9-262A5E9BBB71}"/>
-              </a:ext>
-            </a:extLst>
-          </p:cNvPr>
-          <p:cNvSpPr>
-            <a:spLocks noGrp="1"/>
-          </p:cNvSpPr>
-          <p:nvPr>
-            <p:ph type="sldNum" sz="quarter" idx="12"/>
-          </p:nvPr>
-        </p:nvSpPr>
-        <p:spPr/>
-        <p:txBody>
-          <a:bodyPr/>
-          <a:lstStyle/>
-          <a:p>
-            <a:fld id="{51BE5F08-58E8-9243-A834-2B76637F595D}" type="slidenum">
-              <a:rPr kumimoji="1" lang="ja-JP" altLang="en-US" smtClean="0"/>
-              <a:t>8</a:t>
-            </a:fld>
-            <a:endParaRPr kumimoji="1" lang="ja-JP" altLang="en-US"/>
-          </a:p>
-        </p:txBody>
-      </p:sp>
-    </p:spTree>
-    <p:extLst>
-      <p:ext uri="{BB962C8B-B14F-4D97-AF65-F5344CB8AC3E}">
-        <p14:creationId xmlns:p14="http://schemas.microsoft.com/office/powerpoint/2010/main" val="2345319226"/>
       </p:ext>
     </p:extLst>
   </p:cSld>
